--- a/SPC_Presentation.pptx
+++ b/SPC_Presentation.pptx
@@ -2409,7 +2409,7 @@
         <p:spPr>
           <a:xfrm>
             <a:off x="762000" y="457200"/>
-            <a:ext cx="8991600" cy="538609"/>
+            <a:ext cx="8991600" cy="1077218"/>
           </a:xfrm>
         </p:spPr>
         <p:txBody>
@@ -2420,17 +2420,19 @@
               <a:rPr lang="en-GB" noProof="0" dirty="0">
                 <a:latin typeface="Arial Black" panose="020B0A04020102020204" pitchFamily="34" charset="0"/>
               </a:rPr>
-              <a:t>Proposed </a:t>
-            </a:r>
-            <a:r>
-              <a:rPr lang="en-GB" noProof="0">
+              <a:t>Proposed solution –  </a:t>
+            </a:r>
+            <a:br>
+              <a:rPr lang="en-GB" noProof="0" dirty="0">
                 <a:latin typeface="Arial Black" panose="020B0A04020102020204" pitchFamily="34" charset="0"/>
               </a:rPr>
-              <a:t>solution –  </a:t>
-            </a:r>
-            <a:endParaRPr lang="en-GB" noProof="0" dirty="0">
-              <a:latin typeface="Arial Black" panose="020B0A04020102020204" pitchFamily="34" charset="0"/>
-            </a:endParaRPr>
+            </a:br>
+            <a:r>
+              <a:rPr lang="en-GB" noProof="0" dirty="0">
+                <a:latin typeface="Arial Black" panose="020B0A04020102020204" pitchFamily="34" charset="0"/>
+              </a:rPr>
+              <a:t>System setting</a:t>
+            </a:r>
           </a:p>
         </p:txBody>
       </p:sp>
@@ -2449,7 +2451,7 @@
         <p:spPr>
           <a:xfrm>
             <a:off x="762000" y="1676400"/>
-            <a:ext cx="9677400" cy="1200329"/>
+            <a:ext cx="9677400" cy="4154984"/>
           </a:xfrm>
           <a:prstGeom prst="rect">
             <a:avLst/>
@@ -2468,9 +2470,12 @@
                 <a:latin typeface="Arial" panose="020B0604020202020204" pitchFamily="34" charset="0"/>
                 <a:cs typeface="Arial" panose="020B0604020202020204" pitchFamily="34" charset="0"/>
               </a:rPr>
-              <a:t>a</a:t>
-            </a:r>
-            <a:endParaRPr lang="en-GB" sz="2400" i="1" noProof="0" dirty="0">
+              <a:t>The paper considers a LTI system of the form:</a:t>
+            </a:r>
+          </a:p>
+          <a:p>
+            <a:pPr algn="just"/>
+            <a:endParaRPr lang="en-GB" sz="2400" dirty="0">
               <a:latin typeface="Arial" panose="020B0604020202020204" pitchFamily="34" charset="0"/>
               <a:cs typeface="Arial" panose="020B0604020202020204" pitchFamily="34" charset="0"/>
             </a:endParaRPr>
@@ -2484,13 +2489,280 @@
           </a:p>
           <a:p>
             <a:pPr algn="just"/>
+            <a:endParaRPr lang="en-GB" sz="2400" dirty="0">
+              <a:latin typeface="Arial" panose="020B0604020202020204" pitchFamily="34" charset="0"/>
+              <a:cs typeface="Arial" panose="020B0604020202020204" pitchFamily="34" charset="0"/>
+            </a:endParaRPr>
+          </a:p>
+          <a:p>
+            <a:pPr algn="just"/>
             <a:endParaRPr lang="en-GB" sz="2400" noProof="0" dirty="0">
               <a:latin typeface="Arial" panose="020B0604020202020204" pitchFamily="34" charset="0"/>
               <a:cs typeface="Arial" panose="020B0604020202020204" pitchFamily="34" charset="0"/>
             </a:endParaRPr>
           </a:p>
-        </p:txBody>
-      </p:sp>
+          <a:p>
+            <a:pPr algn="just"/>
+            <a:endParaRPr lang="en-GB" sz="2400" dirty="0">
+              <a:latin typeface="Arial" panose="020B0604020202020204" pitchFamily="34" charset="0"/>
+              <a:cs typeface="Arial" panose="020B0604020202020204" pitchFamily="34" charset="0"/>
+            </a:endParaRPr>
+          </a:p>
+          <a:p>
+            <a:pPr algn="just"/>
+            <a:r>
+              <a:rPr lang="en-GB" sz="2400" noProof="0" dirty="0">
+                <a:latin typeface="Arial" panose="020B0604020202020204" pitchFamily="34" charset="0"/>
+                <a:cs typeface="Arial" panose="020B0604020202020204" pitchFamily="34" charset="0"/>
+              </a:rPr>
+              <a:t>Where: 	</a:t>
+            </a:r>
+          </a:p>
+          <a:p>
+            <a:pPr algn="just"/>
+            <a:r>
+              <a:rPr lang="en-GB" sz="2400" dirty="0">
+                <a:latin typeface="Arial" panose="020B0604020202020204" pitchFamily="34" charset="0"/>
+                <a:cs typeface="Arial" panose="020B0604020202020204" pitchFamily="34" charset="0"/>
+              </a:rPr>
+              <a:t>	  are the </a:t>
+            </a:r>
+            <a:r>
+              <a:rPr lang="en-GB" sz="2400" noProof="0" dirty="0">
+                <a:latin typeface="Arial" panose="020B0604020202020204" pitchFamily="34" charset="0"/>
+                <a:cs typeface="Arial" panose="020B0604020202020204" pitchFamily="34" charset="0"/>
+              </a:rPr>
+              <a:t>system inputs</a:t>
+            </a:r>
+          </a:p>
+          <a:p>
+            <a:pPr algn="just"/>
+            <a:r>
+              <a:rPr lang="en-GB" sz="2400" dirty="0">
+                <a:latin typeface="Arial" panose="020B0604020202020204" pitchFamily="34" charset="0"/>
+                <a:cs typeface="Arial" panose="020B0604020202020204" pitchFamily="34" charset="0"/>
+              </a:rPr>
+              <a:t>	  are the </a:t>
+            </a:r>
+            <a:r>
+              <a:rPr lang="en-GB" sz="2400" noProof="0" dirty="0">
+                <a:latin typeface="Arial" panose="020B0604020202020204" pitchFamily="34" charset="0"/>
+                <a:cs typeface="Arial" panose="020B0604020202020204" pitchFamily="34" charset="0"/>
+              </a:rPr>
+              <a:t>system outputs</a:t>
+            </a:r>
+          </a:p>
+          <a:p>
+            <a:pPr algn="just"/>
+            <a:r>
+              <a:rPr lang="en-GB" sz="2400" i="1" dirty="0">
+                <a:latin typeface="Arial" panose="020B0604020202020204" pitchFamily="34" charset="0"/>
+                <a:cs typeface="Arial" panose="020B0604020202020204" pitchFamily="34" charset="0"/>
+              </a:rPr>
+              <a:t>	  are the system states</a:t>
+            </a:r>
+            <a:endParaRPr lang="en-GB" sz="2400" noProof="0" dirty="0">
+              <a:latin typeface="Arial" panose="020B0604020202020204" pitchFamily="34" charset="0"/>
+              <a:cs typeface="Arial" panose="020B0604020202020204" pitchFamily="34" charset="0"/>
+            </a:endParaRPr>
+          </a:p>
+          <a:p>
+            <a:pPr algn="just"/>
+            <a:endParaRPr lang="en-GB" sz="2400" noProof="0" dirty="0">
+              <a:latin typeface="Arial" panose="020B0604020202020204" pitchFamily="34" charset="0"/>
+              <a:cs typeface="Arial" panose="020B0604020202020204" pitchFamily="34" charset="0"/>
+            </a:endParaRPr>
+          </a:p>
+        </p:txBody>
+      </p:sp>
+      <p:pic>
+        <p:nvPicPr>
+          <p:cNvPr id="1026" name="Picture 2">
+            <a:extLst>
+              <a:ext uri="{FF2B5EF4-FFF2-40B4-BE49-F238E27FC236}">
+                <a16:creationId xmlns:a16="http://schemas.microsoft.com/office/drawing/2014/main" id="{67F5D2AB-A58A-DBB5-8FD6-A0048A0AADF3}"/>
+              </a:ext>
+            </a:extLst>
+          </p:cNvPr>
+          <p:cNvPicPr>
+            <a:picLocks noChangeAspect="1" noChangeArrowheads="1"/>
+          </p:cNvPicPr>
+          <p:nvPr/>
+        </p:nvPicPr>
+        <p:blipFill>
+          <a:blip r:embed="rId2">
+            <a:extLst>
+              <a:ext uri="{28A0092B-C50C-407E-A947-70E740481C1C}">
+                <a14:useLocalDpi xmlns:a14="http://schemas.microsoft.com/office/drawing/2010/main" val="0"/>
+              </a:ext>
+            </a:extLst>
+          </a:blip>
+          <a:srcRect/>
+          <a:stretch>
+            <a:fillRect/>
+          </a:stretch>
+        </p:blipFill>
+        <p:spPr bwMode="auto">
+          <a:xfrm>
+            <a:off x="914400" y="2409673"/>
+            <a:ext cx="4535515" cy="1036260"/>
+          </a:xfrm>
+          <a:prstGeom prst="rect">
+            <a:avLst/>
+          </a:prstGeom>
+          <a:noFill/>
+          <a:extLst>
+            <a:ext uri="{909E8E84-426E-40DD-AFC4-6F175D3DCCD1}">
+              <a14:hiddenFill xmlns:a14="http://schemas.microsoft.com/office/drawing/2010/main">
+                <a:solidFill>
+                  <a:srgbClr val="FFFFFF"/>
+                </a:solidFill>
+              </a14:hiddenFill>
+            </a:ext>
+          </a:extLst>
+        </p:spPr>
+      </p:pic>
+      <p:pic>
+        <p:nvPicPr>
+          <p:cNvPr id="1037" name="Picture 13">
+            <a:extLst>
+              <a:ext uri="{FF2B5EF4-FFF2-40B4-BE49-F238E27FC236}">
+                <a16:creationId xmlns:a16="http://schemas.microsoft.com/office/drawing/2014/main" id="{22782CCD-2EDD-0D55-CB6A-90B8004B79A2}"/>
+              </a:ext>
+            </a:extLst>
+          </p:cNvPr>
+          <p:cNvPicPr>
+            <a:picLocks noChangeAspect="1" noChangeArrowheads="1"/>
+          </p:cNvPicPr>
+          <p:nvPr/>
+        </p:nvPicPr>
+        <p:blipFill rotWithShape="1">
+          <a:blip r:embed="rId3">
+            <a:extLst>
+              <a:ext uri="{28A0092B-C50C-407E-A947-70E740481C1C}">
+                <a14:useLocalDpi xmlns:a14="http://schemas.microsoft.com/office/drawing/2010/main" val="0"/>
+              </a:ext>
+            </a:extLst>
+          </a:blip>
+          <a:srcRect r="50000" b="11200"/>
+          <a:stretch>
+            <a:fillRect/>
+          </a:stretch>
+        </p:blipFill>
+        <p:spPr bwMode="auto">
+          <a:xfrm>
+            <a:off x="931333" y="4274956"/>
+            <a:ext cx="1042987" cy="363702"/>
+          </a:xfrm>
+          <a:prstGeom prst="rect">
+            <a:avLst/>
+          </a:prstGeom>
+          <a:noFill/>
+          <a:extLst>
+            <a:ext uri="{909E8E84-426E-40DD-AFC4-6F175D3DCCD1}">
+              <a14:hiddenFill xmlns:a14="http://schemas.microsoft.com/office/drawing/2010/main">
+                <a:solidFill>
+                  <a:srgbClr val="FFFFFF"/>
+                </a:solidFill>
+              </a14:hiddenFill>
+            </a:ext>
+          </a:extLst>
+        </p:spPr>
+      </p:pic>
+      <p:pic>
+        <p:nvPicPr>
+          <p:cNvPr id="1039" name="Picture 15">
+            <a:extLst>
+              <a:ext uri="{FF2B5EF4-FFF2-40B4-BE49-F238E27FC236}">
+                <a16:creationId xmlns:a16="http://schemas.microsoft.com/office/drawing/2014/main" id="{F2130169-7A62-2370-6033-AF59ED3C5407}"/>
+              </a:ext>
+            </a:extLst>
+          </p:cNvPr>
+          <p:cNvPicPr>
+            <a:picLocks noChangeAspect="1" noChangeArrowheads="1"/>
+          </p:cNvPicPr>
+          <p:nvPr/>
+        </p:nvPicPr>
+        <p:blipFill rotWithShape="1">
+          <a:blip r:embed="rId4">
+            <a:extLst>
+              <a:ext uri="{28A0092B-C50C-407E-A947-70E740481C1C}">
+                <a14:useLocalDpi xmlns:a14="http://schemas.microsoft.com/office/drawing/2010/main" val="0"/>
+              </a:ext>
+            </a:extLst>
+          </a:blip>
+          <a:srcRect r="47916"/>
+          <a:stretch>
+            <a:fillRect/>
+          </a:stretch>
+        </p:blipFill>
+        <p:spPr bwMode="auto">
+          <a:xfrm>
+            <a:off x="914401" y="4680626"/>
+            <a:ext cx="1042988" cy="424774"/>
+          </a:xfrm>
+          <a:prstGeom prst="rect">
+            <a:avLst/>
+          </a:prstGeom>
+          <a:noFill/>
+          <a:extLst>
+            <a:ext uri="{909E8E84-426E-40DD-AFC4-6F175D3DCCD1}">
+              <a14:hiddenFill xmlns:a14="http://schemas.microsoft.com/office/drawing/2010/main">
+                <a:solidFill>
+                  <a:srgbClr val="FFFFFF"/>
+                </a:solidFill>
+              </a14:hiddenFill>
+            </a:ext>
+          </a:extLst>
+        </p:spPr>
+      </p:pic>
+      <p:pic>
+        <p:nvPicPr>
+          <p:cNvPr id="1041" name="Picture 17">
+            <a:extLst>
+              <a:ext uri="{FF2B5EF4-FFF2-40B4-BE49-F238E27FC236}">
+                <a16:creationId xmlns:a16="http://schemas.microsoft.com/office/drawing/2014/main" id="{155CD979-0889-241F-CF57-01126C645996}"/>
+              </a:ext>
+            </a:extLst>
+          </p:cNvPr>
+          <p:cNvPicPr>
+            <a:picLocks noChangeAspect="1" noChangeArrowheads="1"/>
+          </p:cNvPicPr>
+          <p:nvPr/>
+        </p:nvPicPr>
+        <p:blipFill rotWithShape="1">
+          <a:blip r:embed="rId5">
+            <a:extLst>
+              <a:ext uri="{28A0092B-C50C-407E-A947-70E740481C1C}">
+                <a14:useLocalDpi xmlns:a14="http://schemas.microsoft.com/office/drawing/2010/main" val="0"/>
+              </a:ext>
+            </a:extLst>
+          </a:blip>
+          <a:srcRect r="46619"/>
+          <a:stretch>
+            <a:fillRect/>
+          </a:stretch>
+        </p:blipFill>
+        <p:spPr bwMode="auto">
+          <a:xfrm>
+            <a:off x="914401" y="5018928"/>
+            <a:ext cx="1059920" cy="424774"/>
+          </a:xfrm>
+          <a:prstGeom prst="rect">
+            <a:avLst/>
+          </a:prstGeom>
+          <a:noFill/>
+          <a:extLst>
+            <a:ext uri="{909E8E84-426E-40DD-AFC4-6F175D3DCCD1}">
+              <a14:hiddenFill xmlns:a14="http://schemas.microsoft.com/office/drawing/2010/main">
+                <a:solidFill>
+                  <a:srgbClr val="FFFFFF"/>
+                </a:solidFill>
+              </a14:hiddenFill>
+            </a:ext>
+          </a:extLst>
+        </p:spPr>
+      </p:pic>
     </p:spTree>
     <p:extLst>
       <p:ext uri="{BB962C8B-B14F-4D97-AF65-F5344CB8AC3E}">

--- a/SPC_Presentation.pptx
+++ b/SPC_Presentation.pptx
@@ -5,15 +5,23 @@
     <p:sldMasterId id="2147483648" r:id="rId1"/>
   </p:sldMasterIdLst>
   <p:notesMasterIdLst>
-    <p:notesMasterId r:id="rId8"/>
+    <p:notesMasterId r:id="rId16"/>
   </p:notesMasterIdLst>
   <p:sldIdLst>
     <p:sldId id="256" r:id="rId2"/>
     <p:sldId id="336" r:id="rId3"/>
     <p:sldId id="337" r:id="rId4"/>
     <p:sldId id="338" r:id="rId5"/>
-    <p:sldId id="339" r:id="rId6"/>
-    <p:sldId id="340" r:id="rId7"/>
+    <p:sldId id="341" r:id="rId6"/>
+    <p:sldId id="342" r:id="rId7"/>
+    <p:sldId id="343" r:id="rId8"/>
+    <p:sldId id="344" r:id="rId9"/>
+    <p:sldId id="345" r:id="rId10"/>
+    <p:sldId id="349" r:id="rId11"/>
+    <p:sldId id="346" r:id="rId12"/>
+    <p:sldId id="347" r:id="rId13"/>
+    <p:sldId id="339" r:id="rId14"/>
+    <p:sldId id="340" r:id="rId15"/>
   </p:sldIdLst>
   <p:sldSz cx="12192000" cy="6858000"/>
   <p:notesSz cx="12192000" cy="6858000"/>
@@ -123,7 +131,7 @@
           <a:p>
             <a:fld id="{52CF3C78-BFF9-4137-8833-13E3D0B09D8B}" type="datetimeFigureOut">
               <a:rPr lang="it-IT" smtClean="0"/>
-              <a:t>24/12/2025</a:t>
+              <a:t>27/12/2025</a:t>
             </a:fld>
             <a:endParaRPr lang="it-IT" dirty="0"/>
           </a:p>
@@ -541,7 +549,7 @@
           <a:p>
             <a:fld id="{1D8BD707-D9CF-40AE-B4C6-C98DA3205C09}" type="datetimeFigureOut">
               <a:rPr lang="en-US"/>
-              <a:t>12/24/2025</a:t>
+              <a:t>12/27/2025</a:t>
             </a:fld>
             <a:endParaRPr lang="en-US" dirty="0"/>
           </a:p>
@@ -718,7 +726,7 @@
           <a:p>
             <a:fld id="{1D8BD707-D9CF-40AE-B4C6-C98DA3205C09}" type="datetimeFigureOut">
               <a:rPr lang="en-US"/>
-              <a:t>12/24/2025</a:t>
+              <a:t>12/27/2025</a:t>
             </a:fld>
             <a:endParaRPr lang="en-US" dirty="0"/>
           </a:p>
@@ -932,7 +940,7 @@
           <a:p>
             <a:fld id="{1D8BD707-D9CF-40AE-B4C6-C98DA3205C09}" type="datetimeFigureOut">
               <a:rPr lang="en-US"/>
-              <a:t>12/24/2025</a:t>
+              <a:t>12/27/2025</a:t>
             </a:fld>
             <a:endParaRPr lang="en-US" dirty="0"/>
           </a:p>
@@ -1080,7 +1088,7 @@
           <a:p>
             <a:fld id="{1D8BD707-D9CF-40AE-B4C6-C98DA3205C09}" type="datetimeFigureOut">
               <a:rPr lang="en-US"/>
-              <a:t>12/24/2025</a:t>
+              <a:t>12/27/2025</a:t>
             </a:fld>
             <a:endParaRPr lang="en-US" dirty="0"/>
           </a:p>
@@ -1199,7 +1207,7 @@
           <a:p>
             <a:fld id="{1D8BD707-D9CF-40AE-B4C6-C98DA3205C09}" type="datetimeFigureOut">
               <a:rPr lang="en-US"/>
-              <a:t>12/24/2025</a:t>
+              <a:t>12/27/2025</a:t>
             </a:fld>
             <a:endParaRPr lang="en-US" dirty="0"/>
           </a:p>
@@ -1496,7 +1504,7 @@
           <a:p>
             <a:fld id="{1D8BD707-D9CF-40AE-B4C6-C98DA3205C09}" type="datetimeFigureOut">
               <a:rPr lang="en-US"/>
-              <a:t>12/24/2025</a:t>
+              <a:t>12/27/2025</a:t>
             </a:fld>
             <a:endParaRPr lang="en-US" dirty="0"/>
           </a:p>
@@ -2032,6 +2040,639 @@
 </p:sld>
 </file>
 
+<file path=ppt/slides/slide10.xml><?xml version="1.0" encoding="utf-8"?>
+<p:sld xmlns:a="http://schemas.openxmlformats.org/drawingml/2006/main" xmlns:r="http://schemas.openxmlformats.org/officeDocument/2006/relationships" xmlns:p="http://schemas.openxmlformats.org/presentationml/2006/main">
+  <p:cSld>
+    <p:spTree>
+      <p:nvGrpSpPr>
+        <p:cNvPr id="1" name="">
+          <a:extLst>
+            <a:ext uri="{FF2B5EF4-FFF2-40B4-BE49-F238E27FC236}">
+              <a16:creationId xmlns:a16="http://schemas.microsoft.com/office/drawing/2014/main" id="{DE25A748-8538-F760-9E6B-4F27E13A3FAF}"/>
+            </a:ext>
+          </a:extLst>
+        </p:cNvPr>
+        <p:cNvGrpSpPr/>
+        <p:nvPr/>
+      </p:nvGrpSpPr>
+      <p:grpSpPr>
+        <a:xfrm>
+          <a:off x="0" y="0"/>
+          <a:ext cx="0" cy="0"/>
+          <a:chOff x="0" y="0"/>
+          <a:chExt cx="0" cy="0"/>
+        </a:xfrm>
+      </p:grpSpPr>
+      <p:sp>
+        <p:nvSpPr>
+          <p:cNvPr id="10" name="Titolo 9">
+            <a:extLst>
+              <a:ext uri="{FF2B5EF4-FFF2-40B4-BE49-F238E27FC236}">
+                <a16:creationId xmlns:a16="http://schemas.microsoft.com/office/drawing/2014/main" id="{E760A000-055B-7F77-DE2E-D83FE64AA70F}"/>
+              </a:ext>
+            </a:extLst>
+          </p:cNvPr>
+          <p:cNvSpPr>
+            <a:spLocks noGrp="1"/>
+          </p:cNvSpPr>
+          <p:nvPr>
+            <p:ph type="title"/>
+          </p:nvPr>
+        </p:nvSpPr>
+        <p:spPr>
+          <a:xfrm>
+            <a:off x="761999" y="457200"/>
+            <a:ext cx="9691687" cy="538609"/>
+          </a:xfrm>
+        </p:spPr>
+        <p:txBody>
+          <a:bodyPr/>
+          <a:lstStyle/>
+          <a:p>
+            <a:r>
+              <a:rPr lang="en-GB" noProof="0" dirty="0">
+                <a:latin typeface="Arial Black" panose="020B0A04020102020204" pitchFamily="34" charset="0"/>
+              </a:rPr>
+              <a:t>Proposed solution – </a:t>
+            </a:r>
+            <a:r>
+              <a:rPr lang="en-GB" dirty="0">
+                <a:latin typeface="Arial Black" panose="020B0A04020102020204" pitchFamily="34" charset="0"/>
+              </a:rPr>
+              <a:t>MPC step 1</a:t>
+            </a:r>
+            <a:endParaRPr lang="en-GB" noProof="0" dirty="0">
+              <a:latin typeface="Arial Black" panose="020B0A04020102020204" pitchFamily="34" charset="0"/>
+            </a:endParaRPr>
+          </a:p>
+        </p:txBody>
+      </p:sp>
+      <p:sp>
+        <p:nvSpPr>
+          <p:cNvPr id="2" name="CasellaDiTesto 1">
+            <a:extLst>
+              <a:ext uri="{FF2B5EF4-FFF2-40B4-BE49-F238E27FC236}">
+                <a16:creationId xmlns:a16="http://schemas.microsoft.com/office/drawing/2014/main" id="{0367F24C-DB9D-043A-C3E0-240A6426CF81}"/>
+              </a:ext>
+            </a:extLst>
+          </p:cNvPr>
+          <p:cNvSpPr txBox="1"/>
+          <p:nvPr/>
+        </p:nvSpPr>
+        <p:spPr>
+          <a:xfrm>
+            <a:off x="723900" y="1191645"/>
+            <a:ext cx="10744200" cy="461665"/>
+          </a:xfrm>
+          <a:prstGeom prst="rect">
+            <a:avLst/>
+          </a:prstGeom>
+          <a:noFill/>
+        </p:spPr>
+        <p:txBody>
+          <a:bodyPr wrap="square">
+            <a:spAutoFit/>
+          </a:bodyPr>
+          <a:lstStyle/>
+          <a:p>
+            <a:pPr algn="just"/>
+            <a:r>
+              <a:rPr lang="it-IT" sz="2400" dirty="0">
+                <a:latin typeface="Arial" panose="020B0604020202020204" pitchFamily="34" charset="0"/>
+                <a:cs typeface="Arial" panose="020B0604020202020204" pitchFamily="34" charset="0"/>
+              </a:rPr>
+              <a:t>AAA</a:t>
+            </a:r>
+            <a:endParaRPr lang="it-IT" sz="2400" noProof="0" dirty="0">
+              <a:latin typeface="Arial" panose="020B0604020202020204" pitchFamily="34" charset="0"/>
+              <a:cs typeface="Arial" panose="020B0604020202020204" pitchFamily="34" charset="0"/>
+            </a:endParaRPr>
+          </a:p>
+        </p:txBody>
+      </p:sp>
+    </p:spTree>
+    <p:extLst>
+      <p:ext uri="{BB962C8B-B14F-4D97-AF65-F5344CB8AC3E}">
+        <p14:creationId xmlns:p14="http://schemas.microsoft.com/office/powerpoint/2010/main" val="1531629937"/>
+      </p:ext>
+    </p:extLst>
+  </p:cSld>
+  <p:clrMapOvr>
+    <a:masterClrMapping/>
+  </p:clrMapOvr>
+</p:sld>
+</file>
+
+<file path=ppt/slides/slide11.xml><?xml version="1.0" encoding="utf-8"?>
+<p:sld xmlns:a="http://schemas.openxmlformats.org/drawingml/2006/main" xmlns:r="http://schemas.openxmlformats.org/officeDocument/2006/relationships" xmlns:p="http://schemas.openxmlformats.org/presentationml/2006/main">
+  <p:cSld>
+    <p:spTree>
+      <p:nvGrpSpPr>
+        <p:cNvPr id="1" name="">
+          <a:extLst>
+            <a:ext uri="{FF2B5EF4-FFF2-40B4-BE49-F238E27FC236}">
+              <a16:creationId xmlns:a16="http://schemas.microsoft.com/office/drawing/2014/main" id="{BC32A103-772A-6F4E-43CD-BAD0F96AE080}"/>
+            </a:ext>
+          </a:extLst>
+        </p:cNvPr>
+        <p:cNvGrpSpPr/>
+        <p:nvPr/>
+      </p:nvGrpSpPr>
+      <p:grpSpPr>
+        <a:xfrm>
+          <a:off x="0" y="0"/>
+          <a:ext cx="0" cy="0"/>
+          <a:chOff x="0" y="0"/>
+          <a:chExt cx="0" cy="0"/>
+        </a:xfrm>
+      </p:grpSpPr>
+      <p:sp>
+        <p:nvSpPr>
+          <p:cNvPr id="10" name="Titolo 9">
+            <a:extLst>
+              <a:ext uri="{FF2B5EF4-FFF2-40B4-BE49-F238E27FC236}">
+                <a16:creationId xmlns:a16="http://schemas.microsoft.com/office/drawing/2014/main" id="{EB99D7A1-39CC-A3DC-F5B5-B982E07118B9}"/>
+              </a:ext>
+            </a:extLst>
+          </p:cNvPr>
+          <p:cNvSpPr>
+            <a:spLocks noGrp="1"/>
+          </p:cNvSpPr>
+          <p:nvPr>
+            <p:ph type="title"/>
+          </p:nvPr>
+        </p:nvSpPr>
+        <p:spPr>
+          <a:xfrm>
+            <a:off x="761999" y="457200"/>
+            <a:ext cx="9691687" cy="538609"/>
+          </a:xfrm>
+        </p:spPr>
+        <p:txBody>
+          <a:bodyPr/>
+          <a:lstStyle/>
+          <a:p>
+            <a:r>
+              <a:rPr lang="en-GB" noProof="0" dirty="0">
+                <a:latin typeface="Arial Black" panose="020B0A04020102020204" pitchFamily="34" charset="0"/>
+              </a:rPr>
+              <a:t>Proposed solution – </a:t>
+            </a:r>
+            <a:r>
+              <a:rPr lang="en-GB" dirty="0">
+                <a:latin typeface="Arial Black" panose="020B0A04020102020204" pitchFamily="34" charset="0"/>
+              </a:rPr>
+              <a:t>MPC step 2</a:t>
+            </a:r>
+            <a:endParaRPr lang="en-GB" noProof="0" dirty="0">
+              <a:latin typeface="Arial Black" panose="020B0A04020102020204" pitchFamily="34" charset="0"/>
+            </a:endParaRPr>
+          </a:p>
+        </p:txBody>
+      </p:sp>
+      <p:sp>
+        <p:nvSpPr>
+          <p:cNvPr id="2" name="CasellaDiTesto 1">
+            <a:extLst>
+              <a:ext uri="{FF2B5EF4-FFF2-40B4-BE49-F238E27FC236}">
+                <a16:creationId xmlns:a16="http://schemas.microsoft.com/office/drawing/2014/main" id="{1AD414A0-A715-1469-0125-37B4B3F31316}"/>
+              </a:ext>
+            </a:extLst>
+          </p:cNvPr>
+          <p:cNvSpPr txBox="1"/>
+          <p:nvPr/>
+        </p:nvSpPr>
+        <p:spPr>
+          <a:xfrm>
+            <a:off x="723900" y="1191645"/>
+            <a:ext cx="10744200" cy="461665"/>
+          </a:xfrm>
+          <a:prstGeom prst="rect">
+            <a:avLst/>
+          </a:prstGeom>
+          <a:noFill/>
+        </p:spPr>
+        <p:txBody>
+          <a:bodyPr wrap="square">
+            <a:spAutoFit/>
+          </a:bodyPr>
+          <a:lstStyle/>
+          <a:p>
+            <a:pPr algn="just"/>
+            <a:r>
+              <a:rPr lang="it-IT" sz="2400" dirty="0">
+                <a:latin typeface="Arial" panose="020B0604020202020204" pitchFamily="34" charset="0"/>
+                <a:cs typeface="Arial" panose="020B0604020202020204" pitchFamily="34" charset="0"/>
+              </a:rPr>
+              <a:t>AAA</a:t>
+            </a:r>
+            <a:endParaRPr lang="it-IT" sz="2400" noProof="0" dirty="0">
+              <a:latin typeface="Arial" panose="020B0604020202020204" pitchFamily="34" charset="0"/>
+              <a:cs typeface="Arial" panose="020B0604020202020204" pitchFamily="34" charset="0"/>
+            </a:endParaRPr>
+          </a:p>
+        </p:txBody>
+      </p:sp>
+    </p:spTree>
+    <p:extLst>
+      <p:ext uri="{BB962C8B-B14F-4D97-AF65-F5344CB8AC3E}">
+        <p14:creationId xmlns:p14="http://schemas.microsoft.com/office/powerpoint/2010/main" val="3531124739"/>
+      </p:ext>
+    </p:extLst>
+  </p:cSld>
+  <p:clrMapOvr>
+    <a:masterClrMapping/>
+  </p:clrMapOvr>
+</p:sld>
+</file>
+
+<file path=ppt/slides/slide12.xml><?xml version="1.0" encoding="utf-8"?>
+<p:sld xmlns:a="http://schemas.openxmlformats.org/drawingml/2006/main" xmlns:r="http://schemas.openxmlformats.org/officeDocument/2006/relationships" xmlns:p="http://schemas.openxmlformats.org/presentationml/2006/main">
+  <p:cSld>
+    <p:spTree>
+      <p:nvGrpSpPr>
+        <p:cNvPr id="1" name="">
+          <a:extLst>
+            <a:ext uri="{FF2B5EF4-FFF2-40B4-BE49-F238E27FC236}">
+              <a16:creationId xmlns:a16="http://schemas.microsoft.com/office/drawing/2014/main" id="{C8759C14-EBB6-6344-2910-2927E71A651A}"/>
+            </a:ext>
+          </a:extLst>
+        </p:cNvPr>
+        <p:cNvGrpSpPr/>
+        <p:nvPr/>
+      </p:nvGrpSpPr>
+      <p:grpSpPr>
+        <a:xfrm>
+          <a:off x="0" y="0"/>
+          <a:ext cx="0" cy="0"/>
+          <a:chOff x="0" y="0"/>
+          <a:chExt cx="0" cy="0"/>
+        </a:xfrm>
+      </p:grpSpPr>
+      <p:sp>
+        <p:nvSpPr>
+          <p:cNvPr id="10" name="Titolo 9">
+            <a:extLst>
+              <a:ext uri="{FF2B5EF4-FFF2-40B4-BE49-F238E27FC236}">
+                <a16:creationId xmlns:a16="http://schemas.microsoft.com/office/drawing/2014/main" id="{D2762B76-6482-5725-B41E-FD5833AEE37D}"/>
+              </a:ext>
+            </a:extLst>
+          </p:cNvPr>
+          <p:cNvSpPr>
+            <a:spLocks noGrp="1"/>
+          </p:cNvSpPr>
+          <p:nvPr>
+            <p:ph type="title"/>
+          </p:nvPr>
+        </p:nvSpPr>
+        <p:spPr>
+          <a:xfrm>
+            <a:off x="761999" y="457200"/>
+            <a:ext cx="9691687" cy="538609"/>
+          </a:xfrm>
+        </p:spPr>
+        <p:txBody>
+          <a:bodyPr/>
+          <a:lstStyle/>
+          <a:p>
+            <a:r>
+              <a:rPr lang="en-GB" noProof="0" dirty="0">
+                <a:latin typeface="Arial Black" panose="020B0A04020102020204" pitchFamily="34" charset="0"/>
+              </a:rPr>
+              <a:t>Proposed solution – </a:t>
+            </a:r>
+            <a:r>
+              <a:rPr lang="en-GB" dirty="0">
+                <a:latin typeface="Arial Black" panose="020B0A04020102020204" pitchFamily="34" charset="0"/>
+              </a:rPr>
+              <a:t>MPC step 3</a:t>
+            </a:r>
+            <a:endParaRPr lang="en-GB" noProof="0" dirty="0">
+              <a:latin typeface="Arial Black" panose="020B0A04020102020204" pitchFamily="34" charset="0"/>
+            </a:endParaRPr>
+          </a:p>
+        </p:txBody>
+      </p:sp>
+      <p:sp>
+        <p:nvSpPr>
+          <p:cNvPr id="2" name="CasellaDiTesto 1">
+            <a:extLst>
+              <a:ext uri="{FF2B5EF4-FFF2-40B4-BE49-F238E27FC236}">
+                <a16:creationId xmlns:a16="http://schemas.microsoft.com/office/drawing/2014/main" id="{3A93BD2B-FED2-0A1F-5ED0-9735CB6DBB4E}"/>
+              </a:ext>
+            </a:extLst>
+          </p:cNvPr>
+          <p:cNvSpPr txBox="1"/>
+          <p:nvPr/>
+        </p:nvSpPr>
+        <p:spPr>
+          <a:xfrm>
+            <a:off x="723900" y="1191645"/>
+            <a:ext cx="10744200" cy="461665"/>
+          </a:xfrm>
+          <a:prstGeom prst="rect">
+            <a:avLst/>
+          </a:prstGeom>
+          <a:noFill/>
+        </p:spPr>
+        <p:txBody>
+          <a:bodyPr wrap="square">
+            <a:spAutoFit/>
+          </a:bodyPr>
+          <a:lstStyle/>
+          <a:p>
+            <a:pPr algn="just"/>
+            <a:r>
+              <a:rPr lang="it-IT" sz="2400" dirty="0">
+                <a:latin typeface="Arial" panose="020B0604020202020204" pitchFamily="34" charset="0"/>
+                <a:cs typeface="Arial" panose="020B0604020202020204" pitchFamily="34" charset="0"/>
+              </a:rPr>
+              <a:t>AAA</a:t>
+            </a:r>
+            <a:endParaRPr lang="it-IT" sz="2400" noProof="0" dirty="0">
+              <a:latin typeface="Arial" panose="020B0604020202020204" pitchFamily="34" charset="0"/>
+              <a:cs typeface="Arial" panose="020B0604020202020204" pitchFamily="34" charset="0"/>
+            </a:endParaRPr>
+          </a:p>
+        </p:txBody>
+      </p:sp>
+    </p:spTree>
+    <p:extLst>
+      <p:ext uri="{BB962C8B-B14F-4D97-AF65-F5344CB8AC3E}">
+        <p14:creationId xmlns:p14="http://schemas.microsoft.com/office/powerpoint/2010/main" val="2857548665"/>
+      </p:ext>
+    </p:extLst>
+  </p:cSld>
+  <p:clrMapOvr>
+    <a:masterClrMapping/>
+  </p:clrMapOvr>
+</p:sld>
+</file>
+
+<file path=ppt/slides/slide13.xml><?xml version="1.0" encoding="utf-8"?>
+<p:sld xmlns:a="http://schemas.openxmlformats.org/drawingml/2006/main" xmlns:r="http://schemas.openxmlformats.org/officeDocument/2006/relationships" xmlns:p="http://schemas.openxmlformats.org/presentationml/2006/main">
+  <p:cSld>
+    <p:spTree>
+      <p:nvGrpSpPr>
+        <p:cNvPr id="1" name="">
+          <a:extLst>
+            <a:ext uri="{FF2B5EF4-FFF2-40B4-BE49-F238E27FC236}">
+              <a16:creationId xmlns:a16="http://schemas.microsoft.com/office/drawing/2014/main" id="{5255A212-F7F3-E3A6-4384-717E60898F7B}"/>
+            </a:ext>
+          </a:extLst>
+        </p:cNvPr>
+        <p:cNvGrpSpPr/>
+        <p:nvPr/>
+      </p:nvGrpSpPr>
+      <p:grpSpPr>
+        <a:xfrm>
+          <a:off x="0" y="0"/>
+          <a:ext cx="0" cy="0"/>
+          <a:chOff x="0" y="0"/>
+          <a:chExt cx="0" cy="0"/>
+        </a:xfrm>
+      </p:grpSpPr>
+      <p:sp>
+        <p:nvSpPr>
+          <p:cNvPr id="10" name="Titolo 9">
+            <a:extLst>
+              <a:ext uri="{FF2B5EF4-FFF2-40B4-BE49-F238E27FC236}">
+                <a16:creationId xmlns:a16="http://schemas.microsoft.com/office/drawing/2014/main" id="{8895E181-0BB5-68A0-F54D-4F4FCCFB8F29}"/>
+              </a:ext>
+            </a:extLst>
+          </p:cNvPr>
+          <p:cNvSpPr>
+            <a:spLocks noGrp="1"/>
+          </p:cNvSpPr>
+          <p:nvPr>
+            <p:ph type="title"/>
+          </p:nvPr>
+        </p:nvSpPr>
+        <p:spPr>
+          <a:xfrm>
+            <a:off x="762000" y="457200"/>
+            <a:ext cx="8991600" cy="1077218"/>
+          </a:xfrm>
+        </p:spPr>
+        <p:txBody>
+          <a:bodyPr/>
+          <a:lstStyle/>
+          <a:p>
+            <a:r>
+              <a:rPr lang="en-GB" noProof="0" dirty="0">
+                <a:latin typeface="Arial Black" panose="020B0A04020102020204" pitchFamily="34" charset="0"/>
+              </a:rPr>
+              <a:t>Practical implementation – </a:t>
+            </a:r>
+            <a:br>
+              <a:rPr lang="en-GB" noProof="0" dirty="0">
+                <a:latin typeface="Arial Black" panose="020B0A04020102020204" pitchFamily="34" charset="0"/>
+              </a:rPr>
+            </a:br>
+            <a:endParaRPr lang="en-GB" noProof="0" dirty="0">
+              <a:latin typeface="Arial Black" panose="020B0A04020102020204" pitchFamily="34" charset="0"/>
+            </a:endParaRPr>
+          </a:p>
+        </p:txBody>
+      </p:sp>
+      <p:sp>
+        <p:nvSpPr>
+          <p:cNvPr id="4" name="CasellaDiTesto 3">
+            <a:extLst>
+              <a:ext uri="{FF2B5EF4-FFF2-40B4-BE49-F238E27FC236}">
+                <a16:creationId xmlns:a16="http://schemas.microsoft.com/office/drawing/2014/main" id="{BE214AF7-BD5F-1697-AC34-4C091718BD70}"/>
+              </a:ext>
+            </a:extLst>
+          </p:cNvPr>
+          <p:cNvSpPr txBox="1"/>
+          <p:nvPr/>
+        </p:nvSpPr>
+        <p:spPr>
+          <a:xfrm>
+            <a:off x="762000" y="1676400"/>
+            <a:ext cx="9677400" cy="1200329"/>
+          </a:xfrm>
+          <a:prstGeom prst="rect">
+            <a:avLst/>
+          </a:prstGeom>
+          <a:noFill/>
+        </p:spPr>
+        <p:txBody>
+          <a:bodyPr wrap="square">
+            <a:spAutoFit/>
+          </a:bodyPr>
+          <a:lstStyle/>
+          <a:p>
+            <a:pPr algn="just"/>
+            <a:r>
+              <a:rPr lang="en-GB" sz="2400" noProof="0" dirty="0">
+                <a:latin typeface="Arial" panose="020B0604020202020204" pitchFamily="34" charset="0"/>
+                <a:cs typeface="Arial" panose="020B0604020202020204" pitchFamily="34" charset="0"/>
+              </a:rPr>
+              <a:t>a</a:t>
+            </a:r>
+            <a:endParaRPr lang="en-GB" sz="2400" i="1" noProof="0" dirty="0">
+              <a:latin typeface="Arial" panose="020B0604020202020204" pitchFamily="34" charset="0"/>
+              <a:cs typeface="Arial" panose="020B0604020202020204" pitchFamily="34" charset="0"/>
+            </a:endParaRPr>
+          </a:p>
+          <a:p>
+            <a:pPr algn="just"/>
+            <a:endParaRPr lang="en-GB" sz="2400" noProof="0" dirty="0">
+              <a:latin typeface="Arial" panose="020B0604020202020204" pitchFamily="34" charset="0"/>
+              <a:cs typeface="Arial" panose="020B0604020202020204" pitchFamily="34" charset="0"/>
+            </a:endParaRPr>
+          </a:p>
+          <a:p>
+            <a:pPr algn="just"/>
+            <a:endParaRPr lang="en-GB" sz="2400" noProof="0" dirty="0">
+              <a:latin typeface="Arial" panose="020B0604020202020204" pitchFamily="34" charset="0"/>
+              <a:cs typeface="Arial" panose="020B0604020202020204" pitchFamily="34" charset="0"/>
+            </a:endParaRPr>
+          </a:p>
+        </p:txBody>
+      </p:sp>
+    </p:spTree>
+    <p:extLst>
+      <p:ext uri="{BB962C8B-B14F-4D97-AF65-F5344CB8AC3E}">
+        <p14:creationId xmlns:p14="http://schemas.microsoft.com/office/powerpoint/2010/main" val="2424430597"/>
+      </p:ext>
+    </p:extLst>
+  </p:cSld>
+  <p:clrMapOvr>
+    <a:masterClrMapping/>
+  </p:clrMapOvr>
+</p:sld>
+</file>
+
+<file path=ppt/slides/slide14.xml><?xml version="1.0" encoding="utf-8"?>
+<p:sld xmlns:a="http://schemas.openxmlformats.org/drawingml/2006/main" xmlns:r="http://schemas.openxmlformats.org/officeDocument/2006/relationships" xmlns:p="http://schemas.openxmlformats.org/presentationml/2006/main">
+  <p:cSld>
+    <p:spTree>
+      <p:nvGrpSpPr>
+        <p:cNvPr id="1" name="">
+          <a:extLst>
+            <a:ext uri="{FF2B5EF4-FFF2-40B4-BE49-F238E27FC236}">
+              <a16:creationId xmlns:a16="http://schemas.microsoft.com/office/drawing/2014/main" id="{67FFD052-A6E4-4EA3-40C9-0D7F9ED82C6C}"/>
+            </a:ext>
+          </a:extLst>
+        </p:cNvPr>
+        <p:cNvGrpSpPr/>
+        <p:nvPr/>
+      </p:nvGrpSpPr>
+      <p:grpSpPr>
+        <a:xfrm>
+          <a:off x="0" y="0"/>
+          <a:ext cx="0" cy="0"/>
+          <a:chOff x="0" y="0"/>
+          <a:chExt cx="0" cy="0"/>
+        </a:xfrm>
+      </p:grpSpPr>
+      <p:sp>
+        <p:nvSpPr>
+          <p:cNvPr id="10" name="Titolo 9">
+            <a:extLst>
+              <a:ext uri="{FF2B5EF4-FFF2-40B4-BE49-F238E27FC236}">
+                <a16:creationId xmlns:a16="http://schemas.microsoft.com/office/drawing/2014/main" id="{14853C74-3D76-BB45-5EBD-2082D50CCEE3}"/>
+              </a:ext>
+            </a:extLst>
+          </p:cNvPr>
+          <p:cNvSpPr>
+            <a:spLocks noGrp="1"/>
+          </p:cNvSpPr>
+          <p:nvPr>
+            <p:ph type="title"/>
+          </p:nvPr>
+        </p:nvSpPr>
+        <p:spPr>
+          <a:xfrm>
+            <a:off x="762000" y="457200"/>
+            <a:ext cx="8991600" cy="538609"/>
+          </a:xfrm>
+        </p:spPr>
+        <p:txBody>
+          <a:bodyPr/>
+          <a:lstStyle/>
+          <a:p>
+            <a:r>
+              <a:rPr lang="en-GB" noProof="0" dirty="0">
+                <a:latin typeface="Arial Black" panose="020B0A04020102020204" pitchFamily="34" charset="0"/>
+              </a:rPr>
+              <a:t>Results</a:t>
+            </a:r>
+          </a:p>
+        </p:txBody>
+      </p:sp>
+      <p:sp>
+        <p:nvSpPr>
+          <p:cNvPr id="4" name="CasellaDiTesto 3">
+            <a:extLst>
+              <a:ext uri="{FF2B5EF4-FFF2-40B4-BE49-F238E27FC236}">
+                <a16:creationId xmlns:a16="http://schemas.microsoft.com/office/drawing/2014/main" id="{D2E4F1D8-6E3E-1635-DEBC-9C2A6FBDE9CC}"/>
+              </a:ext>
+            </a:extLst>
+          </p:cNvPr>
+          <p:cNvSpPr txBox="1"/>
+          <p:nvPr/>
+        </p:nvSpPr>
+        <p:spPr>
+          <a:xfrm>
+            <a:off x="762000" y="1676400"/>
+            <a:ext cx="9677400" cy="1200329"/>
+          </a:xfrm>
+          <a:prstGeom prst="rect">
+            <a:avLst/>
+          </a:prstGeom>
+          <a:noFill/>
+        </p:spPr>
+        <p:txBody>
+          <a:bodyPr wrap="square">
+            <a:spAutoFit/>
+          </a:bodyPr>
+          <a:lstStyle/>
+          <a:p>
+            <a:pPr algn="just"/>
+            <a:r>
+              <a:rPr lang="en-GB" sz="2400" noProof="0" dirty="0">
+                <a:latin typeface="Arial" panose="020B0604020202020204" pitchFamily="34" charset="0"/>
+                <a:cs typeface="Arial" panose="020B0604020202020204" pitchFamily="34" charset="0"/>
+              </a:rPr>
+              <a:t>a</a:t>
+            </a:r>
+            <a:endParaRPr lang="en-GB" sz="2400" i="1" noProof="0" dirty="0">
+              <a:latin typeface="Arial" panose="020B0604020202020204" pitchFamily="34" charset="0"/>
+              <a:cs typeface="Arial" panose="020B0604020202020204" pitchFamily="34" charset="0"/>
+            </a:endParaRPr>
+          </a:p>
+          <a:p>
+            <a:pPr algn="just"/>
+            <a:endParaRPr lang="en-GB" sz="2400" noProof="0" dirty="0">
+              <a:latin typeface="Arial" panose="020B0604020202020204" pitchFamily="34" charset="0"/>
+              <a:cs typeface="Arial" panose="020B0604020202020204" pitchFamily="34" charset="0"/>
+            </a:endParaRPr>
+          </a:p>
+          <a:p>
+            <a:pPr algn="just"/>
+            <a:endParaRPr lang="en-GB" sz="2400" noProof="0" dirty="0">
+              <a:latin typeface="Arial" panose="020B0604020202020204" pitchFamily="34" charset="0"/>
+              <a:cs typeface="Arial" panose="020B0604020202020204" pitchFamily="34" charset="0"/>
+            </a:endParaRPr>
+          </a:p>
+        </p:txBody>
+      </p:sp>
+    </p:spTree>
+    <p:extLst>
+      <p:ext uri="{BB962C8B-B14F-4D97-AF65-F5344CB8AC3E}">
+        <p14:creationId xmlns:p14="http://schemas.microsoft.com/office/powerpoint/2010/main" val="2274619447"/>
+      </p:ext>
+    </p:extLst>
+  </p:cSld>
+  <p:clrMapOvr>
+    <a:masterClrMapping/>
+  </p:clrMapOvr>
+</p:sld>
+</file>
+
 <file path=ppt/slides/slide2.xml><?xml version="1.0" encoding="utf-8"?>
 <p:sld xmlns:a="http://schemas.openxmlformats.org/drawingml/2006/main" xmlns:r="http://schemas.openxmlformats.org/officeDocument/2006/relationships" xmlns:p="http://schemas.openxmlformats.org/presentationml/2006/main">
   <p:cSld>
@@ -2451,7 +3092,7 @@
         <p:spPr>
           <a:xfrm>
             <a:off x="762000" y="1676400"/>
-            <a:ext cx="9677400" cy="4154984"/>
+            <a:ext cx="9753600" cy="3785652"/>
           </a:xfrm>
           <a:prstGeom prst="rect">
             <a:avLst/>
@@ -2532,7 +3173,7 @@
                 <a:latin typeface="Arial" panose="020B0604020202020204" pitchFamily="34" charset="0"/>
                 <a:cs typeface="Arial" panose="020B0604020202020204" pitchFamily="34" charset="0"/>
               </a:rPr>
-              <a:t>system inputs</a:t>
+              <a:t>system inputs			is the noise sequence</a:t>
             </a:r>
           </a:p>
           <a:p>
@@ -2549,7 +3190,7 @@
                 <a:latin typeface="Arial" panose="020B0604020202020204" pitchFamily="34" charset="0"/>
                 <a:cs typeface="Arial" panose="020B0604020202020204" pitchFamily="34" charset="0"/>
               </a:rPr>
-              <a:t>system outputs</a:t>
+              <a:t>system outputs		</a:t>
             </a:r>
           </a:p>
           <a:p>
@@ -2559,15 +3200,64 @@
                 <a:latin typeface="Arial" panose="020B0604020202020204" pitchFamily="34" charset="0"/>
                 <a:cs typeface="Arial" panose="020B0604020202020204" pitchFamily="34" charset="0"/>
               </a:rPr>
-              <a:t>	  are the system states</a:t>
-            </a:r>
-            <a:endParaRPr lang="en-GB" sz="2400" noProof="0" dirty="0">
-              <a:latin typeface="Arial" panose="020B0604020202020204" pitchFamily="34" charset="0"/>
-              <a:cs typeface="Arial" panose="020B0604020202020204" pitchFamily="34" charset="0"/>
-            </a:endParaRPr>
-          </a:p>
-          <a:p>
-            <a:pPr algn="just"/>
+              <a:t>	  are the system states		</a:t>
+            </a:r>
+            <a:r>
+              <a:rPr lang="en-GB" sz="2400" noProof="0" dirty="0">
+                <a:latin typeface="Arial" panose="020B0604020202020204" pitchFamily="34" charset="0"/>
+                <a:cs typeface="Arial" panose="020B0604020202020204" pitchFamily="34" charset="0"/>
+              </a:rPr>
+              <a:t> only </a:t>
+            </a:r>
+            <a:r>
+              <a:rPr lang="en-GB" sz="2400" noProof="0" dirty="0" err="1">
+                <a:latin typeface="Arial" panose="020B0604020202020204" pitchFamily="34" charset="0"/>
+                <a:cs typeface="Arial" panose="020B0604020202020204" pitchFamily="34" charset="0"/>
+              </a:rPr>
+              <a:t>y</a:t>
+            </a:r>
+            <a:r>
+              <a:rPr lang="en-GB" sz="1200" noProof="0" dirty="0" err="1">
+                <a:latin typeface="Arial" panose="020B0604020202020204" pitchFamily="34" charset="0"/>
+                <a:cs typeface="Arial" panose="020B0604020202020204" pitchFamily="34" charset="0"/>
+              </a:rPr>
+              <a:t>t</a:t>
+            </a:r>
+            <a:r>
+              <a:rPr lang="en-GB" sz="2400" noProof="0" dirty="0">
+                <a:latin typeface="Arial" panose="020B0604020202020204" pitchFamily="34" charset="0"/>
+                <a:cs typeface="Arial" panose="020B0604020202020204" pitchFamily="34" charset="0"/>
+              </a:rPr>
+              <a:t> and </a:t>
+            </a:r>
+            <a:r>
+              <a:rPr lang="en-GB" sz="2400" noProof="0" dirty="0" err="1">
+                <a:latin typeface="Arial" panose="020B0604020202020204" pitchFamily="34" charset="0"/>
+                <a:cs typeface="Arial" panose="020B0604020202020204" pitchFamily="34" charset="0"/>
+              </a:rPr>
+              <a:t>u</a:t>
+            </a:r>
+            <a:r>
+              <a:rPr lang="en-GB" sz="1200" noProof="0" dirty="0" err="1">
+                <a:latin typeface="Arial" panose="020B0604020202020204" pitchFamily="34" charset="0"/>
+                <a:cs typeface="Arial" panose="020B0604020202020204" pitchFamily="34" charset="0"/>
+              </a:rPr>
+              <a:t>t</a:t>
+            </a:r>
+            <a:r>
+              <a:rPr lang="en-GB" sz="2400" noProof="0" dirty="0">
+                <a:latin typeface="Arial" panose="020B0604020202020204" pitchFamily="34" charset="0"/>
+                <a:cs typeface="Arial" panose="020B0604020202020204" pitchFamily="34" charset="0"/>
+              </a:rPr>
+              <a:t> are </a:t>
+            </a:r>
+            <a:r>
+              <a:rPr lang="en-GB" sz="2400" i="1" dirty="0">
+                <a:latin typeface="Arial" panose="020B0604020202020204" pitchFamily="34" charset="0"/>
+                <a:cs typeface="Arial" panose="020B0604020202020204" pitchFamily="34" charset="0"/>
+              </a:rPr>
+              <a:t>known 	</a:t>
+            </a:r>
             <a:endParaRPr lang="en-GB" sz="2400" noProof="0" dirty="0">
               <a:latin typeface="Arial" panose="020B0604020202020204" pitchFamily="34" charset="0"/>
               <a:cs typeface="Arial" panose="020B0604020202020204" pitchFamily="34" charset="0"/>
@@ -2763,6 +3453,100 @@
           </a:extLst>
         </p:spPr>
       </p:pic>
+      <p:pic>
+        <p:nvPicPr>
+          <p:cNvPr id="2" name="Picture 2">
+            <a:extLst>
+              <a:ext uri="{FF2B5EF4-FFF2-40B4-BE49-F238E27FC236}">
+                <a16:creationId xmlns:a16="http://schemas.microsoft.com/office/drawing/2014/main" id="{804C8C31-9EE7-2A9B-EBD8-FEC10261F0A6}"/>
+              </a:ext>
+            </a:extLst>
+          </p:cNvPr>
+          <p:cNvPicPr>
+            <a:picLocks noChangeAspect="1" noChangeArrowheads="1"/>
+          </p:cNvPicPr>
+          <p:nvPr/>
+        </p:nvPicPr>
+        <p:blipFill>
+          <a:blip r:embed="rId6">
+            <a:extLst>
+              <a:ext uri="{28A0092B-C50C-407E-A947-70E740481C1C}">
+                <a14:useLocalDpi xmlns:a14="http://schemas.microsoft.com/office/drawing/2010/main" val="0"/>
+              </a:ext>
+            </a:extLst>
+          </a:blip>
+          <a:srcRect/>
+          <a:stretch>
+            <a:fillRect/>
+          </a:stretch>
+        </p:blipFill>
+        <p:spPr bwMode="auto">
+          <a:xfrm>
+            <a:off x="5867400" y="4313058"/>
+            <a:ext cx="222779" cy="325600"/>
+          </a:xfrm>
+          <a:prstGeom prst="rect">
+            <a:avLst/>
+          </a:prstGeom>
+          <a:noFill/>
+          <a:extLst>
+            <a:ext uri="{909E8E84-426E-40DD-AFC4-6F175D3DCCD1}">
+              <a14:hiddenFill xmlns:a14="http://schemas.microsoft.com/office/drawing/2010/main">
+                <a:solidFill>
+                  <a:srgbClr val="FFFFFF"/>
+                </a:solidFill>
+              </a14:hiddenFill>
+            </a:ext>
+          </a:extLst>
+        </p:spPr>
+      </p:pic>
+      <p:pic>
+        <p:nvPicPr>
+          <p:cNvPr id="1028" name="Picture 4">
+            <a:extLst>
+              <a:ext uri="{FF2B5EF4-FFF2-40B4-BE49-F238E27FC236}">
+                <a16:creationId xmlns:a16="http://schemas.microsoft.com/office/drawing/2014/main" id="{664E0D3B-0AF6-84B0-7A69-CCAC1BA764C9}"/>
+              </a:ext>
+            </a:extLst>
+          </p:cNvPr>
+          <p:cNvPicPr>
+            <a:picLocks noChangeAspect="1" noChangeArrowheads="1"/>
+          </p:cNvPicPr>
+          <p:nvPr/>
+        </p:nvPicPr>
+        <p:blipFill>
+          <a:blip r:embed="rId7">
+            <a:extLst>
+              <a:ext uri="{28A0092B-C50C-407E-A947-70E740481C1C}">
+                <a14:useLocalDpi xmlns:a14="http://schemas.microsoft.com/office/drawing/2010/main" val="0"/>
+              </a:ext>
+            </a:extLst>
+          </a:blip>
+          <a:srcRect/>
+          <a:stretch>
+            <a:fillRect/>
+          </a:stretch>
+        </p:blipFill>
+        <p:spPr bwMode="auto">
+          <a:xfrm>
+            <a:off x="6172200" y="4343400"/>
+            <a:ext cx="1039810" cy="253287"/>
+          </a:xfrm>
+          <a:prstGeom prst="rect">
+            <a:avLst/>
+          </a:prstGeom>
+          <a:noFill/>
+          <a:extLst>
+            <a:ext uri="{909E8E84-426E-40DD-AFC4-6F175D3DCCD1}">
+              <a14:hiddenFill xmlns:a14="http://schemas.microsoft.com/office/drawing/2010/main">
+                <a:solidFill>
+                  <a:srgbClr val="FFFFFF"/>
+                </a:solidFill>
+              </a14:hiddenFill>
+            </a:ext>
+          </a:extLst>
+        </p:spPr>
+      </p:pic>
     </p:spTree>
     <p:extLst>
       <p:ext uri="{BB962C8B-B14F-4D97-AF65-F5344CB8AC3E}">
@@ -2784,7 +3568,7 @@
         <p:cNvPr id="1" name="">
           <a:extLst>
             <a:ext uri="{FF2B5EF4-FFF2-40B4-BE49-F238E27FC236}">
-              <a16:creationId xmlns:a16="http://schemas.microsoft.com/office/drawing/2014/main" id="{5255A212-F7F3-E3A6-4384-717E60898F7B}"/>
+              <a16:creationId xmlns:a16="http://schemas.microsoft.com/office/drawing/2014/main" id="{222B7DE3-51CD-6B5A-2B5E-0306F45D4ED2}"/>
             </a:ext>
           </a:extLst>
         </p:cNvPr>
@@ -2804,7 +3588,7 @@
           <p:cNvPr id="10" name="Titolo 9">
             <a:extLst>
               <a:ext uri="{FF2B5EF4-FFF2-40B4-BE49-F238E27FC236}">
-                <a16:creationId xmlns:a16="http://schemas.microsoft.com/office/drawing/2014/main" id="{8895E181-0BB5-68A0-F54D-4F4FCCFB8F29}"/>
+                <a16:creationId xmlns:a16="http://schemas.microsoft.com/office/drawing/2014/main" id="{4C25E8CD-460D-EA59-6695-FF3B1931BDB9}"/>
               </a:ext>
             </a:extLst>
           </p:cNvPr>
@@ -2829,7 +3613,7 @@
               <a:rPr lang="en-GB" noProof="0" dirty="0">
                 <a:latin typeface="Arial Black" panose="020B0A04020102020204" pitchFamily="34" charset="0"/>
               </a:rPr>
-              <a:t>Practical implementation – </a:t>
+              <a:t>Proposed solution –  </a:t>
             </a:r>
             <a:br>
               <a:rPr lang="en-GB" noProof="0" dirty="0">
@@ -2840,7 +3624,7 @@
               <a:rPr lang="en-GB" noProof="0" dirty="0">
                 <a:latin typeface="Arial Black" panose="020B0A04020102020204" pitchFamily="34" charset="0"/>
               </a:rPr>
-              <a:t>system setting</a:t>
+              <a:t>Block Hankel matrices definition</a:t>
             </a:r>
           </a:p>
         </p:txBody>
@@ -2850,7 +3634,7 @@
           <p:cNvPr id="4" name="CasellaDiTesto 3">
             <a:extLst>
               <a:ext uri="{FF2B5EF4-FFF2-40B4-BE49-F238E27FC236}">
-                <a16:creationId xmlns:a16="http://schemas.microsoft.com/office/drawing/2014/main" id="{BE214AF7-BD5F-1697-AC34-4C091718BD70}"/>
+                <a16:creationId xmlns:a16="http://schemas.microsoft.com/office/drawing/2014/main" id="{59CB48FC-5C86-0F21-A5FE-DF198C688242}"/>
               </a:ext>
             </a:extLst>
           </p:cNvPr>
@@ -2860,7 +3644,7 @@
         <p:spPr>
           <a:xfrm>
             <a:off x="762000" y="1676400"/>
-            <a:ext cx="9677400" cy="1200329"/>
+            <a:ext cx="10744200" cy="4893647"/>
           </a:xfrm>
           <a:prstGeom prst="rect">
             <a:avLst/>
@@ -2875,13 +3659,120 @@
           <a:p>
             <a:pPr algn="just"/>
             <a:r>
-              <a:rPr lang="en-GB" sz="2400" noProof="0" dirty="0">
+              <a:rPr lang="en-GB" sz="2400" dirty="0">
                 <a:latin typeface="Arial" panose="020B0604020202020204" pitchFamily="34" charset="0"/>
                 <a:cs typeface="Arial" panose="020B0604020202020204" pitchFamily="34" charset="0"/>
               </a:rPr>
-              <a:t>a</a:t>
-            </a:r>
-            <a:endParaRPr lang="en-GB" sz="2400" i="1" noProof="0" dirty="0">
+              <a:t>The SPC algorithm starts by defining the block Hankel matrices for inputs, outputs and noise, assuming k= </a:t>
+            </a:r>
+            <a:r>
+              <a:rPr lang="en-GB" sz="2400" dirty="0" err="1">
+                <a:latin typeface="Arial" panose="020B0604020202020204" pitchFamily="34" charset="0"/>
+                <a:cs typeface="Arial" panose="020B0604020202020204" pitchFamily="34" charset="0"/>
+              </a:rPr>
+              <a:t>N+M+j</a:t>
+            </a:r>
+            <a:r>
+              <a:rPr lang="en-GB" sz="2400" dirty="0">
+                <a:latin typeface="Arial" panose="020B0604020202020204" pitchFamily="34" charset="0"/>
+                <a:cs typeface="Arial" panose="020B0604020202020204" pitchFamily="34" charset="0"/>
+              </a:rPr>
+              <a:t> total samples for all three signals:</a:t>
+            </a:r>
+          </a:p>
+          <a:p>
+            <a:pPr algn="just"/>
+            <a:endParaRPr lang="en-GB" sz="2400" dirty="0">
+              <a:latin typeface="Arial" panose="020B0604020202020204" pitchFamily="34" charset="0"/>
+              <a:cs typeface="Arial" panose="020B0604020202020204" pitchFamily="34" charset="0"/>
+            </a:endParaRPr>
+          </a:p>
+          <a:p>
+            <a:pPr algn="just"/>
+            <a:endParaRPr lang="en-GB" sz="2400" dirty="0">
+              <a:latin typeface="Arial" panose="020B0604020202020204" pitchFamily="34" charset="0"/>
+              <a:cs typeface="Arial" panose="020B0604020202020204" pitchFamily="34" charset="0"/>
+            </a:endParaRPr>
+          </a:p>
+          <a:p>
+            <a:pPr algn="just"/>
+            <a:endParaRPr lang="en-GB" sz="2400" dirty="0">
+              <a:latin typeface="Arial" panose="020B0604020202020204" pitchFamily="34" charset="0"/>
+              <a:cs typeface="Arial" panose="020B0604020202020204" pitchFamily="34" charset="0"/>
+            </a:endParaRPr>
+          </a:p>
+          <a:p>
+            <a:pPr algn="just"/>
+            <a:endParaRPr lang="en-GB" sz="2400" dirty="0">
+              <a:latin typeface="Arial" panose="020B0604020202020204" pitchFamily="34" charset="0"/>
+              <a:cs typeface="Arial" panose="020B0604020202020204" pitchFamily="34" charset="0"/>
+            </a:endParaRPr>
+          </a:p>
+          <a:p>
+            <a:pPr algn="just"/>
+            <a:endParaRPr lang="en-GB" sz="2400" dirty="0">
+              <a:latin typeface="Arial" panose="020B0604020202020204" pitchFamily="34" charset="0"/>
+              <a:cs typeface="Arial" panose="020B0604020202020204" pitchFamily="34" charset="0"/>
+            </a:endParaRPr>
+          </a:p>
+          <a:p>
+            <a:pPr algn="just"/>
+            <a:endParaRPr lang="en-GB" sz="2400" dirty="0">
+              <a:latin typeface="Arial" panose="020B0604020202020204" pitchFamily="34" charset="0"/>
+              <a:cs typeface="Arial" panose="020B0604020202020204" pitchFamily="34" charset="0"/>
+            </a:endParaRPr>
+          </a:p>
+          <a:p>
+            <a:pPr algn="just"/>
+            <a:r>
+              <a:rPr lang="en-GB" sz="2400" dirty="0">
+                <a:latin typeface="Arial" panose="020B0604020202020204" pitchFamily="34" charset="0"/>
+                <a:cs typeface="Arial" panose="020B0604020202020204" pitchFamily="34" charset="0"/>
+              </a:rPr>
+              <a:t>We define the matrices			     in the same way.</a:t>
+            </a:r>
+          </a:p>
+          <a:p>
+            <a:pPr algn="just"/>
+            <a:endParaRPr lang="en-GB" dirty="0">
+              <a:latin typeface="Arial" panose="020B0604020202020204" pitchFamily="34" charset="0"/>
+              <a:cs typeface="Arial" panose="020B0604020202020204" pitchFamily="34" charset="0"/>
+            </a:endParaRPr>
+          </a:p>
+          <a:p>
+            <a:pPr algn="just"/>
+            <a:r>
+              <a:rPr lang="en-GB" sz="2400" i="1" dirty="0">
+                <a:latin typeface="Arial" panose="020B0604020202020204" pitchFamily="34" charset="0"/>
+                <a:cs typeface="Arial" panose="020B0604020202020204" pitchFamily="34" charset="0"/>
+              </a:rPr>
+              <a:t>p </a:t>
+            </a:r>
+            <a:r>
+              <a:rPr lang="en-GB" sz="2400" dirty="0">
+                <a:latin typeface="Arial" panose="020B0604020202020204" pitchFamily="34" charset="0"/>
+                <a:cs typeface="Arial" panose="020B0604020202020204" pitchFamily="34" charset="0"/>
+              </a:rPr>
+              <a:t>represents “past” matrices, with M being the number of “past” data points</a:t>
+            </a:r>
+          </a:p>
+          <a:p>
+            <a:pPr algn="just"/>
+            <a:r>
+              <a:rPr lang="en-GB" sz="2400" i="1" dirty="0">
+                <a:latin typeface="Arial" panose="020B0604020202020204" pitchFamily="34" charset="0"/>
+                <a:cs typeface="Arial" panose="020B0604020202020204" pitchFamily="34" charset="0"/>
+              </a:rPr>
+              <a:t>f </a:t>
+            </a:r>
+            <a:r>
+              <a:rPr lang="en-GB" sz="2400" dirty="0">
+                <a:latin typeface="Arial" panose="020B0604020202020204" pitchFamily="34" charset="0"/>
+                <a:cs typeface="Arial" panose="020B0604020202020204" pitchFamily="34" charset="0"/>
+              </a:rPr>
+              <a:t>represents “future”	matrices, with N being the number of “future” data points</a:t>
+            </a:r>
+            <a:endParaRPr lang="en-GB" sz="2400" noProof="0" dirty="0">
               <a:latin typeface="Arial" panose="020B0604020202020204" pitchFamily="34" charset="0"/>
               <a:cs typeface="Arial" panose="020B0604020202020204" pitchFamily="34" charset="0"/>
             </a:endParaRPr>
@@ -2893,19 +3784,153 @@
               <a:cs typeface="Arial" panose="020B0604020202020204" pitchFamily="34" charset="0"/>
             </a:endParaRPr>
           </a:p>
-          <a:p>
-            <a:pPr algn="just"/>
-            <a:endParaRPr lang="en-GB" sz="2400" noProof="0" dirty="0">
-              <a:latin typeface="Arial" panose="020B0604020202020204" pitchFamily="34" charset="0"/>
-              <a:cs typeface="Arial" panose="020B0604020202020204" pitchFamily="34" charset="0"/>
-            </a:endParaRPr>
-          </a:p>
         </p:txBody>
       </p:sp>
+      <p:pic>
+        <p:nvPicPr>
+          <p:cNvPr id="2053" name="Picture 5">
+            <a:extLst>
+              <a:ext uri="{FF2B5EF4-FFF2-40B4-BE49-F238E27FC236}">
+                <a16:creationId xmlns:a16="http://schemas.microsoft.com/office/drawing/2014/main" id="{4F164D35-540F-683B-ECC3-C08E58382EA6}"/>
+              </a:ext>
+            </a:extLst>
+          </p:cNvPr>
+          <p:cNvPicPr>
+            <a:picLocks noChangeAspect="1" noChangeArrowheads="1"/>
+          </p:cNvPicPr>
+          <p:nvPr/>
+        </p:nvPicPr>
+        <p:blipFill>
+          <a:blip r:embed="rId2">
+            <a:extLst>
+              <a:ext uri="{28A0092B-C50C-407E-A947-70E740481C1C}">
+                <a14:useLocalDpi xmlns:a14="http://schemas.microsoft.com/office/drawing/2010/main" val="0"/>
+              </a:ext>
+            </a:extLst>
+          </a:blip>
+          <a:srcRect/>
+          <a:stretch>
+            <a:fillRect/>
+          </a:stretch>
+        </p:blipFill>
+        <p:spPr bwMode="auto">
+          <a:xfrm>
+            <a:off x="990600" y="2653755"/>
+            <a:ext cx="4191000" cy="1478221"/>
+          </a:xfrm>
+          <a:prstGeom prst="rect">
+            <a:avLst/>
+          </a:prstGeom>
+          <a:noFill/>
+          <a:extLst>
+            <a:ext uri="{909E8E84-426E-40DD-AFC4-6F175D3DCCD1}">
+              <a14:hiddenFill xmlns:a14="http://schemas.microsoft.com/office/drawing/2010/main">
+                <a:solidFill>
+                  <a:srgbClr val="FFFFFF"/>
+                </a:solidFill>
+              </a14:hiddenFill>
+            </a:ext>
+          </a:extLst>
+        </p:spPr>
+      </p:pic>
+      <p:pic>
+        <p:nvPicPr>
+          <p:cNvPr id="2054" name="Picture 6">
+            <a:extLst>
+              <a:ext uri="{FF2B5EF4-FFF2-40B4-BE49-F238E27FC236}">
+                <a16:creationId xmlns:a16="http://schemas.microsoft.com/office/drawing/2014/main" id="{347E99B8-3CE4-4F97-7F95-CF09DA3AEBFC}"/>
+              </a:ext>
+            </a:extLst>
+          </p:cNvPr>
+          <p:cNvPicPr>
+            <a:picLocks noChangeAspect="1" noChangeArrowheads="1"/>
+          </p:cNvPicPr>
+          <p:nvPr/>
+        </p:nvPicPr>
+        <p:blipFill>
+          <a:blip r:embed="rId3">
+            <a:extLst>
+              <a:ext uri="{28A0092B-C50C-407E-A947-70E740481C1C}">
+                <a14:useLocalDpi xmlns:a14="http://schemas.microsoft.com/office/drawing/2010/main" val="0"/>
+              </a:ext>
+            </a:extLst>
+          </a:blip>
+          <a:srcRect/>
+          <a:stretch>
+            <a:fillRect/>
+          </a:stretch>
+        </p:blipFill>
+        <p:spPr bwMode="auto">
+          <a:xfrm>
+            <a:off x="6366774" y="2667000"/>
+            <a:ext cx="4682226" cy="1459706"/>
+          </a:xfrm>
+          <a:prstGeom prst="rect">
+            <a:avLst/>
+          </a:prstGeom>
+          <a:noFill/>
+          <a:extLst>
+            <a:ext uri="{909E8E84-426E-40DD-AFC4-6F175D3DCCD1}">
+              <a14:hiddenFill xmlns:a14="http://schemas.microsoft.com/office/drawing/2010/main">
+                <a:solidFill>
+                  <a:srgbClr val="FFFFFF"/>
+                </a:solidFill>
+              </a14:hiddenFill>
+            </a:ext>
+          </a:extLst>
+        </p:spPr>
+      </p:pic>
+      <p:pic>
+        <p:nvPicPr>
+          <p:cNvPr id="2056" name="Picture 8">
+            <a:extLst>
+              <a:ext uri="{FF2B5EF4-FFF2-40B4-BE49-F238E27FC236}">
+                <a16:creationId xmlns:a16="http://schemas.microsoft.com/office/drawing/2014/main" id="{5B787739-D46B-F10D-E3AA-16E4AC3E91D6}"/>
+              </a:ext>
+            </a:extLst>
+          </p:cNvPr>
+          <p:cNvPicPr>
+            <a:picLocks noChangeAspect="1" noChangeArrowheads="1"/>
+          </p:cNvPicPr>
+          <p:nvPr/>
+        </p:nvPicPr>
+        <p:blipFill>
+          <a:blip r:embed="rId4">
+            <a:extLst>
+              <a:ext uri="{28A0092B-C50C-407E-A947-70E740481C1C}">
+                <a14:useLocalDpi xmlns:a14="http://schemas.microsoft.com/office/drawing/2010/main" val="0"/>
+              </a:ext>
+            </a:extLst>
+          </a:blip>
+          <a:srcRect/>
+          <a:stretch>
+            <a:fillRect/>
+          </a:stretch>
+        </p:blipFill>
+        <p:spPr bwMode="auto">
+          <a:xfrm>
+            <a:off x="4114800" y="4646620"/>
+            <a:ext cx="2514600" cy="469594"/>
+          </a:xfrm>
+          <a:prstGeom prst="rect">
+            <a:avLst/>
+          </a:prstGeom>
+          <a:noFill/>
+          <a:extLst>
+            <a:ext uri="{909E8E84-426E-40DD-AFC4-6F175D3DCCD1}">
+              <a14:hiddenFill xmlns:a14="http://schemas.microsoft.com/office/drawing/2010/main">
+                <a:solidFill>
+                  <a:srgbClr val="FFFFFF"/>
+                </a:solidFill>
+              </a14:hiddenFill>
+            </a:ext>
+          </a:extLst>
+        </p:spPr>
+      </p:pic>
     </p:spTree>
     <p:extLst>
       <p:ext uri="{BB962C8B-B14F-4D97-AF65-F5344CB8AC3E}">
-        <p14:creationId xmlns:p14="http://schemas.microsoft.com/office/powerpoint/2010/main" val="2424430597"/>
+        <p14:creationId xmlns:p14="http://schemas.microsoft.com/office/powerpoint/2010/main" val="2009057202"/>
       </p:ext>
     </p:extLst>
   </p:cSld>
@@ -2923,7 +3948,7 @@
         <p:cNvPr id="1" name="">
           <a:extLst>
             <a:ext uri="{FF2B5EF4-FFF2-40B4-BE49-F238E27FC236}">
-              <a16:creationId xmlns:a16="http://schemas.microsoft.com/office/drawing/2014/main" id="{67FFD052-A6E4-4EA3-40C9-0D7F9ED82C6C}"/>
+              <a16:creationId xmlns:a16="http://schemas.microsoft.com/office/drawing/2014/main" id="{83053F32-E3E6-C505-8515-922310E3DD88}"/>
             </a:ext>
           </a:extLst>
         </p:cNvPr>
@@ -2943,7 +3968,7 @@
           <p:cNvPr id="10" name="Titolo 9">
             <a:extLst>
               <a:ext uri="{FF2B5EF4-FFF2-40B4-BE49-F238E27FC236}">
-                <a16:creationId xmlns:a16="http://schemas.microsoft.com/office/drawing/2014/main" id="{14853C74-3D76-BB45-5EBD-2082D50CCEE3}"/>
+                <a16:creationId xmlns:a16="http://schemas.microsoft.com/office/drawing/2014/main" id="{6953E27C-10B1-A2E6-6AC4-7B493C8B4777}"/>
               </a:ext>
             </a:extLst>
           </p:cNvPr>
@@ -2956,8 +3981,8 @@
         </p:nvSpPr>
         <p:spPr>
           <a:xfrm>
-            <a:off x="762000" y="457200"/>
-            <a:ext cx="8991600" cy="538609"/>
+            <a:off x="761999" y="457200"/>
+            <a:ext cx="9691687" cy="1615827"/>
           </a:xfrm>
         </p:spPr>
         <p:txBody>
@@ -2968,17 +3993,619 @@
               <a:rPr lang="en-GB" noProof="0" dirty="0">
                 <a:latin typeface="Arial Black" panose="020B0A04020102020204" pitchFamily="34" charset="0"/>
               </a:rPr>
-              <a:t>Results</a:t>
-            </a:r>
+              <a:t>Proposed solution –  </a:t>
+            </a:r>
+            <a:br>
+              <a:rPr lang="en-GB" noProof="0" dirty="0">
+                <a:latin typeface="Arial Black" panose="020B0A04020102020204" pitchFamily="34" charset="0"/>
+              </a:rPr>
+            </a:br>
+            <a:r>
+              <a:rPr lang="en-GB" dirty="0">
+                <a:latin typeface="Arial Black" panose="020B0A04020102020204" pitchFamily="34" charset="0"/>
+              </a:rPr>
+              <a:t>Defining the predictor and LS problem</a:t>
+            </a:r>
+            <a:endParaRPr lang="en-GB" noProof="0" dirty="0">
+              <a:latin typeface="Arial Black" panose="020B0A04020102020204" pitchFamily="34" charset="0"/>
+            </a:endParaRPr>
+          </a:p>
+        </p:txBody>
+      </p:sp>
+      <mc:AlternateContent xmlns:mc="http://schemas.openxmlformats.org/markup-compatibility/2006">
+        <mc:Choice xmlns:a14="http://schemas.microsoft.com/office/drawing/2010/main" Requires="a14">
+          <p:sp>
+            <p:nvSpPr>
+              <p:cNvPr id="4" name="CasellaDiTesto 3">
+                <a:extLst>
+                  <a:ext uri="{FF2B5EF4-FFF2-40B4-BE49-F238E27FC236}">
+                    <a16:creationId xmlns:a16="http://schemas.microsoft.com/office/drawing/2014/main" id="{A9F1D71B-7C26-282E-A5F7-6C13EFA9D5D8}"/>
+                  </a:ext>
+                </a:extLst>
+              </p:cNvPr>
+              <p:cNvSpPr txBox="1"/>
+              <p:nvPr/>
+            </p:nvSpPr>
+            <p:spPr>
+              <a:xfrm>
+                <a:off x="762000" y="1676400"/>
+                <a:ext cx="10744200" cy="3498650"/>
+              </a:xfrm>
+              <a:prstGeom prst="rect">
+                <a:avLst/>
+              </a:prstGeom>
+              <a:noFill/>
+            </p:spPr>
+            <p:txBody>
+              <a:bodyPr wrap="square">
+                <a:spAutoFit/>
+              </a:bodyPr>
+              <a:lstStyle/>
+              <a:p>
+                <a:pPr algn="just"/>
+                <a:r>
+                  <a:rPr lang="en-GB" sz="2400" noProof="0" dirty="0">
+                    <a:latin typeface="Arial" panose="020B0604020202020204" pitchFamily="34" charset="0"/>
+                    <a:cs typeface="Arial" panose="020B0604020202020204" pitchFamily="34" charset="0"/>
+                  </a:rPr>
+                  <a:t>Using past </a:t>
+                </a:r>
+                <a:r>
+                  <a:rPr lang="en-GB" sz="2400" dirty="0">
+                    <a:latin typeface="Arial" panose="020B0604020202020204" pitchFamily="34" charset="0"/>
+                    <a:cs typeface="Arial" panose="020B0604020202020204" pitchFamily="34" charset="0"/>
+                  </a:rPr>
+                  <a:t>matrices we can build matrix</a:t>
+                </a:r>
+              </a:p>
+              <a:p>
+                <a:pPr algn="just"/>
+                <a:endParaRPr lang="en-GB" sz="2400" noProof="0" dirty="0">
+                  <a:latin typeface="Arial" panose="020B0604020202020204" pitchFamily="34" charset="0"/>
+                  <a:cs typeface="Arial" panose="020B0604020202020204" pitchFamily="34" charset="0"/>
+                </a:endParaRPr>
+              </a:p>
+              <a:p>
+                <a:pPr algn="just"/>
+                <a:endParaRPr lang="en-GB" sz="2400" noProof="0" dirty="0">
+                  <a:latin typeface="Arial" panose="020B0604020202020204" pitchFamily="34" charset="0"/>
+                  <a:cs typeface="Arial" panose="020B0604020202020204" pitchFamily="34" charset="0"/>
+                </a:endParaRPr>
+              </a:p>
+              <a:p>
+                <a:pPr algn="just"/>
+                <a:r>
+                  <a:rPr lang="en-GB" sz="2400" dirty="0">
+                    <a:latin typeface="Arial" panose="020B0604020202020204" pitchFamily="34" charset="0"/>
+                    <a:cs typeface="Arial" panose="020B0604020202020204" pitchFamily="34" charset="0"/>
+                  </a:rPr>
+                  <a:t>And then try to find a linear predictor of the outputs:</a:t>
+                </a:r>
+              </a:p>
+              <a:p>
+                <a:pPr algn="just"/>
+                <a:endParaRPr lang="en-GB" sz="2400" dirty="0">
+                  <a:latin typeface="Arial" panose="020B0604020202020204" pitchFamily="34" charset="0"/>
+                  <a:cs typeface="Arial" panose="020B0604020202020204" pitchFamily="34" charset="0"/>
+                </a:endParaRPr>
+              </a:p>
+              <a:p>
+                <a:pPr algn="just"/>
+                <a14:m>
+                  <m:oMathPara xmlns:m="http://schemas.openxmlformats.org/officeDocument/2006/math">
+                    <m:oMathParaPr>
+                      <m:jc m:val="centerGroup"/>
+                    </m:oMathParaPr>
+                    <m:oMath xmlns:m="http://schemas.openxmlformats.org/officeDocument/2006/math">
+                      <m:sSub>
+                        <m:sSubPr>
+                          <m:ctrlPr>
+                            <a:rPr lang="en-GB" sz="2400" i="1" noProof="0" smtClean="0">
+                              <a:latin typeface="Cambria Math" panose="02040503050406030204" pitchFamily="18" charset="0"/>
+                              <a:cs typeface="Arial" panose="020B0604020202020204" pitchFamily="34" charset="0"/>
+                            </a:rPr>
+                          </m:ctrlPr>
+                        </m:sSubPr>
+                        <m:e>
+                          <m:acc>
+                            <m:accPr>
+                              <m:chr m:val="̂"/>
+                              <m:ctrlPr>
+                                <a:rPr lang="it-IT" sz="2400" b="0" i="1" noProof="0" smtClean="0">
+                                  <a:latin typeface="Cambria Math" panose="02040503050406030204" pitchFamily="18" charset="0"/>
+                                  <a:cs typeface="Arial" panose="020B0604020202020204" pitchFamily="34" charset="0"/>
+                                </a:rPr>
+                              </m:ctrlPr>
+                            </m:accPr>
+                            <m:e>
+                              <m:r>
+                                <a:rPr lang="it-IT" sz="2400" b="0" i="1" noProof="0" smtClean="0">
+                                  <a:latin typeface="Cambria Math" panose="02040503050406030204" pitchFamily="18" charset="0"/>
+                                  <a:cs typeface="Arial" panose="020B0604020202020204" pitchFamily="34" charset="0"/>
+                                </a:rPr>
+                                <m:t>𝑌</m:t>
+                              </m:r>
+                            </m:e>
+                          </m:acc>
+                        </m:e>
+                        <m:sub>
+                          <m:r>
+                            <a:rPr lang="it-IT" sz="2400" b="0" i="1" noProof="0" smtClean="0">
+                              <a:latin typeface="Cambria Math" panose="02040503050406030204" pitchFamily="18" charset="0"/>
+                              <a:cs typeface="Arial" panose="020B0604020202020204" pitchFamily="34" charset="0"/>
+                            </a:rPr>
+                            <m:t>𝑓</m:t>
+                          </m:r>
+                        </m:sub>
+                      </m:sSub>
+                      <m:r>
+                        <a:rPr lang="it-IT" sz="2400" b="0" i="1" noProof="0" smtClean="0">
+                          <a:latin typeface="Cambria Math" panose="02040503050406030204" pitchFamily="18" charset="0"/>
+                          <a:cs typeface="Arial" panose="020B0604020202020204" pitchFamily="34" charset="0"/>
+                        </a:rPr>
+                        <m:t>=</m:t>
+                      </m:r>
+                      <m:sSub>
+                        <m:sSubPr>
+                          <m:ctrlPr>
+                            <a:rPr lang="it-IT" sz="2400" b="0" i="1" noProof="0" smtClean="0">
+                              <a:latin typeface="Cambria Math" panose="02040503050406030204" pitchFamily="18" charset="0"/>
+                              <a:cs typeface="Arial" panose="020B0604020202020204" pitchFamily="34" charset="0"/>
+                            </a:rPr>
+                          </m:ctrlPr>
+                        </m:sSubPr>
+                        <m:e>
+                          <m:r>
+                            <a:rPr lang="it-IT" sz="2400" b="0" i="1" noProof="0" smtClean="0">
+                              <a:latin typeface="Cambria Math" panose="02040503050406030204" pitchFamily="18" charset="0"/>
+                              <a:cs typeface="Arial" panose="020B0604020202020204" pitchFamily="34" charset="0"/>
+                            </a:rPr>
+                            <m:t>𝐿</m:t>
+                          </m:r>
+                        </m:e>
+                        <m:sub>
+                          <m:r>
+                            <a:rPr lang="it-IT" sz="2400" b="0" i="1" noProof="0" smtClean="0">
+                              <a:latin typeface="Cambria Math" panose="02040503050406030204" pitchFamily="18" charset="0"/>
+                              <a:cs typeface="Arial" panose="020B0604020202020204" pitchFamily="34" charset="0"/>
+                            </a:rPr>
+                            <m:t>𝑤</m:t>
+                          </m:r>
+                        </m:sub>
+                      </m:sSub>
+                      <m:sSub>
+                        <m:sSubPr>
+                          <m:ctrlPr>
+                            <a:rPr lang="it-IT" sz="2400" b="0" i="1" noProof="0" smtClean="0">
+                              <a:latin typeface="Cambria Math" panose="02040503050406030204" pitchFamily="18" charset="0"/>
+                              <a:cs typeface="Arial" panose="020B0604020202020204" pitchFamily="34" charset="0"/>
+                            </a:rPr>
+                          </m:ctrlPr>
+                        </m:sSubPr>
+                        <m:e>
+                          <m:r>
+                            <a:rPr lang="it-IT" sz="2400" b="0" i="1" noProof="0" smtClean="0">
+                              <a:latin typeface="Cambria Math" panose="02040503050406030204" pitchFamily="18" charset="0"/>
+                              <a:cs typeface="Arial" panose="020B0604020202020204" pitchFamily="34" charset="0"/>
+                            </a:rPr>
+                            <m:t>𝑊</m:t>
+                          </m:r>
+                        </m:e>
+                        <m:sub>
+                          <m:r>
+                            <a:rPr lang="it-IT" sz="2400" b="0" i="1" noProof="0" smtClean="0">
+                              <a:latin typeface="Cambria Math" panose="02040503050406030204" pitchFamily="18" charset="0"/>
+                              <a:cs typeface="Arial" panose="020B0604020202020204" pitchFamily="34" charset="0"/>
+                            </a:rPr>
+                            <m:t>𝑝</m:t>
+                          </m:r>
+                        </m:sub>
+                      </m:sSub>
+                      <m:r>
+                        <a:rPr lang="it-IT" sz="2400" b="0" i="1" noProof="0" smtClean="0">
+                          <a:latin typeface="Cambria Math" panose="02040503050406030204" pitchFamily="18" charset="0"/>
+                          <a:cs typeface="Arial" panose="020B0604020202020204" pitchFamily="34" charset="0"/>
+                        </a:rPr>
+                        <m:t>+</m:t>
+                      </m:r>
+                      <m:sSub>
+                        <m:sSubPr>
+                          <m:ctrlPr>
+                            <a:rPr lang="it-IT" sz="2400" b="0" i="1" noProof="0" smtClean="0">
+                              <a:latin typeface="Cambria Math" panose="02040503050406030204" pitchFamily="18" charset="0"/>
+                              <a:cs typeface="Arial" panose="020B0604020202020204" pitchFamily="34" charset="0"/>
+                            </a:rPr>
+                          </m:ctrlPr>
+                        </m:sSubPr>
+                        <m:e>
+                          <m:r>
+                            <a:rPr lang="it-IT" sz="2400" b="0" i="1" noProof="0" smtClean="0">
+                              <a:latin typeface="Cambria Math" panose="02040503050406030204" pitchFamily="18" charset="0"/>
+                              <a:cs typeface="Arial" panose="020B0604020202020204" pitchFamily="34" charset="0"/>
+                            </a:rPr>
+                            <m:t>𝐿</m:t>
+                          </m:r>
+                        </m:e>
+                        <m:sub>
+                          <m:r>
+                            <a:rPr lang="it-IT" sz="2400" b="0" i="1" noProof="0" smtClean="0">
+                              <a:latin typeface="Cambria Math" panose="02040503050406030204" pitchFamily="18" charset="0"/>
+                              <a:cs typeface="Arial" panose="020B0604020202020204" pitchFamily="34" charset="0"/>
+                            </a:rPr>
+                            <m:t>𝑢</m:t>
+                          </m:r>
+                        </m:sub>
+                      </m:sSub>
+                      <m:sSub>
+                        <m:sSubPr>
+                          <m:ctrlPr>
+                            <a:rPr lang="it-IT" sz="2400" b="0" i="1" noProof="0" smtClean="0">
+                              <a:latin typeface="Cambria Math" panose="02040503050406030204" pitchFamily="18" charset="0"/>
+                              <a:cs typeface="Arial" panose="020B0604020202020204" pitchFamily="34" charset="0"/>
+                            </a:rPr>
+                          </m:ctrlPr>
+                        </m:sSubPr>
+                        <m:e>
+                          <m:r>
+                            <a:rPr lang="it-IT" sz="2400" b="0" i="1" noProof="0" smtClean="0">
+                              <a:latin typeface="Cambria Math" panose="02040503050406030204" pitchFamily="18" charset="0"/>
+                              <a:cs typeface="Arial" panose="020B0604020202020204" pitchFamily="34" charset="0"/>
+                            </a:rPr>
+                            <m:t>𝑈</m:t>
+                          </m:r>
+                        </m:e>
+                        <m:sub>
+                          <m:r>
+                            <a:rPr lang="it-IT" sz="2400" b="0" i="1" noProof="0" smtClean="0">
+                              <a:latin typeface="Cambria Math" panose="02040503050406030204" pitchFamily="18" charset="0"/>
+                              <a:cs typeface="Arial" panose="020B0604020202020204" pitchFamily="34" charset="0"/>
+                            </a:rPr>
+                            <m:t>𝑓</m:t>
+                          </m:r>
+                        </m:sub>
+                      </m:sSub>
+                    </m:oMath>
+                  </m:oMathPara>
+                </a14:m>
+                <a:endParaRPr lang="en-GB" sz="2400" noProof="0" dirty="0">
+                  <a:latin typeface="Arial" panose="020B0604020202020204" pitchFamily="34" charset="0"/>
+                  <a:cs typeface="Arial" panose="020B0604020202020204" pitchFamily="34" charset="0"/>
+                </a:endParaRPr>
+              </a:p>
+              <a:p>
+                <a:pPr algn="just"/>
+                <a:endParaRPr lang="en-GB" sz="2400" dirty="0">
+                  <a:latin typeface="Arial" panose="020B0604020202020204" pitchFamily="34" charset="0"/>
+                  <a:cs typeface="Arial" panose="020B0604020202020204" pitchFamily="34" charset="0"/>
+                </a:endParaRPr>
+              </a:p>
+              <a:p>
+                <a:pPr algn="just"/>
+                <a:r>
+                  <a:rPr lang="en-GB" sz="2400" noProof="0" dirty="0">
+                    <a:latin typeface="Arial" panose="020B0604020202020204" pitchFamily="34" charset="0"/>
+                    <a:cs typeface="Arial" panose="020B0604020202020204" pitchFamily="34" charset="0"/>
+                  </a:rPr>
+                  <a:t>To find this predictor we need to find </a:t>
+                </a:r>
+                <a14:m>
+                  <m:oMath xmlns:m="http://schemas.openxmlformats.org/officeDocument/2006/math">
+                    <m:sSub>
+                      <m:sSubPr>
+                        <m:ctrlPr>
+                          <a:rPr lang="it-IT" sz="2400" b="0" i="1" noProof="0" smtClean="0">
+                            <a:latin typeface="Cambria Math" panose="02040503050406030204" pitchFamily="18" charset="0"/>
+                            <a:cs typeface="Arial" panose="020B0604020202020204" pitchFamily="34" charset="0"/>
+                          </a:rPr>
+                        </m:ctrlPr>
+                      </m:sSubPr>
+                      <m:e>
+                        <m:r>
+                          <a:rPr lang="it-IT" sz="2400" b="0" i="1" noProof="0" smtClean="0">
+                            <a:latin typeface="Cambria Math" panose="02040503050406030204" pitchFamily="18" charset="0"/>
+                            <a:cs typeface="Arial" panose="020B0604020202020204" pitchFamily="34" charset="0"/>
+                          </a:rPr>
+                          <m:t>𝐿</m:t>
+                        </m:r>
+                      </m:e>
+                      <m:sub>
+                        <m:r>
+                          <a:rPr lang="it-IT" sz="2400" b="0" i="1" noProof="0" smtClean="0">
+                            <a:latin typeface="Cambria Math" panose="02040503050406030204" pitchFamily="18" charset="0"/>
+                            <a:cs typeface="Arial" panose="020B0604020202020204" pitchFamily="34" charset="0"/>
+                          </a:rPr>
+                          <m:t>𝑤</m:t>
+                        </m:r>
+                      </m:sub>
+                    </m:sSub>
+                  </m:oMath>
+                </a14:m>
+                <a:r>
+                  <a:rPr lang="en-GB" sz="2400" noProof="0" dirty="0">
+                    <a:latin typeface="Arial" panose="020B0604020202020204" pitchFamily="34" charset="0"/>
+                    <a:cs typeface="Arial" panose="020B0604020202020204" pitchFamily="34" charset="0"/>
+                  </a:rPr>
+                  <a:t> and </a:t>
+                </a:r>
+                <a14:m>
+                  <m:oMath xmlns:m="http://schemas.openxmlformats.org/officeDocument/2006/math">
+                    <m:sSub>
+                      <m:sSubPr>
+                        <m:ctrlPr>
+                          <a:rPr lang="it-IT" sz="2400" b="0" i="1" noProof="0" smtClean="0">
+                            <a:latin typeface="Cambria Math" panose="02040503050406030204" pitchFamily="18" charset="0"/>
+                            <a:cs typeface="Arial" panose="020B0604020202020204" pitchFamily="34" charset="0"/>
+                          </a:rPr>
+                        </m:ctrlPr>
+                      </m:sSubPr>
+                      <m:e>
+                        <m:r>
+                          <a:rPr lang="it-IT" sz="2400" b="0" i="1" noProof="0" smtClean="0">
+                            <a:latin typeface="Cambria Math" panose="02040503050406030204" pitchFamily="18" charset="0"/>
+                            <a:cs typeface="Arial" panose="020B0604020202020204" pitchFamily="34" charset="0"/>
+                          </a:rPr>
+                          <m:t>𝐿</m:t>
+                        </m:r>
+                      </m:e>
+                      <m:sub>
+                        <m:r>
+                          <a:rPr lang="it-IT" sz="2400" b="0" i="1" noProof="0" smtClean="0">
+                            <a:latin typeface="Cambria Math" panose="02040503050406030204" pitchFamily="18" charset="0"/>
+                            <a:cs typeface="Arial" panose="020B0604020202020204" pitchFamily="34" charset="0"/>
+                          </a:rPr>
+                          <m:t>𝑢</m:t>
+                        </m:r>
+                      </m:sub>
+                    </m:sSub>
+                  </m:oMath>
+                </a14:m>
+                <a:r>
+                  <a:rPr lang="en-GB" sz="2400" noProof="0" dirty="0">
+                    <a:latin typeface="Arial" panose="020B0604020202020204" pitchFamily="34" charset="0"/>
+                    <a:cs typeface="Arial" panose="020B0604020202020204" pitchFamily="34" charset="0"/>
+                  </a:rPr>
+                  <a:t> that solve the </a:t>
+                </a:r>
+                <a:r>
+                  <a:rPr lang="en-GB" sz="2400" dirty="0">
+                    <a:latin typeface="Arial" panose="020B0604020202020204" pitchFamily="34" charset="0"/>
+                    <a:cs typeface="Arial" panose="020B0604020202020204" pitchFamily="34" charset="0"/>
+                  </a:rPr>
+                  <a:t>least squares problem:</a:t>
+                </a:r>
+                <a:endParaRPr lang="en-GB" sz="2400" noProof="0" dirty="0">
+                  <a:latin typeface="Arial" panose="020B0604020202020204" pitchFamily="34" charset="0"/>
+                  <a:cs typeface="Arial" panose="020B0604020202020204" pitchFamily="34" charset="0"/>
+                </a:endParaRPr>
+              </a:p>
+            </p:txBody>
+          </p:sp>
+        </mc:Choice>
+        <mc:Fallback>
+          <p:sp>
+            <p:nvSpPr>
+              <p:cNvPr id="4" name="CasellaDiTesto 3">
+                <a:extLst>
+                  <a:ext uri="{FF2B5EF4-FFF2-40B4-BE49-F238E27FC236}">
+                    <a16:creationId xmlns:a16="http://schemas.microsoft.com/office/drawing/2014/main" id="{A9F1D71B-7C26-282E-A5F7-6C13EFA9D5D8}"/>
+                  </a:ext>
+                </a:extLst>
+              </p:cNvPr>
+              <p:cNvSpPr txBox="1">
+                <a:spLocks noRot="1" noChangeAspect="1" noMove="1" noResize="1" noEditPoints="1" noAdjustHandles="1" noChangeArrowheads="1" noChangeShapeType="1" noTextEdit="1"/>
+              </p:cNvSpPr>
+              <p:nvPr/>
+            </p:nvSpPr>
+            <p:spPr>
+              <a:xfrm>
+                <a:off x="762000" y="1676400"/>
+                <a:ext cx="10744200" cy="3498650"/>
+              </a:xfrm>
+              <a:prstGeom prst="rect">
+                <a:avLst/>
+              </a:prstGeom>
+              <a:blipFill>
+                <a:blip r:embed="rId2"/>
+                <a:stretch>
+                  <a:fillRect l="-851" t="-1220" r="-794" b="-2091"/>
+                </a:stretch>
+              </a:blipFill>
+            </p:spPr>
+            <p:txBody>
+              <a:bodyPr/>
+              <a:lstStyle/>
+              <a:p>
+                <a:r>
+                  <a:rPr lang="it-IT">
+                    <a:noFill/>
+                  </a:rPr>
+                  <a:t> </a:t>
+                </a:r>
+              </a:p>
+            </p:txBody>
+          </p:sp>
+        </mc:Fallback>
+      </mc:AlternateContent>
+      <p:pic>
+        <p:nvPicPr>
+          <p:cNvPr id="3074" name="Picture 2">
+            <a:extLst>
+              <a:ext uri="{FF2B5EF4-FFF2-40B4-BE49-F238E27FC236}">
+                <a16:creationId xmlns:a16="http://schemas.microsoft.com/office/drawing/2014/main" id="{888B6C39-EA51-2423-9BBE-9407BF786949}"/>
+              </a:ext>
+            </a:extLst>
+          </p:cNvPr>
+          <p:cNvPicPr>
+            <a:picLocks noChangeAspect="1" noChangeArrowheads="1"/>
+          </p:cNvPicPr>
+          <p:nvPr/>
+        </p:nvPicPr>
+        <p:blipFill>
+          <a:blip r:embed="rId3">
+            <a:extLst>
+              <a:ext uri="{28A0092B-C50C-407E-A947-70E740481C1C}">
+                <a14:useLocalDpi xmlns:a14="http://schemas.microsoft.com/office/drawing/2010/main" val="0"/>
+              </a:ext>
+            </a:extLst>
+          </a:blip>
+          <a:srcRect/>
+          <a:stretch>
+            <a:fillRect/>
+          </a:stretch>
+        </p:blipFill>
+        <p:spPr bwMode="auto">
+          <a:xfrm>
+            <a:off x="6553200" y="1559818"/>
+            <a:ext cx="1752600" cy="691816"/>
+          </a:xfrm>
+          <a:prstGeom prst="rect">
+            <a:avLst/>
+          </a:prstGeom>
+          <a:noFill/>
+          <a:extLst>
+            <a:ext uri="{909E8E84-426E-40DD-AFC4-6F175D3DCCD1}">
+              <a14:hiddenFill xmlns:a14="http://schemas.microsoft.com/office/drawing/2010/main">
+                <a:solidFill>
+                  <a:srgbClr val="FFFFFF"/>
+                </a:solidFill>
+              </a14:hiddenFill>
+            </a:ext>
+          </a:extLst>
+        </p:spPr>
+      </p:pic>
+      <p:pic>
+        <p:nvPicPr>
+          <p:cNvPr id="3076" name="Picture 4">
+            <a:extLst>
+              <a:ext uri="{FF2B5EF4-FFF2-40B4-BE49-F238E27FC236}">
+                <a16:creationId xmlns:a16="http://schemas.microsoft.com/office/drawing/2014/main" id="{49EE8198-8CC9-6E6C-4F5A-4252BDD11CC5}"/>
+              </a:ext>
+            </a:extLst>
+          </p:cNvPr>
+          <p:cNvPicPr>
+            <a:picLocks noChangeAspect="1" noChangeArrowheads="1"/>
+          </p:cNvPicPr>
+          <p:nvPr/>
+        </p:nvPicPr>
+        <p:blipFill>
+          <a:blip r:embed="rId4">
+            <a:extLst>
+              <a:ext uri="{28A0092B-C50C-407E-A947-70E740481C1C}">
+                <a14:useLocalDpi xmlns:a14="http://schemas.microsoft.com/office/drawing/2010/main" val="0"/>
+              </a:ext>
+            </a:extLst>
+          </a:blip>
+          <a:srcRect/>
+          <a:stretch>
+            <a:fillRect/>
+          </a:stretch>
+        </p:blipFill>
+        <p:spPr bwMode="auto">
+          <a:xfrm>
+            <a:off x="2652712" y="4779069"/>
+            <a:ext cx="7800975" cy="1038225"/>
+          </a:xfrm>
+          <a:prstGeom prst="rect">
+            <a:avLst/>
+          </a:prstGeom>
+          <a:noFill/>
+          <a:extLst>
+            <a:ext uri="{909E8E84-426E-40DD-AFC4-6F175D3DCCD1}">
+              <a14:hiddenFill xmlns:a14="http://schemas.microsoft.com/office/drawing/2010/main">
+                <a:solidFill>
+                  <a:srgbClr val="FFFFFF"/>
+                </a:solidFill>
+              </a14:hiddenFill>
+            </a:ext>
+          </a:extLst>
+        </p:spPr>
+      </p:pic>
+    </p:spTree>
+    <p:extLst>
+      <p:ext uri="{BB962C8B-B14F-4D97-AF65-F5344CB8AC3E}">
+        <p14:creationId xmlns:p14="http://schemas.microsoft.com/office/powerpoint/2010/main" val="2307728230"/>
+      </p:ext>
+    </p:extLst>
+  </p:cSld>
+  <p:clrMapOvr>
+    <a:masterClrMapping/>
+  </p:clrMapOvr>
+</p:sld>
+</file>
+
+<file path=ppt/slides/slide7.xml><?xml version="1.0" encoding="utf-8"?>
+<p:sld xmlns:a="http://schemas.openxmlformats.org/drawingml/2006/main" xmlns:r="http://schemas.openxmlformats.org/officeDocument/2006/relationships" xmlns:p="http://schemas.openxmlformats.org/presentationml/2006/main">
+  <p:cSld>
+    <p:spTree>
+      <p:nvGrpSpPr>
+        <p:cNvPr id="1" name="">
+          <a:extLst>
+            <a:ext uri="{FF2B5EF4-FFF2-40B4-BE49-F238E27FC236}">
+              <a16:creationId xmlns:a16="http://schemas.microsoft.com/office/drawing/2014/main" id="{C7DDC92A-4B12-4310-5445-23DD1B2635A8}"/>
+            </a:ext>
+          </a:extLst>
+        </p:cNvPr>
+        <p:cNvGrpSpPr/>
+        <p:nvPr/>
+      </p:nvGrpSpPr>
+      <p:grpSpPr>
+        <a:xfrm>
+          <a:off x="0" y="0"/>
+          <a:ext cx="0" cy="0"/>
+          <a:chOff x="0" y="0"/>
+          <a:chExt cx="0" cy="0"/>
+        </a:xfrm>
+      </p:grpSpPr>
+      <p:sp>
+        <p:nvSpPr>
+          <p:cNvPr id="10" name="Titolo 9">
+            <a:extLst>
+              <a:ext uri="{FF2B5EF4-FFF2-40B4-BE49-F238E27FC236}">
+                <a16:creationId xmlns:a16="http://schemas.microsoft.com/office/drawing/2014/main" id="{0CCEDA94-E413-B429-A6A5-E9B625CED7A5}"/>
+              </a:ext>
+            </a:extLst>
+          </p:cNvPr>
+          <p:cNvSpPr>
+            <a:spLocks noGrp="1"/>
+          </p:cNvSpPr>
+          <p:nvPr>
+            <p:ph type="title"/>
+          </p:nvPr>
+        </p:nvSpPr>
+        <p:spPr>
+          <a:xfrm>
+            <a:off x="761999" y="457200"/>
+            <a:ext cx="9691687" cy="538609"/>
+          </a:xfrm>
+        </p:spPr>
+        <p:txBody>
+          <a:bodyPr/>
+          <a:lstStyle/>
+          <a:p>
+            <a:r>
+              <a:rPr lang="en-GB" noProof="0" dirty="0">
+                <a:latin typeface="Arial Black" panose="020B0A04020102020204" pitchFamily="34" charset="0"/>
+              </a:rPr>
+              <a:t>Proposed solution – </a:t>
+            </a:r>
+            <a:r>
+              <a:rPr lang="en-GB" dirty="0">
+                <a:latin typeface="Arial Black" panose="020B0A04020102020204" pitchFamily="34" charset="0"/>
+              </a:rPr>
+              <a:t>Subspace Step 1</a:t>
+            </a:r>
+            <a:endParaRPr lang="en-GB" noProof="0" dirty="0">
+              <a:latin typeface="Arial Black" panose="020B0A04020102020204" pitchFamily="34" charset="0"/>
+            </a:endParaRPr>
           </a:p>
         </p:txBody>
       </p:sp>
       <p:sp>
         <p:nvSpPr>
-          <p:cNvPr id="4" name="CasellaDiTesto 3">
+          <p:cNvPr id="2" name="CasellaDiTesto 1">
             <a:extLst>
               <a:ext uri="{FF2B5EF4-FFF2-40B4-BE49-F238E27FC236}">
-                <a16:creationId xmlns:a16="http://schemas.microsoft.com/office/drawing/2014/main" id="{D2E4F1D8-6E3E-1635-DEBC-9C2A6FBDE9CC}"/>
+                <a16:creationId xmlns:a16="http://schemas.microsoft.com/office/drawing/2014/main" id="{C7A28961-FE8E-DBE6-658C-1CF89EA111A0}"/>
               </a:ext>
             </a:extLst>
           </p:cNvPr>
@@ -2987,8 +4614,8 @@
         </p:nvSpPr>
         <p:spPr>
           <a:xfrm>
-            <a:off x="762000" y="1676400"/>
-            <a:ext cx="9677400" cy="1200329"/>
+            <a:off x="723900" y="1191645"/>
+            <a:ext cx="10744200" cy="4154984"/>
           </a:xfrm>
           <a:prstGeom prst="rect">
             <a:avLst/>
@@ -3003,37 +4630,2489 @@
           <a:p>
             <a:pPr algn="just"/>
             <a:r>
-              <a:rPr lang="en-GB" sz="2400" noProof="0" dirty="0">
+              <a:rPr lang="it-IT" sz="2400" noProof="0" dirty="0" err="1">
                 <a:latin typeface="Arial" panose="020B0604020202020204" pitchFamily="34" charset="0"/>
                 <a:cs typeface="Arial" panose="020B0604020202020204" pitchFamily="34" charset="0"/>
               </a:rPr>
-              <a:t>a</a:t>
-            </a:r>
-            <a:endParaRPr lang="en-GB" sz="2400" i="1" noProof="0" dirty="0">
+              <a:t>We</a:t>
+            </a:r>
+            <a:r>
+              <a:rPr lang="it-IT" sz="2400" noProof="0" dirty="0">
+                <a:latin typeface="Arial" panose="020B0604020202020204" pitchFamily="34" charset="0"/>
+                <a:cs typeface="Arial" panose="020B0604020202020204" pitchFamily="34" charset="0"/>
+              </a:rPr>
+              <a:t> can solve the </a:t>
+            </a:r>
+            <a:r>
+              <a:rPr lang="it-IT" sz="2400" noProof="0" dirty="0" err="1">
+                <a:latin typeface="Arial" panose="020B0604020202020204" pitchFamily="34" charset="0"/>
+                <a:cs typeface="Arial" panose="020B0604020202020204" pitchFamily="34" charset="0"/>
+              </a:rPr>
+              <a:t>Least</a:t>
+            </a:r>
+            <a:r>
+              <a:rPr lang="it-IT" sz="2400" noProof="0" dirty="0">
+                <a:latin typeface="Arial" panose="020B0604020202020204" pitchFamily="34" charset="0"/>
+                <a:cs typeface="Arial" panose="020B0604020202020204" pitchFamily="34" charset="0"/>
+              </a:rPr>
+              <a:t> </a:t>
+            </a:r>
+            <a:r>
+              <a:rPr lang="it-IT" sz="2400" noProof="0" dirty="0" err="1">
+                <a:latin typeface="Arial" panose="020B0604020202020204" pitchFamily="34" charset="0"/>
+                <a:cs typeface="Arial" panose="020B0604020202020204" pitchFamily="34" charset="0"/>
+              </a:rPr>
+              <a:t>Squares</a:t>
+            </a:r>
+            <a:r>
+              <a:rPr lang="it-IT" sz="2400" noProof="0" dirty="0">
+                <a:latin typeface="Arial" panose="020B0604020202020204" pitchFamily="34" charset="0"/>
+                <a:cs typeface="Arial" panose="020B0604020202020204" pitchFamily="34" charset="0"/>
+              </a:rPr>
+              <a:t> </a:t>
+            </a:r>
+            <a:r>
+              <a:rPr lang="it-IT" sz="2400" noProof="0" dirty="0" err="1">
+                <a:latin typeface="Arial" panose="020B0604020202020204" pitchFamily="34" charset="0"/>
+                <a:cs typeface="Arial" panose="020B0604020202020204" pitchFamily="34" charset="0"/>
+              </a:rPr>
+              <a:t>problem</a:t>
+            </a:r>
+            <a:r>
+              <a:rPr lang="it-IT" sz="2400" noProof="0" dirty="0">
+                <a:latin typeface="Arial" panose="020B0604020202020204" pitchFamily="34" charset="0"/>
+                <a:cs typeface="Arial" panose="020B0604020202020204" pitchFamily="34" charset="0"/>
+              </a:rPr>
+              <a:t> </a:t>
+            </a:r>
+            <a:r>
+              <a:rPr lang="it-IT" sz="2400" noProof="0" dirty="0" err="1">
+                <a:latin typeface="Arial" panose="020B0604020202020204" pitchFamily="34" charset="0"/>
+                <a:cs typeface="Arial" panose="020B0604020202020204" pitchFamily="34" charset="0"/>
+              </a:rPr>
+              <a:t>using</a:t>
+            </a:r>
+            <a:r>
+              <a:rPr lang="it-IT" sz="2400" noProof="0" dirty="0">
+                <a:latin typeface="Arial" panose="020B0604020202020204" pitchFamily="34" charset="0"/>
+                <a:cs typeface="Arial" panose="020B0604020202020204" pitchFamily="34" charset="0"/>
+              </a:rPr>
+              <a:t> QR </a:t>
+            </a:r>
+            <a:r>
+              <a:rPr lang="it-IT" sz="2400" noProof="0" dirty="0" err="1">
+                <a:latin typeface="Arial" panose="020B0604020202020204" pitchFamily="34" charset="0"/>
+                <a:cs typeface="Arial" panose="020B0604020202020204" pitchFamily="34" charset="0"/>
+              </a:rPr>
+              <a:t>decomposition</a:t>
+            </a:r>
+            <a:r>
+              <a:rPr lang="it-IT" sz="2400" noProof="0" dirty="0">
+                <a:latin typeface="Arial" panose="020B0604020202020204" pitchFamily="34" charset="0"/>
+                <a:cs typeface="Arial" panose="020B0604020202020204" pitchFamily="34" charset="0"/>
+              </a:rPr>
+              <a:t> like so</a:t>
+            </a:r>
+          </a:p>
+          <a:p>
+            <a:pPr algn="just"/>
+            <a:endParaRPr lang="it-IT" sz="2400" dirty="0">
               <a:latin typeface="Arial" panose="020B0604020202020204" pitchFamily="34" charset="0"/>
               <a:cs typeface="Arial" panose="020B0604020202020204" pitchFamily="34" charset="0"/>
             </a:endParaRPr>
           </a:p>
           <a:p>
             <a:pPr algn="just"/>
-            <a:endParaRPr lang="en-GB" sz="2400" noProof="0" dirty="0">
+            <a:endParaRPr lang="it-IT" sz="2400" noProof="0" dirty="0">
               <a:latin typeface="Arial" panose="020B0604020202020204" pitchFamily="34" charset="0"/>
               <a:cs typeface="Arial" panose="020B0604020202020204" pitchFamily="34" charset="0"/>
             </a:endParaRPr>
           </a:p>
           <a:p>
             <a:pPr algn="just"/>
-            <a:endParaRPr lang="en-GB" sz="2400" noProof="0" dirty="0">
+            <a:endParaRPr lang="it-IT" sz="2400" dirty="0">
               <a:latin typeface="Arial" panose="020B0604020202020204" pitchFamily="34" charset="0"/>
               <a:cs typeface="Arial" panose="020B0604020202020204" pitchFamily="34" charset="0"/>
             </a:endParaRPr>
           </a:p>
+          <a:p>
+            <a:pPr algn="just"/>
+            <a:endParaRPr lang="it-IT" sz="2400" noProof="0" dirty="0">
+              <a:latin typeface="Arial" panose="020B0604020202020204" pitchFamily="34" charset="0"/>
+              <a:cs typeface="Arial" panose="020B0604020202020204" pitchFamily="34" charset="0"/>
+            </a:endParaRPr>
+          </a:p>
+          <a:p>
+            <a:pPr algn="just"/>
+            <a:endParaRPr lang="it-IT" sz="2400" dirty="0">
+              <a:latin typeface="Arial" panose="020B0604020202020204" pitchFamily="34" charset="0"/>
+              <a:cs typeface="Arial" panose="020B0604020202020204" pitchFamily="34" charset="0"/>
+            </a:endParaRPr>
+          </a:p>
+          <a:p>
+            <a:pPr algn="just"/>
+            <a:endParaRPr lang="it-IT" sz="2400" noProof="0" dirty="0">
+              <a:latin typeface="Arial" panose="020B0604020202020204" pitchFamily="34" charset="0"/>
+              <a:cs typeface="Arial" panose="020B0604020202020204" pitchFamily="34" charset="0"/>
+            </a:endParaRPr>
+          </a:p>
+          <a:p>
+            <a:pPr algn="just"/>
+            <a:r>
+              <a:rPr lang="it-IT" sz="2400" dirty="0">
+                <a:latin typeface="Arial" panose="020B0604020202020204" pitchFamily="34" charset="0"/>
+                <a:cs typeface="Arial" panose="020B0604020202020204" pitchFamily="34" charset="0"/>
+              </a:rPr>
+              <a:t>And </a:t>
+            </a:r>
+            <a:r>
+              <a:rPr lang="it-IT" sz="2400" dirty="0" err="1">
+                <a:latin typeface="Arial" panose="020B0604020202020204" pitchFamily="34" charset="0"/>
+                <a:cs typeface="Arial" panose="020B0604020202020204" pitchFamily="34" charset="0"/>
+              </a:rPr>
+              <a:t>then</a:t>
+            </a:r>
+            <a:r>
+              <a:rPr lang="it-IT" sz="2400" dirty="0">
+                <a:latin typeface="Arial" panose="020B0604020202020204" pitchFamily="34" charset="0"/>
+                <a:cs typeface="Arial" panose="020B0604020202020204" pitchFamily="34" charset="0"/>
+              </a:rPr>
+              <a:t> computing the </a:t>
+            </a:r>
+            <a:r>
+              <a:rPr lang="it-IT" sz="2400" dirty="0" err="1">
+                <a:latin typeface="Arial" panose="020B0604020202020204" pitchFamily="34" charset="0"/>
+                <a:cs typeface="Arial" panose="020B0604020202020204" pitchFamily="34" charset="0"/>
+              </a:rPr>
+              <a:t>matrix</a:t>
+            </a:r>
+            <a:r>
+              <a:rPr lang="it-IT" sz="2400" dirty="0">
+                <a:latin typeface="Arial" panose="020B0604020202020204" pitchFamily="34" charset="0"/>
+                <a:cs typeface="Arial" panose="020B0604020202020204" pitchFamily="34" charset="0"/>
+              </a:rPr>
+              <a:t> </a:t>
+            </a:r>
+          </a:p>
+          <a:p>
+            <a:pPr algn="just"/>
+            <a:endParaRPr lang="it-IT" sz="2400" noProof="0" dirty="0">
+              <a:latin typeface="Arial" panose="020B0604020202020204" pitchFamily="34" charset="0"/>
+              <a:cs typeface="Arial" panose="020B0604020202020204" pitchFamily="34" charset="0"/>
+            </a:endParaRPr>
+          </a:p>
+          <a:p>
+            <a:pPr algn="just"/>
+            <a:endParaRPr lang="it-IT" sz="2400" dirty="0">
+              <a:latin typeface="Arial" panose="020B0604020202020204" pitchFamily="34" charset="0"/>
+              <a:cs typeface="Arial" panose="020B0604020202020204" pitchFamily="34" charset="0"/>
+            </a:endParaRPr>
+          </a:p>
+          <a:p>
+            <a:pPr algn="just"/>
+            <a:r>
+              <a:rPr lang="it-IT" sz="2400" dirty="0">
+                <a:latin typeface="Arial" panose="020B0604020202020204" pitchFamily="34" charset="0"/>
+                <a:cs typeface="Arial" panose="020B0604020202020204" pitchFamily="34" charset="0"/>
+              </a:rPr>
+              <a:t>a</a:t>
+            </a:r>
+            <a:r>
+              <a:rPr lang="it-IT" sz="2400" noProof="0" dirty="0" err="1">
+                <a:latin typeface="Arial" panose="020B0604020202020204" pitchFamily="34" charset="0"/>
+                <a:cs typeface="Arial" panose="020B0604020202020204" pitchFamily="34" charset="0"/>
+              </a:rPr>
+              <a:t>nd</a:t>
+            </a:r>
+            <a:r>
+              <a:rPr lang="it-IT" sz="2400" noProof="0" dirty="0">
+                <a:latin typeface="Arial" panose="020B0604020202020204" pitchFamily="34" charset="0"/>
+                <a:cs typeface="Arial" panose="020B0604020202020204" pitchFamily="34" charset="0"/>
+              </a:rPr>
+              <a:t> </a:t>
+            </a:r>
+            <a:r>
+              <a:rPr lang="it-IT" sz="2400" noProof="0" dirty="0" err="1">
+                <a:latin typeface="Arial" panose="020B0604020202020204" pitchFamily="34" charset="0"/>
+                <a:cs typeface="Arial" panose="020B0604020202020204" pitchFamily="34" charset="0"/>
+              </a:rPr>
+              <a:t>thus</a:t>
+            </a:r>
+            <a:r>
+              <a:rPr lang="it-IT" sz="2400" noProof="0" dirty="0">
+                <a:latin typeface="Arial" panose="020B0604020202020204" pitchFamily="34" charset="0"/>
+                <a:cs typeface="Arial" panose="020B0604020202020204" pitchFamily="34" charset="0"/>
+              </a:rPr>
+              <a:t>:</a:t>
+            </a:r>
+          </a:p>
         </p:txBody>
       </p:sp>
+      <p:pic>
+        <p:nvPicPr>
+          <p:cNvPr id="4098" name="Picture 2">
+            <a:extLst>
+              <a:ext uri="{FF2B5EF4-FFF2-40B4-BE49-F238E27FC236}">
+                <a16:creationId xmlns:a16="http://schemas.microsoft.com/office/drawing/2014/main" id="{5E7E1F09-7C16-296C-4CF3-EFD91FD307E1}"/>
+              </a:ext>
+            </a:extLst>
+          </p:cNvPr>
+          <p:cNvPicPr>
+            <a:picLocks noChangeAspect="1" noChangeArrowheads="1"/>
+          </p:cNvPicPr>
+          <p:nvPr/>
+        </p:nvPicPr>
+        <p:blipFill>
+          <a:blip r:embed="rId2">
+            <a:extLst>
+              <a:ext uri="{28A0092B-C50C-407E-A947-70E740481C1C}">
+                <a14:useLocalDpi xmlns:a14="http://schemas.microsoft.com/office/drawing/2010/main" val="0"/>
+              </a:ext>
+            </a:extLst>
+          </a:blip>
+          <a:srcRect/>
+          <a:stretch>
+            <a:fillRect/>
+          </a:stretch>
+        </p:blipFill>
+        <p:spPr bwMode="auto">
+          <a:xfrm>
+            <a:off x="914400" y="1828800"/>
+            <a:ext cx="6400799" cy="1822630"/>
+          </a:xfrm>
+          <a:prstGeom prst="rect">
+            <a:avLst/>
+          </a:prstGeom>
+          <a:noFill/>
+          <a:extLst>
+            <a:ext uri="{909E8E84-426E-40DD-AFC4-6F175D3DCCD1}">
+              <a14:hiddenFill xmlns:a14="http://schemas.microsoft.com/office/drawing/2010/main">
+                <a:solidFill>
+                  <a:srgbClr val="FFFFFF"/>
+                </a:solidFill>
+              </a14:hiddenFill>
+            </a:ext>
+          </a:extLst>
+        </p:spPr>
+      </p:pic>
+      <p:pic>
+        <p:nvPicPr>
+          <p:cNvPr id="4100" name="Picture 4">
+            <a:extLst>
+              <a:ext uri="{FF2B5EF4-FFF2-40B4-BE49-F238E27FC236}">
+                <a16:creationId xmlns:a16="http://schemas.microsoft.com/office/drawing/2014/main" id="{03B6592E-7D46-D962-F6B1-82CF1B5303C7}"/>
+              </a:ext>
+            </a:extLst>
+          </p:cNvPr>
+          <p:cNvPicPr>
+            <a:picLocks noChangeAspect="1" noChangeArrowheads="1"/>
+          </p:cNvPicPr>
+          <p:nvPr/>
+        </p:nvPicPr>
+        <p:blipFill>
+          <a:blip r:embed="rId3">
+            <a:extLst>
+              <a:ext uri="{28A0092B-C50C-407E-A947-70E740481C1C}">
+                <a14:useLocalDpi xmlns:a14="http://schemas.microsoft.com/office/drawing/2010/main" val="0"/>
+              </a:ext>
+            </a:extLst>
+          </a:blip>
+          <a:srcRect/>
+          <a:stretch>
+            <a:fillRect/>
+          </a:stretch>
+        </p:blipFill>
+        <p:spPr bwMode="auto">
+          <a:xfrm>
+            <a:off x="5410200" y="3676830"/>
+            <a:ext cx="4343400" cy="828119"/>
+          </a:xfrm>
+          <a:prstGeom prst="rect">
+            <a:avLst/>
+          </a:prstGeom>
+          <a:noFill/>
+          <a:extLst>
+            <a:ext uri="{909E8E84-426E-40DD-AFC4-6F175D3DCCD1}">
+              <a14:hiddenFill xmlns:a14="http://schemas.microsoft.com/office/drawing/2010/main">
+                <a:solidFill>
+                  <a:srgbClr val="FFFFFF"/>
+                </a:solidFill>
+              </a14:hiddenFill>
+            </a:ext>
+          </a:extLst>
+        </p:spPr>
+      </p:pic>
+      <p:pic>
+        <p:nvPicPr>
+          <p:cNvPr id="4102" name="Picture 6">
+            <a:extLst>
+              <a:ext uri="{FF2B5EF4-FFF2-40B4-BE49-F238E27FC236}">
+                <a16:creationId xmlns:a16="http://schemas.microsoft.com/office/drawing/2014/main" id="{149A6B57-5CEE-C02B-D4BE-FCBA8BC3CC29}"/>
+              </a:ext>
+            </a:extLst>
+          </p:cNvPr>
+          <p:cNvPicPr>
+            <a:picLocks noChangeAspect="1" noChangeArrowheads="1"/>
+          </p:cNvPicPr>
+          <p:nvPr/>
+        </p:nvPicPr>
+        <p:blipFill>
+          <a:blip r:embed="rId4">
+            <a:extLst>
+              <a:ext uri="{28A0092B-C50C-407E-A947-70E740481C1C}">
+                <a14:useLocalDpi xmlns:a14="http://schemas.microsoft.com/office/drawing/2010/main" val="0"/>
+              </a:ext>
+            </a:extLst>
+          </a:blip>
+          <a:srcRect/>
+          <a:stretch>
+            <a:fillRect/>
+          </a:stretch>
+        </p:blipFill>
+        <p:spPr bwMode="auto">
+          <a:xfrm>
+            <a:off x="2743200" y="4953000"/>
+            <a:ext cx="3200400" cy="533400"/>
+          </a:xfrm>
+          <a:prstGeom prst="rect">
+            <a:avLst/>
+          </a:prstGeom>
+          <a:noFill/>
+          <a:extLst>
+            <a:ext uri="{909E8E84-426E-40DD-AFC4-6F175D3DCCD1}">
+              <a14:hiddenFill xmlns:a14="http://schemas.microsoft.com/office/drawing/2010/main">
+                <a:solidFill>
+                  <a:srgbClr val="FFFFFF"/>
+                </a:solidFill>
+              </a14:hiddenFill>
+            </a:ext>
+          </a:extLst>
+        </p:spPr>
+      </p:pic>
+      <p:pic>
+        <p:nvPicPr>
+          <p:cNvPr id="4104" name="Picture 8">
+            <a:extLst>
+              <a:ext uri="{FF2B5EF4-FFF2-40B4-BE49-F238E27FC236}">
+                <a16:creationId xmlns:a16="http://schemas.microsoft.com/office/drawing/2014/main" id="{285E648B-7359-C131-0198-9CC82275488D}"/>
+              </a:ext>
+            </a:extLst>
+          </p:cNvPr>
+          <p:cNvPicPr>
+            <a:picLocks noChangeAspect="1" noChangeArrowheads="1"/>
+          </p:cNvPicPr>
+          <p:nvPr/>
+        </p:nvPicPr>
+        <p:blipFill>
+          <a:blip r:embed="rId5">
+            <a:extLst>
+              <a:ext uri="{28A0092B-C50C-407E-A947-70E740481C1C}">
+                <a14:useLocalDpi xmlns:a14="http://schemas.microsoft.com/office/drawing/2010/main" val="0"/>
+              </a:ext>
+            </a:extLst>
+          </a:blip>
+          <a:srcRect/>
+          <a:stretch>
+            <a:fillRect/>
+          </a:stretch>
+        </p:blipFill>
+        <p:spPr bwMode="auto">
+          <a:xfrm>
+            <a:off x="6330748" y="4953000"/>
+            <a:ext cx="3492903" cy="533399"/>
+          </a:xfrm>
+          <a:prstGeom prst="rect">
+            <a:avLst/>
+          </a:prstGeom>
+          <a:noFill/>
+          <a:extLst>
+            <a:ext uri="{909E8E84-426E-40DD-AFC4-6F175D3DCCD1}">
+              <a14:hiddenFill xmlns:a14="http://schemas.microsoft.com/office/drawing/2010/main">
+                <a:solidFill>
+                  <a:srgbClr val="FFFFFF"/>
+                </a:solidFill>
+              </a14:hiddenFill>
+            </a:ext>
+          </a:extLst>
+        </p:spPr>
+      </p:pic>
     </p:spTree>
     <p:extLst>
       <p:ext uri="{BB962C8B-B14F-4D97-AF65-F5344CB8AC3E}">
-        <p14:creationId xmlns:p14="http://schemas.microsoft.com/office/powerpoint/2010/main" val="2274619447"/>
+        <p14:creationId xmlns:p14="http://schemas.microsoft.com/office/powerpoint/2010/main" val="4277720139"/>
+      </p:ext>
+    </p:extLst>
+  </p:cSld>
+  <p:clrMapOvr>
+    <a:masterClrMapping/>
+  </p:clrMapOvr>
+</p:sld>
+</file>
+
+<file path=ppt/slides/slide8.xml><?xml version="1.0" encoding="utf-8"?>
+<p:sld xmlns:a="http://schemas.openxmlformats.org/drawingml/2006/main" xmlns:r="http://schemas.openxmlformats.org/officeDocument/2006/relationships" xmlns:p="http://schemas.openxmlformats.org/presentationml/2006/main">
+  <p:cSld>
+    <p:spTree>
+      <p:nvGrpSpPr>
+        <p:cNvPr id="1" name="">
+          <a:extLst>
+            <a:ext uri="{FF2B5EF4-FFF2-40B4-BE49-F238E27FC236}">
+              <a16:creationId xmlns:a16="http://schemas.microsoft.com/office/drawing/2014/main" id="{8DC1D38E-E42A-794A-265F-EE9B02AF1D12}"/>
+            </a:ext>
+          </a:extLst>
+        </p:cNvPr>
+        <p:cNvGrpSpPr/>
+        <p:nvPr/>
+      </p:nvGrpSpPr>
+      <p:grpSpPr>
+        <a:xfrm>
+          <a:off x="0" y="0"/>
+          <a:ext cx="0" cy="0"/>
+          <a:chOff x="0" y="0"/>
+          <a:chExt cx="0" cy="0"/>
+        </a:xfrm>
+      </p:grpSpPr>
+      <p:sp>
+        <p:nvSpPr>
+          <p:cNvPr id="10" name="Titolo 9">
+            <a:extLst>
+              <a:ext uri="{FF2B5EF4-FFF2-40B4-BE49-F238E27FC236}">
+                <a16:creationId xmlns:a16="http://schemas.microsoft.com/office/drawing/2014/main" id="{2E3A97D5-B71A-83F2-FF50-EEA420BD9DCA}"/>
+              </a:ext>
+            </a:extLst>
+          </p:cNvPr>
+          <p:cNvSpPr>
+            <a:spLocks noGrp="1"/>
+          </p:cNvSpPr>
+          <p:nvPr>
+            <p:ph type="title"/>
+          </p:nvPr>
+        </p:nvSpPr>
+        <p:spPr>
+          <a:xfrm>
+            <a:off x="761999" y="457200"/>
+            <a:ext cx="9691687" cy="538609"/>
+          </a:xfrm>
+        </p:spPr>
+        <p:txBody>
+          <a:bodyPr/>
+          <a:lstStyle/>
+          <a:p>
+            <a:r>
+              <a:rPr lang="en-GB" noProof="0" dirty="0">
+                <a:latin typeface="Arial Black" panose="020B0A04020102020204" pitchFamily="34" charset="0"/>
+              </a:rPr>
+              <a:t>Proposed solution – </a:t>
+            </a:r>
+            <a:r>
+              <a:rPr lang="en-GB" dirty="0">
+                <a:latin typeface="Arial Black" panose="020B0A04020102020204" pitchFamily="34" charset="0"/>
+              </a:rPr>
+              <a:t>Subspace Step 2</a:t>
+            </a:r>
+            <a:endParaRPr lang="en-GB" noProof="0" dirty="0">
+              <a:latin typeface="Arial Black" panose="020B0A04020102020204" pitchFamily="34" charset="0"/>
+            </a:endParaRPr>
+          </a:p>
+        </p:txBody>
+      </p:sp>
+      <mc:AlternateContent xmlns:mc="http://schemas.openxmlformats.org/markup-compatibility/2006">
+        <mc:Choice xmlns:a14="http://schemas.microsoft.com/office/drawing/2010/main" Requires="a14">
+          <p:sp>
+            <p:nvSpPr>
+              <p:cNvPr id="2" name="CasellaDiTesto 1">
+                <a:extLst>
+                  <a:ext uri="{FF2B5EF4-FFF2-40B4-BE49-F238E27FC236}">
+                    <a16:creationId xmlns:a16="http://schemas.microsoft.com/office/drawing/2014/main" id="{A1B4B6DF-2C26-DCB2-E799-BC690D152E4A}"/>
+                  </a:ext>
+                </a:extLst>
+              </p:cNvPr>
+              <p:cNvSpPr txBox="1"/>
+              <p:nvPr/>
+            </p:nvSpPr>
+            <p:spPr>
+              <a:xfrm>
+                <a:off x="723900" y="1191645"/>
+                <a:ext cx="10744200" cy="3815275"/>
+              </a:xfrm>
+              <a:prstGeom prst="rect">
+                <a:avLst/>
+              </a:prstGeom>
+              <a:noFill/>
+            </p:spPr>
+            <p:txBody>
+              <a:bodyPr wrap="square">
+                <a:spAutoFit/>
+              </a:bodyPr>
+              <a:lstStyle/>
+              <a:p>
+                <a:pPr algn="just"/>
+                <a:r>
+                  <a:rPr lang="it-IT" sz="2400" dirty="0">
+                    <a:latin typeface="Arial" panose="020B0604020202020204" pitchFamily="34" charset="0"/>
+                    <a:cs typeface="Arial" panose="020B0604020202020204" pitchFamily="34" charset="0"/>
+                  </a:rPr>
+                  <a:t>The </a:t>
+                </a:r>
+                <a:r>
+                  <a:rPr lang="it-IT" sz="2400" dirty="0" err="1">
+                    <a:latin typeface="Arial" panose="020B0604020202020204" pitchFamily="34" charset="0"/>
+                    <a:cs typeface="Arial" panose="020B0604020202020204" pitchFamily="34" charset="0"/>
+                  </a:rPr>
+                  <a:t>next</a:t>
+                </a:r>
+                <a:r>
+                  <a:rPr lang="it-IT" sz="2400" dirty="0">
+                    <a:latin typeface="Arial" panose="020B0604020202020204" pitchFamily="34" charset="0"/>
+                    <a:cs typeface="Arial" panose="020B0604020202020204" pitchFamily="34" charset="0"/>
+                  </a:rPr>
+                  <a:t> step of the </a:t>
+                </a:r>
+                <a:r>
+                  <a:rPr lang="it-IT" sz="2400" dirty="0" err="1">
+                    <a:latin typeface="Arial" panose="020B0604020202020204" pitchFamily="34" charset="0"/>
+                    <a:cs typeface="Arial" panose="020B0604020202020204" pitchFamily="34" charset="0"/>
+                  </a:rPr>
+                  <a:t>algotithm</a:t>
+                </a:r>
+                <a:r>
+                  <a:rPr lang="it-IT" sz="2400" dirty="0">
+                    <a:latin typeface="Arial" panose="020B0604020202020204" pitchFamily="34" charset="0"/>
+                    <a:cs typeface="Arial" panose="020B0604020202020204" pitchFamily="34" charset="0"/>
+                  </a:rPr>
+                  <a:t> </a:t>
+                </a:r>
+                <a:r>
+                  <a:rPr lang="it-IT" sz="2400" dirty="0" err="1">
+                    <a:latin typeface="Arial" panose="020B0604020202020204" pitchFamily="34" charset="0"/>
+                    <a:cs typeface="Arial" panose="020B0604020202020204" pitchFamily="34" charset="0"/>
+                  </a:rPr>
+                  <a:t>is</a:t>
+                </a:r>
+                <a:r>
+                  <a:rPr lang="it-IT" sz="2400" dirty="0">
+                    <a:latin typeface="Arial" panose="020B0604020202020204" pitchFamily="34" charset="0"/>
+                    <a:cs typeface="Arial" panose="020B0604020202020204" pitchFamily="34" charset="0"/>
+                  </a:rPr>
+                  <a:t> to </a:t>
+                </a:r>
+                <a:r>
+                  <a:rPr lang="it-IT" sz="2400" dirty="0" err="1">
+                    <a:latin typeface="Arial" panose="020B0604020202020204" pitchFamily="34" charset="0"/>
+                    <a:cs typeface="Arial" panose="020B0604020202020204" pitchFamily="34" charset="0"/>
+                  </a:rPr>
+                  <a:t>execute</a:t>
+                </a:r>
+                <a:r>
+                  <a:rPr lang="it-IT" sz="2400" dirty="0">
+                    <a:latin typeface="Arial" panose="020B0604020202020204" pitchFamily="34" charset="0"/>
+                    <a:cs typeface="Arial" panose="020B0604020202020204" pitchFamily="34" charset="0"/>
+                  </a:rPr>
+                  <a:t> a </a:t>
+                </a:r>
+                <a:r>
+                  <a:rPr lang="it-IT" sz="2400" dirty="0" err="1">
+                    <a:latin typeface="Arial" panose="020B0604020202020204" pitchFamily="34" charset="0"/>
+                    <a:cs typeface="Arial" panose="020B0604020202020204" pitchFamily="34" charset="0"/>
+                  </a:rPr>
+                  <a:t>rank</a:t>
+                </a:r>
+                <a:r>
+                  <a:rPr lang="it-IT" sz="2400" dirty="0">
+                    <a:latin typeface="Arial" panose="020B0604020202020204" pitchFamily="34" charset="0"/>
+                    <a:cs typeface="Arial" panose="020B0604020202020204" pitchFamily="34" charset="0"/>
+                  </a:rPr>
+                  <a:t>-n </a:t>
+                </a:r>
+                <a:r>
+                  <a:rPr lang="it-IT" sz="2400" dirty="0" err="1">
+                    <a:latin typeface="Arial" panose="020B0604020202020204" pitchFamily="34" charset="0"/>
+                    <a:cs typeface="Arial" panose="020B0604020202020204" pitchFamily="34" charset="0"/>
+                  </a:rPr>
+                  <a:t>approximation</a:t>
+                </a:r>
+                <a:r>
+                  <a:rPr lang="it-IT" sz="2400" dirty="0">
+                    <a:latin typeface="Arial" panose="020B0604020202020204" pitchFamily="34" charset="0"/>
+                    <a:cs typeface="Arial" panose="020B0604020202020204" pitchFamily="34" charset="0"/>
+                  </a:rPr>
+                  <a:t> of </a:t>
+                </a:r>
+                <a14:m>
+                  <m:oMath xmlns:m="http://schemas.openxmlformats.org/officeDocument/2006/math">
+                    <m:sSub>
+                      <m:sSubPr>
+                        <m:ctrlPr>
+                          <a:rPr lang="it-IT" sz="2400" i="1" smtClean="0">
+                            <a:latin typeface="Cambria Math" panose="02040503050406030204" pitchFamily="18" charset="0"/>
+                            <a:cs typeface="Arial" panose="020B0604020202020204" pitchFamily="34" charset="0"/>
+                          </a:rPr>
+                        </m:ctrlPr>
+                      </m:sSubPr>
+                      <m:e>
+                        <m:r>
+                          <a:rPr lang="it-IT" sz="2400" b="0" i="1" smtClean="0">
+                            <a:latin typeface="Cambria Math" panose="02040503050406030204" pitchFamily="18" charset="0"/>
+                            <a:cs typeface="Arial" panose="020B0604020202020204" pitchFamily="34" charset="0"/>
+                          </a:rPr>
+                          <m:t>𝐿</m:t>
+                        </m:r>
+                      </m:e>
+                      <m:sub>
+                        <m:r>
+                          <a:rPr lang="it-IT" sz="2400" b="0" i="1" smtClean="0">
+                            <a:latin typeface="Cambria Math" panose="02040503050406030204" pitchFamily="18" charset="0"/>
+                            <a:cs typeface="Arial" panose="020B0604020202020204" pitchFamily="34" charset="0"/>
+                          </a:rPr>
+                          <m:t>𝑤</m:t>
+                        </m:r>
+                      </m:sub>
+                    </m:sSub>
+                  </m:oMath>
+                </a14:m>
+                <a:r>
+                  <a:rPr lang="it-IT" sz="2400" noProof="0" dirty="0" err="1">
+                    <a:latin typeface="Arial" panose="020B0604020202020204" pitchFamily="34" charset="0"/>
+                    <a:cs typeface="Arial" panose="020B0604020202020204" pitchFamily="34" charset="0"/>
+                  </a:rPr>
+                  <a:t>using</a:t>
+                </a:r>
+                <a:r>
+                  <a:rPr lang="it-IT" sz="2400" noProof="0" dirty="0">
+                    <a:latin typeface="Arial" panose="020B0604020202020204" pitchFamily="34" charset="0"/>
+                    <a:cs typeface="Arial" panose="020B0604020202020204" pitchFamily="34" charset="0"/>
+                  </a:rPr>
+                  <a:t> SVD </a:t>
+                </a:r>
+                <a:r>
+                  <a:rPr lang="it-IT" sz="2400" noProof="0" dirty="0" err="1">
+                    <a:latin typeface="Arial" panose="020B0604020202020204" pitchFamily="34" charset="0"/>
+                    <a:cs typeface="Arial" panose="020B0604020202020204" pitchFamily="34" charset="0"/>
+                  </a:rPr>
+                  <a:t>decomposition</a:t>
+                </a:r>
+                <a:r>
+                  <a:rPr lang="it-IT" sz="2400" noProof="0" dirty="0">
+                    <a:latin typeface="Arial" panose="020B0604020202020204" pitchFamily="34" charset="0"/>
+                    <a:cs typeface="Arial" panose="020B0604020202020204" pitchFamily="34" charset="0"/>
+                  </a:rPr>
+                  <a:t> (n </a:t>
+                </a:r>
+                <a:r>
+                  <a:rPr lang="it-IT" sz="2400" noProof="0" dirty="0" err="1">
+                    <a:latin typeface="Arial" panose="020B0604020202020204" pitchFamily="34" charset="0"/>
+                    <a:cs typeface="Arial" panose="020B0604020202020204" pitchFamily="34" charset="0"/>
+                  </a:rPr>
+                  <a:t>is</a:t>
+                </a:r>
+                <a:r>
+                  <a:rPr lang="it-IT" sz="2400" noProof="0" dirty="0">
+                    <a:latin typeface="Arial" panose="020B0604020202020204" pitchFamily="34" charset="0"/>
+                    <a:cs typeface="Arial" panose="020B0604020202020204" pitchFamily="34" charset="0"/>
+                  </a:rPr>
+                  <a:t> </a:t>
+                </a:r>
+                <a:r>
+                  <a:rPr lang="it-IT" sz="2400" noProof="0" dirty="0" err="1">
+                    <a:latin typeface="Arial" panose="020B0604020202020204" pitchFamily="34" charset="0"/>
+                    <a:cs typeface="Arial" panose="020B0604020202020204" pitchFamily="34" charset="0"/>
+                  </a:rPr>
+                  <a:t>chosen</a:t>
+                </a:r>
+                <a:r>
+                  <a:rPr lang="it-IT" sz="2400" noProof="0" dirty="0">
+                    <a:latin typeface="Arial" panose="020B0604020202020204" pitchFamily="34" charset="0"/>
+                    <a:cs typeface="Arial" panose="020B0604020202020204" pitchFamily="34" charset="0"/>
+                  </a:rPr>
+                  <a:t> by </a:t>
+                </a:r>
+                <a:r>
+                  <a:rPr lang="it-IT" sz="2400" noProof="0" dirty="0" err="1">
+                    <a:latin typeface="Arial" panose="020B0604020202020204" pitchFamily="34" charset="0"/>
+                    <a:cs typeface="Arial" panose="020B0604020202020204" pitchFamily="34" charset="0"/>
+                  </a:rPr>
+                  <a:t>inspecting</a:t>
+                </a:r>
+                <a:r>
+                  <a:rPr lang="it-IT" sz="2400" noProof="0" dirty="0">
+                    <a:latin typeface="Arial" panose="020B0604020202020204" pitchFamily="34" charset="0"/>
+                    <a:cs typeface="Arial" panose="020B0604020202020204" pitchFamily="34" charset="0"/>
+                  </a:rPr>
+                  <a:t> the </a:t>
+                </a:r>
+                <a:r>
+                  <a:rPr lang="it-IT" sz="2400" noProof="0" dirty="0" err="1">
+                    <a:latin typeface="Arial" panose="020B0604020202020204" pitchFamily="34" charset="0"/>
+                    <a:cs typeface="Arial" panose="020B0604020202020204" pitchFamily="34" charset="0"/>
+                  </a:rPr>
+                  <a:t>number</a:t>
+                </a:r>
+                <a:r>
+                  <a:rPr lang="it-IT" sz="2400" noProof="0" dirty="0">
+                    <a:latin typeface="Arial" panose="020B0604020202020204" pitchFamily="34" charset="0"/>
+                    <a:cs typeface="Arial" panose="020B0604020202020204" pitchFamily="34" charset="0"/>
+                  </a:rPr>
+                  <a:t> of </a:t>
+                </a:r>
+                <a:r>
+                  <a:rPr lang="it-IT" sz="2400" noProof="0" dirty="0" err="1">
+                    <a:latin typeface="Arial" panose="020B0604020202020204" pitchFamily="34" charset="0"/>
+                    <a:cs typeface="Arial" panose="020B0604020202020204" pitchFamily="34" charset="0"/>
+                  </a:rPr>
+                  <a:t>singular</a:t>
+                </a:r>
+                <a:r>
+                  <a:rPr lang="it-IT" sz="2400" noProof="0" dirty="0">
+                    <a:latin typeface="Arial" panose="020B0604020202020204" pitchFamily="34" charset="0"/>
+                    <a:cs typeface="Arial" panose="020B0604020202020204" pitchFamily="34" charset="0"/>
+                  </a:rPr>
+                  <a:t> </a:t>
+                </a:r>
+                <a:r>
+                  <a:rPr lang="it-IT" sz="2400" noProof="0" dirty="0" err="1">
+                    <a:latin typeface="Arial" panose="020B0604020202020204" pitchFamily="34" charset="0"/>
+                    <a:cs typeface="Arial" panose="020B0604020202020204" pitchFamily="34" charset="0"/>
+                  </a:rPr>
+                  <a:t>values</a:t>
+                </a:r>
+                <a:r>
+                  <a:rPr lang="it-IT" sz="2400" noProof="0" dirty="0">
+                    <a:latin typeface="Arial" panose="020B0604020202020204" pitchFamily="34" charset="0"/>
+                    <a:cs typeface="Arial" panose="020B0604020202020204" pitchFamily="34" charset="0"/>
+                  </a:rPr>
+                  <a:t> of S):</a:t>
+                </a:r>
+              </a:p>
+              <a:p>
+                <a:pPr algn="just"/>
+                <a:endParaRPr lang="it-IT" sz="2400" dirty="0">
+                  <a:latin typeface="Arial" panose="020B0604020202020204" pitchFamily="34" charset="0"/>
+                  <a:cs typeface="Arial" panose="020B0604020202020204" pitchFamily="34" charset="0"/>
+                </a:endParaRPr>
+              </a:p>
+              <a:p>
+                <a:pPr algn="just"/>
+                <a:endParaRPr lang="it-IT" sz="2400" noProof="0" dirty="0">
+                  <a:latin typeface="Arial" panose="020B0604020202020204" pitchFamily="34" charset="0"/>
+                  <a:cs typeface="Arial" panose="020B0604020202020204" pitchFamily="34" charset="0"/>
+                </a:endParaRPr>
+              </a:p>
+              <a:p>
+                <a:pPr algn="just"/>
+                <a:endParaRPr lang="it-IT" sz="2400" dirty="0">
+                  <a:latin typeface="Arial" panose="020B0604020202020204" pitchFamily="34" charset="0"/>
+                  <a:cs typeface="Arial" panose="020B0604020202020204" pitchFamily="34" charset="0"/>
+                </a:endParaRPr>
+              </a:p>
+              <a:p>
+                <a:pPr algn="just"/>
+                <a:endParaRPr lang="it-IT" sz="2400" noProof="0" dirty="0">
+                  <a:latin typeface="Arial" panose="020B0604020202020204" pitchFamily="34" charset="0"/>
+                  <a:cs typeface="Arial" panose="020B0604020202020204" pitchFamily="34" charset="0"/>
+                </a:endParaRPr>
+              </a:p>
+              <a:p>
+                <a:pPr algn="just"/>
+                <a:r>
+                  <a:rPr lang="it-IT" sz="2400" noProof="0" dirty="0">
+                    <a:latin typeface="Arial" panose="020B0604020202020204" pitchFamily="34" charset="0"/>
+                    <a:cs typeface="Arial" panose="020B0604020202020204" pitchFamily="34" charset="0"/>
+                  </a:rPr>
+                  <a:t>Note: under the </a:t>
+                </a:r>
+                <a:r>
+                  <a:rPr lang="it-IT" sz="2400" noProof="0" dirty="0" err="1">
+                    <a:latin typeface="Arial" panose="020B0604020202020204" pitchFamily="34" charset="0"/>
+                    <a:cs typeface="Arial" panose="020B0604020202020204" pitchFamily="34" charset="0"/>
+                  </a:rPr>
+                  <a:t>assumption</a:t>
+                </a:r>
+                <a:r>
+                  <a:rPr lang="it-IT" sz="2400" noProof="0" dirty="0">
+                    <a:latin typeface="Arial" panose="020B0604020202020204" pitchFamily="34" charset="0"/>
+                    <a:cs typeface="Arial" panose="020B0604020202020204" pitchFamily="34" charset="0"/>
+                  </a:rPr>
+                  <a:t> </a:t>
+                </a:r>
+                <a:r>
+                  <a:rPr lang="it-IT" sz="2400" noProof="0" dirty="0" err="1">
+                    <a:latin typeface="Arial" panose="020B0604020202020204" pitchFamily="34" charset="0"/>
+                    <a:cs typeface="Arial" panose="020B0604020202020204" pitchFamily="34" charset="0"/>
+                  </a:rPr>
+                  <a:t>that</a:t>
+                </a:r>
+                <a:r>
+                  <a:rPr lang="it-IT" sz="2400" noProof="0" dirty="0">
+                    <a:latin typeface="Arial" panose="020B0604020202020204" pitchFamily="34" charset="0"/>
+                    <a:cs typeface="Arial" panose="020B0604020202020204" pitchFamily="34" charset="0"/>
+                  </a:rPr>
+                  <a:t> the </a:t>
+                </a:r>
+                <a:r>
+                  <a:rPr lang="it-IT" sz="2400" noProof="0" dirty="0" err="1">
+                    <a:latin typeface="Arial" panose="020B0604020202020204" pitchFamily="34" charset="0"/>
+                    <a:cs typeface="Arial" panose="020B0604020202020204" pitchFamily="34" charset="0"/>
+                  </a:rPr>
+                  <a:t>number</a:t>
+                </a:r>
+                <a:r>
+                  <a:rPr lang="it-IT" sz="2400" noProof="0" dirty="0">
+                    <a:latin typeface="Arial" panose="020B0604020202020204" pitchFamily="34" charset="0"/>
+                    <a:cs typeface="Arial" panose="020B0604020202020204" pitchFamily="34" charset="0"/>
+                  </a:rPr>
+                  <a:t> of </a:t>
+                </a:r>
+                <a:r>
+                  <a:rPr lang="it-IT" sz="2400" noProof="0" dirty="0" err="1">
+                    <a:latin typeface="Arial" panose="020B0604020202020204" pitchFamily="34" charset="0"/>
+                    <a:cs typeface="Arial" panose="020B0604020202020204" pitchFamily="34" charset="0"/>
+                  </a:rPr>
+                  <a:t>columns</a:t>
+                </a:r>
+                <a:r>
+                  <a:rPr lang="it-IT" sz="2400" noProof="0" dirty="0">
+                    <a:latin typeface="Arial" panose="020B0604020202020204" pitchFamily="34" charset="0"/>
+                    <a:cs typeface="Arial" panose="020B0604020202020204" pitchFamily="34" charset="0"/>
+                  </a:rPr>
+                  <a:t> of		      </a:t>
+                </a:r>
+                <a:r>
+                  <a:rPr lang="it-IT" sz="2400" noProof="0" dirty="0" err="1">
+                    <a:latin typeface="Arial" panose="020B0604020202020204" pitchFamily="34" charset="0"/>
+                    <a:cs typeface="Arial" panose="020B0604020202020204" pitchFamily="34" charset="0"/>
+                  </a:rPr>
+                  <a:t>is</a:t>
+                </a:r>
+                <a:r>
+                  <a:rPr lang="it-IT" sz="2400" noProof="0" dirty="0">
+                    <a:latin typeface="Arial" panose="020B0604020202020204" pitchFamily="34" charset="0"/>
+                    <a:cs typeface="Arial" panose="020B0604020202020204" pitchFamily="34" charset="0"/>
+                  </a:rPr>
+                  <a:t> infinite		, </a:t>
+                </a:r>
+                <a:r>
+                  <a:rPr lang="it-IT" sz="2400" noProof="0" dirty="0" err="1">
+                    <a:latin typeface="Arial" panose="020B0604020202020204" pitchFamily="34" charset="0"/>
+                    <a:cs typeface="Arial" panose="020B0604020202020204" pitchFamily="34" charset="0"/>
+                  </a:rPr>
+                  <a:t>there</a:t>
+                </a:r>
+                <a:r>
+                  <a:rPr lang="it-IT" sz="2400" noProof="0" dirty="0">
+                    <a:latin typeface="Arial" panose="020B0604020202020204" pitchFamily="34" charset="0"/>
+                    <a:cs typeface="Arial" panose="020B0604020202020204" pitchFamily="34" charset="0"/>
+                  </a:rPr>
+                  <a:t> </a:t>
+                </a:r>
+                <a:r>
+                  <a:rPr lang="it-IT" sz="2400" noProof="0" dirty="0" err="1">
+                    <a:latin typeface="Arial" panose="020B0604020202020204" pitchFamily="34" charset="0"/>
+                    <a:cs typeface="Arial" panose="020B0604020202020204" pitchFamily="34" charset="0"/>
+                  </a:rPr>
+                  <a:t>is</a:t>
+                </a:r>
+                <a:r>
+                  <a:rPr lang="it-IT" sz="2400" noProof="0" dirty="0">
+                    <a:latin typeface="Arial" panose="020B0604020202020204" pitchFamily="34" charset="0"/>
+                    <a:cs typeface="Arial" panose="020B0604020202020204" pitchFamily="34" charset="0"/>
+                  </a:rPr>
+                  <a:t> a </a:t>
+                </a:r>
+                <a:r>
+                  <a:rPr lang="it-IT" sz="2400" noProof="0" dirty="0" err="1">
+                    <a:latin typeface="Arial" panose="020B0604020202020204" pitchFamily="34" charset="0"/>
+                    <a:cs typeface="Arial" panose="020B0604020202020204" pitchFamily="34" charset="0"/>
+                  </a:rPr>
+                  <a:t>direct</a:t>
+                </a:r>
+                <a:r>
+                  <a:rPr lang="it-IT" sz="2400" noProof="0" dirty="0">
+                    <a:latin typeface="Arial" panose="020B0604020202020204" pitchFamily="34" charset="0"/>
+                    <a:cs typeface="Arial" panose="020B0604020202020204" pitchFamily="34" charset="0"/>
+                  </a:rPr>
+                  <a:t> link </a:t>
+                </a:r>
+                <a:r>
+                  <a:rPr lang="it-IT" sz="2400" noProof="0" dirty="0" err="1">
+                    <a:latin typeface="Arial" panose="020B0604020202020204" pitchFamily="34" charset="0"/>
+                    <a:cs typeface="Arial" panose="020B0604020202020204" pitchFamily="34" charset="0"/>
+                  </a:rPr>
+                  <a:t>between</a:t>
+                </a:r>
+                <a:r>
+                  <a:rPr lang="it-IT" sz="2400" noProof="0" dirty="0">
+                    <a:latin typeface="Arial" panose="020B0604020202020204" pitchFamily="34" charset="0"/>
+                    <a:cs typeface="Arial" panose="020B0604020202020204" pitchFamily="34" charset="0"/>
+                  </a:rPr>
+                  <a:t> </a:t>
+                </a:r>
+                <a14:m>
+                  <m:oMath xmlns:m="http://schemas.openxmlformats.org/officeDocument/2006/math">
+                    <m:sSub>
+                      <m:sSubPr>
+                        <m:ctrlPr>
+                          <a:rPr lang="it-IT" sz="2400" i="1" noProof="0" smtClean="0">
+                            <a:latin typeface="Cambria Math" panose="02040503050406030204" pitchFamily="18" charset="0"/>
+                            <a:cs typeface="Arial" panose="020B0604020202020204" pitchFamily="34" charset="0"/>
+                          </a:rPr>
+                        </m:ctrlPr>
+                      </m:sSubPr>
+                      <m:e>
+                        <m:r>
+                          <a:rPr lang="it-IT" sz="2400" b="0" i="1" noProof="0" smtClean="0">
+                            <a:latin typeface="Cambria Math" panose="02040503050406030204" pitchFamily="18" charset="0"/>
+                            <a:cs typeface="Arial" panose="020B0604020202020204" pitchFamily="34" charset="0"/>
+                          </a:rPr>
+                          <m:t>𝐿</m:t>
+                        </m:r>
+                      </m:e>
+                      <m:sub>
+                        <m:r>
+                          <a:rPr lang="it-IT" sz="2400" b="0" i="1" noProof="0" smtClean="0">
+                            <a:latin typeface="Cambria Math" panose="02040503050406030204" pitchFamily="18" charset="0"/>
+                            <a:cs typeface="Arial" panose="020B0604020202020204" pitchFamily="34" charset="0"/>
+                          </a:rPr>
+                          <m:t>𝑤</m:t>
+                        </m:r>
+                      </m:sub>
+                    </m:sSub>
+                  </m:oMath>
+                </a14:m>
+                <a:r>
+                  <a:rPr lang="it-IT" sz="2400" dirty="0">
+                    <a:latin typeface="Arial" panose="020B0604020202020204" pitchFamily="34" charset="0"/>
+                    <a:cs typeface="Arial" panose="020B0604020202020204" pitchFamily="34" charset="0"/>
+                  </a:rPr>
+                  <a:t> </a:t>
+                </a:r>
+                <a:r>
+                  <a:rPr lang="it-IT" sz="2400" noProof="0" dirty="0">
+                    <a:latin typeface="Arial" panose="020B0604020202020204" pitchFamily="34" charset="0"/>
+                    <a:cs typeface="Arial" panose="020B0604020202020204" pitchFamily="34" charset="0"/>
+                  </a:rPr>
+                  <a:t>and the </a:t>
+                </a:r>
+                <a:r>
+                  <a:rPr lang="it-IT" sz="2400" noProof="0" dirty="0" err="1">
+                    <a:latin typeface="Arial" panose="020B0604020202020204" pitchFamily="34" charset="0"/>
+                    <a:cs typeface="Arial" panose="020B0604020202020204" pitchFamily="34" charset="0"/>
+                  </a:rPr>
+                  <a:t>observability</a:t>
+                </a:r>
+                <a:r>
+                  <a:rPr lang="it-IT" sz="2400" noProof="0" dirty="0">
+                    <a:latin typeface="Arial" panose="020B0604020202020204" pitchFamily="34" charset="0"/>
+                    <a:cs typeface="Arial" panose="020B0604020202020204" pitchFamily="34" charset="0"/>
+                  </a:rPr>
+                  <a:t> </a:t>
+                </a:r>
+                <a:r>
+                  <a:rPr lang="it-IT" sz="2400" noProof="0" dirty="0" err="1">
+                    <a:latin typeface="Arial" panose="020B0604020202020204" pitchFamily="34" charset="0"/>
+                    <a:cs typeface="Arial" panose="020B0604020202020204" pitchFamily="34" charset="0"/>
+                  </a:rPr>
+                  <a:t>matrix</a:t>
+                </a:r>
+                <a:r>
+                  <a:rPr lang="it-IT" sz="2400" noProof="0" dirty="0">
+                    <a:latin typeface="Arial" panose="020B0604020202020204" pitchFamily="34" charset="0"/>
+                    <a:cs typeface="Arial" panose="020B0604020202020204" pitchFamily="34" charset="0"/>
+                  </a:rPr>
+                  <a:t> </a:t>
+                </a:r>
+                <a14:m>
+                  <m:oMath xmlns:m="http://schemas.openxmlformats.org/officeDocument/2006/math">
+                    <m:sSub>
+                      <m:sSubPr>
+                        <m:ctrlPr>
+                          <a:rPr lang="it-IT" sz="2400" i="1" noProof="0" smtClean="0">
+                            <a:latin typeface="Cambria Math" panose="02040503050406030204" pitchFamily="18" charset="0"/>
+                            <a:cs typeface="Arial" panose="020B0604020202020204" pitchFamily="34" charset="0"/>
+                          </a:rPr>
+                        </m:ctrlPr>
+                      </m:sSubPr>
+                      <m:e>
+                        <m:r>
+                          <m:rPr>
+                            <m:sty m:val="p"/>
+                          </m:rPr>
+                          <a:rPr lang="el-GR" sz="2400" i="1" noProof="0" smtClean="0">
+                            <a:latin typeface="Cambria Math" panose="02040503050406030204" pitchFamily="18" charset="0"/>
+                            <a:ea typeface="Cambria Math" panose="02040503050406030204" pitchFamily="18" charset="0"/>
+                            <a:cs typeface="Arial" panose="020B0604020202020204" pitchFamily="34" charset="0"/>
+                          </a:rPr>
+                          <m:t>Γ</m:t>
+                        </m:r>
+                      </m:e>
+                      <m:sub>
+                        <m:r>
+                          <a:rPr lang="it-IT" sz="2400" b="0" i="1" noProof="0" smtClean="0">
+                            <a:latin typeface="Cambria Math" panose="02040503050406030204" pitchFamily="18" charset="0"/>
+                            <a:cs typeface="Arial" panose="020B0604020202020204" pitchFamily="34" charset="0"/>
+                          </a:rPr>
+                          <m:t>𝑁</m:t>
+                        </m:r>
+                      </m:sub>
+                    </m:sSub>
+                  </m:oMath>
+                </a14:m>
+                <a:r>
+                  <a:rPr lang="it-IT" sz="2400" noProof="0" dirty="0">
+                    <a:latin typeface="Arial" panose="020B0604020202020204" pitchFamily="34" charset="0"/>
+                    <a:cs typeface="Arial" panose="020B0604020202020204" pitchFamily="34" charset="0"/>
+                  </a:rPr>
+                  <a:t> and the state </a:t>
+                </a:r>
+                <a:r>
+                  <a:rPr lang="it-IT" sz="2400" noProof="0" dirty="0" err="1">
+                    <a:latin typeface="Arial" panose="020B0604020202020204" pitchFamily="34" charset="0"/>
+                    <a:cs typeface="Arial" panose="020B0604020202020204" pitchFamily="34" charset="0"/>
+                  </a:rPr>
+                  <a:t>sequence</a:t>
+                </a:r>
+                <a:r>
+                  <a:rPr lang="it-IT" sz="2400" noProof="0" dirty="0">
+                    <a:latin typeface="Arial" panose="020B0604020202020204" pitchFamily="34" charset="0"/>
+                    <a:cs typeface="Arial" panose="020B0604020202020204" pitchFamily="34" charset="0"/>
+                  </a:rPr>
+                  <a:t> </a:t>
+                </a:r>
+                <a14:m>
+                  <m:oMath xmlns:m="http://schemas.openxmlformats.org/officeDocument/2006/math">
+                    <m:sSub>
+                      <m:sSubPr>
+                        <m:ctrlPr>
+                          <a:rPr lang="it-IT" sz="2400" i="1" noProof="0" smtClean="0">
+                            <a:latin typeface="Cambria Math" panose="02040503050406030204" pitchFamily="18" charset="0"/>
+                            <a:cs typeface="Arial" panose="020B0604020202020204" pitchFamily="34" charset="0"/>
+                          </a:rPr>
+                        </m:ctrlPr>
+                      </m:sSubPr>
+                      <m:e>
+                        <m:r>
+                          <a:rPr lang="it-IT" sz="2400" b="0" i="1" noProof="0" smtClean="0">
+                            <a:latin typeface="Cambria Math" panose="02040503050406030204" pitchFamily="18" charset="0"/>
+                            <a:cs typeface="Arial" panose="020B0604020202020204" pitchFamily="34" charset="0"/>
+                          </a:rPr>
+                          <m:t>𝑋</m:t>
+                        </m:r>
+                      </m:e>
+                      <m:sub>
+                        <m:r>
+                          <a:rPr lang="it-IT" sz="2400" b="0" i="1" noProof="0" smtClean="0">
+                            <a:latin typeface="Cambria Math" panose="02040503050406030204" pitchFamily="18" charset="0"/>
+                            <a:cs typeface="Arial" panose="020B0604020202020204" pitchFamily="34" charset="0"/>
+                          </a:rPr>
+                          <m:t>𝑓</m:t>
+                        </m:r>
+                      </m:sub>
+                    </m:sSub>
+                  </m:oMath>
+                </a14:m>
+                <a:r>
+                  <a:rPr lang="it-IT" sz="2400" noProof="0" dirty="0">
+                    <a:latin typeface="Arial" panose="020B0604020202020204" pitchFamily="34" charset="0"/>
+                    <a:cs typeface="Arial" panose="020B0604020202020204" pitchFamily="34" charset="0"/>
+                  </a:rPr>
+                  <a:t>.</a:t>
+                </a:r>
+              </a:p>
+            </p:txBody>
+          </p:sp>
+        </mc:Choice>
+        <mc:Fallback>
+          <p:sp>
+            <p:nvSpPr>
+              <p:cNvPr id="2" name="CasellaDiTesto 1">
+                <a:extLst>
+                  <a:ext uri="{FF2B5EF4-FFF2-40B4-BE49-F238E27FC236}">
+                    <a16:creationId xmlns:a16="http://schemas.microsoft.com/office/drawing/2014/main" id="{A1B4B6DF-2C26-DCB2-E799-BC690D152E4A}"/>
+                  </a:ext>
+                </a:extLst>
+              </p:cNvPr>
+              <p:cNvSpPr txBox="1">
+                <a:spLocks noRot="1" noChangeAspect="1" noMove="1" noResize="1" noEditPoints="1" noAdjustHandles="1" noChangeArrowheads="1" noChangeShapeType="1" noTextEdit="1"/>
+              </p:cNvSpPr>
+              <p:nvPr/>
+            </p:nvSpPr>
+            <p:spPr>
+              <a:xfrm>
+                <a:off x="723900" y="1191645"/>
+                <a:ext cx="10744200" cy="3815275"/>
+              </a:xfrm>
+              <a:prstGeom prst="rect">
+                <a:avLst/>
+              </a:prstGeom>
+              <a:blipFill>
+                <a:blip r:embed="rId2"/>
+                <a:stretch>
+                  <a:fillRect l="-908" t="-1118" r="-851" b="-1917"/>
+                </a:stretch>
+              </a:blipFill>
+            </p:spPr>
+            <p:txBody>
+              <a:bodyPr/>
+              <a:lstStyle/>
+              <a:p>
+                <a:r>
+                  <a:rPr lang="it-IT">
+                    <a:noFill/>
+                  </a:rPr>
+                  <a:t> </a:t>
+                </a:r>
+              </a:p>
+            </p:txBody>
+          </p:sp>
+        </mc:Fallback>
+      </mc:AlternateContent>
+      <p:pic>
+        <p:nvPicPr>
+          <p:cNvPr id="5122" name="Picture 2">
+            <a:extLst>
+              <a:ext uri="{FF2B5EF4-FFF2-40B4-BE49-F238E27FC236}">
+                <a16:creationId xmlns:a16="http://schemas.microsoft.com/office/drawing/2014/main" id="{5BA532AF-A20F-2BC1-4CBE-CDD59562E30F}"/>
+              </a:ext>
+            </a:extLst>
+          </p:cNvPr>
+          <p:cNvPicPr>
+            <a:picLocks noChangeAspect="1" noChangeArrowheads="1"/>
+          </p:cNvPicPr>
+          <p:nvPr/>
+        </p:nvPicPr>
+        <p:blipFill>
+          <a:blip r:embed="rId3">
+            <a:extLst>
+              <a:ext uri="{28A0092B-C50C-407E-A947-70E740481C1C}">
+                <a14:useLocalDpi xmlns:a14="http://schemas.microsoft.com/office/drawing/2010/main" val="0"/>
+              </a:ext>
+            </a:extLst>
+          </a:blip>
+          <a:srcRect/>
+          <a:stretch>
+            <a:fillRect/>
+          </a:stretch>
+        </p:blipFill>
+        <p:spPr bwMode="auto">
+          <a:xfrm>
+            <a:off x="711842" y="2385641"/>
+            <a:ext cx="6527158" cy="1271959"/>
+          </a:xfrm>
+          <a:prstGeom prst="rect">
+            <a:avLst/>
+          </a:prstGeom>
+          <a:noFill/>
+          <a:extLst>
+            <a:ext uri="{909E8E84-426E-40DD-AFC4-6F175D3DCCD1}">
+              <a14:hiddenFill xmlns:a14="http://schemas.microsoft.com/office/drawing/2010/main">
+                <a:solidFill>
+                  <a:srgbClr val="FFFFFF"/>
+                </a:solidFill>
+              </a14:hiddenFill>
+            </a:ext>
+          </a:extLst>
+        </p:spPr>
+      </p:pic>
+      <p:pic>
+        <p:nvPicPr>
+          <p:cNvPr id="5127" name="Picture 7">
+            <a:extLst>
+              <a:ext uri="{FF2B5EF4-FFF2-40B4-BE49-F238E27FC236}">
+                <a16:creationId xmlns:a16="http://schemas.microsoft.com/office/drawing/2014/main" id="{D68969F2-E63F-B955-2D4F-6532313FE1F8}"/>
+              </a:ext>
+            </a:extLst>
+          </p:cNvPr>
+          <p:cNvPicPr>
+            <a:picLocks noChangeAspect="1" noChangeArrowheads="1"/>
+          </p:cNvPicPr>
+          <p:nvPr/>
+        </p:nvPicPr>
+        <p:blipFill>
+          <a:blip r:embed="rId4">
+            <a:extLst>
+              <a:ext uri="{28A0092B-C50C-407E-A947-70E740481C1C}">
+                <a14:useLocalDpi xmlns:a14="http://schemas.microsoft.com/office/drawing/2010/main" val="0"/>
+              </a:ext>
+            </a:extLst>
+          </a:blip>
+          <a:srcRect/>
+          <a:stretch>
+            <a:fillRect/>
+          </a:stretch>
+        </p:blipFill>
+        <p:spPr bwMode="auto">
+          <a:xfrm>
+            <a:off x="8839200" y="3810000"/>
+            <a:ext cx="1259253" cy="351852"/>
+          </a:xfrm>
+          <a:prstGeom prst="rect">
+            <a:avLst/>
+          </a:prstGeom>
+          <a:noFill/>
+          <a:extLst>
+            <a:ext uri="{909E8E84-426E-40DD-AFC4-6F175D3DCCD1}">
+              <a14:hiddenFill xmlns:a14="http://schemas.microsoft.com/office/drawing/2010/main">
+                <a:solidFill>
+                  <a:srgbClr val="FFFFFF"/>
+                </a:solidFill>
+              </a14:hiddenFill>
+            </a:ext>
+          </a:extLst>
+        </p:spPr>
+      </p:pic>
+      <p:pic>
+        <p:nvPicPr>
+          <p:cNvPr id="5128" name="Picture 8">
+            <a:extLst>
+              <a:ext uri="{FF2B5EF4-FFF2-40B4-BE49-F238E27FC236}">
+                <a16:creationId xmlns:a16="http://schemas.microsoft.com/office/drawing/2014/main" id="{F8870000-4025-7FA0-A09D-3F6C8DDFDAEF}"/>
+              </a:ext>
+            </a:extLst>
+          </p:cNvPr>
+          <p:cNvPicPr>
+            <a:picLocks noChangeAspect="1" noChangeArrowheads="1"/>
+          </p:cNvPicPr>
+          <p:nvPr/>
+        </p:nvPicPr>
+        <p:blipFill>
+          <a:blip r:embed="rId5">
+            <a:extLst>
+              <a:ext uri="{28A0092B-C50C-407E-A947-70E740481C1C}">
+                <a14:useLocalDpi xmlns:a14="http://schemas.microsoft.com/office/drawing/2010/main" val="0"/>
+              </a:ext>
+            </a:extLst>
+          </a:blip>
+          <a:srcRect/>
+          <a:stretch>
+            <a:fillRect/>
+          </a:stretch>
+        </p:blipFill>
+        <p:spPr bwMode="auto">
+          <a:xfrm>
+            <a:off x="1828800" y="4234149"/>
+            <a:ext cx="770412" cy="261651"/>
+          </a:xfrm>
+          <a:prstGeom prst="rect">
+            <a:avLst/>
+          </a:prstGeom>
+          <a:noFill/>
+          <a:extLst>
+            <a:ext uri="{909E8E84-426E-40DD-AFC4-6F175D3DCCD1}">
+              <a14:hiddenFill xmlns:a14="http://schemas.microsoft.com/office/drawing/2010/main">
+                <a:solidFill>
+                  <a:srgbClr val="FFFFFF"/>
+                </a:solidFill>
+              </a14:hiddenFill>
+            </a:ext>
+          </a:extLst>
+        </p:spPr>
+      </p:pic>
+      <p:pic>
+        <p:nvPicPr>
+          <p:cNvPr id="5134" name="Picture 14">
+            <a:extLst>
+              <a:ext uri="{FF2B5EF4-FFF2-40B4-BE49-F238E27FC236}">
+                <a16:creationId xmlns:a16="http://schemas.microsoft.com/office/drawing/2014/main" id="{CE28A8CE-E4CC-199A-A7D6-56874E14E713}"/>
+              </a:ext>
+            </a:extLst>
+          </p:cNvPr>
+          <p:cNvPicPr>
+            <a:picLocks noChangeAspect="1" noChangeArrowheads="1"/>
+          </p:cNvPicPr>
+          <p:nvPr/>
+        </p:nvPicPr>
+        <p:blipFill>
+          <a:blip r:embed="rId6">
+            <a:extLst>
+              <a:ext uri="{28A0092B-C50C-407E-A947-70E740481C1C}">
+                <a14:useLocalDpi xmlns:a14="http://schemas.microsoft.com/office/drawing/2010/main" val="0"/>
+              </a:ext>
+            </a:extLst>
+          </a:blip>
+          <a:srcRect/>
+          <a:stretch>
+            <a:fillRect/>
+          </a:stretch>
+        </p:blipFill>
+        <p:spPr bwMode="auto">
+          <a:xfrm>
+            <a:off x="723900" y="5029200"/>
+            <a:ext cx="1964724" cy="685800"/>
+          </a:xfrm>
+          <a:prstGeom prst="rect">
+            <a:avLst/>
+          </a:prstGeom>
+          <a:noFill/>
+          <a:extLst>
+            <a:ext uri="{909E8E84-426E-40DD-AFC4-6F175D3DCCD1}">
+              <a14:hiddenFill xmlns:a14="http://schemas.microsoft.com/office/drawing/2010/main">
+                <a:solidFill>
+                  <a:srgbClr val="FFFFFF"/>
+                </a:solidFill>
+              </a14:hiddenFill>
+            </a:ext>
+          </a:extLst>
+        </p:spPr>
+      </p:pic>
+      <p:pic>
+        <p:nvPicPr>
+          <p:cNvPr id="5135" name="Picture 15">
+            <a:extLst>
+              <a:ext uri="{FF2B5EF4-FFF2-40B4-BE49-F238E27FC236}">
+                <a16:creationId xmlns:a16="http://schemas.microsoft.com/office/drawing/2014/main" id="{208A52BD-01C4-AAF0-3F91-52838E9F9F31}"/>
+              </a:ext>
+            </a:extLst>
+          </p:cNvPr>
+          <p:cNvPicPr>
+            <a:picLocks noChangeAspect="1" noChangeArrowheads="1"/>
+          </p:cNvPicPr>
+          <p:nvPr/>
+        </p:nvPicPr>
+        <p:blipFill>
+          <a:blip r:embed="rId7">
+            <a:extLst>
+              <a:ext uri="{28A0092B-C50C-407E-A947-70E740481C1C}">
+                <a14:useLocalDpi xmlns:a14="http://schemas.microsoft.com/office/drawing/2010/main" val="0"/>
+              </a:ext>
+            </a:extLst>
+          </a:blip>
+          <a:srcRect/>
+          <a:stretch>
+            <a:fillRect/>
+          </a:stretch>
+        </p:blipFill>
+        <p:spPr bwMode="auto">
+          <a:xfrm>
+            <a:off x="3352800" y="5029200"/>
+            <a:ext cx="3393822" cy="685800"/>
+          </a:xfrm>
+          <a:prstGeom prst="rect">
+            <a:avLst/>
+          </a:prstGeom>
+          <a:noFill/>
+          <a:extLst>
+            <a:ext uri="{909E8E84-426E-40DD-AFC4-6F175D3DCCD1}">
+              <a14:hiddenFill xmlns:a14="http://schemas.microsoft.com/office/drawing/2010/main">
+                <a:solidFill>
+                  <a:srgbClr val="FFFFFF"/>
+                </a:solidFill>
+              </a14:hiddenFill>
+            </a:ext>
+          </a:extLst>
+        </p:spPr>
+      </p:pic>
+      <mc:AlternateContent xmlns:mc="http://schemas.openxmlformats.org/markup-compatibility/2006">
+        <mc:Choice xmlns:a14="http://schemas.microsoft.com/office/drawing/2010/main" Requires="a14">
+          <p:sp>
+            <p:nvSpPr>
+              <p:cNvPr id="6" name="CasellaDiTesto 5">
+                <a:extLst>
+                  <a:ext uri="{FF2B5EF4-FFF2-40B4-BE49-F238E27FC236}">
+                    <a16:creationId xmlns:a16="http://schemas.microsoft.com/office/drawing/2014/main" id="{1511BC54-FC04-4EF5-B6CB-DB2BC5202002}"/>
+                  </a:ext>
+                </a:extLst>
+              </p:cNvPr>
+              <p:cNvSpPr txBox="1"/>
+              <p:nvPr/>
+            </p:nvSpPr>
+            <p:spPr>
+              <a:xfrm>
+                <a:off x="7239000" y="5105400"/>
+                <a:ext cx="4229100" cy="682366"/>
+              </a:xfrm>
+              <a:prstGeom prst="rect">
+                <a:avLst/>
+              </a:prstGeom>
+              <a:noFill/>
+            </p:spPr>
+            <p:txBody>
+              <a:bodyPr wrap="square" rtlCol="0">
+                <a:spAutoFit/>
+              </a:bodyPr>
+              <a:lstStyle/>
+              <a:p>
+                <a:r>
+                  <a:rPr lang="it-IT" dirty="0"/>
+                  <a:t> </a:t>
+                </a:r>
+                <a14:m>
+                  <m:oMath xmlns:m="http://schemas.openxmlformats.org/officeDocument/2006/math">
+                    <m:sSub>
+                      <m:sSubPr>
+                        <m:ctrlPr>
+                          <a:rPr lang="it-IT" sz="1800" i="1" noProof="0" smtClean="0">
+                            <a:latin typeface="Cambria Math" panose="02040503050406030204" pitchFamily="18" charset="0"/>
+                            <a:cs typeface="Arial" panose="020B0604020202020204" pitchFamily="34" charset="0"/>
+                          </a:rPr>
+                        </m:ctrlPr>
+                      </m:sSubPr>
+                      <m:e>
+                        <m:acc>
+                          <m:accPr>
+                            <m:chr m:val="̂"/>
+                            <m:ctrlPr>
+                              <a:rPr lang="it-IT" sz="1800" b="0" i="1" noProof="0" smtClean="0">
+                                <a:latin typeface="Cambria Math" panose="02040503050406030204" pitchFamily="18" charset="0"/>
+                                <a:cs typeface="Arial" panose="020B0604020202020204" pitchFamily="34" charset="0"/>
+                              </a:rPr>
+                            </m:ctrlPr>
+                          </m:accPr>
+                          <m:e>
+                            <m:r>
+                              <a:rPr lang="it-IT" sz="1800" b="0" i="1" noProof="0" smtClean="0">
+                                <a:latin typeface="Cambria Math" panose="02040503050406030204" pitchFamily="18" charset="0"/>
+                                <a:cs typeface="Arial" panose="020B0604020202020204" pitchFamily="34" charset="0"/>
+                              </a:rPr>
+                              <m:t>𝑋</m:t>
+                            </m:r>
+                          </m:e>
+                        </m:acc>
+                      </m:e>
+                      <m:sub>
+                        <m:r>
+                          <a:rPr lang="it-IT" sz="1800" b="0" i="1" noProof="0" smtClean="0">
+                            <a:latin typeface="Cambria Math" panose="02040503050406030204" pitchFamily="18" charset="0"/>
+                            <a:cs typeface="Arial" panose="020B0604020202020204" pitchFamily="34" charset="0"/>
+                          </a:rPr>
+                          <m:t>𝑓</m:t>
+                        </m:r>
+                      </m:sub>
+                    </m:sSub>
+                    <m:r>
+                      <a:rPr lang="it-IT" sz="1800" b="0" i="1" noProof="0" smtClean="0">
+                        <a:latin typeface="Cambria Math" panose="02040503050406030204" pitchFamily="18" charset="0"/>
+                        <a:cs typeface="Arial" panose="020B0604020202020204" pitchFamily="34" charset="0"/>
+                      </a:rPr>
+                      <m:t> </m:t>
+                    </m:r>
+                  </m:oMath>
+                </a14:m>
+                <a:r>
+                  <a:rPr lang="en-US" dirty="0"/>
+                  <a:t>is a Kalman filter estimate of</a:t>
+                </a:r>
+                <a14:m>
+                  <m:oMath xmlns:m="http://schemas.openxmlformats.org/officeDocument/2006/math">
+                    <m:r>
+                      <a:rPr lang="it-IT" sz="1800" b="0" i="0" noProof="0" smtClean="0">
+                        <a:latin typeface="Cambria Math" panose="02040503050406030204" pitchFamily="18" charset="0"/>
+                        <a:cs typeface="Arial" panose="020B0604020202020204" pitchFamily="34" charset="0"/>
+                      </a:rPr>
+                      <m:t> </m:t>
+                    </m:r>
+                    <m:sSub>
+                      <m:sSubPr>
+                        <m:ctrlPr>
+                          <a:rPr lang="it-IT" sz="1800" i="1" noProof="0" smtClean="0">
+                            <a:latin typeface="Cambria Math" panose="02040503050406030204" pitchFamily="18" charset="0"/>
+                            <a:cs typeface="Arial" panose="020B0604020202020204" pitchFamily="34" charset="0"/>
+                          </a:rPr>
+                        </m:ctrlPr>
+                      </m:sSubPr>
+                      <m:e>
+                        <m:r>
+                          <a:rPr lang="it-IT" sz="1800" b="0" i="1" noProof="0" smtClean="0">
+                            <a:latin typeface="Cambria Math" panose="02040503050406030204" pitchFamily="18" charset="0"/>
+                            <a:cs typeface="Arial" panose="020B0604020202020204" pitchFamily="34" charset="0"/>
+                          </a:rPr>
+                          <m:t>𝑋</m:t>
+                        </m:r>
+                      </m:e>
+                      <m:sub>
+                        <m:r>
+                          <a:rPr lang="it-IT" sz="1800" b="0" i="1" noProof="0" smtClean="0">
+                            <a:latin typeface="Cambria Math" panose="02040503050406030204" pitchFamily="18" charset="0"/>
+                            <a:cs typeface="Arial" panose="020B0604020202020204" pitchFamily="34" charset="0"/>
+                          </a:rPr>
+                          <m:t>𝑓</m:t>
+                        </m:r>
+                      </m:sub>
+                    </m:sSub>
+                  </m:oMath>
+                </a14:m>
+                <a:endParaRPr lang="en-US" dirty="0"/>
+              </a:p>
+              <a:p>
+                <a:endParaRPr lang="it-IT" dirty="0"/>
+              </a:p>
+            </p:txBody>
+          </p:sp>
+        </mc:Choice>
+        <mc:Fallback>
+          <p:sp>
+            <p:nvSpPr>
+              <p:cNvPr id="6" name="CasellaDiTesto 5">
+                <a:extLst>
+                  <a:ext uri="{FF2B5EF4-FFF2-40B4-BE49-F238E27FC236}">
+                    <a16:creationId xmlns:a16="http://schemas.microsoft.com/office/drawing/2014/main" id="{1511BC54-FC04-4EF5-B6CB-DB2BC5202002}"/>
+                  </a:ext>
+                </a:extLst>
+              </p:cNvPr>
+              <p:cNvSpPr txBox="1">
+                <a:spLocks noRot="1" noChangeAspect="1" noMove="1" noResize="1" noEditPoints="1" noAdjustHandles="1" noChangeArrowheads="1" noChangeShapeType="1" noTextEdit="1"/>
+              </p:cNvSpPr>
+              <p:nvPr/>
+            </p:nvSpPr>
+            <p:spPr>
+              <a:xfrm>
+                <a:off x="7239000" y="5105400"/>
+                <a:ext cx="4229100" cy="682366"/>
+              </a:xfrm>
+              <a:prstGeom prst="rect">
+                <a:avLst/>
+              </a:prstGeom>
+              <a:blipFill>
+                <a:blip r:embed="rId8"/>
+                <a:stretch>
+                  <a:fillRect t="-3604"/>
+                </a:stretch>
+              </a:blipFill>
+            </p:spPr>
+            <p:txBody>
+              <a:bodyPr/>
+              <a:lstStyle/>
+              <a:p>
+                <a:r>
+                  <a:rPr lang="it-IT">
+                    <a:noFill/>
+                  </a:rPr>
+                  <a:t> </a:t>
+                </a:r>
+              </a:p>
+            </p:txBody>
+          </p:sp>
+        </mc:Fallback>
+      </mc:AlternateContent>
+    </p:spTree>
+    <p:extLst>
+      <p:ext uri="{BB962C8B-B14F-4D97-AF65-F5344CB8AC3E}">
+        <p14:creationId xmlns:p14="http://schemas.microsoft.com/office/powerpoint/2010/main" val="3530267782"/>
+      </p:ext>
+    </p:extLst>
+  </p:cSld>
+  <p:clrMapOvr>
+    <a:masterClrMapping/>
+  </p:clrMapOvr>
+</p:sld>
+</file>
+
+<file path=ppt/slides/slide9.xml><?xml version="1.0" encoding="utf-8"?>
+<p:sld xmlns:a="http://schemas.openxmlformats.org/drawingml/2006/main" xmlns:r="http://schemas.openxmlformats.org/officeDocument/2006/relationships" xmlns:p="http://schemas.openxmlformats.org/presentationml/2006/main">
+  <p:cSld>
+    <p:spTree>
+      <p:nvGrpSpPr>
+        <p:cNvPr id="1" name="">
+          <a:extLst>
+            <a:ext uri="{FF2B5EF4-FFF2-40B4-BE49-F238E27FC236}">
+              <a16:creationId xmlns:a16="http://schemas.microsoft.com/office/drawing/2014/main" id="{B22E50CC-0AE1-267D-FC4D-B9618FB63504}"/>
+            </a:ext>
+          </a:extLst>
+        </p:cNvPr>
+        <p:cNvGrpSpPr/>
+        <p:nvPr/>
+      </p:nvGrpSpPr>
+      <p:grpSpPr>
+        <a:xfrm>
+          <a:off x="0" y="0"/>
+          <a:ext cx="0" cy="0"/>
+          <a:chOff x="0" y="0"/>
+          <a:chExt cx="0" cy="0"/>
+        </a:xfrm>
+      </p:grpSpPr>
+      <p:sp>
+        <p:nvSpPr>
+          <p:cNvPr id="10" name="Titolo 9">
+            <a:extLst>
+              <a:ext uri="{FF2B5EF4-FFF2-40B4-BE49-F238E27FC236}">
+                <a16:creationId xmlns:a16="http://schemas.microsoft.com/office/drawing/2014/main" id="{177C2024-14B5-7E65-430A-6F702AF43BBC}"/>
+              </a:ext>
+            </a:extLst>
+          </p:cNvPr>
+          <p:cNvSpPr>
+            <a:spLocks noGrp="1"/>
+          </p:cNvSpPr>
+          <p:nvPr>
+            <p:ph type="title"/>
+          </p:nvPr>
+        </p:nvSpPr>
+        <p:spPr>
+          <a:xfrm>
+            <a:off x="761999" y="457200"/>
+            <a:ext cx="9691687" cy="1077218"/>
+          </a:xfrm>
+        </p:spPr>
+        <p:txBody>
+          <a:bodyPr/>
+          <a:lstStyle/>
+          <a:p>
+            <a:r>
+              <a:rPr lang="en-GB" noProof="0" dirty="0">
+                <a:latin typeface="Arial Black" panose="020B0A04020102020204" pitchFamily="34" charset="0"/>
+              </a:rPr>
+              <a:t>Proposed solution – </a:t>
+            </a:r>
+            <a:br>
+              <a:rPr lang="en-GB" noProof="0" dirty="0">
+                <a:latin typeface="Arial Black" panose="020B0A04020102020204" pitchFamily="34" charset="0"/>
+              </a:rPr>
+            </a:br>
+            <a:r>
+              <a:rPr lang="en-GB" dirty="0">
+                <a:latin typeface="Arial Black" panose="020B0A04020102020204" pitchFamily="34" charset="0"/>
+              </a:rPr>
+              <a:t>defining MPC problem</a:t>
+            </a:r>
+            <a:endParaRPr lang="en-GB" noProof="0" dirty="0">
+              <a:latin typeface="Arial Black" panose="020B0A04020102020204" pitchFamily="34" charset="0"/>
+            </a:endParaRPr>
+          </a:p>
+        </p:txBody>
+      </p:sp>
+      <mc:AlternateContent xmlns:mc="http://schemas.openxmlformats.org/markup-compatibility/2006">
+        <mc:Choice xmlns:a14="http://schemas.microsoft.com/office/drawing/2010/main" Requires="a14">
+          <p:sp>
+            <p:nvSpPr>
+              <p:cNvPr id="2" name="CasellaDiTesto 1">
+                <a:extLst>
+                  <a:ext uri="{FF2B5EF4-FFF2-40B4-BE49-F238E27FC236}">
+                    <a16:creationId xmlns:a16="http://schemas.microsoft.com/office/drawing/2014/main" id="{C6A839EB-6E78-0A60-AB09-75FB87247019}"/>
+                  </a:ext>
+                </a:extLst>
+              </p:cNvPr>
+              <p:cNvSpPr txBox="1"/>
+              <p:nvPr/>
+            </p:nvSpPr>
+            <p:spPr>
+              <a:xfrm>
+                <a:off x="723900" y="1683603"/>
+                <a:ext cx="10744200" cy="4130811"/>
+              </a:xfrm>
+              <a:prstGeom prst="rect">
+                <a:avLst/>
+              </a:prstGeom>
+              <a:noFill/>
+            </p:spPr>
+            <p:txBody>
+              <a:bodyPr wrap="square">
+                <a:spAutoFit/>
+              </a:bodyPr>
+              <a:lstStyle/>
+              <a:p>
+                <a:pPr algn="just"/>
+                <a:r>
+                  <a:rPr lang="it-IT" sz="2400" dirty="0">
+                    <a:latin typeface="Arial" panose="020B0604020202020204" pitchFamily="34" charset="0"/>
+                    <a:cs typeface="Arial" panose="020B0604020202020204" pitchFamily="34" charset="0"/>
+                  </a:rPr>
+                  <a:t>The idea of the MPC </a:t>
+                </a:r>
+                <a:r>
+                  <a:rPr lang="it-IT" sz="2400" dirty="0" err="1">
+                    <a:latin typeface="Arial" panose="020B0604020202020204" pitchFamily="34" charset="0"/>
+                    <a:cs typeface="Arial" panose="020B0604020202020204" pitchFamily="34" charset="0"/>
+                  </a:rPr>
+                  <a:t>portion</a:t>
+                </a:r>
+                <a:r>
+                  <a:rPr lang="it-IT" sz="2400" dirty="0">
+                    <a:latin typeface="Arial" panose="020B0604020202020204" pitchFamily="34" charset="0"/>
+                    <a:cs typeface="Arial" panose="020B0604020202020204" pitchFamily="34" charset="0"/>
+                  </a:rPr>
+                  <a:t> of the </a:t>
+                </a:r>
+                <a:r>
+                  <a:rPr lang="it-IT" sz="2400" dirty="0" err="1">
+                    <a:latin typeface="Arial" panose="020B0604020202020204" pitchFamily="34" charset="0"/>
+                    <a:cs typeface="Arial" panose="020B0604020202020204" pitchFamily="34" charset="0"/>
+                  </a:rPr>
+                  <a:t>algorithm</a:t>
+                </a:r>
+                <a:r>
+                  <a:rPr lang="it-IT" sz="2400" dirty="0">
+                    <a:latin typeface="Arial" panose="020B0604020202020204" pitchFamily="34" charset="0"/>
+                    <a:cs typeface="Arial" panose="020B0604020202020204" pitchFamily="34" charset="0"/>
+                  </a:rPr>
+                  <a:t> </a:t>
+                </a:r>
+                <a:r>
+                  <a:rPr lang="it-IT" sz="2400" dirty="0" err="1">
+                    <a:latin typeface="Arial" panose="020B0604020202020204" pitchFamily="34" charset="0"/>
+                    <a:cs typeface="Arial" panose="020B0604020202020204" pitchFamily="34" charset="0"/>
+                  </a:rPr>
+                  <a:t>revolves</a:t>
+                </a:r>
+                <a:r>
+                  <a:rPr lang="it-IT" sz="2400" dirty="0">
+                    <a:latin typeface="Arial" panose="020B0604020202020204" pitchFamily="34" charset="0"/>
+                    <a:cs typeface="Arial" panose="020B0604020202020204" pitchFamily="34" charset="0"/>
+                  </a:rPr>
+                  <a:t> </a:t>
+                </a:r>
+                <a:r>
+                  <a:rPr lang="it-IT" sz="2400" dirty="0" err="1">
+                    <a:latin typeface="Arial" panose="020B0604020202020204" pitchFamily="34" charset="0"/>
+                    <a:cs typeface="Arial" panose="020B0604020202020204" pitchFamily="34" charset="0"/>
+                  </a:rPr>
+                  <a:t>around</a:t>
+                </a:r>
+                <a:r>
+                  <a:rPr lang="it-IT" sz="2400" dirty="0">
+                    <a:latin typeface="Arial" panose="020B0604020202020204" pitchFamily="34" charset="0"/>
+                    <a:cs typeface="Arial" panose="020B0604020202020204" pitchFamily="34" charset="0"/>
+                  </a:rPr>
+                  <a:t> the </a:t>
+                </a:r>
+                <a:r>
+                  <a:rPr lang="it-IT" sz="2400" dirty="0" err="1">
+                    <a:latin typeface="Arial" panose="020B0604020202020204" pitchFamily="34" charset="0"/>
+                    <a:cs typeface="Arial" panose="020B0604020202020204" pitchFamily="34" charset="0"/>
+                  </a:rPr>
+                  <a:t>construction</a:t>
+                </a:r>
+                <a:r>
+                  <a:rPr lang="it-IT" sz="2400" dirty="0">
+                    <a:latin typeface="Arial" panose="020B0604020202020204" pitchFamily="34" charset="0"/>
+                    <a:cs typeface="Arial" panose="020B0604020202020204" pitchFamily="34" charset="0"/>
+                  </a:rPr>
+                  <a:t> of a controller </a:t>
+                </a:r>
+                <a:r>
+                  <a:rPr lang="it-IT" sz="2400" dirty="0" err="1">
+                    <a:latin typeface="Arial" panose="020B0604020202020204" pitchFamily="34" charset="0"/>
+                    <a:cs typeface="Arial" panose="020B0604020202020204" pitchFamily="34" charset="0"/>
+                  </a:rPr>
+                  <a:t>that</a:t>
+                </a:r>
+                <a:r>
+                  <a:rPr lang="it-IT" sz="2400" dirty="0">
+                    <a:latin typeface="Arial" panose="020B0604020202020204" pitchFamily="34" charset="0"/>
+                    <a:cs typeface="Arial" panose="020B0604020202020204" pitchFamily="34" charset="0"/>
+                  </a:rPr>
+                  <a:t> </a:t>
+                </a:r>
+                <a:r>
+                  <a:rPr lang="it-IT" sz="2400" dirty="0" err="1">
+                    <a:latin typeface="Arial" panose="020B0604020202020204" pitchFamily="34" charset="0"/>
+                    <a:cs typeface="Arial" panose="020B0604020202020204" pitchFamily="34" charset="0"/>
+                  </a:rPr>
+                  <a:t>minimizes</a:t>
+                </a:r>
+                <a:r>
+                  <a:rPr lang="it-IT" sz="2400" dirty="0">
+                    <a:latin typeface="Arial" panose="020B0604020202020204" pitchFamily="34" charset="0"/>
+                    <a:cs typeface="Arial" panose="020B0604020202020204" pitchFamily="34" charset="0"/>
+                  </a:rPr>
+                  <a:t> a cost </a:t>
+                </a:r>
+                <a:r>
+                  <a:rPr lang="it-IT" sz="2400" dirty="0" err="1">
+                    <a:latin typeface="Arial" panose="020B0604020202020204" pitchFamily="34" charset="0"/>
+                    <a:cs typeface="Arial" panose="020B0604020202020204" pitchFamily="34" charset="0"/>
+                  </a:rPr>
+                  <a:t>function</a:t>
+                </a:r>
+                <a:r>
+                  <a:rPr lang="it-IT" sz="2400" dirty="0">
+                    <a:latin typeface="Arial" panose="020B0604020202020204" pitchFamily="34" charset="0"/>
+                    <a:cs typeface="Arial" panose="020B0604020202020204" pitchFamily="34" charset="0"/>
+                  </a:rPr>
+                  <a:t> J </a:t>
+                </a:r>
+              </a:p>
+              <a:p>
+                <a:pPr algn="just"/>
+                <a14:m>
+                  <m:oMathPara xmlns:m="http://schemas.openxmlformats.org/officeDocument/2006/math">
+                    <m:oMathParaPr>
+                      <m:jc m:val="centerGroup"/>
+                    </m:oMathParaPr>
+                    <m:oMath xmlns:m="http://schemas.openxmlformats.org/officeDocument/2006/math">
+                      <m:r>
+                        <a:rPr lang="it-IT" sz="2400" b="0" i="1" smtClean="0">
+                          <a:latin typeface="Cambria Math" panose="02040503050406030204" pitchFamily="18" charset="0"/>
+                          <a:cs typeface="Arial" panose="020B0604020202020204" pitchFamily="34" charset="0"/>
+                        </a:rPr>
+                        <m:t>𝐽</m:t>
+                      </m:r>
+                      <m:r>
+                        <a:rPr lang="it-IT" sz="2400" b="0" i="1" smtClean="0">
+                          <a:latin typeface="Cambria Math" panose="02040503050406030204" pitchFamily="18" charset="0"/>
+                          <a:cs typeface="Arial" panose="020B0604020202020204" pitchFamily="34" charset="0"/>
+                        </a:rPr>
+                        <m:t>=</m:t>
+                      </m:r>
+                      <m:nary>
+                        <m:naryPr>
+                          <m:chr m:val="∑"/>
+                          <m:ctrlPr>
+                            <a:rPr lang="it-IT" sz="2400" b="0" i="1" smtClean="0">
+                              <a:latin typeface="Cambria Math" panose="02040503050406030204" pitchFamily="18" charset="0"/>
+                              <a:cs typeface="Arial" panose="020B0604020202020204" pitchFamily="34" charset="0"/>
+                            </a:rPr>
+                          </m:ctrlPr>
+                        </m:naryPr>
+                        <m:sub>
+                          <m:r>
+                            <m:rPr>
+                              <m:brk m:alnAt="23"/>
+                            </m:rPr>
+                            <a:rPr lang="it-IT" sz="2400" b="0" i="1" smtClean="0">
+                              <a:latin typeface="Cambria Math" panose="02040503050406030204" pitchFamily="18" charset="0"/>
+                              <a:cs typeface="Arial" panose="020B0604020202020204" pitchFamily="34" charset="0"/>
+                            </a:rPr>
+                            <m:t>𝐾</m:t>
+                          </m:r>
+                          <m:r>
+                            <a:rPr lang="it-IT" sz="2400" b="0" i="1" smtClean="0">
+                              <a:latin typeface="Cambria Math" panose="02040503050406030204" pitchFamily="18" charset="0"/>
+                              <a:cs typeface="Arial" panose="020B0604020202020204" pitchFamily="34" charset="0"/>
+                            </a:rPr>
+                            <m:t>=1</m:t>
+                          </m:r>
+                        </m:sub>
+                        <m:sup>
+                          <m:r>
+                            <a:rPr lang="it-IT" sz="2400" b="0" i="1" smtClean="0">
+                              <a:latin typeface="Cambria Math" panose="02040503050406030204" pitchFamily="18" charset="0"/>
+                              <a:cs typeface="Arial" panose="020B0604020202020204" pitchFamily="34" charset="0"/>
+                            </a:rPr>
+                            <m:t>𝑁</m:t>
+                          </m:r>
+                        </m:sup>
+                        <m:e>
+                          <m:sSup>
+                            <m:sSupPr>
+                              <m:ctrlPr>
+                                <a:rPr lang="it-IT" sz="2400" b="0" i="1" smtClean="0">
+                                  <a:latin typeface="Cambria Math" panose="02040503050406030204" pitchFamily="18" charset="0"/>
+                                  <a:cs typeface="Arial" panose="020B0604020202020204" pitchFamily="34" charset="0"/>
+                                </a:rPr>
+                              </m:ctrlPr>
+                            </m:sSupPr>
+                            <m:e>
+                              <m:d>
+                                <m:dPr>
+                                  <m:ctrlPr>
+                                    <a:rPr lang="it-IT" sz="2400" b="0" i="1" smtClean="0">
+                                      <a:latin typeface="Cambria Math" panose="02040503050406030204" pitchFamily="18" charset="0"/>
+                                      <a:cs typeface="Arial" panose="020B0604020202020204" pitchFamily="34" charset="0"/>
+                                    </a:rPr>
+                                  </m:ctrlPr>
+                                </m:dPr>
+                                <m:e>
+                                  <m:sSubSup>
+                                    <m:sSubSupPr>
+                                      <m:ctrlPr>
+                                        <a:rPr lang="it-IT" sz="2400" b="0" i="1" smtClean="0">
+                                          <a:latin typeface="Cambria Math" panose="02040503050406030204" pitchFamily="18" charset="0"/>
+                                          <a:cs typeface="Arial" panose="020B0604020202020204" pitchFamily="34" charset="0"/>
+                                        </a:rPr>
+                                      </m:ctrlPr>
+                                    </m:sSubSupPr>
+                                    <m:e>
+                                      <m:acc>
+                                        <m:accPr>
+                                          <m:chr m:val="̂"/>
+                                          <m:ctrlPr>
+                                            <a:rPr lang="it-IT" sz="2400" b="0" i="1" smtClean="0">
+                                              <a:latin typeface="Cambria Math" panose="02040503050406030204" pitchFamily="18" charset="0"/>
+                                              <a:cs typeface="Arial" panose="020B0604020202020204" pitchFamily="34" charset="0"/>
+                                            </a:rPr>
+                                          </m:ctrlPr>
+                                        </m:accPr>
+                                        <m:e>
+                                          <m:r>
+                                            <a:rPr lang="it-IT" sz="2400" b="0" i="1" smtClean="0">
+                                              <a:latin typeface="Cambria Math" panose="02040503050406030204" pitchFamily="18" charset="0"/>
+                                              <a:cs typeface="Arial" panose="020B0604020202020204" pitchFamily="34" charset="0"/>
+                                            </a:rPr>
+                                            <m:t>𝑦</m:t>
+                                          </m:r>
+                                        </m:e>
+                                      </m:acc>
+                                    </m:e>
+                                    <m:sub>
+                                      <m:r>
+                                        <a:rPr lang="it-IT" sz="2400" b="0" i="1" smtClean="0">
+                                          <a:latin typeface="Cambria Math" panose="02040503050406030204" pitchFamily="18" charset="0"/>
+                                          <a:cs typeface="Arial" panose="020B0604020202020204" pitchFamily="34" charset="0"/>
+                                        </a:rPr>
+                                        <m:t>𝑘</m:t>
+                                      </m:r>
+                                    </m:sub>
+                                    <m:sup/>
+                                  </m:sSubSup>
+                                  <m:r>
+                                    <a:rPr lang="it-IT" sz="2400" b="0" i="1" smtClean="0">
+                                      <a:latin typeface="Cambria Math" panose="02040503050406030204" pitchFamily="18" charset="0"/>
+                                      <a:cs typeface="Arial" panose="020B0604020202020204" pitchFamily="34" charset="0"/>
+                                    </a:rPr>
+                                    <m:t>−</m:t>
+                                  </m:r>
+                                  <m:sSubSup>
+                                    <m:sSubSupPr>
+                                      <m:ctrlPr>
+                                        <a:rPr lang="it-IT" sz="2400" b="0" i="1" smtClean="0">
+                                          <a:latin typeface="Cambria Math" panose="02040503050406030204" pitchFamily="18" charset="0"/>
+                                          <a:cs typeface="Arial" panose="020B0604020202020204" pitchFamily="34" charset="0"/>
+                                        </a:rPr>
+                                      </m:ctrlPr>
+                                    </m:sSubSupPr>
+                                    <m:e>
+                                      <m:r>
+                                        <a:rPr lang="it-IT" sz="2400" b="0" i="1" smtClean="0">
+                                          <a:latin typeface="Cambria Math" panose="02040503050406030204" pitchFamily="18" charset="0"/>
+                                          <a:cs typeface="Arial" panose="020B0604020202020204" pitchFamily="34" charset="0"/>
+                                        </a:rPr>
+                                        <m:t>𝑟</m:t>
+                                      </m:r>
+                                    </m:e>
+                                    <m:sub>
+                                      <m:r>
+                                        <a:rPr lang="it-IT" sz="2400" b="0" i="1" smtClean="0">
+                                          <a:latin typeface="Cambria Math" panose="02040503050406030204" pitchFamily="18" charset="0"/>
+                                          <a:cs typeface="Arial" panose="020B0604020202020204" pitchFamily="34" charset="0"/>
+                                        </a:rPr>
+                                        <m:t>𝑘</m:t>
+                                      </m:r>
+                                    </m:sub>
+                                    <m:sup/>
+                                  </m:sSubSup>
+                                </m:e>
+                              </m:d>
+                            </m:e>
+                            <m:sup>
+                              <m:r>
+                                <a:rPr lang="it-IT" sz="2400" b="0" i="1" smtClean="0">
+                                  <a:latin typeface="Cambria Math" panose="02040503050406030204" pitchFamily="18" charset="0"/>
+                                  <a:cs typeface="Arial" panose="020B0604020202020204" pitchFamily="34" charset="0"/>
+                                </a:rPr>
+                                <m:t>𝑇</m:t>
+                              </m:r>
+                            </m:sup>
+                          </m:sSup>
+                          <m:r>
+                            <a:rPr lang="it-IT" sz="2400" b="0" i="1" smtClean="0">
+                              <a:latin typeface="Cambria Math" panose="02040503050406030204" pitchFamily="18" charset="0"/>
+                              <a:cs typeface="Arial" panose="020B0604020202020204" pitchFamily="34" charset="0"/>
+                            </a:rPr>
+                            <m:t>∗</m:t>
+                          </m:r>
+                          <m:sSub>
+                            <m:sSubPr>
+                              <m:ctrlPr>
+                                <a:rPr lang="it-IT" sz="2400" b="0" i="1" smtClean="0">
+                                  <a:latin typeface="Cambria Math" panose="02040503050406030204" pitchFamily="18" charset="0"/>
+                                  <a:cs typeface="Arial" panose="020B0604020202020204" pitchFamily="34" charset="0"/>
+                                </a:rPr>
+                              </m:ctrlPr>
+                            </m:sSubPr>
+                            <m:e>
+                              <m:r>
+                                <a:rPr lang="it-IT" sz="2400" b="0" i="1" smtClean="0">
+                                  <a:latin typeface="Cambria Math" panose="02040503050406030204" pitchFamily="18" charset="0"/>
+                                  <a:cs typeface="Arial" panose="020B0604020202020204" pitchFamily="34" charset="0"/>
+                                </a:rPr>
+                                <m:t>𝑄</m:t>
+                              </m:r>
+                            </m:e>
+                            <m:sub>
+                              <m:r>
+                                <a:rPr lang="it-IT" sz="2400" b="0" i="1" smtClean="0">
+                                  <a:latin typeface="Cambria Math" panose="02040503050406030204" pitchFamily="18" charset="0"/>
+                                  <a:cs typeface="Arial" panose="020B0604020202020204" pitchFamily="34" charset="0"/>
+                                </a:rPr>
+                                <m:t>𝑘</m:t>
+                              </m:r>
+                            </m:sub>
+                          </m:sSub>
+                        </m:e>
+                      </m:nary>
+                      <m:d>
+                        <m:dPr>
+                          <m:ctrlPr>
+                            <a:rPr lang="it-IT" sz="2400" b="0" i="1" smtClean="0">
+                              <a:latin typeface="Cambria Math" panose="02040503050406030204" pitchFamily="18" charset="0"/>
+                              <a:cs typeface="Arial" panose="020B0604020202020204" pitchFamily="34" charset="0"/>
+                            </a:rPr>
+                          </m:ctrlPr>
+                        </m:dPr>
+                        <m:e>
+                          <m:sSubSup>
+                            <m:sSubSupPr>
+                              <m:ctrlPr>
+                                <a:rPr lang="it-IT" sz="2400" b="0" i="1" smtClean="0">
+                                  <a:latin typeface="Cambria Math" panose="02040503050406030204" pitchFamily="18" charset="0"/>
+                                  <a:cs typeface="Arial" panose="020B0604020202020204" pitchFamily="34" charset="0"/>
+                                </a:rPr>
+                              </m:ctrlPr>
+                            </m:sSubSupPr>
+                            <m:e>
+                              <m:acc>
+                                <m:accPr>
+                                  <m:chr m:val="̂"/>
+                                  <m:ctrlPr>
+                                    <a:rPr lang="it-IT" sz="2400" b="0" i="1" smtClean="0">
+                                      <a:latin typeface="Cambria Math" panose="02040503050406030204" pitchFamily="18" charset="0"/>
+                                      <a:cs typeface="Arial" panose="020B0604020202020204" pitchFamily="34" charset="0"/>
+                                    </a:rPr>
+                                  </m:ctrlPr>
+                                </m:accPr>
+                                <m:e>
+                                  <m:r>
+                                    <a:rPr lang="it-IT" sz="2400" b="0" i="1" smtClean="0">
+                                      <a:latin typeface="Cambria Math" panose="02040503050406030204" pitchFamily="18" charset="0"/>
+                                      <a:cs typeface="Arial" panose="020B0604020202020204" pitchFamily="34" charset="0"/>
+                                    </a:rPr>
+                                    <m:t>𝑦</m:t>
+                                  </m:r>
+                                </m:e>
+                              </m:acc>
+                            </m:e>
+                            <m:sub>
+                              <m:r>
+                                <a:rPr lang="it-IT" sz="2400" b="0" i="1" smtClean="0">
+                                  <a:latin typeface="Cambria Math" panose="02040503050406030204" pitchFamily="18" charset="0"/>
+                                  <a:cs typeface="Arial" panose="020B0604020202020204" pitchFamily="34" charset="0"/>
+                                </a:rPr>
+                                <m:t>𝑘</m:t>
+                              </m:r>
+                            </m:sub>
+                            <m:sup/>
+                          </m:sSubSup>
+                          <m:r>
+                            <a:rPr lang="it-IT" sz="2400" b="0" i="1" smtClean="0">
+                              <a:latin typeface="Cambria Math" panose="02040503050406030204" pitchFamily="18" charset="0"/>
+                              <a:cs typeface="Arial" panose="020B0604020202020204" pitchFamily="34" charset="0"/>
+                            </a:rPr>
+                            <m:t>−</m:t>
+                          </m:r>
+                          <m:sSubSup>
+                            <m:sSubSupPr>
+                              <m:ctrlPr>
+                                <a:rPr lang="it-IT" sz="2400" b="0" i="1" smtClean="0">
+                                  <a:latin typeface="Cambria Math" panose="02040503050406030204" pitchFamily="18" charset="0"/>
+                                  <a:cs typeface="Arial" panose="020B0604020202020204" pitchFamily="34" charset="0"/>
+                                </a:rPr>
+                              </m:ctrlPr>
+                            </m:sSubSupPr>
+                            <m:e>
+                              <m:r>
+                                <a:rPr lang="it-IT" sz="2400" b="0" i="1" smtClean="0">
+                                  <a:latin typeface="Cambria Math" panose="02040503050406030204" pitchFamily="18" charset="0"/>
+                                  <a:cs typeface="Arial" panose="020B0604020202020204" pitchFamily="34" charset="0"/>
+                                </a:rPr>
+                                <m:t>𝑟</m:t>
+                              </m:r>
+                            </m:e>
+                            <m:sub>
+                              <m:r>
+                                <a:rPr lang="it-IT" sz="2400" b="0" i="1" smtClean="0">
+                                  <a:latin typeface="Cambria Math" panose="02040503050406030204" pitchFamily="18" charset="0"/>
+                                  <a:cs typeface="Arial" panose="020B0604020202020204" pitchFamily="34" charset="0"/>
+                                </a:rPr>
+                                <m:t>𝑘</m:t>
+                              </m:r>
+                            </m:sub>
+                            <m:sup/>
+                          </m:sSubSup>
+                        </m:e>
+                      </m:d>
+                      <m:r>
+                        <a:rPr lang="it-IT" sz="2400" b="0" i="1" smtClean="0">
+                          <a:latin typeface="Cambria Math" panose="02040503050406030204" pitchFamily="18" charset="0"/>
+                          <a:cs typeface="Arial" panose="020B0604020202020204" pitchFamily="34" charset="0"/>
+                        </a:rPr>
+                        <m:t>+</m:t>
+                      </m:r>
+                      <m:sSubSup>
+                        <m:sSubSupPr>
+                          <m:ctrlPr>
+                            <a:rPr lang="it-IT" sz="2400" b="0" i="1" smtClean="0">
+                              <a:latin typeface="Cambria Math" panose="02040503050406030204" pitchFamily="18" charset="0"/>
+                              <a:cs typeface="Arial" panose="020B0604020202020204" pitchFamily="34" charset="0"/>
+                            </a:rPr>
+                          </m:ctrlPr>
+                        </m:sSubSupPr>
+                        <m:e>
+                          <m:r>
+                            <a:rPr lang="it-IT" sz="2400" b="0" i="1" smtClean="0">
+                              <a:latin typeface="Cambria Math" panose="02040503050406030204" pitchFamily="18" charset="0"/>
+                              <a:cs typeface="Arial" panose="020B0604020202020204" pitchFamily="34" charset="0"/>
+                            </a:rPr>
+                            <m:t>𝑢</m:t>
+                          </m:r>
+                        </m:e>
+                        <m:sub>
+                          <m:r>
+                            <a:rPr lang="it-IT" sz="2400" b="0" i="1" smtClean="0">
+                              <a:latin typeface="Cambria Math" panose="02040503050406030204" pitchFamily="18" charset="0"/>
+                              <a:cs typeface="Arial" panose="020B0604020202020204" pitchFamily="34" charset="0"/>
+                            </a:rPr>
+                            <m:t>𝑘</m:t>
+                          </m:r>
+                        </m:sub>
+                        <m:sup>
+                          <m:r>
+                            <a:rPr lang="it-IT" sz="2400" b="0" i="1" smtClean="0">
+                              <a:latin typeface="Cambria Math" panose="02040503050406030204" pitchFamily="18" charset="0"/>
+                              <a:cs typeface="Arial" panose="020B0604020202020204" pitchFamily="34" charset="0"/>
+                            </a:rPr>
+                            <m:t>𝑇</m:t>
+                          </m:r>
+                        </m:sup>
+                      </m:sSubSup>
+                      <m:sSub>
+                        <m:sSubPr>
+                          <m:ctrlPr>
+                            <a:rPr lang="it-IT" sz="2400" b="0" i="1" smtClean="0">
+                              <a:latin typeface="Cambria Math" panose="02040503050406030204" pitchFamily="18" charset="0"/>
+                              <a:cs typeface="Arial" panose="020B0604020202020204" pitchFamily="34" charset="0"/>
+                            </a:rPr>
+                          </m:ctrlPr>
+                        </m:sSubPr>
+                        <m:e>
+                          <m:r>
+                            <a:rPr lang="it-IT" sz="2400" b="0" i="1" smtClean="0">
+                              <a:latin typeface="Cambria Math" panose="02040503050406030204" pitchFamily="18" charset="0"/>
+                              <a:cs typeface="Arial" panose="020B0604020202020204" pitchFamily="34" charset="0"/>
+                            </a:rPr>
+                            <m:t>𝑅</m:t>
+                          </m:r>
+                        </m:e>
+                        <m:sub>
+                          <m:r>
+                            <a:rPr lang="it-IT" sz="2400" b="0" i="1" smtClean="0">
+                              <a:latin typeface="Cambria Math" panose="02040503050406030204" pitchFamily="18" charset="0"/>
+                              <a:cs typeface="Arial" panose="020B0604020202020204" pitchFamily="34" charset="0"/>
+                            </a:rPr>
+                            <m:t>𝑘</m:t>
+                          </m:r>
+                        </m:sub>
+                      </m:sSub>
+                      <m:sSub>
+                        <m:sSubPr>
+                          <m:ctrlPr>
+                            <a:rPr lang="it-IT" sz="2400" b="0" i="1" smtClean="0">
+                              <a:latin typeface="Cambria Math" panose="02040503050406030204" pitchFamily="18" charset="0"/>
+                              <a:cs typeface="Arial" panose="020B0604020202020204" pitchFamily="34" charset="0"/>
+                            </a:rPr>
+                          </m:ctrlPr>
+                        </m:sSubPr>
+                        <m:e>
+                          <m:r>
+                            <a:rPr lang="it-IT" sz="2400" b="0" i="1" smtClean="0">
+                              <a:latin typeface="Cambria Math" panose="02040503050406030204" pitchFamily="18" charset="0"/>
+                              <a:cs typeface="Arial" panose="020B0604020202020204" pitchFamily="34" charset="0"/>
+                            </a:rPr>
+                            <m:t>𝑢</m:t>
+                          </m:r>
+                        </m:e>
+                        <m:sub>
+                          <m:r>
+                            <a:rPr lang="it-IT" sz="2400" b="0" i="1" smtClean="0">
+                              <a:latin typeface="Cambria Math" panose="02040503050406030204" pitchFamily="18" charset="0"/>
+                              <a:cs typeface="Arial" panose="020B0604020202020204" pitchFamily="34" charset="0"/>
+                            </a:rPr>
+                            <m:t>𝑘</m:t>
+                          </m:r>
+                        </m:sub>
+                      </m:sSub>
+                    </m:oMath>
+                  </m:oMathPara>
+                </a14:m>
+                <a:endParaRPr lang="it-IT" sz="2400" b="0" dirty="0">
+                  <a:latin typeface="Arial" panose="020B0604020202020204" pitchFamily="34" charset="0"/>
+                  <a:cs typeface="Arial" panose="020B0604020202020204" pitchFamily="34" charset="0"/>
+                </a:endParaRPr>
+              </a:p>
+              <a:p>
+                <a:pPr algn="just"/>
+                <a:endParaRPr lang="it-IT" sz="2400" dirty="0">
+                  <a:latin typeface="Arial" panose="020B0604020202020204" pitchFamily="34" charset="0"/>
+                  <a:cs typeface="Arial" panose="020B0604020202020204" pitchFamily="34" charset="0"/>
+                </a:endParaRPr>
+              </a:p>
+              <a:p>
+                <a:pPr algn="just"/>
+                <a:r>
+                  <a:rPr lang="it-IT" sz="2400" b="0" dirty="0">
+                    <a:latin typeface="Arial" panose="020B0604020202020204" pitchFamily="34" charset="0"/>
+                    <a:cs typeface="Arial" panose="020B0604020202020204" pitchFamily="34" charset="0"/>
+                  </a:rPr>
+                  <a:t>In </a:t>
+                </a:r>
+                <a:r>
+                  <a:rPr lang="it-IT" sz="2400" b="0" dirty="0" err="1">
+                    <a:latin typeface="Arial" panose="020B0604020202020204" pitchFamily="34" charset="0"/>
+                    <a:cs typeface="Arial" panose="020B0604020202020204" pitchFamily="34" charset="0"/>
+                  </a:rPr>
+                  <a:t>this</a:t>
+                </a:r>
+                <a:r>
+                  <a:rPr lang="it-IT" sz="2400" b="0" dirty="0">
+                    <a:latin typeface="Arial" panose="020B0604020202020204" pitchFamily="34" charset="0"/>
+                    <a:cs typeface="Arial" panose="020B0604020202020204" pitchFamily="34" charset="0"/>
+                  </a:rPr>
+                  <a:t> </a:t>
+                </a:r>
+                <a:r>
+                  <a:rPr lang="it-IT" sz="2400" b="0" dirty="0" err="1">
+                    <a:latin typeface="Arial" panose="020B0604020202020204" pitchFamily="34" charset="0"/>
+                    <a:cs typeface="Arial" panose="020B0604020202020204" pitchFamily="34" charset="0"/>
+                  </a:rPr>
+                  <a:t>context</a:t>
+                </a:r>
+                <a:r>
+                  <a:rPr lang="it-IT" sz="2400" b="0" dirty="0">
+                    <a:latin typeface="Arial" panose="020B0604020202020204" pitchFamily="34" charset="0"/>
+                    <a:cs typeface="Arial" panose="020B0604020202020204" pitchFamily="34" charset="0"/>
+                  </a:rPr>
+                  <a:t> </a:t>
+                </a:r>
+                <a14:m>
+                  <m:oMath xmlns:m="http://schemas.openxmlformats.org/officeDocument/2006/math">
+                    <m:sSubSup>
+                      <m:sSubSupPr>
+                        <m:ctrlPr>
+                          <a:rPr lang="it-IT" sz="2400" b="0" i="1" smtClean="0">
+                            <a:latin typeface="Cambria Math" panose="02040503050406030204" pitchFamily="18" charset="0"/>
+                            <a:cs typeface="Arial" panose="020B0604020202020204" pitchFamily="34" charset="0"/>
+                          </a:rPr>
+                        </m:ctrlPr>
+                      </m:sSubSupPr>
+                      <m:e>
+                        <m:r>
+                          <a:rPr lang="it-IT" sz="2400" b="0" i="1" smtClean="0">
+                            <a:latin typeface="Cambria Math" panose="02040503050406030204" pitchFamily="18" charset="0"/>
+                            <a:cs typeface="Arial" panose="020B0604020202020204" pitchFamily="34" charset="0"/>
+                          </a:rPr>
+                          <m:t>𝑟</m:t>
+                        </m:r>
+                      </m:e>
+                      <m:sub>
+                        <m:r>
+                          <a:rPr lang="it-IT" sz="2400" b="0" i="1" smtClean="0">
+                            <a:latin typeface="Cambria Math" panose="02040503050406030204" pitchFamily="18" charset="0"/>
+                            <a:cs typeface="Arial" panose="020B0604020202020204" pitchFamily="34" charset="0"/>
+                          </a:rPr>
+                          <m:t>𝑘</m:t>
+                        </m:r>
+                      </m:sub>
+                      <m:sup/>
+                    </m:sSubSup>
+                  </m:oMath>
+                </a14:m>
+                <a:r>
+                  <a:rPr lang="it-IT" sz="2400" b="0" dirty="0">
+                    <a:latin typeface="Arial" panose="020B0604020202020204" pitchFamily="34" charset="0"/>
+                    <a:cs typeface="Arial" panose="020B0604020202020204" pitchFamily="34" charset="0"/>
+                  </a:rPr>
+                  <a:t> are the </a:t>
+                </a:r>
+                <a:r>
+                  <a:rPr lang="it-IT" sz="2400" b="0" dirty="0" err="1">
+                    <a:latin typeface="Arial" panose="020B0604020202020204" pitchFamily="34" charset="0"/>
+                    <a:cs typeface="Arial" panose="020B0604020202020204" pitchFamily="34" charset="0"/>
+                  </a:rPr>
+                  <a:t>reference</a:t>
+                </a:r>
+                <a:r>
+                  <a:rPr lang="it-IT" sz="2400" b="0" dirty="0">
+                    <a:latin typeface="Arial" panose="020B0604020202020204" pitchFamily="34" charset="0"/>
+                    <a:cs typeface="Arial" panose="020B0604020202020204" pitchFamily="34" charset="0"/>
+                  </a:rPr>
+                  <a:t> outputs, </a:t>
+                </a:r>
+                <a:r>
+                  <a:rPr lang="it-IT" sz="2400" b="0" dirty="0" err="1">
+                    <a:latin typeface="Arial" panose="020B0604020202020204" pitchFamily="34" charset="0"/>
+                    <a:cs typeface="Arial" panose="020B0604020202020204" pitchFamily="34" charset="0"/>
+                  </a:rPr>
+                  <a:t>while</a:t>
+                </a:r>
+                <a:r>
+                  <a:rPr lang="it-IT" sz="2400" b="0" dirty="0">
+                    <a:latin typeface="Arial" panose="020B0604020202020204" pitchFamily="34" charset="0"/>
+                    <a:cs typeface="Arial" panose="020B0604020202020204" pitchFamily="34" charset="0"/>
+                  </a:rPr>
+                  <a:t> </a:t>
+                </a:r>
+                <a14:m>
+                  <m:oMath xmlns:m="http://schemas.openxmlformats.org/officeDocument/2006/math">
+                    <m:sSubSup>
+                      <m:sSubSupPr>
+                        <m:ctrlPr>
+                          <a:rPr lang="it-IT" sz="2400" b="0" i="1" smtClean="0">
+                            <a:latin typeface="Cambria Math" panose="02040503050406030204" pitchFamily="18" charset="0"/>
+                            <a:cs typeface="Arial" panose="020B0604020202020204" pitchFamily="34" charset="0"/>
+                          </a:rPr>
+                        </m:ctrlPr>
+                      </m:sSubSupPr>
+                      <m:e>
+                        <m:acc>
+                          <m:accPr>
+                            <m:chr m:val="̂"/>
+                            <m:ctrlPr>
+                              <a:rPr lang="it-IT" sz="2400" b="0" i="1" smtClean="0">
+                                <a:latin typeface="Cambria Math" panose="02040503050406030204" pitchFamily="18" charset="0"/>
+                                <a:cs typeface="Arial" panose="020B0604020202020204" pitchFamily="34" charset="0"/>
+                              </a:rPr>
+                            </m:ctrlPr>
+                          </m:accPr>
+                          <m:e>
+                            <m:r>
+                              <a:rPr lang="it-IT" sz="2400" b="0" i="1" smtClean="0">
+                                <a:latin typeface="Cambria Math" panose="02040503050406030204" pitchFamily="18" charset="0"/>
+                                <a:cs typeface="Arial" panose="020B0604020202020204" pitchFamily="34" charset="0"/>
+                              </a:rPr>
+                              <m:t>𝑦</m:t>
+                            </m:r>
+                          </m:e>
+                        </m:acc>
+                      </m:e>
+                      <m:sub>
+                        <m:r>
+                          <a:rPr lang="it-IT" sz="2400" b="0" i="1" smtClean="0">
+                            <a:latin typeface="Cambria Math" panose="02040503050406030204" pitchFamily="18" charset="0"/>
+                            <a:cs typeface="Arial" panose="020B0604020202020204" pitchFamily="34" charset="0"/>
+                          </a:rPr>
+                          <m:t>𝑘</m:t>
+                        </m:r>
+                      </m:sub>
+                      <m:sup/>
+                    </m:sSubSup>
+                  </m:oMath>
+                </a14:m>
+                <a:r>
+                  <a:rPr lang="it-IT" sz="2400" b="0" dirty="0">
+                    <a:latin typeface="Arial" panose="020B0604020202020204" pitchFamily="34" charset="0"/>
+                    <a:cs typeface="Arial" panose="020B0604020202020204" pitchFamily="34" charset="0"/>
+                  </a:rPr>
+                  <a:t> are the </a:t>
+                </a:r>
+                <a:r>
+                  <a:rPr lang="it-IT" sz="2400" b="0" dirty="0" err="1">
+                    <a:latin typeface="Arial" panose="020B0604020202020204" pitchFamily="34" charset="0"/>
+                    <a:cs typeface="Arial" panose="020B0604020202020204" pitchFamily="34" charset="0"/>
+                  </a:rPr>
+                  <a:t>estimated</a:t>
+                </a:r>
+                <a:r>
+                  <a:rPr lang="it-IT" sz="2400" b="0" dirty="0">
+                    <a:latin typeface="Arial" panose="020B0604020202020204" pitchFamily="34" charset="0"/>
+                    <a:cs typeface="Arial" panose="020B0604020202020204" pitchFamily="34" charset="0"/>
+                  </a:rPr>
+                  <a:t> outputs of the system, and Q and R are user- </a:t>
+                </a:r>
+                <a:r>
+                  <a:rPr lang="it-IT" sz="2400" b="0" dirty="0" err="1">
+                    <a:latin typeface="Arial" panose="020B0604020202020204" pitchFamily="34" charset="0"/>
+                    <a:cs typeface="Arial" panose="020B0604020202020204" pitchFamily="34" charset="0"/>
+                  </a:rPr>
+                  <a:t>defined</a:t>
+                </a:r>
+                <a:r>
+                  <a:rPr lang="it-IT" sz="2400" b="0" dirty="0">
+                    <a:latin typeface="Arial" panose="020B0604020202020204" pitchFamily="34" charset="0"/>
+                    <a:cs typeface="Arial" panose="020B0604020202020204" pitchFamily="34" charset="0"/>
+                  </a:rPr>
+                  <a:t> </a:t>
+                </a:r>
+                <a:r>
+                  <a:rPr lang="it-IT" sz="2400" b="0" dirty="0" err="1">
+                    <a:latin typeface="Arial" panose="020B0604020202020204" pitchFamily="34" charset="0"/>
+                    <a:cs typeface="Arial" panose="020B0604020202020204" pitchFamily="34" charset="0"/>
+                  </a:rPr>
+                  <a:t>diagonal</a:t>
+                </a:r>
+                <a:r>
+                  <a:rPr lang="it-IT" sz="2400" b="0" dirty="0">
+                    <a:latin typeface="Arial" panose="020B0604020202020204" pitchFamily="34" charset="0"/>
+                    <a:cs typeface="Arial" panose="020B0604020202020204" pitchFamily="34" charset="0"/>
+                  </a:rPr>
+                  <a:t> weight </a:t>
+                </a:r>
+                <a:r>
+                  <a:rPr lang="it-IT" sz="2400" b="0" dirty="0" err="1">
+                    <a:latin typeface="Arial" panose="020B0604020202020204" pitchFamily="34" charset="0"/>
+                    <a:cs typeface="Arial" panose="020B0604020202020204" pitchFamily="34" charset="0"/>
+                  </a:rPr>
+                  <a:t>matrices</a:t>
+                </a:r>
+                <a:r>
+                  <a:rPr lang="it-IT" sz="2400" b="0" dirty="0">
+                    <a:latin typeface="Arial" panose="020B0604020202020204" pitchFamily="34" charset="0"/>
+                    <a:cs typeface="Arial" panose="020B0604020202020204" pitchFamily="34" charset="0"/>
+                  </a:rPr>
+                  <a:t>.</a:t>
+                </a:r>
+              </a:p>
+              <a:p>
+                <a:pPr algn="just"/>
+                <a:endParaRPr lang="it-IT" sz="2400" b="0" dirty="0">
+                  <a:latin typeface="Arial" panose="020B0604020202020204" pitchFamily="34" charset="0"/>
+                  <a:cs typeface="Arial" panose="020B0604020202020204" pitchFamily="34" charset="0"/>
+                </a:endParaRPr>
+              </a:p>
+              <a:p>
+                <a:pPr algn="just"/>
+                <a:endParaRPr lang="it-IT" sz="2400" dirty="0">
+                  <a:latin typeface="Arial" panose="020B0604020202020204" pitchFamily="34" charset="0"/>
+                  <a:cs typeface="Arial" panose="020B0604020202020204" pitchFamily="34" charset="0"/>
+                </a:endParaRPr>
+              </a:p>
+            </p:txBody>
+          </p:sp>
+        </mc:Choice>
+        <mc:Fallback>
+          <p:sp>
+            <p:nvSpPr>
+              <p:cNvPr id="2" name="CasellaDiTesto 1">
+                <a:extLst>
+                  <a:ext uri="{FF2B5EF4-FFF2-40B4-BE49-F238E27FC236}">
+                    <a16:creationId xmlns:a16="http://schemas.microsoft.com/office/drawing/2014/main" id="{C6A839EB-6E78-0A60-AB09-75FB87247019}"/>
+                  </a:ext>
+                </a:extLst>
+              </p:cNvPr>
+              <p:cNvSpPr txBox="1">
+                <a:spLocks noRot="1" noChangeAspect="1" noMove="1" noResize="1" noEditPoints="1" noAdjustHandles="1" noChangeArrowheads="1" noChangeShapeType="1" noTextEdit="1"/>
+              </p:cNvSpPr>
+              <p:nvPr/>
+            </p:nvSpPr>
+            <p:spPr>
+              <a:xfrm>
+                <a:off x="723900" y="1683603"/>
+                <a:ext cx="10744200" cy="4130811"/>
+              </a:xfrm>
+              <a:prstGeom prst="rect">
+                <a:avLst/>
+              </a:prstGeom>
+              <a:blipFill>
+                <a:blip r:embed="rId2"/>
+                <a:stretch>
+                  <a:fillRect l="-908" t="-1032" r="-851"/>
+                </a:stretch>
+              </a:blipFill>
+            </p:spPr>
+            <p:txBody>
+              <a:bodyPr/>
+              <a:lstStyle/>
+              <a:p>
+                <a:r>
+                  <a:rPr lang="it-IT">
+                    <a:noFill/>
+                  </a:rPr>
+                  <a:t> </a:t>
+                </a:r>
+              </a:p>
+            </p:txBody>
+          </p:sp>
+        </mc:Fallback>
+      </mc:AlternateContent>
+    </p:spTree>
+    <p:extLst>
+      <p:ext uri="{BB962C8B-B14F-4D97-AF65-F5344CB8AC3E}">
+        <p14:creationId xmlns:p14="http://schemas.microsoft.com/office/powerpoint/2010/main" val="1592071934"/>
       </p:ext>
     </p:extLst>
   </p:cSld>

--- a/SPC_Presentation.pptx
+++ b/SPC_Presentation.pptx
@@ -17,9 +17,9 @@
     <p:sldId id="343" r:id="rId8"/>
     <p:sldId id="344" r:id="rId9"/>
     <p:sldId id="345" r:id="rId10"/>
-    <p:sldId id="349" r:id="rId11"/>
-    <p:sldId id="346" r:id="rId12"/>
-    <p:sldId id="347" r:id="rId13"/>
+    <p:sldId id="350" r:id="rId11"/>
+    <p:sldId id="349" r:id="rId12"/>
+    <p:sldId id="346" r:id="rId13"/>
     <p:sldId id="339" r:id="rId14"/>
     <p:sldId id="340" r:id="rId15"/>
   </p:sldIdLst>
@@ -131,7 +131,7 @@
           <a:p>
             <a:fld id="{52CF3C78-BFF9-4137-8833-13E3D0B09D8B}" type="datetimeFigureOut">
               <a:rPr lang="it-IT" smtClean="0"/>
-              <a:t>27/12/2025</a:t>
+              <a:t>28/12/2025</a:t>
             </a:fld>
             <a:endParaRPr lang="it-IT" dirty="0"/>
           </a:p>
@@ -398,6 +398,282 @@
 </p:notesMaster>
 </file>
 
+<file path=ppt/notesSlides/notesSlide1.xml><?xml version="1.0" encoding="utf-8"?>
+<p:notes xmlns:a="http://schemas.openxmlformats.org/drawingml/2006/main" xmlns:r="http://schemas.openxmlformats.org/officeDocument/2006/relationships" xmlns:p="http://schemas.openxmlformats.org/presentationml/2006/main">
+  <p:cSld>
+    <p:spTree>
+      <p:nvGrpSpPr>
+        <p:cNvPr id="1" name=""/>
+        <p:cNvGrpSpPr/>
+        <p:nvPr/>
+      </p:nvGrpSpPr>
+      <p:grpSpPr>
+        <a:xfrm>
+          <a:off x="0" y="0"/>
+          <a:ext cx="0" cy="0"/>
+          <a:chOff x="0" y="0"/>
+          <a:chExt cx="0" cy="0"/>
+        </a:xfrm>
+      </p:grpSpPr>
+      <p:sp>
+        <p:nvSpPr>
+          <p:cNvPr id="2" name="Segnaposto immagine diapositiva 1"/>
+          <p:cNvSpPr>
+            <a:spLocks noGrp="1" noRot="1" noChangeAspect="1"/>
+          </p:cNvSpPr>
+          <p:nvPr>
+            <p:ph type="sldImg"/>
+          </p:nvPr>
+        </p:nvSpPr>
+        <p:spPr/>
+      </p:sp>
+      <p:sp>
+        <p:nvSpPr>
+          <p:cNvPr id="3" name="Segnaposto note 2"/>
+          <p:cNvSpPr>
+            <a:spLocks noGrp="1"/>
+          </p:cNvSpPr>
+          <p:nvPr>
+            <p:ph type="body" idx="1"/>
+          </p:nvPr>
+        </p:nvSpPr>
+        <p:spPr/>
+        <p:txBody>
+          <a:bodyPr/>
+          <a:lstStyle/>
+          <a:p>
+            <a:endParaRPr lang="it-IT" dirty="0"/>
+          </a:p>
+        </p:txBody>
+      </p:sp>
+      <p:sp>
+        <p:nvSpPr>
+          <p:cNvPr id="4" name="Segnaposto numero diapositiva 3"/>
+          <p:cNvSpPr>
+            <a:spLocks noGrp="1"/>
+          </p:cNvSpPr>
+          <p:nvPr>
+            <p:ph type="sldNum" sz="quarter" idx="5"/>
+          </p:nvPr>
+        </p:nvSpPr>
+        <p:spPr/>
+        <p:txBody>
+          <a:bodyPr/>
+          <a:lstStyle/>
+          <a:p>
+            <a:fld id="{6218F9A5-25D9-4BE4-92E4-0A5AF102D313}" type="slidenum">
+              <a:rPr lang="it-IT" smtClean="0"/>
+              <a:t>9</a:t>
+            </a:fld>
+            <a:endParaRPr lang="it-IT" dirty="0"/>
+          </a:p>
+        </p:txBody>
+      </p:sp>
+    </p:spTree>
+    <p:extLst>
+      <p:ext uri="{BB962C8B-B14F-4D97-AF65-F5344CB8AC3E}">
+        <p14:creationId xmlns:p14="http://schemas.microsoft.com/office/powerpoint/2010/main" val="2952383305"/>
+      </p:ext>
+    </p:extLst>
+  </p:cSld>
+  <p:clrMapOvr>
+    <a:masterClrMapping/>
+  </p:clrMapOvr>
+</p:notes>
+</file>
+
+<file path=ppt/notesSlides/notesSlide2.xml><?xml version="1.0" encoding="utf-8"?>
+<p:notes xmlns:a="http://schemas.openxmlformats.org/drawingml/2006/main" xmlns:r="http://schemas.openxmlformats.org/officeDocument/2006/relationships" xmlns:p="http://schemas.openxmlformats.org/presentationml/2006/main">
+  <p:cSld>
+    <p:spTree>
+      <p:nvGrpSpPr>
+        <p:cNvPr id="1" name="">
+          <a:extLst>
+            <a:ext uri="{FF2B5EF4-FFF2-40B4-BE49-F238E27FC236}">
+              <a16:creationId xmlns:a16="http://schemas.microsoft.com/office/drawing/2014/main" id="{DF58E37A-E5AE-3B54-30F2-2CD2A87C01B9}"/>
+            </a:ext>
+          </a:extLst>
+        </p:cNvPr>
+        <p:cNvGrpSpPr/>
+        <p:nvPr/>
+      </p:nvGrpSpPr>
+      <p:grpSpPr>
+        <a:xfrm>
+          <a:off x="0" y="0"/>
+          <a:ext cx="0" cy="0"/>
+          <a:chOff x="0" y="0"/>
+          <a:chExt cx="0" cy="0"/>
+        </a:xfrm>
+      </p:grpSpPr>
+      <p:sp>
+        <p:nvSpPr>
+          <p:cNvPr id="2" name="Segnaposto immagine diapositiva 1">
+            <a:extLst>
+              <a:ext uri="{FF2B5EF4-FFF2-40B4-BE49-F238E27FC236}">
+                <a16:creationId xmlns:a16="http://schemas.microsoft.com/office/drawing/2014/main" id="{EC917A1C-85FF-0465-0699-015D7F560C2E}"/>
+              </a:ext>
+            </a:extLst>
+          </p:cNvPr>
+          <p:cNvSpPr>
+            <a:spLocks noGrp="1" noRot="1" noChangeAspect="1"/>
+          </p:cNvSpPr>
+          <p:nvPr>
+            <p:ph type="sldImg"/>
+          </p:nvPr>
+        </p:nvSpPr>
+        <p:spPr/>
+      </p:sp>
+      <p:sp>
+        <p:nvSpPr>
+          <p:cNvPr id="3" name="Segnaposto note 2">
+            <a:extLst>
+              <a:ext uri="{FF2B5EF4-FFF2-40B4-BE49-F238E27FC236}">
+                <a16:creationId xmlns:a16="http://schemas.microsoft.com/office/drawing/2014/main" id="{5983BAA2-E359-E754-7AC0-F926400E73F4}"/>
+              </a:ext>
+            </a:extLst>
+          </p:cNvPr>
+          <p:cNvSpPr>
+            <a:spLocks noGrp="1"/>
+          </p:cNvSpPr>
+          <p:nvPr>
+            <p:ph type="body" idx="1"/>
+          </p:nvPr>
+        </p:nvSpPr>
+        <p:spPr/>
+        <p:txBody>
+          <a:bodyPr/>
+          <a:lstStyle/>
+          <a:p>
+            <a:endParaRPr lang="it-IT" dirty="0"/>
+          </a:p>
+        </p:txBody>
+      </p:sp>
+      <p:sp>
+        <p:nvSpPr>
+          <p:cNvPr id="4" name="Segnaposto numero diapositiva 3">
+            <a:extLst>
+              <a:ext uri="{FF2B5EF4-FFF2-40B4-BE49-F238E27FC236}">
+                <a16:creationId xmlns:a16="http://schemas.microsoft.com/office/drawing/2014/main" id="{63C5438E-F049-C5EF-C495-53D6E6584633}"/>
+              </a:ext>
+            </a:extLst>
+          </p:cNvPr>
+          <p:cNvSpPr>
+            <a:spLocks noGrp="1"/>
+          </p:cNvSpPr>
+          <p:nvPr>
+            <p:ph type="sldNum" sz="quarter" idx="5"/>
+          </p:nvPr>
+        </p:nvSpPr>
+        <p:spPr/>
+        <p:txBody>
+          <a:bodyPr/>
+          <a:lstStyle/>
+          <a:p>
+            <a:fld id="{6218F9A5-25D9-4BE4-92E4-0A5AF102D313}" type="slidenum">
+              <a:rPr lang="it-IT" smtClean="0"/>
+              <a:t>10</a:t>
+            </a:fld>
+            <a:endParaRPr lang="it-IT" dirty="0"/>
+          </a:p>
+        </p:txBody>
+      </p:sp>
+    </p:spTree>
+    <p:extLst>
+      <p:ext uri="{BB962C8B-B14F-4D97-AF65-F5344CB8AC3E}">
+        <p14:creationId xmlns:p14="http://schemas.microsoft.com/office/powerpoint/2010/main" val="2923287752"/>
+      </p:ext>
+    </p:extLst>
+  </p:cSld>
+  <p:clrMapOvr>
+    <a:masterClrMapping/>
+  </p:clrMapOvr>
+</p:notes>
+</file>
+
+<file path=ppt/notesSlides/notesSlide3.xml><?xml version="1.0" encoding="utf-8"?>
+<p:notes xmlns:a="http://schemas.openxmlformats.org/drawingml/2006/main" xmlns:r="http://schemas.openxmlformats.org/officeDocument/2006/relationships" xmlns:p="http://schemas.openxmlformats.org/presentationml/2006/main">
+  <p:cSld>
+    <p:spTree>
+      <p:nvGrpSpPr>
+        <p:cNvPr id="1" name=""/>
+        <p:cNvGrpSpPr/>
+        <p:nvPr/>
+      </p:nvGrpSpPr>
+      <p:grpSpPr>
+        <a:xfrm>
+          <a:off x="0" y="0"/>
+          <a:ext cx="0" cy="0"/>
+          <a:chOff x="0" y="0"/>
+          <a:chExt cx="0" cy="0"/>
+        </a:xfrm>
+      </p:grpSpPr>
+      <p:sp>
+        <p:nvSpPr>
+          <p:cNvPr id="2" name="Segnaposto immagine diapositiva 1"/>
+          <p:cNvSpPr>
+            <a:spLocks noGrp="1" noRot="1" noChangeAspect="1"/>
+          </p:cNvSpPr>
+          <p:nvPr>
+            <p:ph type="sldImg"/>
+          </p:nvPr>
+        </p:nvSpPr>
+        <p:spPr/>
+      </p:sp>
+      <p:sp>
+        <p:nvSpPr>
+          <p:cNvPr id="3" name="Segnaposto note 2"/>
+          <p:cNvSpPr>
+            <a:spLocks noGrp="1"/>
+          </p:cNvSpPr>
+          <p:nvPr>
+            <p:ph type="body" idx="1"/>
+          </p:nvPr>
+        </p:nvSpPr>
+        <p:spPr/>
+        <p:txBody>
+          <a:bodyPr/>
+          <a:lstStyle/>
+          <a:p>
+            <a:endParaRPr lang="it-IT" dirty="0"/>
+          </a:p>
+        </p:txBody>
+      </p:sp>
+      <p:sp>
+        <p:nvSpPr>
+          <p:cNvPr id="4" name="Segnaposto numero diapositiva 3"/>
+          <p:cNvSpPr>
+            <a:spLocks noGrp="1"/>
+          </p:cNvSpPr>
+          <p:nvPr>
+            <p:ph type="sldNum" sz="quarter" idx="5"/>
+          </p:nvPr>
+        </p:nvSpPr>
+        <p:spPr/>
+        <p:txBody>
+          <a:bodyPr/>
+          <a:lstStyle/>
+          <a:p>
+            <a:fld id="{6218F9A5-25D9-4BE4-92E4-0A5AF102D313}" type="slidenum">
+              <a:rPr lang="it-IT" smtClean="0"/>
+              <a:t>11</a:t>
+            </a:fld>
+            <a:endParaRPr lang="it-IT" dirty="0"/>
+          </a:p>
+        </p:txBody>
+      </p:sp>
+    </p:spTree>
+    <p:extLst>
+      <p:ext uri="{BB962C8B-B14F-4D97-AF65-F5344CB8AC3E}">
+        <p14:creationId xmlns:p14="http://schemas.microsoft.com/office/powerpoint/2010/main" val="398079495"/>
+      </p:ext>
+    </p:extLst>
+  </p:cSld>
+  <p:clrMapOvr>
+    <a:masterClrMapping/>
+  </p:clrMapOvr>
+</p:notes>
+</file>
+
 <file path=ppt/slideLayouts/slideLayout1.xml><?xml version="1.0" encoding="utf-8"?>
 <p:sldLayout xmlns:a="http://schemas.openxmlformats.org/drawingml/2006/main" xmlns:r="http://schemas.openxmlformats.org/officeDocument/2006/relationships" xmlns:p="http://schemas.openxmlformats.org/presentationml/2006/main" type="obj" preserve="1">
   <p:cSld name="Title Slide">
@@ -549,7 +825,7 @@
           <a:p>
             <a:fld id="{1D8BD707-D9CF-40AE-B4C6-C98DA3205C09}" type="datetimeFigureOut">
               <a:rPr lang="en-US"/>
-              <a:t>12/27/2025</a:t>
+              <a:t>12/28/2025</a:t>
             </a:fld>
             <a:endParaRPr lang="en-US" dirty="0"/>
           </a:p>
@@ -726,7 +1002,7 @@
           <a:p>
             <a:fld id="{1D8BD707-D9CF-40AE-B4C6-C98DA3205C09}" type="datetimeFigureOut">
               <a:rPr lang="en-US"/>
-              <a:t>12/27/2025</a:t>
+              <a:t>12/28/2025</a:t>
             </a:fld>
             <a:endParaRPr lang="en-US" dirty="0"/>
           </a:p>
@@ -940,7 +1216,7 @@
           <a:p>
             <a:fld id="{1D8BD707-D9CF-40AE-B4C6-C98DA3205C09}" type="datetimeFigureOut">
               <a:rPr lang="en-US"/>
-              <a:t>12/27/2025</a:t>
+              <a:t>12/28/2025</a:t>
             </a:fld>
             <a:endParaRPr lang="en-US" dirty="0"/>
           </a:p>
@@ -1088,7 +1364,7 @@
           <a:p>
             <a:fld id="{1D8BD707-D9CF-40AE-B4C6-C98DA3205C09}" type="datetimeFigureOut">
               <a:rPr lang="en-US"/>
-              <a:t>12/27/2025</a:t>
+              <a:t>12/28/2025</a:t>
             </a:fld>
             <a:endParaRPr lang="en-US" dirty="0"/>
           </a:p>
@@ -1207,7 +1483,7 @@
           <a:p>
             <a:fld id="{1D8BD707-D9CF-40AE-B4C6-C98DA3205C09}" type="datetimeFigureOut">
               <a:rPr lang="en-US"/>
-              <a:t>12/27/2025</a:t>
+              <a:t>12/28/2025</a:t>
             </a:fld>
             <a:endParaRPr lang="en-US" dirty="0"/>
           </a:p>
@@ -1504,7 +1780,7 @@
           <a:p>
             <a:fld id="{1D8BD707-D9CF-40AE-B4C6-C98DA3205C09}" type="datetimeFigureOut">
               <a:rPr lang="en-US"/>
-              <a:t>12/27/2025</a:t>
+              <a:t>12/28/2025</a:t>
             </a:fld>
             <a:endParaRPr lang="en-US" dirty="0"/>
           </a:p>
@@ -2048,6 +2324,469 @@
         <p:cNvPr id="1" name="">
           <a:extLst>
             <a:ext uri="{FF2B5EF4-FFF2-40B4-BE49-F238E27FC236}">
+              <a16:creationId xmlns:a16="http://schemas.microsoft.com/office/drawing/2014/main" id="{0F43C11E-7BCF-F721-1738-8FC042ABB33B}"/>
+            </a:ext>
+          </a:extLst>
+        </p:cNvPr>
+        <p:cNvGrpSpPr/>
+        <p:nvPr/>
+      </p:nvGrpSpPr>
+      <p:grpSpPr>
+        <a:xfrm>
+          <a:off x="0" y="0"/>
+          <a:ext cx="0" cy="0"/>
+          <a:chOff x="0" y="0"/>
+          <a:chExt cx="0" cy="0"/>
+        </a:xfrm>
+      </p:grpSpPr>
+      <p:sp>
+        <p:nvSpPr>
+          <p:cNvPr id="10" name="Titolo 9">
+            <a:extLst>
+              <a:ext uri="{FF2B5EF4-FFF2-40B4-BE49-F238E27FC236}">
+                <a16:creationId xmlns:a16="http://schemas.microsoft.com/office/drawing/2014/main" id="{D4A6EC3A-C7C0-E9D2-0113-1DBC7FBC5CC8}"/>
+              </a:ext>
+            </a:extLst>
+          </p:cNvPr>
+          <p:cNvSpPr>
+            <a:spLocks noGrp="1"/>
+          </p:cNvSpPr>
+          <p:nvPr>
+            <p:ph type="title"/>
+          </p:nvPr>
+        </p:nvSpPr>
+        <p:spPr>
+          <a:xfrm>
+            <a:off x="761999" y="457200"/>
+            <a:ext cx="9691687" cy="538609"/>
+          </a:xfrm>
+        </p:spPr>
+        <p:txBody>
+          <a:bodyPr/>
+          <a:lstStyle/>
+          <a:p>
+            <a:r>
+              <a:rPr lang="en-GB" noProof="0" dirty="0">
+                <a:latin typeface="Arial Black" panose="020B0A04020102020204" pitchFamily="34" charset="0"/>
+              </a:rPr>
+              <a:t>Proposed solution – Principle of </a:t>
+            </a:r>
+            <a:r>
+              <a:rPr lang="en-GB" dirty="0">
+                <a:latin typeface="Arial Black" panose="020B0A04020102020204" pitchFamily="34" charset="0"/>
+              </a:rPr>
+              <a:t>MPC</a:t>
+            </a:r>
+            <a:endParaRPr lang="en-GB" noProof="0" dirty="0">
+              <a:latin typeface="Arial Black" panose="020B0A04020102020204" pitchFamily="34" charset="0"/>
+            </a:endParaRPr>
+          </a:p>
+        </p:txBody>
+      </p:sp>
+      <mc:AlternateContent xmlns:mc="http://schemas.openxmlformats.org/markup-compatibility/2006">
+        <mc:Choice xmlns:a14="http://schemas.microsoft.com/office/drawing/2010/main" Requires="a14">
+          <p:sp>
+            <p:nvSpPr>
+              <p:cNvPr id="2" name="CasellaDiTesto 1">
+                <a:extLst>
+                  <a:ext uri="{FF2B5EF4-FFF2-40B4-BE49-F238E27FC236}">
+                    <a16:creationId xmlns:a16="http://schemas.microsoft.com/office/drawing/2014/main" id="{07438525-36CC-3470-CEA6-B1FF903B89EA}"/>
+                  </a:ext>
+                </a:extLst>
+              </p:cNvPr>
+              <p:cNvSpPr txBox="1"/>
+              <p:nvPr/>
+            </p:nvSpPr>
+            <p:spPr>
+              <a:xfrm>
+                <a:off x="723900" y="1185270"/>
+                <a:ext cx="10744200" cy="1599284"/>
+              </a:xfrm>
+              <a:prstGeom prst="rect">
+                <a:avLst/>
+              </a:prstGeom>
+              <a:noFill/>
+            </p:spPr>
+            <p:txBody>
+              <a:bodyPr wrap="square">
+                <a:spAutoFit/>
+              </a:bodyPr>
+              <a:lstStyle/>
+              <a:p>
+                <a:pPr algn="just"/>
+                <a:r>
+                  <a:rPr lang="it-IT" sz="2400" dirty="0">
+                    <a:latin typeface="Arial" panose="020B0604020202020204" pitchFamily="34" charset="0"/>
+                    <a:cs typeface="Arial" panose="020B0604020202020204" pitchFamily="34" charset="0"/>
+                  </a:rPr>
+                  <a:t>The </a:t>
+                </a:r>
+                <a:r>
+                  <a:rPr lang="it-IT" sz="2400" dirty="0" err="1">
+                    <a:latin typeface="Arial" panose="020B0604020202020204" pitchFamily="34" charset="0"/>
+                    <a:cs typeface="Arial" panose="020B0604020202020204" pitchFamily="34" charset="0"/>
+                  </a:rPr>
+                  <a:t>aim</a:t>
+                </a:r>
+                <a:r>
+                  <a:rPr lang="it-IT" sz="2400" dirty="0">
+                    <a:latin typeface="Arial" panose="020B0604020202020204" pitchFamily="34" charset="0"/>
+                    <a:cs typeface="Arial" panose="020B0604020202020204" pitchFamily="34" charset="0"/>
+                  </a:rPr>
+                  <a:t> </a:t>
+                </a:r>
+                <a:r>
+                  <a:rPr lang="it-IT" sz="2400" dirty="0" err="1">
+                    <a:latin typeface="Arial" panose="020B0604020202020204" pitchFamily="34" charset="0"/>
+                    <a:cs typeface="Arial" panose="020B0604020202020204" pitchFamily="34" charset="0"/>
+                  </a:rPr>
+                  <a:t>is</a:t>
+                </a:r>
+                <a:r>
+                  <a:rPr lang="it-IT" sz="2400" dirty="0">
+                    <a:latin typeface="Arial" panose="020B0604020202020204" pitchFamily="34" charset="0"/>
+                    <a:cs typeface="Arial" panose="020B0604020202020204" pitchFamily="34" charset="0"/>
+                  </a:rPr>
+                  <a:t> to </a:t>
+                </a:r>
+                <a:r>
+                  <a:rPr lang="it-IT" sz="2400" dirty="0" err="1">
+                    <a:latin typeface="Arial" panose="020B0604020202020204" pitchFamily="34" charset="0"/>
+                    <a:cs typeface="Arial" panose="020B0604020202020204" pitchFamily="34" charset="0"/>
+                  </a:rPr>
+                  <a:t>find</a:t>
+                </a:r>
+                <a:r>
+                  <a:rPr lang="it-IT" sz="2400" dirty="0">
+                    <a:latin typeface="Arial" panose="020B0604020202020204" pitchFamily="34" charset="0"/>
+                    <a:cs typeface="Arial" panose="020B0604020202020204" pitchFamily="34" charset="0"/>
+                  </a:rPr>
+                  <a:t> the feature control </a:t>
+                </a:r>
+                <a:r>
+                  <a:rPr lang="it-IT" sz="2400" dirty="0" err="1">
+                    <a:latin typeface="Arial" panose="020B0604020202020204" pitchFamily="34" charset="0"/>
+                    <a:cs typeface="Arial" panose="020B0604020202020204" pitchFamily="34" charset="0"/>
+                  </a:rPr>
+                  <a:t>sequence</a:t>
+                </a:r>
+                <a:r>
+                  <a:rPr lang="it-IT" sz="2400" dirty="0">
+                    <a:latin typeface="Arial" panose="020B0604020202020204" pitchFamily="34" charset="0"/>
+                    <a:cs typeface="Arial" panose="020B0604020202020204" pitchFamily="34" charset="0"/>
+                  </a:rPr>
+                  <a:t> </a:t>
+                </a:r>
+                <a14:m>
+                  <m:oMath xmlns:m="http://schemas.openxmlformats.org/officeDocument/2006/math">
+                    <m:sSub>
+                      <m:sSubPr>
+                        <m:ctrlPr>
+                          <a:rPr lang="it-IT" sz="2400" i="1" noProof="0" smtClean="0">
+                            <a:latin typeface="Cambria Math" panose="02040503050406030204" pitchFamily="18" charset="0"/>
+                            <a:cs typeface="Arial" panose="020B0604020202020204" pitchFamily="34" charset="0"/>
+                          </a:rPr>
+                        </m:ctrlPr>
+                      </m:sSubPr>
+                      <m:e>
+                        <m:r>
+                          <a:rPr lang="it-IT" sz="2400" b="0" i="1" noProof="0" smtClean="0">
+                            <a:latin typeface="Cambria Math" panose="02040503050406030204" pitchFamily="18" charset="0"/>
+                            <a:cs typeface="Arial" panose="020B0604020202020204" pitchFamily="34" charset="0"/>
+                          </a:rPr>
+                          <m:t>𝑢</m:t>
+                        </m:r>
+                      </m:e>
+                      <m:sub>
+                        <m:r>
+                          <a:rPr lang="it-IT" sz="2400" b="0" i="1" noProof="0" smtClean="0">
+                            <a:latin typeface="Cambria Math" panose="02040503050406030204" pitchFamily="18" charset="0"/>
+                            <a:cs typeface="Arial" panose="020B0604020202020204" pitchFamily="34" charset="0"/>
+                          </a:rPr>
+                          <m:t>𝑓</m:t>
+                        </m:r>
+                      </m:sub>
+                    </m:sSub>
+                  </m:oMath>
+                </a14:m>
+                <a:r>
+                  <a:rPr lang="it-IT" sz="2400" dirty="0">
+                    <a:latin typeface="Arial" panose="020B0604020202020204" pitchFamily="34" charset="0"/>
+                    <a:cs typeface="Arial" panose="020B0604020202020204" pitchFamily="34" charset="0"/>
+                  </a:rPr>
+                  <a:t> </a:t>
+                </a:r>
+                <a:r>
+                  <a:rPr lang="it-IT" sz="2400" dirty="0" err="1">
+                    <a:latin typeface="Arial" panose="020B0604020202020204" pitchFamily="34" charset="0"/>
+                    <a:cs typeface="Arial" panose="020B0604020202020204" pitchFamily="34" charset="0"/>
+                  </a:rPr>
+                  <a:t>that</a:t>
+                </a:r>
+                <a:r>
+                  <a:rPr lang="it-IT" sz="2400" dirty="0">
+                    <a:latin typeface="Arial" panose="020B0604020202020204" pitchFamily="34" charset="0"/>
+                    <a:cs typeface="Arial" panose="020B0604020202020204" pitchFamily="34" charset="0"/>
+                  </a:rPr>
+                  <a:t> </a:t>
+                </a:r>
+                <a:r>
+                  <a:rPr lang="it-IT" sz="2400" dirty="0" err="1">
+                    <a:latin typeface="Arial" panose="020B0604020202020204" pitchFamily="34" charset="0"/>
+                    <a:cs typeface="Arial" panose="020B0604020202020204" pitchFamily="34" charset="0"/>
+                  </a:rPr>
+                  <a:t>minimizes</a:t>
+                </a:r>
+                <a:r>
+                  <a:rPr lang="it-IT" sz="2400" dirty="0">
+                    <a:latin typeface="Arial" panose="020B0604020202020204" pitchFamily="34" charset="0"/>
+                    <a:cs typeface="Arial" panose="020B0604020202020204" pitchFamily="34" charset="0"/>
+                  </a:rPr>
+                  <a:t> the performance </a:t>
+                </a:r>
+                <a:r>
+                  <a:rPr lang="it-IT" sz="2400" dirty="0" err="1">
+                    <a:latin typeface="Arial" panose="020B0604020202020204" pitchFamily="34" charset="0"/>
+                    <a:cs typeface="Arial" panose="020B0604020202020204" pitchFamily="34" charset="0"/>
+                  </a:rPr>
+                  <a:t>criterion</a:t>
+                </a:r>
+                <a:r>
+                  <a:rPr lang="it-IT" sz="2400" dirty="0">
+                    <a:latin typeface="Arial" panose="020B0604020202020204" pitchFamily="34" charset="0"/>
+                    <a:cs typeface="Arial" panose="020B0604020202020204" pitchFamily="34" charset="0"/>
+                  </a:rPr>
+                  <a:t> J. The </a:t>
+                </a:r>
+                <a:r>
+                  <a:rPr lang="it-IT" sz="2400" dirty="0" err="1">
+                    <a:latin typeface="Arial" panose="020B0604020202020204" pitchFamily="34" charset="0"/>
+                    <a:cs typeface="Arial" panose="020B0604020202020204" pitchFamily="34" charset="0"/>
+                  </a:rPr>
+                  <a:t>prediction</a:t>
+                </a:r>
+                <a:r>
+                  <a:rPr lang="it-IT" sz="2400" dirty="0">
+                    <a:latin typeface="Arial" panose="020B0604020202020204" pitchFamily="34" charset="0"/>
+                    <a:cs typeface="Arial" panose="020B0604020202020204" pitchFamily="34" charset="0"/>
+                  </a:rPr>
+                  <a:t> of the </a:t>
+                </a:r>
+                <a:r>
+                  <a:rPr lang="it-IT" sz="2400" dirty="0" err="1">
+                    <a:latin typeface="Arial" panose="020B0604020202020204" pitchFamily="34" charset="0"/>
+                    <a:cs typeface="Arial" panose="020B0604020202020204" pitchFamily="34" charset="0"/>
+                  </a:rPr>
+                  <a:t>forward</a:t>
+                </a:r>
+                <a:r>
+                  <a:rPr lang="it-IT" sz="2400" dirty="0">
+                    <a:latin typeface="Arial" panose="020B0604020202020204" pitchFamily="34" charset="0"/>
+                    <a:cs typeface="Arial" panose="020B0604020202020204" pitchFamily="34" charset="0"/>
+                  </a:rPr>
+                  <a:t> </a:t>
+                </a:r>
+                <a:r>
+                  <a:rPr lang="it-IT" sz="2400" dirty="0" err="1">
+                    <a:latin typeface="Arial" panose="020B0604020202020204" pitchFamily="34" charset="0"/>
+                    <a:cs typeface="Arial" panose="020B0604020202020204" pitchFamily="34" charset="0"/>
+                  </a:rPr>
+                  <a:t>horizon</a:t>
+                </a:r>
+                <a:r>
+                  <a:rPr lang="it-IT" sz="2400" dirty="0">
+                    <a:latin typeface="Arial" panose="020B0604020202020204" pitchFamily="34" charset="0"/>
+                    <a:cs typeface="Arial" panose="020B0604020202020204" pitchFamily="34" charset="0"/>
+                  </a:rPr>
+                  <a:t> </a:t>
+                </a:r>
+                <a:r>
+                  <a:rPr lang="it-IT" sz="2400" dirty="0" err="1">
+                    <a:latin typeface="Arial" panose="020B0604020202020204" pitchFamily="34" charset="0"/>
+                    <a:cs typeface="Arial" panose="020B0604020202020204" pitchFamily="34" charset="0"/>
+                  </a:rPr>
+                  <a:t>is</a:t>
+                </a:r>
+                <a:r>
+                  <a:rPr lang="it-IT" sz="2400" dirty="0">
+                    <a:latin typeface="Arial" panose="020B0604020202020204" pitchFamily="34" charset="0"/>
+                    <a:cs typeface="Arial" panose="020B0604020202020204" pitchFamily="34" charset="0"/>
+                  </a:rPr>
+                  <a:t> </a:t>
+                </a:r>
+                <a:r>
+                  <a:rPr lang="it-IT" sz="2400" dirty="0" err="1">
+                    <a:latin typeface="Arial" panose="020B0604020202020204" pitchFamily="34" charset="0"/>
+                    <a:cs typeface="Arial" panose="020B0604020202020204" pitchFamily="34" charset="0"/>
+                  </a:rPr>
+                  <a:t>done</a:t>
+                </a:r>
+                <a:r>
+                  <a:rPr lang="it-IT" sz="2400" dirty="0">
+                    <a:latin typeface="Arial" panose="020B0604020202020204" pitchFamily="34" charset="0"/>
+                    <a:cs typeface="Arial" panose="020B0604020202020204" pitchFamily="34" charset="0"/>
+                  </a:rPr>
+                  <a:t> on the </a:t>
+                </a:r>
+                <a:r>
+                  <a:rPr lang="it-IT" sz="2400" dirty="0" err="1">
+                    <a:latin typeface="Arial" panose="020B0604020202020204" pitchFamily="34" charset="0"/>
+                    <a:cs typeface="Arial" panose="020B0604020202020204" pitchFamily="34" charset="0"/>
+                  </a:rPr>
+                  <a:t>basis</a:t>
+                </a:r>
+                <a:r>
+                  <a:rPr lang="it-IT" sz="2400" dirty="0">
+                    <a:latin typeface="Arial" panose="020B0604020202020204" pitchFamily="34" charset="0"/>
+                    <a:cs typeface="Arial" panose="020B0604020202020204" pitchFamily="34" charset="0"/>
+                  </a:rPr>
+                  <a:t> of the knowledge of the </a:t>
+                </a:r>
+                <a:r>
+                  <a:rPr lang="it-IT" sz="2400" dirty="0" err="1">
+                    <a:latin typeface="Arial" panose="020B0604020202020204" pitchFamily="34" charset="0"/>
+                    <a:cs typeface="Arial" panose="020B0604020202020204" pitchFamily="34" charset="0"/>
+                  </a:rPr>
+                  <a:t>backward</a:t>
+                </a:r>
+                <a:r>
+                  <a:rPr lang="it-IT" sz="2400" dirty="0">
+                    <a:latin typeface="Arial" panose="020B0604020202020204" pitchFamily="34" charset="0"/>
+                    <a:cs typeface="Arial" panose="020B0604020202020204" pitchFamily="34" charset="0"/>
+                  </a:rPr>
+                  <a:t> </a:t>
+                </a:r>
+                <a:r>
+                  <a:rPr lang="it-IT" sz="2400" dirty="0" err="1">
+                    <a:latin typeface="Arial" panose="020B0604020202020204" pitchFamily="34" charset="0"/>
+                    <a:cs typeface="Arial" panose="020B0604020202020204" pitchFamily="34" charset="0"/>
+                  </a:rPr>
+                  <a:t>horizon</a:t>
+                </a:r>
+                <a:r>
+                  <a:rPr lang="it-IT" sz="2400" dirty="0">
+                    <a:latin typeface="Arial" panose="020B0604020202020204" pitchFamily="34" charset="0"/>
+                    <a:cs typeface="Arial" panose="020B0604020202020204" pitchFamily="34" charset="0"/>
+                  </a:rPr>
+                  <a:t>.</a:t>
+                </a:r>
+                <a:endParaRPr lang="it-IT" sz="2400" b="0" dirty="0">
+                  <a:latin typeface="Arial" panose="020B0604020202020204" pitchFamily="34" charset="0"/>
+                  <a:cs typeface="Arial" panose="020B0604020202020204" pitchFamily="34" charset="0"/>
+                </a:endParaRPr>
+              </a:p>
+              <a:p>
+                <a:pPr algn="just"/>
+                <a:endParaRPr lang="it-IT" sz="2400" dirty="0">
+                  <a:latin typeface="Arial" panose="020B0604020202020204" pitchFamily="34" charset="0"/>
+                  <a:cs typeface="Arial" panose="020B0604020202020204" pitchFamily="34" charset="0"/>
+                </a:endParaRPr>
+              </a:p>
+            </p:txBody>
+          </p:sp>
+        </mc:Choice>
+        <mc:Fallback>
+          <p:sp>
+            <p:nvSpPr>
+              <p:cNvPr id="2" name="CasellaDiTesto 1">
+                <a:extLst>
+                  <a:ext uri="{FF2B5EF4-FFF2-40B4-BE49-F238E27FC236}">
+                    <a16:creationId xmlns:a16="http://schemas.microsoft.com/office/drawing/2014/main" id="{07438525-36CC-3470-CEA6-B1FF903B89EA}"/>
+                  </a:ext>
+                </a:extLst>
+              </p:cNvPr>
+              <p:cNvSpPr txBox="1">
+                <a:spLocks noRot="1" noChangeAspect="1" noMove="1" noResize="1" noEditPoints="1" noAdjustHandles="1" noChangeArrowheads="1" noChangeShapeType="1" noTextEdit="1"/>
+              </p:cNvSpPr>
+              <p:nvPr/>
+            </p:nvSpPr>
+            <p:spPr>
+              <a:xfrm>
+                <a:off x="723900" y="1185270"/>
+                <a:ext cx="10744200" cy="1599284"/>
+              </a:xfrm>
+              <a:prstGeom prst="rect">
+                <a:avLst/>
+              </a:prstGeom>
+              <a:blipFill>
+                <a:blip r:embed="rId3"/>
+                <a:stretch>
+                  <a:fillRect l="-908" t="-3042" r="-851"/>
+                </a:stretch>
+              </a:blipFill>
+            </p:spPr>
+            <p:txBody>
+              <a:bodyPr/>
+              <a:lstStyle/>
+              <a:p>
+                <a:r>
+                  <a:rPr lang="it-IT">
+                    <a:noFill/>
+                  </a:rPr>
+                  <a:t> </a:t>
+                </a:r>
+              </a:p>
+            </p:txBody>
+          </p:sp>
+        </mc:Fallback>
+      </mc:AlternateContent>
+      <p:pic>
+        <p:nvPicPr>
+          <p:cNvPr id="4" name="Immagine 3" descr="Immagine che contiene linea, diagramma, schizzo, bianco&#10;&#10;Il contenuto generato dall'IA potrebbe non essere corretto.">
+            <a:extLst>
+              <a:ext uri="{FF2B5EF4-FFF2-40B4-BE49-F238E27FC236}">
+                <a16:creationId xmlns:a16="http://schemas.microsoft.com/office/drawing/2014/main" id="{B222F164-CA94-95B8-F4E9-45391987303C}"/>
+              </a:ext>
+            </a:extLst>
+          </p:cNvPr>
+          <p:cNvPicPr>
+            <a:picLocks noChangeAspect="1"/>
+          </p:cNvPicPr>
+          <p:nvPr/>
+        </p:nvPicPr>
+        <p:blipFill>
+          <a:blip r:embed="rId4">
+            <a:extLst>
+              <a:ext uri="{28A0092B-C50C-407E-A947-70E740481C1C}">
+                <a14:useLocalDpi xmlns:a14="http://schemas.microsoft.com/office/drawing/2010/main" val="0"/>
+              </a:ext>
+            </a:extLst>
+          </a:blip>
+          <a:stretch>
+            <a:fillRect/>
+          </a:stretch>
+        </p:blipFill>
+        <p:spPr>
+          <a:xfrm>
+            <a:off x="761999" y="2624730"/>
+            <a:ext cx="6381193" cy="3048000"/>
+          </a:xfrm>
+          <a:prstGeom prst="rect">
+            <a:avLst/>
+          </a:prstGeom>
+        </p:spPr>
+      </p:pic>
+    </p:spTree>
+    <p:extLst>
+      <p:ext uri="{BB962C8B-B14F-4D97-AF65-F5344CB8AC3E}">
+        <p14:creationId xmlns:p14="http://schemas.microsoft.com/office/powerpoint/2010/main" val="4124613722"/>
+      </p:ext>
+    </p:extLst>
+  </p:cSld>
+  <p:clrMapOvr>
+    <a:masterClrMapping/>
+  </p:clrMapOvr>
+</p:sld>
+</file>
+
+<file path=ppt/slides/slide11.xml><?xml version="1.0" encoding="utf-8"?>
+<p:sld xmlns:a="http://schemas.openxmlformats.org/drawingml/2006/main" xmlns:r="http://schemas.openxmlformats.org/officeDocument/2006/relationships" xmlns:p="http://schemas.openxmlformats.org/presentationml/2006/main">
+  <p:cSld>
+    <p:spTree>
+      <p:nvGrpSpPr>
+        <p:cNvPr id="1" name="">
+          <a:extLst>
+            <a:ext uri="{FF2B5EF4-FFF2-40B4-BE49-F238E27FC236}">
               <a16:creationId xmlns:a16="http://schemas.microsoft.com/office/drawing/2014/main" id="{DE25A748-8538-F760-9E6B-4F27E13A3FAF}"/>
             </a:ext>
           </a:extLst>
@@ -2093,13 +2832,13 @@
               <a:rPr lang="en-GB" noProof="0" dirty="0">
                 <a:latin typeface="Arial Black" panose="020B0A04020102020204" pitchFamily="34" charset="0"/>
               </a:rPr>
-              <a:t>Proposed solution – </a:t>
+              <a:t>Proposed solution – Control</a:t>
             </a:r>
             <a:r>
               <a:rPr lang="en-GB" dirty="0">
                 <a:latin typeface="Arial Black" panose="020B0A04020102020204" pitchFamily="34" charset="0"/>
               </a:rPr>
-              <a:t>MPC step 1</a:t>
+              <a:t> step 1</a:t>
             </a:r>
             <a:endParaRPr lang="en-GB" noProof="0" dirty="0">
               <a:latin typeface="Arial Black" panose="020B0A04020102020204" pitchFamily="34" charset="0"/>
@@ -2107,49 +2846,1320 @@
           </a:p>
         </p:txBody>
       </p:sp>
-      <p:sp>
-        <p:nvSpPr>
-          <p:cNvPr id="2" name="CasellaDiTesto 1">
-            <a:extLst>
-              <a:ext uri="{FF2B5EF4-FFF2-40B4-BE49-F238E27FC236}">
-                <a16:creationId xmlns:a16="http://schemas.microsoft.com/office/drawing/2014/main" id="{0367F24C-DB9D-043A-C3E0-240A6426CF81}"/>
-              </a:ext>
-            </a:extLst>
-          </p:cNvPr>
-          <p:cNvSpPr txBox="1"/>
-          <p:nvPr/>
-        </p:nvSpPr>
-        <p:spPr>
-          <a:xfrm>
-            <a:off x="723900" y="1191645"/>
-            <a:ext cx="10744200" cy="461665"/>
-          </a:xfrm>
-          <a:prstGeom prst="rect">
-            <a:avLst/>
-          </a:prstGeom>
-          <a:noFill/>
-        </p:spPr>
-        <p:txBody>
-          <a:bodyPr wrap="square">
-            <a:spAutoFit/>
-          </a:bodyPr>
-          <a:lstStyle/>
-          <a:p>
-            <a:pPr algn="just"/>
-            <a:r>
-              <a:rPr lang="it-IT" sz="2400" dirty="0">
-                <a:latin typeface="Arial" panose="020B0604020202020204" pitchFamily="34" charset="0"/>
-                <a:cs typeface="Arial" panose="020B0604020202020204" pitchFamily="34" charset="0"/>
-              </a:rPr>
-              <a:t>AAA</a:t>
-            </a:r>
-            <a:endParaRPr lang="it-IT" sz="2400" noProof="0" dirty="0">
-              <a:latin typeface="Arial" panose="020B0604020202020204" pitchFamily="34" charset="0"/>
-              <a:cs typeface="Arial" panose="020B0604020202020204" pitchFamily="34" charset="0"/>
-            </a:endParaRPr>
-          </a:p>
-        </p:txBody>
-      </p:sp>
+      <mc:AlternateContent xmlns:mc="http://schemas.openxmlformats.org/markup-compatibility/2006">
+        <mc:Choice xmlns:a14="http://schemas.microsoft.com/office/drawing/2010/main" Requires="a14">
+          <p:sp>
+            <p:nvSpPr>
+              <p:cNvPr id="2" name="CasellaDiTesto 1">
+                <a:extLst>
+                  <a:ext uri="{FF2B5EF4-FFF2-40B4-BE49-F238E27FC236}">
+                    <a16:creationId xmlns:a16="http://schemas.microsoft.com/office/drawing/2014/main" id="{0367F24C-DB9D-043A-C3E0-240A6426CF81}"/>
+                  </a:ext>
+                </a:extLst>
+              </p:cNvPr>
+              <p:cNvSpPr txBox="1"/>
+              <p:nvPr/>
+            </p:nvSpPr>
+            <p:spPr>
+              <a:xfrm>
+                <a:off x="723900" y="1191645"/>
+                <a:ext cx="10744200" cy="4873001"/>
+              </a:xfrm>
+              <a:prstGeom prst="rect">
+                <a:avLst/>
+              </a:prstGeom>
+              <a:noFill/>
+            </p:spPr>
+            <p:txBody>
+              <a:bodyPr wrap="square">
+                <a:spAutoFit/>
+              </a:bodyPr>
+              <a:lstStyle/>
+              <a:p>
+                <a:pPr algn="just"/>
+                <a:r>
+                  <a:rPr lang="it-IT" sz="2400" noProof="0" dirty="0">
+                    <a:latin typeface="Arial" panose="020B0604020202020204" pitchFamily="34" charset="0"/>
+                    <a:cs typeface="Arial" panose="020B0604020202020204" pitchFamily="34" charset="0"/>
+                  </a:rPr>
+                  <a:t>We </a:t>
+                </a:r>
+                <a:r>
+                  <a:rPr lang="it-IT" sz="2400" noProof="0" dirty="0" err="1">
+                    <a:latin typeface="Arial" panose="020B0604020202020204" pitchFamily="34" charset="0"/>
+                    <a:cs typeface="Arial" panose="020B0604020202020204" pitchFamily="34" charset="0"/>
+                  </a:rPr>
+                  <a:t>need</a:t>
+                </a:r>
+                <a:r>
+                  <a:rPr lang="it-IT" sz="2400" noProof="0" dirty="0">
+                    <a:latin typeface="Arial" panose="020B0604020202020204" pitchFamily="34" charset="0"/>
+                    <a:cs typeface="Arial" panose="020B0604020202020204" pitchFamily="34" charset="0"/>
+                  </a:rPr>
+                  <a:t> to </a:t>
+                </a:r>
+                <a:r>
+                  <a:rPr lang="it-IT" sz="2400" noProof="0" dirty="0" err="1">
+                    <a:latin typeface="Arial" panose="020B0604020202020204" pitchFamily="34" charset="0"/>
+                    <a:cs typeface="Arial" panose="020B0604020202020204" pitchFamily="34" charset="0"/>
+                  </a:rPr>
+                  <a:t>define</a:t>
+                </a:r>
+                <a:r>
+                  <a:rPr lang="it-IT" sz="2400" noProof="0" dirty="0">
+                    <a:latin typeface="Arial" panose="020B0604020202020204" pitchFamily="34" charset="0"/>
+                    <a:cs typeface="Arial" panose="020B0604020202020204" pitchFamily="34" charset="0"/>
+                  </a:rPr>
+                  <a:t> the controller input, </a:t>
+                </a:r>
+                <a14:m>
+                  <m:oMath xmlns:m="http://schemas.openxmlformats.org/officeDocument/2006/math">
+                    <m:sSub>
+                      <m:sSubPr>
+                        <m:ctrlPr>
+                          <a:rPr lang="it-IT" sz="2400" i="1" noProof="0" smtClean="0">
+                            <a:latin typeface="Cambria Math" panose="02040503050406030204" pitchFamily="18" charset="0"/>
+                            <a:cs typeface="Arial" panose="020B0604020202020204" pitchFamily="34" charset="0"/>
+                          </a:rPr>
+                        </m:ctrlPr>
+                      </m:sSubPr>
+                      <m:e>
+                        <m:r>
+                          <a:rPr lang="it-IT" sz="2400" b="0" i="1" noProof="0" smtClean="0">
+                            <a:latin typeface="Cambria Math" panose="02040503050406030204" pitchFamily="18" charset="0"/>
+                            <a:cs typeface="Arial" panose="020B0604020202020204" pitchFamily="34" charset="0"/>
+                          </a:rPr>
+                          <m:t>𝑤</m:t>
+                        </m:r>
+                      </m:e>
+                      <m:sub>
+                        <m:r>
+                          <a:rPr lang="it-IT" sz="2400" b="0" i="1" noProof="0" smtClean="0">
+                            <a:latin typeface="Cambria Math" panose="02040503050406030204" pitchFamily="18" charset="0"/>
+                            <a:cs typeface="Arial" panose="020B0604020202020204" pitchFamily="34" charset="0"/>
+                          </a:rPr>
+                          <m:t>𝑝</m:t>
+                        </m:r>
+                      </m:sub>
+                    </m:sSub>
+                  </m:oMath>
+                </a14:m>
+                <a:r>
+                  <a:rPr lang="it-IT" sz="2400" noProof="0" dirty="0">
+                    <a:latin typeface="Arial" panose="020B0604020202020204" pitchFamily="34" charset="0"/>
+                    <a:cs typeface="Arial" panose="020B0604020202020204" pitchFamily="34" charset="0"/>
+                  </a:rPr>
+                  <a:t>, </a:t>
+                </a:r>
+                <a:r>
+                  <a:rPr lang="it-IT" sz="2400" dirty="0" err="1">
+                    <a:latin typeface="Arial" panose="020B0604020202020204" pitchFamily="34" charset="0"/>
+                    <a:cs typeface="Arial" panose="020B0604020202020204" pitchFamily="34" charset="0"/>
+                  </a:rPr>
+                  <a:t>using</a:t>
+                </a:r>
+                <a:r>
+                  <a:rPr lang="it-IT" sz="2400" dirty="0">
+                    <a:latin typeface="Arial" panose="020B0604020202020204" pitchFamily="34" charset="0"/>
+                    <a:cs typeface="Arial" panose="020B0604020202020204" pitchFamily="34" charset="0"/>
+                  </a:rPr>
+                  <a:t> the </a:t>
+                </a:r>
+                <a:r>
+                  <a:rPr lang="it-IT" sz="2400" dirty="0" err="1">
+                    <a:latin typeface="Arial" panose="020B0604020202020204" pitchFamily="34" charset="0"/>
+                    <a:cs typeface="Arial" panose="020B0604020202020204" pitchFamily="34" charset="0"/>
+                  </a:rPr>
+                  <a:t>past</a:t>
+                </a:r>
+                <a:r>
+                  <a:rPr lang="it-IT" sz="2400" dirty="0">
+                    <a:latin typeface="Arial" panose="020B0604020202020204" pitchFamily="34" charset="0"/>
+                    <a:cs typeface="Arial" panose="020B0604020202020204" pitchFamily="34" charset="0"/>
+                  </a:rPr>
+                  <a:t> inputs and outputs of the system:</a:t>
+                </a:r>
+              </a:p>
+              <a:p>
+                <a:pPr algn="just"/>
+                <a:endParaRPr lang="it-IT" sz="2400" noProof="0" dirty="0">
+                  <a:latin typeface="Arial" panose="020B0604020202020204" pitchFamily="34" charset="0"/>
+                  <a:cs typeface="Arial" panose="020B0604020202020204" pitchFamily="34" charset="0"/>
+                </a:endParaRPr>
+              </a:p>
+              <a:p>
+                <a:pPr algn="just"/>
+                <a14:m>
+                  <m:oMath xmlns:m="http://schemas.openxmlformats.org/officeDocument/2006/math">
+                    <m:sSub>
+                      <m:sSubPr>
+                        <m:ctrlPr>
+                          <a:rPr lang="it-IT" sz="2400" i="1" noProof="0" smtClean="0">
+                            <a:latin typeface="Cambria Math" panose="02040503050406030204" pitchFamily="18" charset="0"/>
+                            <a:cs typeface="Arial" panose="020B0604020202020204" pitchFamily="34" charset="0"/>
+                          </a:rPr>
+                        </m:ctrlPr>
+                      </m:sSubPr>
+                      <m:e>
+                        <m:r>
+                          <a:rPr lang="it-IT" sz="2400" b="0" i="1" noProof="0" smtClean="0">
+                            <a:latin typeface="Cambria Math" panose="02040503050406030204" pitchFamily="18" charset="0"/>
+                            <a:cs typeface="Arial" panose="020B0604020202020204" pitchFamily="34" charset="0"/>
+                          </a:rPr>
+                          <m:t>𝑦</m:t>
+                        </m:r>
+                      </m:e>
+                      <m:sub>
+                        <m:r>
+                          <a:rPr lang="it-IT" sz="2400" b="0" i="1" noProof="0" smtClean="0">
+                            <a:latin typeface="Cambria Math" panose="02040503050406030204" pitchFamily="18" charset="0"/>
+                            <a:cs typeface="Arial" panose="020B0604020202020204" pitchFamily="34" charset="0"/>
+                          </a:rPr>
+                          <m:t>𝑝</m:t>
+                        </m:r>
+                      </m:sub>
+                    </m:sSub>
+                    <m:r>
+                      <a:rPr lang="it-IT" sz="2400" b="0" i="1" noProof="0" smtClean="0">
+                        <a:latin typeface="Cambria Math" panose="02040503050406030204" pitchFamily="18" charset="0"/>
+                        <a:cs typeface="Arial" panose="020B0604020202020204" pitchFamily="34" charset="0"/>
+                      </a:rPr>
+                      <m:t>=</m:t>
+                    </m:r>
+                    <m:d>
+                      <m:dPr>
+                        <m:ctrlPr>
+                          <a:rPr lang="it-IT" sz="2400" b="0" i="1" noProof="0" smtClean="0">
+                            <a:latin typeface="Cambria Math" panose="02040503050406030204" pitchFamily="18" charset="0"/>
+                            <a:cs typeface="Arial" panose="020B0604020202020204" pitchFamily="34" charset="0"/>
+                          </a:rPr>
+                        </m:ctrlPr>
+                      </m:dPr>
+                      <m:e>
+                        <m:eqArr>
+                          <m:eqArrPr>
+                            <m:ctrlPr>
+                              <a:rPr lang="it-IT" sz="2400" b="0" i="1" noProof="0" smtClean="0">
+                                <a:latin typeface="Cambria Math" panose="02040503050406030204" pitchFamily="18" charset="0"/>
+                                <a:cs typeface="Arial" panose="020B0604020202020204" pitchFamily="34" charset="0"/>
+                              </a:rPr>
+                            </m:ctrlPr>
+                          </m:eqArrPr>
+                          <m:e>
+                            <m:sSub>
+                              <m:sSubPr>
+                                <m:ctrlPr>
+                                  <a:rPr lang="it-IT" sz="2400" b="0" i="1" noProof="0" smtClean="0">
+                                    <a:latin typeface="Cambria Math" panose="02040503050406030204" pitchFamily="18" charset="0"/>
+                                    <a:cs typeface="Arial" panose="020B0604020202020204" pitchFamily="34" charset="0"/>
+                                  </a:rPr>
+                                </m:ctrlPr>
+                              </m:sSubPr>
+                              <m:e>
+                                <m:r>
+                                  <a:rPr lang="it-IT" sz="2400" b="0" i="1" noProof="0" smtClean="0">
+                                    <a:latin typeface="Cambria Math" panose="02040503050406030204" pitchFamily="18" charset="0"/>
+                                    <a:cs typeface="Arial" panose="020B0604020202020204" pitchFamily="34" charset="0"/>
+                                  </a:rPr>
+                                  <m:t>𝑦</m:t>
+                                </m:r>
+                              </m:e>
+                              <m:sub>
+                                <m:r>
+                                  <a:rPr lang="it-IT" sz="2400" b="0" i="1" noProof="0" smtClean="0">
+                                    <a:latin typeface="Cambria Math" panose="02040503050406030204" pitchFamily="18" charset="0"/>
+                                    <a:cs typeface="Arial" panose="020B0604020202020204" pitchFamily="34" charset="0"/>
+                                  </a:rPr>
+                                  <m:t>−</m:t>
+                                </m:r>
+                                <m:r>
+                                  <a:rPr lang="it-IT" sz="2400" b="0" i="1" noProof="0" smtClean="0">
+                                    <a:latin typeface="Cambria Math" panose="02040503050406030204" pitchFamily="18" charset="0"/>
+                                    <a:cs typeface="Arial" panose="020B0604020202020204" pitchFamily="34" charset="0"/>
+                                  </a:rPr>
+                                  <m:t>𝑀</m:t>
+                                </m:r>
+                                <m:r>
+                                  <a:rPr lang="it-IT" sz="2400" b="0" i="1" noProof="0" smtClean="0">
+                                    <a:latin typeface="Cambria Math" panose="02040503050406030204" pitchFamily="18" charset="0"/>
+                                    <a:cs typeface="Arial" panose="020B0604020202020204" pitchFamily="34" charset="0"/>
+                                  </a:rPr>
+                                  <m:t>+1</m:t>
+                                </m:r>
+                              </m:sub>
+                            </m:sSub>
+                          </m:e>
+                          <m:e>
+                            <m:r>
+                              <a:rPr lang="it-IT" b="0" i="1" smtClean="0">
+                                <a:latin typeface="Cambria Math" panose="02040503050406030204" pitchFamily="18" charset="0"/>
+                              </a:rPr>
+                              <m:t>…</m:t>
+                            </m:r>
+                          </m:e>
+                          <m:e>
+                            <m:sSub>
+                              <m:sSubPr>
+                                <m:ctrlPr>
+                                  <a:rPr lang="it-IT" i="1" smtClean="0">
+                                    <a:latin typeface="Cambria Math" panose="02040503050406030204" pitchFamily="18" charset="0"/>
+                                  </a:rPr>
+                                </m:ctrlPr>
+                              </m:sSubPr>
+                              <m:e>
+                                <m:r>
+                                  <a:rPr lang="it-IT" b="0" i="1" smtClean="0">
+                                    <a:latin typeface="Cambria Math" panose="02040503050406030204" pitchFamily="18" charset="0"/>
+                                  </a:rPr>
+                                  <m:t>𝑦</m:t>
+                                </m:r>
+                              </m:e>
+                              <m:sub>
+                                <m:r>
+                                  <a:rPr lang="it-IT" b="0" i="1" smtClean="0">
+                                    <a:latin typeface="Cambria Math" panose="02040503050406030204" pitchFamily="18" charset="0"/>
+                                  </a:rPr>
+                                  <m:t>−1</m:t>
+                                </m:r>
+                              </m:sub>
+                            </m:sSub>
+                          </m:e>
+                          <m:e>
+                            <m:sSub>
+                              <m:sSubPr>
+                                <m:ctrlPr>
+                                  <a:rPr lang="it-IT" i="1" smtClean="0">
+                                    <a:latin typeface="Cambria Math" panose="02040503050406030204" pitchFamily="18" charset="0"/>
+                                  </a:rPr>
+                                </m:ctrlPr>
+                              </m:sSubPr>
+                              <m:e>
+                                <m:r>
+                                  <a:rPr lang="it-IT" b="0" i="1" smtClean="0">
+                                    <a:latin typeface="Cambria Math" panose="02040503050406030204" pitchFamily="18" charset="0"/>
+                                  </a:rPr>
+                                  <m:t>𝑦</m:t>
+                                </m:r>
+                              </m:e>
+                              <m:sub>
+                                <m:r>
+                                  <a:rPr lang="it-IT" b="0" i="1" smtClean="0">
+                                    <a:latin typeface="Cambria Math" panose="02040503050406030204" pitchFamily="18" charset="0"/>
+                                  </a:rPr>
+                                  <m:t>0</m:t>
+                                </m:r>
+                              </m:sub>
+                            </m:sSub>
+                          </m:e>
+                        </m:eqArr>
+                      </m:e>
+                    </m:d>
+                  </m:oMath>
+                </a14:m>
+                <a:r>
+                  <a:rPr lang="it-IT" sz="2400" noProof="0" dirty="0">
+                    <a:latin typeface="Arial" panose="020B0604020202020204" pitchFamily="34" charset="0"/>
+                    <a:cs typeface="Arial" panose="020B0604020202020204" pitchFamily="34" charset="0"/>
+                  </a:rPr>
+                  <a:t>	</a:t>
+                </a:r>
+                <a:r>
+                  <a:rPr lang="it-IT" sz="2400" noProof="0" dirty="0">
+                    <a:cs typeface="Arial" panose="020B0604020202020204" pitchFamily="34" charset="0"/>
+                  </a:rPr>
+                  <a:t> </a:t>
+                </a:r>
+                <a14:m>
+                  <m:oMath xmlns:m="http://schemas.openxmlformats.org/officeDocument/2006/math">
+                    <m:sSub>
+                      <m:sSubPr>
+                        <m:ctrlPr>
+                          <a:rPr lang="it-IT" sz="2400" i="1" noProof="0" smtClean="0">
+                            <a:latin typeface="Cambria Math" panose="02040503050406030204" pitchFamily="18" charset="0"/>
+                            <a:cs typeface="Arial" panose="020B0604020202020204" pitchFamily="34" charset="0"/>
+                          </a:rPr>
+                        </m:ctrlPr>
+                      </m:sSubPr>
+                      <m:e>
+                        <m:r>
+                          <a:rPr lang="it-IT" sz="2400" b="0" i="1" noProof="0" smtClean="0">
+                            <a:latin typeface="Cambria Math" panose="02040503050406030204" pitchFamily="18" charset="0"/>
+                            <a:cs typeface="Arial" panose="020B0604020202020204" pitchFamily="34" charset="0"/>
+                          </a:rPr>
+                          <m:t>𝑢</m:t>
+                        </m:r>
+                      </m:e>
+                      <m:sub>
+                        <m:r>
+                          <a:rPr lang="it-IT" sz="2400" b="0" i="1" noProof="0" smtClean="0">
+                            <a:latin typeface="Cambria Math" panose="02040503050406030204" pitchFamily="18" charset="0"/>
+                            <a:cs typeface="Arial" panose="020B0604020202020204" pitchFamily="34" charset="0"/>
+                          </a:rPr>
+                          <m:t>𝑝</m:t>
+                        </m:r>
+                      </m:sub>
+                    </m:sSub>
+                    <m:r>
+                      <a:rPr lang="it-IT" sz="2400" b="0" i="1" noProof="0" smtClean="0">
+                        <a:latin typeface="Cambria Math" panose="02040503050406030204" pitchFamily="18" charset="0"/>
+                        <a:cs typeface="Arial" panose="020B0604020202020204" pitchFamily="34" charset="0"/>
+                      </a:rPr>
+                      <m:t>=</m:t>
+                    </m:r>
+                    <m:d>
+                      <m:dPr>
+                        <m:ctrlPr>
+                          <a:rPr lang="it-IT" sz="2400" b="0" i="1" noProof="0" smtClean="0">
+                            <a:latin typeface="Cambria Math" panose="02040503050406030204" pitchFamily="18" charset="0"/>
+                            <a:cs typeface="Arial" panose="020B0604020202020204" pitchFamily="34" charset="0"/>
+                          </a:rPr>
+                        </m:ctrlPr>
+                      </m:dPr>
+                      <m:e>
+                        <m:eqArr>
+                          <m:eqArrPr>
+                            <m:ctrlPr>
+                              <a:rPr lang="it-IT" sz="2400" b="0" i="1" noProof="0" smtClean="0">
+                                <a:latin typeface="Cambria Math" panose="02040503050406030204" pitchFamily="18" charset="0"/>
+                                <a:cs typeface="Arial" panose="020B0604020202020204" pitchFamily="34" charset="0"/>
+                              </a:rPr>
+                            </m:ctrlPr>
+                          </m:eqArrPr>
+                          <m:e>
+                            <m:sSub>
+                              <m:sSubPr>
+                                <m:ctrlPr>
+                                  <a:rPr lang="it-IT" sz="2400" b="0" i="1" noProof="0" smtClean="0">
+                                    <a:latin typeface="Cambria Math" panose="02040503050406030204" pitchFamily="18" charset="0"/>
+                                    <a:cs typeface="Arial" panose="020B0604020202020204" pitchFamily="34" charset="0"/>
+                                  </a:rPr>
+                                </m:ctrlPr>
+                              </m:sSubPr>
+                              <m:e>
+                                <m:r>
+                                  <a:rPr lang="it-IT" sz="2400" b="0" i="1" noProof="0" smtClean="0">
+                                    <a:latin typeface="Cambria Math" panose="02040503050406030204" pitchFamily="18" charset="0"/>
+                                    <a:cs typeface="Arial" panose="020B0604020202020204" pitchFamily="34" charset="0"/>
+                                  </a:rPr>
+                                  <m:t>𝑢</m:t>
+                                </m:r>
+                              </m:e>
+                              <m:sub>
+                                <m:r>
+                                  <a:rPr lang="it-IT" sz="2400" b="0" i="1" noProof="0" smtClean="0">
+                                    <a:latin typeface="Cambria Math" panose="02040503050406030204" pitchFamily="18" charset="0"/>
+                                    <a:cs typeface="Arial" panose="020B0604020202020204" pitchFamily="34" charset="0"/>
+                                  </a:rPr>
+                                  <m:t>−</m:t>
+                                </m:r>
+                                <m:r>
+                                  <a:rPr lang="it-IT" sz="2400" b="0" i="1" noProof="0" smtClean="0">
+                                    <a:latin typeface="Cambria Math" panose="02040503050406030204" pitchFamily="18" charset="0"/>
+                                    <a:cs typeface="Arial" panose="020B0604020202020204" pitchFamily="34" charset="0"/>
+                                  </a:rPr>
+                                  <m:t>𝑀</m:t>
+                                </m:r>
+                                <m:r>
+                                  <a:rPr lang="it-IT" sz="2400" b="0" i="1" noProof="0" smtClean="0">
+                                    <a:latin typeface="Cambria Math" panose="02040503050406030204" pitchFamily="18" charset="0"/>
+                                    <a:cs typeface="Arial" panose="020B0604020202020204" pitchFamily="34" charset="0"/>
+                                  </a:rPr>
+                                  <m:t>+1</m:t>
+                                </m:r>
+                              </m:sub>
+                            </m:sSub>
+                          </m:e>
+                          <m:e>
+                            <m:r>
+                              <a:rPr lang="it-IT" sz="2400" b="0" i="1" smtClean="0">
+                                <a:latin typeface="Cambria Math" panose="02040503050406030204" pitchFamily="18" charset="0"/>
+                              </a:rPr>
+                              <m:t>…</m:t>
+                            </m:r>
+                          </m:e>
+                          <m:e>
+                            <m:sSub>
+                              <m:sSubPr>
+                                <m:ctrlPr>
+                                  <a:rPr lang="it-IT" sz="2400" i="1" smtClean="0">
+                                    <a:latin typeface="Cambria Math" panose="02040503050406030204" pitchFamily="18" charset="0"/>
+                                  </a:rPr>
+                                </m:ctrlPr>
+                              </m:sSubPr>
+                              <m:e>
+                                <m:r>
+                                  <a:rPr lang="it-IT" sz="2400" b="0" i="1" smtClean="0">
+                                    <a:latin typeface="Cambria Math" panose="02040503050406030204" pitchFamily="18" charset="0"/>
+                                  </a:rPr>
+                                  <m:t>𝑢</m:t>
+                                </m:r>
+                              </m:e>
+                              <m:sub>
+                                <m:r>
+                                  <a:rPr lang="it-IT" sz="2400" b="0" i="1" smtClean="0">
+                                    <a:latin typeface="Cambria Math" panose="02040503050406030204" pitchFamily="18" charset="0"/>
+                                  </a:rPr>
+                                  <m:t>−1</m:t>
+                                </m:r>
+                              </m:sub>
+                            </m:sSub>
+                          </m:e>
+                          <m:e>
+                            <m:sSub>
+                              <m:sSubPr>
+                                <m:ctrlPr>
+                                  <a:rPr lang="it-IT" sz="2400" i="1" smtClean="0">
+                                    <a:latin typeface="Cambria Math" panose="02040503050406030204" pitchFamily="18" charset="0"/>
+                                  </a:rPr>
+                                </m:ctrlPr>
+                              </m:sSubPr>
+                              <m:e>
+                                <m:r>
+                                  <a:rPr lang="it-IT" sz="2400" b="0" i="1" smtClean="0">
+                                    <a:latin typeface="Cambria Math" panose="02040503050406030204" pitchFamily="18" charset="0"/>
+                                  </a:rPr>
+                                  <m:t>𝑢</m:t>
+                                </m:r>
+                              </m:e>
+                              <m:sub>
+                                <m:r>
+                                  <a:rPr lang="it-IT" sz="2400" b="0" i="1" smtClean="0">
+                                    <a:latin typeface="Cambria Math" panose="02040503050406030204" pitchFamily="18" charset="0"/>
+                                  </a:rPr>
+                                  <m:t>0</m:t>
+                                </m:r>
+                              </m:sub>
+                            </m:sSub>
+                          </m:e>
+                        </m:eqArr>
+                      </m:e>
+                    </m:d>
+                  </m:oMath>
+                </a14:m>
+                <a:r>
+                  <a:rPr lang="it-IT" sz="2400" noProof="0" dirty="0">
+                    <a:latin typeface="Arial" panose="020B0604020202020204" pitchFamily="34" charset="0"/>
+                    <a:cs typeface="Arial" panose="020B0604020202020204" pitchFamily="34" charset="0"/>
+                  </a:rPr>
+                  <a:t>	</a:t>
+                </a:r>
+                <a:r>
+                  <a:rPr lang="it-IT" sz="2400" noProof="0" dirty="0">
+                    <a:cs typeface="Arial" panose="020B0604020202020204" pitchFamily="34" charset="0"/>
+                  </a:rPr>
+                  <a:t> </a:t>
+                </a:r>
+                <a14:m>
+                  <m:oMath xmlns:m="http://schemas.openxmlformats.org/officeDocument/2006/math">
+                    <m:sSub>
+                      <m:sSubPr>
+                        <m:ctrlPr>
+                          <a:rPr lang="it-IT" sz="2400" i="1" noProof="0" smtClean="0">
+                            <a:latin typeface="Cambria Math" panose="02040503050406030204" pitchFamily="18" charset="0"/>
+                            <a:cs typeface="Arial" panose="020B0604020202020204" pitchFamily="34" charset="0"/>
+                          </a:rPr>
+                        </m:ctrlPr>
+                      </m:sSubPr>
+                      <m:e>
+                        <m:r>
+                          <a:rPr lang="it-IT" sz="2400" b="0" i="1" noProof="0" smtClean="0">
+                            <a:latin typeface="Cambria Math" panose="02040503050406030204" pitchFamily="18" charset="0"/>
+                            <a:cs typeface="Arial" panose="020B0604020202020204" pitchFamily="34" charset="0"/>
+                          </a:rPr>
+                          <m:t>𝑤</m:t>
+                        </m:r>
+                      </m:e>
+                      <m:sub>
+                        <m:r>
+                          <a:rPr lang="it-IT" sz="2400" b="0" i="1" noProof="0" smtClean="0">
+                            <a:latin typeface="Cambria Math" panose="02040503050406030204" pitchFamily="18" charset="0"/>
+                            <a:cs typeface="Arial" panose="020B0604020202020204" pitchFamily="34" charset="0"/>
+                          </a:rPr>
+                          <m:t>𝑝</m:t>
+                        </m:r>
+                      </m:sub>
+                    </m:sSub>
+                    <m:r>
+                      <a:rPr lang="it-IT" sz="2400" b="0" i="1" noProof="0" smtClean="0">
+                        <a:latin typeface="Cambria Math" panose="02040503050406030204" pitchFamily="18" charset="0"/>
+                        <a:cs typeface="Arial" panose="020B0604020202020204" pitchFamily="34" charset="0"/>
+                      </a:rPr>
+                      <m:t>=</m:t>
+                    </m:r>
+                    <m:d>
+                      <m:dPr>
+                        <m:ctrlPr>
+                          <a:rPr lang="it-IT" sz="2400" b="0" i="1" noProof="0" smtClean="0">
+                            <a:latin typeface="Cambria Math" panose="02040503050406030204" pitchFamily="18" charset="0"/>
+                            <a:cs typeface="Arial" panose="020B0604020202020204" pitchFamily="34" charset="0"/>
+                          </a:rPr>
+                        </m:ctrlPr>
+                      </m:dPr>
+                      <m:e>
+                        <m:eqArr>
+                          <m:eqArrPr>
+                            <m:ctrlPr>
+                              <a:rPr lang="it-IT" sz="2400" b="0" i="1" smtClean="0">
+                                <a:latin typeface="Cambria Math" panose="02040503050406030204" pitchFamily="18" charset="0"/>
+                              </a:rPr>
+                            </m:ctrlPr>
+                          </m:eqArrPr>
+                          <m:e>
+                            <m:sSub>
+                              <m:sSubPr>
+                                <m:ctrlPr>
+                                  <a:rPr lang="it-IT" sz="1800" i="1" noProof="0" smtClean="0">
+                                    <a:latin typeface="Cambria Math" panose="02040503050406030204" pitchFamily="18" charset="0"/>
+                                    <a:cs typeface="Arial" panose="020B0604020202020204" pitchFamily="34" charset="0"/>
+                                  </a:rPr>
+                                </m:ctrlPr>
+                              </m:sSubPr>
+                              <m:e>
+                                <m:r>
+                                  <a:rPr lang="it-IT" sz="1800" b="0" i="1" noProof="0" smtClean="0">
+                                    <a:latin typeface="Cambria Math" panose="02040503050406030204" pitchFamily="18" charset="0"/>
+                                    <a:cs typeface="Arial" panose="020B0604020202020204" pitchFamily="34" charset="0"/>
+                                  </a:rPr>
+                                  <m:t>𝑦</m:t>
+                                </m:r>
+                              </m:e>
+                              <m:sub>
+                                <m:r>
+                                  <a:rPr lang="it-IT" sz="1800" b="0" i="1" noProof="0" smtClean="0">
+                                    <a:latin typeface="Cambria Math" panose="02040503050406030204" pitchFamily="18" charset="0"/>
+                                    <a:cs typeface="Arial" panose="020B0604020202020204" pitchFamily="34" charset="0"/>
+                                  </a:rPr>
+                                  <m:t>𝑝</m:t>
+                                </m:r>
+                              </m:sub>
+                            </m:sSub>
+                          </m:e>
+                          <m:e>
+                            <m:sSub>
+                              <m:sSubPr>
+                                <m:ctrlPr>
+                                  <a:rPr lang="it-IT" sz="1800" i="1" noProof="0" smtClean="0">
+                                    <a:latin typeface="Cambria Math" panose="02040503050406030204" pitchFamily="18" charset="0"/>
+                                    <a:cs typeface="Arial" panose="020B0604020202020204" pitchFamily="34" charset="0"/>
+                                  </a:rPr>
+                                </m:ctrlPr>
+                              </m:sSubPr>
+                              <m:e>
+                                <m:r>
+                                  <a:rPr lang="it-IT" sz="1800" b="0" i="1" noProof="0" smtClean="0">
+                                    <a:latin typeface="Cambria Math" panose="02040503050406030204" pitchFamily="18" charset="0"/>
+                                    <a:cs typeface="Arial" panose="020B0604020202020204" pitchFamily="34" charset="0"/>
+                                  </a:rPr>
+                                  <m:t>𝑢</m:t>
+                                </m:r>
+                              </m:e>
+                              <m:sub>
+                                <m:r>
+                                  <a:rPr lang="it-IT" sz="1800" b="0" i="1" noProof="0" smtClean="0">
+                                    <a:latin typeface="Cambria Math" panose="02040503050406030204" pitchFamily="18" charset="0"/>
+                                    <a:cs typeface="Arial" panose="020B0604020202020204" pitchFamily="34" charset="0"/>
+                                  </a:rPr>
+                                  <m:t>𝑝</m:t>
+                                </m:r>
+                              </m:sub>
+                            </m:sSub>
+                          </m:e>
+                        </m:eqArr>
+                      </m:e>
+                    </m:d>
+                  </m:oMath>
+                </a14:m>
+                <a:endParaRPr lang="it-IT" sz="2400" noProof="0" dirty="0">
+                  <a:latin typeface="Arial" panose="020B0604020202020204" pitchFamily="34" charset="0"/>
+                  <a:cs typeface="Arial" panose="020B0604020202020204" pitchFamily="34" charset="0"/>
+                </a:endParaRPr>
+              </a:p>
+              <a:p>
+                <a:pPr algn="just"/>
+                <a:endParaRPr lang="it-IT" sz="2400" dirty="0">
+                  <a:latin typeface="Arial" panose="020B0604020202020204" pitchFamily="34" charset="0"/>
+                  <a:cs typeface="Arial" panose="020B0604020202020204" pitchFamily="34" charset="0"/>
+                </a:endParaRPr>
+              </a:p>
+              <a:p>
+                <a:pPr algn="just"/>
+                <a:r>
+                  <a:rPr lang="it-IT" sz="2400" noProof="0" dirty="0" err="1">
+                    <a:latin typeface="Arial" panose="020B0604020202020204" pitchFamily="34" charset="0"/>
+                    <a:cs typeface="Arial" panose="020B0604020202020204" pitchFamily="34" charset="0"/>
+                  </a:rPr>
+                  <a:t>Where</a:t>
+                </a:r>
+                <a:r>
+                  <a:rPr lang="it-IT" sz="2400" noProof="0" dirty="0">
+                    <a:latin typeface="Arial" panose="020B0604020202020204" pitchFamily="34" charset="0"/>
+                    <a:cs typeface="Arial" panose="020B0604020202020204" pitchFamily="34" charset="0"/>
+                  </a:rPr>
+                  <a:t> M, </a:t>
+                </a:r>
+                <a:r>
+                  <a:rPr lang="it-IT" sz="2400" noProof="0" dirty="0" err="1">
+                    <a:latin typeface="Arial" panose="020B0604020202020204" pitchFamily="34" charset="0"/>
+                    <a:cs typeface="Arial" panose="020B0604020202020204" pitchFamily="34" charset="0"/>
+                  </a:rPr>
+                  <a:t>as</a:t>
+                </a:r>
+                <a:r>
+                  <a:rPr lang="it-IT" sz="2400" noProof="0" dirty="0">
+                    <a:latin typeface="Arial" panose="020B0604020202020204" pitchFamily="34" charset="0"/>
+                    <a:cs typeface="Arial" panose="020B0604020202020204" pitchFamily="34" charset="0"/>
+                  </a:rPr>
+                  <a:t> </a:t>
+                </a:r>
+                <a:r>
+                  <a:rPr lang="it-IT" sz="2400" noProof="0" dirty="0" err="1">
+                    <a:latin typeface="Arial" panose="020B0604020202020204" pitchFamily="34" charset="0"/>
+                    <a:cs typeface="Arial" panose="020B0604020202020204" pitchFamily="34" charset="0"/>
+                  </a:rPr>
+                  <a:t>defined</a:t>
+                </a:r>
+                <a:r>
+                  <a:rPr lang="it-IT" sz="2400" noProof="0" dirty="0">
+                    <a:latin typeface="Arial" panose="020B0604020202020204" pitchFamily="34" charset="0"/>
+                    <a:cs typeface="Arial" panose="020B0604020202020204" pitchFamily="34" charset="0"/>
+                  </a:rPr>
+                  <a:t> </a:t>
+                </a:r>
+                <a:r>
+                  <a:rPr lang="it-IT" sz="2400" noProof="0" dirty="0" err="1">
+                    <a:latin typeface="Arial" panose="020B0604020202020204" pitchFamily="34" charset="0"/>
+                    <a:cs typeface="Arial" panose="020B0604020202020204" pitchFamily="34" charset="0"/>
+                  </a:rPr>
+                  <a:t>previously</a:t>
+                </a:r>
+                <a:r>
+                  <a:rPr lang="it-IT" sz="2400" noProof="0" dirty="0">
+                    <a:latin typeface="Arial" panose="020B0604020202020204" pitchFamily="34" charset="0"/>
+                    <a:cs typeface="Arial" panose="020B0604020202020204" pitchFamily="34" charset="0"/>
+                  </a:rPr>
+                  <a:t>, </a:t>
+                </a:r>
+                <a:r>
+                  <a:rPr lang="it-IT" sz="2400" noProof="0" dirty="0" err="1">
+                    <a:latin typeface="Arial" panose="020B0604020202020204" pitchFamily="34" charset="0"/>
+                    <a:cs typeface="Arial" panose="020B0604020202020204" pitchFamily="34" charset="0"/>
+                  </a:rPr>
+                  <a:t>is</a:t>
+                </a:r>
+                <a:r>
+                  <a:rPr lang="it-IT" sz="2400" noProof="0" dirty="0">
+                    <a:latin typeface="Arial" panose="020B0604020202020204" pitchFamily="34" charset="0"/>
+                    <a:cs typeface="Arial" panose="020B0604020202020204" pitchFamily="34" charset="0"/>
+                  </a:rPr>
+                  <a:t> the </a:t>
+                </a:r>
+                <a:r>
+                  <a:rPr lang="it-IT" sz="2400" noProof="0" dirty="0" err="1">
+                    <a:latin typeface="Arial" panose="020B0604020202020204" pitchFamily="34" charset="0"/>
+                    <a:cs typeface="Arial" panose="020B0604020202020204" pitchFamily="34" charset="0"/>
+                  </a:rPr>
+                  <a:t>number</a:t>
+                </a:r>
+                <a:r>
+                  <a:rPr lang="it-IT" sz="2400" noProof="0" dirty="0">
+                    <a:latin typeface="Arial" panose="020B0604020202020204" pitchFamily="34" charset="0"/>
+                    <a:cs typeface="Arial" panose="020B0604020202020204" pitchFamily="34" charset="0"/>
+                  </a:rPr>
+                  <a:t> of </a:t>
+                </a:r>
+                <a:r>
+                  <a:rPr lang="it-IT" sz="2400" noProof="0" dirty="0" err="1">
+                    <a:latin typeface="Arial" panose="020B0604020202020204" pitchFamily="34" charset="0"/>
+                    <a:cs typeface="Arial" panose="020B0604020202020204" pitchFamily="34" charset="0"/>
+                  </a:rPr>
+                  <a:t>past</a:t>
+                </a:r>
+                <a:r>
+                  <a:rPr lang="it-IT" sz="2400" noProof="0" dirty="0">
+                    <a:latin typeface="Arial" panose="020B0604020202020204" pitchFamily="34" charset="0"/>
+                    <a:cs typeface="Arial" panose="020B0604020202020204" pitchFamily="34" charset="0"/>
+                  </a:rPr>
+                  <a:t> data points.</a:t>
+                </a:r>
+              </a:p>
+              <a:p>
+                <a:pPr algn="just"/>
+                <a:r>
+                  <a:rPr lang="it-IT" sz="2400" dirty="0">
+                    <a:latin typeface="Arial" panose="020B0604020202020204" pitchFamily="34" charset="0"/>
+                    <a:cs typeface="Arial" panose="020B0604020202020204" pitchFamily="34" charset="0"/>
+                  </a:rPr>
+                  <a:t>The cost </a:t>
+                </a:r>
+                <a:r>
+                  <a:rPr lang="it-IT" sz="2400" dirty="0" err="1">
+                    <a:latin typeface="Arial" panose="020B0604020202020204" pitchFamily="34" charset="0"/>
+                    <a:cs typeface="Arial" panose="020B0604020202020204" pitchFamily="34" charset="0"/>
+                  </a:rPr>
+                  <a:t>function</a:t>
+                </a:r>
+                <a:r>
+                  <a:rPr lang="it-IT" sz="2400" dirty="0">
+                    <a:latin typeface="Arial" panose="020B0604020202020204" pitchFamily="34" charset="0"/>
+                    <a:cs typeface="Arial" panose="020B0604020202020204" pitchFamily="34" charset="0"/>
+                  </a:rPr>
+                  <a:t> J can </a:t>
+                </a:r>
+                <a:r>
+                  <a:rPr lang="it-IT" sz="2400" dirty="0" err="1">
+                    <a:latin typeface="Arial" panose="020B0604020202020204" pitchFamily="34" charset="0"/>
+                    <a:cs typeface="Arial" panose="020B0604020202020204" pitchFamily="34" charset="0"/>
+                  </a:rPr>
+                  <a:t>now</a:t>
+                </a:r>
+                <a:r>
+                  <a:rPr lang="it-IT" sz="2400" dirty="0">
+                    <a:latin typeface="Arial" panose="020B0604020202020204" pitchFamily="34" charset="0"/>
+                    <a:cs typeface="Arial" panose="020B0604020202020204" pitchFamily="34" charset="0"/>
+                  </a:rPr>
+                  <a:t> be </a:t>
+                </a:r>
+                <a:r>
+                  <a:rPr lang="it-IT" sz="2400" dirty="0" err="1">
+                    <a:latin typeface="Arial" panose="020B0604020202020204" pitchFamily="34" charset="0"/>
+                    <a:cs typeface="Arial" panose="020B0604020202020204" pitchFamily="34" charset="0"/>
+                  </a:rPr>
+                  <a:t>rewritten</a:t>
+                </a:r>
+                <a:r>
+                  <a:rPr lang="it-IT" sz="2400" dirty="0">
+                    <a:latin typeface="Arial" panose="020B0604020202020204" pitchFamily="34" charset="0"/>
+                    <a:cs typeface="Arial" panose="020B0604020202020204" pitchFamily="34" charset="0"/>
+                  </a:rPr>
+                  <a:t> </a:t>
+                </a:r>
+                <a:r>
+                  <a:rPr lang="it-IT" sz="2400" dirty="0" err="1">
+                    <a:latin typeface="Arial" panose="020B0604020202020204" pitchFamily="34" charset="0"/>
+                    <a:cs typeface="Arial" panose="020B0604020202020204" pitchFamily="34" charset="0"/>
+                  </a:rPr>
+                  <a:t>as</a:t>
+                </a:r>
+                <a:endParaRPr lang="it-IT" sz="2400" dirty="0">
+                  <a:latin typeface="Arial" panose="020B0604020202020204" pitchFamily="34" charset="0"/>
+                  <a:cs typeface="Arial" panose="020B0604020202020204" pitchFamily="34" charset="0"/>
+                </a:endParaRPr>
+              </a:p>
+              <a:p>
+                <a:pPr algn="just"/>
+                <a:endParaRPr lang="it-IT" sz="2400" dirty="0">
+                  <a:latin typeface="Arial" panose="020B0604020202020204" pitchFamily="34" charset="0"/>
+                  <a:cs typeface="Arial" panose="020B0604020202020204" pitchFamily="34" charset="0"/>
+                </a:endParaRPr>
+              </a:p>
+              <a:p>
+                <a:pPr algn="just"/>
+                <a14:m>
+                  <m:oMathPara xmlns:m="http://schemas.openxmlformats.org/officeDocument/2006/math">
+                    <m:oMathParaPr>
+                      <m:jc m:val="centerGroup"/>
+                    </m:oMathParaPr>
+                    <m:oMath xmlns:m="http://schemas.openxmlformats.org/officeDocument/2006/math">
+                      <m:r>
+                        <a:rPr lang="it-IT" sz="2000" b="0" i="1" smtClean="0">
+                          <a:latin typeface="Cambria Math" panose="02040503050406030204" pitchFamily="18" charset="0"/>
+                          <a:cs typeface="Arial" panose="020B0604020202020204" pitchFamily="34" charset="0"/>
+                        </a:rPr>
+                        <m:t>𝐽</m:t>
+                      </m:r>
+                      <m:r>
+                        <a:rPr lang="it-IT" sz="2000" b="0" i="1" smtClean="0">
+                          <a:latin typeface="Cambria Math" panose="02040503050406030204" pitchFamily="18" charset="0"/>
+                          <a:cs typeface="Arial" panose="020B0604020202020204" pitchFamily="34" charset="0"/>
+                        </a:rPr>
+                        <m:t>=</m:t>
+                      </m:r>
+                      <m:sSup>
+                        <m:sSupPr>
+                          <m:ctrlPr>
+                            <a:rPr lang="it-IT" sz="2000" b="0" i="1" smtClean="0">
+                              <a:latin typeface="Cambria Math" panose="02040503050406030204" pitchFamily="18" charset="0"/>
+                              <a:cs typeface="Arial" panose="020B0604020202020204" pitchFamily="34" charset="0"/>
+                            </a:rPr>
+                          </m:ctrlPr>
+                        </m:sSupPr>
+                        <m:e>
+                          <m:r>
+                            <a:rPr lang="it-IT" sz="2000" b="0" i="1" smtClean="0">
+                              <a:latin typeface="Cambria Math" panose="02040503050406030204" pitchFamily="18" charset="0"/>
+                              <a:cs typeface="Arial" panose="020B0604020202020204" pitchFamily="34" charset="0"/>
+                            </a:rPr>
+                            <m:t>(</m:t>
+                          </m:r>
+                          <m:sSubSup>
+                            <m:sSubSupPr>
+                              <m:ctrlPr>
+                                <a:rPr lang="it-IT" sz="2000" b="0" i="1" smtClean="0">
+                                  <a:latin typeface="Cambria Math" panose="02040503050406030204" pitchFamily="18" charset="0"/>
+                                  <a:cs typeface="Arial" panose="020B0604020202020204" pitchFamily="34" charset="0"/>
+                                </a:rPr>
+                              </m:ctrlPr>
+                            </m:sSubSupPr>
+                            <m:e>
+                              <m:r>
+                                <a:rPr lang="it-IT" sz="2000" b="0" i="1" smtClean="0">
+                                  <a:latin typeface="Cambria Math" panose="02040503050406030204" pitchFamily="18" charset="0"/>
+                                  <a:cs typeface="Arial" panose="020B0604020202020204" pitchFamily="34" charset="0"/>
+                                </a:rPr>
+                                <m:t>𝐿</m:t>
+                              </m:r>
+                            </m:e>
+                            <m:sub>
+                              <m:r>
+                                <a:rPr lang="it-IT" sz="1600" b="0" i="1" smtClean="0">
+                                  <a:latin typeface="Cambria Math" panose="02040503050406030204" pitchFamily="18" charset="0"/>
+                                </a:rPr>
+                                <m:t>𝑤</m:t>
+                              </m:r>
+                            </m:sub>
+                            <m:sup/>
+                          </m:sSubSup>
+                          <m:sSubSup>
+                            <m:sSubSupPr>
+                              <m:ctrlPr>
+                                <a:rPr lang="it-IT" sz="1600" i="1" smtClean="0">
+                                  <a:latin typeface="Cambria Math" panose="02040503050406030204" pitchFamily="18" charset="0"/>
+                                </a:rPr>
+                              </m:ctrlPr>
+                            </m:sSubSupPr>
+                            <m:e>
+                              <m:r>
+                                <a:rPr lang="it-IT" sz="1600" b="0" i="1" smtClean="0">
+                                  <a:latin typeface="Cambria Math" panose="02040503050406030204" pitchFamily="18" charset="0"/>
+                                </a:rPr>
+                                <m:t>𝑤</m:t>
+                              </m:r>
+                            </m:e>
+                            <m:sub>
+                              <m:r>
+                                <a:rPr lang="it-IT" sz="1600" b="0" i="1" smtClean="0">
+                                  <a:latin typeface="Cambria Math" panose="02040503050406030204" pitchFamily="18" charset="0"/>
+                                </a:rPr>
+                                <m:t>𝑝</m:t>
+                              </m:r>
+                            </m:sub>
+                            <m:sup/>
+                          </m:sSubSup>
+                          <m:r>
+                            <a:rPr lang="it-IT" sz="1600" b="0" i="1" smtClean="0">
+                              <a:latin typeface="Cambria Math" panose="02040503050406030204" pitchFamily="18" charset="0"/>
+                            </a:rPr>
+                            <m:t>+</m:t>
+                          </m:r>
+                          <m:sSubSup>
+                            <m:sSubSupPr>
+                              <m:ctrlPr>
+                                <a:rPr lang="it-IT" sz="1600" b="0" i="1" smtClean="0">
+                                  <a:latin typeface="Cambria Math" panose="02040503050406030204" pitchFamily="18" charset="0"/>
+                                </a:rPr>
+                              </m:ctrlPr>
+                            </m:sSubSupPr>
+                            <m:e>
+                              <m:r>
+                                <a:rPr lang="it-IT" sz="1600" b="0" i="1" smtClean="0">
+                                  <a:latin typeface="Cambria Math" panose="02040503050406030204" pitchFamily="18" charset="0"/>
+                                </a:rPr>
+                                <m:t>𝐿</m:t>
+                              </m:r>
+                            </m:e>
+                            <m:sub>
+                              <m:r>
+                                <a:rPr lang="it-IT" sz="1600" b="0" i="1" smtClean="0">
+                                  <a:latin typeface="Cambria Math" panose="02040503050406030204" pitchFamily="18" charset="0"/>
+                                </a:rPr>
+                                <m:t>𝑢</m:t>
+                              </m:r>
+                            </m:sub>
+                            <m:sup/>
+                          </m:sSubSup>
+                          <m:sSubSup>
+                            <m:sSubSupPr>
+                              <m:ctrlPr>
+                                <a:rPr lang="it-IT" sz="1600" i="1" smtClean="0">
+                                  <a:latin typeface="Cambria Math" panose="02040503050406030204" pitchFamily="18" charset="0"/>
+                                </a:rPr>
+                              </m:ctrlPr>
+                            </m:sSubSupPr>
+                            <m:e>
+                              <m:r>
+                                <a:rPr lang="it-IT" sz="1600" b="0" i="1" smtClean="0">
+                                  <a:latin typeface="Cambria Math" panose="02040503050406030204" pitchFamily="18" charset="0"/>
+                                </a:rPr>
+                                <m:t>𝑢</m:t>
+                              </m:r>
+                            </m:e>
+                            <m:sub>
+                              <m:r>
+                                <a:rPr lang="it-IT" sz="1600" b="0" i="1" smtClean="0">
+                                  <a:latin typeface="Cambria Math" panose="02040503050406030204" pitchFamily="18" charset="0"/>
+                                </a:rPr>
+                                <m:t>𝑓</m:t>
+                              </m:r>
+                            </m:sub>
+                            <m:sup/>
+                          </m:sSubSup>
+                          <m:r>
+                            <a:rPr lang="it-IT" sz="1600" b="0" i="1" smtClean="0">
+                              <a:latin typeface="Cambria Math" panose="02040503050406030204" pitchFamily="18" charset="0"/>
+                            </a:rPr>
+                            <m:t>−</m:t>
+                          </m:r>
+                          <m:sSubSup>
+                            <m:sSubSupPr>
+                              <m:ctrlPr>
+                                <a:rPr lang="it-IT" sz="1600" b="0" i="1" smtClean="0">
+                                  <a:latin typeface="Cambria Math" panose="02040503050406030204" pitchFamily="18" charset="0"/>
+                                </a:rPr>
+                              </m:ctrlPr>
+                            </m:sSubSupPr>
+                            <m:e>
+                              <m:r>
+                                <a:rPr lang="it-IT" sz="1600" b="0" i="1" smtClean="0">
+                                  <a:latin typeface="Cambria Math" panose="02040503050406030204" pitchFamily="18" charset="0"/>
+                                </a:rPr>
+                                <m:t>𝑟</m:t>
+                              </m:r>
+                            </m:e>
+                            <m:sub>
+                              <m:r>
+                                <a:rPr lang="it-IT" sz="1600" b="0" i="1" smtClean="0">
+                                  <a:latin typeface="Cambria Math" panose="02040503050406030204" pitchFamily="18" charset="0"/>
+                                </a:rPr>
+                                <m:t>𝑓</m:t>
+                              </m:r>
+                            </m:sub>
+                            <m:sup/>
+                          </m:sSubSup>
+                          <m:r>
+                            <a:rPr lang="it-IT" sz="2000" b="0" i="1" smtClean="0">
+                              <a:latin typeface="Cambria Math" panose="02040503050406030204" pitchFamily="18" charset="0"/>
+                              <a:cs typeface="Arial" panose="020B0604020202020204" pitchFamily="34" charset="0"/>
+                            </a:rPr>
+                            <m:t>)</m:t>
+                          </m:r>
+                        </m:e>
+                        <m:sup>
+                          <m:r>
+                            <a:rPr lang="it-IT" sz="2000" b="0" i="1" smtClean="0">
+                              <a:latin typeface="Cambria Math" panose="02040503050406030204" pitchFamily="18" charset="0"/>
+                              <a:cs typeface="Arial" panose="020B0604020202020204" pitchFamily="34" charset="0"/>
+                            </a:rPr>
+                            <m:t>𝑇</m:t>
+                          </m:r>
+                        </m:sup>
+                      </m:sSup>
+                      <m:r>
+                        <a:rPr lang="it-IT" sz="2000" b="0" i="1" smtClean="0">
+                          <a:latin typeface="Cambria Math" panose="02040503050406030204" pitchFamily="18" charset="0"/>
+                          <a:cs typeface="Arial" panose="020B0604020202020204" pitchFamily="34" charset="0"/>
+                        </a:rPr>
+                        <m:t>𝑄</m:t>
+                      </m:r>
+                      <m:r>
+                        <a:rPr lang="it-IT" sz="2000" b="0" i="1" smtClean="0">
+                          <a:latin typeface="Cambria Math" panose="02040503050406030204" pitchFamily="18" charset="0"/>
+                          <a:cs typeface="Arial" panose="020B0604020202020204" pitchFamily="34" charset="0"/>
+                        </a:rPr>
+                        <m:t>(</m:t>
+                      </m:r>
+                      <m:sSubSup>
+                        <m:sSubSupPr>
+                          <m:ctrlPr>
+                            <a:rPr lang="it-IT" sz="2800" b="0" i="1" smtClean="0">
+                              <a:latin typeface="Cambria Math" panose="02040503050406030204" pitchFamily="18" charset="0"/>
+                              <a:cs typeface="Arial" panose="020B0604020202020204" pitchFamily="34" charset="0"/>
+                            </a:rPr>
+                          </m:ctrlPr>
+                        </m:sSubSupPr>
+                        <m:e>
+                          <m:r>
+                            <a:rPr lang="it-IT" sz="2800" b="0" i="1" smtClean="0">
+                              <a:latin typeface="Cambria Math" panose="02040503050406030204" pitchFamily="18" charset="0"/>
+                              <a:cs typeface="Arial" panose="020B0604020202020204" pitchFamily="34" charset="0"/>
+                            </a:rPr>
+                            <m:t>𝐿</m:t>
+                          </m:r>
+                        </m:e>
+                        <m:sub>
+                          <m:r>
+                            <a:rPr lang="it-IT" sz="2000" b="0" i="1" smtClean="0">
+                              <a:latin typeface="Cambria Math" panose="02040503050406030204" pitchFamily="18" charset="0"/>
+                            </a:rPr>
+                            <m:t>𝑤</m:t>
+                          </m:r>
+                        </m:sub>
+                        <m:sup/>
+                      </m:sSubSup>
+                      <m:sSubSup>
+                        <m:sSubSupPr>
+                          <m:ctrlPr>
+                            <a:rPr lang="it-IT" sz="2000" i="1" smtClean="0">
+                              <a:latin typeface="Cambria Math" panose="02040503050406030204" pitchFamily="18" charset="0"/>
+                            </a:rPr>
+                          </m:ctrlPr>
+                        </m:sSubSupPr>
+                        <m:e>
+                          <m:r>
+                            <a:rPr lang="it-IT" sz="2000" b="0" i="1" smtClean="0">
+                              <a:latin typeface="Cambria Math" panose="02040503050406030204" pitchFamily="18" charset="0"/>
+                            </a:rPr>
+                            <m:t>𝑤</m:t>
+                          </m:r>
+                        </m:e>
+                        <m:sub>
+                          <m:r>
+                            <a:rPr lang="it-IT" sz="2000" b="0" i="1" smtClean="0">
+                              <a:latin typeface="Cambria Math" panose="02040503050406030204" pitchFamily="18" charset="0"/>
+                            </a:rPr>
+                            <m:t>𝑝</m:t>
+                          </m:r>
+                        </m:sub>
+                        <m:sup/>
+                      </m:sSubSup>
+                      <m:r>
+                        <a:rPr lang="it-IT" sz="2000" b="0" i="1" smtClean="0">
+                          <a:latin typeface="Cambria Math" panose="02040503050406030204" pitchFamily="18" charset="0"/>
+                        </a:rPr>
+                        <m:t>+</m:t>
+                      </m:r>
+                      <m:sSubSup>
+                        <m:sSubSupPr>
+                          <m:ctrlPr>
+                            <a:rPr lang="it-IT" sz="2000" b="0" i="1" smtClean="0">
+                              <a:latin typeface="Cambria Math" panose="02040503050406030204" pitchFamily="18" charset="0"/>
+                            </a:rPr>
+                          </m:ctrlPr>
+                        </m:sSubSupPr>
+                        <m:e>
+                          <m:r>
+                            <a:rPr lang="it-IT" sz="2000" b="0" i="1" smtClean="0">
+                              <a:latin typeface="Cambria Math" panose="02040503050406030204" pitchFamily="18" charset="0"/>
+                            </a:rPr>
+                            <m:t>𝐿</m:t>
+                          </m:r>
+                        </m:e>
+                        <m:sub>
+                          <m:r>
+                            <a:rPr lang="it-IT" sz="2000" b="0" i="1" smtClean="0">
+                              <a:latin typeface="Cambria Math" panose="02040503050406030204" pitchFamily="18" charset="0"/>
+                            </a:rPr>
+                            <m:t>𝑢</m:t>
+                          </m:r>
+                        </m:sub>
+                        <m:sup/>
+                      </m:sSubSup>
+                      <m:sSubSup>
+                        <m:sSubSupPr>
+                          <m:ctrlPr>
+                            <a:rPr lang="it-IT" sz="2000" i="1" smtClean="0">
+                              <a:latin typeface="Cambria Math" panose="02040503050406030204" pitchFamily="18" charset="0"/>
+                            </a:rPr>
+                          </m:ctrlPr>
+                        </m:sSubSupPr>
+                        <m:e>
+                          <m:r>
+                            <a:rPr lang="it-IT" sz="2000" b="0" i="1" smtClean="0">
+                              <a:latin typeface="Cambria Math" panose="02040503050406030204" pitchFamily="18" charset="0"/>
+                            </a:rPr>
+                            <m:t>𝑢</m:t>
+                          </m:r>
+                        </m:e>
+                        <m:sub>
+                          <m:r>
+                            <a:rPr lang="it-IT" sz="2000" b="0" i="1" smtClean="0">
+                              <a:latin typeface="Cambria Math" panose="02040503050406030204" pitchFamily="18" charset="0"/>
+                            </a:rPr>
+                            <m:t>𝑓</m:t>
+                          </m:r>
+                        </m:sub>
+                        <m:sup/>
+                      </m:sSubSup>
+                      <m:r>
+                        <a:rPr lang="it-IT" sz="2000" b="0" i="1" smtClean="0">
+                          <a:latin typeface="Cambria Math" panose="02040503050406030204" pitchFamily="18" charset="0"/>
+                        </a:rPr>
+                        <m:t>−</m:t>
+                      </m:r>
+                      <m:sSubSup>
+                        <m:sSubSupPr>
+                          <m:ctrlPr>
+                            <a:rPr lang="it-IT" sz="2000" b="0" i="1" smtClean="0">
+                              <a:latin typeface="Cambria Math" panose="02040503050406030204" pitchFamily="18" charset="0"/>
+                            </a:rPr>
+                          </m:ctrlPr>
+                        </m:sSubSupPr>
+                        <m:e>
+                          <m:r>
+                            <a:rPr lang="it-IT" sz="2000" b="0" i="1" smtClean="0">
+                              <a:latin typeface="Cambria Math" panose="02040503050406030204" pitchFamily="18" charset="0"/>
+                            </a:rPr>
+                            <m:t>𝑟</m:t>
+                          </m:r>
+                        </m:e>
+                        <m:sub>
+                          <m:r>
+                            <a:rPr lang="it-IT" sz="2000" b="0" i="1" smtClean="0">
+                              <a:latin typeface="Cambria Math" panose="02040503050406030204" pitchFamily="18" charset="0"/>
+                            </a:rPr>
+                            <m:t>𝑓</m:t>
+                          </m:r>
+                        </m:sub>
+                        <m:sup/>
+                      </m:sSubSup>
+                      <m:r>
+                        <a:rPr lang="it-IT" sz="2000" b="0" i="1" smtClean="0">
+                          <a:latin typeface="Cambria Math" panose="02040503050406030204" pitchFamily="18" charset="0"/>
+                          <a:cs typeface="Arial" panose="020B0604020202020204" pitchFamily="34" charset="0"/>
+                        </a:rPr>
+                        <m:t>)</m:t>
+                      </m:r>
+                      <m:r>
+                        <a:rPr lang="it-IT" sz="2000" b="0" i="1" smtClean="0">
+                          <a:latin typeface="Cambria Math" panose="02040503050406030204" pitchFamily="18" charset="0"/>
+                          <a:cs typeface="Arial" panose="020B0604020202020204" pitchFamily="34" charset="0"/>
+                        </a:rPr>
+                        <m:t>+</m:t>
+                      </m:r>
+                      <m:sSubSup>
+                        <m:sSubSupPr>
+                          <m:ctrlPr>
+                            <a:rPr lang="it-IT" sz="2000" b="0" i="1" smtClean="0">
+                              <a:latin typeface="Cambria Math" panose="02040503050406030204" pitchFamily="18" charset="0"/>
+                              <a:cs typeface="Arial" panose="020B0604020202020204" pitchFamily="34" charset="0"/>
+                            </a:rPr>
+                          </m:ctrlPr>
+                        </m:sSubSupPr>
+                        <m:e>
+                          <m:r>
+                            <a:rPr lang="it-IT" sz="2000" b="0" i="1" smtClean="0">
+                              <a:latin typeface="Cambria Math" panose="02040503050406030204" pitchFamily="18" charset="0"/>
+                              <a:cs typeface="Arial" panose="020B0604020202020204" pitchFamily="34" charset="0"/>
+                            </a:rPr>
+                            <m:t>𝑢</m:t>
+                          </m:r>
+                        </m:e>
+                        <m:sub>
+                          <m:r>
+                            <a:rPr lang="it-IT" sz="2000" b="0" i="1" smtClean="0">
+                              <a:latin typeface="Cambria Math" panose="02040503050406030204" pitchFamily="18" charset="0"/>
+                              <a:cs typeface="Arial" panose="020B0604020202020204" pitchFamily="34" charset="0"/>
+                            </a:rPr>
+                            <m:t>𝑓</m:t>
+                          </m:r>
+                        </m:sub>
+                        <m:sup>
+                          <m:r>
+                            <a:rPr lang="it-IT" sz="2000" b="0" i="1" smtClean="0">
+                              <a:latin typeface="Cambria Math" panose="02040503050406030204" pitchFamily="18" charset="0"/>
+                              <a:cs typeface="Arial" panose="020B0604020202020204" pitchFamily="34" charset="0"/>
+                            </a:rPr>
+                            <m:t>𝑇</m:t>
+                          </m:r>
+                        </m:sup>
+                      </m:sSubSup>
+                      <m:r>
+                        <a:rPr lang="it-IT" sz="2000" b="0" i="1" smtClean="0">
+                          <a:latin typeface="Cambria Math" panose="02040503050406030204" pitchFamily="18" charset="0"/>
+                          <a:cs typeface="Arial" panose="020B0604020202020204" pitchFamily="34" charset="0"/>
+                        </a:rPr>
+                        <m:t>𝑅</m:t>
+                      </m:r>
+                      <m:sSub>
+                        <m:sSubPr>
+                          <m:ctrlPr>
+                            <a:rPr lang="it-IT" sz="2000" b="0" i="1" smtClean="0">
+                              <a:latin typeface="Cambria Math" panose="02040503050406030204" pitchFamily="18" charset="0"/>
+                              <a:cs typeface="Arial" panose="020B0604020202020204" pitchFamily="34" charset="0"/>
+                            </a:rPr>
+                          </m:ctrlPr>
+                        </m:sSubPr>
+                        <m:e>
+                          <m:r>
+                            <a:rPr lang="it-IT" sz="2000" b="0" i="1" smtClean="0">
+                              <a:latin typeface="Cambria Math" panose="02040503050406030204" pitchFamily="18" charset="0"/>
+                              <a:cs typeface="Arial" panose="020B0604020202020204" pitchFamily="34" charset="0"/>
+                            </a:rPr>
+                            <m:t>𝑢</m:t>
+                          </m:r>
+                        </m:e>
+                        <m:sub>
+                          <m:r>
+                            <a:rPr lang="it-IT" sz="2000" b="0" i="1" smtClean="0">
+                              <a:latin typeface="Cambria Math" panose="02040503050406030204" pitchFamily="18" charset="0"/>
+                              <a:cs typeface="Arial" panose="020B0604020202020204" pitchFamily="34" charset="0"/>
+                            </a:rPr>
+                            <m:t>𝑓</m:t>
+                          </m:r>
+                        </m:sub>
+                      </m:sSub>
+                    </m:oMath>
+                  </m:oMathPara>
+                </a14:m>
+                <a:endParaRPr lang="it-IT" sz="2800" dirty="0">
+                  <a:latin typeface="Arial" panose="020B0604020202020204" pitchFamily="34" charset="0"/>
+                  <a:cs typeface="Arial" panose="020B0604020202020204" pitchFamily="34" charset="0"/>
+                </a:endParaRPr>
+              </a:p>
+              <a:p>
+                <a:pPr algn="just"/>
+                <a:endParaRPr lang="it-IT" sz="2400" dirty="0">
+                  <a:latin typeface="Arial" panose="020B0604020202020204" pitchFamily="34" charset="0"/>
+                  <a:cs typeface="Arial" panose="020B0604020202020204" pitchFamily="34" charset="0"/>
+                </a:endParaRPr>
+              </a:p>
+            </p:txBody>
+          </p:sp>
+        </mc:Choice>
+        <mc:Fallback>
+          <p:sp>
+            <p:nvSpPr>
+              <p:cNvPr id="2" name="CasellaDiTesto 1">
+                <a:extLst>
+                  <a:ext uri="{FF2B5EF4-FFF2-40B4-BE49-F238E27FC236}">
+                    <a16:creationId xmlns:a16="http://schemas.microsoft.com/office/drawing/2014/main" id="{0367F24C-DB9D-043A-C3E0-240A6426CF81}"/>
+                  </a:ext>
+                </a:extLst>
+              </p:cNvPr>
+              <p:cNvSpPr txBox="1">
+                <a:spLocks noRot="1" noChangeAspect="1" noMove="1" noResize="1" noEditPoints="1" noAdjustHandles="1" noChangeArrowheads="1" noChangeShapeType="1" noTextEdit="1"/>
+              </p:cNvSpPr>
+              <p:nvPr/>
+            </p:nvSpPr>
+            <p:spPr>
+              <a:xfrm>
+                <a:off x="723900" y="1191645"/>
+                <a:ext cx="10744200" cy="4873001"/>
+              </a:xfrm>
+              <a:prstGeom prst="rect">
+                <a:avLst/>
+              </a:prstGeom>
+              <a:blipFill>
+                <a:blip r:embed="rId3"/>
+                <a:stretch>
+                  <a:fillRect l="-908" t="-1000" r="-851"/>
+                </a:stretch>
+              </a:blipFill>
+            </p:spPr>
+            <p:txBody>
+              <a:bodyPr/>
+              <a:lstStyle/>
+              <a:p>
+                <a:r>
+                  <a:rPr lang="it-IT">
+                    <a:noFill/>
+                  </a:rPr>
+                  <a:t> </a:t>
+                </a:r>
+              </a:p>
+            </p:txBody>
+          </p:sp>
+        </mc:Fallback>
+      </mc:AlternateContent>
     </p:spTree>
     <p:extLst>
       <p:ext uri="{BB962C8B-B14F-4D97-AF65-F5344CB8AC3E}">
@@ -2163,7 +4173,7 @@
 </p:sld>
 </file>
 
-<file path=ppt/slides/slide11.xml><?xml version="1.0" encoding="utf-8"?>
+<file path=ppt/slides/slide12.xml><?xml version="1.0" encoding="utf-8"?>
 <p:sld xmlns:a="http://schemas.openxmlformats.org/drawingml/2006/main" xmlns:r="http://schemas.openxmlformats.org/officeDocument/2006/relationships" xmlns:p="http://schemas.openxmlformats.org/presentationml/2006/main">
   <p:cSld>
     <p:spTree>
@@ -2216,13 +4226,13 @@
               <a:rPr lang="en-GB" noProof="0" dirty="0">
                 <a:latin typeface="Arial Black" panose="020B0A04020102020204" pitchFamily="34" charset="0"/>
               </a:rPr>
-              <a:t>Proposed solution – </a:t>
+              <a:t>Proposed solution – Control</a:t>
             </a:r>
             <a:r>
               <a:rPr lang="en-GB" dirty="0">
                 <a:latin typeface="Arial Black" panose="020B0A04020102020204" pitchFamily="34" charset="0"/>
               </a:rPr>
-              <a:t>MPC step 2</a:t>
+              <a:t> step 2</a:t>
             </a:r>
             <a:endParaRPr lang="en-GB" noProof="0" dirty="0">
               <a:latin typeface="Arial Black" panose="020B0A04020102020204" pitchFamily="34" charset="0"/>
@@ -2230,176 +4240,774 @@
           </a:p>
         </p:txBody>
       </p:sp>
-      <p:sp>
-        <p:nvSpPr>
-          <p:cNvPr id="2" name="CasellaDiTesto 1">
-            <a:extLst>
-              <a:ext uri="{FF2B5EF4-FFF2-40B4-BE49-F238E27FC236}">
-                <a16:creationId xmlns:a16="http://schemas.microsoft.com/office/drawing/2014/main" id="{1AD414A0-A715-1469-0125-37B4B3F31316}"/>
-              </a:ext>
-            </a:extLst>
-          </p:cNvPr>
-          <p:cNvSpPr txBox="1"/>
-          <p:nvPr/>
-        </p:nvSpPr>
-        <p:spPr>
-          <a:xfrm>
-            <a:off x="723900" y="1191645"/>
-            <a:ext cx="10744200" cy="461665"/>
-          </a:xfrm>
-          <a:prstGeom prst="rect">
-            <a:avLst/>
-          </a:prstGeom>
-          <a:noFill/>
-        </p:spPr>
-        <p:txBody>
-          <a:bodyPr wrap="square">
-            <a:spAutoFit/>
-          </a:bodyPr>
-          <a:lstStyle/>
-          <a:p>
-            <a:pPr algn="just"/>
-            <a:r>
-              <a:rPr lang="it-IT" sz="2400" dirty="0">
-                <a:latin typeface="Arial" panose="020B0604020202020204" pitchFamily="34" charset="0"/>
-                <a:cs typeface="Arial" panose="020B0604020202020204" pitchFamily="34" charset="0"/>
-              </a:rPr>
-              <a:t>AAA</a:t>
-            </a:r>
-            <a:endParaRPr lang="it-IT" sz="2400" noProof="0" dirty="0">
-              <a:latin typeface="Arial" panose="020B0604020202020204" pitchFamily="34" charset="0"/>
-              <a:cs typeface="Arial" panose="020B0604020202020204" pitchFamily="34" charset="0"/>
-            </a:endParaRPr>
-          </a:p>
-        </p:txBody>
-      </p:sp>
+      <mc:AlternateContent xmlns:mc="http://schemas.openxmlformats.org/markup-compatibility/2006">
+        <mc:Choice xmlns:a14="http://schemas.microsoft.com/office/drawing/2010/main" Requires="a14">
+          <p:sp>
+            <p:nvSpPr>
+              <p:cNvPr id="2" name="CasellaDiTesto 1">
+                <a:extLst>
+                  <a:ext uri="{FF2B5EF4-FFF2-40B4-BE49-F238E27FC236}">
+                    <a16:creationId xmlns:a16="http://schemas.microsoft.com/office/drawing/2014/main" id="{1AD414A0-A715-1469-0125-37B4B3F31316}"/>
+                  </a:ext>
+                </a:extLst>
+              </p:cNvPr>
+              <p:cNvSpPr txBox="1"/>
+              <p:nvPr/>
+            </p:nvSpPr>
+            <p:spPr>
+              <a:xfrm>
+                <a:off x="723900" y="1191645"/>
+                <a:ext cx="10744200" cy="3113866"/>
+              </a:xfrm>
+              <a:prstGeom prst="rect">
+                <a:avLst/>
+              </a:prstGeom>
+              <a:noFill/>
+            </p:spPr>
+            <p:txBody>
+              <a:bodyPr wrap="square">
+                <a:spAutoFit/>
+              </a:bodyPr>
+              <a:lstStyle/>
+              <a:p>
+                <a:pPr algn="just"/>
+                <a:r>
+                  <a:rPr lang="it-IT" sz="2400" dirty="0">
+                    <a:latin typeface="Arial" panose="020B0604020202020204" pitchFamily="34" charset="0"/>
+                    <a:cs typeface="Arial" panose="020B0604020202020204" pitchFamily="34" charset="0"/>
+                  </a:rPr>
+                  <a:t>Now, </a:t>
+                </a:r>
+                <a:r>
+                  <a:rPr lang="it-IT" sz="2400" dirty="0" err="1">
+                    <a:latin typeface="Arial" panose="020B0604020202020204" pitchFamily="34" charset="0"/>
+                    <a:cs typeface="Arial" panose="020B0604020202020204" pitchFamily="34" charset="0"/>
+                  </a:rPr>
+                  <a:t>we</a:t>
+                </a:r>
+                <a:r>
+                  <a:rPr lang="it-IT" sz="2400" dirty="0">
+                    <a:latin typeface="Arial" panose="020B0604020202020204" pitchFamily="34" charset="0"/>
+                    <a:cs typeface="Arial" panose="020B0604020202020204" pitchFamily="34" charset="0"/>
+                  </a:rPr>
+                  <a:t> can </a:t>
+                </a:r>
+                <a:r>
+                  <a:rPr lang="it-IT" sz="2400" dirty="0" err="1">
+                    <a:latin typeface="Arial" panose="020B0604020202020204" pitchFamily="34" charset="0"/>
+                    <a:cs typeface="Arial" panose="020B0604020202020204" pitchFamily="34" charset="0"/>
+                  </a:rPr>
+                  <a:t>implement</a:t>
+                </a:r>
+                <a:r>
+                  <a:rPr lang="it-IT" sz="2400" dirty="0">
+                    <a:latin typeface="Arial" panose="020B0604020202020204" pitchFamily="34" charset="0"/>
+                    <a:cs typeface="Arial" panose="020B0604020202020204" pitchFamily="34" charset="0"/>
+                  </a:rPr>
+                  <a:t> the first </a:t>
+                </a:r>
+                <a:r>
+                  <a:rPr lang="it-IT" sz="2400" dirty="0" err="1">
+                    <a:latin typeface="Arial" panose="020B0604020202020204" pitchFamily="34" charset="0"/>
+                    <a:cs typeface="Arial" panose="020B0604020202020204" pitchFamily="34" charset="0"/>
+                  </a:rPr>
+                  <a:t>imput</a:t>
+                </a:r>
+                <a:r>
+                  <a:rPr lang="it-IT" sz="2400" dirty="0">
+                    <a:latin typeface="Arial" panose="020B0604020202020204" pitchFamily="34" charset="0"/>
+                    <a:cs typeface="Arial" panose="020B0604020202020204" pitchFamily="34" charset="0"/>
+                  </a:rPr>
+                  <a:t>, </a:t>
+                </a:r>
+                <a14:m>
+                  <m:oMath xmlns:m="http://schemas.openxmlformats.org/officeDocument/2006/math">
+                    <m:sSub>
+                      <m:sSubPr>
+                        <m:ctrlPr>
+                          <a:rPr lang="it-IT" sz="2400" i="1" noProof="0" smtClean="0">
+                            <a:latin typeface="Cambria Math" panose="02040503050406030204" pitchFamily="18" charset="0"/>
+                            <a:cs typeface="Arial" panose="020B0604020202020204" pitchFamily="34" charset="0"/>
+                          </a:rPr>
+                        </m:ctrlPr>
+                      </m:sSubPr>
+                      <m:e>
+                        <m:r>
+                          <a:rPr lang="it-IT" sz="2400" b="0" i="1" noProof="0" smtClean="0">
+                            <a:latin typeface="Cambria Math" panose="02040503050406030204" pitchFamily="18" charset="0"/>
+                            <a:cs typeface="Arial" panose="020B0604020202020204" pitchFamily="34" charset="0"/>
+                          </a:rPr>
+                          <m:t>𝑢</m:t>
+                        </m:r>
+                      </m:e>
+                      <m:sub>
+                        <m:r>
+                          <a:rPr lang="it-IT" sz="2400" b="0" i="1" noProof="0" smtClean="0">
+                            <a:latin typeface="Cambria Math" panose="02040503050406030204" pitchFamily="18" charset="0"/>
+                            <a:cs typeface="Arial" panose="020B0604020202020204" pitchFamily="34" charset="0"/>
+                          </a:rPr>
+                          <m:t>1</m:t>
+                        </m:r>
+                      </m:sub>
+                    </m:sSub>
+                  </m:oMath>
+                </a14:m>
+                <a:r>
+                  <a:rPr lang="it-IT" sz="2400" dirty="0">
+                    <a:latin typeface="Arial" panose="020B0604020202020204" pitchFamily="34" charset="0"/>
+                    <a:cs typeface="Arial" panose="020B0604020202020204" pitchFamily="34" charset="0"/>
+                  </a:rPr>
+                  <a:t> , of the SPC controller sequence </a:t>
+                </a:r>
+                <a14:m>
+                  <m:oMath xmlns:m="http://schemas.openxmlformats.org/officeDocument/2006/math">
+                    <m:sSub>
+                      <m:sSubPr>
+                        <m:ctrlPr>
+                          <a:rPr lang="it-IT" sz="2400" i="1" noProof="0" smtClean="0">
+                            <a:latin typeface="Cambria Math" panose="02040503050406030204" pitchFamily="18" charset="0"/>
+                            <a:cs typeface="Arial" panose="020B0604020202020204" pitchFamily="34" charset="0"/>
+                          </a:rPr>
+                        </m:ctrlPr>
+                      </m:sSubPr>
+                      <m:e>
+                        <m:r>
+                          <a:rPr lang="it-IT" sz="2400" b="0" i="1" noProof="0" smtClean="0">
+                            <a:latin typeface="Cambria Math" panose="02040503050406030204" pitchFamily="18" charset="0"/>
+                            <a:cs typeface="Arial" panose="020B0604020202020204" pitchFamily="34" charset="0"/>
+                          </a:rPr>
+                          <m:t>𝑢</m:t>
+                        </m:r>
+                      </m:e>
+                      <m:sub>
+                        <m:r>
+                          <a:rPr lang="it-IT" sz="2400" b="0" i="1" noProof="0" smtClean="0">
+                            <a:latin typeface="Cambria Math" panose="02040503050406030204" pitchFamily="18" charset="0"/>
+                            <a:cs typeface="Arial" panose="020B0604020202020204" pitchFamily="34" charset="0"/>
+                          </a:rPr>
+                          <m:t>𝑓</m:t>
+                        </m:r>
+                      </m:sub>
+                    </m:sSub>
+                  </m:oMath>
+                </a14:m>
+                <a:r>
+                  <a:rPr lang="it-IT" sz="2400" dirty="0">
+                    <a:latin typeface="Arial" panose="020B0604020202020204" pitchFamily="34" charset="0"/>
+                    <a:cs typeface="Arial" panose="020B0604020202020204" pitchFamily="34" charset="0"/>
+                  </a:rPr>
+                  <a:t>, </a:t>
+                </a:r>
+                <a:r>
+                  <a:rPr lang="it-IT" sz="2400" dirty="0" err="1">
+                    <a:latin typeface="Arial" panose="020B0604020202020204" pitchFamily="34" charset="0"/>
+                    <a:cs typeface="Arial" panose="020B0604020202020204" pitchFamily="34" charset="0"/>
+                  </a:rPr>
+                  <a:t>that</a:t>
+                </a:r>
+                <a:r>
+                  <a:rPr lang="it-IT" sz="2400" dirty="0">
+                    <a:latin typeface="Arial" panose="020B0604020202020204" pitchFamily="34" charset="0"/>
+                    <a:cs typeface="Arial" panose="020B0604020202020204" pitchFamily="34" charset="0"/>
+                  </a:rPr>
+                  <a:t> can be </a:t>
+                </a:r>
+                <a:r>
+                  <a:rPr lang="it-IT" sz="2400" dirty="0" err="1">
+                    <a:latin typeface="Arial" panose="020B0604020202020204" pitchFamily="34" charset="0"/>
+                    <a:cs typeface="Arial" panose="020B0604020202020204" pitchFamily="34" charset="0"/>
+                  </a:rPr>
+                  <a:t>computed</a:t>
+                </a:r>
+                <a:r>
+                  <a:rPr lang="it-IT" sz="2400" dirty="0">
+                    <a:latin typeface="Arial" panose="020B0604020202020204" pitchFamily="34" charset="0"/>
+                    <a:cs typeface="Arial" panose="020B0604020202020204" pitchFamily="34" charset="0"/>
+                  </a:rPr>
+                  <a:t> </a:t>
+                </a:r>
+                <a:r>
+                  <a:rPr lang="it-IT" sz="2400" dirty="0" err="1">
+                    <a:latin typeface="Arial" panose="020B0604020202020204" pitchFamily="34" charset="0"/>
+                    <a:cs typeface="Arial" panose="020B0604020202020204" pitchFamily="34" charset="0"/>
+                  </a:rPr>
+                  <a:t>as</a:t>
+                </a:r>
+                <a:r>
+                  <a:rPr lang="it-IT" sz="2400" dirty="0">
+                    <a:latin typeface="Arial" panose="020B0604020202020204" pitchFamily="34" charset="0"/>
+                    <a:cs typeface="Arial" panose="020B0604020202020204" pitchFamily="34" charset="0"/>
+                  </a:rPr>
+                  <a:t>: </a:t>
+                </a:r>
+              </a:p>
+              <a:p>
+                <a:pPr algn="just"/>
+                <a:endParaRPr lang="it-IT" sz="2400" noProof="0" dirty="0">
+                  <a:latin typeface="Arial" panose="020B0604020202020204" pitchFamily="34" charset="0"/>
+                  <a:cs typeface="Arial" panose="020B0604020202020204" pitchFamily="34" charset="0"/>
+                </a:endParaRPr>
+              </a:p>
+              <a:p>
+                <a:pPr algn="just"/>
+                <a14:m>
+                  <m:oMathPara xmlns:m="http://schemas.openxmlformats.org/officeDocument/2006/math">
+                    <m:oMathParaPr>
+                      <m:jc m:val="centerGroup"/>
+                    </m:oMathParaPr>
+                    <m:oMath xmlns:m="http://schemas.openxmlformats.org/officeDocument/2006/math">
+                      <m:sSub>
+                        <m:sSubPr>
+                          <m:ctrlPr>
+                            <a:rPr lang="it-IT" sz="2400" i="1" noProof="0" smtClean="0">
+                              <a:latin typeface="Cambria Math" panose="02040503050406030204" pitchFamily="18" charset="0"/>
+                              <a:cs typeface="Arial" panose="020B0604020202020204" pitchFamily="34" charset="0"/>
+                            </a:rPr>
+                          </m:ctrlPr>
+                        </m:sSubPr>
+                        <m:e>
+                          <m:r>
+                            <a:rPr lang="it-IT" sz="2400" b="0" i="1" noProof="0" smtClean="0">
+                              <a:latin typeface="Cambria Math" panose="02040503050406030204" pitchFamily="18" charset="0"/>
+                              <a:cs typeface="Arial" panose="020B0604020202020204" pitchFamily="34" charset="0"/>
+                            </a:rPr>
+                            <m:t>𝑢</m:t>
+                          </m:r>
+                        </m:e>
+                        <m:sub>
+                          <m:r>
+                            <a:rPr lang="it-IT" sz="2400" b="0" i="1" noProof="0" smtClean="0">
+                              <a:latin typeface="Cambria Math" panose="02040503050406030204" pitchFamily="18" charset="0"/>
+                              <a:cs typeface="Arial" panose="020B0604020202020204" pitchFamily="34" charset="0"/>
+                            </a:rPr>
+                            <m:t>𝑓</m:t>
+                          </m:r>
+                        </m:sub>
+                      </m:sSub>
+                      <m:r>
+                        <a:rPr lang="it-IT" sz="2400" b="0" i="1" noProof="0" smtClean="0">
+                          <a:latin typeface="Cambria Math" panose="02040503050406030204" pitchFamily="18" charset="0"/>
+                          <a:cs typeface="Arial" panose="020B0604020202020204" pitchFamily="34" charset="0"/>
+                        </a:rPr>
+                        <m:t>=</m:t>
+                      </m:r>
+                      <m:sSup>
+                        <m:sSupPr>
+                          <m:ctrlPr>
+                            <a:rPr lang="it-IT" sz="2400" b="0" i="1" noProof="0" smtClean="0">
+                              <a:latin typeface="Cambria Math" panose="02040503050406030204" pitchFamily="18" charset="0"/>
+                              <a:cs typeface="Arial" panose="020B0604020202020204" pitchFamily="34" charset="0"/>
+                            </a:rPr>
+                          </m:ctrlPr>
+                        </m:sSupPr>
+                        <m:e>
+                          <m:d>
+                            <m:dPr>
+                              <m:ctrlPr>
+                                <a:rPr lang="it-IT" sz="2400" b="0" i="1" noProof="0" smtClean="0">
+                                  <a:latin typeface="Cambria Math" panose="02040503050406030204" pitchFamily="18" charset="0"/>
+                                  <a:cs typeface="Arial" panose="020B0604020202020204" pitchFamily="34" charset="0"/>
+                                </a:rPr>
+                              </m:ctrlPr>
+                            </m:dPr>
+                            <m:e>
+                              <m:r>
+                                <a:rPr lang="it-IT" sz="2400" b="0" i="1" noProof="0" smtClean="0">
+                                  <a:latin typeface="Cambria Math" panose="02040503050406030204" pitchFamily="18" charset="0"/>
+                                  <a:cs typeface="Arial" panose="020B0604020202020204" pitchFamily="34" charset="0"/>
+                                </a:rPr>
+                                <m:t>𝑅</m:t>
+                              </m:r>
+                              <m:r>
+                                <a:rPr lang="it-IT" sz="2400" b="0" i="1" noProof="0" smtClean="0">
+                                  <a:latin typeface="Cambria Math" panose="02040503050406030204" pitchFamily="18" charset="0"/>
+                                  <a:cs typeface="Arial" panose="020B0604020202020204" pitchFamily="34" charset="0"/>
+                                </a:rPr>
+                                <m:t>+</m:t>
+                              </m:r>
+                              <m:sSubSup>
+                                <m:sSubSupPr>
+                                  <m:ctrlPr>
+                                    <a:rPr lang="it-IT" sz="2400" b="0" i="1" noProof="0" smtClean="0">
+                                      <a:latin typeface="Cambria Math" panose="02040503050406030204" pitchFamily="18" charset="0"/>
+                                      <a:cs typeface="Arial" panose="020B0604020202020204" pitchFamily="34" charset="0"/>
+                                    </a:rPr>
+                                  </m:ctrlPr>
+                                </m:sSubSupPr>
+                                <m:e>
+                                  <m:r>
+                                    <a:rPr lang="it-IT" sz="2400" b="0" i="1" noProof="0" smtClean="0">
+                                      <a:latin typeface="Cambria Math" panose="02040503050406030204" pitchFamily="18" charset="0"/>
+                                      <a:cs typeface="Arial" panose="020B0604020202020204" pitchFamily="34" charset="0"/>
+                                    </a:rPr>
+                                    <m:t>𝐿</m:t>
+                                  </m:r>
+                                </m:e>
+                                <m:sub>
+                                  <m:r>
+                                    <a:rPr lang="it-IT" sz="2400" b="0" i="1" noProof="0" smtClean="0">
+                                      <a:latin typeface="Cambria Math" panose="02040503050406030204" pitchFamily="18" charset="0"/>
+                                      <a:cs typeface="Arial" panose="020B0604020202020204" pitchFamily="34" charset="0"/>
+                                    </a:rPr>
+                                    <m:t>𝑢</m:t>
+                                  </m:r>
+                                </m:sub>
+                                <m:sup>
+                                  <m:r>
+                                    <a:rPr lang="it-IT" sz="2400" b="0" i="1" noProof="0" smtClean="0">
+                                      <a:latin typeface="Cambria Math" panose="02040503050406030204" pitchFamily="18" charset="0"/>
+                                      <a:cs typeface="Arial" panose="020B0604020202020204" pitchFamily="34" charset="0"/>
+                                    </a:rPr>
+                                    <m:t>𝑇</m:t>
+                                  </m:r>
+                                </m:sup>
+                              </m:sSubSup>
+                              <m:r>
+                                <a:rPr lang="it-IT" sz="2400" b="0" i="1" noProof="0" smtClean="0">
+                                  <a:latin typeface="Cambria Math" panose="02040503050406030204" pitchFamily="18" charset="0"/>
+                                  <a:cs typeface="Arial" panose="020B0604020202020204" pitchFamily="34" charset="0"/>
+                                </a:rPr>
+                                <m:t>𝑄</m:t>
+                              </m:r>
+                              <m:sSub>
+                                <m:sSubPr>
+                                  <m:ctrlPr>
+                                    <a:rPr lang="it-IT" sz="2400" b="0" i="1" noProof="0" smtClean="0">
+                                      <a:latin typeface="Cambria Math" panose="02040503050406030204" pitchFamily="18" charset="0"/>
+                                      <a:cs typeface="Arial" panose="020B0604020202020204" pitchFamily="34" charset="0"/>
+                                    </a:rPr>
+                                  </m:ctrlPr>
+                                </m:sSubPr>
+                                <m:e>
+                                  <m:r>
+                                    <a:rPr lang="it-IT" sz="2400" b="0" i="1" noProof="0" smtClean="0">
+                                      <a:latin typeface="Cambria Math" panose="02040503050406030204" pitchFamily="18" charset="0"/>
+                                      <a:cs typeface="Arial" panose="020B0604020202020204" pitchFamily="34" charset="0"/>
+                                    </a:rPr>
+                                    <m:t>𝐿</m:t>
+                                  </m:r>
+                                </m:e>
+                                <m:sub>
+                                  <m:r>
+                                    <a:rPr lang="it-IT" sz="2400" b="0" i="1" noProof="0" smtClean="0">
+                                      <a:latin typeface="Cambria Math" panose="02040503050406030204" pitchFamily="18" charset="0"/>
+                                      <a:cs typeface="Arial" panose="020B0604020202020204" pitchFamily="34" charset="0"/>
+                                    </a:rPr>
+                                    <m:t>𝑢</m:t>
+                                  </m:r>
+                                </m:sub>
+                              </m:sSub>
+                            </m:e>
+                          </m:d>
+                        </m:e>
+                        <m:sup>
+                          <m:r>
+                            <a:rPr lang="it-IT" sz="2400" b="0" i="1" noProof="0" smtClean="0">
+                              <a:latin typeface="Cambria Math" panose="02040503050406030204" pitchFamily="18" charset="0"/>
+                              <a:cs typeface="Arial" panose="020B0604020202020204" pitchFamily="34" charset="0"/>
+                            </a:rPr>
+                            <m:t>−1</m:t>
+                          </m:r>
+                        </m:sup>
+                      </m:sSup>
+                      <m:sSubSup>
+                        <m:sSubSupPr>
+                          <m:ctrlPr>
+                            <a:rPr lang="it-IT" sz="2400" b="0" i="1" noProof="0" smtClean="0">
+                              <a:latin typeface="Cambria Math" panose="02040503050406030204" pitchFamily="18" charset="0"/>
+                              <a:cs typeface="Arial" panose="020B0604020202020204" pitchFamily="34" charset="0"/>
+                            </a:rPr>
+                          </m:ctrlPr>
+                        </m:sSubSupPr>
+                        <m:e>
+                          <m:r>
+                            <a:rPr lang="it-IT" sz="2400" b="0" i="1" noProof="0" smtClean="0">
+                              <a:latin typeface="Cambria Math" panose="02040503050406030204" pitchFamily="18" charset="0"/>
+                              <a:cs typeface="Arial" panose="020B0604020202020204" pitchFamily="34" charset="0"/>
+                            </a:rPr>
+                            <m:t>𝐿</m:t>
+                          </m:r>
+                        </m:e>
+                        <m:sub>
+                          <m:r>
+                            <a:rPr lang="it-IT" sz="2400" b="0" i="1" noProof="0" smtClean="0">
+                              <a:latin typeface="Cambria Math" panose="02040503050406030204" pitchFamily="18" charset="0"/>
+                              <a:cs typeface="Arial" panose="020B0604020202020204" pitchFamily="34" charset="0"/>
+                            </a:rPr>
+                            <m:t>𝑢</m:t>
+                          </m:r>
+                        </m:sub>
+                        <m:sup>
+                          <m:r>
+                            <a:rPr lang="it-IT" sz="2400" b="0" i="1" noProof="0" smtClean="0">
+                              <a:latin typeface="Cambria Math" panose="02040503050406030204" pitchFamily="18" charset="0"/>
+                              <a:cs typeface="Arial" panose="020B0604020202020204" pitchFamily="34" charset="0"/>
+                            </a:rPr>
+                            <m:t>𝑇</m:t>
+                          </m:r>
+                        </m:sup>
+                      </m:sSubSup>
+                      <m:r>
+                        <a:rPr lang="it-IT" sz="2400" b="0" i="1" noProof="0" smtClean="0">
+                          <a:latin typeface="Cambria Math" panose="02040503050406030204" pitchFamily="18" charset="0"/>
+                          <a:cs typeface="Arial" panose="020B0604020202020204" pitchFamily="34" charset="0"/>
+                        </a:rPr>
+                        <m:t>𝑄</m:t>
+                      </m:r>
+                      <m:r>
+                        <a:rPr lang="it-IT" sz="2400" b="0" i="1" noProof="0" smtClean="0">
+                          <a:latin typeface="Cambria Math" panose="02040503050406030204" pitchFamily="18" charset="0"/>
+                          <a:cs typeface="Arial" panose="020B0604020202020204" pitchFamily="34" charset="0"/>
+                        </a:rPr>
+                        <m:t>(</m:t>
+                      </m:r>
+                      <m:sSub>
+                        <m:sSubPr>
+                          <m:ctrlPr>
+                            <a:rPr lang="it-IT" sz="2400" b="0" i="1" noProof="0" smtClean="0">
+                              <a:latin typeface="Cambria Math" panose="02040503050406030204" pitchFamily="18" charset="0"/>
+                              <a:cs typeface="Arial" panose="020B0604020202020204" pitchFamily="34" charset="0"/>
+                            </a:rPr>
+                          </m:ctrlPr>
+                        </m:sSubPr>
+                        <m:e>
+                          <m:r>
+                            <a:rPr lang="it-IT" sz="2400" b="0" i="1" noProof="0" smtClean="0">
+                              <a:latin typeface="Cambria Math" panose="02040503050406030204" pitchFamily="18" charset="0"/>
+                              <a:cs typeface="Arial" panose="020B0604020202020204" pitchFamily="34" charset="0"/>
+                            </a:rPr>
+                            <m:t>𝑟</m:t>
+                          </m:r>
+                        </m:e>
+                        <m:sub>
+                          <m:r>
+                            <a:rPr lang="it-IT" sz="2400" b="0" i="1" noProof="0" smtClean="0">
+                              <a:latin typeface="Cambria Math" panose="02040503050406030204" pitchFamily="18" charset="0"/>
+                              <a:cs typeface="Arial" panose="020B0604020202020204" pitchFamily="34" charset="0"/>
+                            </a:rPr>
+                            <m:t>𝑓</m:t>
+                          </m:r>
+                        </m:sub>
+                      </m:sSub>
+                      <m:r>
+                        <a:rPr lang="it-IT" sz="2400" b="0" i="1" noProof="0" smtClean="0">
+                          <a:latin typeface="Cambria Math" panose="02040503050406030204" pitchFamily="18" charset="0"/>
+                          <a:cs typeface="Arial" panose="020B0604020202020204" pitchFamily="34" charset="0"/>
+                        </a:rPr>
+                        <m:t>−</m:t>
+                      </m:r>
+                      <m:sSub>
+                        <m:sSubPr>
+                          <m:ctrlPr>
+                            <a:rPr lang="it-IT" sz="2400" b="0" i="1" noProof="0" smtClean="0">
+                              <a:latin typeface="Cambria Math" panose="02040503050406030204" pitchFamily="18" charset="0"/>
+                              <a:cs typeface="Arial" panose="020B0604020202020204" pitchFamily="34" charset="0"/>
+                            </a:rPr>
+                          </m:ctrlPr>
+                        </m:sSubPr>
+                        <m:e>
+                          <m:r>
+                            <a:rPr lang="it-IT" sz="2400" b="0" i="1" noProof="0" smtClean="0">
+                              <a:latin typeface="Cambria Math" panose="02040503050406030204" pitchFamily="18" charset="0"/>
+                              <a:cs typeface="Arial" panose="020B0604020202020204" pitchFamily="34" charset="0"/>
+                            </a:rPr>
+                            <m:t>𝐿</m:t>
+                          </m:r>
+                        </m:e>
+                        <m:sub>
+                          <m:r>
+                            <a:rPr lang="it-IT" sz="2400" b="0" i="1" noProof="0" smtClean="0">
+                              <a:latin typeface="Cambria Math" panose="02040503050406030204" pitchFamily="18" charset="0"/>
+                              <a:cs typeface="Arial" panose="020B0604020202020204" pitchFamily="34" charset="0"/>
+                            </a:rPr>
+                            <m:t>𝑤</m:t>
+                          </m:r>
+                        </m:sub>
+                      </m:sSub>
+                      <m:sSub>
+                        <m:sSubPr>
+                          <m:ctrlPr>
+                            <a:rPr lang="it-IT" sz="2400" b="0" i="1" noProof="0" smtClean="0">
+                              <a:latin typeface="Cambria Math" panose="02040503050406030204" pitchFamily="18" charset="0"/>
+                              <a:cs typeface="Arial" panose="020B0604020202020204" pitchFamily="34" charset="0"/>
+                            </a:rPr>
+                          </m:ctrlPr>
+                        </m:sSubPr>
+                        <m:e>
+                          <m:r>
+                            <a:rPr lang="it-IT" sz="2400" b="0" i="1" noProof="0" smtClean="0">
+                              <a:latin typeface="Cambria Math" panose="02040503050406030204" pitchFamily="18" charset="0"/>
+                              <a:cs typeface="Arial" panose="020B0604020202020204" pitchFamily="34" charset="0"/>
+                            </a:rPr>
+                            <m:t>𝑤</m:t>
+                          </m:r>
+                        </m:e>
+                        <m:sub>
+                          <m:r>
+                            <a:rPr lang="it-IT" sz="2400" b="0" i="1" noProof="0" smtClean="0">
+                              <a:latin typeface="Cambria Math" panose="02040503050406030204" pitchFamily="18" charset="0"/>
+                              <a:cs typeface="Arial" panose="020B0604020202020204" pitchFamily="34" charset="0"/>
+                            </a:rPr>
+                            <m:t>𝑝</m:t>
+                          </m:r>
+                        </m:sub>
+                      </m:sSub>
+                      <m:r>
+                        <a:rPr lang="it-IT" sz="2400" b="0" i="1" noProof="0" smtClean="0">
+                          <a:latin typeface="Cambria Math" panose="02040503050406030204" pitchFamily="18" charset="0"/>
+                          <a:cs typeface="Arial" panose="020B0604020202020204" pitchFamily="34" charset="0"/>
+                        </a:rPr>
+                        <m:t>)</m:t>
+                      </m:r>
+                    </m:oMath>
+                  </m:oMathPara>
+                </a14:m>
+                <a:endParaRPr lang="it-IT" sz="2400" noProof="0" dirty="0">
+                  <a:latin typeface="Arial" panose="020B0604020202020204" pitchFamily="34" charset="0"/>
+                  <a:cs typeface="Arial" panose="020B0604020202020204" pitchFamily="34" charset="0"/>
+                </a:endParaRPr>
+              </a:p>
+              <a:p>
+                <a:pPr algn="just"/>
+                <a:endParaRPr lang="it-IT" sz="2400" noProof="0" dirty="0">
+                  <a:latin typeface="Arial" panose="020B0604020202020204" pitchFamily="34" charset="0"/>
+                  <a:cs typeface="Arial" panose="020B0604020202020204" pitchFamily="34" charset="0"/>
+                </a:endParaRPr>
+              </a:p>
+              <a:p>
+                <a:pPr algn="just"/>
+                <a:endParaRPr lang="it-IT" sz="2400" dirty="0">
+                  <a:latin typeface="Arial" panose="020B0604020202020204" pitchFamily="34" charset="0"/>
+                  <a:cs typeface="Arial" panose="020B0604020202020204" pitchFamily="34" charset="0"/>
+                </a:endParaRPr>
+              </a:p>
+              <a:p>
+                <a:pPr algn="just"/>
+                <a:r>
+                  <a:rPr lang="it-IT" sz="2400" noProof="0" dirty="0">
+                    <a:latin typeface="Arial" panose="020B0604020202020204" pitchFamily="34" charset="0"/>
+                    <a:cs typeface="Arial" panose="020B0604020202020204" pitchFamily="34" charset="0"/>
+                  </a:rPr>
+                  <a:t>And </a:t>
+                </a:r>
+                <a:r>
+                  <a:rPr lang="it-IT" sz="2400" noProof="0" dirty="0" err="1">
+                    <a:latin typeface="Arial" panose="020B0604020202020204" pitchFamily="34" charset="0"/>
+                    <a:cs typeface="Arial" panose="020B0604020202020204" pitchFamily="34" charset="0"/>
+                  </a:rPr>
+                  <a:t>then</a:t>
+                </a:r>
+                <a:r>
+                  <a:rPr lang="it-IT" sz="2400" noProof="0" dirty="0">
+                    <a:latin typeface="Arial" panose="020B0604020202020204" pitchFamily="34" charset="0"/>
+                    <a:cs typeface="Arial" panose="020B0604020202020204" pitchFamily="34" charset="0"/>
+                  </a:rPr>
+                  <a:t> </a:t>
+                </a:r>
+                <a:r>
+                  <a:rPr lang="it-IT" sz="2400" noProof="0" dirty="0" err="1">
+                    <a:latin typeface="Arial" panose="020B0604020202020204" pitchFamily="34" charset="0"/>
+                    <a:cs typeface="Arial" panose="020B0604020202020204" pitchFamily="34" charset="0"/>
+                  </a:rPr>
+                  <a:t>repeat</a:t>
+                </a:r>
+                <a:r>
+                  <a:rPr lang="it-IT" sz="2400" dirty="0">
+                    <a:latin typeface="Arial" panose="020B0604020202020204" pitchFamily="34" charset="0"/>
+                    <a:cs typeface="Arial" panose="020B0604020202020204" pitchFamily="34" charset="0"/>
+                  </a:rPr>
+                  <a:t> </a:t>
+                </a:r>
+                <a:r>
+                  <a:rPr lang="it-IT" sz="2400" dirty="0" err="1">
+                    <a:latin typeface="Arial" panose="020B0604020202020204" pitchFamily="34" charset="0"/>
+                    <a:cs typeface="Arial" panose="020B0604020202020204" pitchFamily="34" charset="0"/>
+                  </a:rPr>
+                  <a:t>these</a:t>
+                </a:r>
+                <a:r>
+                  <a:rPr lang="it-IT" sz="2400" dirty="0">
+                    <a:latin typeface="Arial" panose="020B0604020202020204" pitchFamily="34" charset="0"/>
+                    <a:cs typeface="Arial" panose="020B0604020202020204" pitchFamily="34" charset="0"/>
+                  </a:rPr>
+                  <a:t> last </a:t>
+                </a:r>
+                <a:r>
+                  <a:rPr lang="it-IT" sz="2400" dirty="0" err="1">
+                    <a:latin typeface="Arial" panose="020B0604020202020204" pitchFamily="34" charset="0"/>
+                    <a:cs typeface="Arial" panose="020B0604020202020204" pitchFamily="34" charset="0"/>
+                  </a:rPr>
+                  <a:t>two</a:t>
+                </a:r>
+                <a:r>
+                  <a:rPr lang="it-IT" sz="2400" dirty="0">
+                    <a:latin typeface="Arial" panose="020B0604020202020204" pitchFamily="34" charset="0"/>
+                    <a:cs typeface="Arial" panose="020B0604020202020204" pitchFamily="34" charset="0"/>
+                  </a:rPr>
+                  <a:t> steps </a:t>
+                </a:r>
+                <a:r>
+                  <a:rPr lang="it-IT" sz="2400" dirty="0" err="1">
+                    <a:latin typeface="Arial" panose="020B0604020202020204" pitchFamily="34" charset="0"/>
+                    <a:cs typeface="Arial" panose="020B0604020202020204" pitchFamily="34" charset="0"/>
+                  </a:rPr>
+                  <a:t>iteratively</a:t>
+                </a:r>
+                <a:r>
+                  <a:rPr lang="it-IT" sz="2400" dirty="0">
+                    <a:latin typeface="Arial" panose="020B0604020202020204" pitchFamily="34" charset="0"/>
+                    <a:cs typeface="Arial" panose="020B0604020202020204" pitchFamily="34" charset="0"/>
+                  </a:rPr>
+                  <a:t> to </a:t>
+                </a:r>
+                <a:r>
+                  <a:rPr lang="it-IT" sz="2400" dirty="0" err="1">
+                    <a:latin typeface="Arial" panose="020B0604020202020204" pitchFamily="34" charset="0"/>
+                    <a:cs typeface="Arial" panose="020B0604020202020204" pitchFamily="34" charset="0"/>
+                  </a:rPr>
+                  <a:t>implement</a:t>
+                </a:r>
+                <a:r>
+                  <a:rPr lang="it-IT" sz="2400" dirty="0">
+                    <a:latin typeface="Arial" panose="020B0604020202020204" pitchFamily="34" charset="0"/>
+                    <a:cs typeface="Arial" panose="020B0604020202020204" pitchFamily="34" charset="0"/>
+                  </a:rPr>
+                  <a:t> the following control steps, </a:t>
+                </a:r>
+                <a:r>
+                  <a:rPr lang="it-IT" sz="2400" dirty="0" err="1">
+                    <a:latin typeface="Arial" panose="020B0604020202020204" pitchFamily="34" charset="0"/>
+                    <a:cs typeface="Arial" panose="020B0604020202020204" pitchFamily="34" charset="0"/>
+                  </a:rPr>
+                  <a:t>using</a:t>
+                </a:r>
+                <a:r>
+                  <a:rPr lang="it-IT" sz="2400" dirty="0">
+                    <a:latin typeface="Arial" panose="020B0604020202020204" pitchFamily="34" charset="0"/>
+                    <a:cs typeface="Arial" panose="020B0604020202020204" pitchFamily="34" charset="0"/>
+                  </a:rPr>
+                  <a:t> the </a:t>
+                </a:r>
+                <a:r>
+                  <a:rPr lang="it-IT" sz="2400" dirty="0" err="1">
+                    <a:latin typeface="Arial" panose="020B0604020202020204" pitchFamily="34" charset="0"/>
+                    <a:cs typeface="Arial" panose="020B0604020202020204" pitchFamily="34" charset="0"/>
+                  </a:rPr>
+                  <a:t>newly</a:t>
+                </a:r>
+                <a:r>
+                  <a:rPr lang="it-IT" sz="2400" dirty="0">
+                    <a:latin typeface="Arial" panose="020B0604020202020204" pitchFamily="34" charset="0"/>
+                    <a:cs typeface="Arial" panose="020B0604020202020204" pitchFamily="34" charset="0"/>
+                  </a:rPr>
+                  <a:t> </a:t>
+                </a:r>
+                <a:r>
+                  <a:rPr lang="it-IT" sz="2400" dirty="0" err="1">
+                    <a:latin typeface="Arial" panose="020B0604020202020204" pitchFamily="34" charset="0"/>
+                    <a:cs typeface="Arial" panose="020B0604020202020204" pitchFamily="34" charset="0"/>
+                  </a:rPr>
+                  <a:t>measured</a:t>
+                </a:r>
+                <a:r>
+                  <a:rPr lang="it-IT" sz="2400" dirty="0">
+                    <a:latin typeface="Arial" panose="020B0604020202020204" pitchFamily="34" charset="0"/>
+                    <a:cs typeface="Arial" panose="020B0604020202020204" pitchFamily="34" charset="0"/>
+                  </a:rPr>
+                  <a:t> output </a:t>
+                </a:r>
+                <a14:m>
+                  <m:oMath xmlns:m="http://schemas.openxmlformats.org/officeDocument/2006/math">
+                    <m:sSub>
+                      <m:sSubPr>
+                        <m:ctrlPr>
+                          <a:rPr lang="it-IT" sz="2400" i="1" noProof="0" smtClean="0">
+                            <a:latin typeface="Cambria Math" panose="02040503050406030204" pitchFamily="18" charset="0"/>
+                            <a:cs typeface="Arial" panose="020B0604020202020204" pitchFamily="34" charset="0"/>
+                          </a:rPr>
+                        </m:ctrlPr>
+                      </m:sSubPr>
+                      <m:e>
+                        <m:r>
+                          <a:rPr lang="it-IT" sz="2400" b="0" i="1" noProof="0" smtClean="0">
+                            <a:latin typeface="Cambria Math" panose="02040503050406030204" pitchFamily="18" charset="0"/>
+                            <a:cs typeface="Arial" panose="020B0604020202020204" pitchFamily="34" charset="0"/>
+                          </a:rPr>
+                          <m:t>𝑦</m:t>
+                        </m:r>
+                      </m:e>
+                      <m:sub>
+                        <m:r>
+                          <a:rPr lang="it-IT" sz="2400" b="0" i="1" noProof="0" smtClean="0">
+                            <a:latin typeface="Cambria Math" panose="02040503050406030204" pitchFamily="18" charset="0"/>
+                            <a:cs typeface="Arial" panose="020B0604020202020204" pitchFamily="34" charset="0"/>
+                          </a:rPr>
+                          <m:t>1</m:t>
+                        </m:r>
+                      </m:sub>
+                    </m:sSub>
+                  </m:oMath>
+                </a14:m>
+                <a:r>
+                  <a:rPr lang="it-IT" sz="2400" noProof="0" dirty="0">
+                    <a:latin typeface="Arial" panose="020B0604020202020204" pitchFamily="34" charset="0"/>
+                    <a:cs typeface="Arial" panose="020B0604020202020204" pitchFamily="34" charset="0"/>
+                  </a:rPr>
+                  <a:t>.</a:t>
+                </a:r>
+              </a:p>
+            </p:txBody>
+          </p:sp>
+        </mc:Choice>
+        <mc:Fallback>
+          <p:sp>
+            <p:nvSpPr>
+              <p:cNvPr id="2" name="CasellaDiTesto 1">
+                <a:extLst>
+                  <a:ext uri="{FF2B5EF4-FFF2-40B4-BE49-F238E27FC236}">
+                    <a16:creationId xmlns:a16="http://schemas.microsoft.com/office/drawing/2014/main" id="{1AD414A0-A715-1469-0125-37B4B3F31316}"/>
+                  </a:ext>
+                </a:extLst>
+              </p:cNvPr>
+              <p:cNvSpPr txBox="1">
+                <a:spLocks noRot="1" noChangeAspect="1" noMove="1" noResize="1" noEditPoints="1" noAdjustHandles="1" noChangeArrowheads="1" noChangeShapeType="1" noTextEdit="1"/>
+              </p:cNvSpPr>
+              <p:nvPr/>
+            </p:nvSpPr>
+            <p:spPr>
+              <a:xfrm>
+                <a:off x="723900" y="1191645"/>
+                <a:ext cx="10744200" cy="3113866"/>
+              </a:xfrm>
+              <a:prstGeom prst="rect">
+                <a:avLst/>
+              </a:prstGeom>
+              <a:blipFill>
+                <a:blip r:embed="rId2"/>
+                <a:stretch>
+                  <a:fillRect l="-908" t="-1370" r="-1589" b="-3523"/>
+                </a:stretch>
+              </a:blipFill>
+            </p:spPr>
+            <p:txBody>
+              <a:bodyPr/>
+              <a:lstStyle/>
+              <a:p>
+                <a:r>
+                  <a:rPr lang="it-IT">
+                    <a:noFill/>
+                  </a:rPr>
+                  <a:t> </a:t>
+                </a:r>
+              </a:p>
+            </p:txBody>
+          </p:sp>
+        </mc:Fallback>
+      </mc:AlternateContent>
     </p:spTree>
     <p:extLst>
       <p:ext uri="{BB962C8B-B14F-4D97-AF65-F5344CB8AC3E}">
         <p14:creationId xmlns:p14="http://schemas.microsoft.com/office/powerpoint/2010/main" val="3531124739"/>
-      </p:ext>
-    </p:extLst>
-  </p:cSld>
-  <p:clrMapOvr>
-    <a:masterClrMapping/>
-  </p:clrMapOvr>
-</p:sld>
-</file>
-
-<file path=ppt/slides/slide12.xml><?xml version="1.0" encoding="utf-8"?>
-<p:sld xmlns:a="http://schemas.openxmlformats.org/drawingml/2006/main" xmlns:r="http://schemas.openxmlformats.org/officeDocument/2006/relationships" xmlns:p="http://schemas.openxmlformats.org/presentationml/2006/main">
-  <p:cSld>
-    <p:spTree>
-      <p:nvGrpSpPr>
-        <p:cNvPr id="1" name="">
-          <a:extLst>
-            <a:ext uri="{FF2B5EF4-FFF2-40B4-BE49-F238E27FC236}">
-              <a16:creationId xmlns:a16="http://schemas.microsoft.com/office/drawing/2014/main" id="{C8759C14-EBB6-6344-2910-2927E71A651A}"/>
-            </a:ext>
-          </a:extLst>
-        </p:cNvPr>
-        <p:cNvGrpSpPr/>
-        <p:nvPr/>
-      </p:nvGrpSpPr>
-      <p:grpSpPr>
-        <a:xfrm>
-          <a:off x="0" y="0"/>
-          <a:ext cx="0" cy="0"/>
-          <a:chOff x="0" y="0"/>
-          <a:chExt cx="0" cy="0"/>
-        </a:xfrm>
-      </p:grpSpPr>
-      <p:sp>
-        <p:nvSpPr>
-          <p:cNvPr id="10" name="Titolo 9">
-            <a:extLst>
-              <a:ext uri="{FF2B5EF4-FFF2-40B4-BE49-F238E27FC236}">
-                <a16:creationId xmlns:a16="http://schemas.microsoft.com/office/drawing/2014/main" id="{D2762B76-6482-5725-B41E-FD5833AEE37D}"/>
-              </a:ext>
-            </a:extLst>
-          </p:cNvPr>
-          <p:cNvSpPr>
-            <a:spLocks noGrp="1"/>
-          </p:cNvSpPr>
-          <p:nvPr>
-            <p:ph type="title"/>
-          </p:nvPr>
-        </p:nvSpPr>
-        <p:spPr>
-          <a:xfrm>
-            <a:off x="761999" y="457200"/>
-            <a:ext cx="9691687" cy="538609"/>
-          </a:xfrm>
-        </p:spPr>
-        <p:txBody>
-          <a:bodyPr/>
-          <a:lstStyle/>
-          <a:p>
-            <a:r>
-              <a:rPr lang="en-GB" noProof="0" dirty="0">
-                <a:latin typeface="Arial Black" panose="020B0A04020102020204" pitchFamily="34" charset="0"/>
-              </a:rPr>
-              <a:t>Proposed solution – </a:t>
-            </a:r>
-            <a:r>
-              <a:rPr lang="en-GB" dirty="0">
-                <a:latin typeface="Arial Black" panose="020B0A04020102020204" pitchFamily="34" charset="0"/>
-              </a:rPr>
-              <a:t>MPC step 3</a:t>
-            </a:r>
-            <a:endParaRPr lang="en-GB" noProof="0" dirty="0">
-              <a:latin typeface="Arial Black" panose="020B0A04020102020204" pitchFamily="34" charset="0"/>
-            </a:endParaRPr>
-          </a:p>
-        </p:txBody>
-      </p:sp>
-      <p:sp>
-        <p:nvSpPr>
-          <p:cNvPr id="2" name="CasellaDiTesto 1">
-            <a:extLst>
-              <a:ext uri="{FF2B5EF4-FFF2-40B4-BE49-F238E27FC236}">
-                <a16:creationId xmlns:a16="http://schemas.microsoft.com/office/drawing/2014/main" id="{3A93BD2B-FED2-0A1F-5ED0-9735CB6DBB4E}"/>
-              </a:ext>
-            </a:extLst>
-          </p:cNvPr>
-          <p:cNvSpPr txBox="1"/>
-          <p:nvPr/>
-        </p:nvSpPr>
-        <p:spPr>
-          <a:xfrm>
-            <a:off x="723900" y="1191645"/>
-            <a:ext cx="10744200" cy="461665"/>
-          </a:xfrm>
-          <a:prstGeom prst="rect">
-            <a:avLst/>
-          </a:prstGeom>
-          <a:noFill/>
-        </p:spPr>
-        <p:txBody>
-          <a:bodyPr wrap="square">
-            <a:spAutoFit/>
-          </a:bodyPr>
-          <a:lstStyle/>
-          <a:p>
-            <a:pPr algn="just"/>
-            <a:r>
-              <a:rPr lang="it-IT" sz="2400" dirty="0">
-                <a:latin typeface="Arial" panose="020B0604020202020204" pitchFamily="34" charset="0"/>
-                <a:cs typeface="Arial" panose="020B0604020202020204" pitchFamily="34" charset="0"/>
-              </a:rPr>
-              <a:t>AAA</a:t>
-            </a:r>
-            <a:endParaRPr lang="it-IT" sz="2400" noProof="0" dirty="0">
-              <a:latin typeface="Arial" panose="020B0604020202020204" pitchFamily="34" charset="0"/>
-              <a:cs typeface="Arial" panose="020B0604020202020204" pitchFamily="34" charset="0"/>
-            </a:endParaRPr>
-          </a:p>
-        </p:txBody>
-      </p:sp>
-    </p:spTree>
-    <p:extLst>
-      <p:ext uri="{BB962C8B-B14F-4D97-AF65-F5344CB8AC3E}">
-        <p14:creationId xmlns:p14="http://schemas.microsoft.com/office/powerpoint/2010/main" val="2857548665"/>
       </p:ext>
     </p:extLst>
   </p:cSld>
@@ -4012,8 +6620,8 @@
           </a:p>
         </p:txBody>
       </p:sp>
-      <mc:AlternateContent xmlns:mc="http://schemas.openxmlformats.org/markup-compatibility/2006">
-        <mc:Choice xmlns:a14="http://schemas.microsoft.com/office/drawing/2010/main" Requires="a14">
+      <mc:AlternateContent xmlns:mc="http://schemas.openxmlformats.org/markup-compatibility/2006" xmlns:a14="http://schemas.microsoft.com/office/drawing/2010/main">
+        <mc:Choice Requires="a14">
           <p:sp>
             <p:nvSpPr>
               <p:cNvPr id="4" name="CasellaDiTesto 3">
@@ -4381,7 +6989,7 @@
             </p:txBody>
           </p:sp>
         </mc:Choice>
-        <mc:Fallback>
+        <mc:Fallback xmlns="">
           <p:sp>
             <p:nvSpPr>
               <p:cNvPr id="4" name="CasellaDiTesto 3">
@@ -5116,8 +7724,8 @@
           </a:p>
         </p:txBody>
       </p:sp>
-      <mc:AlternateContent xmlns:mc="http://schemas.openxmlformats.org/markup-compatibility/2006">
-        <mc:Choice xmlns:a14="http://schemas.microsoft.com/office/drawing/2010/main" Requires="a14">
+      <mc:AlternateContent xmlns:mc="http://schemas.openxmlformats.org/markup-compatibility/2006" xmlns:a14="http://schemas.microsoft.com/office/drawing/2010/main">
+        <mc:Choice Requires="a14">
           <p:sp>
             <p:nvSpPr>
               <p:cNvPr id="2" name="CasellaDiTesto 1">
@@ -5720,7 +8328,7 @@
             </p:txBody>
           </p:sp>
         </mc:Choice>
-        <mc:Fallback>
+        <mc:Fallback xmlns="">
           <p:sp>
             <p:nvSpPr>
               <p:cNvPr id="2" name="CasellaDiTesto 1">
@@ -6000,8 +8608,8 @@
           </a:extLst>
         </p:spPr>
       </p:pic>
-      <mc:AlternateContent xmlns:mc="http://schemas.openxmlformats.org/markup-compatibility/2006">
-        <mc:Choice xmlns:a14="http://schemas.microsoft.com/office/drawing/2010/main" Requires="a14">
+      <mc:AlternateContent xmlns:mc="http://schemas.openxmlformats.org/markup-compatibility/2006" xmlns:a14="http://schemas.microsoft.com/office/drawing/2010/main">
+        <mc:Choice Requires="a14">
           <p:sp>
             <p:nvSpPr>
               <p:cNvPr id="6" name="CasellaDiTesto 5">
@@ -6137,7 +8745,7 @@
             </p:txBody>
           </p:sp>
         </mc:Choice>
-        <mc:Fallback>
+        <mc:Fallback xmlns="">
           <p:sp>
             <p:nvSpPr>
               <p:cNvPr id="6" name="CasellaDiTesto 5">
@@ -6237,7 +8845,7 @@
         <p:spPr>
           <a:xfrm>
             <a:off x="761999" y="457200"/>
-            <a:ext cx="9691687" cy="1077218"/>
+            <a:ext cx="9691687" cy="538609"/>
           </a:xfrm>
         </p:spPr>
         <p:txBody>
@@ -6250,16 +8858,11 @@
               </a:rPr>
               <a:t>Proposed solution – </a:t>
             </a:r>
-            <a:br>
-              <a:rPr lang="en-GB" noProof="0" dirty="0">
-                <a:latin typeface="Arial Black" panose="020B0A04020102020204" pitchFamily="34" charset="0"/>
-              </a:rPr>
-            </a:br>
             <a:r>
               <a:rPr lang="en-GB" dirty="0">
                 <a:latin typeface="Arial Black" panose="020B0A04020102020204" pitchFamily="34" charset="0"/>
               </a:rPr>
-              <a:t>defining MPC problem</a:t>
+              <a:t>MPC problem</a:t>
             </a:r>
             <a:endParaRPr lang="en-GB" noProof="0" dirty="0">
               <a:latin typeface="Arial Black" panose="020B0A04020102020204" pitchFamily="34" charset="0"/>
@@ -6283,8 +8886,8 @@
             </p:nvSpPr>
             <p:spPr>
               <a:xfrm>
-                <a:off x="723900" y="1683603"/>
-                <a:ext cx="10744200" cy="4130811"/>
+                <a:off x="723900" y="1185270"/>
+                <a:ext cx="10744200" cy="5215530"/>
               </a:xfrm>
               <a:prstGeom prst="rect">
                 <a:avLst/>
@@ -6427,307 +9030,229 @@
                     </m:oMathParaPr>
                     <m:oMath xmlns:m="http://schemas.openxmlformats.org/officeDocument/2006/math">
                       <m:r>
-                        <a:rPr lang="it-IT" sz="2400" b="0" i="1" smtClean="0">
+                        <a:rPr lang="it-IT" sz="3200" b="0" i="1" smtClean="0">
                           <a:latin typeface="Cambria Math" panose="02040503050406030204" pitchFamily="18" charset="0"/>
                           <a:cs typeface="Arial" panose="020B0604020202020204" pitchFamily="34" charset="0"/>
                         </a:rPr>
                         <m:t>𝐽</m:t>
                       </m:r>
                       <m:r>
-                        <a:rPr lang="it-IT" sz="2400" b="0" i="1" smtClean="0">
+                        <a:rPr lang="it-IT" sz="3200" b="0" i="1" smtClean="0">
                           <a:latin typeface="Cambria Math" panose="02040503050406030204" pitchFamily="18" charset="0"/>
                           <a:cs typeface="Arial" panose="020B0604020202020204" pitchFamily="34" charset="0"/>
                         </a:rPr>
                         <m:t>=</m:t>
                       </m:r>
-                      <m:nary>
-                        <m:naryPr>
-                          <m:chr m:val="∑"/>
+                      <m:sSup>
+                        <m:sSupPr>
                           <m:ctrlPr>
-                            <a:rPr lang="it-IT" sz="2400" b="0" i="1" smtClean="0">
+                            <a:rPr lang="it-IT" sz="3200" b="0" i="1" smtClean="0">
                               <a:latin typeface="Cambria Math" panose="02040503050406030204" pitchFamily="18" charset="0"/>
                               <a:cs typeface="Arial" panose="020B0604020202020204" pitchFamily="34" charset="0"/>
                             </a:rPr>
                           </m:ctrlPr>
-                        </m:naryPr>
-                        <m:sub>
-                          <m:r>
-                            <m:rPr>
-                              <m:brk m:alnAt="23"/>
-                            </m:rPr>
-                            <a:rPr lang="it-IT" sz="2400" b="0" i="1" smtClean="0">
-                              <a:latin typeface="Cambria Math" panose="02040503050406030204" pitchFamily="18" charset="0"/>
-                              <a:cs typeface="Arial" panose="020B0604020202020204" pitchFamily="34" charset="0"/>
-                            </a:rPr>
-                            <m:t>𝐾</m:t>
-                          </m:r>
-                          <m:r>
-                            <a:rPr lang="it-IT" sz="2400" b="0" i="1" smtClean="0">
-                              <a:latin typeface="Cambria Math" panose="02040503050406030204" pitchFamily="18" charset="0"/>
-                              <a:cs typeface="Arial" panose="020B0604020202020204" pitchFamily="34" charset="0"/>
-                            </a:rPr>
-                            <m:t>=1</m:t>
-                          </m:r>
-                        </m:sub>
-                        <m:sup>
-                          <m:r>
-                            <a:rPr lang="it-IT" sz="2400" b="0" i="1" smtClean="0">
-                              <a:latin typeface="Cambria Math" panose="02040503050406030204" pitchFamily="18" charset="0"/>
-                              <a:cs typeface="Arial" panose="020B0604020202020204" pitchFamily="34" charset="0"/>
-                            </a:rPr>
-                            <m:t>𝑁</m:t>
-                          </m:r>
-                        </m:sup>
+                        </m:sSupPr>
                         <m:e>
-                          <m:sSup>
-                            <m:sSupPr>
+                          <m:d>
+                            <m:dPr>
                               <m:ctrlPr>
-                                <a:rPr lang="it-IT" sz="2400" b="0" i="1" smtClean="0">
+                                <a:rPr lang="it-IT" sz="3200" b="0" i="1" smtClean="0">
                                   <a:latin typeface="Cambria Math" panose="02040503050406030204" pitchFamily="18" charset="0"/>
                                   <a:cs typeface="Arial" panose="020B0604020202020204" pitchFamily="34" charset="0"/>
                                 </a:rPr>
                               </m:ctrlPr>
-                            </m:sSupPr>
+                            </m:dPr>
                             <m:e>
-                              <m:d>
-                                <m:dPr>
+                              <m:sSub>
+                                <m:sSubPr>
                                   <m:ctrlPr>
-                                    <a:rPr lang="it-IT" sz="2400" b="0" i="1" smtClean="0">
+                                    <a:rPr lang="it-IT" sz="3200" b="0" i="1" smtClean="0">
                                       <a:latin typeface="Cambria Math" panose="02040503050406030204" pitchFamily="18" charset="0"/>
                                       <a:cs typeface="Arial" panose="020B0604020202020204" pitchFamily="34" charset="0"/>
                                     </a:rPr>
                                   </m:ctrlPr>
-                                </m:dPr>
+                                </m:sSubPr>
                                 <m:e>
-                                  <m:sSubSup>
-                                    <m:sSubSupPr>
+                                  <m:acc>
+                                    <m:accPr>
+                                      <m:chr m:val="̂"/>
                                       <m:ctrlPr>
-                                        <a:rPr lang="it-IT" sz="2400" b="0" i="1" smtClean="0">
+                                        <a:rPr lang="it-IT" sz="3200" b="0" i="1" smtClean="0">
                                           <a:latin typeface="Cambria Math" panose="02040503050406030204" pitchFamily="18" charset="0"/>
                                           <a:cs typeface="Arial" panose="020B0604020202020204" pitchFamily="34" charset="0"/>
                                         </a:rPr>
                                       </m:ctrlPr>
-                                    </m:sSubSupPr>
+                                    </m:accPr>
                                     <m:e>
-                                      <m:acc>
-                                        <m:accPr>
-                                          <m:chr m:val="̂"/>
-                                          <m:ctrlPr>
-                                            <a:rPr lang="it-IT" sz="2400" b="0" i="1" smtClean="0">
-                                              <a:latin typeface="Cambria Math" panose="02040503050406030204" pitchFamily="18" charset="0"/>
-                                              <a:cs typeface="Arial" panose="020B0604020202020204" pitchFamily="34" charset="0"/>
-                                            </a:rPr>
-                                          </m:ctrlPr>
-                                        </m:accPr>
-                                        <m:e>
-                                          <m:r>
-                                            <a:rPr lang="it-IT" sz="2400" b="0" i="1" smtClean="0">
-                                              <a:latin typeface="Cambria Math" panose="02040503050406030204" pitchFamily="18" charset="0"/>
-                                              <a:cs typeface="Arial" panose="020B0604020202020204" pitchFamily="34" charset="0"/>
-                                            </a:rPr>
-                                            <m:t>𝑦</m:t>
-                                          </m:r>
-                                        </m:e>
-                                      </m:acc>
-                                    </m:e>
-                                    <m:sub>
                                       <m:r>
-                                        <a:rPr lang="it-IT" sz="2400" b="0" i="1" smtClean="0">
+                                        <a:rPr lang="it-IT" sz="3200" b="0" i="1" smtClean="0">
                                           <a:latin typeface="Cambria Math" panose="02040503050406030204" pitchFamily="18" charset="0"/>
                                           <a:cs typeface="Arial" panose="020B0604020202020204" pitchFamily="34" charset="0"/>
                                         </a:rPr>
-                                        <m:t>𝑘</m:t>
+                                        <m:t>𝑦</m:t>
                                       </m:r>
-                                    </m:sub>
-                                    <m:sup/>
-                                  </m:sSubSup>
+                                    </m:e>
+                                  </m:acc>
+                                </m:e>
+                                <m:sub>
                                   <m:r>
-                                    <a:rPr lang="it-IT" sz="2400" b="0" i="1" smtClean="0">
+                                    <a:rPr lang="it-IT" sz="3200" b="0" i="1" smtClean="0">
                                       <a:latin typeface="Cambria Math" panose="02040503050406030204" pitchFamily="18" charset="0"/>
                                       <a:cs typeface="Arial" panose="020B0604020202020204" pitchFamily="34" charset="0"/>
                                     </a:rPr>
-                                    <m:t>−</m:t>
+                                    <m:t>𝑓</m:t>
                                   </m:r>
-                                  <m:sSubSup>
-                                    <m:sSubSupPr>
-                                      <m:ctrlPr>
-                                        <a:rPr lang="it-IT" sz="2400" b="0" i="1" smtClean="0">
-                                          <a:latin typeface="Cambria Math" panose="02040503050406030204" pitchFamily="18" charset="0"/>
-                                          <a:cs typeface="Arial" panose="020B0604020202020204" pitchFamily="34" charset="0"/>
-                                        </a:rPr>
-                                      </m:ctrlPr>
-                                    </m:sSubSupPr>
-                                    <m:e>
-                                      <m:r>
-                                        <a:rPr lang="it-IT" sz="2400" b="0" i="1" smtClean="0">
-                                          <a:latin typeface="Cambria Math" panose="02040503050406030204" pitchFamily="18" charset="0"/>
-                                          <a:cs typeface="Arial" panose="020B0604020202020204" pitchFamily="34" charset="0"/>
-                                        </a:rPr>
-                                        <m:t>𝑟</m:t>
-                                      </m:r>
-                                    </m:e>
-                                    <m:sub>
-                                      <m:r>
-                                        <a:rPr lang="it-IT" sz="2400" b="0" i="1" smtClean="0">
-                                          <a:latin typeface="Cambria Math" panose="02040503050406030204" pitchFamily="18" charset="0"/>
-                                          <a:cs typeface="Arial" panose="020B0604020202020204" pitchFamily="34" charset="0"/>
-                                        </a:rPr>
-                                        <m:t>𝑘</m:t>
-                                      </m:r>
-                                    </m:sub>
-                                    <m:sup/>
-                                  </m:sSubSup>
-                                </m:e>
-                              </m:d>
-                            </m:e>
-                            <m:sup>
+                                </m:sub>
+                              </m:sSub>
                               <m:r>
-                                <a:rPr lang="it-IT" sz="2400" b="0" i="1" smtClean="0">
+                                <a:rPr lang="it-IT" sz="3200" b="0" i="1" smtClean="0">
                                   <a:latin typeface="Cambria Math" panose="02040503050406030204" pitchFamily="18" charset="0"/>
                                   <a:cs typeface="Arial" panose="020B0604020202020204" pitchFamily="34" charset="0"/>
                                 </a:rPr>
-                                <m:t>𝑇</m:t>
+                                <m:t>−</m:t>
                               </m:r>
-                            </m:sup>
-                          </m:sSup>
+                              <m:sSub>
+                                <m:sSubPr>
+                                  <m:ctrlPr>
+                                    <a:rPr lang="it-IT" sz="3200" b="0" i="1" smtClean="0">
+                                      <a:latin typeface="Cambria Math" panose="02040503050406030204" pitchFamily="18" charset="0"/>
+                                      <a:cs typeface="Arial" panose="020B0604020202020204" pitchFamily="34" charset="0"/>
+                                    </a:rPr>
+                                  </m:ctrlPr>
+                                </m:sSubPr>
+                                <m:e>
+                                  <m:r>
+                                    <a:rPr lang="it-IT" sz="3200" b="0" i="1" smtClean="0">
+                                      <a:latin typeface="Cambria Math" panose="02040503050406030204" pitchFamily="18" charset="0"/>
+                                      <a:cs typeface="Arial" panose="020B0604020202020204" pitchFamily="34" charset="0"/>
+                                    </a:rPr>
+                                    <m:t>𝑟</m:t>
+                                  </m:r>
+                                </m:e>
+                                <m:sub>
+                                  <m:r>
+                                    <a:rPr lang="it-IT" sz="3200" b="0" i="1" smtClean="0">
+                                      <a:latin typeface="Cambria Math" panose="02040503050406030204" pitchFamily="18" charset="0"/>
+                                      <a:cs typeface="Arial" panose="020B0604020202020204" pitchFamily="34" charset="0"/>
+                                    </a:rPr>
+                                    <m:t>𝑓</m:t>
+                                  </m:r>
+                                </m:sub>
+                              </m:sSub>
+                            </m:e>
+                          </m:d>
+                        </m:e>
+                        <m:sup>
                           <m:r>
-                            <a:rPr lang="it-IT" sz="2400" b="0" i="1" smtClean="0">
+                            <a:rPr lang="it-IT" sz="3200" b="0" i="1" smtClean="0">
                               <a:latin typeface="Cambria Math" panose="02040503050406030204" pitchFamily="18" charset="0"/>
                               <a:cs typeface="Arial" panose="020B0604020202020204" pitchFamily="34" charset="0"/>
                             </a:rPr>
-                            <m:t>∗</m:t>
+                            <m:t>𝑇</m:t>
                           </m:r>
-                          <m:sSub>
-                            <m:sSubPr>
+                        </m:sup>
+                      </m:sSup>
+                      <m:r>
+                        <a:rPr lang="it-IT" sz="3200" b="0" i="1" smtClean="0">
+                          <a:latin typeface="Cambria Math" panose="02040503050406030204" pitchFamily="18" charset="0"/>
+                          <a:cs typeface="Arial" panose="020B0604020202020204" pitchFamily="34" charset="0"/>
+                        </a:rPr>
+                        <m:t>𝑄</m:t>
+                      </m:r>
+                      <m:r>
+                        <a:rPr lang="it-IT" sz="3200" b="0" i="1" smtClean="0">
+                          <a:latin typeface="Cambria Math" panose="02040503050406030204" pitchFamily="18" charset="0"/>
+                          <a:cs typeface="Arial" panose="020B0604020202020204" pitchFamily="34" charset="0"/>
+                        </a:rPr>
+                        <m:t>(</m:t>
+                      </m:r>
+                      <m:sSub>
+                        <m:sSubPr>
+                          <m:ctrlPr>
+                            <a:rPr lang="it-IT" sz="3200" b="0" i="1" smtClean="0">
+                              <a:latin typeface="Cambria Math" panose="02040503050406030204" pitchFamily="18" charset="0"/>
+                              <a:cs typeface="Arial" panose="020B0604020202020204" pitchFamily="34" charset="0"/>
+                            </a:rPr>
+                          </m:ctrlPr>
+                        </m:sSubPr>
+                        <m:e>
+                          <m:acc>
+                            <m:accPr>
+                              <m:chr m:val="̂"/>
                               <m:ctrlPr>
-                                <a:rPr lang="it-IT" sz="2400" b="0" i="1" smtClean="0">
+                                <a:rPr lang="it-IT" sz="3200" b="0" i="1" smtClean="0">
                                   <a:latin typeface="Cambria Math" panose="02040503050406030204" pitchFamily="18" charset="0"/>
                                   <a:cs typeface="Arial" panose="020B0604020202020204" pitchFamily="34" charset="0"/>
                                 </a:rPr>
                               </m:ctrlPr>
-                            </m:sSubPr>
+                            </m:accPr>
                             <m:e>
                               <m:r>
-                                <a:rPr lang="it-IT" sz="2400" b="0" i="1" smtClean="0">
+                                <a:rPr lang="it-IT" sz="3200" b="0" i="1" smtClean="0">
                                   <a:latin typeface="Cambria Math" panose="02040503050406030204" pitchFamily="18" charset="0"/>
                                   <a:cs typeface="Arial" panose="020B0604020202020204" pitchFamily="34" charset="0"/>
                                 </a:rPr>
-                                <m:t>𝑄</m:t>
+                                <m:t>𝑦</m:t>
                               </m:r>
                             </m:e>
-                            <m:sub>
-                              <m:r>
-                                <a:rPr lang="it-IT" sz="2400" b="0" i="1" smtClean="0">
-                                  <a:latin typeface="Cambria Math" panose="02040503050406030204" pitchFamily="18" charset="0"/>
-                                  <a:cs typeface="Arial" panose="020B0604020202020204" pitchFamily="34" charset="0"/>
-                                </a:rPr>
-                                <m:t>𝑘</m:t>
-                              </m:r>
-                            </m:sub>
-                          </m:sSub>
+                          </m:acc>
                         </m:e>
-                      </m:nary>
-                      <m:d>
-                        <m:dPr>
+                        <m:sub>
+                          <m:r>
+                            <a:rPr lang="it-IT" sz="3200" b="0" i="1" smtClean="0">
+                              <a:latin typeface="Cambria Math" panose="02040503050406030204" pitchFamily="18" charset="0"/>
+                              <a:cs typeface="Arial" panose="020B0604020202020204" pitchFamily="34" charset="0"/>
+                            </a:rPr>
+                            <m:t>𝑓</m:t>
+                          </m:r>
+                        </m:sub>
+                      </m:sSub>
+                      <m:r>
+                        <a:rPr lang="it-IT" sz="3200" b="0" i="1" smtClean="0">
+                          <a:latin typeface="Cambria Math" panose="02040503050406030204" pitchFamily="18" charset="0"/>
+                          <a:cs typeface="Arial" panose="020B0604020202020204" pitchFamily="34" charset="0"/>
+                        </a:rPr>
+                        <m:t>−</m:t>
+                      </m:r>
+                      <m:sSub>
+                        <m:sSubPr>
                           <m:ctrlPr>
-                            <a:rPr lang="it-IT" sz="2400" b="0" i="1" smtClean="0">
+                            <a:rPr lang="it-IT" sz="3200" b="0" i="1" smtClean="0">
                               <a:latin typeface="Cambria Math" panose="02040503050406030204" pitchFamily="18" charset="0"/>
                               <a:cs typeface="Arial" panose="020B0604020202020204" pitchFamily="34" charset="0"/>
                             </a:rPr>
                           </m:ctrlPr>
-                        </m:dPr>
+                        </m:sSubPr>
                         <m:e>
-                          <m:sSubSup>
-                            <m:sSubSupPr>
-                              <m:ctrlPr>
-                                <a:rPr lang="it-IT" sz="2400" b="0" i="1" smtClean="0">
-                                  <a:latin typeface="Cambria Math" panose="02040503050406030204" pitchFamily="18" charset="0"/>
-                                  <a:cs typeface="Arial" panose="020B0604020202020204" pitchFamily="34" charset="0"/>
-                                </a:rPr>
-                              </m:ctrlPr>
-                            </m:sSubSupPr>
-                            <m:e>
-                              <m:acc>
-                                <m:accPr>
-                                  <m:chr m:val="̂"/>
-                                  <m:ctrlPr>
-                                    <a:rPr lang="it-IT" sz="2400" b="0" i="1" smtClean="0">
-                                      <a:latin typeface="Cambria Math" panose="02040503050406030204" pitchFamily="18" charset="0"/>
-                                      <a:cs typeface="Arial" panose="020B0604020202020204" pitchFamily="34" charset="0"/>
-                                    </a:rPr>
-                                  </m:ctrlPr>
-                                </m:accPr>
-                                <m:e>
-                                  <m:r>
-                                    <a:rPr lang="it-IT" sz="2400" b="0" i="1" smtClean="0">
-                                      <a:latin typeface="Cambria Math" panose="02040503050406030204" pitchFamily="18" charset="0"/>
-                                      <a:cs typeface="Arial" panose="020B0604020202020204" pitchFamily="34" charset="0"/>
-                                    </a:rPr>
-                                    <m:t>𝑦</m:t>
-                                  </m:r>
-                                </m:e>
-                              </m:acc>
-                            </m:e>
-                            <m:sub>
-                              <m:r>
-                                <a:rPr lang="it-IT" sz="2400" b="0" i="1" smtClean="0">
-                                  <a:latin typeface="Cambria Math" panose="02040503050406030204" pitchFamily="18" charset="0"/>
-                                  <a:cs typeface="Arial" panose="020B0604020202020204" pitchFamily="34" charset="0"/>
-                                </a:rPr>
-                                <m:t>𝑘</m:t>
-                              </m:r>
-                            </m:sub>
-                            <m:sup/>
-                          </m:sSubSup>
                           <m:r>
-                            <a:rPr lang="it-IT" sz="2400" b="0" i="1" smtClean="0">
+                            <a:rPr lang="it-IT" sz="3200" b="0" i="1" smtClean="0">
                               <a:latin typeface="Cambria Math" panose="02040503050406030204" pitchFamily="18" charset="0"/>
                               <a:cs typeface="Arial" panose="020B0604020202020204" pitchFamily="34" charset="0"/>
                             </a:rPr>
-                            <m:t>−</m:t>
+                            <m:t>𝑟</m:t>
                           </m:r>
-                          <m:sSubSup>
-                            <m:sSubSupPr>
-                              <m:ctrlPr>
-                                <a:rPr lang="it-IT" sz="2400" b="0" i="1" smtClean="0">
-                                  <a:latin typeface="Cambria Math" panose="02040503050406030204" pitchFamily="18" charset="0"/>
-                                  <a:cs typeface="Arial" panose="020B0604020202020204" pitchFamily="34" charset="0"/>
-                                </a:rPr>
-                              </m:ctrlPr>
-                            </m:sSubSupPr>
-                            <m:e>
-                              <m:r>
-                                <a:rPr lang="it-IT" sz="2400" b="0" i="1" smtClean="0">
-                                  <a:latin typeface="Cambria Math" panose="02040503050406030204" pitchFamily="18" charset="0"/>
-                                  <a:cs typeface="Arial" panose="020B0604020202020204" pitchFamily="34" charset="0"/>
-                                </a:rPr>
-                                <m:t>𝑟</m:t>
-                              </m:r>
-                            </m:e>
-                            <m:sub>
-                              <m:r>
-                                <a:rPr lang="it-IT" sz="2400" b="0" i="1" smtClean="0">
-                                  <a:latin typeface="Cambria Math" panose="02040503050406030204" pitchFamily="18" charset="0"/>
-                                  <a:cs typeface="Arial" panose="020B0604020202020204" pitchFamily="34" charset="0"/>
-                                </a:rPr>
-                                <m:t>𝑘</m:t>
-                              </m:r>
-                            </m:sub>
-                            <m:sup/>
-                          </m:sSubSup>
                         </m:e>
-                      </m:d>
+                        <m:sub>
+                          <m:r>
+                            <a:rPr lang="it-IT" sz="3200" b="0" i="1" smtClean="0">
+                              <a:latin typeface="Cambria Math" panose="02040503050406030204" pitchFamily="18" charset="0"/>
+                              <a:cs typeface="Arial" panose="020B0604020202020204" pitchFamily="34" charset="0"/>
+                            </a:rPr>
+                            <m:t>𝑓</m:t>
+                          </m:r>
+                        </m:sub>
+                      </m:sSub>
                       <m:r>
-                        <a:rPr lang="it-IT" sz="2400" b="0" i="1" smtClean="0">
+                        <a:rPr lang="it-IT" sz="3200" b="0" i="1" smtClean="0">
                           <a:latin typeface="Cambria Math" panose="02040503050406030204" pitchFamily="18" charset="0"/>
                           <a:cs typeface="Arial" panose="020B0604020202020204" pitchFamily="34" charset="0"/>
                         </a:rPr>
-                        <m:t>+</m:t>
+                        <m:t>)+</m:t>
                       </m:r>
                       <m:sSubSup>
                         <m:sSubSupPr>
                           <m:ctrlPr>
-                            <a:rPr lang="it-IT" sz="2400" b="0" i="1" smtClean="0">
+                            <a:rPr lang="it-IT" sz="3200" b="0" i="1" smtClean="0">
                               <a:latin typeface="Cambria Math" panose="02040503050406030204" pitchFamily="18" charset="0"/>
                               <a:cs typeface="Arial" panose="020B0604020202020204" pitchFamily="34" charset="0"/>
                             </a:rPr>
@@ -6735,7 +9260,7 @@
                         </m:sSubSupPr>
                         <m:e>
                           <m:r>
-                            <a:rPr lang="it-IT" sz="2400" b="0" i="1" smtClean="0">
+                            <a:rPr lang="it-IT" sz="3200" b="0" i="1" smtClean="0">
                               <a:latin typeface="Cambria Math" panose="02040503050406030204" pitchFamily="18" charset="0"/>
                               <a:cs typeface="Arial" panose="020B0604020202020204" pitchFamily="34" charset="0"/>
                             </a:rPr>
@@ -6744,16 +9269,16 @@
                         </m:e>
                         <m:sub>
                           <m:r>
-                            <a:rPr lang="it-IT" sz="2400" b="0" i="1" smtClean="0">
+                            <a:rPr lang="it-IT" sz="3200" b="0" i="1" smtClean="0">
                               <a:latin typeface="Cambria Math" panose="02040503050406030204" pitchFamily="18" charset="0"/>
                               <a:cs typeface="Arial" panose="020B0604020202020204" pitchFamily="34" charset="0"/>
                             </a:rPr>
-                            <m:t>𝑘</m:t>
+                            <m:t>𝑓</m:t>
                           </m:r>
                         </m:sub>
                         <m:sup>
                           <m:r>
-                            <a:rPr lang="it-IT" sz="2400" b="0" i="1" smtClean="0">
+                            <a:rPr lang="it-IT" sz="3200" b="0" i="1" smtClean="0">
                               <a:latin typeface="Cambria Math" panose="02040503050406030204" pitchFamily="18" charset="0"/>
                               <a:cs typeface="Arial" panose="020B0604020202020204" pitchFamily="34" charset="0"/>
                             </a:rPr>
@@ -6761,10 +9286,17 @@
                           </m:r>
                         </m:sup>
                       </m:sSubSup>
+                      <m:r>
+                        <a:rPr lang="it-IT" sz="3200" b="0" i="1" smtClean="0">
+                          <a:latin typeface="Cambria Math" panose="02040503050406030204" pitchFamily="18" charset="0"/>
+                          <a:cs typeface="Arial" panose="020B0604020202020204" pitchFamily="34" charset="0"/>
+                        </a:rPr>
+                        <m:t>𝑅</m:t>
+                      </m:r>
                       <m:sSub>
                         <m:sSubPr>
                           <m:ctrlPr>
-                            <a:rPr lang="it-IT" sz="2400" b="0" i="1" smtClean="0">
+                            <a:rPr lang="it-IT" sz="3200" b="0" i="1" smtClean="0">
                               <a:latin typeface="Cambria Math" panose="02040503050406030204" pitchFamily="18" charset="0"/>
                               <a:cs typeface="Arial" panose="020B0604020202020204" pitchFamily="34" charset="0"/>
                             </a:rPr>
@@ -6772,35 +9304,7 @@
                         </m:sSubPr>
                         <m:e>
                           <m:r>
-                            <a:rPr lang="it-IT" sz="2400" b="0" i="1" smtClean="0">
-                              <a:latin typeface="Cambria Math" panose="02040503050406030204" pitchFamily="18" charset="0"/>
-                              <a:cs typeface="Arial" panose="020B0604020202020204" pitchFamily="34" charset="0"/>
-                            </a:rPr>
-                            <m:t>𝑅</m:t>
-                          </m:r>
-                        </m:e>
-                        <m:sub>
-                          <m:r>
-                            <a:rPr lang="it-IT" sz="2400" b="0" i="1" smtClean="0">
-                              <a:latin typeface="Cambria Math" panose="02040503050406030204" pitchFamily="18" charset="0"/>
-                              <a:cs typeface="Arial" panose="020B0604020202020204" pitchFamily="34" charset="0"/>
-                            </a:rPr>
-                            <m:t>𝑘</m:t>
-                          </m:r>
-                        </m:sub>
-                      </m:sSub>
-                      <m:sSub>
-                        <m:sSubPr>
-                          <m:ctrlPr>
-                            <a:rPr lang="it-IT" sz="2400" b="0" i="1" smtClean="0">
-                              <a:latin typeface="Cambria Math" panose="02040503050406030204" pitchFamily="18" charset="0"/>
-                              <a:cs typeface="Arial" panose="020B0604020202020204" pitchFamily="34" charset="0"/>
-                            </a:rPr>
-                          </m:ctrlPr>
-                        </m:sSubPr>
-                        <m:e>
-                          <m:r>
-                            <a:rPr lang="it-IT" sz="2400" b="0" i="1" smtClean="0">
+                            <a:rPr lang="it-IT" sz="3200" b="0" i="1" smtClean="0">
                               <a:latin typeface="Cambria Math" panose="02040503050406030204" pitchFamily="18" charset="0"/>
                               <a:cs typeface="Arial" panose="020B0604020202020204" pitchFamily="34" charset="0"/>
                             </a:rPr>
@@ -6809,18 +9313,18 @@
                         </m:e>
                         <m:sub>
                           <m:r>
-                            <a:rPr lang="it-IT" sz="2400" b="0" i="1" smtClean="0">
+                            <a:rPr lang="it-IT" sz="3200" b="0" i="1" smtClean="0">
                               <a:latin typeface="Cambria Math" panose="02040503050406030204" pitchFamily="18" charset="0"/>
                               <a:cs typeface="Arial" panose="020B0604020202020204" pitchFamily="34" charset="0"/>
                             </a:rPr>
-                            <m:t>𝑘</m:t>
+                            <m:t>𝑓</m:t>
                           </m:r>
                         </m:sub>
                       </m:sSub>
                     </m:oMath>
                   </m:oMathPara>
                 </a14:m>
-                <a:endParaRPr lang="it-IT" sz="2400" b="0" dirty="0">
+                <a:endParaRPr lang="it-IT" sz="4000" dirty="0">
                   <a:latin typeface="Arial" panose="020B0604020202020204" pitchFamily="34" charset="0"/>
                   <a:cs typeface="Arial" panose="020B0604020202020204" pitchFamily="34" charset="0"/>
                 </a:endParaRPr>
@@ -6871,15 +9375,15 @@
                 </a:r>
                 <a14:m>
                   <m:oMath xmlns:m="http://schemas.openxmlformats.org/officeDocument/2006/math">
-                    <m:sSubSup>
-                      <m:sSubSupPr>
+                    <m:sSub>
+                      <m:sSubPr>
                         <m:ctrlPr>
                           <a:rPr lang="it-IT" sz="2400" b="0" i="1" smtClean="0">
                             <a:latin typeface="Cambria Math" panose="02040503050406030204" pitchFamily="18" charset="0"/>
                             <a:cs typeface="Arial" panose="020B0604020202020204" pitchFamily="34" charset="0"/>
                           </a:rPr>
                         </m:ctrlPr>
-                      </m:sSubSupPr>
+                      </m:sSubPr>
                       <m:e>
                         <m:r>
                           <a:rPr lang="it-IT" sz="2400" b="0" i="1" smtClean="0">
@@ -6895,11 +9399,10 @@
                             <a:latin typeface="Cambria Math" panose="02040503050406030204" pitchFamily="18" charset="0"/>
                             <a:cs typeface="Arial" panose="020B0604020202020204" pitchFamily="34" charset="0"/>
                           </a:rPr>
-                          <m:t>𝑘</m:t>
+                          <m:t>𝑓</m:t>
                         </m:r>
                       </m:sub>
-                      <m:sup/>
-                    </m:sSubSup>
+                    </m:sSub>
                   </m:oMath>
                 </a14:m>
                 <a:r>
@@ -6907,7 +9410,7 @@
                     <a:latin typeface="Arial" panose="020B0604020202020204" pitchFamily="34" charset="0"/>
                     <a:cs typeface="Arial" panose="020B0604020202020204" pitchFamily="34" charset="0"/>
                   </a:rPr>
-                  <a:t> are the </a:t>
+                  <a:t>are the </a:t>
                 </a:r>
                 <a:r>
                   <a:rPr lang="it-IT" sz="2400" b="0" dirty="0" err="1">
@@ -6939,15 +9442,15 @@
                 </a:r>
                 <a14:m>
                   <m:oMath xmlns:m="http://schemas.openxmlformats.org/officeDocument/2006/math">
-                    <m:sSubSup>
-                      <m:sSubSupPr>
+                    <m:sSub>
+                      <m:sSubPr>
                         <m:ctrlPr>
                           <a:rPr lang="it-IT" sz="2400" b="0" i="1" smtClean="0">
                             <a:latin typeface="Cambria Math" panose="02040503050406030204" pitchFamily="18" charset="0"/>
                             <a:cs typeface="Arial" panose="020B0604020202020204" pitchFamily="34" charset="0"/>
                           </a:rPr>
                         </m:ctrlPr>
-                      </m:sSubSupPr>
+                      </m:sSubPr>
                       <m:e>
                         <m:acc>
                           <m:accPr>
@@ -6976,11 +9479,17 @@
                             <a:latin typeface="Cambria Math" panose="02040503050406030204" pitchFamily="18" charset="0"/>
                             <a:cs typeface="Arial" panose="020B0604020202020204" pitchFamily="34" charset="0"/>
                           </a:rPr>
-                          <m:t>𝑘</m:t>
+                          <m:t>𝑓</m:t>
                         </m:r>
                       </m:sub>
-                      <m:sup/>
-                    </m:sSubSup>
+                    </m:sSub>
+                    <m:r>
+                      <a:rPr lang="it-IT" sz="2400" b="0" i="1" smtClean="0">
+                        <a:latin typeface="Cambria Math" panose="02040503050406030204" pitchFamily="18" charset="0"/>
+                        <a:cs typeface="Arial" panose="020B0604020202020204" pitchFamily="34" charset="0"/>
+                      </a:rPr>
+                      <m:t> </m:t>
+                    </m:r>
                   </m:oMath>
                 </a14:m>
                 <a:r>
@@ -6988,7 +9497,7 @@
                     <a:latin typeface="Arial" panose="020B0604020202020204" pitchFamily="34" charset="0"/>
                     <a:cs typeface="Arial" panose="020B0604020202020204" pitchFamily="34" charset="0"/>
                   </a:rPr>
-                  <a:t> are the </a:t>
+                  <a:t>are the </a:t>
                 </a:r>
                 <a:r>
                   <a:rPr lang="it-IT" sz="2400" b="0" dirty="0" err="1">
@@ -7002,7 +9511,66 @@
                     <a:latin typeface="Arial" panose="020B0604020202020204" pitchFamily="34" charset="0"/>
                     <a:cs typeface="Arial" panose="020B0604020202020204" pitchFamily="34" charset="0"/>
                   </a:rPr>
-                  <a:t> outputs of the system, and Q and R are user- </a:t>
+                  <a:t> outputs of the system,</a:t>
+                </a:r>
+                <a:r>
+                  <a:rPr lang="it-IT" sz="2400" noProof="0" dirty="0">
+                    <a:cs typeface="Arial" panose="020B0604020202020204" pitchFamily="34" charset="0"/>
+                  </a:rPr>
+                  <a:t> </a:t>
+                </a:r>
+                <a14:m>
+                  <m:oMath xmlns:m="http://schemas.openxmlformats.org/officeDocument/2006/math">
+                    <m:sSub>
+                      <m:sSubPr>
+                        <m:ctrlPr>
+                          <a:rPr lang="it-IT" sz="2400" i="1" noProof="0" smtClean="0">
+                            <a:latin typeface="Cambria Math" panose="02040503050406030204" pitchFamily="18" charset="0"/>
+                            <a:cs typeface="Arial" panose="020B0604020202020204" pitchFamily="34" charset="0"/>
+                          </a:rPr>
+                        </m:ctrlPr>
+                      </m:sSubPr>
+                      <m:e>
+                        <m:r>
+                          <a:rPr lang="it-IT" sz="2400" b="0" i="1" noProof="0" smtClean="0">
+                            <a:latin typeface="Cambria Math" panose="02040503050406030204" pitchFamily="18" charset="0"/>
+                            <a:cs typeface="Arial" panose="020B0604020202020204" pitchFamily="34" charset="0"/>
+                          </a:rPr>
+                          <m:t>𝑢</m:t>
+                        </m:r>
+                      </m:e>
+                      <m:sub>
+                        <m:r>
+                          <a:rPr lang="it-IT" sz="2400" b="0" i="1" noProof="0" smtClean="0">
+                            <a:latin typeface="Cambria Math" panose="02040503050406030204" pitchFamily="18" charset="0"/>
+                            <a:cs typeface="Arial" panose="020B0604020202020204" pitchFamily="34" charset="0"/>
+                          </a:rPr>
+                          <m:t>𝑓</m:t>
+                        </m:r>
+                      </m:sub>
+                    </m:sSub>
+                  </m:oMath>
+                </a14:m>
+                <a:r>
+                  <a:rPr lang="it-IT" sz="2400" b="0" dirty="0">
+                    <a:latin typeface="Arial" panose="020B0604020202020204" pitchFamily="34" charset="0"/>
+                    <a:cs typeface="Arial" panose="020B0604020202020204" pitchFamily="34" charset="0"/>
+                  </a:rPr>
+                  <a:t> is the future input </a:t>
+                </a:r>
+                <a:r>
+                  <a:rPr lang="it-IT" sz="2400" b="0" dirty="0" err="1">
+                    <a:latin typeface="Arial" panose="020B0604020202020204" pitchFamily="34" charset="0"/>
+                    <a:cs typeface="Arial" panose="020B0604020202020204" pitchFamily="34" charset="0"/>
+                  </a:rPr>
+                  <a:t>sequence</a:t>
+                </a:r>
+                <a:r>
+                  <a:rPr lang="it-IT" sz="2400" b="0" dirty="0">
+                    <a:latin typeface="Arial" panose="020B0604020202020204" pitchFamily="34" charset="0"/>
+                    <a:cs typeface="Arial" panose="020B0604020202020204" pitchFamily="34" charset="0"/>
+                  </a:rPr>
+                  <a:t>, and Q and R are user- </a:t>
                 </a:r>
                 <a:r>
                   <a:rPr lang="it-IT" sz="2400" b="0" dirty="0" err="1">
@@ -7049,6 +9617,563 @@
               </a:p>
               <a:p>
                 <a:pPr algn="just"/>
+                <a:endParaRPr lang="it-IT" sz="2400" dirty="0">
+                  <a:latin typeface="Arial" panose="020B0604020202020204" pitchFamily="34" charset="0"/>
+                  <a:cs typeface="Arial" panose="020B0604020202020204" pitchFamily="34" charset="0"/>
+                </a:endParaRPr>
+              </a:p>
+              <a:p>
+                <a:pPr algn="just"/>
+                <a14:m>
+                  <m:oMath xmlns:m="http://schemas.openxmlformats.org/officeDocument/2006/math">
+                    <m:sSub>
+                      <m:sSubPr>
+                        <m:ctrlPr>
+                          <a:rPr lang="it-IT" sz="2400" i="1" noProof="0" smtClean="0">
+                            <a:latin typeface="Cambria Math" panose="02040503050406030204" pitchFamily="18" charset="0"/>
+                            <a:cs typeface="Arial" panose="020B0604020202020204" pitchFamily="34" charset="0"/>
+                          </a:rPr>
+                        </m:ctrlPr>
+                      </m:sSubPr>
+                      <m:e>
+                        <m:acc>
+                          <m:accPr>
+                            <m:chr m:val="̂"/>
+                            <m:ctrlPr>
+                              <a:rPr lang="it-IT" sz="2400" b="0" i="1" noProof="0" smtClean="0">
+                                <a:latin typeface="Cambria Math" panose="02040503050406030204" pitchFamily="18" charset="0"/>
+                                <a:cs typeface="Arial" panose="020B0604020202020204" pitchFamily="34" charset="0"/>
+                              </a:rPr>
+                            </m:ctrlPr>
+                          </m:accPr>
+                          <m:e>
+                            <m:r>
+                              <a:rPr lang="it-IT" sz="2400" b="0" i="1" noProof="0" smtClean="0">
+                                <a:latin typeface="Cambria Math" panose="02040503050406030204" pitchFamily="18" charset="0"/>
+                                <a:cs typeface="Arial" panose="020B0604020202020204" pitchFamily="34" charset="0"/>
+                              </a:rPr>
+                              <m:t>𝑦</m:t>
+                            </m:r>
+                          </m:e>
+                        </m:acc>
+                      </m:e>
+                      <m:sub>
+                        <m:r>
+                          <a:rPr lang="it-IT" sz="2400" b="0" i="1" noProof="0" smtClean="0">
+                            <a:latin typeface="Cambria Math" panose="02040503050406030204" pitchFamily="18" charset="0"/>
+                            <a:cs typeface="Arial" panose="020B0604020202020204" pitchFamily="34" charset="0"/>
+                          </a:rPr>
+                          <m:t>𝑓</m:t>
+                        </m:r>
+                      </m:sub>
+                    </m:sSub>
+                    <m:r>
+                      <a:rPr lang="it-IT" sz="2400" b="0" i="1" noProof="0" smtClean="0">
+                        <a:latin typeface="Cambria Math" panose="02040503050406030204" pitchFamily="18" charset="0"/>
+                        <a:cs typeface="Arial" panose="020B0604020202020204" pitchFamily="34" charset="0"/>
+                      </a:rPr>
+                      <m:t>=</m:t>
+                    </m:r>
+                    <m:d>
+                      <m:dPr>
+                        <m:ctrlPr>
+                          <a:rPr lang="it-IT" sz="2400" b="0" i="1" noProof="0" smtClean="0">
+                            <a:latin typeface="Cambria Math" panose="02040503050406030204" pitchFamily="18" charset="0"/>
+                            <a:cs typeface="Arial" panose="020B0604020202020204" pitchFamily="34" charset="0"/>
+                          </a:rPr>
+                        </m:ctrlPr>
+                      </m:dPr>
+                      <m:e>
+                        <m:eqArr>
+                          <m:eqArrPr>
+                            <m:ctrlPr>
+                              <a:rPr lang="it-IT" sz="2400" b="0" i="1" noProof="0" smtClean="0">
+                                <a:latin typeface="Cambria Math" panose="02040503050406030204" pitchFamily="18" charset="0"/>
+                                <a:cs typeface="Arial" panose="020B0604020202020204" pitchFamily="34" charset="0"/>
+                              </a:rPr>
+                            </m:ctrlPr>
+                          </m:eqArrPr>
+                          <m:e>
+                            <m:sSub>
+                              <m:sSubPr>
+                                <m:ctrlPr>
+                                  <a:rPr lang="it-IT" sz="2400" b="0" i="1" noProof="0" smtClean="0">
+                                    <a:latin typeface="Cambria Math" panose="02040503050406030204" pitchFamily="18" charset="0"/>
+                                    <a:cs typeface="Arial" panose="020B0604020202020204" pitchFamily="34" charset="0"/>
+                                  </a:rPr>
+                                </m:ctrlPr>
+                              </m:sSubPr>
+                              <m:e>
+                                <m:acc>
+                                  <m:accPr>
+                                    <m:chr m:val="̂"/>
+                                    <m:ctrlPr>
+                                      <a:rPr lang="it-IT" sz="2400" b="0" i="1" noProof="0" smtClean="0">
+                                        <a:latin typeface="Cambria Math" panose="02040503050406030204" pitchFamily="18" charset="0"/>
+                                        <a:cs typeface="Arial" panose="020B0604020202020204" pitchFamily="34" charset="0"/>
+                                      </a:rPr>
+                                    </m:ctrlPr>
+                                  </m:accPr>
+                                  <m:e>
+                                    <m:r>
+                                      <a:rPr lang="it-IT" sz="2400" b="0" i="1" noProof="0" smtClean="0">
+                                        <a:latin typeface="Cambria Math" panose="02040503050406030204" pitchFamily="18" charset="0"/>
+                                        <a:cs typeface="Arial" panose="020B0604020202020204" pitchFamily="34" charset="0"/>
+                                      </a:rPr>
+                                      <m:t>𝑦</m:t>
+                                    </m:r>
+                                  </m:e>
+                                </m:acc>
+                              </m:e>
+                              <m:sub>
+                                <m:r>
+                                  <a:rPr lang="it-IT" sz="2400" b="0" i="1" noProof="0" smtClean="0">
+                                    <a:latin typeface="Cambria Math" panose="02040503050406030204" pitchFamily="18" charset="0"/>
+                                    <a:cs typeface="Arial" panose="020B0604020202020204" pitchFamily="34" charset="0"/>
+                                  </a:rPr>
+                                  <m:t>1</m:t>
+                                </m:r>
+                              </m:sub>
+                            </m:sSub>
+                          </m:e>
+                          <m:e>
+                            <m:r>
+                              <a:rPr lang="it-IT" sz="2400" b="0" i="1" smtClean="0">
+                                <a:latin typeface="Cambria Math" panose="02040503050406030204" pitchFamily="18" charset="0"/>
+                              </a:rPr>
+                              <m:t>…</m:t>
+                            </m:r>
+                          </m:e>
+                          <m:e>
+                            <m:sSub>
+                              <m:sSubPr>
+                                <m:ctrlPr>
+                                  <a:rPr lang="it-IT" sz="2400" i="1" smtClean="0">
+                                    <a:latin typeface="Cambria Math" panose="02040503050406030204" pitchFamily="18" charset="0"/>
+                                  </a:rPr>
+                                </m:ctrlPr>
+                              </m:sSubPr>
+                              <m:e>
+                                <m:acc>
+                                  <m:accPr>
+                                    <m:chr m:val="̂"/>
+                                    <m:ctrlPr>
+                                      <a:rPr lang="it-IT" sz="2400" b="0" i="1" smtClean="0">
+                                        <a:latin typeface="Cambria Math" panose="02040503050406030204" pitchFamily="18" charset="0"/>
+                                        <a:cs typeface="Arial" panose="020B0604020202020204" pitchFamily="34" charset="0"/>
+                                      </a:rPr>
+                                    </m:ctrlPr>
+                                  </m:accPr>
+                                  <m:e>
+                                    <m:r>
+                                      <a:rPr lang="it-IT" sz="2400" b="0" i="1" smtClean="0">
+                                        <a:latin typeface="Cambria Math" panose="02040503050406030204" pitchFamily="18" charset="0"/>
+                                        <a:cs typeface="Arial" panose="020B0604020202020204" pitchFamily="34" charset="0"/>
+                                      </a:rPr>
+                                      <m:t>𝑦</m:t>
+                                    </m:r>
+                                  </m:e>
+                                </m:acc>
+                              </m:e>
+                              <m:sub>
+                                <m:r>
+                                  <a:rPr lang="it-IT" sz="2400" b="0" i="1" smtClean="0">
+                                    <a:latin typeface="Cambria Math" panose="02040503050406030204" pitchFamily="18" charset="0"/>
+                                  </a:rPr>
+                                  <m:t>𝑁</m:t>
+                                </m:r>
+                                <m:r>
+                                  <a:rPr lang="it-IT" sz="2400" b="0" i="1" smtClean="0">
+                                    <a:latin typeface="Cambria Math" panose="02040503050406030204" pitchFamily="18" charset="0"/>
+                                  </a:rPr>
+                                  <m:t>−1</m:t>
+                                </m:r>
+                              </m:sub>
+                            </m:sSub>
+                          </m:e>
+                          <m:e>
+                            <m:sSub>
+                              <m:sSubPr>
+                                <m:ctrlPr>
+                                  <a:rPr lang="it-IT" sz="2400" i="1" smtClean="0">
+                                    <a:latin typeface="Cambria Math" panose="02040503050406030204" pitchFamily="18" charset="0"/>
+                                  </a:rPr>
+                                </m:ctrlPr>
+                              </m:sSubPr>
+                              <m:e>
+                                <m:acc>
+                                  <m:accPr>
+                                    <m:chr m:val="̂"/>
+                                    <m:ctrlPr>
+                                      <a:rPr lang="it-IT" sz="2400" b="0" i="1" smtClean="0">
+                                        <a:latin typeface="Cambria Math" panose="02040503050406030204" pitchFamily="18" charset="0"/>
+                                        <a:cs typeface="Arial" panose="020B0604020202020204" pitchFamily="34" charset="0"/>
+                                      </a:rPr>
+                                    </m:ctrlPr>
+                                  </m:accPr>
+                                  <m:e>
+                                    <m:r>
+                                      <a:rPr lang="it-IT" sz="2400" b="0" i="1" smtClean="0">
+                                        <a:latin typeface="Cambria Math" panose="02040503050406030204" pitchFamily="18" charset="0"/>
+                                        <a:cs typeface="Arial" panose="020B0604020202020204" pitchFamily="34" charset="0"/>
+                                      </a:rPr>
+                                      <m:t>𝑦</m:t>
+                                    </m:r>
+                                  </m:e>
+                                </m:acc>
+                              </m:e>
+                              <m:sub>
+                                <m:r>
+                                  <a:rPr lang="it-IT" sz="2400" b="0" i="1" smtClean="0">
+                                    <a:latin typeface="Cambria Math" panose="02040503050406030204" pitchFamily="18" charset="0"/>
+                                  </a:rPr>
+                                  <m:t>𝑛</m:t>
+                                </m:r>
+                              </m:sub>
+                            </m:sSub>
+                          </m:e>
+                        </m:eqArr>
+                      </m:e>
+                    </m:d>
+                  </m:oMath>
+                </a14:m>
+                <a:r>
+                  <a:rPr lang="it-IT" sz="2400" noProof="0" dirty="0">
+                    <a:cs typeface="Arial" panose="020B0604020202020204" pitchFamily="34" charset="0"/>
+                  </a:rPr>
+                  <a:t> 	</a:t>
+                </a:r>
+                <a14:m>
+                  <m:oMath xmlns:m="http://schemas.openxmlformats.org/officeDocument/2006/math">
+                    <m:sSub>
+                      <m:sSubPr>
+                        <m:ctrlPr>
+                          <a:rPr lang="it-IT" sz="2400" i="1" noProof="0" smtClean="0">
+                            <a:latin typeface="Cambria Math" panose="02040503050406030204" pitchFamily="18" charset="0"/>
+                            <a:cs typeface="Arial" panose="020B0604020202020204" pitchFamily="34" charset="0"/>
+                          </a:rPr>
+                        </m:ctrlPr>
+                      </m:sSubPr>
+                      <m:e>
+                        <m:r>
+                          <a:rPr lang="it-IT" sz="2400" b="0" i="1" noProof="0" smtClean="0">
+                            <a:latin typeface="Cambria Math" panose="02040503050406030204" pitchFamily="18" charset="0"/>
+                            <a:cs typeface="Arial" panose="020B0604020202020204" pitchFamily="34" charset="0"/>
+                          </a:rPr>
+                          <m:t>𝑢</m:t>
+                        </m:r>
+                      </m:e>
+                      <m:sub>
+                        <m:r>
+                          <a:rPr lang="it-IT" sz="2400" b="0" i="1" noProof="0" smtClean="0">
+                            <a:latin typeface="Cambria Math" panose="02040503050406030204" pitchFamily="18" charset="0"/>
+                            <a:cs typeface="Arial" panose="020B0604020202020204" pitchFamily="34" charset="0"/>
+                          </a:rPr>
+                          <m:t>𝑓</m:t>
+                        </m:r>
+                      </m:sub>
+                    </m:sSub>
+                    <m:r>
+                      <a:rPr lang="it-IT" sz="2400" b="0" i="1" noProof="0" smtClean="0">
+                        <a:latin typeface="Cambria Math" panose="02040503050406030204" pitchFamily="18" charset="0"/>
+                        <a:cs typeface="Arial" panose="020B0604020202020204" pitchFamily="34" charset="0"/>
+                      </a:rPr>
+                      <m:t>=</m:t>
+                    </m:r>
+                    <m:d>
+                      <m:dPr>
+                        <m:ctrlPr>
+                          <a:rPr lang="it-IT" sz="2400" b="0" i="1" noProof="0" smtClean="0">
+                            <a:latin typeface="Cambria Math" panose="02040503050406030204" pitchFamily="18" charset="0"/>
+                            <a:cs typeface="Arial" panose="020B0604020202020204" pitchFamily="34" charset="0"/>
+                          </a:rPr>
+                        </m:ctrlPr>
+                      </m:dPr>
+                      <m:e>
+                        <m:eqArr>
+                          <m:eqArrPr>
+                            <m:ctrlPr>
+                              <a:rPr lang="it-IT" sz="2400" b="0" i="1" noProof="0" smtClean="0">
+                                <a:latin typeface="Cambria Math" panose="02040503050406030204" pitchFamily="18" charset="0"/>
+                                <a:cs typeface="Arial" panose="020B0604020202020204" pitchFamily="34" charset="0"/>
+                              </a:rPr>
+                            </m:ctrlPr>
+                          </m:eqArrPr>
+                          <m:e>
+                            <m:sSub>
+                              <m:sSubPr>
+                                <m:ctrlPr>
+                                  <a:rPr lang="it-IT" sz="2400" b="0" i="1" noProof="0" smtClean="0">
+                                    <a:latin typeface="Cambria Math" panose="02040503050406030204" pitchFamily="18" charset="0"/>
+                                    <a:cs typeface="Arial" panose="020B0604020202020204" pitchFamily="34" charset="0"/>
+                                  </a:rPr>
+                                </m:ctrlPr>
+                              </m:sSubPr>
+                              <m:e>
+                                <m:r>
+                                  <a:rPr lang="it-IT" sz="2400" b="0" i="1" noProof="0" smtClean="0">
+                                    <a:latin typeface="Cambria Math" panose="02040503050406030204" pitchFamily="18" charset="0"/>
+                                    <a:cs typeface="Arial" panose="020B0604020202020204" pitchFamily="34" charset="0"/>
+                                  </a:rPr>
+                                  <m:t>𝑢</m:t>
+                                </m:r>
+                              </m:e>
+                              <m:sub>
+                                <m:r>
+                                  <a:rPr lang="it-IT" sz="2400" b="0" i="1" noProof="0" smtClean="0">
+                                    <a:latin typeface="Cambria Math" panose="02040503050406030204" pitchFamily="18" charset="0"/>
+                                    <a:cs typeface="Arial" panose="020B0604020202020204" pitchFamily="34" charset="0"/>
+                                  </a:rPr>
+                                  <m:t>1</m:t>
+                                </m:r>
+                              </m:sub>
+                            </m:sSub>
+                          </m:e>
+                          <m:e>
+                            <m:r>
+                              <a:rPr lang="it-IT" sz="2400" b="0" i="1" smtClean="0">
+                                <a:latin typeface="Cambria Math" panose="02040503050406030204" pitchFamily="18" charset="0"/>
+                              </a:rPr>
+                              <m:t>…</m:t>
+                            </m:r>
+                          </m:e>
+                          <m:e>
+                            <m:sSub>
+                              <m:sSubPr>
+                                <m:ctrlPr>
+                                  <a:rPr lang="it-IT" sz="2400" i="1" smtClean="0">
+                                    <a:latin typeface="Cambria Math" panose="02040503050406030204" pitchFamily="18" charset="0"/>
+                                  </a:rPr>
+                                </m:ctrlPr>
+                              </m:sSubPr>
+                              <m:e>
+                                <m:r>
+                                  <a:rPr lang="it-IT" sz="2400" b="0" i="1" smtClean="0">
+                                    <a:latin typeface="Cambria Math" panose="02040503050406030204" pitchFamily="18" charset="0"/>
+                                  </a:rPr>
+                                  <m:t>𝑢</m:t>
+                                </m:r>
+                              </m:e>
+                              <m:sub>
+                                <m:r>
+                                  <a:rPr lang="it-IT" sz="2400" b="0" i="1" smtClean="0">
+                                    <a:latin typeface="Cambria Math" panose="02040503050406030204" pitchFamily="18" charset="0"/>
+                                  </a:rPr>
+                                  <m:t>𝑁</m:t>
+                                </m:r>
+                                <m:r>
+                                  <a:rPr lang="it-IT" sz="2400" b="0" i="1" smtClean="0">
+                                    <a:latin typeface="Cambria Math" panose="02040503050406030204" pitchFamily="18" charset="0"/>
+                                  </a:rPr>
+                                  <m:t>−1</m:t>
+                                </m:r>
+                              </m:sub>
+                            </m:sSub>
+                          </m:e>
+                          <m:e>
+                            <m:sSub>
+                              <m:sSubPr>
+                                <m:ctrlPr>
+                                  <a:rPr lang="it-IT" sz="2400" i="1" smtClean="0">
+                                    <a:latin typeface="Cambria Math" panose="02040503050406030204" pitchFamily="18" charset="0"/>
+                                  </a:rPr>
+                                </m:ctrlPr>
+                              </m:sSubPr>
+                              <m:e>
+                                <m:r>
+                                  <a:rPr lang="it-IT" sz="2400" b="0" i="1" smtClean="0">
+                                    <a:latin typeface="Cambria Math" panose="02040503050406030204" pitchFamily="18" charset="0"/>
+                                  </a:rPr>
+                                  <m:t>𝑢</m:t>
+                                </m:r>
+                              </m:e>
+                              <m:sub>
+                                <m:r>
+                                  <a:rPr lang="it-IT" sz="2400" b="0" i="1" smtClean="0">
+                                    <a:latin typeface="Cambria Math" panose="02040503050406030204" pitchFamily="18" charset="0"/>
+                                  </a:rPr>
+                                  <m:t>𝑁</m:t>
+                                </m:r>
+                              </m:sub>
+                            </m:sSub>
+                          </m:e>
+                        </m:eqArr>
+                      </m:e>
+                    </m:d>
+                  </m:oMath>
+                </a14:m>
+                <a:r>
+                  <a:rPr lang="it-IT" sz="2400" b="0" dirty="0">
+                    <a:latin typeface="Arial" panose="020B0604020202020204" pitchFamily="34" charset="0"/>
+                    <a:cs typeface="Arial" panose="020B0604020202020204" pitchFamily="34" charset="0"/>
+                  </a:rPr>
+                  <a:t>	</a:t>
+                </a:r>
+                <a:r>
+                  <a:rPr lang="it-IT" sz="2400" noProof="0" dirty="0">
+                    <a:cs typeface="Arial" panose="020B0604020202020204" pitchFamily="34" charset="0"/>
+                  </a:rPr>
+                  <a:t> 	</a:t>
+                </a:r>
+                <a14:m>
+                  <m:oMath xmlns:m="http://schemas.openxmlformats.org/officeDocument/2006/math">
+                    <m:sSub>
+                      <m:sSubPr>
+                        <m:ctrlPr>
+                          <a:rPr lang="it-IT" sz="2400" i="1" noProof="0" smtClean="0">
+                            <a:latin typeface="Cambria Math" panose="02040503050406030204" pitchFamily="18" charset="0"/>
+                            <a:cs typeface="Arial" panose="020B0604020202020204" pitchFamily="34" charset="0"/>
+                          </a:rPr>
+                        </m:ctrlPr>
+                      </m:sSubPr>
+                      <m:e>
+                        <m:r>
+                          <a:rPr lang="it-IT" sz="2400" b="0" i="1" noProof="0" smtClean="0">
+                            <a:latin typeface="Cambria Math" panose="02040503050406030204" pitchFamily="18" charset="0"/>
+                            <a:cs typeface="Arial" panose="020B0604020202020204" pitchFamily="34" charset="0"/>
+                          </a:rPr>
+                          <m:t>𝑟</m:t>
+                        </m:r>
+                      </m:e>
+                      <m:sub>
+                        <m:r>
+                          <a:rPr lang="it-IT" sz="2400" b="0" i="1" noProof="0" smtClean="0">
+                            <a:latin typeface="Cambria Math" panose="02040503050406030204" pitchFamily="18" charset="0"/>
+                            <a:cs typeface="Arial" panose="020B0604020202020204" pitchFamily="34" charset="0"/>
+                          </a:rPr>
+                          <m:t>𝑓</m:t>
+                        </m:r>
+                      </m:sub>
+                    </m:sSub>
+                    <m:r>
+                      <a:rPr lang="it-IT" sz="2400" b="0" i="1" noProof="0" smtClean="0">
+                        <a:latin typeface="Cambria Math" panose="02040503050406030204" pitchFamily="18" charset="0"/>
+                        <a:cs typeface="Arial" panose="020B0604020202020204" pitchFamily="34" charset="0"/>
+                      </a:rPr>
+                      <m:t>=</m:t>
+                    </m:r>
+                    <m:d>
+                      <m:dPr>
+                        <m:ctrlPr>
+                          <a:rPr lang="it-IT" sz="2400" b="0" i="1" noProof="0" smtClean="0">
+                            <a:latin typeface="Cambria Math" panose="02040503050406030204" pitchFamily="18" charset="0"/>
+                            <a:cs typeface="Arial" panose="020B0604020202020204" pitchFamily="34" charset="0"/>
+                          </a:rPr>
+                        </m:ctrlPr>
+                      </m:dPr>
+                      <m:e>
+                        <m:eqArr>
+                          <m:eqArrPr>
+                            <m:ctrlPr>
+                              <a:rPr lang="it-IT" sz="2400" b="0" i="1" noProof="0" smtClean="0">
+                                <a:latin typeface="Cambria Math" panose="02040503050406030204" pitchFamily="18" charset="0"/>
+                                <a:cs typeface="Arial" panose="020B0604020202020204" pitchFamily="34" charset="0"/>
+                              </a:rPr>
+                            </m:ctrlPr>
+                          </m:eqArrPr>
+                          <m:e>
+                            <m:sSub>
+                              <m:sSubPr>
+                                <m:ctrlPr>
+                                  <a:rPr lang="it-IT" sz="2400" b="0" i="1" noProof="0" smtClean="0">
+                                    <a:latin typeface="Cambria Math" panose="02040503050406030204" pitchFamily="18" charset="0"/>
+                                    <a:cs typeface="Arial" panose="020B0604020202020204" pitchFamily="34" charset="0"/>
+                                  </a:rPr>
+                                </m:ctrlPr>
+                              </m:sSubPr>
+                              <m:e>
+                                <m:r>
+                                  <a:rPr lang="it-IT" sz="2400" b="0" i="1" noProof="0" smtClean="0">
+                                    <a:latin typeface="Cambria Math" panose="02040503050406030204" pitchFamily="18" charset="0"/>
+                                    <a:cs typeface="Arial" panose="020B0604020202020204" pitchFamily="34" charset="0"/>
+                                  </a:rPr>
+                                  <m:t>𝑟</m:t>
+                                </m:r>
+                              </m:e>
+                              <m:sub>
+                                <m:r>
+                                  <a:rPr lang="it-IT" sz="2400" b="0" i="1" noProof="0" smtClean="0">
+                                    <a:latin typeface="Cambria Math" panose="02040503050406030204" pitchFamily="18" charset="0"/>
+                                    <a:cs typeface="Arial" panose="020B0604020202020204" pitchFamily="34" charset="0"/>
+                                  </a:rPr>
+                                  <m:t>1</m:t>
+                                </m:r>
+                              </m:sub>
+                            </m:sSub>
+                          </m:e>
+                          <m:e>
+                            <m:r>
+                              <a:rPr lang="it-IT" sz="2400" b="0" i="1" smtClean="0">
+                                <a:latin typeface="Cambria Math" panose="02040503050406030204" pitchFamily="18" charset="0"/>
+                              </a:rPr>
+                              <m:t>…</m:t>
+                            </m:r>
+                          </m:e>
+                          <m:e>
+                            <m:sSub>
+                              <m:sSubPr>
+                                <m:ctrlPr>
+                                  <a:rPr lang="it-IT" sz="2400" i="1" smtClean="0">
+                                    <a:latin typeface="Cambria Math" panose="02040503050406030204" pitchFamily="18" charset="0"/>
+                                  </a:rPr>
+                                </m:ctrlPr>
+                              </m:sSubPr>
+                              <m:e>
+                                <m:r>
+                                  <a:rPr lang="it-IT" sz="2400" b="0" i="1" smtClean="0">
+                                    <a:latin typeface="Cambria Math" panose="02040503050406030204" pitchFamily="18" charset="0"/>
+                                  </a:rPr>
+                                  <m:t>𝑟</m:t>
+                                </m:r>
+                              </m:e>
+                              <m:sub>
+                                <m:r>
+                                  <a:rPr lang="it-IT" sz="2400" b="0" i="1" smtClean="0">
+                                    <a:latin typeface="Cambria Math" panose="02040503050406030204" pitchFamily="18" charset="0"/>
+                                  </a:rPr>
+                                  <m:t>𝑁</m:t>
+                                </m:r>
+                                <m:r>
+                                  <a:rPr lang="it-IT" sz="2400" b="0" i="1" smtClean="0">
+                                    <a:latin typeface="Cambria Math" panose="02040503050406030204" pitchFamily="18" charset="0"/>
+                                  </a:rPr>
+                                  <m:t>−1</m:t>
+                                </m:r>
+                              </m:sub>
+                            </m:sSub>
+                          </m:e>
+                          <m:e>
+                            <m:sSub>
+                              <m:sSubPr>
+                                <m:ctrlPr>
+                                  <a:rPr lang="it-IT" sz="2400" i="1" smtClean="0">
+                                    <a:latin typeface="Cambria Math" panose="02040503050406030204" pitchFamily="18" charset="0"/>
+                                  </a:rPr>
+                                </m:ctrlPr>
+                              </m:sSubPr>
+                              <m:e>
+                                <m:r>
+                                  <a:rPr lang="it-IT" sz="2400" b="0" i="1" smtClean="0">
+                                    <a:latin typeface="Cambria Math" panose="02040503050406030204" pitchFamily="18" charset="0"/>
+                                  </a:rPr>
+                                  <m:t>𝑟</m:t>
+                                </m:r>
+                              </m:e>
+                              <m:sub>
+                                <m:r>
+                                  <a:rPr lang="it-IT" sz="2400" b="0" i="1" smtClean="0">
+                                    <a:latin typeface="Cambria Math" panose="02040503050406030204" pitchFamily="18" charset="0"/>
+                                  </a:rPr>
+                                  <m:t>𝑁</m:t>
+                                </m:r>
+                              </m:sub>
+                            </m:sSub>
+                          </m:e>
+                        </m:eqArr>
+                      </m:e>
+                    </m:d>
+                  </m:oMath>
+                </a14:m>
                 <a:endParaRPr lang="it-IT" sz="2400" b="0" dirty="0">
                   <a:latin typeface="Arial" panose="020B0604020202020204" pitchFamily="34" charset="0"/>
                   <a:cs typeface="Arial" panose="020B0604020202020204" pitchFamily="34" charset="0"/>
@@ -7081,16 +10206,16 @@
             </p:nvSpPr>
             <p:spPr>
               <a:xfrm>
-                <a:off x="723900" y="1683603"/>
-                <a:ext cx="10744200" cy="4130811"/>
+                <a:off x="723900" y="1185270"/>
+                <a:ext cx="10744200" cy="5215530"/>
               </a:xfrm>
               <a:prstGeom prst="rect">
                 <a:avLst/>
               </a:prstGeom>
               <a:blipFill>
-                <a:blip r:embed="rId2"/>
+                <a:blip r:embed="rId3"/>
                 <a:stretch>
-                  <a:fillRect l="-908" t="-1032" r="-851"/>
+                  <a:fillRect l="-908" t="-818" r="-1589"/>
                 </a:stretch>
               </a:blipFill>
             </p:spPr>

--- a/SPC_Presentation.pptx
+++ b/SPC_Presentation.pptx
@@ -8286,7 +8286,7 @@
         <p:spPr>
           <a:xfrm>
             <a:off x="762000" y="1676400"/>
-            <a:ext cx="9677400" cy="1200329"/>
+            <a:ext cx="9677400" cy="2308324"/>
           </a:xfrm>
           <a:prstGeom prst="rect">
             <a:avLst/>
@@ -8301,11 +8301,11 @@
           <a:p>
             <a:pPr algn="just"/>
             <a:r>
-              <a:rPr lang="en-GB" sz="2400" noProof="0" dirty="0">
+              <a:rPr lang="en-GB" sz="2400" i="1" dirty="0">
                 <a:latin typeface="Arial" panose="020B0604020202020204" pitchFamily="34" charset="0"/>
                 <a:cs typeface="Arial" panose="020B0604020202020204" pitchFamily="34" charset="0"/>
               </a:rPr>
-              <a:t>a</a:t>
+              <a:t>Note: while the paper does not treat the identification of residuals per se, the algorithm can be used to build a controller that somewhat counteracts disturbances or faults on the system, if rt is set to the desired plant output.</a:t>
             </a:r>
             <a:endParaRPr lang="en-GB" sz="2400" i="1" noProof="0" dirty="0">
               <a:latin typeface="Arial" panose="020B0604020202020204" pitchFamily="34" charset="0"/>
@@ -11044,7 +11044,25 @@
                 <a:ea typeface="+mn-ea"/>
                 <a:cs typeface="+mn-cs"/>
               </a:rPr>
-              <a:t>Predictor from the model and online residual calculation</a:t>
+              <a:t>Predictor from the model and online </a:t>
+            </a:r>
+            <a:r>
+              <a:rPr lang="en-US" sz="2400" dirty="0">
+                <a:solidFill>
+                  <a:sysClr val="windowText" lastClr="000000"/>
+                </a:solidFill>
+              </a:rPr>
+              <a:t>preferred input</a:t>
+            </a:r>
+            <a:r>
+              <a:rPr lang="en-US" sz="2400" noProof="0" dirty="0">
+                <a:solidFill>
+                  <a:sysClr val="windowText" lastClr="000000"/>
+                </a:solidFill>
+                <a:ea typeface="+mn-ea"/>
+                <a:cs typeface="+mn-cs"/>
+              </a:rPr>
+              <a:t> calculation</a:t>
             </a:r>
             <a:endParaRPr lang="en-US" sz="2400" b="0" noProof="0" dirty="0">
               <a:solidFill>
@@ -11634,7 +11652,25 @@
                 <a:ea typeface="+mn-ea"/>
                 <a:cs typeface="+mn-cs"/>
               </a:rPr>
-              <a:t>Predictor from the model and online residual calculation</a:t>
+              <a:t>Predictor from the model and online </a:t>
+            </a:r>
+            <a:r>
+              <a:rPr lang="en-US" sz="2400" dirty="0">
+                <a:solidFill>
+                  <a:sysClr val="windowText" lastClr="000000"/>
+                </a:solidFill>
+              </a:rPr>
+              <a:t>preferred input</a:t>
+            </a:r>
+            <a:r>
+              <a:rPr lang="en-US" sz="2400" noProof="0" dirty="0">
+                <a:solidFill>
+                  <a:sysClr val="windowText" lastClr="000000"/>
+                </a:solidFill>
+                <a:ea typeface="+mn-ea"/>
+                <a:cs typeface="+mn-cs"/>
+              </a:rPr>
+              <a:t> calculation</a:t>
             </a:r>
             <a:endParaRPr lang="en-US" sz="2400" b="0" noProof="0" dirty="0">
               <a:solidFill>

--- a/SPC_Presentation.pptx
+++ b/SPC_Presentation.pptx
@@ -5,7 +5,7 @@
     <p:sldMasterId id="2147483648" r:id="rId1"/>
   </p:sldMasterIdLst>
   <p:notesMasterIdLst>
-    <p:notesMasterId r:id="rId19"/>
+    <p:notesMasterId r:id="rId28"/>
   </p:notesMasterIdLst>
   <p:sldIdLst>
     <p:sldId id="256" r:id="rId2"/>
@@ -24,7 +24,16 @@
     <p:sldId id="349" r:id="rId15"/>
     <p:sldId id="346" r:id="rId16"/>
     <p:sldId id="339" r:id="rId17"/>
-    <p:sldId id="340" r:id="rId18"/>
+    <p:sldId id="354" r:id="rId18"/>
+    <p:sldId id="355" r:id="rId19"/>
+    <p:sldId id="356" r:id="rId20"/>
+    <p:sldId id="357" r:id="rId21"/>
+    <p:sldId id="358" r:id="rId22"/>
+    <p:sldId id="361" r:id="rId23"/>
+    <p:sldId id="359" r:id="rId24"/>
+    <p:sldId id="360" r:id="rId25"/>
+    <p:sldId id="362" r:id="rId26"/>
+    <p:sldId id="340" r:id="rId27"/>
   </p:sldIdLst>
   <p:sldSz cx="12192000" cy="6858000"/>
   <p:notesSz cx="12192000" cy="6858000"/>
@@ -134,7 +143,7 @@
           <a:p>
             <a:fld id="{52CF3C78-BFF9-4137-8833-13E3D0B09D8B}" type="datetimeFigureOut">
               <a:rPr lang="it-IT" smtClean="0"/>
-              <a:t>29/12/2025</a:t>
+              <a:t>02/01/2026</a:t>
             </a:fld>
             <a:endParaRPr lang="it-IT" dirty="0"/>
           </a:p>
@@ -828,7 +837,7 @@
           <a:p>
             <a:fld id="{1D8BD707-D9CF-40AE-B4C6-C98DA3205C09}" type="datetimeFigureOut">
               <a:rPr lang="en-US"/>
-              <a:t>12/29/2025</a:t>
+              <a:t>1/2/2026</a:t>
             </a:fld>
             <a:endParaRPr lang="en-US" dirty="0"/>
           </a:p>
@@ -1005,7 +1014,7 @@
           <a:p>
             <a:fld id="{1D8BD707-D9CF-40AE-B4C6-C98DA3205C09}" type="datetimeFigureOut">
               <a:rPr lang="en-US"/>
-              <a:t>12/29/2025</a:t>
+              <a:t>1/2/2026</a:t>
             </a:fld>
             <a:endParaRPr lang="en-US" dirty="0"/>
           </a:p>
@@ -1219,7 +1228,7 @@
           <a:p>
             <a:fld id="{1D8BD707-D9CF-40AE-B4C6-C98DA3205C09}" type="datetimeFigureOut">
               <a:rPr lang="en-US"/>
-              <a:t>12/29/2025</a:t>
+              <a:t>1/2/2026</a:t>
             </a:fld>
             <a:endParaRPr lang="en-US" dirty="0"/>
           </a:p>
@@ -1367,7 +1376,7 @@
           <a:p>
             <a:fld id="{1D8BD707-D9CF-40AE-B4C6-C98DA3205C09}" type="datetimeFigureOut">
               <a:rPr lang="en-US"/>
-              <a:t>12/29/2025</a:t>
+              <a:t>1/2/2026</a:t>
             </a:fld>
             <a:endParaRPr lang="en-US" dirty="0"/>
           </a:p>
@@ -1486,7 +1495,7 @@
           <a:p>
             <a:fld id="{1D8BD707-D9CF-40AE-B4C6-C98DA3205C09}" type="datetimeFigureOut">
               <a:rPr lang="en-US"/>
-              <a:t>12/29/2025</a:t>
+              <a:t>1/2/2026</a:t>
             </a:fld>
             <a:endParaRPr lang="en-US" dirty="0"/>
           </a:p>
@@ -1783,7 +1792,7 @@
           <a:p>
             <a:fld id="{1D8BD707-D9CF-40AE-B4C6-C98DA3205C09}" type="datetimeFigureOut">
               <a:rPr lang="en-US"/>
-              <a:t>12/29/2025</a:t>
+              <a:t>1/2/2026</a:t>
             </a:fld>
             <a:endParaRPr lang="en-US" dirty="0"/>
           </a:p>
@@ -2085,6 +2094,16 @@
           <a:p>
             <a:pPr marL="12700"/>
             <a:r>
+              <a:rPr lang="en-GB" sz="1600" noProof="0" dirty="0" err="1">
+                <a:solidFill>
+                  <a:srgbClr val="FFFFFF"/>
+                </a:solidFill>
+                <a:latin typeface="Franklin Gothic Medium"/>
+                <a:cs typeface="Franklin Gothic Medium"/>
+              </a:rPr>
+              <a:t>Comandatore</a:t>
+            </a:r>
+            <a:r>
               <a:rPr lang="en-GB" sz="1600" noProof="0" dirty="0">
                 <a:solidFill>
                   <a:srgbClr val="FFFFFF"/>
@@ -2092,7 +2111,7 @@
                 <a:latin typeface="Franklin Gothic Medium"/>
                 <a:cs typeface="Franklin Gothic Medium"/>
               </a:rPr>
-              <a:t>Comandatore Gaetano- 1090952</a:t>
+              <a:t> Gaetano- 1090952</a:t>
             </a:r>
             <a:endParaRPr lang="en-GB" sz="1600" noProof="0" dirty="0">
               <a:latin typeface="Franklin Gothic Medium"/>
@@ -2330,17 +2349,8 @@
               <a:rPr lang="en-GB" noProof="0" dirty="0">
                 <a:latin typeface="Arial Black" panose="020B0A04020102020204" pitchFamily="34" charset="0"/>
               </a:rPr>
-              <a:t>Proposed solution – </a:t>
-            </a:r>
-            <a:r>
-              <a:rPr lang="en-GB" dirty="0">
-                <a:latin typeface="Arial Black" panose="020B0A04020102020204" pitchFamily="34" charset="0"/>
-              </a:rPr>
-              <a:t>Subspace Step 1</a:t>
-            </a:r>
-            <a:endParaRPr lang="en-GB" noProof="0" dirty="0">
-              <a:latin typeface="Arial Black" panose="020B0A04020102020204" pitchFamily="34" charset="0"/>
-            </a:endParaRPr>
+              <a:t>Proposed solution – Subspace Step 1</a:t>
+            </a:r>
           </a:p>
         </p:txBody>
       </p:sp>
@@ -2374,128 +2384,51 @@
           <a:p>
             <a:pPr algn="just"/>
             <a:r>
-              <a:rPr lang="it-IT" sz="2400" noProof="0" dirty="0" err="1">
+              <a:rPr lang="en-GB" sz="2400" noProof="0" dirty="0">
                 <a:latin typeface="Arial" panose="020B0604020202020204" pitchFamily="34" charset="0"/>
                 <a:cs typeface="Arial" panose="020B0604020202020204" pitchFamily="34" charset="0"/>
               </a:rPr>
-              <a:t>We</a:t>
-            </a:r>
-            <a:r>
-              <a:rPr lang="it-IT" sz="2400" noProof="0" dirty="0">
-                <a:latin typeface="Arial" panose="020B0604020202020204" pitchFamily="34" charset="0"/>
-                <a:cs typeface="Arial" panose="020B0604020202020204" pitchFamily="34" charset="0"/>
-              </a:rPr>
-              <a:t> can solve the </a:t>
-            </a:r>
-            <a:r>
-              <a:rPr lang="it-IT" sz="2400" noProof="0" dirty="0" err="1">
-                <a:latin typeface="Arial" panose="020B0604020202020204" pitchFamily="34" charset="0"/>
-                <a:cs typeface="Arial" panose="020B0604020202020204" pitchFamily="34" charset="0"/>
-              </a:rPr>
-              <a:t>Least</a:t>
-            </a:r>
-            <a:r>
-              <a:rPr lang="it-IT" sz="2400" noProof="0" dirty="0">
-                <a:latin typeface="Arial" panose="020B0604020202020204" pitchFamily="34" charset="0"/>
-                <a:cs typeface="Arial" panose="020B0604020202020204" pitchFamily="34" charset="0"/>
-              </a:rPr>
-              <a:t> </a:t>
-            </a:r>
-            <a:r>
-              <a:rPr lang="it-IT" sz="2400" noProof="0" dirty="0" err="1">
-                <a:latin typeface="Arial" panose="020B0604020202020204" pitchFamily="34" charset="0"/>
-                <a:cs typeface="Arial" panose="020B0604020202020204" pitchFamily="34" charset="0"/>
-              </a:rPr>
-              <a:t>Squares</a:t>
-            </a:r>
-            <a:r>
-              <a:rPr lang="it-IT" sz="2400" noProof="0" dirty="0">
-                <a:latin typeface="Arial" panose="020B0604020202020204" pitchFamily="34" charset="0"/>
-                <a:cs typeface="Arial" panose="020B0604020202020204" pitchFamily="34" charset="0"/>
-              </a:rPr>
-              <a:t> </a:t>
-            </a:r>
-            <a:r>
-              <a:rPr lang="it-IT" sz="2400" noProof="0" dirty="0" err="1">
-                <a:latin typeface="Arial" panose="020B0604020202020204" pitchFamily="34" charset="0"/>
-                <a:cs typeface="Arial" panose="020B0604020202020204" pitchFamily="34" charset="0"/>
-              </a:rPr>
-              <a:t>problem</a:t>
-            </a:r>
-            <a:r>
-              <a:rPr lang="it-IT" sz="2400" noProof="0" dirty="0">
-                <a:latin typeface="Arial" panose="020B0604020202020204" pitchFamily="34" charset="0"/>
-                <a:cs typeface="Arial" panose="020B0604020202020204" pitchFamily="34" charset="0"/>
-              </a:rPr>
-              <a:t> </a:t>
-            </a:r>
-            <a:r>
-              <a:rPr lang="it-IT" sz="2400" noProof="0" dirty="0" err="1">
-                <a:latin typeface="Arial" panose="020B0604020202020204" pitchFamily="34" charset="0"/>
-                <a:cs typeface="Arial" panose="020B0604020202020204" pitchFamily="34" charset="0"/>
-              </a:rPr>
-              <a:t>using</a:t>
-            </a:r>
-            <a:r>
-              <a:rPr lang="it-IT" sz="2400" noProof="0" dirty="0">
-                <a:latin typeface="Arial" panose="020B0604020202020204" pitchFamily="34" charset="0"/>
-                <a:cs typeface="Arial" panose="020B0604020202020204" pitchFamily="34" charset="0"/>
-              </a:rPr>
-              <a:t> QR </a:t>
-            </a:r>
-            <a:r>
-              <a:rPr lang="it-IT" sz="2400" noProof="0" dirty="0" err="1">
-                <a:latin typeface="Arial" panose="020B0604020202020204" pitchFamily="34" charset="0"/>
-                <a:cs typeface="Arial" panose="020B0604020202020204" pitchFamily="34" charset="0"/>
-              </a:rPr>
-              <a:t>decomposition</a:t>
-            </a:r>
-            <a:r>
-              <a:rPr lang="it-IT" sz="2400" noProof="0" dirty="0">
-                <a:latin typeface="Arial" panose="020B0604020202020204" pitchFamily="34" charset="0"/>
-                <a:cs typeface="Arial" panose="020B0604020202020204" pitchFamily="34" charset="0"/>
-              </a:rPr>
-              <a:t> like so</a:t>
+              <a:t>We can solve the Least Squares problem using QR decomposition like so</a:t>
             </a:r>
           </a:p>
           <a:p>
             <a:pPr algn="just"/>
-            <a:endParaRPr lang="it-IT" sz="2400" dirty="0">
+            <a:endParaRPr lang="en-GB" sz="2400" noProof="0" dirty="0">
               <a:latin typeface="Arial" panose="020B0604020202020204" pitchFamily="34" charset="0"/>
               <a:cs typeface="Arial" panose="020B0604020202020204" pitchFamily="34" charset="0"/>
             </a:endParaRPr>
           </a:p>
           <a:p>
             <a:pPr algn="just"/>
-            <a:endParaRPr lang="it-IT" sz="2400" noProof="0" dirty="0">
+            <a:endParaRPr lang="en-GB" sz="2400" noProof="0" dirty="0">
               <a:latin typeface="Arial" panose="020B0604020202020204" pitchFamily="34" charset="0"/>
               <a:cs typeface="Arial" panose="020B0604020202020204" pitchFamily="34" charset="0"/>
             </a:endParaRPr>
           </a:p>
           <a:p>
             <a:pPr algn="just"/>
-            <a:endParaRPr lang="it-IT" sz="2400" dirty="0">
+            <a:endParaRPr lang="en-GB" sz="2400" noProof="0" dirty="0">
               <a:latin typeface="Arial" panose="020B0604020202020204" pitchFamily="34" charset="0"/>
               <a:cs typeface="Arial" panose="020B0604020202020204" pitchFamily="34" charset="0"/>
             </a:endParaRPr>
           </a:p>
           <a:p>
             <a:pPr algn="just"/>
-            <a:endParaRPr lang="it-IT" sz="2400" noProof="0" dirty="0">
+            <a:endParaRPr lang="en-GB" sz="2400" noProof="0" dirty="0">
               <a:latin typeface="Arial" panose="020B0604020202020204" pitchFamily="34" charset="0"/>
               <a:cs typeface="Arial" panose="020B0604020202020204" pitchFamily="34" charset="0"/>
             </a:endParaRPr>
           </a:p>
           <a:p>
             <a:pPr algn="just"/>
-            <a:endParaRPr lang="it-IT" sz="2400" dirty="0">
+            <a:endParaRPr lang="en-GB" sz="2400" noProof="0" dirty="0">
               <a:latin typeface="Arial" panose="020B0604020202020204" pitchFamily="34" charset="0"/>
               <a:cs typeface="Arial" panose="020B0604020202020204" pitchFamily="34" charset="0"/>
             </a:endParaRPr>
           </a:p>
           <a:p>
             <a:pPr algn="just"/>
-            <a:endParaRPr lang="it-IT" sz="2400" noProof="0" dirty="0">
+            <a:endParaRPr lang="en-GB" sz="2400" noProof="0" dirty="0">
               <a:latin typeface="Arial" panose="020B0604020202020204" pitchFamily="34" charset="0"/>
               <a:cs typeface="Arial" panose="020B0604020202020204" pitchFamily="34" charset="0"/>
             </a:endParaRPr>
@@ -2503,51 +2436,23 @@
           <a:p>
             <a:pPr algn="just"/>
             <a:r>
-              <a:rPr lang="it-IT" sz="2400" dirty="0">
+              <a:rPr lang="en-GB" sz="2400" noProof="0" dirty="0">
                 <a:latin typeface="Arial" panose="020B0604020202020204" pitchFamily="34" charset="0"/>
                 <a:cs typeface="Arial" panose="020B0604020202020204" pitchFamily="34" charset="0"/>
               </a:rPr>
-              <a:t>And </a:t>
-            </a:r>
-            <a:r>
-              <a:rPr lang="it-IT" sz="2400" dirty="0" err="1">
-                <a:latin typeface="Arial" panose="020B0604020202020204" pitchFamily="34" charset="0"/>
-                <a:cs typeface="Arial" panose="020B0604020202020204" pitchFamily="34" charset="0"/>
-              </a:rPr>
-              <a:t>then</a:t>
-            </a:r>
-            <a:r>
-              <a:rPr lang="it-IT" sz="2400" dirty="0">
-                <a:latin typeface="Arial" panose="020B0604020202020204" pitchFamily="34" charset="0"/>
-                <a:cs typeface="Arial" panose="020B0604020202020204" pitchFamily="34" charset="0"/>
-              </a:rPr>
-              <a:t> computing the </a:t>
-            </a:r>
-            <a:r>
-              <a:rPr lang="it-IT" sz="2400" dirty="0" err="1">
-                <a:latin typeface="Arial" panose="020B0604020202020204" pitchFamily="34" charset="0"/>
-                <a:cs typeface="Arial" panose="020B0604020202020204" pitchFamily="34" charset="0"/>
-              </a:rPr>
-              <a:t>matrix</a:t>
-            </a:r>
-            <a:r>
-              <a:rPr lang="it-IT" sz="2400" dirty="0">
-                <a:latin typeface="Arial" panose="020B0604020202020204" pitchFamily="34" charset="0"/>
-                <a:cs typeface="Arial" panose="020B0604020202020204" pitchFamily="34" charset="0"/>
-              </a:rPr>
-              <a:t> </a:t>
+              <a:t>And then computing the matrix </a:t>
             </a:r>
           </a:p>
           <a:p>
             <a:pPr algn="just"/>
-            <a:endParaRPr lang="it-IT" sz="2400" noProof="0" dirty="0">
+            <a:endParaRPr lang="en-GB" sz="2400" noProof="0" dirty="0">
               <a:latin typeface="Arial" panose="020B0604020202020204" pitchFamily="34" charset="0"/>
               <a:cs typeface="Arial" panose="020B0604020202020204" pitchFamily="34" charset="0"/>
             </a:endParaRPr>
           </a:p>
           <a:p>
             <a:pPr algn="just"/>
-            <a:endParaRPr lang="it-IT" sz="2400" dirty="0">
+            <a:endParaRPr lang="en-GB" sz="2400" noProof="0" dirty="0">
               <a:latin typeface="Arial" panose="020B0604020202020204" pitchFamily="34" charset="0"/>
               <a:cs typeface="Arial" panose="020B0604020202020204" pitchFamily="34" charset="0"/>
             </a:endParaRPr>
@@ -2555,39 +2460,11 @@
           <a:p>
             <a:pPr algn="just"/>
             <a:r>
-              <a:rPr lang="it-IT" sz="2400" dirty="0">
+              <a:rPr lang="en-GB" sz="2400" noProof="0" dirty="0">
                 <a:latin typeface="Arial" panose="020B0604020202020204" pitchFamily="34" charset="0"/>
                 <a:cs typeface="Arial" panose="020B0604020202020204" pitchFamily="34" charset="0"/>
               </a:rPr>
-              <a:t>a</a:t>
-            </a:r>
-            <a:r>
-              <a:rPr lang="it-IT" sz="2400" noProof="0" dirty="0" err="1">
-                <a:latin typeface="Arial" panose="020B0604020202020204" pitchFamily="34" charset="0"/>
-                <a:cs typeface="Arial" panose="020B0604020202020204" pitchFamily="34" charset="0"/>
-              </a:rPr>
-              <a:t>nd</a:t>
-            </a:r>
-            <a:r>
-              <a:rPr lang="it-IT" sz="2400" noProof="0" dirty="0">
-                <a:latin typeface="Arial" panose="020B0604020202020204" pitchFamily="34" charset="0"/>
-                <a:cs typeface="Arial" panose="020B0604020202020204" pitchFamily="34" charset="0"/>
-              </a:rPr>
-              <a:t> </a:t>
-            </a:r>
-            <a:r>
-              <a:rPr lang="it-IT" sz="2400" noProof="0" dirty="0" err="1">
-                <a:latin typeface="Arial" panose="020B0604020202020204" pitchFamily="34" charset="0"/>
-                <a:cs typeface="Arial" panose="020B0604020202020204" pitchFamily="34" charset="0"/>
-              </a:rPr>
-              <a:t>thus</a:t>
-            </a:r>
-            <a:r>
-              <a:rPr lang="it-IT" sz="2400" noProof="0" dirty="0">
-                <a:latin typeface="Arial" panose="020B0604020202020204" pitchFamily="34" charset="0"/>
-                <a:cs typeface="Arial" panose="020B0604020202020204" pitchFamily="34" charset="0"/>
-              </a:rPr>
-              <a:t>:</a:t>
+              <a:t>and thus:</a:t>
             </a:r>
           </a:p>
         </p:txBody>
@@ -2846,17 +2723,8 @@
               <a:rPr lang="en-GB" noProof="0" dirty="0">
                 <a:latin typeface="Arial Black" panose="020B0A04020102020204" pitchFamily="34" charset="0"/>
               </a:rPr>
-              <a:t>Proposed solution – </a:t>
-            </a:r>
-            <a:r>
-              <a:rPr lang="en-GB" dirty="0">
-                <a:latin typeface="Arial Black" panose="020B0A04020102020204" pitchFamily="34" charset="0"/>
-              </a:rPr>
-              <a:t>Subspace Step 2</a:t>
-            </a:r>
-            <a:endParaRPr lang="en-GB" noProof="0" dirty="0">
-              <a:latin typeface="Arial Black" panose="020B0A04020102020204" pitchFamily="34" charset="0"/>
-            </a:endParaRPr>
+              <a:t>Proposed solution – Subspace Step 2</a:t>
+            </a:r>
           </a:p>
         </p:txBody>
       </p:sp>
@@ -2892,102 +2760,32 @@
               <a:p>
                 <a:pPr algn="just"/>
                 <a:r>
-                  <a:rPr lang="it-IT" sz="2400" dirty="0">
+                  <a:rPr lang="en-GB" sz="2400" noProof="0" dirty="0">
                     <a:latin typeface="Arial" panose="020B0604020202020204" pitchFamily="34" charset="0"/>
                     <a:cs typeface="Arial" panose="020B0604020202020204" pitchFamily="34" charset="0"/>
                   </a:rPr>
-                  <a:t>The </a:t>
+                  <a:t>The next step of the </a:t>
                 </a:r>
                 <a:r>
-                  <a:rPr lang="it-IT" sz="2400" dirty="0" err="1">
-                    <a:latin typeface="Arial" panose="020B0604020202020204" pitchFamily="34" charset="0"/>
-                    <a:cs typeface="Arial" panose="020B0604020202020204" pitchFamily="34" charset="0"/>
-                  </a:rPr>
-                  <a:t>next</a:t>
-                </a:r>
-                <a:r>
-                  <a:rPr lang="it-IT" sz="2400" dirty="0">
-                    <a:latin typeface="Arial" panose="020B0604020202020204" pitchFamily="34" charset="0"/>
-                    <a:cs typeface="Arial" panose="020B0604020202020204" pitchFamily="34" charset="0"/>
-                  </a:rPr>
-                  <a:t> step of the </a:t>
-                </a:r>
-                <a:r>
-                  <a:rPr lang="it-IT" sz="2400" dirty="0" err="1">
+                  <a:rPr lang="en-GB" sz="2400" noProof="0" dirty="0" err="1">
                     <a:latin typeface="Arial" panose="020B0604020202020204" pitchFamily="34" charset="0"/>
                     <a:cs typeface="Arial" panose="020B0604020202020204" pitchFamily="34" charset="0"/>
                   </a:rPr>
                   <a:t>algotithm</a:t>
                 </a:r>
                 <a:r>
-                  <a:rPr lang="it-IT" sz="2400" dirty="0">
+                  <a:rPr lang="en-GB" sz="2400" noProof="0" dirty="0">
                     <a:latin typeface="Arial" panose="020B0604020202020204" pitchFamily="34" charset="0"/>
                     <a:cs typeface="Arial" panose="020B0604020202020204" pitchFamily="34" charset="0"/>
                   </a:rPr>
-                  <a:t> </a:t>
-                </a:r>
-                <a:r>
-                  <a:rPr lang="it-IT" sz="2400" dirty="0" err="1">
-                    <a:latin typeface="Arial" panose="020B0604020202020204" pitchFamily="34" charset="0"/>
-                    <a:cs typeface="Arial" panose="020B0604020202020204" pitchFamily="34" charset="0"/>
-                  </a:rPr>
-                  <a:t>is</a:t>
-                </a:r>
-                <a:r>
-                  <a:rPr lang="it-IT" sz="2400" dirty="0">
-                    <a:latin typeface="Arial" panose="020B0604020202020204" pitchFamily="34" charset="0"/>
-                    <a:cs typeface="Arial" panose="020B0604020202020204" pitchFamily="34" charset="0"/>
-                  </a:rPr>
-                  <a:t> to </a:t>
-                </a:r>
-                <a:r>
-                  <a:rPr lang="it-IT" sz="2400" dirty="0" err="1">
-                    <a:latin typeface="Arial" panose="020B0604020202020204" pitchFamily="34" charset="0"/>
-                    <a:cs typeface="Arial" panose="020B0604020202020204" pitchFamily="34" charset="0"/>
-                  </a:rPr>
-                  <a:t>execute</a:t>
-                </a:r>
-                <a:r>
-                  <a:rPr lang="it-IT" sz="2400" dirty="0">
-                    <a:latin typeface="Arial" panose="020B0604020202020204" pitchFamily="34" charset="0"/>
-                    <a:cs typeface="Arial" panose="020B0604020202020204" pitchFamily="34" charset="0"/>
-                  </a:rPr>
-                  <a:t> a </a:t>
-                </a:r>
-                <a:r>
-                  <a:rPr lang="it-IT" sz="2400" dirty="0" err="1">
-                    <a:latin typeface="Arial" panose="020B0604020202020204" pitchFamily="34" charset="0"/>
-                    <a:cs typeface="Arial" panose="020B0604020202020204" pitchFamily="34" charset="0"/>
-                  </a:rPr>
-                  <a:t>rank</a:t>
-                </a:r>
-                <a:r>
-                  <a:rPr lang="it-IT" sz="2400" dirty="0">
-                    <a:latin typeface="Arial" panose="020B0604020202020204" pitchFamily="34" charset="0"/>
-                    <a:cs typeface="Arial" panose="020B0604020202020204" pitchFamily="34" charset="0"/>
-                  </a:rPr>
-                  <a:t>-n </a:t>
-                </a:r>
-                <a:r>
-                  <a:rPr lang="it-IT" sz="2400" dirty="0" err="1">
-                    <a:latin typeface="Arial" panose="020B0604020202020204" pitchFamily="34" charset="0"/>
-                    <a:cs typeface="Arial" panose="020B0604020202020204" pitchFamily="34" charset="0"/>
-                  </a:rPr>
-                  <a:t>approximation</a:t>
-                </a:r>
-                <a:r>
-                  <a:rPr lang="it-IT" sz="2400" dirty="0">
-                    <a:latin typeface="Arial" panose="020B0604020202020204" pitchFamily="34" charset="0"/>
-                    <a:cs typeface="Arial" panose="020B0604020202020204" pitchFamily="34" charset="0"/>
-                  </a:rPr>
-                  <a:t> of </a:t>
+                  <a:t> is to execute a rank-n approximation of </a:t>
                 </a:r>
                 <a14:m>
                   <m:oMath xmlns:m="http://schemas.openxmlformats.org/officeDocument/2006/math">
                     <m:sSub>
                       <m:sSubPr>
                         <m:ctrlPr>
-                          <a:rPr lang="it-IT" sz="2400" i="1" smtClean="0">
+                          <a:rPr lang="en-GB" sz="2400" i="1" noProof="0" smtClean="0">
                             <a:latin typeface="Cambria Math" panose="02040503050406030204" pitchFamily="18" charset="0"/>
                             <a:cs typeface="Arial" panose="020B0604020202020204" pitchFamily="34" charset="0"/>
                           </a:rPr>
@@ -2995,7 +2793,7 @@
                       </m:sSubPr>
                       <m:e>
                         <m:r>
-                          <a:rPr lang="it-IT" sz="2400" b="0" i="1" smtClean="0">
+                          <a:rPr lang="en-GB" sz="2400" b="0" i="1" noProof="0" smtClean="0">
                             <a:latin typeface="Cambria Math" panose="02040503050406030204" pitchFamily="18" charset="0"/>
                             <a:cs typeface="Arial" panose="020B0604020202020204" pitchFamily="34" charset="0"/>
                           </a:rPr>
@@ -3004,7 +2802,7 @@
                       </m:e>
                       <m:sub>
                         <m:r>
-                          <a:rPr lang="it-IT" sz="2400" b="0" i="1" smtClean="0">
+                          <a:rPr lang="en-GB" sz="2400" b="0" i="1" noProof="0" smtClean="0">
                             <a:latin typeface="Cambria Math" panose="02040503050406030204" pitchFamily="18" charset="0"/>
                             <a:cs typeface="Arial" panose="020B0604020202020204" pitchFamily="34" charset="0"/>
                           </a:rPr>
@@ -3015,142 +2813,37 @@
                   </m:oMath>
                 </a14:m>
                 <a:r>
-                  <a:rPr lang="it-IT" sz="2400" noProof="0" dirty="0" err="1">
+                  <a:rPr lang="en-GB" sz="2400" noProof="0" dirty="0">
                     <a:latin typeface="Arial" panose="020B0604020202020204" pitchFamily="34" charset="0"/>
                     <a:cs typeface="Arial" panose="020B0604020202020204" pitchFamily="34" charset="0"/>
                   </a:rPr>
-                  <a:t>using</a:t>
-                </a:r>
-                <a:r>
-                  <a:rPr lang="it-IT" sz="2400" noProof="0" dirty="0">
-                    <a:latin typeface="Arial" panose="020B0604020202020204" pitchFamily="34" charset="0"/>
-                    <a:cs typeface="Arial" panose="020B0604020202020204" pitchFamily="34" charset="0"/>
-                  </a:rPr>
-                  <a:t> SVD </a:t>
-                </a:r>
-                <a:r>
-                  <a:rPr lang="it-IT" sz="2400" noProof="0" dirty="0" err="1">
-                    <a:latin typeface="Arial" panose="020B0604020202020204" pitchFamily="34" charset="0"/>
-                    <a:cs typeface="Arial" panose="020B0604020202020204" pitchFamily="34" charset="0"/>
-                  </a:rPr>
-                  <a:t>decomposition</a:t>
-                </a:r>
-                <a:r>
-                  <a:rPr lang="it-IT" sz="2400" noProof="0" dirty="0">
-                    <a:latin typeface="Arial" panose="020B0604020202020204" pitchFamily="34" charset="0"/>
-                    <a:cs typeface="Arial" panose="020B0604020202020204" pitchFamily="34" charset="0"/>
-                  </a:rPr>
-                  <a:t> (n </a:t>
-                </a:r>
-                <a:r>
-                  <a:rPr lang="it-IT" sz="2400" noProof="0" dirty="0" err="1">
-                    <a:latin typeface="Arial" panose="020B0604020202020204" pitchFamily="34" charset="0"/>
-                    <a:cs typeface="Arial" panose="020B0604020202020204" pitchFamily="34" charset="0"/>
-                  </a:rPr>
-                  <a:t>is</a:t>
-                </a:r>
-                <a:r>
-                  <a:rPr lang="it-IT" sz="2400" noProof="0" dirty="0">
-                    <a:latin typeface="Arial" panose="020B0604020202020204" pitchFamily="34" charset="0"/>
-                    <a:cs typeface="Arial" panose="020B0604020202020204" pitchFamily="34" charset="0"/>
-                  </a:rPr>
-                  <a:t> </a:t>
-                </a:r>
-                <a:r>
-                  <a:rPr lang="it-IT" sz="2400" noProof="0" dirty="0" err="1">
-                    <a:latin typeface="Arial" panose="020B0604020202020204" pitchFamily="34" charset="0"/>
-                    <a:cs typeface="Arial" panose="020B0604020202020204" pitchFamily="34" charset="0"/>
-                  </a:rPr>
-                  <a:t>chosen</a:t>
-                </a:r>
-                <a:r>
-                  <a:rPr lang="it-IT" sz="2400" noProof="0" dirty="0">
-                    <a:latin typeface="Arial" panose="020B0604020202020204" pitchFamily="34" charset="0"/>
-                    <a:cs typeface="Arial" panose="020B0604020202020204" pitchFamily="34" charset="0"/>
-                  </a:rPr>
-                  <a:t> by </a:t>
-                </a:r>
-                <a:r>
-                  <a:rPr lang="it-IT" sz="2400" noProof="0" dirty="0" err="1">
-                    <a:latin typeface="Arial" panose="020B0604020202020204" pitchFamily="34" charset="0"/>
-                    <a:cs typeface="Arial" panose="020B0604020202020204" pitchFamily="34" charset="0"/>
-                  </a:rPr>
-                  <a:t>inspecting</a:t>
-                </a:r>
-                <a:r>
-                  <a:rPr lang="it-IT" sz="2400" noProof="0" dirty="0">
-                    <a:latin typeface="Arial" panose="020B0604020202020204" pitchFamily="34" charset="0"/>
-                    <a:cs typeface="Arial" panose="020B0604020202020204" pitchFamily="34" charset="0"/>
-                  </a:rPr>
-                  <a:t> the </a:t>
-                </a:r>
-                <a:r>
-                  <a:rPr lang="it-IT" sz="2400" noProof="0" dirty="0" err="1">
-                    <a:latin typeface="Arial" panose="020B0604020202020204" pitchFamily="34" charset="0"/>
-                    <a:cs typeface="Arial" panose="020B0604020202020204" pitchFamily="34" charset="0"/>
-                  </a:rPr>
-                  <a:t>number</a:t>
-                </a:r>
-                <a:r>
-                  <a:rPr lang="it-IT" sz="2400" noProof="0" dirty="0">
-                    <a:latin typeface="Arial" panose="020B0604020202020204" pitchFamily="34" charset="0"/>
-                    <a:cs typeface="Arial" panose="020B0604020202020204" pitchFamily="34" charset="0"/>
-                  </a:rPr>
-                  <a:t> of </a:t>
-                </a:r>
-                <a:r>
-                  <a:rPr lang="it-IT" sz="2400" noProof="0" dirty="0" err="1">
-                    <a:latin typeface="Arial" panose="020B0604020202020204" pitchFamily="34" charset="0"/>
-                    <a:cs typeface="Arial" panose="020B0604020202020204" pitchFamily="34" charset="0"/>
-                  </a:rPr>
-                  <a:t>singular</a:t>
-                </a:r>
-                <a:r>
-                  <a:rPr lang="it-IT" sz="2400" noProof="0" dirty="0">
-                    <a:latin typeface="Arial" panose="020B0604020202020204" pitchFamily="34" charset="0"/>
-                    <a:cs typeface="Arial" panose="020B0604020202020204" pitchFamily="34" charset="0"/>
-                  </a:rPr>
-                  <a:t> </a:t>
-                </a:r>
-                <a:r>
-                  <a:rPr lang="it-IT" sz="2400" noProof="0" dirty="0" err="1">
-                    <a:latin typeface="Arial" panose="020B0604020202020204" pitchFamily="34" charset="0"/>
-                    <a:cs typeface="Arial" panose="020B0604020202020204" pitchFamily="34" charset="0"/>
-                  </a:rPr>
-                  <a:t>values</a:t>
-                </a:r>
-                <a:r>
-                  <a:rPr lang="it-IT" sz="2400" noProof="0" dirty="0">
-                    <a:latin typeface="Arial" panose="020B0604020202020204" pitchFamily="34" charset="0"/>
-                    <a:cs typeface="Arial" panose="020B0604020202020204" pitchFamily="34" charset="0"/>
-                  </a:rPr>
-                  <a:t> of S):</a:t>
+                  <a:t>using SVD decomposition (n is chosen by inspecting the number of singular values of S):</a:t>
                 </a:r>
               </a:p>
               <a:p>
                 <a:pPr algn="just"/>
-                <a:endParaRPr lang="it-IT" sz="2400" dirty="0">
+                <a:endParaRPr lang="en-GB" sz="2400" noProof="0" dirty="0">
                   <a:latin typeface="Arial" panose="020B0604020202020204" pitchFamily="34" charset="0"/>
                   <a:cs typeface="Arial" panose="020B0604020202020204" pitchFamily="34" charset="0"/>
                 </a:endParaRPr>
               </a:p>
               <a:p>
                 <a:pPr algn="just"/>
-                <a:endParaRPr lang="it-IT" sz="2400" noProof="0" dirty="0">
+                <a:endParaRPr lang="en-GB" sz="2400" noProof="0" dirty="0">
                   <a:latin typeface="Arial" panose="020B0604020202020204" pitchFamily="34" charset="0"/>
                   <a:cs typeface="Arial" panose="020B0604020202020204" pitchFamily="34" charset="0"/>
                 </a:endParaRPr>
               </a:p>
               <a:p>
                 <a:pPr algn="just"/>
-                <a:endParaRPr lang="it-IT" sz="2400" dirty="0">
+                <a:endParaRPr lang="en-GB" sz="2400" noProof="0" dirty="0">
                   <a:latin typeface="Arial" panose="020B0604020202020204" pitchFamily="34" charset="0"/>
                   <a:cs typeface="Arial" panose="020B0604020202020204" pitchFamily="34" charset="0"/>
                 </a:endParaRPr>
               </a:p>
               <a:p>
                 <a:pPr algn="just"/>
-                <a:endParaRPr lang="it-IT" sz="2400" noProof="0" dirty="0">
+                <a:endParaRPr lang="en-GB" sz="2400" noProof="0" dirty="0">
                   <a:latin typeface="Arial" panose="020B0604020202020204" pitchFamily="34" charset="0"/>
                   <a:cs typeface="Arial" panose="020B0604020202020204" pitchFamily="34" charset="0"/>
                 </a:endParaRPr>
@@ -3158,144 +2851,18 @@
               <a:p>
                 <a:pPr algn="just"/>
                 <a:r>
-                  <a:rPr lang="it-IT" sz="2400" noProof="0" dirty="0">
+                  <a:rPr lang="en-GB" sz="2400" noProof="0" dirty="0">
                     <a:latin typeface="Arial" panose="020B0604020202020204" pitchFamily="34" charset="0"/>
                     <a:cs typeface="Arial" panose="020B0604020202020204" pitchFamily="34" charset="0"/>
                   </a:rPr>
-                  <a:t>Note: under the </a:t>
-                </a:r>
-                <a:r>
-                  <a:rPr lang="it-IT" sz="2400" noProof="0" dirty="0" err="1">
-                    <a:latin typeface="Arial" panose="020B0604020202020204" pitchFamily="34" charset="0"/>
-                    <a:cs typeface="Arial" panose="020B0604020202020204" pitchFamily="34" charset="0"/>
-                  </a:rPr>
-                  <a:t>assumption</a:t>
-                </a:r>
-                <a:r>
-                  <a:rPr lang="it-IT" sz="2400" noProof="0" dirty="0">
-                    <a:latin typeface="Arial" panose="020B0604020202020204" pitchFamily="34" charset="0"/>
-                    <a:cs typeface="Arial" panose="020B0604020202020204" pitchFamily="34" charset="0"/>
-                  </a:rPr>
-                  <a:t> </a:t>
-                </a:r>
-                <a:r>
-                  <a:rPr lang="it-IT" sz="2400" noProof="0" dirty="0" err="1">
-                    <a:latin typeface="Arial" panose="020B0604020202020204" pitchFamily="34" charset="0"/>
-                    <a:cs typeface="Arial" panose="020B0604020202020204" pitchFamily="34" charset="0"/>
-                  </a:rPr>
-                  <a:t>that</a:t>
-                </a:r>
-                <a:r>
-                  <a:rPr lang="it-IT" sz="2400" noProof="0" dirty="0">
-                    <a:latin typeface="Arial" panose="020B0604020202020204" pitchFamily="34" charset="0"/>
-                    <a:cs typeface="Arial" panose="020B0604020202020204" pitchFamily="34" charset="0"/>
-                  </a:rPr>
-                  <a:t> the </a:t>
-                </a:r>
-                <a:r>
-                  <a:rPr lang="it-IT" sz="2400" noProof="0" dirty="0" err="1">
-                    <a:latin typeface="Arial" panose="020B0604020202020204" pitchFamily="34" charset="0"/>
-                    <a:cs typeface="Arial" panose="020B0604020202020204" pitchFamily="34" charset="0"/>
-                  </a:rPr>
-                  <a:t>number</a:t>
-                </a:r>
-                <a:r>
-                  <a:rPr lang="it-IT" sz="2400" noProof="0" dirty="0">
-                    <a:latin typeface="Arial" panose="020B0604020202020204" pitchFamily="34" charset="0"/>
-                    <a:cs typeface="Arial" panose="020B0604020202020204" pitchFamily="34" charset="0"/>
-                  </a:rPr>
-                  <a:t> of </a:t>
-                </a:r>
-                <a:r>
-                  <a:rPr lang="it-IT" sz="2400" noProof="0" dirty="0" err="1">
-                    <a:latin typeface="Arial" panose="020B0604020202020204" pitchFamily="34" charset="0"/>
-                    <a:cs typeface="Arial" panose="020B0604020202020204" pitchFamily="34" charset="0"/>
-                  </a:rPr>
-                  <a:t>columns</a:t>
-                </a:r>
-                <a:r>
-                  <a:rPr lang="it-IT" sz="2400" noProof="0" dirty="0">
-                    <a:latin typeface="Arial" panose="020B0604020202020204" pitchFamily="34" charset="0"/>
-                    <a:cs typeface="Arial" panose="020B0604020202020204" pitchFamily="34" charset="0"/>
-                  </a:rPr>
-                  <a:t> of		      </a:t>
-                </a:r>
-                <a:r>
-                  <a:rPr lang="it-IT" sz="2400" noProof="0" dirty="0" err="1">
-                    <a:latin typeface="Arial" panose="020B0604020202020204" pitchFamily="34" charset="0"/>
-                    <a:cs typeface="Arial" panose="020B0604020202020204" pitchFamily="34" charset="0"/>
-                  </a:rPr>
-                  <a:t>is</a:t>
-                </a:r>
-                <a:r>
-                  <a:rPr lang="it-IT" sz="2400" noProof="0" dirty="0">
-                    <a:latin typeface="Arial" panose="020B0604020202020204" pitchFamily="34" charset="0"/>
-                    <a:cs typeface="Arial" panose="020B0604020202020204" pitchFamily="34" charset="0"/>
-                  </a:rPr>
-                  <a:t> infinite		, </a:t>
-                </a:r>
-                <a:r>
-                  <a:rPr lang="it-IT" sz="2400" noProof="0" dirty="0" err="1">
-                    <a:latin typeface="Arial" panose="020B0604020202020204" pitchFamily="34" charset="0"/>
-                    <a:cs typeface="Arial" panose="020B0604020202020204" pitchFamily="34" charset="0"/>
-                  </a:rPr>
-                  <a:t>there</a:t>
-                </a:r>
-                <a:r>
-                  <a:rPr lang="it-IT" sz="2400" noProof="0" dirty="0">
-                    <a:latin typeface="Arial" panose="020B0604020202020204" pitchFamily="34" charset="0"/>
-                    <a:cs typeface="Arial" panose="020B0604020202020204" pitchFamily="34" charset="0"/>
-                  </a:rPr>
-                  <a:t> </a:t>
-                </a:r>
-                <a:r>
-                  <a:rPr lang="it-IT" sz="2400" noProof="0" dirty="0" err="1">
-                    <a:latin typeface="Arial" panose="020B0604020202020204" pitchFamily="34" charset="0"/>
-                    <a:cs typeface="Arial" panose="020B0604020202020204" pitchFamily="34" charset="0"/>
-                  </a:rPr>
-                  <a:t>is</a:t>
-                </a:r>
-                <a:r>
-                  <a:rPr lang="it-IT" sz="2400" noProof="0" dirty="0">
-                    <a:latin typeface="Arial" panose="020B0604020202020204" pitchFamily="34" charset="0"/>
-                    <a:cs typeface="Arial" panose="020B0604020202020204" pitchFamily="34" charset="0"/>
-                  </a:rPr>
-                  <a:t> a </a:t>
-                </a:r>
-                <a:r>
-                  <a:rPr lang="it-IT" sz="2400" noProof="0" dirty="0" err="1">
-                    <a:latin typeface="Arial" panose="020B0604020202020204" pitchFamily="34" charset="0"/>
-                    <a:cs typeface="Arial" panose="020B0604020202020204" pitchFamily="34" charset="0"/>
-                  </a:rPr>
-                  <a:t>direct</a:t>
-                </a:r>
-                <a:r>
-                  <a:rPr lang="it-IT" sz="2400" noProof="0" dirty="0">
-                    <a:latin typeface="Arial" panose="020B0604020202020204" pitchFamily="34" charset="0"/>
-                    <a:cs typeface="Arial" panose="020B0604020202020204" pitchFamily="34" charset="0"/>
-                  </a:rPr>
-                  <a:t> link </a:t>
-                </a:r>
-                <a:r>
-                  <a:rPr lang="it-IT" sz="2400" noProof="0" dirty="0" err="1">
-                    <a:latin typeface="Arial" panose="020B0604020202020204" pitchFamily="34" charset="0"/>
-                    <a:cs typeface="Arial" panose="020B0604020202020204" pitchFamily="34" charset="0"/>
-                  </a:rPr>
-                  <a:t>between</a:t>
-                </a:r>
-                <a:r>
-                  <a:rPr lang="it-IT" sz="2400" noProof="0" dirty="0">
-                    <a:latin typeface="Arial" panose="020B0604020202020204" pitchFamily="34" charset="0"/>
-                    <a:cs typeface="Arial" panose="020B0604020202020204" pitchFamily="34" charset="0"/>
-                  </a:rPr>
-                  <a:t> </a:t>
+                  <a:t>Note: under the assumption that the number of columns of		      is infinite		, there is a direct link between </a:t>
                 </a:r>
                 <a14:m>
                   <m:oMath xmlns:m="http://schemas.openxmlformats.org/officeDocument/2006/math">
                     <m:sSub>
                       <m:sSubPr>
                         <m:ctrlPr>
-                          <a:rPr lang="it-IT" sz="2400" i="1" noProof="0" smtClean="0">
+                          <a:rPr lang="en-GB" sz="2400" i="1" noProof="0" smtClean="0">
                             <a:latin typeface="Cambria Math" panose="02040503050406030204" pitchFamily="18" charset="0"/>
                             <a:cs typeface="Arial" panose="020B0604020202020204" pitchFamily="34" charset="0"/>
                           </a:rPr>
@@ -3303,7 +2870,7 @@
                       </m:sSubPr>
                       <m:e>
                         <m:r>
-                          <a:rPr lang="it-IT" sz="2400" b="0" i="1" noProof="0" smtClean="0">
+                          <a:rPr lang="en-GB" sz="2400" b="0" i="1" noProof="0" smtClean="0">
                             <a:latin typeface="Cambria Math" panose="02040503050406030204" pitchFamily="18" charset="0"/>
                             <a:cs typeface="Arial" panose="020B0604020202020204" pitchFamily="34" charset="0"/>
                           </a:rPr>
@@ -3312,7 +2879,7 @@
                       </m:e>
                       <m:sub>
                         <m:r>
-                          <a:rPr lang="it-IT" sz="2400" b="0" i="1" noProof="0" smtClean="0">
+                          <a:rPr lang="en-GB" sz="2400" b="0" i="1" noProof="0" smtClean="0">
                             <a:latin typeface="Cambria Math" panose="02040503050406030204" pitchFamily="18" charset="0"/>
                             <a:cs typeface="Arial" panose="020B0604020202020204" pitchFamily="34" charset="0"/>
                           </a:rPr>
@@ -3323,53 +2890,18 @@
                   </m:oMath>
                 </a14:m>
                 <a:r>
-                  <a:rPr lang="it-IT" sz="2400" dirty="0">
+                  <a:rPr lang="en-GB" sz="2400" noProof="0" dirty="0">
                     <a:latin typeface="Arial" panose="020B0604020202020204" pitchFamily="34" charset="0"/>
                     <a:cs typeface="Arial" panose="020B0604020202020204" pitchFamily="34" charset="0"/>
                   </a:rPr>
-                  <a:t> </a:t>
-                </a:r>
-                <a:r>
-                  <a:rPr lang="it-IT" sz="2400" noProof="0" dirty="0">
-                    <a:latin typeface="Arial" panose="020B0604020202020204" pitchFamily="34" charset="0"/>
-                    <a:cs typeface="Arial" panose="020B0604020202020204" pitchFamily="34" charset="0"/>
-                  </a:rPr>
-                  <a:t>and the </a:t>
-                </a:r>
-                <a:r>
-                  <a:rPr lang="it-IT" sz="2400" noProof="0" dirty="0" err="1">
-                    <a:latin typeface="Arial" panose="020B0604020202020204" pitchFamily="34" charset="0"/>
-                    <a:cs typeface="Arial" panose="020B0604020202020204" pitchFamily="34" charset="0"/>
-                  </a:rPr>
-                  <a:t>observability</a:t>
-                </a:r>
-                <a:r>
-                  <a:rPr lang="it-IT" sz="2400" noProof="0" dirty="0">
-                    <a:latin typeface="Arial" panose="020B0604020202020204" pitchFamily="34" charset="0"/>
-                    <a:cs typeface="Arial" panose="020B0604020202020204" pitchFamily="34" charset="0"/>
-                  </a:rPr>
-                  <a:t> </a:t>
-                </a:r>
-                <a:r>
-                  <a:rPr lang="it-IT" sz="2400" noProof="0" dirty="0" err="1">
-                    <a:latin typeface="Arial" panose="020B0604020202020204" pitchFamily="34" charset="0"/>
-                    <a:cs typeface="Arial" panose="020B0604020202020204" pitchFamily="34" charset="0"/>
-                  </a:rPr>
-                  <a:t>matrix</a:t>
-                </a:r>
-                <a:r>
-                  <a:rPr lang="it-IT" sz="2400" noProof="0" dirty="0">
-                    <a:latin typeface="Arial" panose="020B0604020202020204" pitchFamily="34" charset="0"/>
-                    <a:cs typeface="Arial" panose="020B0604020202020204" pitchFamily="34" charset="0"/>
-                  </a:rPr>
-                  <a:t> </a:t>
+                  <a:t> and the observability matrix </a:t>
                 </a:r>
                 <a14:m>
                   <m:oMath xmlns:m="http://schemas.openxmlformats.org/officeDocument/2006/math">
                     <m:sSub>
                       <m:sSubPr>
                         <m:ctrlPr>
-                          <a:rPr lang="it-IT" sz="2400" i="1" noProof="0" smtClean="0">
+                          <a:rPr lang="en-GB" sz="2400" i="1" noProof="0" smtClean="0">
                             <a:latin typeface="Cambria Math" panose="02040503050406030204" pitchFamily="18" charset="0"/>
                             <a:cs typeface="Arial" panose="020B0604020202020204" pitchFamily="34" charset="0"/>
                           </a:rPr>
@@ -3380,7 +2912,7 @@
                           <m:rPr>
                             <m:sty m:val="p"/>
                           </m:rPr>
-                          <a:rPr lang="el-GR" sz="2400" i="1" noProof="0" smtClean="0">
+                          <a:rPr lang="en-GB" sz="2400" i="1" noProof="0" smtClean="0">
                             <a:latin typeface="Cambria Math" panose="02040503050406030204" pitchFamily="18" charset="0"/>
                             <a:ea typeface="Cambria Math" panose="02040503050406030204" pitchFamily="18" charset="0"/>
                             <a:cs typeface="Arial" panose="020B0604020202020204" pitchFamily="34" charset="0"/>
@@ -3390,7 +2922,7 @@
                       </m:e>
                       <m:sub>
                         <m:r>
-                          <a:rPr lang="it-IT" sz="2400" b="0" i="1" noProof="0" smtClean="0">
+                          <a:rPr lang="en-GB" sz="2400" b="0" i="1" noProof="0" smtClean="0">
                             <a:latin typeface="Cambria Math" panose="02040503050406030204" pitchFamily="18" charset="0"/>
                             <a:cs typeface="Arial" panose="020B0604020202020204" pitchFamily="34" charset="0"/>
                           </a:rPr>
@@ -3401,32 +2933,18 @@
                   </m:oMath>
                 </a14:m>
                 <a:r>
-                  <a:rPr lang="it-IT" sz="2400" noProof="0" dirty="0">
+                  <a:rPr lang="en-GB" sz="2400" noProof="0" dirty="0">
                     <a:latin typeface="Arial" panose="020B0604020202020204" pitchFamily="34" charset="0"/>
                     <a:cs typeface="Arial" panose="020B0604020202020204" pitchFamily="34" charset="0"/>
                   </a:rPr>
-                  <a:t> and the state </a:t>
-                </a:r>
-                <a:r>
-                  <a:rPr lang="it-IT" sz="2400" noProof="0" dirty="0" err="1">
-                    <a:latin typeface="Arial" panose="020B0604020202020204" pitchFamily="34" charset="0"/>
-                    <a:cs typeface="Arial" panose="020B0604020202020204" pitchFamily="34" charset="0"/>
-                  </a:rPr>
-                  <a:t>sequence</a:t>
-                </a:r>
-                <a:r>
-                  <a:rPr lang="it-IT" sz="2400" noProof="0" dirty="0">
-                    <a:latin typeface="Arial" panose="020B0604020202020204" pitchFamily="34" charset="0"/>
-                    <a:cs typeface="Arial" panose="020B0604020202020204" pitchFamily="34" charset="0"/>
-                  </a:rPr>
-                  <a:t> </a:t>
+                  <a:t> and the state sequence </a:t>
                 </a:r>
                 <a14:m>
                   <m:oMath xmlns:m="http://schemas.openxmlformats.org/officeDocument/2006/math">
                     <m:sSub>
                       <m:sSubPr>
                         <m:ctrlPr>
-                          <a:rPr lang="it-IT" sz="2400" i="1" noProof="0" smtClean="0">
+                          <a:rPr lang="en-GB" sz="2400" i="1" noProof="0" smtClean="0">
                             <a:latin typeface="Cambria Math" panose="02040503050406030204" pitchFamily="18" charset="0"/>
                             <a:cs typeface="Arial" panose="020B0604020202020204" pitchFamily="34" charset="0"/>
                           </a:rPr>
@@ -3434,7 +2952,7 @@
                       </m:sSubPr>
                       <m:e>
                         <m:r>
-                          <a:rPr lang="it-IT" sz="2400" b="0" i="1" noProof="0" smtClean="0">
+                          <a:rPr lang="en-GB" sz="2400" b="0" i="1" noProof="0" smtClean="0">
                             <a:latin typeface="Cambria Math" panose="02040503050406030204" pitchFamily="18" charset="0"/>
                             <a:cs typeface="Arial" panose="020B0604020202020204" pitchFamily="34" charset="0"/>
                           </a:rPr>
@@ -3443,7 +2961,7 @@
                       </m:e>
                       <m:sub>
                         <m:r>
-                          <a:rPr lang="it-IT" sz="2400" b="0" i="1" noProof="0" smtClean="0">
+                          <a:rPr lang="en-GB" sz="2400" b="0" i="1" noProof="0" smtClean="0">
                             <a:latin typeface="Cambria Math" panose="02040503050406030204" pitchFamily="18" charset="0"/>
                             <a:cs typeface="Arial" panose="020B0604020202020204" pitchFamily="34" charset="0"/>
                           </a:rPr>
@@ -3454,7 +2972,7 @@
                   </m:oMath>
                 </a14:m>
                 <a:r>
-                  <a:rPr lang="it-IT" sz="2400" noProof="0" dirty="0">
+                  <a:rPr lang="en-GB" sz="2400" noProof="0" dirty="0">
                     <a:latin typeface="Arial" panose="020B0604020202020204" pitchFamily="34" charset="0"/>
                     <a:cs typeface="Arial" panose="020B0604020202020204" pitchFamily="34" charset="0"/>
                   </a:rPr>
@@ -3775,7 +3293,7 @@
               <a:lstStyle/>
               <a:p>
                 <a:r>
-                  <a:rPr lang="it-IT" dirty="0"/>
+                  <a:rPr lang="en-GB" noProof="0" dirty="0"/>
                   <a:t> </a:t>
                 </a:r>
                 <a14:m>
@@ -3783,7 +3301,7 @@
                     <m:sSub>
                       <m:sSubPr>
                         <m:ctrlPr>
-                          <a:rPr lang="it-IT" sz="1800" i="1" noProof="0" smtClean="0">
+                          <a:rPr lang="en-GB" sz="1800" i="1" noProof="0" smtClean="0">
                             <a:latin typeface="Cambria Math" panose="02040503050406030204" pitchFamily="18" charset="0"/>
                             <a:cs typeface="Arial" panose="020B0604020202020204" pitchFamily="34" charset="0"/>
                           </a:rPr>
@@ -3794,7 +3312,7 @@
                           <m:accPr>
                             <m:chr m:val="̂"/>
                             <m:ctrlPr>
-                              <a:rPr lang="it-IT" sz="1800" b="0" i="1" noProof="0" smtClean="0">
+                              <a:rPr lang="en-GB" sz="1800" b="0" i="1" noProof="0" smtClean="0">
                                 <a:latin typeface="Cambria Math" panose="02040503050406030204" pitchFamily="18" charset="0"/>
                                 <a:cs typeface="Arial" panose="020B0604020202020204" pitchFamily="34" charset="0"/>
                               </a:rPr>
@@ -3802,7 +3320,7 @@
                           </m:accPr>
                           <m:e>
                             <m:r>
-                              <a:rPr lang="it-IT" sz="1800" b="0" i="1" noProof="0" smtClean="0">
+                              <a:rPr lang="en-GB" sz="1800" b="0" i="1" noProof="0" smtClean="0">
                                 <a:latin typeface="Cambria Math" panose="02040503050406030204" pitchFamily="18" charset="0"/>
                                 <a:cs typeface="Arial" panose="020B0604020202020204" pitchFamily="34" charset="0"/>
                               </a:rPr>
@@ -3813,7 +3331,7 @@
                       </m:e>
                       <m:sub>
                         <m:r>
-                          <a:rPr lang="it-IT" sz="1800" b="0" i="1" noProof="0" smtClean="0">
+                          <a:rPr lang="en-GB" sz="1800" b="0" i="1" noProof="0" smtClean="0">
                             <a:latin typeface="Cambria Math" panose="02040503050406030204" pitchFamily="18" charset="0"/>
                             <a:cs typeface="Arial" panose="020B0604020202020204" pitchFamily="34" charset="0"/>
                           </a:rPr>
@@ -3822,7 +3340,7 @@
                       </m:sub>
                     </m:sSub>
                     <m:r>
-                      <a:rPr lang="it-IT" sz="1800" b="0" i="1" noProof="0" smtClean="0">
+                      <a:rPr lang="en-GB" sz="1800" b="0" i="1" noProof="0" smtClean="0">
                         <a:latin typeface="Cambria Math" panose="02040503050406030204" pitchFamily="18" charset="0"/>
                         <a:cs typeface="Arial" panose="020B0604020202020204" pitchFamily="34" charset="0"/>
                       </a:rPr>
@@ -3831,13 +3349,13 @@
                   </m:oMath>
                 </a14:m>
                 <a:r>
-                  <a:rPr lang="en-US" dirty="0"/>
+                  <a:rPr lang="en-GB" noProof="0" dirty="0"/>
                   <a:t>is a Kalman filter estimate of</a:t>
                 </a:r>
                 <a14:m>
                   <m:oMath xmlns:m="http://schemas.openxmlformats.org/officeDocument/2006/math">
                     <m:r>
-                      <a:rPr lang="it-IT" sz="1800" b="0" i="0" noProof="0" smtClean="0">
+                      <a:rPr lang="en-GB" sz="1800" b="0" i="0" noProof="0" smtClean="0">
                         <a:latin typeface="Cambria Math" panose="02040503050406030204" pitchFamily="18" charset="0"/>
                         <a:cs typeface="Arial" panose="020B0604020202020204" pitchFamily="34" charset="0"/>
                       </a:rPr>
@@ -3846,7 +3364,7 @@
                     <m:sSub>
                       <m:sSubPr>
                         <m:ctrlPr>
-                          <a:rPr lang="it-IT" sz="1800" i="1" noProof="0" smtClean="0">
+                          <a:rPr lang="en-GB" sz="1800" i="1" noProof="0" smtClean="0">
                             <a:latin typeface="Cambria Math" panose="02040503050406030204" pitchFamily="18" charset="0"/>
                             <a:cs typeface="Arial" panose="020B0604020202020204" pitchFamily="34" charset="0"/>
                           </a:rPr>
@@ -3854,7 +3372,7 @@
                       </m:sSubPr>
                       <m:e>
                         <m:r>
-                          <a:rPr lang="it-IT" sz="1800" b="0" i="1" noProof="0" smtClean="0">
+                          <a:rPr lang="en-GB" sz="1800" b="0" i="1" noProof="0" smtClean="0">
                             <a:latin typeface="Cambria Math" panose="02040503050406030204" pitchFamily="18" charset="0"/>
                             <a:cs typeface="Arial" panose="020B0604020202020204" pitchFamily="34" charset="0"/>
                           </a:rPr>
@@ -3863,7 +3381,7 @@
                       </m:e>
                       <m:sub>
                         <m:r>
-                          <a:rPr lang="it-IT" sz="1800" b="0" i="1" noProof="0" smtClean="0">
+                          <a:rPr lang="en-GB" sz="1800" b="0" i="1" noProof="0" smtClean="0">
                             <a:latin typeface="Cambria Math" panose="02040503050406030204" pitchFamily="18" charset="0"/>
                             <a:cs typeface="Arial" panose="020B0604020202020204" pitchFamily="34" charset="0"/>
                           </a:rPr>
@@ -3873,10 +3391,10 @@
                     </m:sSub>
                   </m:oMath>
                 </a14:m>
-                <a:endParaRPr lang="en-US" dirty="0"/>
+                <a:endParaRPr lang="en-GB" noProof="0" dirty="0"/>
               </a:p>
               <a:p>
-                <a:endParaRPr lang="it-IT" dirty="0"/>
+                <a:endParaRPr lang="en-GB" noProof="0" dirty="0"/>
               </a:p>
             </p:txBody>
           </p:sp>
@@ -3992,17 +3510,8 @@
               <a:rPr lang="en-GB" noProof="0" dirty="0">
                 <a:latin typeface="Arial Black" panose="020B0A04020102020204" pitchFamily="34" charset="0"/>
               </a:rPr>
-              <a:t>Proposed solution – </a:t>
-            </a:r>
-            <a:r>
-              <a:rPr lang="en-GB" dirty="0">
-                <a:latin typeface="Arial Black" panose="020B0A04020102020204" pitchFamily="34" charset="0"/>
-              </a:rPr>
-              <a:t>MPC problem</a:t>
-            </a:r>
-            <a:endParaRPr lang="en-GB" noProof="0" dirty="0">
-              <a:latin typeface="Arial Black" panose="020B0A04020102020204" pitchFamily="34" charset="0"/>
-            </a:endParaRPr>
+              <a:t>Proposed solution – MPC problem</a:t>
+            </a:r>
           </a:p>
         </p:txBody>
       </p:sp>
@@ -4038,123 +3547,11 @@
               <a:p>
                 <a:pPr algn="just"/>
                 <a:r>
-                  <a:rPr lang="it-IT" sz="2400" dirty="0">
+                  <a:rPr lang="en-GB" sz="2400" noProof="0" dirty="0">
                     <a:latin typeface="Arial" panose="020B0604020202020204" pitchFamily="34" charset="0"/>
                     <a:cs typeface="Arial" panose="020B0604020202020204" pitchFamily="34" charset="0"/>
                   </a:rPr>
-                  <a:t>The idea of the MPC </a:t>
-                </a:r>
-                <a:r>
-                  <a:rPr lang="it-IT" sz="2400" dirty="0" err="1">
-                    <a:latin typeface="Arial" panose="020B0604020202020204" pitchFamily="34" charset="0"/>
-                    <a:cs typeface="Arial" panose="020B0604020202020204" pitchFamily="34" charset="0"/>
-                  </a:rPr>
-                  <a:t>portion</a:t>
-                </a:r>
-                <a:r>
-                  <a:rPr lang="it-IT" sz="2400" dirty="0">
-                    <a:latin typeface="Arial" panose="020B0604020202020204" pitchFamily="34" charset="0"/>
-                    <a:cs typeface="Arial" panose="020B0604020202020204" pitchFamily="34" charset="0"/>
-                  </a:rPr>
-                  <a:t> of the </a:t>
-                </a:r>
-                <a:r>
-                  <a:rPr lang="it-IT" sz="2400" dirty="0" err="1">
-                    <a:latin typeface="Arial" panose="020B0604020202020204" pitchFamily="34" charset="0"/>
-                    <a:cs typeface="Arial" panose="020B0604020202020204" pitchFamily="34" charset="0"/>
-                  </a:rPr>
-                  <a:t>algorithm</a:t>
-                </a:r>
-                <a:r>
-                  <a:rPr lang="it-IT" sz="2400" dirty="0">
-                    <a:latin typeface="Arial" panose="020B0604020202020204" pitchFamily="34" charset="0"/>
-                    <a:cs typeface="Arial" panose="020B0604020202020204" pitchFamily="34" charset="0"/>
-                  </a:rPr>
-                  <a:t> </a:t>
-                </a:r>
-                <a:r>
-                  <a:rPr lang="it-IT" sz="2400" dirty="0" err="1">
-                    <a:latin typeface="Arial" panose="020B0604020202020204" pitchFamily="34" charset="0"/>
-                    <a:cs typeface="Arial" panose="020B0604020202020204" pitchFamily="34" charset="0"/>
-                  </a:rPr>
-                  <a:t>revolves</a:t>
-                </a:r>
-                <a:r>
-                  <a:rPr lang="it-IT" sz="2400" dirty="0">
-                    <a:latin typeface="Arial" panose="020B0604020202020204" pitchFamily="34" charset="0"/>
-                    <a:cs typeface="Arial" panose="020B0604020202020204" pitchFamily="34" charset="0"/>
-                  </a:rPr>
-                  <a:t> </a:t>
-                </a:r>
-                <a:r>
-                  <a:rPr lang="it-IT" sz="2400" dirty="0" err="1">
-                    <a:latin typeface="Arial" panose="020B0604020202020204" pitchFamily="34" charset="0"/>
-                    <a:cs typeface="Arial" panose="020B0604020202020204" pitchFamily="34" charset="0"/>
-                  </a:rPr>
-                  <a:t>around</a:t>
-                </a:r>
-                <a:r>
-                  <a:rPr lang="it-IT" sz="2400" dirty="0">
-                    <a:latin typeface="Arial" panose="020B0604020202020204" pitchFamily="34" charset="0"/>
-                    <a:cs typeface="Arial" panose="020B0604020202020204" pitchFamily="34" charset="0"/>
-                  </a:rPr>
-                  <a:t> the </a:t>
-                </a:r>
-                <a:r>
-                  <a:rPr lang="it-IT" sz="2400" dirty="0" err="1">
-                    <a:latin typeface="Arial" panose="020B0604020202020204" pitchFamily="34" charset="0"/>
-                    <a:cs typeface="Arial" panose="020B0604020202020204" pitchFamily="34" charset="0"/>
-                  </a:rPr>
-                  <a:t>construction</a:t>
-                </a:r>
-                <a:r>
-                  <a:rPr lang="it-IT" sz="2400" dirty="0">
-                    <a:latin typeface="Arial" panose="020B0604020202020204" pitchFamily="34" charset="0"/>
-                    <a:cs typeface="Arial" panose="020B0604020202020204" pitchFamily="34" charset="0"/>
-                  </a:rPr>
-                  <a:t> of a controller </a:t>
-                </a:r>
-                <a:r>
-                  <a:rPr lang="it-IT" sz="2400" dirty="0" err="1">
-                    <a:latin typeface="Arial" panose="020B0604020202020204" pitchFamily="34" charset="0"/>
-                    <a:cs typeface="Arial" panose="020B0604020202020204" pitchFamily="34" charset="0"/>
-                  </a:rPr>
-                  <a:t>that</a:t>
-                </a:r>
-                <a:r>
-                  <a:rPr lang="it-IT" sz="2400" dirty="0">
-                    <a:latin typeface="Arial" panose="020B0604020202020204" pitchFamily="34" charset="0"/>
-                    <a:cs typeface="Arial" panose="020B0604020202020204" pitchFamily="34" charset="0"/>
-                  </a:rPr>
-                  <a:t> </a:t>
-                </a:r>
-                <a:r>
-                  <a:rPr lang="it-IT" sz="2400" dirty="0" err="1">
-                    <a:latin typeface="Arial" panose="020B0604020202020204" pitchFamily="34" charset="0"/>
-                    <a:cs typeface="Arial" panose="020B0604020202020204" pitchFamily="34" charset="0"/>
-                  </a:rPr>
-                  <a:t>minimizes</a:t>
-                </a:r>
-                <a:r>
-                  <a:rPr lang="it-IT" sz="2400" dirty="0">
-                    <a:latin typeface="Arial" panose="020B0604020202020204" pitchFamily="34" charset="0"/>
-                    <a:cs typeface="Arial" panose="020B0604020202020204" pitchFamily="34" charset="0"/>
-                  </a:rPr>
-                  <a:t> a cost </a:t>
-                </a:r>
-                <a:r>
-                  <a:rPr lang="it-IT" sz="2400" dirty="0" err="1">
-                    <a:latin typeface="Arial" panose="020B0604020202020204" pitchFamily="34" charset="0"/>
-                    <a:cs typeface="Arial" panose="020B0604020202020204" pitchFamily="34" charset="0"/>
-                  </a:rPr>
-                  <a:t>function</a:t>
-                </a:r>
-                <a:r>
-                  <a:rPr lang="it-IT" sz="2400" dirty="0">
-                    <a:latin typeface="Arial" panose="020B0604020202020204" pitchFamily="34" charset="0"/>
-                    <a:cs typeface="Arial" panose="020B0604020202020204" pitchFamily="34" charset="0"/>
-                  </a:rPr>
-                  <a:t> J </a:t>
+                  <a:t>The idea of the MPC portion of the algorithm revolves around the construction of a controller that minimizes a cost function J </a:t>
                 </a:r>
               </a:p>
               <a:p>
@@ -4166,14 +3563,14 @@
                     </m:oMathParaPr>
                     <m:oMath xmlns:m="http://schemas.openxmlformats.org/officeDocument/2006/math">
                       <m:r>
-                        <a:rPr lang="it-IT" sz="3200" b="0" i="1" smtClean="0">
+                        <a:rPr lang="en-GB" sz="3200" b="0" i="1" noProof="0" smtClean="0">
                           <a:latin typeface="Cambria Math" panose="02040503050406030204" pitchFamily="18" charset="0"/>
                           <a:cs typeface="Arial" panose="020B0604020202020204" pitchFamily="34" charset="0"/>
                         </a:rPr>
                         <m:t>𝐽</m:t>
                       </m:r>
                       <m:r>
-                        <a:rPr lang="it-IT" sz="3200" b="0" i="1" smtClean="0">
+                        <a:rPr lang="en-GB" sz="3200" b="0" i="1" noProof="0" smtClean="0">
                           <a:latin typeface="Cambria Math" panose="02040503050406030204" pitchFamily="18" charset="0"/>
                           <a:cs typeface="Arial" panose="020B0604020202020204" pitchFamily="34" charset="0"/>
                         </a:rPr>
@@ -4182,7 +3579,7 @@
                       <m:sSup>
                         <m:sSupPr>
                           <m:ctrlPr>
-                            <a:rPr lang="it-IT" sz="3200" b="0" i="1" smtClean="0">
+                            <a:rPr lang="en-GB" sz="3200" b="0" i="1" noProof="0" smtClean="0">
                               <a:latin typeface="Cambria Math" panose="02040503050406030204" pitchFamily="18" charset="0"/>
                               <a:cs typeface="Arial" panose="020B0604020202020204" pitchFamily="34" charset="0"/>
                             </a:rPr>
@@ -4192,7 +3589,7 @@
                           <m:d>
                             <m:dPr>
                               <m:ctrlPr>
-                                <a:rPr lang="it-IT" sz="3200" b="0" i="1" smtClean="0">
+                                <a:rPr lang="en-GB" sz="3200" b="0" i="1" noProof="0" smtClean="0">
                                   <a:latin typeface="Cambria Math" panose="02040503050406030204" pitchFamily="18" charset="0"/>
                                   <a:cs typeface="Arial" panose="020B0604020202020204" pitchFamily="34" charset="0"/>
                                 </a:rPr>
@@ -4202,7 +3599,7 @@
                               <m:sSub>
                                 <m:sSubPr>
                                   <m:ctrlPr>
-                                    <a:rPr lang="it-IT" sz="3200" b="0" i="1" smtClean="0">
+                                    <a:rPr lang="en-GB" sz="3200" b="0" i="1" noProof="0" smtClean="0">
                                       <a:latin typeface="Cambria Math" panose="02040503050406030204" pitchFamily="18" charset="0"/>
                                       <a:cs typeface="Arial" panose="020B0604020202020204" pitchFamily="34" charset="0"/>
                                     </a:rPr>
@@ -4213,7 +3610,7 @@
                                     <m:accPr>
                                       <m:chr m:val="̂"/>
                                       <m:ctrlPr>
-                                        <a:rPr lang="it-IT" sz="3200" b="0" i="1" smtClean="0">
+                                        <a:rPr lang="en-GB" sz="3200" b="0" i="1" noProof="0" smtClean="0">
                                           <a:latin typeface="Cambria Math" panose="02040503050406030204" pitchFamily="18" charset="0"/>
                                           <a:cs typeface="Arial" panose="020B0604020202020204" pitchFamily="34" charset="0"/>
                                         </a:rPr>
@@ -4221,7 +3618,7 @@
                                     </m:accPr>
                                     <m:e>
                                       <m:r>
-                                        <a:rPr lang="it-IT" sz="3200" b="0" i="1" smtClean="0">
+                                        <a:rPr lang="en-GB" sz="3200" b="0" i="1" noProof="0" smtClean="0">
                                           <a:latin typeface="Cambria Math" panose="02040503050406030204" pitchFamily="18" charset="0"/>
                                           <a:cs typeface="Arial" panose="020B0604020202020204" pitchFamily="34" charset="0"/>
                                         </a:rPr>
@@ -4232,7 +3629,7 @@
                                 </m:e>
                                 <m:sub>
                                   <m:r>
-                                    <a:rPr lang="it-IT" sz="3200" b="0" i="1" smtClean="0">
+                                    <a:rPr lang="en-GB" sz="3200" b="0" i="1" noProof="0" smtClean="0">
                                       <a:latin typeface="Cambria Math" panose="02040503050406030204" pitchFamily="18" charset="0"/>
                                       <a:cs typeface="Arial" panose="020B0604020202020204" pitchFamily="34" charset="0"/>
                                     </a:rPr>
@@ -4241,7 +3638,7 @@
                                 </m:sub>
                               </m:sSub>
                               <m:r>
-                                <a:rPr lang="it-IT" sz="3200" b="0" i="1" smtClean="0">
+                                <a:rPr lang="en-GB" sz="3200" b="0" i="1" noProof="0" smtClean="0">
                                   <a:latin typeface="Cambria Math" panose="02040503050406030204" pitchFamily="18" charset="0"/>
                                   <a:cs typeface="Arial" panose="020B0604020202020204" pitchFamily="34" charset="0"/>
                                 </a:rPr>
@@ -4250,7 +3647,7 @@
                               <m:sSub>
                                 <m:sSubPr>
                                   <m:ctrlPr>
-                                    <a:rPr lang="it-IT" sz="3200" b="0" i="1" smtClean="0">
+                                    <a:rPr lang="en-GB" sz="3200" b="0" i="1" noProof="0" smtClean="0">
                                       <a:latin typeface="Cambria Math" panose="02040503050406030204" pitchFamily="18" charset="0"/>
                                       <a:cs typeface="Arial" panose="020B0604020202020204" pitchFamily="34" charset="0"/>
                                     </a:rPr>
@@ -4258,7 +3655,7 @@
                                 </m:sSubPr>
                                 <m:e>
                                   <m:r>
-                                    <a:rPr lang="it-IT" sz="3200" b="0" i="1" smtClean="0">
+                                    <a:rPr lang="en-GB" sz="3200" b="0" i="1" noProof="0" smtClean="0">
                                       <a:latin typeface="Cambria Math" panose="02040503050406030204" pitchFamily="18" charset="0"/>
                                       <a:cs typeface="Arial" panose="020B0604020202020204" pitchFamily="34" charset="0"/>
                                     </a:rPr>
@@ -4267,7 +3664,7 @@
                                 </m:e>
                                 <m:sub>
                                   <m:r>
-                                    <a:rPr lang="it-IT" sz="3200" b="0" i="1" smtClean="0">
+                                    <a:rPr lang="en-GB" sz="3200" b="0" i="1" noProof="0" smtClean="0">
                                       <a:latin typeface="Cambria Math" panose="02040503050406030204" pitchFamily="18" charset="0"/>
                                       <a:cs typeface="Arial" panose="020B0604020202020204" pitchFamily="34" charset="0"/>
                                     </a:rPr>
@@ -4280,7 +3677,7 @@
                         </m:e>
                         <m:sup>
                           <m:r>
-                            <a:rPr lang="it-IT" sz="3200" b="0" i="1" smtClean="0">
+                            <a:rPr lang="en-GB" sz="3200" b="0" i="1" noProof="0" smtClean="0">
                               <a:latin typeface="Cambria Math" panose="02040503050406030204" pitchFamily="18" charset="0"/>
                               <a:cs typeface="Arial" panose="020B0604020202020204" pitchFamily="34" charset="0"/>
                             </a:rPr>
@@ -4289,14 +3686,14 @@
                         </m:sup>
                       </m:sSup>
                       <m:r>
-                        <a:rPr lang="it-IT" sz="3200" b="0" i="1" smtClean="0">
+                        <a:rPr lang="en-GB" sz="3200" b="0" i="1" noProof="0" smtClean="0">
                           <a:latin typeface="Cambria Math" panose="02040503050406030204" pitchFamily="18" charset="0"/>
                           <a:cs typeface="Arial" panose="020B0604020202020204" pitchFamily="34" charset="0"/>
                         </a:rPr>
                         <m:t>𝑄</m:t>
                       </m:r>
                       <m:r>
-                        <a:rPr lang="it-IT" sz="3200" b="0" i="1" smtClean="0">
+                        <a:rPr lang="en-GB" sz="3200" b="0" i="1" noProof="0" smtClean="0">
                           <a:latin typeface="Cambria Math" panose="02040503050406030204" pitchFamily="18" charset="0"/>
                           <a:cs typeface="Arial" panose="020B0604020202020204" pitchFamily="34" charset="0"/>
                         </a:rPr>
@@ -4305,7 +3702,7 @@
                       <m:sSub>
                         <m:sSubPr>
                           <m:ctrlPr>
-                            <a:rPr lang="it-IT" sz="3200" b="0" i="1" smtClean="0">
+                            <a:rPr lang="en-GB" sz="3200" b="0" i="1" noProof="0" smtClean="0">
                               <a:latin typeface="Cambria Math" panose="02040503050406030204" pitchFamily="18" charset="0"/>
                               <a:cs typeface="Arial" panose="020B0604020202020204" pitchFamily="34" charset="0"/>
                             </a:rPr>
@@ -4316,7 +3713,7 @@
                             <m:accPr>
                               <m:chr m:val="̂"/>
                               <m:ctrlPr>
-                                <a:rPr lang="it-IT" sz="3200" b="0" i="1" smtClean="0">
+                                <a:rPr lang="en-GB" sz="3200" b="0" i="1" noProof="0" smtClean="0">
                                   <a:latin typeface="Cambria Math" panose="02040503050406030204" pitchFamily="18" charset="0"/>
                                   <a:cs typeface="Arial" panose="020B0604020202020204" pitchFamily="34" charset="0"/>
                                 </a:rPr>
@@ -4324,7 +3721,7 @@
                             </m:accPr>
                             <m:e>
                               <m:r>
-                                <a:rPr lang="it-IT" sz="3200" b="0" i="1" smtClean="0">
+                                <a:rPr lang="en-GB" sz="3200" b="0" i="1" noProof="0" smtClean="0">
                                   <a:latin typeface="Cambria Math" panose="02040503050406030204" pitchFamily="18" charset="0"/>
                                   <a:cs typeface="Arial" panose="020B0604020202020204" pitchFamily="34" charset="0"/>
                                 </a:rPr>
@@ -4335,7 +3732,7 @@
                         </m:e>
                         <m:sub>
                           <m:r>
-                            <a:rPr lang="it-IT" sz="3200" b="0" i="1" smtClean="0">
+                            <a:rPr lang="en-GB" sz="3200" b="0" i="1" noProof="0" smtClean="0">
                               <a:latin typeface="Cambria Math" panose="02040503050406030204" pitchFamily="18" charset="0"/>
                               <a:cs typeface="Arial" panose="020B0604020202020204" pitchFamily="34" charset="0"/>
                             </a:rPr>
@@ -4344,7 +3741,7 @@
                         </m:sub>
                       </m:sSub>
                       <m:r>
-                        <a:rPr lang="it-IT" sz="3200" b="0" i="1" smtClean="0">
+                        <a:rPr lang="en-GB" sz="3200" b="0" i="1" noProof="0" smtClean="0">
                           <a:latin typeface="Cambria Math" panose="02040503050406030204" pitchFamily="18" charset="0"/>
                           <a:cs typeface="Arial" panose="020B0604020202020204" pitchFamily="34" charset="0"/>
                         </a:rPr>
@@ -4353,7 +3750,7 @@
                       <m:sSub>
                         <m:sSubPr>
                           <m:ctrlPr>
-                            <a:rPr lang="it-IT" sz="3200" b="0" i="1" smtClean="0">
+                            <a:rPr lang="en-GB" sz="3200" b="0" i="1" noProof="0" smtClean="0">
                               <a:latin typeface="Cambria Math" panose="02040503050406030204" pitchFamily="18" charset="0"/>
                               <a:cs typeface="Arial" panose="020B0604020202020204" pitchFamily="34" charset="0"/>
                             </a:rPr>
@@ -4361,7 +3758,7 @@
                         </m:sSubPr>
                         <m:e>
                           <m:r>
-                            <a:rPr lang="it-IT" sz="3200" b="0" i="1" smtClean="0">
+                            <a:rPr lang="en-GB" sz="3200" b="0" i="1" noProof="0" smtClean="0">
                               <a:latin typeface="Cambria Math" panose="02040503050406030204" pitchFamily="18" charset="0"/>
                               <a:cs typeface="Arial" panose="020B0604020202020204" pitchFamily="34" charset="0"/>
                             </a:rPr>
@@ -4370,7 +3767,7 @@
                         </m:e>
                         <m:sub>
                           <m:r>
-                            <a:rPr lang="it-IT" sz="3200" b="0" i="1" smtClean="0">
+                            <a:rPr lang="en-GB" sz="3200" b="0" i="1" noProof="0" smtClean="0">
                               <a:latin typeface="Cambria Math" panose="02040503050406030204" pitchFamily="18" charset="0"/>
                               <a:cs typeface="Arial" panose="020B0604020202020204" pitchFamily="34" charset="0"/>
                             </a:rPr>
@@ -4379,7 +3776,7 @@
                         </m:sub>
                       </m:sSub>
                       <m:r>
-                        <a:rPr lang="it-IT" sz="3200" b="0" i="1" smtClean="0">
+                        <a:rPr lang="en-GB" sz="3200" b="0" i="1" noProof="0" smtClean="0">
                           <a:latin typeface="Cambria Math" panose="02040503050406030204" pitchFamily="18" charset="0"/>
                           <a:cs typeface="Arial" panose="020B0604020202020204" pitchFamily="34" charset="0"/>
                         </a:rPr>
@@ -4388,7 +3785,7 @@
                       <m:sSubSup>
                         <m:sSubSupPr>
                           <m:ctrlPr>
-                            <a:rPr lang="it-IT" sz="3200" b="0" i="1" smtClean="0">
+                            <a:rPr lang="en-GB" sz="3200" b="0" i="1" noProof="0" smtClean="0">
                               <a:latin typeface="Cambria Math" panose="02040503050406030204" pitchFamily="18" charset="0"/>
                               <a:cs typeface="Arial" panose="020B0604020202020204" pitchFamily="34" charset="0"/>
                             </a:rPr>
@@ -4396,7 +3793,7 @@
                         </m:sSubSupPr>
                         <m:e>
                           <m:r>
-                            <a:rPr lang="it-IT" sz="3200" b="0" i="1" smtClean="0">
+                            <a:rPr lang="en-GB" sz="3200" b="0" i="1" noProof="0" smtClean="0">
                               <a:latin typeface="Cambria Math" panose="02040503050406030204" pitchFamily="18" charset="0"/>
                               <a:cs typeface="Arial" panose="020B0604020202020204" pitchFamily="34" charset="0"/>
                             </a:rPr>
@@ -4405,7 +3802,7 @@
                         </m:e>
                         <m:sub>
                           <m:r>
-                            <a:rPr lang="it-IT" sz="3200" b="0" i="1" smtClean="0">
+                            <a:rPr lang="en-GB" sz="3200" b="0" i="1" noProof="0" smtClean="0">
                               <a:latin typeface="Cambria Math" panose="02040503050406030204" pitchFamily="18" charset="0"/>
                               <a:cs typeface="Arial" panose="020B0604020202020204" pitchFamily="34" charset="0"/>
                             </a:rPr>
@@ -4414,7 +3811,7 @@
                         </m:sub>
                         <m:sup>
                           <m:r>
-                            <a:rPr lang="it-IT" sz="3200" b="0" i="1" smtClean="0">
+                            <a:rPr lang="en-GB" sz="3200" b="0" i="1" noProof="0" smtClean="0">
                               <a:latin typeface="Cambria Math" panose="02040503050406030204" pitchFamily="18" charset="0"/>
                               <a:cs typeface="Arial" panose="020B0604020202020204" pitchFamily="34" charset="0"/>
                             </a:rPr>
@@ -4423,7 +3820,7 @@
                         </m:sup>
                       </m:sSubSup>
                       <m:r>
-                        <a:rPr lang="it-IT" sz="3200" b="0" i="1" smtClean="0">
+                        <a:rPr lang="en-GB" sz="3200" b="0" i="1" noProof="0" smtClean="0">
                           <a:latin typeface="Cambria Math" panose="02040503050406030204" pitchFamily="18" charset="0"/>
                           <a:cs typeface="Arial" panose="020B0604020202020204" pitchFamily="34" charset="0"/>
                         </a:rPr>
@@ -4432,7 +3829,7 @@
                       <m:sSub>
                         <m:sSubPr>
                           <m:ctrlPr>
-                            <a:rPr lang="it-IT" sz="3200" b="0" i="1" smtClean="0">
+                            <a:rPr lang="en-GB" sz="3200" b="0" i="1" noProof="0" smtClean="0">
                               <a:latin typeface="Cambria Math" panose="02040503050406030204" pitchFamily="18" charset="0"/>
                               <a:cs typeface="Arial" panose="020B0604020202020204" pitchFamily="34" charset="0"/>
                             </a:rPr>
@@ -4440,7 +3837,7 @@
                         </m:sSubPr>
                         <m:e>
                           <m:r>
-                            <a:rPr lang="it-IT" sz="3200" b="0" i="1" smtClean="0">
+                            <a:rPr lang="en-GB" sz="3200" b="0" i="1" noProof="0" smtClean="0">
                               <a:latin typeface="Cambria Math" panose="02040503050406030204" pitchFamily="18" charset="0"/>
                               <a:cs typeface="Arial" panose="020B0604020202020204" pitchFamily="34" charset="0"/>
                             </a:rPr>
@@ -4449,7 +3846,7 @@
                         </m:e>
                         <m:sub>
                           <m:r>
-                            <a:rPr lang="it-IT" sz="3200" b="0" i="1" smtClean="0">
+                            <a:rPr lang="en-GB" sz="3200" b="0" i="1" noProof="0" smtClean="0">
                               <a:latin typeface="Cambria Math" panose="02040503050406030204" pitchFamily="18" charset="0"/>
                               <a:cs typeface="Arial" panose="020B0604020202020204" pitchFamily="34" charset="0"/>
                             </a:rPr>
@@ -4460,14 +3857,14 @@
                     </m:oMath>
                   </m:oMathPara>
                 </a14:m>
-                <a:endParaRPr lang="it-IT" sz="4000" dirty="0">
+                <a:endParaRPr lang="en-GB" sz="4000" noProof="0" dirty="0">
                   <a:latin typeface="Arial" panose="020B0604020202020204" pitchFamily="34" charset="0"/>
                   <a:cs typeface="Arial" panose="020B0604020202020204" pitchFamily="34" charset="0"/>
                 </a:endParaRPr>
               </a:p>
               <a:p>
                 <a:pPr algn="just"/>
-                <a:endParaRPr lang="it-IT" sz="2400" dirty="0">
+                <a:endParaRPr lang="en-GB" sz="2400" noProof="0" dirty="0">
                   <a:latin typeface="Arial" panose="020B0604020202020204" pitchFamily="34" charset="0"/>
                   <a:cs typeface="Arial" panose="020B0604020202020204" pitchFamily="34" charset="0"/>
                 </a:endParaRPr>
@@ -4475,46 +3872,18 @@
               <a:p>
                 <a:pPr algn="just"/>
                 <a:r>
-                  <a:rPr lang="it-IT" sz="2400" b="0" dirty="0">
+                  <a:rPr lang="en-GB" sz="2400" b="0" noProof="0" dirty="0">
                     <a:latin typeface="Arial" panose="020B0604020202020204" pitchFamily="34" charset="0"/>
                     <a:cs typeface="Arial" panose="020B0604020202020204" pitchFamily="34" charset="0"/>
                   </a:rPr>
-                  <a:t>In </a:t>
-                </a:r>
-                <a:r>
-                  <a:rPr lang="it-IT" sz="2400" b="0" dirty="0" err="1">
-                    <a:latin typeface="Arial" panose="020B0604020202020204" pitchFamily="34" charset="0"/>
-                    <a:cs typeface="Arial" panose="020B0604020202020204" pitchFamily="34" charset="0"/>
-                  </a:rPr>
-                  <a:t>this</a:t>
-                </a:r>
-                <a:r>
-                  <a:rPr lang="it-IT" sz="2400" b="0" dirty="0">
-                    <a:latin typeface="Arial" panose="020B0604020202020204" pitchFamily="34" charset="0"/>
-                    <a:cs typeface="Arial" panose="020B0604020202020204" pitchFamily="34" charset="0"/>
-                  </a:rPr>
-                  <a:t> </a:t>
-                </a:r>
-                <a:r>
-                  <a:rPr lang="it-IT" sz="2400" b="0" dirty="0" err="1">
-                    <a:latin typeface="Arial" panose="020B0604020202020204" pitchFamily="34" charset="0"/>
-                    <a:cs typeface="Arial" panose="020B0604020202020204" pitchFamily="34" charset="0"/>
-                  </a:rPr>
-                  <a:t>context</a:t>
-                </a:r>
-                <a:r>
-                  <a:rPr lang="it-IT" sz="2400" b="0" dirty="0">
-                    <a:latin typeface="Arial" panose="020B0604020202020204" pitchFamily="34" charset="0"/>
-                    <a:cs typeface="Arial" panose="020B0604020202020204" pitchFamily="34" charset="0"/>
-                  </a:rPr>
-                  <a:t> </a:t>
+                  <a:t>In this context </a:t>
                 </a:r>
                 <a14:m>
                   <m:oMath xmlns:m="http://schemas.openxmlformats.org/officeDocument/2006/math">
                     <m:sSub>
                       <m:sSubPr>
                         <m:ctrlPr>
-                          <a:rPr lang="it-IT" sz="2400" b="0" i="1" smtClean="0">
+                          <a:rPr lang="en-GB" sz="2400" b="0" i="1" noProof="0" smtClean="0">
                             <a:latin typeface="Cambria Math" panose="02040503050406030204" pitchFamily="18" charset="0"/>
                             <a:cs typeface="Arial" panose="020B0604020202020204" pitchFamily="34" charset="0"/>
                           </a:rPr>
@@ -4522,7 +3891,7 @@
                       </m:sSubPr>
                       <m:e>
                         <m:r>
-                          <a:rPr lang="it-IT" sz="2400" b="0" i="1" smtClean="0">
+                          <a:rPr lang="en-GB" sz="2400" b="0" i="1" noProof="0" smtClean="0">
                             <a:latin typeface="Cambria Math" panose="02040503050406030204" pitchFamily="18" charset="0"/>
                             <a:cs typeface="Arial" panose="020B0604020202020204" pitchFamily="34" charset="0"/>
                           </a:rPr>
@@ -4531,7 +3900,7 @@
                       </m:e>
                       <m:sub>
                         <m:r>
-                          <a:rPr lang="it-IT" sz="2400" b="0" i="1" smtClean="0">
+                          <a:rPr lang="en-GB" sz="2400" b="0" i="1" noProof="0" smtClean="0">
                             <a:latin typeface="Cambria Math" panose="02040503050406030204" pitchFamily="18" charset="0"/>
                             <a:cs typeface="Arial" panose="020B0604020202020204" pitchFamily="34" charset="0"/>
                           </a:rPr>
@@ -4542,46 +3911,18 @@
                   </m:oMath>
                 </a14:m>
                 <a:r>
-                  <a:rPr lang="it-IT" sz="2400" b="0" dirty="0">
+                  <a:rPr lang="en-GB" sz="2400" b="0" noProof="0" dirty="0">
                     <a:latin typeface="Arial" panose="020B0604020202020204" pitchFamily="34" charset="0"/>
                     <a:cs typeface="Arial" panose="020B0604020202020204" pitchFamily="34" charset="0"/>
                   </a:rPr>
-                  <a:t>are the </a:t>
-                </a:r>
-                <a:r>
-                  <a:rPr lang="it-IT" sz="2400" b="0" dirty="0" err="1">
-                    <a:latin typeface="Arial" panose="020B0604020202020204" pitchFamily="34" charset="0"/>
-                    <a:cs typeface="Arial" panose="020B0604020202020204" pitchFamily="34" charset="0"/>
-                  </a:rPr>
-                  <a:t>reference</a:t>
-                </a:r>
-                <a:r>
-                  <a:rPr lang="it-IT" sz="2400" b="0" dirty="0">
-                    <a:latin typeface="Arial" panose="020B0604020202020204" pitchFamily="34" charset="0"/>
-                    <a:cs typeface="Arial" panose="020B0604020202020204" pitchFamily="34" charset="0"/>
-                  </a:rPr>
-                  <a:t> outputs, </a:t>
-                </a:r>
-                <a:r>
-                  <a:rPr lang="it-IT" sz="2400" b="0" dirty="0" err="1">
-                    <a:latin typeface="Arial" panose="020B0604020202020204" pitchFamily="34" charset="0"/>
-                    <a:cs typeface="Arial" panose="020B0604020202020204" pitchFamily="34" charset="0"/>
-                  </a:rPr>
-                  <a:t>while</a:t>
-                </a:r>
-                <a:r>
-                  <a:rPr lang="it-IT" sz="2400" b="0" dirty="0">
-                    <a:latin typeface="Arial" panose="020B0604020202020204" pitchFamily="34" charset="0"/>
-                    <a:cs typeface="Arial" panose="020B0604020202020204" pitchFamily="34" charset="0"/>
-                  </a:rPr>
-                  <a:t> </a:t>
+                  <a:t>are the reference outputs, while </a:t>
                 </a:r>
                 <a14:m>
                   <m:oMath xmlns:m="http://schemas.openxmlformats.org/officeDocument/2006/math">
                     <m:sSub>
                       <m:sSubPr>
                         <m:ctrlPr>
-                          <a:rPr lang="it-IT" sz="2400" b="0" i="1" smtClean="0">
+                          <a:rPr lang="en-GB" sz="2400" b="0" i="1" noProof="0" smtClean="0">
                             <a:latin typeface="Cambria Math" panose="02040503050406030204" pitchFamily="18" charset="0"/>
                             <a:cs typeface="Arial" panose="020B0604020202020204" pitchFamily="34" charset="0"/>
                           </a:rPr>
@@ -4592,7 +3933,7 @@
                           <m:accPr>
                             <m:chr m:val="̂"/>
                             <m:ctrlPr>
-                              <a:rPr lang="it-IT" sz="2400" b="0" i="1" smtClean="0">
+                              <a:rPr lang="en-GB" sz="2400" b="0" i="1" noProof="0" smtClean="0">
                                 <a:latin typeface="Cambria Math" panose="02040503050406030204" pitchFamily="18" charset="0"/>
                                 <a:cs typeface="Arial" panose="020B0604020202020204" pitchFamily="34" charset="0"/>
                               </a:rPr>
@@ -4600,7 +3941,7 @@
                           </m:accPr>
                           <m:e>
                             <m:r>
-                              <a:rPr lang="it-IT" sz="2400" b="0" i="1" smtClean="0">
+                              <a:rPr lang="en-GB" sz="2400" b="0" i="1" noProof="0" smtClean="0">
                                 <a:latin typeface="Cambria Math" panose="02040503050406030204" pitchFamily="18" charset="0"/>
                                 <a:cs typeface="Arial" panose="020B0604020202020204" pitchFamily="34" charset="0"/>
                               </a:rPr>
@@ -4611,7 +3952,7 @@
                       </m:e>
                       <m:sub>
                         <m:r>
-                          <a:rPr lang="it-IT" sz="2400" b="0" i="1" smtClean="0">
+                          <a:rPr lang="en-GB" sz="2400" b="0" i="1" noProof="0" smtClean="0">
                             <a:latin typeface="Cambria Math" panose="02040503050406030204" pitchFamily="18" charset="0"/>
                             <a:cs typeface="Arial" panose="020B0604020202020204" pitchFamily="34" charset="0"/>
                           </a:rPr>
@@ -4620,7 +3961,7 @@
                       </m:sub>
                     </m:sSub>
                     <m:r>
-                      <a:rPr lang="it-IT" sz="2400" b="0" i="1" smtClean="0">
+                      <a:rPr lang="en-GB" sz="2400" b="0" i="1" noProof="0" smtClean="0">
                         <a:latin typeface="Cambria Math" panose="02040503050406030204" pitchFamily="18" charset="0"/>
                         <a:cs typeface="Arial" panose="020B0604020202020204" pitchFamily="34" charset="0"/>
                       </a:rPr>
@@ -4629,28 +3970,14 @@
                   </m:oMath>
                 </a14:m>
                 <a:r>
-                  <a:rPr lang="it-IT" sz="2400" b="0" dirty="0">
+                  <a:rPr lang="en-GB" sz="2400" b="0" noProof="0" dirty="0">
                     <a:latin typeface="Arial" panose="020B0604020202020204" pitchFamily="34" charset="0"/>
                     <a:cs typeface="Arial" panose="020B0604020202020204" pitchFamily="34" charset="0"/>
                   </a:rPr>
-                  <a:t>are the </a:t>
+                  <a:t>are the estimated outputs of the system,</a:t>
                 </a:r>
                 <a:r>
-                  <a:rPr lang="it-IT" sz="2400" b="0" dirty="0" err="1">
-                    <a:latin typeface="Arial" panose="020B0604020202020204" pitchFamily="34" charset="0"/>
-                    <a:cs typeface="Arial" panose="020B0604020202020204" pitchFamily="34" charset="0"/>
-                  </a:rPr>
-                  <a:t>estimated</a:t>
-                </a:r>
-                <a:r>
-                  <a:rPr lang="it-IT" sz="2400" b="0" dirty="0">
-                    <a:latin typeface="Arial" panose="020B0604020202020204" pitchFamily="34" charset="0"/>
-                    <a:cs typeface="Arial" panose="020B0604020202020204" pitchFamily="34" charset="0"/>
-                  </a:rPr>
-                  <a:t> outputs of the system,</a:t>
-                </a:r>
-                <a:r>
-                  <a:rPr lang="it-IT" sz="2400" noProof="0" dirty="0">
+                  <a:rPr lang="en-GB" sz="2400" noProof="0" dirty="0">
                     <a:cs typeface="Arial" panose="020B0604020202020204" pitchFamily="34" charset="0"/>
                   </a:rPr>
                   <a:t> </a:t>
@@ -4660,7 +3987,7 @@
                     <m:sSub>
                       <m:sSubPr>
                         <m:ctrlPr>
-                          <a:rPr lang="it-IT" sz="2400" i="1" noProof="0" smtClean="0">
+                          <a:rPr lang="en-GB" sz="2400" i="1" noProof="0" smtClean="0">
                             <a:latin typeface="Cambria Math" panose="02040503050406030204" pitchFamily="18" charset="0"/>
                             <a:cs typeface="Arial" panose="020B0604020202020204" pitchFamily="34" charset="0"/>
                           </a:rPr>
@@ -4668,7 +3995,7 @@
                       </m:sSubPr>
                       <m:e>
                         <m:r>
-                          <a:rPr lang="it-IT" sz="2400" b="0" i="1" noProof="0" smtClean="0">
+                          <a:rPr lang="en-GB" sz="2400" b="0" i="1" noProof="0" smtClean="0">
                             <a:latin typeface="Cambria Math" panose="02040503050406030204" pitchFamily="18" charset="0"/>
                             <a:cs typeface="Arial" panose="020B0604020202020204" pitchFamily="34" charset="0"/>
                           </a:rPr>
@@ -4677,7 +4004,7 @@
                       </m:e>
                       <m:sub>
                         <m:r>
-                          <a:rPr lang="it-IT" sz="2400" b="0" i="1" noProof="0" smtClean="0">
+                          <a:rPr lang="en-GB" sz="2400" b="0" i="1" noProof="0" smtClean="0">
                             <a:latin typeface="Cambria Math" panose="02040503050406030204" pitchFamily="18" charset="0"/>
                             <a:cs typeface="Arial" panose="020B0604020202020204" pitchFamily="34" charset="0"/>
                           </a:rPr>
@@ -4688,72 +4015,16 @@
                   </m:oMath>
                 </a14:m>
                 <a:r>
-                  <a:rPr lang="it-IT" sz="2400" b="0" dirty="0">
+                  <a:rPr lang="en-GB" sz="2400" b="0" noProof="0" dirty="0">
                     <a:latin typeface="Arial" panose="020B0604020202020204" pitchFamily="34" charset="0"/>
                     <a:cs typeface="Arial" panose="020B0604020202020204" pitchFamily="34" charset="0"/>
                   </a:rPr>
-                  <a:t> is the future input </a:t>
-                </a:r>
-                <a:r>
-                  <a:rPr lang="it-IT" sz="2400" b="0" dirty="0" err="1">
-                    <a:latin typeface="Arial" panose="020B0604020202020204" pitchFamily="34" charset="0"/>
-                    <a:cs typeface="Arial" panose="020B0604020202020204" pitchFamily="34" charset="0"/>
-                  </a:rPr>
-                  <a:t>sequence</a:t>
-                </a:r>
-                <a:r>
-                  <a:rPr lang="it-IT" sz="2400" b="0" dirty="0">
-                    <a:latin typeface="Arial" panose="020B0604020202020204" pitchFamily="34" charset="0"/>
-                    <a:cs typeface="Arial" panose="020B0604020202020204" pitchFamily="34" charset="0"/>
-                  </a:rPr>
-                  <a:t>, and Q and R are user- </a:t>
-                </a:r>
-                <a:r>
-                  <a:rPr lang="it-IT" sz="2400" b="0" dirty="0" err="1">
-                    <a:latin typeface="Arial" panose="020B0604020202020204" pitchFamily="34" charset="0"/>
-                    <a:cs typeface="Arial" panose="020B0604020202020204" pitchFamily="34" charset="0"/>
-                  </a:rPr>
-                  <a:t>defined</a:t>
-                </a:r>
-                <a:r>
-                  <a:rPr lang="it-IT" sz="2400" b="0" dirty="0">
-                    <a:latin typeface="Arial" panose="020B0604020202020204" pitchFamily="34" charset="0"/>
-                    <a:cs typeface="Arial" panose="020B0604020202020204" pitchFamily="34" charset="0"/>
-                  </a:rPr>
-                  <a:t> </a:t>
-                </a:r>
-                <a:r>
-                  <a:rPr lang="it-IT" sz="2400" b="0" dirty="0" err="1">
-                    <a:latin typeface="Arial" panose="020B0604020202020204" pitchFamily="34" charset="0"/>
-                    <a:cs typeface="Arial" panose="020B0604020202020204" pitchFamily="34" charset="0"/>
-                  </a:rPr>
-                  <a:t>diagonal</a:t>
-                </a:r>
-                <a:r>
-                  <a:rPr lang="it-IT" sz="2400" b="0" dirty="0">
-                    <a:latin typeface="Arial" panose="020B0604020202020204" pitchFamily="34" charset="0"/>
-                    <a:cs typeface="Arial" panose="020B0604020202020204" pitchFamily="34" charset="0"/>
-                  </a:rPr>
-                  <a:t> weight </a:t>
-                </a:r>
-                <a:r>
-                  <a:rPr lang="it-IT" sz="2400" b="0" dirty="0" err="1">
-                    <a:latin typeface="Arial" panose="020B0604020202020204" pitchFamily="34" charset="0"/>
-                    <a:cs typeface="Arial" panose="020B0604020202020204" pitchFamily="34" charset="0"/>
-                  </a:rPr>
-                  <a:t>matrices</a:t>
-                </a:r>
-                <a:r>
-                  <a:rPr lang="it-IT" sz="2400" b="0" dirty="0">
-                    <a:latin typeface="Arial" panose="020B0604020202020204" pitchFamily="34" charset="0"/>
-                    <a:cs typeface="Arial" panose="020B0604020202020204" pitchFamily="34" charset="0"/>
-                  </a:rPr>
-                  <a:t>.</a:t>
+                  <a:t> is the future input sequence, and Q and R are user- defined diagonal weight matrices.</a:t>
                 </a:r>
               </a:p>
               <a:p>
                 <a:pPr algn="just"/>
-                <a:endParaRPr lang="it-IT" sz="2400" dirty="0">
+                <a:endParaRPr lang="en-GB" sz="2400" noProof="0" dirty="0">
                   <a:latin typeface="Arial" panose="020B0604020202020204" pitchFamily="34" charset="0"/>
                   <a:cs typeface="Arial" panose="020B0604020202020204" pitchFamily="34" charset="0"/>
                 </a:endParaRPr>
@@ -4765,7 +4036,7 @@
                     <m:sSub>
                       <m:sSubPr>
                         <m:ctrlPr>
-                          <a:rPr lang="it-IT" sz="2400" i="1" noProof="0" smtClean="0">
+                          <a:rPr lang="en-GB" sz="2400" i="1" noProof="0" smtClean="0">
                             <a:latin typeface="Cambria Math" panose="02040503050406030204" pitchFamily="18" charset="0"/>
                             <a:cs typeface="Arial" panose="020B0604020202020204" pitchFamily="34" charset="0"/>
                           </a:rPr>
@@ -4776,7 +4047,7 @@
                           <m:accPr>
                             <m:chr m:val="̂"/>
                             <m:ctrlPr>
-                              <a:rPr lang="it-IT" sz="2400" b="0" i="1" noProof="0" smtClean="0">
+                              <a:rPr lang="en-GB" sz="2400" b="0" i="1" noProof="0" smtClean="0">
                                 <a:latin typeface="Cambria Math" panose="02040503050406030204" pitchFamily="18" charset="0"/>
                                 <a:cs typeface="Arial" panose="020B0604020202020204" pitchFamily="34" charset="0"/>
                               </a:rPr>
@@ -4784,7 +4055,7 @@
                           </m:accPr>
                           <m:e>
                             <m:r>
-                              <a:rPr lang="it-IT" sz="2400" b="0" i="1" noProof="0" smtClean="0">
+                              <a:rPr lang="en-GB" sz="2400" b="0" i="1" noProof="0" smtClean="0">
                                 <a:latin typeface="Cambria Math" panose="02040503050406030204" pitchFamily="18" charset="0"/>
                                 <a:cs typeface="Arial" panose="020B0604020202020204" pitchFamily="34" charset="0"/>
                               </a:rPr>
@@ -4795,7 +4066,7 @@
                       </m:e>
                       <m:sub>
                         <m:r>
-                          <a:rPr lang="it-IT" sz="2400" b="0" i="1" noProof="0" smtClean="0">
+                          <a:rPr lang="en-GB" sz="2400" b="0" i="1" noProof="0" smtClean="0">
                             <a:latin typeface="Cambria Math" panose="02040503050406030204" pitchFamily="18" charset="0"/>
                             <a:cs typeface="Arial" panose="020B0604020202020204" pitchFamily="34" charset="0"/>
                           </a:rPr>
@@ -4804,7 +4075,7 @@
                       </m:sub>
                     </m:sSub>
                     <m:r>
-                      <a:rPr lang="it-IT" sz="2400" b="0" i="1" noProof="0" smtClean="0">
+                      <a:rPr lang="en-GB" sz="2400" b="0" i="1" noProof="0" smtClean="0">
                         <a:latin typeface="Cambria Math" panose="02040503050406030204" pitchFamily="18" charset="0"/>
                         <a:cs typeface="Arial" panose="020B0604020202020204" pitchFamily="34" charset="0"/>
                       </a:rPr>
@@ -4813,7 +4084,7 @@
                     <m:d>
                       <m:dPr>
                         <m:ctrlPr>
-                          <a:rPr lang="it-IT" sz="2400" b="0" i="1" noProof="0" smtClean="0">
+                          <a:rPr lang="en-GB" sz="2400" b="0" i="1" noProof="0" smtClean="0">
                             <a:latin typeface="Cambria Math" panose="02040503050406030204" pitchFamily="18" charset="0"/>
                             <a:cs typeface="Arial" panose="020B0604020202020204" pitchFamily="34" charset="0"/>
                           </a:rPr>
@@ -4823,7 +4094,7 @@
                         <m:eqArr>
                           <m:eqArrPr>
                             <m:ctrlPr>
-                              <a:rPr lang="it-IT" sz="2400" b="0" i="1" noProof="0" smtClean="0">
+                              <a:rPr lang="en-GB" sz="2400" b="0" i="1" noProof="0" smtClean="0">
                                 <a:latin typeface="Cambria Math" panose="02040503050406030204" pitchFamily="18" charset="0"/>
                                 <a:cs typeface="Arial" panose="020B0604020202020204" pitchFamily="34" charset="0"/>
                               </a:rPr>
@@ -4833,7 +4104,7 @@
                             <m:sSub>
                               <m:sSubPr>
                                 <m:ctrlPr>
-                                  <a:rPr lang="it-IT" sz="2400" b="0" i="1" noProof="0" smtClean="0">
+                                  <a:rPr lang="en-GB" sz="2400" b="0" i="1" noProof="0" smtClean="0">
                                     <a:latin typeface="Cambria Math" panose="02040503050406030204" pitchFamily="18" charset="0"/>
                                     <a:cs typeface="Arial" panose="020B0604020202020204" pitchFamily="34" charset="0"/>
                                   </a:rPr>
@@ -4844,7 +4115,7 @@
                                   <m:accPr>
                                     <m:chr m:val="̂"/>
                                     <m:ctrlPr>
-                                      <a:rPr lang="it-IT" sz="2400" b="0" i="1" noProof="0" smtClean="0">
+                                      <a:rPr lang="en-GB" sz="2400" b="0" i="1" noProof="0" smtClean="0">
                                         <a:latin typeface="Cambria Math" panose="02040503050406030204" pitchFamily="18" charset="0"/>
                                         <a:cs typeface="Arial" panose="020B0604020202020204" pitchFamily="34" charset="0"/>
                                       </a:rPr>
@@ -4852,7 +4123,7 @@
                                   </m:accPr>
                                   <m:e>
                                     <m:r>
-                                      <a:rPr lang="it-IT" sz="2400" b="0" i="1" noProof="0" smtClean="0">
+                                      <a:rPr lang="en-GB" sz="2400" b="0" i="1" noProof="0" smtClean="0">
                                         <a:latin typeface="Cambria Math" panose="02040503050406030204" pitchFamily="18" charset="0"/>
                                         <a:cs typeface="Arial" panose="020B0604020202020204" pitchFamily="34" charset="0"/>
                                       </a:rPr>
@@ -4863,7 +4134,7 @@
                               </m:e>
                               <m:sub>
                                 <m:r>
-                                  <a:rPr lang="it-IT" sz="2400" b="0" i="1" noProof="0" smtClean="0">
+                                  <a:rPr lang="en-GB" sz="2400" b="0" i="1" noProof="0" smtClean="0">
                                     <a:latin typeface="Cambria Math" panose="02040503050406030204" pitchFamily="18" charset="0"/>
                                     <a:cs typeface="Arial" panose="020B0604020202020204" pitchFamily="34" charset="0"/>
                                   </a:rPr>
@@ -4874,7 +4145,7 @@
                           </m:e>
                           <m:e>
                             <m:r>
-                              <a:rPr lang="it-IT" sz="2400" b="0" i="1" smtClean="0">
+                              <a:rPr lang="en-GB" sz="2400" b="0" i="1" noProof="0" smtClean="0">
                                 <a:latin typeface="Cambria Math" panose="02040503050406030204" pitchFamily="18" charset="0"/>
                               </a:rPr>
                               <m:t>…</m:t>
@@ -4884,7 +4155,7 @@
                             <m:sSub>
                               <m:sSubPr>
                                 <m:ctrlPr>
-                                  <a:rPr lang="it-IT" sz="2400" i="1" smtClean="0">
+                                  <a:rPr lang="en-GB" sz="2400" i="1" noProof="0" smtClean="0">
                                     <a:latin typeface="Cambria Math" panose="02040503050406030204" pitchFamily="18" charset="0"/>
                                   </a:rPr>
                                 </m:ctrlPr>
@@ -4894,7 +4165,7 @@
                                   <m:accPr>
                                     <m:chr m:val="̂"/>
                                     <m:ctrlPr>
-                                      <a:rPr lang="it-IT" sz="2400" b="0" i="1" smtClean="0">
+                                      <a:rPr lang="en-GB" sz="2400" b="0" i="1" noProof="0" smtClean="0">
                                         <a:latin typeface="Cambria Math" panose="02040503050406030204" pitchFamily="18" charset="0"/>
                                         <a:cs typeface="Arial" panose="020B0604020202020204" pitchFamily="34" charset="0"/>
                                       </a:rPr>
@@ -4902,7 +4173,7 @@
                                   </m:accPr>
                                   <m:e>
                                     <m:r>
-                                      <a:rPr lang="it-IT" sz="2400" b="0" i="1" smtClean="0">
+                                      <a:rPr lang="en-GB" sz="2400" b="0" i="1" noProof="0" smtClean="0">
                                         <a:latin typeface="Cambria Math" panose="02040503050406030204" pitchFamily="18" charset="0"/>
                                         <a:cs typeface="Arial" panose="020B0604020202020204" pitchFamily="34" charset="0"/>
                                       </a:rPr>
@@ -4913,13 +4184,13 @@
                               </m:e>
                               <m:sub>
                                 <m:r>
-                                  <a:rPr lang="it-IT" sz="2400" b="0" i="1" smtClean="0">
+                                  <a:rPr lang="en-GB" sz="2400" b="0" i="1" noProof="0" smtClean="0">
                                     <a:latin typeface="Cambria Math" panose="02040503050406030204" pitchFamily="18" charset="0"/>
                                   </a:rPr>
                                   <m:t>𝑁</m:t>
                                 </m:r>
                                 <m:r>
-                                  <a:rPr lang="it-IT" sz="2400" b="0" i="1" smtClean="0">
+                                  <a:rPr lang="en-GB" sz="2400" b="0" i="1" noProof="0" smtClean="0">
                                     <a:latin typeface="Cambria Math" panose="02040503050406030204" pitchFamily="18" charset="0"/>
                                   </a:rPr>
                                   <m:t>−1</m:t>
@@ -4931,7 +4202,7 @@
                             <m:sSub>
                               <m:sSubPr>
                                 <m:ctrlPr>
-                                  <a:rPr lang="it-IT" sz="2400" i="1" smtClean="0">
+                                  <a:rPr lang="en-GB" sz="2400" i="1" noProof="0" smtClean="0">
                                     <a:latin typeface="Cambria Math" panose="02040503050406030204" pitchFamily="18" charset="0"/>
                                   </a:rPr>
                                 </m:ctrlPr>
@@ -4941,7 +4212,7 @@
                                   <m:accPr>
                                     <m:chr m:val="̂"/>
                                     <m:ctrlPr>
-                                      <a:rPr lang="it-IT" sz="2400" b="0" i="1" smtClean="0">
+                                      <a:rPr lang="en-GB" sz="2400" b="0" i="1" noProof="0" smtClean="0">
                                         <a:latin typeface="Cambria Math" panose="02040503050406030204" pitchFamily="18" charset="0"/>
                                         <a:cs typeface="Arial" panose="020B0604020202020204" pitchFamily="34" charset="0"/>
                                       </a:rPr>
@@ -4949,7 +4220,7 @@
                                   </m:accPr>
                                   <m:e>
                                     <m:r>
-                                      <a:rPr lang="it-IT" sz="2400" b="0" i="1" smtClean="0">
+                                      <a:rPr lang="en-GB" sz="2400" b="0" i="1" noProof="0" smtClean="0">
                                         <a:latin typeface="Cambria Math" panose="02040503050406030204" pitchFamily="18" charset="0"/>
                                         <a:cs typeface="Arial" panose="020B0604020202020204" pitchFamily="34" charset="0"/>
                                       </a:rPr>
@@ -4960,7 +4231,7 @@
                               </m:e>
                               <m:sub>
                                 <m:r>
-                                  <a:rPr lang="it-IT" sz="2400" b="0" i="1" smtClean="0">
+                                  <a:rPr lang="en-GB" sz="2400" b="0" i="1" noProof="0" smtClean="0">
                                     <a:latin typeface="Cambria Math" panose="02040503050406030204" pitchFamily="18" charset="0"/>
                                   </a:rPr>
                                   <m:t>𝑛</m:t>
@@ -4974,7 +4245,7 @@
                   </m:oMath>
                 </a14:m>
                 <a:r>
-                  <a:rPr lang="it-IT" sz="2400" noProof="0" dirty="0">
+                  <a:rPr lang="en-GB" sz="2400" noProof="0" dirty="0">
                     <a:cs typeface="Arial" panose="020B0604020202020204" pitchFamily="34" charset="0"/>
                   </a:rPr>
                   <a:t> 	</a:t>
@@ -4984,7 +4255,7 @@
                     <m:sSub>
                       <m:sSubPr>
                         <m:ctrlPr>
-                          <a:rPr lang="it-IT" sz="2400" i="1" noProof="0" smtClean="0">
+                          <a:rPr lang="en-GB" sz="2400" i="1" noProof="0" smtClean="0">
                             <a:latin typeface="Cambria Math" panose="02040503050406030204" pitchFamily="18" charset="0"/>
                             <a:cs typeface="Arial" panose="020B0604020202020204" pitchFamily="34" charset="0"/>
                           </a:rPr>
@@ -4992,7 +4263,7 @@
                       </m:sSubPr>
                       <m:e>
                         <m:r>
-                          <a:rPr lang="it-IT" sz="2400" b="0" i="1" noProof="0" smtClean="0">
+                          <a:rPr lang="en-GB" sz="2400" b="0" i="1" noProof="0" smtClean="0">
                             <a:latin typeface="Cambria Math" panose="02040503050406030204" pitchFamily="18" charset="0"/>
                             <a:cs typeface="Arial" panose="020B0604020202020204" pitchFamily="34" charset="0"/>
                           </a:rPr>
@@ -5001,7 +4272,7 @@
                       </m:e>
                       <m:sub>
                         <m:r>
-                          <a:rPr lang="it-IT" sz="2400" b="0" i="1" noProof="0" smtClean="0">
+                          <a:rPr lang="en-GB" sz="2400" b="0" i="1" noProof="0" smtClean="0">
                             <a:latin typeface="Cambria Math" panose="02040503050406030204" pitchFamily="18" charset="0"/>
                             <a:cs typeface="Arial" panose="020B0604020202020204" pitchFamily="34" charset="0"/>
                           </a:rPr>
@@ -5010,7 +4281,7 @@
                       </m:sub>
                     </m:sSub>
                     <m:r>
-                      <a:rPr lang="it-IT" sz="2400" b="0" i="1" noProof="0" smtClean="0">
+                      <a:rPr lang="en-GB" sz="2400" b="0" i="1" noProof="0" smtClean="0">
                         <a:latin typeface="Cambria Math" panose="02040503050406030204" pitchFamily="18" charset="0"/>
                         <a:cs typeface="Arial" panose="020B0604020202020204" pitchFamily="34" charset="0"/>
                       </a:rPr>
@@ -5019,7 +4290,7 @@
                     <m:d>
                       <m:dPr>
                         <m:ctrlPr>
-                          <a:rPr lang="it-IT" sz="2400" b="0" i="1" noProof="0" smtClean="0">
+                          <a:rPr lang="en-GB" sz="2400" b="0" i="1" noProof="0" smtClean="0">
                             <a:latin typeface="Cambria Math" panose="02040503050406030204" pitchFamily="18" charset="0"/>
                             <a:cs typeface="Arial" panose="020B0604020202020204" pitchFamily="34" charset="0"/>
                           </a:rPr>
@@ -5029,7 +4300,7 @@
                         <m:eqArr>
                           <m:eqArrPr>
                             <m:ctrlPr>
-                              <a:rPr lang="it-IT" sz="2400" b="0" i="1" noProof="0" smtClean="0">
+                              <a:rPr lang="en-GB" sz="2400" b="0" i="1" noProof="0" smtClean="0">
                                 <a:latin typeface="Cambria Math" panose="02040503050406030204" pitchFamily="18" charset="0"/>
                                 <a:cs typeface="Arial" panose="020B0604020202020204" pitchFamily="34" charset="0"/>
                               </a:rPr>
@@ -5039,7 +4310,7 @@
                             <m:sSub>
                               <m:sSubPr>
                                 <m:ctrlPr>
-                                  <a:rPr lang="it-IT" sz="2400" b="0" i="1" noProof="0" smtClean="0">
+                                  <a:rPr lang="en-GB" sz="2400" b="0" i="1" noProof="0" smtClean="0">
                                     <a:latin typeface="Cambria Math" panose="02040503050406030204" pitchFamily="18" charset="0"/>
                                     <a:cs typeface="Arial" panose="020B0604020202020204" pitchFamily="34" charset="0"/>
                                   </a:rPr>
@@ -5047,7 +4318,7 @@
                               </m:sSubPr>
                               <m:e>
                                 <m:r>
-                                  <a:rPr lang="it-IT" sz="2400" b="0" i="1" noProof="0" smtClean="0">
+                                  <a:rPr lang="en-GB" sz="2400" b="0" i="1" noProof="0" smtClean="0">
                                     <a:latin typeface="Cambria Math" panose="02040503050406030204" pitchFamily="18" charset="0"/>
                                     <a:cs typeface="Arial" panose="020B0604020202020204" pitchFamily="34" charset="0"/>
                                   </a:rPr>
@@ -5056,7 +4327,7 @@
                               </m:e>
                               <m:sub>
                                 <m:r>
-                                  <a:rPr lang="it-IT" sz="2400" b="0" i="1" noProof="0" smtClean="0">
+                                  <a:rPr lang="en-GB" sz="2400" b="0" i="1" noProof="0" smtClean="0">
                                     <a:latin typeface="Cambria Math" panose="02040503050406030204" pitchFamily="18" charset="0"/>
                                     <a:cs typeface="Arial" panose="020B0604020202020204" pitchFamily="34" charset="0"/>
                                   </a:rPr>
@@ -5067,7 +4338,7 @@
                           </m:e>
                           <m:e>
                             <m:r>
-                              <a:rPr lang="it-IT" sz="2400" b="0" i="1" smtClean="0">
+                              <a:rPr lang="en-GB" sz="2400" b="0" i="1" noProof="0" smtClean="0">
                                 <a:latin typeface="Cambria Math" panose="02040503050406030204" pitchFamily="18" charset="0"/>
                               </a:rPr>
                               <m:t>…</m:t>
@@ -5077,14 +4348,14 @@
                             <m:sSub>
                               <m:sSubPr>
                                 <m:ctrlPr>
-                                  <a:rPr lang="it-IT" sz="2400" i="1" smtClean="0">
+                                  <a:rPr lang="en-GB" sz="2400" i="1" noProof="0" smtClean="0">
                                     <a:latin typeface="Cambria Math" panose="02040503050406030204" pitchFamily="18" charset="0"/>
                                   </a:rPr>
                                 </m:ctrlPr>
                               </m:sSubPr>
                               <m:e>
                                 <m:r>
-                                  <a:rPr lang="it-IT" sz="2400" b="0" i="1" smtClean="0">
+                                  <a:rPr lang="en-GB" sz="2400" b="0" i="1" noProof="0" smtClean="0">
                                     <a:latin typeface="Cambria Math" panose="02040503050406030204" pitchFamily="18" charset="0"/>
                                   </a:rPr>
                                   <m:t>𝑢</m:t>
@@ -5092,13 +4363,13 @@
                               </m:e>
                               <m:sub>
                                 <m:r>
-                                  <a:rPr lang="it-IT" sz="2400" b="0" i="1" smtClean="0">
+                                  <a:rPr lang="en-GB" sz="2400" b="0" i="1" noProof="0" smtClean="0">
                                     <a:latin typeface="Cambria Math" panose="02040503050406030204" pitchFamily="18" charset="0"/>
                                   </a:rPr>
                                   <m:t>𝑁</m:t>
                                 </m:r>
                                 <m:r>
-                                  <a:rPr lang="it-IT" sz="2400" b="0" i="1" smtClean="0">
+                                  <a:rPr lang="en-GB" sz="2400" b="0" i="1" noProof="0" smtClean="0">
                                     <a:latin typeface="Cambria Math" panose="02040503050406030204" pitchFamily="18" charset="0"/>
                                   </a:rPr>
                                   <m:t>−1</m:t>
@@ -5110,14 +4381,14 @@
                             <m:sSub>
                               <m:sSubPr>
                                 <m:ctrlPr>
-                                  <a:rPr lang="it-IT" sz="2400" i="1" smtClean="0">
+                                  <a:rPr lang="en-GB" sz="2400" i="1" noProof="0" smtClean="0">
                                     <a:latin typeface="Cambria Math" panose="02040503050406030204" pitchFamily="18" charset="0"/>
                                   </a:rPr>
                                 </m:ctrlPr>
                               </m:sSubPr>
                               <m:e>
                                 <m:r>
-                                  <a:rPr lang="it-IT" sz="2400" b="0" i="1" smtClean="0">
+                                  <a:rPr lang="en-GB" sz="2400" b="0" i="1" noProof="0" smtClean="0">
                                     <a:latin typeface="Cambria Math" panose="02040503050406030204" pitchFamily="18" charset="0"/>
                                   </a:rPr>
                                   <m:t>𝑢</m:t>
@@ -5125,7 +4396,7 @@
                               </m:e>
                               <m:sub>
                                 <m:r>
-                                  <a:rPr lang="it-IT" sz="2400" b="0" i="1" smtClean="0">
+                                  <a:rPr lang="en-GB" sz="2400" b="0" i="1" noProof="0" smtClean="0">
                                     <a:latin typeface="Cambria Math" panose="02040503050406030204" pitchFamily="18" charset="0"/>
                                   </a:rPr>
                                   <m:t>𝑁</m:t>
@@ -5139,14 +4410,14 @@
                   </m:oMath>
                 </a14:m>
                 <a:r>
-                  <a:rPr lang="it-IT" sz="2400" b="0" dirty="0">
+                  <a:rPr lang="en-GB" sz="2400" b="0" noProof="0" dirty="0">
                     <a:latin typeface="Arial" panose="020B0604020202020204" pitchFamily="34" charset="0"/>
                     <a:cs typeface="Arial" panose="020B0604020202020204" pitchFamily="34" charset="0"/>
                   </a:rPr>
                   <a:t>	</a:t>
                 </a:r>
                 <a:r>
-                  <a:rPr lang="it-IT" sz="2400" noProof="0" dirty="0">
+                  <a:rPr lang="en-GB" sz="2400" noProof="0" dirty="0">
                     <a:cs typeface="Arial" panose="020B0604020202020204" pitchFamily="34" charset="0"/>
                   </a:rPr>
                   <a:t> 	</a:t>
@@ -5156,7 +4427,7 @@
                     <m:sSub>
                       <m:sSubPr>
                         <m:ctrlPr>
-                          <a:rPr lang="it-IT" sz="2400" i="1" noProof="0" smtClean="0">
+                          <a:rPr lang="en-GB" sz="2400" i="1" noProof="0" smtClean="0">
                             <a:latin typeface="Cambria Math" panose="02040503050406030204" pitchFamily="18" charset="0"/>
                             <a:cs typeface="Arial" panose="020B0604020202020204" pitchFamily="34" charset="0"/>
                           </a:rPr>
@@ -5164,7 +4435,7 @@
                       </m:sSubPr>
                       <m:e>
                         <m:r>
-                          <a:rPr lang="it-IT" sz="2400" b="0" i="1" noProof="0" smtClean="0">
+                          <a:rPr lang="en-GB" sz="2400" b="0" i="1" noProof="0" smtClean="0">
                             <a:latin typeface="Cambria Math" panose="02040503050406030204" pitchFamily="18" charset="0"/>
                             <a:cs typeface="Arial" panose="020B0604020202020204" pitchFamily="34" charset="0"/>
                           </a:rPr>
@@ -5173,7 +4444,7 @@
                       </m:e>
                       <m:sub>
                         <m:r>
-                          <a:rPr lang="it-IT" sz="2400" b="0" i="1" noProof="0" smtClean="0">
+                          <a:rPr lang="en-GB" sz="2400" b="0" i="1" noProof="0" smtClean="0">
                             <a:latin typeface="Cambria Math" panose="02040503050406030204" pitchFamily="18" charset="0"/>
                             <a:cs typeface="Arial" panose="020B0604020202020204" pitchFamily="34" charset="0"/>
                           </a:rPr>
@@ -5182,7 +4453,7 @@
                       </m:sub>
                     </m:sSub>
                     <m:r>
-                      <a:rPr lang="it-IT" sz="2400" b="0" i="1" noProof="0" smtClean="0">
+                      <a:rPr lang="en-GB" sz="2400" b="0" i="1" noProof="0" smtClean="0">
                         <a:latin typeface="Cambria Math" panose="02040503050406030204" pitchFamily="18" charset="0"/>
                         <a:cs typeface="Arial" panose="020B0604020202020204" pitchFamily="34" charset="0"/>
                       </a:rPr>
@@ -5191,7 +4462,7 @@
                     <m:d>
                       <m:dPr>
                         <m:ctrlPr>
-                          <a:rPr lang="it-IT" sz="2400" b="0" i="1" noProof="0" smtClean="0">
+                          <a:rPr lang="en-GB" sz="2400" b="0" i="1" noProof="0" smtClean="0">
                             <a:latin typeface="Cambria Math" panose="02040503050406030204" pitchFamily="18" charset="0"/>
                             <a:cs typeface="Arial" panose="020B0604020202020204" pitchFamily="34" charset="0"/>
                           </a:rPr>
@@ -5201,7 +4472,7 @@
                         <m:eqArr>
                           <m:eqArrPr>
                             <m:ctrlPr>
-                              <a:rPr lang="it-IT" sz="2400" b="0" i="1" noProof="0" smtClean="0">
+                              <a:rPr lang="en-GB" sz="2400" b="0" i="1" noProof="0" smtClean="0">
                                 <a:latin typeface="Cambria Math" panose="02040503050406030204" pitchFamily="18" charset="0"/>
                                 <a:cs typeface="Arial" panose="020B0604020202020204" pitchFamily="34" charset="0"/>
                               </a:rPr>
@@ -5211,7 +4482,7 @@
                             <m:sSub>
                               <m:sSubPr>
                                 <m:ctrlPr>
-                                  <a:rPr lang="it-IT" sz="2400" b="0" i="1" noProof="0" smtClean="0">
+                                  <a:rPr lang="en-GB" sz="2400" b="0" i="1" noProof="0" smtClean="0">
                                     <a:latin typeface="Cambria Math" panose="02040503050406030204" pitchFamily="18" charset="0"/>
                                     <a:cs typeface="Arial" panose="020B0604020202020204" pitchFamily="34" charset="0"/>
                                   </a:rPr>
@@ -5219,7 +4490,7 @@
                               </m:sSubPr>
                               <m:e>
                                 <m:r>
-                                  <a:rPr lang="it-IT" sz="2400" b="0" i="1" noProof="0" smtClean="0">
+                                  <a:rPr lang="en-GB" sz="2400" b="0" i="1" noProof="0" smtClean="0">
                                     <a:latin typeface="Cambria Math" panose="02040503050406030204" pitchFamily="18" charset="0"/>
                                     <a:cs typeface="Arial" panose="020B0604020202020204" pitchFamily="34" charset="0"/>
                                   </a:rPr>
@@ -5228,7 +4499,7 @@
                               </m:e>
                               <m:sub>
                                 <m:r>
-                                  <a:rPr lang="it-IT" sz="2400" b="0" i="1" noProof="0" smtClean="0">
+                                  <a:rPr lang="en-GB" sz="2400" b="0" i="1" noProof="0" smtClean="0">
                                     <a:latin typeface="Cambria Math" panose="02040503050406030204" pitchFamily="18" charset="0"/>
                                     <a:cs typeface="Arial" panose="020B0604020202020204" pitchFamily="34" charset="0"/>
                                   </a:rPr>
@@ -5239,7 +4510,7 @@
                           </m:e>
                           <m:e>
                             <m:r>
-                              <a:rPr lang="it-IT" sz="2400" b="0" i="1" smtClean="0">
+                              <a:rPr lang="en-GB" sz="2400" b="0" i="1" noProof="0" smtClean="0">
                                 <a:latin typeface="Cambria Math" panose="02040503050406030204" pitchFamily="18" charset="0"/>
                               </a:rPr>
                               <m:t>…</m:t>
@@ -5249,14 +4520,14 @@
                             <m:sSub>
                               <m:sSubPr>
                                 <m:ctrlPr>
-                                  <a:rPr lang="it-IT" sz="2400" i="1" smtClean="0">
+                                  <a:rPr lang="en-GB" sz="2400" i="1" noProof="0" smtClean="0">
                                     <a:latin typeface="Cambria Math" panose="02040503050406030204" pitchFamily="18" charset="0"/>
                                   </a:rPr>
                                 </m:ctrlPr>
                               </m:sSubPr>
                               <m:e>
                                 <m:r>
-                                  <a:rPr lang="it-IT" sz="2400" b="0" i="1" smtClean="0">
+                                  <a:rPr lang="en-GB" sz="2400" b="0" i="1" noProof="0" smtClean="0">
                                     <a:latin typeface="Cambria Math" panose="02040503050406030204" pitchFamily="18" charset="0"/>
                                   </a:rPr>
                                   <m:t>𝑟</m:t>
@@ -5264,13 +4535,13 @@
                               </m:e>
                               <m:sub>
                                 <m:r>
-                                  <a:rPr lang="it-IT" sz="2400" b="0" i="1" smtClean="0">
+                                  <a:rPr lang="en-GB" sz="2400" b="0" i="1" noProof="0" smtClean="0">
                                     <a:latin typeface="Cambria Math" panose="02040503050406030204" pitchFamily="18" charset="0"/>
                                   </a:rPr>
                                   <m:t>𝑁</m:t>
                                 </m:r>
                                 <m:r>
-                                  <a:rPr lang="it-IT" sz="2400" b="0" i="1" smtClean="0">
+                                  <a:rPr lang="en-GB" sz="2400" b="0" i="1" noProof="0" smtClean="0">
                                     <a:latin typeface="Cambria Math" panose="02040503050406030204" pitchFamily="18" charset="0"/>
                                   </a:rPr>
                                   <m:t>−1</m:t>
@@ -5282,14 +4553,14 @@
                             <m:sSub>
                               <m:sSubPr>
                                 <m:ctrlPr>
-                                  <a:rPr lang="it-IT" sz="2400" i="1" smtClean="0">
+                                  <a:rPr lang="en-GB" sz="2400" i="1" noProof="0" smtClean="0">
                                     <a:latin typeface="Cambria Math" panose="02040503050406030204" pitchFamily="18" charset="0"/>
                                   </a:rPr>
                                 </m:ctrlPr>
                               </m:sSubPr>
                               <m:e>
                                 <m:r>
-                                  <a:rPr lang="it-IT" sz="2400" b="0" i="1" smtClean="0">
+                                  <a:rPr lang="en-GB" sz="2400" b="0" i="1" noProof="0" smtClean="0">
                                     <a:latin typeface="Cambria Math" panose="02040503050406030204" pitchFamily="18" charset="0"/>
                                   </a:rPr>
                                   <m:t>𝑟</m:t>
@@ -5297,7 +4568,7 @@
                               </m:e>
                               <m:sub>
                                 <m:r>
-                                  <a:rPr lang="it-IT" sz="2400" b="0" i="1" smtClean="0">
+                                  <a:rPr lang="en-GB" sz="2400" b="0" i="1" noProof="0" smtClean="0">
                                     <a:latin typeface="Cambria Math" panose="02040503050406030204" pitchFamily="18" charset="0"/>
                                   </a:rPr>
                                   <m:t>𝑁</m:t>
@@ -5310,14 +4581,14 @@
                     </m:d>
                   </m:oMath>
                 </a14:m>
-                <a:endParaRPr lang="it-IT" sz="2400" b="0" dirty="0">
+                <a:endParaRPr lang="en-GB" sz="2400" b="0" noProof="0" dirty="0">
                   <a:latin typeface="Arial" panose="020B0604020202020204" pitchFamily="34" charset="0"/>
                   <a:cs typeface="Arial" panose="020B0604020202020204" pitchFamily="34" charset="0"/>
                 </a:endParaRPr>
               </a:p>
               <a:p>
                 <a:pPr algn="just"/>
-                <a:endParaRPr lang="it-IT" sz="2400" dirty="0">
+                <a:endParaRPr lang="en-GB" sz="2400" noProof="0" dirty="0">
                   <a:latin typeface="Arial" panose="020B0604020202020204" pitchFamily="34" charset="0"/>
                   <a:cs typeface="Arial" panose="020B0604020202020204" pitchFamily="34" charset="0"/>
                 </a:endParaRPr>
@@ -5351,7 +4622,7 @@
               <a:blipFill>
                 <a:blip r:embed="rId3"/>
                 <a:stretch>
-                  <a:fillRect l="-908" t="-818" r="-1589"/>
+                  <a:fillRect l="-908" t="-818" r="-851"/>
                 </a:stretch>
               </a:blipFill>
             </p:spPr>
@@ -5436,17 +4707,8 @@
               <a:rPr lang="en-GB" noProof="0" dirty="0">
                 <a:latin typeface="Arial Black" panose="020B0A04020102020204" pitchFamily="34" charset="0"/>
               </a:rPr>
-              <a:t>Proposed solution – Principle of </a:t>
-            </a:r>
-            <a:r>
-              <a:rPr lang="en-GB" dirty="0">
-                <a:latin typeface="Arial Black" panose="020B0A04020102020204" pitchFamily="34" charset="0"/>
-              </a:rPr>
-              <a:t>MPC</a:t>
-            </a:r>
-            <a:endParaRPr lang="en-GB" noProof="0" dirty="0">
-              <a:latin typeface="Arial Black" panose="020B0A04020102020204" pitchFamily="34" charset="0"/>
-            </a:endParaRPr>
+              <a:t>Proposed solution – Principle of MPC</a:t>
+            </a:r>
           </a:p>
         </p:txBody>
       </p:sp>
@@ -5482,74 +4744,18 @@
               <a:p>
                 <a:pPr algn="just"/>
                 <a:r>
-                  <a:rPr lang="it-IT" sz="2400" dirty="0">
+                  <a:rPr lang="en-GB" sz="2400" noProof="0" dirty="0">
                     <a:latin typeface="Arial" panose="020B0604020202020204" pitchFamily="34" charset="0"/>
                     <a:cs typeface="Arial" panose="020B0604020202020204" pitchFamily="34" charset="0"/>
                   </a:rPr>
-                  <a:t>The </a:t>
-                </a:r>
-                <a:r>
-                  <a:rPr lang="it-IT" sz="2400" dirty="0" err="1">
-                    <a:latin typeface="Arial" panose="020B0604020202020204" pitchFamily="34" charset="0"/>
-                    <a:cs typeface="Arial" panose="020B0604020202020204" pitchFamily="34" charset="0"/>
-                  </a:rPr>
-                  <a:t>aim</a:t>
-                </a:r>
-                <a:r>
-                  <a:rPr lang="it-IT" sz="2400" dirty="0">
-                    <a:latin typeface="Arial" panose="020B0604020202020204" pitchFamily="34" charset="0"/>
-                    <a:cs typeface="Arial" panose="020B0604020202020204" pitchFamily="34" charset="0"/>
-                  </a:rPr>
-                  <a:t> </a:t>
-                </a:r>
-                <a:r>
-                  <a:rPr lang="it-IT" sz="2400" dirty="0" err="1">
-                    <a:latin typeface="Arial" panose="020B0604020202020204" pitchFamily="34" charset="0"/>
-                    <a:cs typeface="Arial" panose="020B0604020202020204" pitchFamily="34" charset="0"/>
-                  </a:rPr>
-                  <a:t>is</a:t>
-                </a:r>
-                <a:r>
-                  <a:rPr lang="it-IT" sz="2400" dirty="0">
-                    <a:latin typeface="Arial" panose="020B0604020202020204" pitchFamily="34" charset="0"/>
-                    <a:cs typeface="Arial" panose="020B0604020202020204" pitchFamily="34" charset="0"/>
-                  </a:rPr>
-                  <a:t> to </a:t>
-                </a:r>
-                <a:r>
-                  <a:rPr lang="it-IT" sz="2400" dirty="0" err="1">
-                    <a:latin typeface="Arial" panose="020B0604020202020204" pitchFamily="34" charset="0"/>
-                    <a:cs typeface="Arial" panose="020B0604020202020204" pitchFamily="34" charset="0"/>
-                  </a:rPr>
-                  <a:t>find</a:t>
-                </a:r>
-                <a:r>
-                  <a:rPr lang="it-IT" sz="2400" dirty="0">
-                    <a:latin typeface="Arial" panose="020B0604020202020204" pitchFamily="34" charset="0"/>
-                    <a:cs typeface="Arial" panose="020B0604020202020204" pitchFamily="34" charset="0"/>
-                  </a:rPr>
-                  <a:t> the feature control </a:t>
-                </a:r>
-                <a:r>
-                  <a:rPr lang="it-IT" sz="2400" dirty="0" err="1">
-                    <a:latin typeface="Arial" panose="020B0604020202020204" pitchFamily="34" charset="0"/>
-                    <a:cs typeface="Arial" panose="020B0604020202020204" pitchFamily="34" charset="0"/>
-                  </a:rPr>
-                  <a:t>sequence</a:t>
-                </a:r>
-                <a:r>
-                  <a:rPr lang="it-IT" sz="2400" dirty="0">
-                    <a:latin typeface="Arial" panose="020B0604020202020204" pitchFamily="34" charset="0"/>
-                    <a:cs typeface="Arial" panose="020B0604020202020204" pitchFamily="34" charset="0"/>
-                  </a:rPr>
-                  <a:t> </a:t>
+                  <a:t>The aim is to find the feature control sequence </a:t>
                 </a:r>
                 <a14:m>
                   <m:oMath xmlns:m="http://schemas.openxmlformats.org/officeDocument/2006/math">
                     <m:sSub>
                       <m:sSubPr>
                         <m:ctrlPr>
-                          <a:rPr lang="it-IT" sz="2400" i="1" noProof="0" smtClean="0">
+                          <a:rPr lang="en-GB" sz="2400" i="1" noProof="0" smtClean="0">
                             <a:latin typeface="Cambria Math" panose="02040503050406030204" pitchFamily="18" charset="0"/>
                             <a:cs typeface="Arial" panose="020B0604020202020204" pitchFamily="34" charset="0"/>
                           </a:rPr>
@@ -5557,7 +4763,7 @@
                       </m:sSubPr>
                       <m:e>
                         <m:r>
-                          <a:rPr lang="it-IT" sz="2400" b="0" i="1" noProof="0" smtClean="0">
+                          <a:rPr lang="en-GB" sz="2400" b="0" i="1" noProof="0" smtClean="0">
                             <a:latin typeface="Cambria Math" panose="02040503050406030204" pitchFamily="18" charset="0"/>
                             <a:cs typeface="Arial" panose="020B0604020202020204" pitchFamily="34" charset="0"/>
                           </a:rPr>
@@ -5566,7 +4772,7 @@
                       </m:e>
                       <m:sub>
                         <m:r>
-                          <a:rPr lang="it-IT" sz="2400" b="0" i="1" noProof="0" smtClean="0">
+                          <a:rPr lang="en-GB" sz="2400" b="0" i="1" noProof="0" smtClean="0">
                             <a:latin typeface="Cambria Math" panose="02040503050406030204" pitchFamily="18" charset="0"/>
                             <a:cs typeface="Arial" panose="020B0604020202020204" pitchFamily="34" charset="0"/>
                           </a:rPr>
@@ -5577,174 +4783,20 @@
                   </m:oMath>
                 </a14:m>
                 <a:r>
-                  <a:rPr lang="it-IT" sz="2400" dirty="0">
+                  <a:rPr lang="en-GB" sz="2400" noProof="0" dirty="0">
                     <a:latin typeface="Arial" panose="020B0604020202020204" pitchFamily="34" charset="0"/>
                     <a:cs typeface="Arial" panose="020B0604020202020204" pitchFamily="34" charset="0"/>
                   </a:rPr>
-                  <a:t> </a:t>
+                  <a:t> that minimizes the performance criterion J. The prediction of the forward horizon is done on the basis of the knowledge of the backward horizon.</a:t>
                 </a:r>
-                <a:r>
-                  <a:rPr lang="it-IT" sz="2400" dirty="0" err="1">
-                    <a:latin typeface="Arial" panose="020B0604020202020204" pitchFamily="34" charset="0"/>
-                    <a:cs typeface="Arial" panose="020B0604020202020204" pitchFamily="34" charset="0"/>
-                  </a:rPr>
-                  <a:t>that</a:t>
-                </a:r>
-                <a:r>
-                  <a:rPr lang="it-IT" sz="2400" dirty="0">
-                    <a:latin typeface="Arial" panose="020B0604020202020204" pitchFamily="34" charset="0"/>
-                    <a:cs typeface="Arial" panose="020B0604020202020204" pitchFamily="34" charset="0"/>
-                  </a:rPr>
-                  <a:t> </a:t>
-                </a:r>
-                <a:r>
-                  <a:rPr lang="it-IT" sz="2400" dirty="0" err="1">
-                    <a:latin typeface="Arial" panose="020B0604020202020204" pitchFamily="34" charset="0"/>
-                    <a:cs typeface="Arial" panose="020B0604020202020204" pitchFamily="34" charset="0"/>
-                  </a:rPr>
-                  <a:t>minimizes</a:t>
-                </a:r>
-                <a:r>
-                  <a:rPr lang="it-IT" sz="2400" dirty="0">
-                    <a:latin typeface="Arial" panose="020B0604020202020204" pitchFamily="34" charset="0"/>
-                    <a:cs typeface="Arial" panose="020B0604020202020204" pitchFamily="34" charset="0"/>
-                  </a:rPr>
-                  <a:t> the performance </a:t>
-                </a:r>
-                <a:r>
-                  <a:rPr lang="it-IT" sz="2400" dirty="0" err="1">
-                    <a:latin typeface="Arial" panose="020B0604020202020204" pitchFamily="34" charset="0"/>
-                    <a:cs typeface="Arial" panose="020B0604020202020204" pitchFamily="34" charset="0"/>
-                  </a:rPr>
-                  <a:t>criterion</a:t>
-                </a:r>
-                <a:r>
-                  <a:rPr lang="it-IT" sz="2400" dirty="0">
-                    <a:latin typeface="Arial" panose="020B0604020202020204" pitchFamily="34" charset="0"/>
-                    <a:cs typeface="Arial" panose="020B0604020202020204" pitchFamily="34" charset="0"/>
-                  </a:rPr>
-                  <a:t> J. The </a:t>
-                </a:r>
-                <a:r>
-                  <a:rPr lang="it-IT" sz="2400" dirty="0" err="1">
-                    <a:latin typeface="Arial" panose="020B0604020202020204" pitchFamily="34" charset="0"/>
-                    <a:cs typeface="Arial" panose="020B0604020202020204" pitchFamily="34" charset="0"/>
-                  </a:rPr>
-                  <a:t>prediction</a:t>
-                </a:r>
-                <a:r>
-                  <a:rPr lang="it-IT" sz="2400" dirty="0">
-                    <a:latin typeface="Arial" panose="020B0604020202020204" pitchFamily="34" charset="0"/>
-                    <a:cs typeface="Arial" panose="020B0604020202020204" pitchFamily="34" charset="0"/>
-                  </a:rPr>
-                  <a:t> of the </a:t>
-                </a:r>
-                <a:r>
-                  <a:rPr lang="it-IT" sz="2400" dirty="0" err="1">
-                    <a:latin typeface="Arial" panose="020B0604020202020204" pitchFamily="34" charset="0"/>
-                    <a:cs typeface="Arial" panose="020B0604020202020204" pitchFamily="34" charset="0"/>
-                  </a:rPr>
-                  <a:t>forward</a:t>
-                </a:r>
-                <a:r>
-                  <a:rPr lang="it-IT" sz="2400" dirty="0">
-                    <a:latin typeface="Arial" panose="020B0604020202020204" pitchFamily="34" charset="0"/>
-                    <a:cs typeface="Arial" panose="020B0604020202020204" pitchFamily="34" charset="0"/>
-                  </a:rPr>
-                  <a:t> </a:t>
-                </a:r>
-                <a:r>
-                  <a:rPr lang="it-IT" sz="2400" dirty="0" err="1">
-                    <a:latin typeface="Arial" panose="020B0604020202020204" pitchFamily="34" charset="0"/>
-                    <a:cs typeface="Arial" panose="020B0604020202020204" pitchFamily="34" charset="0"/>
-                  </a:rPr>
-                  <a:t>horizon</a:t>
-                </a:r>
-                <a:r>
-                  <a:rPr lang="it-IT" sz="2400" dirty="0">
-                    <a:latin typeface="Arial" panose="020B0604020202020204" pitchFamily="34" charset="0"/>
-                    <a:cs typeface="Arial" panose="020B0604020202020204" pitchFamily="34" charset="0"/>
-                  </a:rPr>
-                  <a:t> </a:t>
-                </a:r>
-                <a:r>
-                  <a:rPr lang="it-IT" sz="2400" dirty="0" err="1">
-                    <a:latin typeface="Arial" panose="020B0604020202020204" pitchFamily="34" charset="0"/>
-                    <a:cs typeface="Arial" panose="020B0604020202020204" pitchFamily="34" charset="0"/>
-                  </a:rPr>
-                  <a:t>is</a:t>
-                </a:r>
-                <a:r>
-                  <a:rPr lang="it-IT" sz="2400" dirty="0">
-                    <a:latin typeface="Arial" panose="020B0604020202020204" pitchFamily="34" charset="0"/>
-                    <a:cs typeface="Arial" panose="020B0604020202020204" pitchFamily="34" charset="0"/>
-                  </a:rPr>
-                  <a:t> </a:t>
-                </a:r>
-                <a:r>
-                  <a:rPr lang="it-IT" sz="2400" dirty="0" err="1">
-                    <a:latin typeface="Arial" panose="020B0604020202020204" pitchFamily="34" charset="0"/>
-                    <a:cs typeface="Arial" panose="020B0604020202020204" pitchFamily="34" charset="0"/>
-                  </a:rPr>
-                  <a:t>done</a:t>
-                </a:r>
-                <a:r>
-                  <a:rPr lang="it-IT" sz="2400" dirty="0">
-                    <a:latin typeface="Arial" panose="020B0604020202020204" pitchFamily="34" charset="0"/>
-                    <a:cs typeface="Arial" panose="020B0604020202020204" pitchFamily="34" charset="0"/>
-                  </a:rPr>
-                  <a:t> on the </a:t>
-                </a:r>
-                <a:r>
-                  <a:rPr lang="it-IT" sz="2400" dirty="0" err="1">
-                    <a:latin typeface="Arial" panose="020B0604020202020204" pitchFamily="34" charset="0"/>
-                    <a:cs typeface="Arial" panose="020B0604020202020204" pitchFamily="34" charset="0"/>
-                  </a:rPr>
-                  <a:t>basis</a:t>
-                </a:r>
-                <a:r>
-                  <a:rPr lang="it-IT" sz="2400" dirty="0">
-                    <a:latin typeface="Arial" panose="020B0604020202020204" pitchFamily="34" charset="0"/>
-                    <a:cs typeface="Arial" panose="020B0604020202020204" pitchFamily="34" charset="0"/>
-                  </a:rPr>
-                  <a:t> of the knowledge of the </a:t>
-                </a:r>
-                <a:r>
-                  <a:rPr lang="it-IT" sz="2400" dirty="0" err="1">
-                    <a:latin typeface="Arial" panose="020B0604020202020204" pitchFamily="34" charset="0"/>
-                    <a:cs typeface="Arial" panose="020B0604020202020204" pitchFamily="34" charset="0"/>
-                  </a:rPr>
-                  <a:t>backward</a:t>
-                </a:r>
-                <a:r>
-                  <a:rPr lang="it-IT" sz="2400" dirty="0">
-                    <a:latin typeface="Arial" panose="020B0604020202020204" pitchFamily="34" charset="0"/>
-                    <a:cs typeface="Arial" panose="020B0604020202020204" pitchFamily="34" charset="0"/>
-                  </a:rPr>
-                  <a:t> </a:t>
-                </a:r>
-                <a:r>
-                  <a:rPr lang="it-IT" sz="2400" dirty="0" err="1">
-                    <a:latin typeface="Arial" panose="020B0604020202020204" pitchFamily="34" charset="0"/>
-                    <a:cs typeface="Arial" panose="020B0604020202020204" pitchFamily="34" charset="0"/>
-                  </a:rPr>
-                  <a:t>horizon</a:t>
-                </a:r>
-                <a:r>
-                  <a:rPr lang="it-IT" sz="2400" dirty="0">
-                    <a:latin typeface="Arial" panose="020B0604020202020204" pitchFamily="34" charset="0"/>
-                    <a:cs typeface="Arial" panose="020B0604020202020204" pitchFamily="34" charset="0"/>
-                  </a:rPr>
-                  <a:t>.</a:t>
-                </a:r>
-                <a:endParaRPr lang="it-IT" sz="2400" b="0" dirty="0">
+                <a:endParaRPr lang="en-GB" sz="2400" b="0" noProof="0" dirty="0">
                   <a:latin typeface="Arial" panose="020B0604020202020204" pitchFamily="34" charset="0"/>
                   <a:cs typeface="Arial" panose="020B0604020202020204" pitchFamily="34" charset="0"/>
                 </a:endParaRPr>
               </a:p>
               <a:p>
                 <a:pPr algn="just"/>
-                <a:endParaRPr lang="it-IT" sz="2400" dirty="0">
+                <a:endParaRPr lang="en-GB" sz="2400" noProof="0" dirty="0">
                   <a:latin typeface="Arial" panose="020B0604020202020204" pitchFamily="34" charset="0"/>
                   <a:cs typeface="Arial" panose="020B0604020202020204" pitchFamily="34" charset="0"/>
                 </a:endParaRPr>
@@ -5899,17 +4951,8 @@
               <a:rPr lang="en-GB" noProof="0" dirty="0">
                 <a:latin typeface="Arial Black" panose="020B0A04020102020204" pitchFamily="34" charset="0"/>
               </a:rPr>
-              <a:t>Proposed solution – Control</a:t>
-            </a:r>
-            <a:r>
-              <a:rPr lang="en-GB" dirty="0">
-                <a:latin typeface="Arial Black" panose="020B0A04020102020204" pitchFamily="34" charset="0"/>
-              </a:rPr>
-              <a:t> step 1</a:t>
-            </a:r>
-            <a:endParaRPr lang="en-GB" noProof="0" dirty="0">
-              <a:latin typeface="Arial Black" panose="020B0A04020102020204" pitchFamily="34" charset="0"/>
-            </a:endParaRPr>
+              <a:t>Proposed solution – Control step 1</a:t>
+            </a:r>
           </a:p>
         </p:txBody>
       </p:sp>
@@ -5945,46 +4988,18 @@
               <a:p>
                 <a:pPr algn="just"/>
                 <a:r>
-                  <a:rPr lang="it-IT" sz="2400" noProof="0" dirty="0">
+                  <a:rPr lang="en-GB" sz="2400" noProof="0" dirty="0">
                     <a:latin typeface="Arial" panose="020B0604020202020204" pitchFamily="34" charset="0"/>
                     <a:cs typeface="Arial" panose="020B0604020202020204" pitchFamily="34" charset="0"/>
                   </a:rPr>
-                  <a:t>We </a:t>
-                </a:r>
-                <a:r>
-                  <a:rPr lang="it-IT" sz="2400" noProof="0" dirty="0" err="1">
-                    <a:latin typeface="Arial" panose="020B0604020202020204" pitchFamily="34" charset="0"/>
-                    <a:cs typeface="Arial" panose="020B0604020202020204" pitchFamily="34" charset="0"/>
-                  </a:rPr>
-                  <a:t>need</a:t>
-                </a:r>
-                <a:r>
-                  <a:rPr lang="it-IT" sz="2400" noProof="0" dirty="0">
-                    <a:latin typeface="Arial" panose="020B0604020202020204" pitchFamily="34" charset="0"/>
-                    <a:cs typeface="Arial" panose="020B0604020202020204" pitchFamily="34" charset="0"/>
-                  </a:rPr>
-                  <a:t> to </a:t>
-                </a:r>
-                <a:r>
-                  <a:rPr lang="it-IT" sz="2400" noProof="0" dirty="0" err="1">
-                    <a:latin typeface="Arial" panose="020B0604020202020204" pitchFamily="34" charset="0"/>
-                    <a:cs typeface="Arial" panose="020B0604020202020204" pitchFamily="34" charset="0"/>
-                  </a:rPr>
-                  <a:t>define</a:t>
-                </a:r>
-                <a:r>
-                  <a:rPr lang="it-IT" sz="2400" noProof="0" dirty="0">
-                    <a:latin typeface="Arial" panose="020B0604020202020204" pitchFamily="34" charset="0"/>
-                    <a:cs typeface="Arial" panose="020B0604020202020204" pitchFamily="34" charset="0"/>
-                  </a:rPr>
-                  <a:t> the controller input, </a:t>
+                  <a:t>We need to define the controller input, </a:t>
                 </a:r>
                 <a14:m>
                   <m:oMath xmlns:m="http://schemas.openxmlformats.org/officeDocument/2006/math">
                     <m:sSub>
                       <m:sSubPr>
                         <m:ctrlPr>
-                          <a:rPr lang="it-IT" sz="2400" i="1" noProof="0" smtClean="0">
+                          <a:rPr lang="en-GB" sz="2400" i="1" noProof="0" smtClean="0">
                             <a:latin typeface="Cambria Math" panose="02040503050406030204" pitchFamily="18" charset="0"/>
                             <a:cs typeface="Arial" panose="020B0604020202020204" pitchFamily="34" charset="0"/>
                           </a:rPr>
@@ -5992,7 +5007,7 @@
                       </m:sSubPr>
                       <m:e>
                         <m:r>
-                          <a:rPr lang="it-IT" sz="2400" b="0" i="1" noProof="0" smtClean="0">
+                          <a:rPr lang="en-GB" sz="2400" b="0" i="1" noProof="0" smtClean="0">
                             <a:latin typeface="Cambria Math" panose="02040503050406030204" pitchFamily="18" charset="0"/>
                             <a:cs typeface="Arial" panose="020B0604020202020204" pitchFamily="34" charset="0"/>
                           </a:rPr>
@@ -6001,7 +5016,7 @@
                       </m:e>
                       <m:sub>
                         <m:r>
-                          <a:rPr lang="it-IT" sz="2400" b="0" i="1" noProof="0" smtClean="0">
+                          <a:rPr lang="en-GB" sz="2400" b="0" i="1" noProof="0" smtClean="0">
                             <a:latin typeface="Cambria Math" panose="02040503050406030204" pitchFamily="18" charset="0"/>
                             <a:cs typeface="Arial" panose="020B0604020202020204" pitchFamily="34" charset="0"/>
                           </a:rPr>
@@ -6012,44 +5027,16 @@
                   </m:oMath>
                 </a14:m>
                 <a:r>
-                  <a:rPr lang="it-IT" sz="2400" noProof="0" dirty="0">
+                  <a:rPr lang="en-GB" sz="2400" noProof="0" dirty="0">
                     <a:latin typeface="Arial" panose="020B0604020202020204" pitchFamily="34" charset="0"/>
                     <a:cs typeface="Arial" panose="020B0604020202020204" pitchFamily="34" charset="0"/>
                   </a:rPr>
-                  <a:t>, </a:t>
-                </a:r>
-                <a:r>
-                  <a:rPr lang="it-IT" sz="2400" dirty="0" err="1">
-                    <a:latin typeface="Arial" panose="020B0604020202020204" pitchFamily="34" charset="0"/>
-                    <a:cs typeface="Arial" panose="020B0604020202020204" pitchFamily="34" charset="0"/>
-                  </a:rPr>
-                  <a:t>using</a:t>
-                </a:r>
-                <a:r>
-                  <a:rPr lang="it-IT" sz="2400" dirty="0">
-                    <a:latin typeface="Arial" panose="020B0604020202020204" pitchFamily="34" charset="0"/>
-                    <a:cs typeface="Arial" panose="020B0604020202020204" pitchFamily="34" charset="0"/>
-                  </a:rPr>
-                  <a:t> the </a:t>
-                </a:r>
-                <a:r>
-                  <a:rPr lang="it-IT" sz="2400" dirty="0" err="1">
-                    <a:latin typeface="Arial" panose="020B0604020202020204" pitchFamily="34" charset="0"/>
-                    <a:cs typeface="Arial" panose="020B0604020202020204" pitchFamily="34" charset="0"/>
-                  </a:rPr>
-                  <a:t>past</a:t>
-                </a:r>
-                <a:r>
-                  <a:rPr lang="it-IT" sz="2400" dirty="0">
-                    <a:latin typeface="Arial" panose="020B0604020202020204" pitchFamily="34" charset="0"/>
-                    <a:cs typeface="Arial" panose="020B0604020202020204" pitchFamily="34" charset="0"/>
-                  </a:rPr>
-                  <a:t> inputs and outputs of the system:</a:t>
+                  <a:t>, using the past inputs and outputs of the system:</a:t>
                 </a:r>
               </a:p>
               <a:p>
                 <a:pPr algn="just"/>
-                <a:endParaRPr lang="it-IT" sz="2400" noProof="0" dirty="0">
+                <a:endParaRPr lang="en-GB" sz="2400" noProof="0" dirty="0">
                   <a:latin typeface="Arial" panose="020B0604020202020204" pitchFamily="34" charset="0"/>
                   <a:cs typeface="Arial" panose="020B0604020202020204" pitchFamily="34" charset="0"/>
                 </a:endParaRPr>
@@ -6061,7 +5048,7 @@
                     <m:sSub>
                       <m:sSubPr>
                         <m:ctrlPr>
-                          <a:rPr lang="it-IT" sz="2400" i="1" noProof="0" smtClean="0">
+                          <a:rPr lang="en-GB" sz="2400" i="1" noProof="0" smtClean="0">
                             <a:latin typeface="Cambria Math" panose="02040503050406030204" pitchFamily="18" charset="0"/>
                             <a:cs typeface="Arial" panose="020B0604020202020204" pitchFamily="34" charset="0"/>
                           </a:rPr>
@@ -6069,7 +5056,7 @@
                       </m:sSubPr>
                       <m:e>
                         <m:r>
-                          <a:rPr lang="it-IT" sz="2400" b="0" i="1" noProof="0" smtClean="0">
+                          <a:rPr lang="en-GB" sz="2400" b="0" i="1" noProof="0" smtClean="0">
                             <a:latin typeface="Cambria Math" panose="02040503050406030204" pitchFamily="18" charset="0"/>
                             <a:cs typeface="Arial" panose="020B0604020202020204" pitchFamily="34" charset="0"/>
                           </a:rPr>
@@ -6078,7 +5065,7 @@
                       </m:e>
                       <m:sub>
                         <m:r>
-                          <a:rPr lang="it-IT" sz="2400" b="0" i="1" noProof="0" smtClean="0">
+                          <a:rPr lang="en-GB" sz="2400" b="0" i="1" noProof="0" smtClean="0">
                             <a:latin typeface="Cambria Math" panose="02040503050406030204" pitchFamily="18" charset="0"/>
                             <a:cs typeface="Arial" panose="020B0604020202020204" pitchFamily="34" charset="0"/>
                           </a:rPr>
@@ -6087,7 +5074,7 @@
                       </m:sub>
                     </m:sSub>
                     <m:r>
-                      <a:rPr lang="it-IT" sz="2400" b="0" i="1" noProof="0" smtClean="0">
+                      <a:rPr lang="en-GB" sz="2400" b="0" i="1" noProof="0" smtClean="0">
                         <a:latin typeface="Cambria Math" panose="02040503050406030204" pitchFamily="18" charset="0"/>
                         <a:cs typeface="Arial" panose="020B0604020202020204" pitchFamily="34" charset="0"/>
                       </a:rPr>
@@ -6096,7 +5083,7 @@
                     <m:d>
                       <m:dPr>
                         <m:ctrlPr>
-                          <a:rPr lang="it-IT" sz="2400" b="0" i="1" noProof="0" smtClean="0">
+                          <a:rPr lang="en-GB" sz="2400" b="0" i="1" noProof="0" smtClean="0">
                             <a:latin typeface="Cambria Math" panose="02040503050406030204" pitchFamily="18" charset="0"/>
                             <a:cs typeface="Arial" panose="020B0604020202020204" pitchFamily="34" charset="0"/>
                           </a:rPr>
@@ -6106,7 +5093,7 @@
                         <m:eqArr>
                           <m:eqArrPr>
                             <m:ctrlPr>
-                              <a:rPr lang="it-IT" sz="2400" b="0" i="1" noProof="0" smtClean="0">
+                              <a:rPr lang="en-GB" sz="2400" b="0" i="1" noProof="0" smtClean="0">
                                 <a:latin typeface="Cambria Math" panose="02040503050406030204" pitchFamily="18" charset="0"/>
                                 <a:cs typeface="Arial" panose="020B0604020202020204" pitchFamily="34" charset="0"/>
                               </a:rPr>
@@ -6116,7 +5103,7 @@
                             <m:sSub>
                               <m:sSubPr>
                                 <m:ctrlPr>
-                                  <a:rPr lang="it-IT" sz="2400" b="0" i="1" noProof="0" smtClean="0">
+                                  <a:rPr lang="en-GB" sz="2400" b="0" i="1" noProof="0" smtClean="0">
                                     <a:latin typeface="Cambria Math" panose="02040503050406030204" pitchFamily="18" charset="0"/>
                                     <a:cs typeface="Arial" panose="020B0604020202020204" pitchFamily="34" charset="0"/>
                                   </a:rPr>
@@ -6124,7 +5111,7 @@
                               </m:sSubPr>
                               <m:e>
                                 <m:r>
-                                  <a:rPr lang="it-IT" sz="2400" b="0" i="1" noProof="0" smtClean="0">
+                                  <a:rPr lang="en-GB" sz="2400" b="0" i="1" noProof="0" smtClean="0">
                                     <a:latin typeface="Cambria Math" panose="02040503050406030204" pitchFamily="18" charset="0"/>
                                     <a:cs typeface="Arial" panose="020B0604020202020204" pitchFamily="34" charset="0"/>
                                   </a:rPr>
@@ -6133,21 +5120,21 @@
                               </m:e>
                               <m:sub>
                                 <m:r>
-                                  <a:rPr lang="it-IT" sz="2400" b="0" i="1" noProof="0" smtClean="0">
+                                  <a:rPr lang="en-GB" sz="2400" b="0" i="1" noProof="0" smtClean="0">
                                     <a:latin typeface="Cambria Math" panose="02040503050406030204" pitchFamily="18" charset="0"/>
                                     <a:cs typeface="Arial" panose="020B0604020202020204" pitchFamily="34" charset="0"/>
                                   </a:rPr>
                                   <m:t>−</m:t>
                                 </m:r>
                                 <m:r>
-                                  <a:rPr lang="it-IT" sz="2400" b="0" i="1" noProof="0" smtClean="0">
+                                  <a:rPr lang="en-GB" sz="2400" b="0" i="1" noProof="0" smtClean="0">
                                     <a:latin typeface="Cambria Math" panose="02040503050406030204" pitchFamily="18" charset="0"/>
                                     <a:cs typeface="Arial" panose="020B0604020202020204" pitchFamily="34" charset="0"/>
                                   </a:rPr>
                                   <m:t>𝑀</m:t>
                                 </m:r>
                                 <m:r>
-                                  <a:rPr lang="it-IT" sz="2400" b="0" i="1" noProof="0" smtClean="0">
+                                  <a:rPr lang="en-GB" sz="2400" b="0" i="1" noProof="0" smtClean="0">
                                     <a:latin typeface="Cambria Math" panose="02040503050406030204" pitchFamily="18" charset="0"/>
                                     <a:cs typeface="Arial" panose="020B0604020202020204" pitchFamily="34" charset="0"/>
                                   </a:rPr>
@@ -6158,7 +5145,7 @@
                           </m:e>
                           <m:e>
                             <m:r>
-                              <a:rPr lang="it-IT" b="0" i="1" smtClean="0">
+                              <a:rPr lang="en-GB" b="0" i="1" noProof="0" smtClean="0">
                                 <a:latin typeface="Cambria Math" panose="02040503050406030204" pitchFamily="18" charset="0"/>
                               </a:rPr>
                               <m:t>…</m:t>
@@ -6168,14 +5155,14 @@
                             <m:sSub>
                               <m:sSubPr>
                                 <m:ctrlPr>
-                                  <a:rPr lang="it-IT" i="1" smtClean="0">
+                                  <a:rPr lang="en-GB" i="1" noProof="0" smtClean="0">
                                     <a:latin typeface="Cambria Math" panose="02040503050406030204" pitchFamily="18" charset="0"/>
                                   </a:rPr>
                                 </m:ctrlPr>
                               </m:sSubPr>
                               <m:e>
                                 <m:r>
-                                  <a:rPr lang="it-IT" b="0" i="1" smtClean="0">
+                                  <a:rPr lang="en-GB" b="0" i="1" noProof="0" smtClean="0">
                                     <a:latin typeface="Cambria Math" panose="02040503050406030204" pitchFamily="18" charset="0"/>
                                   </a:rPr>
                                   <m:t>𝑦</m:t>
@@ -6183,7 +5170,7 @@
                               </m:e>
                               <m:sub>
                                 <m:r>
-                                  <a:rPr lang="it-IT" b="0" i="1" smtClean="0">
+                                  <a:rPr lang="en-GB" b="0" i="1" noProof="0" smtClean="0">
                                     <a:latin typeface="Cambria Math" panose="02040503050406030204" pitchFamily="18" charset="0"/>
                                   </a:rPr>
                                   <m:t>−1</m:t>
@@ -6195,14 +5182,14 @@
                             <m:sSub>
                               <m:sSubPr>
                                 <m:ctrlPr>
-                                  <a:rPr lang="it-IT" i="1" smtClean="0">
+                                  <a:rPr lang="en-GB" i="1" noProof="0" smtClean="0">
                                     <a:latin typeface="Cambria Math" panose="02040503050406030204" pitchFamily="18" charset="0"/>
                                   </a:rPr>
                                 </m:ctrlPr>
                               </m:sSubPr>
                               <m:e>
                                 <m:r>
-                                  <a:rPr lang="it-IT" b="0" i="1" smtClean="0">
+                                  <a:rPr lang="en-GB" b="0" i="1" noProof="0" smtClean="0">
                                     <a:latin typeface="Cambria Math" panose="02040503050406030204" pitchFamily="18" charset="0"/>
                                   </a:rPr>
                                   <m:t>𝑦</m:t>
@@ -6210,7 +5197,7 @@
                               </m:e>
                               <m:sub>
                                 <m:r>
-                                  <a:rPr lang="it-IT" b="0" i="1" smtClean="0">
+                                  <a:rPr lang="en-GB" b="0" i="1" noProof="0" smtClean="0">
                                     <a:latin typeface="Cambria Math" panose="02040503050406030204" pitchFamily="18" charset="0"/>
                                   </a:rPr>
                                   <m:t>0</m:t>
@@ -6224,14 +5211,14 @@
                   </m:oMath>
                 </a14:m>
                 <a:r>
-                  <a:rPr lang="it-IT" sz="2400" noProof="0" dirty="0">
+                  <a:rPr lang="en-GB" sz="2400" noProof="0" dirty="0">
                     <a:latin typeface="Arial" panose="020B0604020202020204" pitchFamily="34" charset="0"/>
                     <a:cs typeface="Arial" panose="020B0604020202020204" pitchFamily="34" charset="0"/>
                   </a:rPr>
                   <a:t>	</a:t>
                 </a:r>
                 <a:r>
-                  <a:rPr lang="it-IT" sz="2400" noProof="0" dirty="0">
+                  <a:rPr lang="en-GB" sz="2400" noProof="0" dirty="0">
                     <a:cs typeface="Arial" panose="020B0604020202020204" pitchFamily="34" charset="0"/>
                   </a:rPr>
                   <a:t> </a:t>
@@ -6241,7 +5228,7 @@
                     <m:sSub>
                       <m:sSubPr>
                         <m:ctrlPr>
-                          <a:rPr lang="it-IT" sz="2400" i="1" noProof="0" smtClean="0">
+                          <a:rPr lang="en-GB" sz="2400" i="1" noProof="0" smtClean="0">
                             <a:latin typeface="Cambria Math" panose="02040503050406030204" pitchFamily="18" charset="0"/>
                             <a:cs typeface="Arial" panose="020B0604020202020204" pitchFamily="34" charset="0"/>
                           </a:rPr>
@@ -6249,7 +5236,7 @@
                       </m:sSubPr>
                       <m:e>
                         <m:r>
-                          <a:rPr lang="it-IT" sz="2400" b="0" i="1" noProof="0" smtClean="0">
+                          <a:rPr lang="en-GB" sz="2400" b="0" i="1" noProof="0" smtClean="0">
                             <a:latin typeface="Cambria Math" panose="02040503050406030204" pitchFamily="18" charset="0"/>
                             <a:cs typeface="Arial" panose="020B0604020202020204" pitchFamily="34" charset="0"/>
                           </a:rPr>
@@ -6258,7 +5245,7 @@
                       </m:e>
                       <m:sub>
                         <m:r>
-                          <a:rPr lang="it-IT" sz="2400" b="0" i="1" noProof="0" smtClean="0">
+                          <a:rPr lang="en-GB" sz="2400" b="0" i="1" noProof="0" smtClean="0">
                             <a:latin typeface="Cambria Math" panose="02040503050406030204" pitchFamily="18" charset="0"/>
                             <a:cs typeface="Arial" panose="020B0604020202020204" pitchFamily="34" charset="0"/>
                           </a:rPr>
@@ -6267,7 +5254,7 @@
                       </m:sub>
                     </m:sSub>
                     <m:r>
-                      <a:rPr lang="it-IT" sz="2400" b="0" i="1" noProof="0" smtClean="0">
+                      <a:rPr lang="en-GB" sz="2400" b="0" i="1" noProof="0" smtClean="0">
                         <a:latin typeface="Cambria Math" panose="02040503050406030204" pitchFamily="18" charset="0"/>
                         <a:cs typeface="Arial" panose="020B0604020202020204" pitchFamily="34" charset="0"/>
                       </a:rPr>
@@ -6276,7 +5263,7 @@
                     <m:d>
                       <m:dPr>
                         <m:ctrlPr>
-                          <a:rPr lang="it-IT" sz="2400" b="0" i="1" noProof="0" smtClean="0">
+                          <a:rPr lang="en-GB" sz="2400" b="0" i="1" noProof="0" smtClean="0">
                             <a:latin typeface="Cambria Math" panose="02040503050406030204" pitchFamily="18" charset="0"/>
                             <a:cs typeface="Arial" panose="020B0604020202020204" pitchFamily="34" charset="0"/>
                           </a:rPr>
@@ -6286,7 +5273,7 @@
                         <m:eqArr>
                           <m:eqArrPr>
                             <m:ctrlPr>
-                              <a:rPr lang="it-IT" sz="2400" b="0" i="1" noProof="0" smtClean="0">
+                              <a:rPr lang="en-GB" sz="2400" b="0" i="1" noProof="0" smtClean="0">
                                 <a:latin typeface="Cambria Math" panose="02040503050406030204" pitchFamily="18" charset="0"/>
                                 <a:cs typeface="Arial" panose="020B0604020202020204" pitchFamily="34" charset="0"/>
                               </a:rPr>
@@ -6296,7 +5283,7 @@
                             <m:sSub>
                               <m:sSubPr>
                                 <m:ctrlPr>
-                                  <a:rPr lang="it-IT" sz="2400" b="0" i="1" noProof="0" smtClean="0">
+                                  <a:rPr lang="en-GB" sz="2400" b="0" i="1" noProof="0" smtClean="0">
                                     <a:latin typeface="Cambria Math" panose="02040503050406030204" pitchFamily="18" charset="0"/>
                                     <a:cs typeface="Arial" panose="020B0604020202020204" pitchFamily="34" charset="0"/>
                                   </a:rPr>
@@ -6304,7 +5291,7 @@
                               </m:sSubPr>
                               <m:e>
                                 <m:r>
-                                  <a:rPr lang="it-IT" sz="2400" b="0" i="1" noProof="0" smtClean="0">
+                                  <a:rPr lang="en-GB" sz="2400" b="0" i="1" noProof="0" smtClean="0">
                                     <a:latin typeface="Cambria Math" panose="02040503050406030204" pitchFamily="18" charset="0"/>
                                     <a:cs typeface="Arial" panose="020B0604020202020204" pitchFamily="34" charset="0"/>
                                   </a:rPr>
@@ -6313,21 +5300,21 @@
                               </m:e>
                               <m:sub>
                                 <m:r>
-                                  <a:rPr lang="it-IT" sz="2400" b="0" i="1" noProof="0" smtClean="0">
+                                  <a:rPr lang="en-GB" sz="2400" b="0" i="1" noProof="0" smtClean="0">
                                     <a:latin typeface="Cambria Math" panose="02040503050406030204" pitchFamily="18" charset="0"/>
                                     <a:cs typeface="Arial" panose="020B0604020202020204" pitchFamily="34" charset="0"/>
                                   </a:rPr>
                                   <m:t>−</m:t>
                                 </m:r>
                                 <m:r>
-                                  <a:rPr lang="it-IT" sz="2400" b="0" i="1" noProof="0" smtClean="0">
+                                  <a:rPr lang="en-GB" sz="2400" b="0" i="1" noProof="0" smtClean="0">
                                     <a:latin typeface="Cambria Math" panose="02040503050406030204" pitchFamily="18" charset="0"/>
                                     <a:cs typeface="Arial" panose="020B0604020202020204" pitchFamily="34" charset="0"/>
                                   </a:rPr>
                                   <m:t>𝑀</m:t>
                                 </m:r>
                                 <m:r>
-                                  <a:rPr lang="it-IT" sz="2400" b="0" i="1" noProof="0" smtClean="0">
+                                  <a:rPr lang="en-GB" sz="2400" b="0" i="1" noProof="0" smtClean="0">
                                     <a:latin typeface="Cambria Math" panose="02040503050406030204" pitchFamily="18" charset="0"/>
                                     <a:cs typeface="Arial" panose="020B0604020202020204" pitchFamily="34" charset="0"/>
                                   </a:rPr>
@@ -6338,7 +5325,7 @@
                           </m:e>
                           <m:e>
                             <m:r>
-                              <a:rPr lang="it-IT" sz="2400" b="0" i="1" smtClean="0">
+                              <a:rPr lang="en-GB" sz="2400" b="0" i="1" noProof="0" smtClean="0">
                                 <a:latin typeface="Cambria Math" panose="02040503050406030204" pitchFamily="18" charset="0"/>
                               </a:rPr>
                               <m:t>…</m:t>
@@ -6348,14 +5335,14 @@
                             <m:sSub>
                               <m:sSubPr>
                                 <m:ctrlPr>
-                                  <a:rPr lang="it-IT" sz="2400" i="1" smtClean="0">
+                                  <a:rPr lang="en-GB" sz="2400" i="1" noProof="0" smtClean="0">
                                     <a:latin typeface="Cambria Math" panose="02040503050406030204" pitchFamily="18" charset="0"/>
                                   </a:rPr>
                                 </m:ctrlPr>
                               </m:sSubPr>
                               <m:e>
                                 <m:r>
-                                  <a:rPr lang="it-IT" sz="2400" b="0" i="1" smtClean="0">
+                                  <a:rPr lang="en-GB" sz="2400" b="0" i="1" noProof="0" smtClean="0">
                                     <a:latin typeface="Cambria Math" panose="02040503050406030204" pitchFamily="18" charset="0"/>
                                   </a:rPr>
                                   <m:t>𝑢</m:t>
@@ -6363,7 +5350,7 @@
                               </m:e>
                               <m:sub>
                                 <m:r>
-                                  <a:rPr lang="it-IT" sz="2400" b="0" i="1" smtClean="0">
+                                  <a:rPr lang="en-GB" sz="2400" b="0" i="1" noProof="0" smtClean="0">
                                     <a:latin typeface="Cambria Math" panose="02040503050406030204" pitchFamily="18" charset="0"/>
                                   </a:rPr>
                                   <m:t>−1</m:t>
@@ -6375,14 +5362,14 @@
                             <m:sSub>
                               <m:sSubPr>
                                 <m:ctrlPr>
-                                  <a:rPr lang="it-IT" sz="2400" i="1" smtClean="0">
+                                  <a:rPr lang="en-GB" sz="2400" i="1" noProof="0" smtClean="0">
                                     <a:latin typeface="Cambria Math" panose="02040503050406030204" pitchFamily="18" charset="0"/>
                                   </a:rPr>
                                 </m:ctrlPr>
                               </m:sSubPr>
                               <m:e>
                                 <m:r>
-                                  <a:rPr lang="it-IT" sz="2400" b="0" i="1" smtClean="0">
+                                  <a:rPr lang="en-GB" sz="2400" b="0" i="1" noProof="0" smtClean="0">
                                     <a:latin typeface="Cambria Math" panose="02040503050406030204" pitchFamily="18" charset="0"/>
                                   </a:rPr>
                                   <m:t>𝑢</m:t>
@@ -6390,7 +5377,7 @@
                               </m:e>
                               <m:sub>
                                 <m:r>
-                                  <a:rPr lang="it-IT" sz="2400" b="0" i="1" smtClean="0">
+                                  <a:rPr lang="en-GB" sz="2400" b="0" i="1" noProof="0" smtClean="0">
                                     <a:latin typeface="Cambria Math" panose="02040503050406030204" pitchFamily="18" charset="0"/>
                                   </a:rPr>
                                   <m:t>0</m:t>
@@ -6404,14 +5391,14 @@
                   </m:oMath>
                 </a14:m>
                 <a:r>
-                  <a:rPr lang="it-IT" sz="2400" noProof="0" dirty="0">
+                  <a:rPr lang="en-GB" sz="2400" noProof="0" dirty="0">
                     <a:latin typeface="Arial" panose="020B0604020202020204" pitchFamily="34" charset="0"/>
                     <a:cs typeface="Arial" panose="020B0604020202020204" pitchFamily="34" charset="0"/>
                   </a:rPr>
                   <a:t>	</a:t>
                 </a:r>
                 <a:r>
-                  <a:rPr lang="it-IT" sz="2400" noProof="0" dirty="0">
+                  <a:rPr lang="en-GB" sz="2400" noProof="0" dirty="0">
                     <a:cs typeface="Arial" panose="020B0604020202020204" pitchFamily="34" charset="0"/>
                   </a:rPr>
                   <a:t> </a:t>
@@ -6421,7 +5408,7 @@
                     <m:sSub>
                       <m:sSubPr>
                         <m:ctrlPr>
-                          <a:rPr lang="it-IT" sz="2400" i="1" noProof="0" smtClean="0">
+                          <a:rPr lang="en-GB" sz="2400" i="1" noProof="0" smtClean="0">
                             <a:latin typeface="Cambria Math" panose="02040503050406030204" pitchFamily="18" charset="0"/>
                             <a:cs typeface="Arial" panose="020B0604020202020204" pitchFamily="34" charset="0"/>
                           </a:rPr>
@@ -6429,7 +5416,7 @@
                       </m:sSubPr>
                       <m:e>
                         <m:r>
-                          <a:rPr lang="it-IT" sz="2400" b="0" i="1" noProof="0" smtClean="0">
+                          <a:rPr lang="en-GB" sz="2400" b="0" i="1" noProof="0" smtClean="0">
                             <a:latin typeface="Cambria Math" panose="02040503050406030204" pitchFamily="18" charset="0"/>
                             <a:cs typeface="Arial" panose="020B0604020202020204" pitchFamily="34" charset="0"/>
                           </a:rPr>
@@ -6438,7 +5425,7 @@
                       </m:e>
                       <m:sub>
                         <m:r>
-                          <a:rPr lang="it-IT" sz="2400" b="0" i="1" noProof="0" smtClean="0">
+                          <a:rPr lang="en-GB" sz="2400" b="0" i="1" noProof="0" smtClean="0">
                             <a:latin typeface="Cambria Math" panose="02040503050406030204" pitchFamily="18" charset="0"/>
                             <a:cs typeface="Arial" panose="020B0604020202020204" pitchFamily="34" charset="0"/>
                           </a:rPr>
@@ -6447,7 +5434,7 @@
                       </m:sub>
                     </m:sSub>
                     <m:r>
-                      <a:rPr lang="it-IT" sz="2400" b="0" i="1" noProof="0" smtClean="0">
+                      <a:rPr lang="en-GB" sz="2400" b="0" i="1" noProof="0" smtClean="0">
                         <a:latin typeface="Cambria Math" panose="02040503050406030204" pitchFamily="18" charset="0"/>
                         <a:cs typeface="Arial" panose="020B0604020202020204" pitchFamily="34" charset="0"/>
                       </a:rPr>
@@ -6456,7 +5443,7 @@
                     <m:d>
                       <m:dPr>
                         <m:ctrlPr>
-                          <a:rPr lang="it-IT" sz="2400" b="0" i="1" noProof="0" smtClean="0">
+                          <a:rPr lang="en-GB" sz="2400" b="0" i="1" noProof="0" smtClean="0">
                             <a:latin typeface="Cambria Math" panose="02040503050406030204" pitchFamily="18" charset="0"/>
                             <a:cs typeface="Arial" panose="020B0604020202020204" pitchFamily="34" charset="0"/>
                           </a:rPr>
@@ -6466,7 +5453,7 @@
                         <m:eqArr>
                           <m:eqArrPr>
                             <m:ctrlPr>
-                              <a:rPr lang="it-IT" sz="2400" b="0" i="1" smtClean="0">
+                              <a:rPr lang="en-GB" sz="2400" b="0" i="1" noProof="0" smtClean="0">
                                 <a:latin typeface="Cambria Math" panose="02040503050406030204" pitchFamily="18" charset="0"/>
                               </a:rPr>
                             </m:ctrlPr>
@@ -6475,7 +5462,7 @@
                             <m:sSub>
                               <m:sSubPr>
                                 <m:ctrlPr>
-                                  <a:rPr lang="it-IT" sz="1800" i="1" noProof="0" smtClean="0">
+                                  <a:rPr lang="en-GB" sz="1800" i="1" noProof="0" smtClean="0">
                                     <a:latin typeface="Cambria Math" panose="02040503050406030204" pitchFamily="18" charset="0"/>
                                     <a:cs typeface="Arial" panose="020B0604020202020204" pitchFamily="34" charset="0"/>
                                   </a:rPr>
@@ -6483,7 +5470,7 @@
                               </m:sSubPr>
                               <m:e>
                                 <m:r>
-                                  <a:rPr lang="it-IT" sz="1800" b="0" i="1" noProof="0" smtClean="0">
+                                  <a:rPr lang="en-GB" sz="1800" b="0" i="1" noProof="0" smtClean="0">
                                     <a:latin typeface="Cambria Math" panose="02040503050406030204" pitchFamily="18" charset="0"/>
                                     <a:cs typeface="Arial" panose="020B0604020202020204" pitchFamily="34" charset="0"/>
                                   </a:rPr>
@@ -6492,7 +5479,7 @@
                               </m:e>
                               <m:sub>
                                 <m:r>
-                                  <a:rPr lang="it-IT" sz="1800" b="0" i="1" noProof="0" smtClean="0">
+                                  <a:rPr lang="en-GB" sz="1800" b="0" i="1" noProof="0" smtClean="0">
                                     <a:latin typeface="Cambria Math" panose="02040503050406030204" pitchFamily="18" charset="0"/>
                                     <a:cs typeface="Arial" panose="020B0604020202020204" pitchFamily="34" charset="0"/>
                                   </a:rPr>
@@ -6505,7 +5492,7 @@
                             <m:sSub>
                               <m:sSubPr>
                                 <m:ctrlPr>
-                                  <a:rPr lang="it-IT" sz="1800" i="1" noProof="0" smtClean="0">
+                                  <a:rPr lang="en-GB" sz="1800" i="1" noProof="0" smtClean="0">
                                     <a:latin typeface="Cambria Math" panose="02040503050406030204" pitchFamily="18" charset="0"/>
                                     <a:cs typeface="Arial" panose="020B0604020202020204" pitchFamily="34" charset="0"/>
                                   </a:rPr>
@@ -6513,7 +5500,7 @@
                               </m:sSubPr>
                               <m:e>
                                 <m:r>
-                                  <a:rPr lang="it-IT" sz="1800" b="0" i="1" noProof="0" smtClean="0">
+                                  <a:rPr lang="en-GB" sz="1800" b="0" i="1" noProof="0" smtClean="0">
                                     <a:latin typeface="Cambria Math" panose="02040503050406030204" pitchFamily="18" charset="0"/>
                                     <a:cs typeface="Arial" panose="020B0604020202020204" pitchFamily="34" charset="0"/>
                                   </a:rPr>
@@ -6522,7 +5509,7 @@
                               </m:e>
                               <m:sub>
                                 <m:r>
-                                  <a:rPr lang="it-IT" sz="1800" b="0" i="1" noProof="0" smtClean="0">
+                                  <a:rPr lang="en-GB" sz="1800" b="0" i="1" noProof="0" smtClean="0">
                                     <a:latin typeface="Cambria Math" panose="02040503050406030204" pitchFamily="18" charset="0"/>
                                     <a:cs typeface="Arial" panose="020B0604020202020204" pitchFamily="34" charset="0"/>
                                   </a:rPr>
@@ -6536,14 +5523,14 @@
                     </m:d>
                   </m:oMath>
                 </a14:m>
-                <a:endParaRPr lang="it-IT" sz="2400" noProof="0" dirty="0">
+                <a:endParaRPr lang="en-GB" sz="2400" noProof="0" dirty="0">
                   <a:latin typeface="Arial" panose="020B0604020202020204" pitchFamily="34" charset="0"/>
                   <a:cs typeface="Arial" panose="020B0604020202020204" pitchFamily="34" charset="0"/>
                 </a:endParaRPr>
               </a:p>
               <a:p>
                 <a:pPr algn="just"/>
-                <a:endParaRPr lang="it-IT" sz="2400" dirty="0">
+                <a:endParaRPr lang="en-GB" sz="2400" noProof="0" dirty="0">
                   <a:latin typeface="Arial" panose="020B0604020202020204" pitchFamily="34" charset="0"/>
                   <a:cs typeface="Arial" panose="020B0604020202020204" pitchFamily="34" charset="0"/>
                 </a:endParaRPr>
@@ -6551,170 +5538,26 @@
               <a:p>
                 <a:pPr algn="just"/>
                 <a:r>
-                  <a:rPr lang="it-IT" sz="2400" noProof="0" dirty="0" err="1">
+                  <a:rPr lang="en-GB" sz="2400" noProof="0" dirty="0">
                     <a:latin typeface="Arial" panose="020B0604020202020204" pitchFamily="34" charset="0"/>
                     <a:cs typeface="Arial" panose="020B0604020202020204" pitchFamily="34" charset="0"/>
                   </a:rPr>
-                  <a:t>Where</a:t>
-                </a:r>
-                <a:r>
-                  <a:rPr lang="it-IT" sz="2400" noProof="0" dirty="0">
-                    <a:latin typeface="Arial" panose="020B0604020202020204" pitchFamily="34" charset="0"/>
-                    <a:cs typeface="Arial" panose="020B0604020202020204" pitchFamily="34" charset="0"/>
-                  </a:rPr>
-                  <a:t> M, </a:t>
-                </a:r>
-                <a:r>
-                  <a:rPr lang="it-IT" sz="2400" noProof="0" dirty="0" err="1">
-                    <a:latin typeface="Arial" panose="020B0604020202020204" pitchFamily="34" charset="0"/>
-                    <a:cs typeface="Arial" panose="020B0604020202020204" pitchFamily="34" charset="0"/>
-                  </a:rPr>
-                  <a:t>as</a:t>
-                </a:r>
-                <a:r>
-                  <a:rPr lang="it-IT" sz="2400" noProof="0" dirty="0">
-                    <a:latin typeface="Arial" panose="020B0604020202020204" pitchFamily="34" charset="0"/>
-                    <a:cs typeface="Arial" panose="020B0604020202020204" pitchFamily="34" charset="0"/>
-                  </a:rPr>
-                  <a:t> </a:t>
-                </a:r>
-                <a:r>
-                  <a:rPr lang="it-IT" sz="2400" noProof="0" dirty="0" err="1">
-                    <a:latin typeface="Arial" panose="020B0604020202020204" pitchFamily="34" charset="0"/>
-                    <a:cs typeface="Arial" panose="020B0604020202020204" pitchFamily="34" charset="0"/>
-                  </a:rPr>
-                  <a:t>defined</a:t>
-                </a:r>
-                <a:r>
-                  <a:rPr lang="it-IT" sz="2400" noProof="0" dirty="0">
-                    <a:latin typeface="Arial" panose="020B0604020202020204" pitchFamily="34" charset="0"/>
-                    <a:cs typeface="Arial" panose="020B0604020202020204" pitchFamily="34" charset="0"/>
-                  </a:rPr>
-                  <a:t> </a:t>
-                </a:r>
-                <a:r>
-                  <a:rPr lang="it-IT" sz="2400" noProof="0" dirty="0" err="1">
-                    <a:latin typeface="Arial" panose="020B0604020202020204" pitchFamily="34" charset="0"/>
-                    <a:cs typeface="Arial" panose="020B0604020202020204" pitchFamily="34" charset="0"/>
-                  </a:rPr>
-                  <a:t>previously</a:t>
-                </a:r>
-                <a:r>
-                  <a:rPr lang="it-IT" sz="2400" noProof="0" dirty="0">
-                    <a:latin typeface="Arial" panose="020B0604020202020204" pitchFamily="34" charset="0"/>
-                    <a:cs typeface="Arial" panose="020B0604020202020204" pitchFamily="34" charset="0"/>
-                  </a:rPr>
-                  <a:t>, </a:t>
-                </a:r>
-                <a:r>
-                  <a:rPr lang="it-IT" sz="2400" noProof="0" dirty="0" err="1">
-                    <a:latin typeface="Arial" panose="020B0604020202020204" pitchFamily="34" charset="0"/>
-                    <a:cs typeface="Arial" panose="020B0604020202020204" pitchFamily="34" charset="0"/>
-                  </a:rPr>
-                  <a:t>is</a:t>
-                </a:r>
-                <a:r>
-                  <a:rPr lang="it-IT" sz="2400" noProof="0" dirty="0">
-                    <a:latin typeface="Arial" panose="020B0604020202020204" pitchFamily="34" charset="0"/>
-                    <a:cs typeface="Arial" panose="020B0604020202020204" pitchFamily="34" charset="0"/>
-                  </a:rPr>
-                  <a:t> the </a:t>
-                </a:r>
-                <a:r>
-                  <a:rPr lang="it-IT" sz="2400" noProof="0" dirty="0" err="1">
-                    <a:latin typeface="Arial" panose="020B0604020202020204" pitchFamily="34" charset="0"/>
-                    <a:cs typeface="Arial" panose="020B0604020202020204" pitchFamily="34" charset="0"/>
-                  </a:rPr>
-                  <a:t>number</a:t>
-                </a:r>
-                <a:r>
-                  <a:rPr lang="it-IT" sz="2400" noProof="0" dirty="0">
-                    <a:latin typeface="Arial" panose="020B0604020202020204" pitchFamily="34" charset="0"/>
-                    <a:cs typeface="Arial" panose="020B0604020202020204" pitchFamily="34" charset="0"/>
-                  </a:rPr>
-                  <a:t> of </a:t>
-                </a:r>
-                <a:r>
-                  <a:rPr lang="it-IT" sz="2400" noProof="0" dirty="0" err="1">
-                    <a:latin typeface="Arial" panose="020B0604020202020204" pitchFamily="34" charset="0"/>
-                    <a:cs typeface="Arial" panose="020B0604020202020204" pitchFamily="34" charset="0"/>
-                  </a:rPr>
-                  <a:t>past</a:t>
-                </a:r>
-                <a:r>
-                  <a:rPr lang="it-IT" sz="2400" noProof="0" dirty="0">
-                    <a:latin typeface="Arial" panose="020B0604020202020204" pitchFamily="34" charset="0"/>
-                    <a:cs typeface="Arial" panose="020B0604020202020204" pitchFamily="34" charset="0"/>
-                  </a:rPr>
-                  <a:t> data points.</a:t>
+                  <a:t>Where M, as defined previously, is the number of past data points.</a:t>
                 </a:r>
               </a:p>
               <a:p>
                 <a:pPr algn="just"/>
                 <a:r>
-                  <a:rPr lang="it-IT" sz="2400" dirty="0">
+                  <a:rPr lang="en-GB" sz="2400" noProof="0" dirty="0">
                     <a:latin typeface="Arial" panose="020B0604020202020204" pitchFamily="34" charset="0"/>
                     <a:cs typeface="Arial" panose="020B0604020202020204" pitchFamily="34" charset="0"/>
                   </a:rPr>
-                  <a:t>The cost </a:t>
+                  <a:t>The cost function J can now be rewritten as</a:t>
                 </a:r>
-                <a:r>
-                  <a:rPr lang="it-IT" sz="2400" dirty="0" err="1">
-                    <a:latin typeface="Arial" panose="020B0604020202020204" pitchFamily="34" charset="0"/>
-                    <a:cs typeface="Arial" panose="020B0604020202020204" pitchFamily="34" charset="0"/>
-                  </a:rPr>
-                  <a:t>function</a:t>
-                </a:r>
-                <a:r>
-                  <a:rPr lang="it-IT" sz="2400" dirty="0">
-                    <a:latin typeface="Arial" panose="020B0604020202020204" pitchFamily="34" charset="0"/>
-                    <a:cs typeface="Arial" panose="020B0604020202020204" pitchFamily="34" charset="0"/>
-                  </a:rPr>
-                  <a:t> J can </a:t>
-                </a:r>
-                <a:r>
-                  <a:rPr lang="it-IT" sz="2400" dirty="0" err="1">
-                    <a:latin typeface="Arial" panose="020B0604020202020204" pitchFamily="34" charset="0"/>
-                    <a:cs typeface="Arial" panose="020B0604020202020204" pitchFamily="34" charset="0"/>
-                  </a:rPr>
-                  <a:t>now</a:t>
-                </a:r>
-                <a:r>
-                  <a:rPr lang="it-IT" sz="2400" dirty="0">
-                    <a:latin typeface="Arial" panose="020B0604020202020204" pitchFamily="34" charset="0"/>
-                    <a:cs typeface="Arial" panose="020B0604020202020204" pitchFamily="34" charset="0"/>
-                  </a:rPr>
-                  <a:t> be </a:t>
-                </a:r>
-                <a:r>
-                  <a:rPr lang="it-IT" sz="2400" dirty="0" err="1">
-                    <a:latin typeface="Arial" panose="020B0604020202020204" pitchFamily="34" charset="0"/>
-                    <a:cs typeface="Arial" panose="020B0604020202020204" pitchFamily="34" charset="0"/>
-                  </a:rPr>
-                  <a:t>rewritten</a:t>
-                </a:r>
-                <a:r>
-                  <a:rPr lang="it-IT" sz="2400" dirty="0">
-                    <a:latin typeface="Arial" panose="020B0604020202020204" pitchFamily="34" charset="0"/>
-                    <a:cs typeface="Arial" panose="020B0604020202020204" pitchFamily="34" charset="0"/>
-                  </a:rPr>
-                  <a:t> </a:t>
-                </a:r>
-                <a:r>
-                  <a:rPr lang="it-IT" sz="2400" dirty="0" err="1">
-                    <a:latin typeface="Arial" panose="020B0604020202020204" pitchFamily="34" charset="0"/>
-                    <a:cs typeface="Arial" panose="020B0604020202020204" pitchFamily="34" charset="0"/>
-                  </a:rPr>
-                  <a:t>as</a:t>
-                </a:r>
-                <a:endParaRPr lang="it-IT" sz="2400" dirty="0">
-                  <a:latin typeface="Arial" panose="020B0604020202020204" pitchFamily="34" charset="0"/>
-                  <a:cs typeface="Arial" panose="020B0604020202020204" pitchFamily="34" charset="0"/>
-                </a:endParaRPr>
               </a:p>
               <a:p>
                 <a:pPr algn="just"/>
-                <a:endParaRPr lang="it-IT" sz="2400" dirty="0">
+                <a:endParaRPr lang="en-GB" sz="2400" noProof="0" dirty="0">
                   <a:latin typeface="Arial" panose="020B0604020202020204" pitchFamily="34" charset="0"/>
                   <a:cs typeface="Arial" panose="020B0604020202020204" pitchFamily="34" charset="0"/>
                 </a:endParaRPr>
@@ -6728,14 +5571,14 @@
                     </m:oMathParaPr>
                     <m:oMath xmlns:m="http://schemas.openxmlformats.org/officeDocument/2006/math">
                       <m:r>
-                        <a:rPr lang="it-IT" sz="2000" b="0" i="1" smtClean="0">
+                        <a:rPr lang="en-GB" sz="2000" b="0" i="1" noProof="0" smtClean="0">
                           <a:latin typeface="Cambria Math" panose="02040503050406030204" pitchFamily="18" charset="0"/>
                           <a:cs typeface="Arial" panose="020B0604020202020204" pitchFamily="34" charset="0"/>
                         </a:rPr>
                         <m:t>𝐽</m:t>
                       </m:r>
                       <m:r>
-                        <a:rPr lang="it-IT" sz="2000" b="0" i="1" smtClean="0">
+                        <a:rPr lang="en-GB" sz="2000" b="0" i="1" noProof="0" smtClean="0">
                           <a:latin typeface="Cambria Math" panose="02040503050406030204" pitchFamily="18" charset="0"/>
                           <a:cs typeface="Arial" panose="020B0604020202020204" pitchFamily="34" charset="0"/>
                         </a:rPr>
@@ -6744,7 +5587,7 @@
                       <m:sSup>
                         <m:sSupPr>
                           <m:ctrlPr>
-                            <a:rPr lang="it-IT" sz="2000" b="0" i="1" smtClean="0">
+                            <a:rPr lang="en-GB" sz="2000" b="0" i="1" noProof="0" smtClean="0">
                               <a:latin typeface="Cambria Math" panose="02040503050406030204" pitchFamily="18" charset="0"/>
                               <a:cs typeface="Arial" panose="020B0604020202020204" pitchFamily="34" charset="0"/>
                             </a:rPr>
@@ -6752,7 +5595,7 @@
                         </m:sSupPr>
                         <m:e>
                           <m:r>
-                            <a:rPr lang="it-IT" sz="2000" b="0" i="1" smtClean="0">
+                            <a:rPr lang="en-GB" sz="2000" b="0" i="1" noProof="0" smtClean="0">
                               <a:latin typeface="Cambria Math" panose="02040503050406030204" pitchFamily="18" charset="0"/>
                               <a:cs typeface="Arial" panose="020B0604020202020204" pitchFamily="34" charset="0"/>
                             </a:rPr>
@@ -6761,7 +5604,7 @@
                           <m:sSubSup>
                             <m:sSubSupPr>
                               <m:ctrlPr>
-                                <a:rPr lang="it-IT" sz="2000" b="0" i="1" smtClean="0">
+                                <a:rPr lang="en-GB" sz="2000" b="0" i="1" noProof="0" smtClean="0">
                                   <a:latin typeface="Cambria Math" panose="02040503050406030204" pitchFamily="18" charset="0"/>
                                   <a:cs typeface="Arial" panose="020B0604020202020204" pitchFamily="34" charset="0"/>
                                 </a:rPr>
@@ -6769,7 +5612,7 @@
                             </m:sSubSupPr>
                             <m:e>
                               <m:r>
-                                <a:rPr lang="it-IT" sz="2000" b="0" i="1" smtClean="0">
+                                <a:rPr lang="en-GB" sz="2000" b="0" i="1" noProof="0" smtClean="0">
                                   <a:latin typeface="Cambria Math" panose="02040503050406030204" pitchFamily="18" charset="0"/>
                                   <a:cs typeface="Arial" panose="020B0604020202020204" pitchFamily="34" charset="0"/>
                                 </a:rPr>
@@ -6778,7 +5621,7 @@
                             </m:e>
                             <m:sub>
                               <m:r>
-                                <a:rPr lang="it-IT" sz="1600" b="0" i="1" smtClean="0">
+                                <a:rPr lang="en-GB" sz="1600" b="0" i="1" noProof="0" smtClean="0">
                                   <a:latin typeface="Cambria Math" panose="02040503050406030204" pitchFamily="18" charset="0"/>
                                 </a:rPr>
                                 <m:t>𝑤</m:t>
@@ -6789,14 +5632,14 @@
                           <m:sSubSup>
                             <m:sSubSupPr>
                               <m:ctrlPr>
-                                <a:rPr lang="it-IT" sz="1600" i="1" smtClean="0">
+                                <a:rPr lang="en-GB" sz="1600" i="1" noProof="0" smtClean="0">
                                   <a:latin typeface="Cambria Math" panose="02040503050406030204" pitchFamily="18" charset="0"/>
                                 </a:rPr>
                               </m:ctrlPr>
                             </m:sSubSupPr>
                             <m:e>
                               <m:r>
-                                <a:rPr lang="it-IT" sz="1600" b="0" i="1" smtClean="0">
+                                <a:rPr lang="en-GB" sz="1600" b="0" i="1" noProof="0" smtClean="0">
                                   <a:latin typeface="Cambria Math" panose="02040503050406030204" pitchFamily="18" charset="0"/>
                                 </a:rPr>
                                 <m:t>𝑤</m:t>
@@ -6804,7 +5647,7 @@
                             </m:e>
                             <m:sub>
                               <m:r>
-                                <a:rPr lang="it-IT" sz="1600" b="0" i="1" smtClean="0">
+                                <a:rPr lang="en-GB" sz="1600" b="0" i="1" noProof="0" smtClean="0">
                                   <a:latin typeface="Cambria Math" panose="02040503050406030204" pitchFamily="18" charset="0"/>
                                 </a:rPr>
                                 <m:t>𝑝</m:t>
@@ -6813,7 +5656,7 @@
                             <m:sup/>
                           </m:sSubSup>
                           <m:r>
-                            <a:rPr lang="it-IT" sz="1600" b="0" i="1" smtClean="0">
+                            <a:rPr lang="en-GB" sz="1600" b="0" i="1" noProof="0" smtClean="0">
                               <a:latin typeface="Cambria Math" panose="02040503050406030204" pitchFamily="18" charset="0"/>
                             </a:rPr>
                             <m:t>+</m:t>
@@ -6821,14 +5664,14 @@
                           <m:sSubSup>
                             <m:sSubSupPr>
                               <m:ctrlPr>
-                                <a:rPr lang="it-IT" sz="1600" b="0" i="1" smtClean="0">
+                                <a:rPr lang="en-GB" sz="1600" b="0" i="1" noProof="0" smtClean="0">
                                   <a:latin typeface="Cambria Math" panose="02040503050406030204" pitchFamily="18" charset="0"/>
                                 </a:rPr>
                               </m:ctrlPr>
                             </m:sSubSupPr>
                             <m:e>
                               <m:r>
-                                <a:rPr lang="it-IT" sz="1600" b="0" i="1" smtClean="0">
+                                <a:rPr lang="en-GB" sz="1600" b="0" i="1" noProof="0" smtClean="0">
                                   <a:latin typeface="Cambria Math" panose="02040503050406030204" pitchFamily="18" charset="0"/>
                                 </a:rPr>
                                 <m:t>𝐿</m:t>
@@ -6836,7 +5679,7 @@
                             </m:e>
                             <m:sub>
                               <m:r>
-                                <a:rPr lang="it-IT" sz="1600" b="0" i="1" smtClean="0">
+                                <a:rPr lang="en-GB" sz="1600" b="0" i="1" noProof="0" smtClean="0">
                                   <a:latin typeface="Cambria Math" panose="02040503050406030204" pitchFamily="18" charset="0"/>
                                 </a:rPr>
                                 <m:t>𝑢</m:t>
@@ -6847,14 +5690,14 @@
                           <m:sSubSup>
                             <m:sSubSupPr>
                               <m:ctrlPr>
-                                <a:rPr lang="it-IT" sz="1600" i="1" smtClean="0">
+                                <a:rPr lang="en-GB" sz="1600" i="1" noProof="0" smtClean="0">
                                   <a:latin typeface="Cambria Math" panose="02040503050406030204" pitchFamily="18" charset="0"/>
                                 </a:rPr>
                               </m:ctrlPr>
                             </m:sSubSupPr>
                             <m:e>
                               <m:r>
-                                <a:rPr lang="it-IT" sz="1600" b="0" i="1" smtClean="0">
+                                <a:rPr lang="en-GB" sz="1600" b="0" i="1" noProof="0" smtClean="0">
                                   <a:latin typeface="Cambria Math" panose="02040503050406030204" pitchFamily="18" charset="0"/>
                                 </a:rPr>
                                 <m:t>𝑢</m:t>
@@ -6862,7 +5705,7 @@
                             </m:e>
                             <m:sub>
                               <m:r>
-                                <a:rPr lang="it-IT" sz="1600" b="0" i="1" smtClean="0">
+                                <a:rPr lang="en-GB" sz="1600" b="0" i="1" noProof="0" smtClean="0">
                                   <a:latin typeface="Cambria Math" panose="02040503050406030204" pitchFamily="18" charset="0"/>
                                 </a:rPr>
                                 <m:t>𝑓</m:t>
@@ -6871,7 +5714,7 @@
                             <m:sup/>
                           </m:sSubSup>
                           <m:r>
-                            <a:rPr lang="it-IT" sz="1600" b="0" i="1" smtClean="0">
+                            <a:rPr lang="en-GB" sz="1600" b="0" i="1" noProof="0" smtClean="0">
                               <a:latin typeface="Cambria Math" panose="02040503050406030204" pitchFamily="18" charset="0"/>
                             </a:rPr>
                             <m:t>−</m:t>
@@ -6879,14 +5722,14 @@
                           <m:sSubSup>
                             <m:sSubSupPr>
                               <m:ctrlPr>
-                                <a:rPr lang="it-IT" sz="1600" b="0" i="1" smtClean="0">
+                                <a:rPr lang="en-GB" sz="1600" b="0" i="1" noProof="0" smtClean="0">
                                   <a:latin typeface="Cambria Math" panose="02040503050406030204" pitchFamily="18" charset="0"/>
                                 </a:rPr>
                               </m:ctrlPr>
                             </m:sSubSupPr>
                             <m:e>
                               <m:r>
-                                <a:rPr lang="it-IT" sz="1600" b="0" i="1" smtClean="0">
+                                <a:rPr lang="en-GB" sz="1600" b="0" i="1" noProof="0" smtClean="0">
                                   <a:latin typeface="Cambria Math" panose="02040503050406030204" pitchFamily="18" charset="0"/>
                                 </a:rPr>
                                 <m:t>𝑟</m:t>
@@ -6894,7 +5737,7 @@
                             </m:e>
                             <m:sub>
                               <m:r>
-                                <a:rPr lang="it-IT" sz="1600" b="0" i="1" smtClean="0">
+                                <a:rPr lang="en-GB" sz="1600" b="0" i="1" noProof="0" smtClean="0">
                                   <a:latin typeface="Cambria Math" panose="02040503050406030204" pitchFamily="18" charset="0"/>
                                 </a:rPr>
                                 <m:t>𝑓</m:t>
@@ -6903,7 +5746,7 @@
                             <m:sup/>
                           </m:sSubSup>
                           <m:r>
-                            <a:rPr lang="it-IT" sz="2000" b="0" i="1" smtClean="0">
+                            <a:rPr lang="en-GB" sz="2000" b="0" i="1" noProof="0" smtClean="0">
                               <a:latin typeface="Cambria Math" panose="02040503050406030204" pitchFamily="18" charset="0"/>
                               <a:cs typeface="Arial" panose="020B0604020202020204" pitchFamily="34" charset="0"/>
                             </a:rPr>
@@ -6912,7 +5755,7 @@
                         </m:e>
                         <m:sup>
                           <m:r>
-                            <a:rPr lang="it-IT" sz="2000" b="0" i="1" smtClean="0">
+                            <a:rPr lang="en-GB" sz="2000" b="0" i="1" noProof="0" smtClean="0">
                               <a:latin typeface="Cambria Math" panose="02040503050406030204" pitchFamily="18" charset="0"/>
                               <a:cs typeface="Arial" panose="020B0604020202020204" pitchFamily="34" charset="0"/>
                             </a:rPr>
@@ -6921,14 +5764,14 @@
                         </m:sup>
                       </m:sSup>
                       <m:r>
-                        <a:rPr lang="it-IT" sz="2000" b="0" i="1" smtClean="0">
+                        <a:rPr lang="en-GB" sz="2000" b="0" i="1" noProof="0" smtClean="0">
                           <a:latin typeface="Cambria Math" panose="02040503050406030204" pitchFamily="18" charset="0"/>
                           <a:cs typeface="Arial" panose="020B0604020202020204" pitchFamily="34" charset="0"/>
                         </a:rPr>
                         <m:t>𝑄</m:t>
                       </m:r>
                       <m:r>
-                        <a:rPr lang="it-IT" sz="2000" b="0" i="1" smtClean="0">
+                        <a:rPr lang="en-GB" sz="2000" b="0" i="1" noProof="0" smtClean="0">
                           <a:latin typeface="Cambria Math" panose="02040503050406030204" pitchFamily="18" charset="0"/>
                           <a:cs typeface="Arial" panose="020B0604020202020204" pitchFamily="34" charset="0"/>
                         </a:rPr>
@@ -6937,7 +5780,7 @@
                       <m:sSubSup>
                         <m:sSubSupPr>
                           <m:ctrlPr>
-                            <a:rPr lang="it-IT" sz="2800" b="0" i="1" smtClean="0">
+                            <a:rPr lang="en-GB" sz="2800" b="0" i="1" noProof="0" smtClean="0">
                               <a:latin typeface="Cambria Math" panose="02040503050406030204" pitchFamily="18" charset="0"/>
                               <a:cs typeface="Arial" panose="020B0604020202020204" pitchFamily="34" charset="0"/>
                             </a:rPr>
@@ -6945,7 +5788,7 @@
                         </m:sSubSupPr>
                         <m:e>
                           <m:r>
-                            <a:rPr lang="it-IT" sz="2800" b="0" i="1" smtClean="0">
+                            <a:rPr lang="en-GB" sz="2800" b="0" i="1" noProof="0" smtClean="0">
                               <a:latin typeface="Cambria Math" panose="02040503050406030204" pitchFamily="18" charset="0"/>
                               <a:cs typeface="Arial" panose="020B0604020202020204" pitchFamily="34" charset="0"/>
                             </a:rPr>
@@ -6954,7 +5797,7 @@
                         </m:e>
                         <m:sub>
                           <m:r>
-                            <a:rPr lang="it-IT" sz="2000" b="0" i="1" smtClean="0">
+                            <a:rPr lang="en-GB" sz="2000" b="0" i="1" noProof="0" smtClean="0">
                               <a:latin typeface="Cambria Math" panose="02040503050406030204" pitchFamily="18" charset="0"/>
                             </a:rPr>
                             <m:t>𝑤</m:t>
@@ -6965,14 +5808,14 @@
                       <m:sSubSup>
                         <m:sSubSupPr>
                           <m:ctrlPr>
-                            <a:rPr lang="it-IT" sz="2000" i="1" smtClean="0">
+                            <a:rPr lang="en-GB" sz="2000" i="1" noProof="0" smtClean="0">
                               <a:latin typeface="Cambria Math" panose="02040503050406030204" pitchFamily="18" charset="0"/>
                             </a:rPr>
                           </m:ctrlPr>
                         </m:sSubSupPr>
                         <m:e>
                           <m:r>
-                            <a:rPr lang="it-IT" sz="2000" b="0" i="1" smtClean="0">
+                            <a:rPr lang="en-GB" sz="2000" b="0" i="1" noProof="0" smtClean="0">
                               <a:latin typeface="Cambria Math" panose="02040503050406030204" pitchFamily="18" charset="0"/>
                             </a:rPr>
                             <m:t>𝑤</m:t>
@@ -6980,7 +5823,7 @@
                         </m:e>
                         <m:sub>
                           <m:r>
-                            <a:rPr lang="it-IT" sz="2000" b="0" i="1" smtClean="0">
+                            <a:rPr lang="en-GB" sz="2000" b="0" i="1" noProof="0" smtClean="0">
                               <a:latin typeface="Cambria Math" panose="02040503050406030204" pitchFamily="18" charset="0"/>
                             </a:rPr>
                             <m:t>𝑝</m:t>
@@ -6989,7 +5832,7 @@
                         <m:sup/>
                       </m:sSubSup>
                       <m:r>
-                        <a:rPr lang="it-IT" sz="2000" b="0" i="1" smtClean="0">
+                        <a:rPr lang="en-GB" sz="2000" b="0" i="1" noProof="0" smtClean="0">
                           <a:latin typeface="Cambria Math" panose="02040503050406030204" pitchFamily="18" charset="0"/>
                         </a:rPr>
                         <m:t>+</m:t>
@@ -6997,14 +5840,14 @@
                       <m:sSubSup>
                         <m:sSubSupPr>
                           <m:ctrlPr>
-                            <a:rPr lang="it-IT" sz="2000" b="0" i="1" smtClean="0">
+                            <a:rPr lang="en-GB" sz="2000" b="0" i="1" noProof="0" smtClean="0">
                               <a:latin typeface="Cambria Math" panose="02040503050406030204" pitchFamily="18" charset="0"/>
                             </a:rPr>
                           </m:ctrlPr>
                         </m:sSubSupPr>
                         <m:e>
                           <m:r>
-                            <a:rPr lang="it-IT" sz="2000" b="0" i="1" smtClean="0">
+                            <a:rPr lang="en-GB" sz="2000" b="0" i="1" noProof="0" smtClean="0">
                               <a:latin typeface="Cambria Math" panose="02040503050406030204" pitchFamily="18" charset="0"/>
                             </a:rPr>
                             <m:t>𝐿</m:t>
@@ -7012,7 +5855,7 @@
                         </m:e>
                         <m:sub>
                           <m:r>
-                            <a:rPr lang="it-IT" sz="2000" b="0" i="1" smtClean="0">
+                            <a:rPr lang="en-GB" sz="2000" b="0" i="1" noProof="0" smtClean="0">
                               <a:latin typeface="Cambria Math" panose="02040503050406030204" pitchFamily="18" charset="0"/>
                             </a:rPr>
                             <m:t>𝑢</m:t>
@@ -7023,14 +5866,14 @@
                       <m:sSubSup>
                         <m:sSubSupPr>
                           <m:ctrlPr>
-                            <a:rPr lang="it-IT" sz="2000" i="1" smtClean="0">
+                            <a:rPr lang="en-GB" sz="2000" i="1" noProof="0" smtClean="0">
                               <a:latin typeface="Cambria Math" panose="02040503050406030204" pitchFamily="18" charset="0"/>
                             </a:rPr>
                           </m:ctrlPr>
                         </m:sSubSupPr>
                         <m:e>
                           <m:r>
-                            <a:rPr lang="it-IT" sz="2000" b="0" i="1" smtClean="0">
+                            <a:rPr lang="en-GB" sz="2000" b="0" i="1" noProof="0" smtClean="0">
                               <a:latin typeface="Cambria Math" panose="02040503050406030204" pitchFamily="18" charset="0"/>
                             </a:rPr>
                             <m:t>𝑢</m:t>
@@ -7038,7 +5881,7 @@
                         </m:e>
                         <m:sub>
                           <m:r>
-                            <a:rPr lang="it-IT" sz="2000" b="0" i="1" smtClean="0">
+                            <a:rPr lang="en-GB" sz="2000" b="0" i="1" noProof="0" smtClean="0">
                               <a:latin typeface="Cambria Math" panose="02040503050406030204" pitchFamily="18" charset="0"/>
                             </a:rPr>
                             <m:t>𝑓</m:t>
@@ -7047,7 +5890,7 @@
                         <m:sup/>
                       </m:sSubSup>
                       <m:r>
-                        <a:rPr lang="it-IT" sz="2000" b="0" i="1" smtClean="0">
+                        <a:rPr lang="en-GB" sz="2000" b="0" i="1" noProof="0" smtClean="0">
                           <a:latin typeface="Cambria Math" panose="02040503050406030204" pitchFamily="18" charset="0"/>
                         </a:rPr>
                         <m:t>−</m:t>
@@ -7055,14 +5898,14 @@
                       <m:sSubSup>
                         <m:sSubSupPr>
                           <m:ctrlPr>
-                            <a:rPr lang="it-IT" sz="2000" b="0" i="1" smtClean="0">
+                            <a:rPr lang="en-GB" sz="2000" b="0" i="1" noProof="0" smtClean="0">
                               <a:latin typeface="Cambria Math" panose="02040503050406030204" pitchFamily="18" charset="0"/>
                             </a:rPr>
                           </m:ctrlPr>
                         </m:sSubSupPr>
                         <m:e>
                           <m:r>
-                            <a:rPr lang="it-IT" sz="2000" b="0" i="1" smtClean="0">
+                            <a:rPr lang="en-GB" sz="2000" b="0" i="1" noProof="0" smtClean="0">
                               <a:latin typeface="Cambria Math" panose="02040503050406030204" pitchFamily="18" charset="0"/>
                             </a:rPr>
                             <m:t>𝑟</m:t>
@@ -7070,7 +5913,7 @@
                         </m:e>
                         <m:sub>
                           <m:r>
-                            <a:rPr lang="it-IT" sz="2000" b="0" i="1" smtClean="0">
+                            <a:rPr lang="en-GB" sz="2000" b="0" i="1" noProof="0" smtClean="0">
                               <a:latin typeface="Cambria Math" panose="02040503050406030204" pitchFamily="18" charset="0"/>
                             </a:rPr>
                             <m:t>𝑓</m:t>
@@ -7079,7 +5922,7 @@
                         <m:sup/>
                       </m:sSubSup>
                       <m:r>
-                        <a:rPr lang="it-IT" sz="2000" b="0" i="1" smtClean="0">
+                        <a:rPr lang="en-GB" sz="2000" b="0" i="1" noProof="0" smtClean="0">
                           <a:latin typeface="Cambria Math" panose="02040503050406030204" pitchFamily="18" charset="0"/>
                           <a:cs typeface="Arial" panose="020B0604020202020204" pitchFamily="34" charset="0"/>
                         </a:rPr>
@@ -7088,7 +5931,7 @@
                       <m:sSubSup>
                         <m:sSubSupPr>
                           <m:ctrlPr>
-                            <a:rPr lang="it-IT" sz="2000" b="0" i="1" smtClean="0">
+                            <a:rPr lang="en-GB" sz="2000" b="0" i="1" noProof="0" smtClean="0">
                               <a:latin typeface="Cambria Math" panose="02040503050406030204" pitchFamily="18" charset="0"/>
                               <a:cs typeface="Arial" panose="020B0604020202020204" pitchFamily="34" charset="0"/>
                             </a:rPr>
@@ -7096,7 +5939,7 @@
                         </m:sSubSupPr>
                         <m:e>
                           <m:r>
-                            <a:rPr lang="it-IT" sz="2000" b="0" i="1" smtClean="0">
+                            <a:rPr lang="en-GB" sz="2000" b="0" i="1" noProof="0" smtClean="0">
                               <a:latin typeface="Cambria Math" panose="02040503050406030204" pitchFamily="18" charset="0"/>
                               <a:cs typeface="Arial" panose="020B0604020202020204" pitchFamily="34" charset="0"/>
                             </a:rPr>
@@ -7105,7 +5948,7 @@
                         </m:e>
                         <m:sub>
                           <m:r>
-                            <a:rPr lang="it-IT" sz="2000" b="0" i="1" smtClean="0">
+                            <a:rPr lang="en-GB" sz="2000" b="0" i="1" noProof="0" smtClean="0">
                               <a:latin typeface="Cambria Math" panose="02040503050406030204" pitchFamily="18" charset="0"/>
                               <a:cs typeface="Arial" panose="020B0604020202020204" pitchFamily="34" charset="0"/>
                             </a:rPr>
@@ -7114,7 +5957,7 @@
                         </m:sub>
                         <m:sup>
                           <m:r>
-                            <a:rPr lang="it-IT" sz="2000" b="0" i="1" smtClean="0">
+                            <a:rPr lang="en-GB" sz="2000" b="0" i="1" noProof="0" smtClean="0">
                               <a:latin typeface="Cambria Math" panose="02040503050406030204" pitchFamily="18" charset="0"/>
                               <a:cs typeface="Arial" panose="020B0604020202020204" pitchFamily="34" charset="0"/>
                             </a:rPr>
@@ -7123,7 +5966,7 @@
                         </m:sup>
                       </m:sSubSup>
                       <m:r>
-                        <a:rPr lang="it-IT" sz="2000" b="0" i="1" smtClean="0">
+                        <a:rPr lang="en-GB" sz="2000" b="0" i="1" noProof="0" smtClean="0">
                           <a:latin typeface="Cambria Math" panose="02040503050406030204" pitchFamily="18" charset="0"/>
                           <a:cs typeface="Arial" panose="020B0604020202020204" pitchFamily="34" charset="0"/>
                         </a:rPr>
@@ -7132,7 +5975,7 @@
                       <m:sSub>
                         <m:sSubPr>
                           <m:ctrlPr>
-                            <a:rPr lang="it-IT" sz="2000" b="0" i="1" smtClean="0">
+                            <a:rPr lang="en-GB" sz="2000" b="0" i="1" noProof="0" smtClean="0">
                               <a:latin typeface="Cambria Math" panose="02040503050406030204" pitchFamily="18" charset="0"/>
                               <a:cs typeface="Arial" panose="020B0604020202020204" pitchFamily="34" charset="0"/>
                             </a:rPr>
@@ -7140,7 +5983,7 @@
                         </m:sSubPr>
                         <m:e>
                           <m:r>
-                            <a:rPr lang="it-IT" sz="2000" b="0" i="1" smtClean="0">
+                            <a:rPr lang="en-GB" sz="2000" b="0" i="1" noProof="0" smtClean="0">
                               <a:latin typeface="Cambria Math" panose="02040503050406030204" pitchFamily="18" charset="0"/>
                               <a:cs typeface="Arial" panose="020B0604020202020204" pitchFamily="34" charset="0"/>
                             </a:rPr>
@@ -7149,7 +5992,7 @@
                         </m:e>
                         <m:sub>
                           <m:r>
-                            <a:rPr lang="it-IT" sz="2000" b="0" i="1" smtClean="0">
+                            <a:rPr lang="en-GB" sz="2000" b="0" i="1" noProof="0" smtClean="0">
                               <a:latin typeface="Cambria Math" panose="02040503050406030204" pitchFamily="18" charset="0"/>
                               <a:cs typeface="Arial" panose="020B0604020202020204" pitchFamily="34" charset="0"/>
                             </a:rPr>
@@ -7160,14 +6003,14 @@
                     </m:oMath>
                   </m:oMathPara>
                 </a14:m>
-                <a:endParaRPr lang="it-IT" sz="2800" dirty="0">
+                <a:endParaRPr lang="en-GB" sz="2800" noProof="0" dirty="0">
                   <a:latin typeface="Arial" panose="020B0604020202020204" pitchFamily="34" charset="0"/>
                   <a:cs typeface="Arial" panose="020B0604020202020204" pitchFamily="34" charset="0"/>
                 </a:endParaRPr>
               </a:p>
               <a:p>
                 <a:pPr algn="just"/>
-                <a:endParaRPr lang="it-IT" sz="2400" dirty="0">
+                <a:endParaRPr lang="en-GB" sz="2400" noProof="0" dirty="0">
                   <a:latin typeface="Arial" panose="020B0604020202020204" pitchFamily="34" charset="0"/>
                   <a:cs typeface="Arial" panose="020B0604020202020204" pitchFamily="34" charset="0"/>
                 </a:endParaRPr>
@@ -7286,17 +6129,8 @@
               <a:rPr lang="en-GB" noProof="0" dirty="0">
                 <a:latin typeface="Arial Black" panose="020B0A04020102020204" pitchFamily="34" charset="0"/>
               </a:rPr>
-              <a:t>Proposed solution – Control</a:t>
-            </a:r>
-            <a:r>
-              <a:rPr lang="en-GB" dirty="0">
-                <a:latin typeface="Arial Black" panose="020B0A04020102020204" pitchFamily="34" charset="0"/>
-              </a:rPr>
-              <a:t> step 2</a:t>
-            </a:r>
-            <a:endParaRPr lang="en-GB" noProof="0" dirty="0">
-              <a:latin typeface="Arial Black" panose="020B0A04020102020204" pitchFamily="34" charset="0"/>
-            </a:endParaRPr>
+              <a:t>Proposed solution – Control step 2</a:t>
+            </a:r>
           </a:p>
         </p:txBody>
       </p:sp>
@@ -7332,49 +6166,21 @@
               <a:p>
                 <a:pPr algn="just"/>
                 <a:r>
-                  <a:rPr lang="it-IT" sz="2400" dirty="0">
+                  <a:rPr lang="en-GB" sz="2400" noProof="0" dirty="0">
                     <a:latin typeface="Arial" panose="020B0604020202020204" pitchFamily="34" charset="0"/>
                     <a:cs typeface="Arial" panose="020B0604020202020204" pitchFamily="34" charset="0"/>
                   </a:rPr>
-                  <a:t>Now, </a:t>
+                  <a:t>Now, we can implement the first </a:t>
                 </a:r>
                 <a:r>
-                  <a:rPr lang="it-IT" sz="2400" dirty="0" err="1">
-                    <a:latin typeface="Arial" panose="020B0604020202020204" pitchFamily="34" charset="0"/>
-                    <a:cs typeface="Arial" panose="020B0604020202020204" pitchFamily="34" charset="0"/>
-                  </a:rPr>
-                  <a:t>we</a:t>
-                </a:r>
-                <a:r>
-                  <a:rPr lang="it-IT" sz="2400" dirty="0">
-                    <a:latin typeface="Arial" panose="020B0604020202020204" pitchFamily="34" charset="0"/>
-                    <a:cs typeface="Arial" panose="020B0604020202020204" pitchFamily="34" charset="0"/>
-                  </a:rPr>
-                  <a:t> can </a:t>
-                </a:r>
-                <a:r>
-                  <a:rPr lang="it-IT" sz="2400" dirty="0" err="1">
-                    <a:latin typeface="Arial" panose="020B0604020202020204" pitchFamily="34" charset="0"/>
-                    <a:cs typeface="Arial" panose="020B0604020202020204" pitchFamily="34" charset="0"/>
-                  </a:rPr>
-                  <a:t>implement</a:t>
-                </a:r>
-                <a:r>
-                  <a:rPr lang="it-IT" sz="2400" dirty="0">
-                    <a:latin typeface="Arial" panose="020B0604020202020204" pitchFamily="34" charset="0"/>
-                    <a:cs typeface="Arial" panose="020B0604020202020204" pitchFamily="34" charset="0"/>
-                  </a:rPr>
-                  <a:t> the first </a:t>
-                </a:r>
-                <a:r>
-                  <a:rPr lang="it-IT" sz="2400" dirty="0" err="1">
+                  <a:rPr lang="en-GB" sz="2400" noProof="0" dirty="0" err="1">
                     <a:latin typeface="Arial" panose="020B0604020202020204" pitchFamily="34" charset="0"/>
                     <a:cs typeface="Arial" panose="020B0604020202020204" pitchFamily="34" charset="0"/>
                   </a:rPr>
                   <a:t>imput</a:t>
                 </a:r>
                 <a:r>
-                  <a:rPr lang="it-IT" sz="2400" dirty="0">
+                  <a:rPr lang="en-GB" sz="2400" noProof="0" dirty="0">
                     <a:latin typeface="Arial" panose="020B0604020202020204" pitchFamily="34" charset="0"/>
                     <a:cs typeface="Arial" panose="020B0604020202020204" pitchFamily="34" charset="0"/>
                   </a:rPr>
@@ -7385,7 +6191,7 @@
                     <m:sSub>
                       <m:sSubPr>
                         <m:ctrlPr>
-                          <a:rPr lang="it-IT" sz="2400" i="1" noProof="0" smtClean="0">
+                          <a:rPr lang="en-GB" sz="2400" i="1" noProof="0" smtClean="0">
                             <a:latin typeface="Cambria Math" panose="02040503050406030204" pitchFamily="18" charset="0"/>
                             <a:cs typeface="Arial" panose="020B0604020202020204" pitchFamily="34" charset="0"/>
                           </a:rPr>
@@ -7393,7 +6199,7 @@
                       </m:sSubPr>
                       <m:e>
                         <m:r>
-                          <a:rPr lang="it-IT" sz="2400" b="0" i="1" noProof="0" smtClean="0">
+                          <a:rPr lang="en-GB" sz="2400" b="0" i="1" noProof="0" smtClean="0">
                             <a:latin typeface="Cambria Math" panose="02040503050406030204" pitchFamily="18" charset="0"/>
                             <a:cs typeface="Arial" panose="020B0604020202020204" pitchFamily="34" charset="0"/>
                           </a:rPr>
@@ -7402,7 +6208,7 @@
                       </m:e>
                       <m:sub>
                         <m:r>
-                          <a:rPr lang="it-IT" sz="2400" b="0" i="1" noProof="0" smtClean="0">
+                          <a:rPr lang="en-GB" sz="2400" b="0" i="1" noProof="0" smtClean="0">
                             <a:latin typeface="Cambria Math" panose="02040503050406030204" pitchFamily="18" charset="0"/>
                             <a:cs typeface="Arial" panose="020B0604020202020204" pitchFamily="34" charset="0"/>
                           </a:rPr>
@@ -7413,7 +6219,7 @@
                   </m:oMath>
                 </a14:m>
                 <a:r>
-                  <a:rPr lang="it-IT" sz="2400" dirty="0">
+                  <a:rPr lang="en-GB" sz="2400" noProof="0" dirty="0">
                     <a:latin typeface="Arial" panose="020B0604020202020204" pitchFamily="34" charset="0"/>
                     <a:cs typeface="Arial" panose="020B0604020202020204" pitchFamily="34" charset="0"/>
                   </a:rPr>
@@ -7424,7 +6230,7 @@
                     <m:sSub>
                       <m:sSubPr>
                         <m:ctrlPr>
-                          <a:rPr lang="it-IT" sz="2400" i="1" noProof="0" smtClean="0">
+                          <a:rPr lang="en-GB" sz="2400" i="1" noProof="0" smtClean="0">
                             <a:latin typeface="Cambria Math" panose="02040503050406030204" pitchFamily="18" charset="0"/>
                             <a:cs typeface="Arial" panose="020B0604020202020204" pitchFamily="34" charset="0"/>
                           </a:rPr>
@@ -7432,7 +6238,7 @@
                       </m:sSubPr>
                       <m:e>
                         <m:r>
-                          <a:rPr lang="it-IT" sz="2400" b="0" i="1" noProof="0" smtClean="0">
+                          <a:rPr lang="en-GB" sz="2400" b="0" i="1" noProof="0" smtClean="0">
                             <a:latin typeface="Cambria Math" panose="02040503050406030204" pitchFamily="18" charset="0"/>
                             <a:cs typeface="Arial" panose="020B0604020202020204" pitchFamily="34" charset="0"/>
                           </a:rPr>
@@ -7441,7 +6247,7 @@
                       </m:e>
                       <m:sub>
                         <m:r>
-                          <a:rPr lang="it-IT" sz="2400" b="0" i="1" noProof="0" smtClean="0">
+                          <a:rPr lang="en-GB" sz="2400" b="0" i="1" noProof="0" smtClean="0">
                             <a:latin typeface="Cambria Math" panose="02040503050406030204" pitchFamily="18" charset="0"/>
                             <a:cs typeface="Arial" panose="020B0604020202020204" pitchFamily="34" charset="0"/>
                           </a:rPr>
@@ -7452,58 +6258,16 @@
                   </m:oMath>
                 </a14:m>
                 <a:r>
-                  <a:rPr lang="it-IT" sz="2400" dirty="0">
+                  <a:rPr lang="en-GB" sz="2400" noProof="0" dirty="0">
                     <a:latin typeface="Arial" panose="020B0604020202020204" pitchFamily="34" charset="0"/>
                     <a:cs typeface="Arial" panose="020B0604020202020204" pitchFamily="34" charset="0"/>
                   </a:rPr>
-                  <a:t>, </a:t>
-                </a:r>
-                <a:r>
-                  <a:rPr lang="it-IT" sz="2400" dirty="0" err="1">
-                    <a:latin typeface="Arial" panose="020B0604020202020204" pitchFamily="34" charset="0"/>
-                    <a:cs typeface="Arial" panose="020B0604020202020204" pitchFamily="34" charset="0"/>
-                  </a:rPr>
-                  <a:t>that</a:t>
-                </a:r>
-                <a:r>
-                  <a:rPr lang="it-IT" sz="2400" dirty="0">
-                    <a:latin typeface="Arial" panose="020B0604020202020204" pitchFamily="34" charset="0"/>
-                    <a:cs typeface="Arial" panose="020B0604020202020204" pitchFamily="34" charset="0"/>
-                  </a:rPr>
-                  <a:t> can be </a:t>
-                </a:r>
-                <a:r>
-                  <a:rPr lang="it-IT" sz="2400" dirty="0" err="1">
-                    <a:latin typeface="Arial" panose="020B0604020202020204" pitchFamily="34" charset="0"/>
-                    <a:cs typeface="Arial" panose="020B0604020202020204" pitchFamily="34" charset="0"/>
-                  </a:rPr>
-                  <a:t>computed</a:t>
-                </a:r>
-                <a:r>
-                  <a:rPr lang="it-IT" sz="2400" dirty="0">
-                    <a:latin typeface="Arial" panose="020B0604020202020204" pitchFamily="34" charset="0"/>
-                    <a:cs typeface="Arial" panose="020B0604020202020204" pitchFamily="34" charset="0"/>
-                  </a:rPr>
-                  <a:t> </a:t>
-                </a:r>
-                <a:r>
-                  <a:rPr lang="it-IT" sz="2400" dirty="0" err="1">
-                    <a:latin typeface="Arial" panose="020B0604020202020204" pitchFamily="34" charset="0"/>
-                    <a:cs typeface="Arial" panose="020B0604020202020204" pitchFamily="34" charset="0"/>
-                  </a:rPr>
-                  <a:t>as</a:t>
-                </a:r>
-                <a:r>
-                  <a:rPr lang="it-IT" sz="2400" dirty="0">
-                    <a:latin typeface="Arial" panose="020B0604020202020204" pitchFamily="34" charset="0"/>
-                    <a:cs typeface="Arial" panose="020B0604020202020204" pitchFamily="34" charset="0"/>
-                  </a:rPr>
-                  <a:t>: </a:t>
+                  <a:t>, that can be computed as: </a:t>
                 </a:r>
               </a:p>
               <a:p>
                 <a:pPr algn="just"/>
-                <a:endParaRPr lang="it-IT" sz="2400" noProof="0" dirty="0">
+                <a:endParaRPr lang="en-GB" sz="2400" noProof="0" dirty="0">
                   <a:latin typeface="Arial" panose="020B0604020202020204" pitchFamily="34" charset="0"/>
                   <a:cs typeface="Arial" panose="020B0604020202020204" pitchFamily="34" charset="0"/>
                 </a:endParaRPr>
@@ -7519,7 +6283,7 @@
                       <m:sSub>
                         <m:sSubPr>
                           <m:ctrlPr>
-                            <a:rPr lang="it-IT" sz="2400" i="1" noProof="0" smtClean="0">
+                            <a:rPr lang="en-GB" sz="2400" i="1" noProof="0" smtClean="0">
                               <a:latin typeface="Cambria Math" panose="02040503050406030204" pitchFamily="18" charset="0"/>
                               <a:cs typeface="Arial" panose="020B0604020202020204" pitchFamily="34" charset="0"/>
                             </a:rPr>
@@ -7527,7 +6291,7 @@
                         </m:sSubPr>
                         <m:e>
                           <m:r>
-                            <a:rPr lang="it-IT" sz="2400" b="0" i="1" noProof="0" smtClean="0">
+                            <a:rPr lang="en-GB" sz="2400" b="0" i="1" noProof="0" smtClean="0">
                               <a:latin typeface="Cambria Math" panose="02040503050406030204" pitchFamily="18" charset="0"/>
                               <a:cs typeface="Arial" panose="020B0604020202020204" pitchFamily="34" charset="0"/>
                             </a:rPr>
@@ -7536,7 +6300,7 @@
                         </m:e>
                         <m:sub>
                           <m:r>
-                            <a:rPr lang="it-IT" sz="2400" b="0" i="1" noProof="0" smtClean="0">
+                            <a:rPr lang="en-GB" sz="2400" b="0" i="1" noProof="0" smtClean="0">
                               <a:latin typeface="Cambria Math" panose="02040503050406030204" pitchFamily="18" charset="0"/>
                               <a:cs typeface="Arial" panose="020B0604020202020204" pitchFamily="34" charset="0"/>
                             </a:rPr>
@@ -7545,7 +6309,7 @@
                         </m:sub>
                       </m:sSub>
                       <m:r>
-                        <a:rPr lang="it-IT" sz="2400" b="0" i="1" noProof="0" smtClean="0">
+                        <a:rPr lang="en-GB" sz="2400" b="0" i="1" noProof="0" smtClean="0">
                           <a:latin typeface="Cambria Math" panose="02040503050406030204" pitchFamily="18" charset="0"/>
                           <a:cs typeface="Arial" panose="020B0604020202020204" pitchFamily="34" charset="0"/>
                         </a:rPr>
@@ -7554,7 +6318,7 @@
                       <m:sSup>
                         <m:sSupPr>
                           <m:ctrlPr>
-                            <a:rPr lang="it-IT" sz="2400" b="0" i="1" noProof="0" smtClean="0">
+                            <a:rPr lang="en-GB" sz="2400" b="0" i="1" noProof="0" smtClean="0">
                               <a:latin typeface="Cambria Math" panose="02040503050406030204" pitchFamily="18" charset="0"/>
                               <a:cs typeface="Arial" panose="020B0604020202020204" pitchFamily="34" charset="0"/>
                             </a:rPr>
@@ -7564,7 +6328,7 @@
                           <m:d>
                             <m:dPr>
                               <m:ctrlPr>
-                                <a:rPr lang="it-IT" sz="2400" b="0" i="1" noProof="0" smtClean="0">
+                                <a:rPr lang="en-GB" sz="2400" b="0" i="1" noProof="0" smtClean="0">
                                   <a:latin typeface="Cambria Math" panose="02040503050406030204" pitchFamily="18" charset="0"/>
                                   <a:cs typeface="Arial" panose="020B0604020202020204" pitchFamily="34" charset="0"/>
                                 </a:rPr>
@@ -7572,14 +6336,14 @@
                             </m:dPr>
                             <m:e>
                               <m:r>
-                                <a:rPr lang="it-IT" sz="2400" b="0" i="1" noProof="0" smtClean="0">
+                                <a:rPr lang="en-GB" sz="2400" b="0" i="1" noProof="0" smtClean="0">
                                   <a:latin typeface="Cambria Math" panose="02040503050406030204" pitchFamily="18" charset="0"/>
                                   <a:cs typeface="Arial" panose="020B0604020202020204" pitchFamily="34" charset="0"/>
                                 </a:rPr>
                                 <m:t>𝑅</m:t>
                               </m:r>
                               <m:r>
-                                <a:rPr lang="it-IT" sz="2400" b="0" i="1" noProof="0" smtClean="0">
+                                <a:rPr lang="en-GB" sz="2400" b="0" i="1" noProof="0" smtClean="0">
                                   <a:latin typeface="Cambria Math" panose="02040503050406030204" pitchFamily="18" charset="0"/>
                                   <a:cs typeface="Arial" panose="020B0604020202020204" pitchFamily="34" charset="0"/>
                                 </a:rPr>
@@ -7588,7 +6352,7 @@
                               <m:sSubSup>
                                 <m:sSubSupPr>
                                   <m:ctrlPr>
-                                    <a:rPr lang="it-IT" sz="2400" b="0" i="1" noProof="0" smtClean="0">
+                                    <a:rPr lang="en-GB" sz="2400" b="0" i="1" noProof="0" smtClean="0">
                                       <a:latin typeface="Cambria Math" panose="02040503050406030204" pitchFamily="18" charset="0"/>
                                       <a:cs typeface="Arial" panose="020B0604020202020204" pitchFamily="34" charset="0"/>
                                     </a:rPr>
@@ -7596,7 +6360,7 @@
                                 </m:sSubSupPr>
                                 <m:e>
                                   <m:r>
-                                    <a:rPr lang="it-IT" sz="2400" b="0" i="1" noProof="0" smtClean="0">
+                                    <a:rPr lang="en-GB" sz="2400" b="0" i="1" noProof="0" smtClean="0">
                                       <a:latin typeface="Cambria Math" panose="02040503050406030204" pitchFamily="18" charset="0"/>
                                       <a:cs typeface="Arial" panose="020B0604020202020204" pitchFamily="34" charset="0"/>
                                     </a:rPr>
@@ -7605,7 +6369,7 @@
                                 </m:e>
                                 <m:sub>
                                   <m:r>
-                                    <a:rPr lang="it-IT" sz="2400" b="0" i="1" noProof="0" smtClean="0">
+                                    <a:rPr lang="en-GB" sz="2400" b="0" i="1" noProof="0" smtClean="0">
                                       <a:latin typeface="Cambria Math" panose="02040503050406030204" pitchFamily="18" charset="0"/>
                                       <a:cs typeface="Arial" panose="020B0604020202020204" pitchFamily="34" charset="0"/>
                                     </a:rPr>
@@ -7614,7 +6378,7 @@
                                 </m:sub>
                                 <m:sup>
                                   <m:r>
-                                    <a:rPr lang="it-IT" sz="2400" b="0" i="1" noProof="0" smtClean="0">
+                                    <a:rPr lang="en-GB" sz="2400" b="0" i="1" noProof="0" smtClean="0">
                                       <a:latin typeface="Cambria Math" panose="02040503050406030204" pitchFamily="18" charset="0"/>
                                       <a:cs typeface="Arial" panose="020B0604020202020204" pitchFamily="34" charset="0"/>
                                     </a:rPr>
@@ -7623,7 +6387,7 @@
                                 </m:sup>
                               </m:sSubSup>
                               <m:r>
-                                <a:rPr lang="it-IT" sz="2400" b="0" i="1" noProof="0" smtClean="0">
+                                <a:rPr lang="en-GB" sz="2400" b="0" i="1" noProof="0" smtClean="0">
                                   <a:latin typeface="Cambria Math" panose="02040503050406030204" pitchFamily="18" charset="0"/>
                                   <a:cs typeface="Arial" panose="020B0604020202020204" pitchFamily="34" charset="0"/>
                                 </a:rPr>
@@ -7632,7 +6396,7 @@
                               <m:sSub>
                                 <m:sSubPr>
                                   <m:ctrlPr>
-                                    <a:rPr lang="it-IT" sz="2400" b="0" i="1" noProof="0" smtClean="0">
+                                    <a:rPr lang="en-GB" sz="2400" b="0" i="1" noProof="0" smtClean="0">
                                       <a:latin typeface="Cambria Math" panose="02040503050406030204" pitchFamily="18" charset="0"/>
                                       <a:cs typeface="Arial" panose="020B0604020202020204" pitchFamily="34" charset="0"/>
                                     </a:rPr>
@@ -7640,7 +6404,7 @@
                                 </m:sSubPr>
                                 <m:e>
                                   <m:r>
-                                    <a:rPr lang="it-IT" sz="2400" b="0" i="1" noProof="0" smtClean="0">
+                                    <a:rPr lang="en-GB" sz="2400" b="0" i="1" noProof="0" smtClean="0">
                                       <a:latin typeface="Cambria Math" panose="02040503050406030204" pitchFamily="18" charset="0"/>
                                       <a:cs typeface="Arial" panose="020B0604020202020204" pitchFamily="34" charset="0"/>
                                     </a:rPr>
@@ -7649,7 +6413,7 @@
                                 </m:e>
                                 <m:sub>
                                   <m:r>
-                                    <a:rPr lang="it-IT" sz="2400" b="0" i="1" noProof="0" smtClean="0">
+                                    <a:rPr lang="en-GB" sz="2400" b="0" i="1" noProof="0" smtClean="0">
                                       <a:latin typeface="Cambria Math" panose="02040503050406030204" pitchFamily="18" charset="0"/>
                                       <a:cs typeface="Arial" panose="020B0604020202020204" pitchFamily="34" charset="0"/>
                                     </a:rPr>
@@ -7662,7 +6426,7 @@
                         </m:e>
                         <m:sup>
                           <m:r>
-                            <a:rPr lang="it-IT" sz="2400" b="0" i="1" noProof="0" smtClean="0">
+                            <a:rPr lang="en-GB" sz="2400" b="0" i="1" noProof="0" smtClean="0">
                               <a:latin typeface="Cambria Math" panose="02040503050406030204" pitchFamily="18" charset="0"/>
                               <a:cs typeface="Arial" panose="020B0604020202020204" pitchFamily="34" charset="0"/>
                             </a:rPr>
@@ -7673,7 +6437,7 @@
                       <m:sSubSup>
                         <m:sSubSupPr>
                           <m:ctrlPr>
-                            <a:rPr lang="it-IT" sz="2400" b="0" i="1" noProof="0" smtClean="0">
+                            <a:rPr lang="en-GB" sz="2400" b="0" i="1" noProof="0" smtClean="0">
                               <a:latin typeface="Cambria Math" panose="02040503050406030204" pitchFamily="18" charset="0"/>
                               <a:cs typeface="Arial" panose="020B0604020202020204" pitchFamily="34" charset="0"/>
                             </a:rPr>
@@ -7681,7 +6445,7 @@
                         </m:sSubSupPr>
                         <m:e>
                           <m:r>
-                            <a:rPr lang="it-IT" sz="2400" b="0" i="1" noProof="0" smtClean="0">
+                            <a:rPr lang="en-GB" sz="2400" b="0" i="1" noProof="0" smtClean="0">
                               <a:latin typeface="Cambria Math" panose="02040503050406030204" pitchFamily="18" charset="0"/>
                               <a:cs typeface="Arial" panose="020B0604020202020204" pitchFamily="34" charset="0"/>
                             </a:rPr>
@@ -7690,7 +6454,7 @@
                         </m:e>
                         <m:sub>
                           <m:r>
-                            <a:rPr lang="it-IT" sz="2400" b="0" i="1" noProof="0" smtClean="0">
+                            <a:rPr lang="en-GB" sz="2400" b="0" i="1" noProof="0" smtClean="0">
                               <a:latin typeface="Cambria Math" panose="02040503050406030204" pitchFamily="18" charset="0"/>
                               <a:cs typeface="Arial" panose="020B0604020202020204" pitchFamily="34" charset="0"/>
                             </a:rPr>
@@ -7699,7 +6463,7 @@
                         </m:sub>
                         <m:sup>
                           <m:r>
-                            <a:rPr lang="it-IT" sz="2400" b="0" i="1" noProof="0" smtClean="0">
+                            <a:rPr lang="en-GB" sz="2400" b="0" i="1" noProof="0" smtClean="0">
                               <a:latin typeface="Cambria Math" panose="02040503050406030204" pitchFamily="18" charset="0"/>
                               <a:cs typeface="Arial" panose="020B0604020202020204" pitchFamily="34" charset="0"/>
                             </a:rPr>
@@ -7708,14 +6472,14 @@
                         </m:sup>
                       </m:sSubSup>
                       <m:r>
-                        <a:rPr lang="it-IT" sz="2400" b="0" i="1" noProof="0" smtClean="0">
+                        <a:rPr lang="en-GB" sz="2400" b="0" i="1" noProof="0" smtClean="0">
                           <a:latin typeface="Cambria Math" panose="02040503050406030204" pitchFamily="18" charset="0"/>
                           <a:cs typeface="Arial" panose="020B0604020202020204" pitchFamily="34" charset="0"/>
                         </a:rPr>
                         <m:t>𝑄</m:t>
                       </m:r>
                       <m:r>
-                        <a:rPr lang="it-IT" sz="2400" b="0" i="1" noProof="0" smtClean="0">
+                        <a:rPr lang="en-GB" sz="2400" b="0" i="1" noProof="0" smtClean="0">
                           <a:latin typeface="Cambria Math" panose="02040503050406030204" pitchFamily="18" charset="0"/>
                           <a:cs typeface="Arial" panose="020B0604020202020204" pitchFamily="34" charset="0"/>
                         </a:rPr>
@@ -7724,7 +6488,7 @@
                       <m:sSub>
                         <m:sSubPr>
                           <m:ctrlPr>
-                            <a:rPr lang="it-IT" sz="2400" b="0" i="1" noProof="0" smtClean="0">
+                            <a:rPr lang="en-GB" sz="2400" b="0" i="1" noProof="0" smtClean="0">
                               <a:latin typeface="Cambria Math" panose="02040503050406030204" pitchFamily="18" charset="0"/>
                               <a:cs typeface="Arial" panose="020B0604020202020204" pitchFamily="34" charset="0"/>
                             </a:rPr>
@@ -7732,7 +6496,7 @@
                         </m:sSubPr>
                         <m:e>
                           <m:r>
-                            <a:rPr lang="it-IT" sz="2400" b="0" i="1" noProof="0" smtClean="0">
+                            <a:rPr lang="en-GB" sz="2400" b="0" i="1" noProof="0" smtClean="0">
                               <a:latin typeface="Cambria Math" panose="02040503050406030204" pitchFamily="18" charset="0"/>
                               <a:cs typeface="Arial" panose="020B0604020202020204" pitchFamily="34" charset="0"/>
                             </a:rPr>
@@ -7741,7 +6505,7 @@
                         </m:e>
                         <m:sub>
                           <m:r>
-                            <a:rPr lang="it-IT" sz="2400" b="0" i="1" noProof="0" smtClean="0">
+                            <a:rPr lang="en-GB" sz="2400" b="0" i="1" noProof="0" smtClean="0">
                               <a:latin typeface="Cambria Math" panose="02040503050406030204" pitchFamily="18" charset="0"/>
                               <a:cs typeface="Arial" panose="020B0604020202020204" pitchFamily="34" charset="0"/>
                             </a:rPr>
@@ -7750,7 +6514,7 @@
                         </m:sub>
                       </m:sSub>
                       <m:r>
-                        <a:rPr lang="it-IT" sz="2400" b="0" i="1" noProof="0" smtClean="0">
+                        <a:rPr lang="en-GB" sz="2400" b="0" i="1" noProof="0" smtClean="0">
                           <a:latin typeface="Cambria Math" panose="02040503050406030204" pitchFamily="18" charset="0"/>
                           <a:cs typeface="Arial" panose="020B0604020202020204" pitchFamily="34" charset="0"/>
                         </a:rPr>
@@ -7759,7 +6523,7 @@
                       <m:sSub>
                         <m:sSubPr>
                           <m:ctrlPr>
-                            <a:rPr lang="it-IT" sz="2400" b="0" i="1" noProof="0" smtClean="0">
+                            <a:rPr lang="en-GB" sz="2400" b="0" i="1" noProof="0" smtClean="0">
                               <a:latin typeface="Cambria Math" panose="02040503050406030204" pitchFamily="18" charset="0"/>
                               <a:cs typeface="Arial" panose="020B0604020202020204" pitchFamily="34" charset="0"/>
                             </a:rPr>
@@ -7767,7 +6531,7 @@
                         </m:sSubPr>
                         <m:e>
                           <m:r>
-                            <a:rPr lang="it-IT" sz="2400" b="0" i="1" noProof="0" smtClean="0">
+                            <a:rPr lang="en-GB" sz="2400" b="0" i="1" noProof="0" smtClean="0">
                               <a:latin typeface="Cambria Math" panose="02040503050406030204" pitchFamily="18" charset="0"/>
                               <a:cs typeface="Arial" panose="020B0604020202020204" pitchFamily="34" charset="0"/>
                             </a:rPr>
@@ -7776,7 +6540,7 @@
                         </m:e>
                         <m:sub>
                           <m:r>
-                            <a:rPr lang="it-IT" sz="2400" b="0" i="1" noProof="0" smtClean="0">
+                            <a:rPr lang="en-GB" sz="2400" b="0" i="1" noProof="0" smtClean="0">
                               <a:latin typeface="Cambria Math" panose="02040503050406030204" pitchFamily="18" charset="0"/>
                               <a:cs typeface="Arial" panose="020B0604020202020204" pitchFamily="34" charset="0"/>
                             </a:rPr>
@@ -7787,7 +6551,7 @@
                       <m:sSub>
                         <m:sSubPr>
                           <m:ctrlPr>
-                            <a:rPr lang="it-IT" sz="2400" b="0" i="1" noProof="0" smtClean="0">
+                            <a:rPr lang="en-GB" sz="2400" b="0" i="1" noProof="0" smtClean="0">
                               <a:latin typeface="Cambria Math" panose="02040503050406030204" pitchFamily="18" charset="0"/>
                               <a:cs typeface="Arial" panose="020B0604020202020204" pitchFamily="34" charset="0"/>
                             </a:rPr>
@@ -7795,7 +6559,7 @@
                         </m:sSubPr>
                         <m:e>
                           <m:r>
-                            <a:rPr lang="it-IT" sz="2400" b="0" i="1" noProof="0" smtClean="0">
+                            <a:rPr lang="en-GB" sz="2400" b="0" i="1" noProof="0" smtClean="0">
                               <a:latin typeface="Cambria Math" panose="02040503050406030204" pitchFamily="18" charset="0"/>
                               <a:cs typeface="Arial" panose="020B0604020202020204" pitchFamily="34" charset="0"/>
                             </a:rPr>
@@ -7804,7 +6568,7 @@
                         </m:e>
                         <m:sub>
                           <m:r>
-                            <a:rPr lang="it-IT" sz="2400" b="0" i="1" noProof="0" smtClean="0">
+                            <a:rPr lang="en-GB" sz="2400" b="0" i="1" noProof="0" smtClean="0">
                               <a:latin typeface="Cambria Math" panose="02040503050406030204" pitchFamily="18" charset="0"/>
                               <a:cs typeface="Arial" panose="020B0604020202020204" pitchFamily="34" charset="0"/>
                             </a:rPr>
@@ -7813,7 +6577,7 @@
                         </m:sub>
                       </m:sSub>
                       <m:r>
-                        <a:rPr lang="it-IT" sz="2400" b="0" i="1" noProof="0" smtClean="0">
+                        <a:rPr lang="en-GB" sz="2400" b="0" i="1" noProof="0" smtClean="0">
                           <a:latin typeface="Cambria Math" panose="02040503050406030204" pitchFamily="18" charset="0"/>
                           <a:cs typeface="Arial" panose="020B0604020202020204" pitchFamily="34" charset="0"/>
                         </a:rPr>
@@ -7822,21 +6586,21 @@
                     </m:oMath>
                   </m:oMathPara>
                 </a14:m>
-                <a:endParaRPr lang="it-IT" sz="2400" noProof="0" dirty="0">
+                <a:endParaRPr lang="en-GB" sz="2400" noProof="0" dirty="0">
                   <a:latin typeface="Arial" panose="020B0604020202020204" pitchFamily="34" charset="0"/>
                   <a:cs typeface="Arial" panose="020B0604020202020204" pitchFamily="34" charset="0"/>
                 </a:endParaRPr>
               </a:p>
               <a:p>
                 <a:pPr algn="just"/>
-                <a:endParaRPr lang="it-IT" sz="2400" noProof="0" dirty="0">
+                <a:endParaRPr lang="en-GB" sz="2400" noProof="0" dirty="0">
                   <a:latin typeface="Arial" panose="020B0604020202020204" pitchFamily="34" charset="0"/>
                   <a:cs typeface="Arial" panose="020B0604020202020204" pitchFamily="34" charset="0"/>
                 </a:endParaRPr>
               </a:p>
               <a:p>
                 <a:pPr algn="just"/>
-                <a:endParaRPr lang="it-IT" sz="2400" dirty="0">
+                <a:endParaRPr lang="en-GB" sz="2400" noProof="0" dirty="0">
                   <a:latin typeface="Arial" panose="020B0604020202020204" pitchFamily="34" charset="0"/>
                   <a:cs typeface="Arial" panose="020B0604020202020204" pitchFamily="34" charset="0"/>
                 </a:endParaRPr>
@@ -7844,144 +6608,18 @@
               <a:p>
                 <a:pPr algn="just"/>
                 <a:r>
-                  <a:rPr lang="it-IT" sz="2400" noProof="0" dirty="0">
+                  <a:rPr lang="en-GB" sz="2400" noProof="0" dirty="0">
                     <a:latin typeface="Arial" panose="020B0604020202020204" pitchFamily="34" charset="0"/>
                     <a:cs typeface="Arial" panose="020B0604020202020204" pitchFamily="34" charset="0"/>
                   </a:rPr>
-                  <a:t>And </a:t>
-                </a:r>
-                <a:r>
-                  <a:rPr lang="it-IT" sz="2400" noProof="0" dirty="0" err="1">
-                    <a:latin typeface="Arial" panose="020B0604020202020204" pitchFamily="34" charset="0"/>
-                    <a:cs typeface="Arial" panose="020B0604020202020204" pitchFamily="34" charset="0"/>
-                  </a:rPr>
-                  <a:t>then</a:t>
-                </a:r>
-                <a:r>
-                  <a:rPr lang="it-IT" sz="2400" noProof="0" dirty="0">
-                    <a:latin typeface="Arial" panose="020B0604020202020204" pitchFamily="34" charset="0"/>
-                    <a:cs typeface="Arial" panose="020B0604020202020204" pitchFamily="34" charset="0"/>
-                  </a:rPr>
-                  <a:t> </a:t>
-                </a:r>
-                <a:r>
-                  <a:rPr lang="it-IT" sz="2400" noProof="0" dirty="0" err="1">
-                    <a:latin typeface="Arial" panose="020B0604020202020204" pitchFamily="34" charset="0"/>
-                    <a:cs typeface="Arial" panose="020B0604020202020204" pitchFamily="34" charset="0"/>
-                  </a:rPr>
-                  <a:t>repeat</a:t>
-                </a:r>
-                <a:r>
-                  <a:rPr lang="it-IT" sz="2400" dirty="0">
-                    <a:latin typeface="Arial" panose="020B0604020202020204" pitchFamily="34" charset="0"/>
-                    <a:cs typeface="Arial" panose="020B0604020202020204" pitchFamily="34" charset="0"/>
-                  </a:rPr>
-                  <a:t> </a:t>
-                </a:r>
-                <a:r>
-                  <a:rPr lang="it-IT" sz="2400" dirty="0" err="1">
-                    <a:latin typeface="Arial" panose="020B0604020202020204" pitchFamily="34" charset="0"/>
-                    <a:cs typeface="Arial" panose="020B0604020202020204" pitchFamily="34" charset="0"/>
-                  </a:rPr>
-                  <a:t>these</a:t>
-                </a:r>
-                <a:r>
-                  <a:rPr lang="it-IT" sz="2400" dirty="0">
-                    <a:latin typeface="Arial" panose="020B0604020202020204" pitchFamily="34" charset="0"/>
-                    <a:cs typeface="Arial" panose="020B0604020202020204" pitchFamily="34" charset="0"/>
-                  </a:rPr>
-                  <a:t> last </a:t>
-                </a:r>
-                <a:r>
-                  <a:rPr lang="it-IT" sz="2400" dirty="0" err="1">
-                    <a:latin typeface="Arial" panose="020B0604020202020204" pitchFamily="34" charset="0"/>
-                    <a:cs typeface="Arial" panose="020B0604020202020204" pitchFamily="34" charset="0"/>
-                  </a:rPr>
-                  <a:t>two</a:t>
-                </a:r>
-                <a:r>
-                  <a:rPr lang="it-IT" sz="2400" dirty="0">
-                    <a:latin typeface="Arial" panose="020B0604020202020204" pitchFamily="34" charset="0"/>
-                    <a:cs typeface="Arial" panose="020B0604020202020204" pitchFamily="34" charset="0"/>
-                  </a:rPr>
-                  <a:t> steps </a:t>
-                </a:r>
-                <a:r>
-                  <a:rPr lang="it-IT" sz="2400" dirty="0" err="1">
-                    <a:latin typeface="Arial" panose="020B0604020202020204" pitchFamily="34" charset="0"/>
-                    <a:cs typeface="Arial" panose="020B0604020202020204" pitchFamily="34" charset="0"/>
-                  </a:rPr>
-                  <a:t>iteratively</a:t>
-                </a:r>
-                <a:r>
-                  <a:rPr lang="it-IT" sz="2400" dirty="0">
-                    <a:latin typeface="Arial" panose="020B0604020202020204" pitchFamily="34" charset="0"/>
-                    <a:cs typeface="Arial" panose="020B0604020202020204" pitchFamily="34" charset="0"/>
-                  </a:rPr>
-                  <a:t> to </a:t>
-                </a:r>
-                <a:r>
-                  <a:rPr lang="it-IT" sz="2400" dirty="0" err="1">
-                    <a:latin typeface="Arial" panose="020B0604020202020204" pitchFamily="34" charset="0"/>
-                    <a:cs typeface="Arial" panose="020B0604020202020204" pitchFamily="34" charset="0"/>
-                  </a:rPr>
-                  <a:t>implement</a:t>
-                </a:r>
-                <a:r>
-                  <a:rPr lang="it-IT" sz="2400" dirty="0">
-                    <a:latin typeface="Arial" panose="020B0604020202020204" pitchFamily="34" charset="0"/>
-                    <a:cs typeface="Arial" panose="020B0604020202020204" pitchFamily="34" charset="0"/>
-                  </a:rPr>
-                  <a:t> the following control steps, </a:t>
-                </a:r>
-                <a:r>
-                  <a:rPr lang="it-IT" sz="2400" dirty="0" err="1">
-                    <a:latin typeface="Arial" panose="020B0604020202020204" pitchFamily="34" charset="0"/>
-                    <a:cs typeface="Arial" panose="020B0604020202020204" pitchFamily="34" charset="0"/>
-                  </a:rPr>
-                  <a:t>using</a:t>
-                </a:r>
-                <a:r>
-                  <a:rPr lang="it-IT" sz="2400" dirty="0">
-                    <a:latin typeface="Arial" panose="020B0604020202020204" pitchFamily="34" charset="0"/>
-                    <a:cs typeface="Arial" panose="020B0604020202020204" pitchFamily="34" charset="0"/>
-                  </a:rPr>
-                  <a:t> the </a:t>
-                </a:r>
-                <a:r>
-                  <a:rPr lang="it-IT" sz="2400" dirty="0" err="1">
-                    <a:latin typeface="Arial" panose="020B0604020202020204" pitchFamily="34" charset="0"/>
-                    <a:cs typeface="Arial" panose="020B0604020202020204" pitchFamily="34" charset="0"/>
-                  </a:rPr>
-                  <a:t>newly</a:t>
-                </a:r>
-                <a:r>
-                  <a:rPr lang="it-IT" sz="2400" dirty="0">
-                    <a:latin typeface="Arial" panose="020B0604020202020204" pitchFamily="34" charset="0"/>
-                    <a:cs typeface="Arial" panose="020B0604020202020204" pitchFamily="34" charset="0"/>
-                  </a:rPr>
-                  <a:t> </a:t>
-                </a:r>
-                <a:r>
-                  <a:rPr lang="it-IT" sz="2400" dirty="0" err="1">
-                    <a:latin typeface="Arial" panose="020B0604020202020204" pitchFamily="34" charset="0"/>
-                    <a:cs typeface="Arial" panose="020B0604020202020204" pitchFamily="34" charset="0"/>
-                  </a:rPr>
-                  <a:t>measured</a:t>
-                </a:r>
-                <a:r>
-                  <a:rPr lang="it-IT" sz="2400" dirty="0">
-                    <a:latin typeface="Arial" panose="020B0604020202020204" pitchFamily="34" charset="0"/>
-                    <a:cs typeface="Arial" panose="020B0604020202020204" pitchFamily="34" charset="0"/>
-                  </a:rPr>
-                  <a:t> output </a:t>
+                  <a:t>And then repeat these last two steps iteratively to implement the following control steps, using the newly measured output </a:t>
                 </a:r>
                 <a14:m>
                   <m:oMath xmlns:m="http://schemas.openxmlformats.org/officeDocument/2006/math">
                     <m:sSub>
                       <m:sSubPr>
                         <m:ctrlPr>
-                          <a:rPr lang="it-IT" sz="2400" i="1" noProof="0" smtClean="0">
+                          <a:rPr lang="en-GB" sz="2400" i="1" noProof="0" smtClean="0">
                             <a:latin typeface="Cambria Math" panose="02040503050406030204" pitchFamily="18" charset="0"/>
                             <a:cs typeface="Arial" panose="020B0604020202020204" pitchFamily="34" charset="0"/>
                           </a:rPr>
@@ -7989,7 +6627,7 @@
                       </m:sSubPr>
                       <m:e>
                         <m:r>
-                          <a:rPr lang="it-IT" sz="2400" b="0" i="1" noProof="0" smtClean="0">
+                          <a:rPr lang="en-GB" sz="2400" b="0" i="1" noProof="0" smtClean="0">
                             <a:latin typeface="Cambria Math" panose="02040503050406030204" pitchFamily="18" charset="0"/>
                             <a:cs typeface="Arial" panose="020B0604020202020204" pitchFamily="34" charset="0"/>
                           </a:rPr>
@@ -7998,7 +6636,7 @@
                       </m:e>
                       <m:sub>
                         <m:r>
-                          <a:rPr lang="it-IT" sz="2400" b="0" i="1" noProof="0" smtClean="0">
+                          <a:rPr lang="en-GB" sz="2400" b="0" i="1" noProof="0" smtClean="0">
                             <a:latin typeface="Cambria Math" panose="02040503050406030204" pitchFamily="18" charset="0"/>
                             <a:cs typeface="Arial" panose="020B0604020202020204" pitchFamily="34" charset="0"/>
                           </a:rPr>
@@ -8009,7 +6647,7 @@
                   </m:oMath>
                 </a14:m>
                 <a:r>
-                  <a:rPr lang="it-IT" sz="2400" noProof="0" dirty="0">
+                  <a:rPr lang="en-GB" sz="2400" noProof="0" dirty="0">
                     <a:latin typeface="Arial" panose="020B0604020202020204" pitchFamily="34" charset="0"/>
                     <a:cs typeface="Arial" panose="020B0604020202020204" pitchFamily="34" charset="0"/>
                   </a:rPr>
@@ -8045,7 +6683,7 @@
               <a:blipFill>
                 <a:blip r:embed="rId2"/>
                 <a:stretch>
-                  <a:fillRect l="-908" t="-1370" r="-1589" b="-3523"/>
+                  <a:fillRect l="-908" t="-1370" r="-851" b="-3523"/>
                 </a:stretch>
               </a:blipFill>
             </p:spPr>
@@ -8130,16 +6768,19 @@
               <a:rPr lang="en-GB" noProof="0" dirty="0">
                 <a:latin typeface="Arial Black" panose="020B0A04020102020204" pitchFamily="34" charset="0"/>
               </a:rPr>
-              <a:t>Practical implementation – </a:t>
+              <a:t>Practical implementation –  </a:t>
             </a:r>
             <a:br>
               <a:rPr lang="en-GB" noProof="0" dirty="0">
                 <a:latin typeface="Arial Black" panose="020B0A04020102020204" pitchFamily="34" charset="0"/>
               </a:rPr>
             </a:br>
-            <a:endParaRPr lang="en-GB" noProof="0" dirty="0">
-              <a:latin typeface="Arial Black" panose="020B0A04020102020204" pitchFamily="34" charset="0"/>
-            </a:endParaRPr>
+            <a:r>
+              <a:rPr lang="en-GB" noProof="0" dirty="0">
+                <a:latin typeface="Arial Black" panose="020B0A04020102020204" pitchFamily="34" charset="0"/>
+              </a:rPr>
+              <a:t>System setting</a:t>
+            </a:r>
           </a:p>
         </p:txBody>
       </p:sp>
@@ -8158,7 +6799,7 @@
         <p:spPr>
           <a:xfrm>
             <a:off x="762000" y="1676400"/>
-            <a:ext cx="9677400" cy="1200329"/>
+            <a:ext cx="10134600" cy="3785652"/>
           </a:xfrm>
           <a:prstGeom prst="rect">
             <a:avLst/>
@@ -8177,12 +6818,8 @@
                 <a:latin typeface="Arial" panose="020B0604020202020204" pitchFamily="34" charset="0"/>
                 <a:cs typeface="Arial" panose="020B0604020202020204" pitchFamily="34" charset="0"/>
               </a:rPr>
-              <a:t>a</a:t>
-            </a:r>
-            <a:endParaRPr lang="en-GB" sz="2400" i="1" noProof="0" dirty="0">
-              <a:latin typeface="Arial" panose="020B0604020202020204" pitchFamily="34" charset="0"/>
-              <a:cs typeface="Arial" panose="020B0604020202020204" pitchFamily="34" charset="0"/>
-            </a:endParaRPr>
+              <a:t>The implementation of the algorithm began by defining the LTI MIMO system to be utilized; we decided to use the following parameters and matrices:</a:t>
+            </a:r>
           </a:p>
           <a:p>
             <a:pPr algn="just"/>
@@ -8197,6 +6834,119 @@
               <a:latin typeface="Arial" panose="020B0604020202020204" pitchFamily="34" charset="0"/>
               <a:cs typeface="Arial" panose="020B0604020202020204" pitchFamily="34" charset="0"/>
             </a:endParaRPr>
+          </a:p>
+          <a:p>
+            <a:pPr algn="just"/>
+            <a:endParaRPr lang="en-GB" sz="2400" noProof="0" dirty="0">
+              <a:latin typeface="Arial" panose="020B0604020202020204" pitchFamily="34" charset="0"/>
+              <a:cs typeface="Arial" panose="020B0604020202020204" pitchFamily="34" charset="0"/>
+            </a:endParaRPr>
+          </a:p>
+          <a:p>
+            <a:pPr algn="just"/>
+            <a:endParaRPr lang="en-GB" sz="2400" noProof="0" dirty="0">
+              <a:latin typeface="Arial" panose="020B0604020202020204" pitchFamily="34" charset="0"/>
+              <a:cs typeface="Arial" panose="020B0604020202020204" pitchFamily="34" charset="0"/>
+            </a:endParaRPr>
+          </a:p>
+          <a:p>
+            <a:pPr algn="just"/>
+            <a:endParaRPr lang="en-GB" sz="2400" noProof="0" dirty="0">
+              <a:latin typeface="Arial" panose="020B0604020202020204" pitchFamily="34" charset="0"/>
+              <a:cs typeface="Arial" panose="020B0604020202020204" pitchFamily="34" charset="0"/>
+            </a:endParaRPr>
+          </a:p>
+          <a:p>
+            <a:pPr algn="just"/>
+            <a:endParaRPr lang="en-GB" sz="2400" noProof="0" dirty="0">
+              <a:latin typeface="Arial" panose="020B0604020202020204" pitchFamily="34" charset="0"/>
+              <a:cs typeface="Arial" panose="020B0604020202020204" pitchFamily="34" charset="0"/>
+            </a:endParaRPr>
+          </a:p>
+          <a:p>
+            <a:pPr algn="just"/>
+            <a:endParaRPr lang="en-GB" sz="2400" noProof="0" dirty="0">
+              <a:latin typeface="Arial" panose="020B0604020202020204" pitchFamily="34" charset="0"/>
+              <a:cs typeface="Arial" panose="020B0604020202020204" pitchFamily="34" charset="0"/>
+            </a:endParaRPr>
+          </a:p>
+        </p:txBody>
+      </p:sp>
+      <p:pic>
+        <p:nvPicPr>
+          <p:cNvPr id="3" name="Immagine 2" descr="Immagine che contiene testo, schermata, Carattere, numero&#10;&#10;Il contenuto generato dall'IA potrebbe non essere corretto.">
+            <a:extLst>
+              <a:ext uri="{FF2B5EF4-FFF2-40B4-BE49-F238E27FC236}">
+                <a16:creationId xmlns:a16="http://schemas.microsoft.com/office/drawing/2014/main" id="{945E8376-E15B-BA04-D3D3-3E36991F376E}"/>
+              </a:ext>
+            </a:extLst>
+          </p:cNvPr>
+          <p:cNvPicPr>
+            <a:picLocks noChangeAspect="1"/>
+          </p:cNvPicPr>
+          <p:nvPr/>
+        </p:nvPicPr>
+        <p:blipFill>
+          <a:blip r:embed="rId2">
+            <a:extLst>
+              <a:ext uri="{28A0092B-C50C-407E-A947-70E740481C1C}">
+                <a14:useLocalDpi xmlns:a14="http://schemas.microsoft.com/office/drawing/2010/main" val="0"/>
+              </a:ext>
+            </a:extLst>
+          </a:blip>
+          <a:stretch>
+            <a:fillRect/>
+          </a:stretch>
+        </p:blipFill>
+        <p:spPr>
+          <a:xfrm>
+            <a:off x="838200" y="2895600"/>
+            <a:ext cx="6019800" cy="3032149"/>
+          </a:xfrm>
+          <a:prstGeom prst="rect">
+            <a:avLst/>
+          </a:prstGeom>
+        </p:spPr>
+      </p:pic>
+      <p:sp>
+        <p:nvSpPr>
+          <p:cNvPr id="5" name="CasellaDiTesto 4">
+            <a:extLst>
+              <a:ext uri="{FF2B5EF4-FFF2-40B4-BE49-F238E27FC236}">
+                <a16:creationId xmlns:a16="http://schemas.microsoft.com/office/drawing/2014/main" id="{80EDE38C-35CF-DD8A-2B5B-F2C6B592AE5D}"/>
+              </a:ext>
+            </a:extLst>
+          </p:cNvPr>
+          <p:cNvSpPr txBox="1"/>
+          <p:nvPr/>
+        </p:nvSpPr>
+        <p:spPr>
+          <a:xfrm>
+            <a:off x="7086600" y="4724400"/>
+            <a:ext cx="3810000" cy="1200329"/>
+          </a:xfrm>
+          <a:prstGeom prst="rect">
+            <a:avLst/>
+          </a:prstGeom>
+          <a:noFill/>
+        </p:spPr>
+        <p:txBody>
+          <a:bodyPr wrap="square" rtlCol="0">
+            <a:spAutoFit/>
+          </a:bodyPr>
+          <a:lstStyle/>
+          <a:p>
+            <a:pPr algn="just"/>
+            <a:r>
+              <a:rPr lang="en-GB" sz="1800" noProof="0" dirty="0">
+                <a:latin typeface="Arial" panose="020B0604020202020204" pitchFamily="34" charset="0"/>
+                <a:cs typeface="Arial" panose="020B0604020202020204" pitchFamily="34" charset="0"/>
+              </a:rPr>
+              <a:t>The input signals chosen were two PRBS, to ensure persistent excitation</a:t>
+            </a:r>
+          </a:p>
+          <a:p>
+            <a:endParaRPr lang="en-GB" noProof="0" dirty="0"/>
           </a:p>
         </p:txBody>
       </p:sp>
@@ -8221,7 +6971,7 @@
         <p:cNvPr id="1" name="">
           <a:extLst>
             <a:ext uri="{FF2B5EF4-FFF2-40B4-BE49-F238E27FC236}">
-              <a16:creationId xmlns:a16="http://schemas.microsoft.com/office/drawing/2014/main" id="{67FFD052-A6E4-4EA3-40C9-0D7F9ED82C6C}"/>
+              <a16:creationId xmlns:a16="http://schemas.microsoft.com/office/drawing/2014/main" id="{FCB0424C-B290-B03B-55D1-C9265E1544DB}"/>
             </a:ext>
           </a:extLst>
         </p:cNvPr>
@@ -8241,7 +6991,7 @@
           <p:cNvPr id="10" name="Titolo 9">
             <a:extLst>
               <a:ext uri="{FF2B5EF4-FFF2-40B4-BE49-F238E27FC236}">
-                <a16:creationId xmlns:a16="http://schemas.microsoft.com/office/drawing/2014/main" id="{14853C74-3D76-BB45-5EBD-2082D50CCEE3}"/>
+                <a16:creationId xmlns:a16="http://schemas.microsoft.com/office/drawing/2014/main" id="{A5FFD409-A334-5DB8-496B-473C2C5879CB}"/>
               </a:ext>
             </a:extLst>
           </p:cNvPr>
@@ -8255,7 +7005,7 @@
         <p:spPr>
           <a:xfrm>
             <a:off x="762000" y="457200"/>
-            <a:ext cx="8991600" cy="538609"/>
+            <a:ext cx="8991600" cy="1077218"/>
           </a:xfrm>
         </p:spPr>
         <p:txBody>
@@ -8266,7 +7016,18 @@
               <a:rPr lang="en-GB" noProof="0" dirty="0">
                 <a:latin typeface="Arial Black" panose="020B0A04020102020204" pitchFamily="34" charset="0"/>
               </a:rPr>
-              <a:t>Results</a:t>
+              <a:t>Practical implementation –  </a:t>
+            </a:r>
+            <a:br>
+              <a:rPr lang="en-GB" noProof="0" dirty="0">
+                <a:latin typeface="Arial Black" panose="020B0A04020102020204" pitchFamily="34" charset="0"/>
+              </a:rPr>
+            </a:br>
+            <a:r>
+              <a:rPr lang="en-GB" noProof="0" dirty="0">
+                <a:latin typeface="Arial Black" panose="020B0A04020102020204" pitchFamily="34" charset="0"/>
+              </a:rPr>
+              <a:t>Hankel Block matrices</a:t>
             </a:r>
           </a:p>
         </p:txBody>
@@ -8276,7 +7037,7 @@
           <p:cNvPr id="4" name="CasellaDiTesto 3">
             <a:extLst>
               <a:ext uri="{FF2B5EF4-FFF2-40B4-BE49-F238E27FC236}">
-                <a16:creationId xmlns:a16="http://schemas.microsoft.com/office/drawing/2014/main" id="{D2E4F1D8-6E3E-1635-DEBC-9C2A6FBDE9CC}"/>
+                <a16:creationId xmlns:a16="http://schemas.microsoft.com/office/drawing/2014/main" id="{A5AE0948-69BC-85B8-A522-FB3B59477858}"/>
               </a:ext>
             </a:extLst>
           </p:cNvPr>
@@ -8286,7 +7047,7 @@
         <p:spPr>
           <a:xfrm>
             <a:off x="762000" y="1676400"/>
-            <a:ext cx="9677400" cy="2308324"/>
+            <a:ext cx="10134600" cy="3416320"/>
           </a:xfrm>
           <a:prstGeom prst="rect">
             <a:avLst/>
@@ -8301,16 +7062,12 @@
           <a:p>
             <a:pPr algn="just"/>
             <a:r>
-              <a:rPr lang="en-GB" sz="2400" i="1" dirty="0">
+              <a:rPr lang="en-GB" sz="2400" noProof="0" dirty="0">
                 <a:latin typeface="Arial" panose="020B0604020202020204" pitchFamily="34" charset="0"/>
                 <a:cs typeface="Arial" panose="020B0604020202020204" pitchFamily="34" charset="0"/>
               </a:rPr>
-              <a:t>Note: while the paper does not treat the identification of residuals per se, the algorithm can be used to build a controller that somewhat counteracts disturbances or faults on the system, if rt is set to the desired plant output.</a:t>
-            </a:r>
-            <a:endParaRPr lang="en-GB" sz="2400" i="1" noProof="0" dirty="0">
-              <a:latin typeface="Arial" panose="020B0604020202020204" pitchFamily="34" charset="0"/>
-              <a:cs typeface="Arial" panose="020B0604020202020204" pitchFamily="34" charset="0"/>
-            </a:endParaRPr>
+              <a:t>Afterwards, we constructed the past and future Hankel block matrices for input and output signals, as explained in the algorithm.</a:t>
+            </a:r>
           </a:p>
           <a:p>
             <a:pPr algn="just"/>
@@ -8326,12 +7083,785 @@
               <a:cs typeface="Arial" panose="020B0604020202020204" pitchFamily="34" charset="0"/>
             </a:endParaRPr>
           </a:p>
+          <a:p>
+            <a:pPr algn="just"/>
+            <a:endParaRPr lang="en-GB" sz="2400" noProof="0" dirty="0">
+              <a:latin typeface="Arial" panose="020B0604020202020204" pitchFamily="34" charset="0"/>
+              <a:cs typeface="Arial" panose="020B0604020202020204" pitchFamily="34" charset="0"/>
+            </a:endParaRPr>
+          </a:p>
+          <a:p>
+            <a:pPr algn="just"/>
+            <a:endParaRPr lang="en-GB" sz="2400" noProof="0" dirty="0">
+              <a:latin typeface="Arial" panose="020B0604020202020204" pitchFamily="34" charset="0"/>
+              <a:cs typeface="Arial" panose="020B0604020202020204" pitchFamily="34" charset="0"/>
+            </a:endParaRPr>
+          </a:p>
+          <a:p>
+            <a:pPr algn="just"/>
+            <a:endParaRPr lang="en-GB" sz="2400" noProof="0" dirty="0">
+              <a:latin typeface="Arial" panose="020B0604020202020204" pitchFamily="34" charset="0"/>
+              <a:cs typeface="Arial" panose="020B0604020202020204" pitchFamily="34" charset="0"/>
+            </a:endParaRPr>
+          </a:p>
+          <a:p>
+            <a:pPr algn="just"/>
+            <a:endParaRPr lang="en-GB" sz="2400" noProof="0" dirty="0">
+              <a:latin typeface="Arial" panose="020B0604020202020204" pitchFamily="34" charset="0"/>
+              <a:cs typeface="Arial" panose="020B0604020202020204" pitchFamily="34" charset="0"/>
+            </a:endParaRPr>
+          </a:p>
+          <a:p>
+            <a:pPr algn="just"/>
+            <a:endParaRPr lang="en-GB" sz="2400" noProof="0" dirty="0">
+              <a:latin typeface="Arial" panose="020B0604020202020204" pitchFamily="34" charset="0"/>
+              <a:cs typeface="Arial" panose="020B0604020202020204" pitchFamily="34" charset="0"/>
+            </a:endParaRPr>
+          </a:p>
         </p:txBody>
       </p:sp>
+      <p:pic>
+        <p:nvPicPr>
+          <p:cNvPr id="6" name="Immagine 5" descr="Immagine che contiene testo, schermata, Carattere, numero&#10;&#10;Il contenuto generato dall'IA potrebbe non essere corretto.">
+            <a:extLst>
+              <a:ext uri="{FF2B5EF4-FFF2-40B4-BE49-F238E27FC236}">
+                <a16:creationId xmlns:a16="http://schemas.microsoft.com/office/drawing/2014/main" id="{6D69DCD5-EA63-9A63-070D-FC81A1A26ED0}"/>
+              </a:ext>
+            </a:extLst>
+          </p:cNvPr>
+          <p:cNvPicPr>
+            <a:picLocks noChangeAspect="1"/>
+          </p:cNvPicPr>
+          <p:nvPr/>
+        </p:nvPicPr>
+        <p:blipFill>
+          <a:blip r:embed="rId2">
+            <a:extLst>
+              <a:ext uri="{28A0092B-C50C-407E-A947-70E740481C1C}">
+                <a14:useLocalDpi xmlns:a14="http://schemas.microsoft.com/office/drawing/2010/main" val="0"/>
+              </a:ext>
+            </a:extLst>
+          </a:blip>
+          <a:stretch>
+            <a:fillRect/>
+          </a:stretch>
+        </p:blipFill>
+        <p:spPr>
+          <a:xfrm>
+            <a:off x="838200" y="2617696"/>
+            <a:ext cx="8834201" cy="2868703"/>
+          </a:xfrm>
+          <a:prstGeom prst="rect">
+            <a:avLst/>
+          </a:prstGeom>
+        </p:spPr>
+      </p:pic>
     </p:spTree>
     <p:extLst>
       <p:ext uri="{BB962C8B-B14F-4D97-AF65-F5344CB8AC3E}">
-        <p14:creationId xmlns:p14="http://schemas.microsoft.com/office/powerpoint/2010/main" val="2274619447"/>
+        <p14:creationId xmlns:p14="http://schemas.microsoft.com/office/powerpoint/2010/main" val="3408817830"/>
+      </p:ext>
+    </p:extLst>
+  </p:cSld>
+  <p:clrMapOvr>
+    <a:masterClrMapping/>
+  </p:clrMapOvr>
+</p:sld>
+</file>
+
+<file path=ppt/slides/slide18.xml><?xml version="1.0" encoding="utf-8"?>
+<p:sld xmlns:a="http://schemas.openxmlformats.org/drawingml/2006/main" xmlns:r="http://schemas.openxmlformats.org/officeDocument/2006/relationships" xmlns:p="http://schemas.openxmlformats.org/presentationml/2006/main">
+  <p:cSld>
+    <p:spTree>
+      <p:nvGrpSpPr>
+        <p:cNvPr id="1" name="">
+          <a:extLst>
+            <a:ext uri="{FF2B5EF4-FFF2-40B4-BE49-F238E27FC236}">
+              <a16:creationId xmlns:a16="http://schemas.microsoft.com/office/drawing/2014/main" id="{C4BFD5B2-8228-D7EE-D5C3-A7A8F9E55932}"/>
+            </a:ext>
+          </a:extLst>
+        </p:cNvPr>
+        <p:cNvGrpSpPr/>
+        <p:nvPr/>
+      </p:nvGrpSpPr>
+      <p:grpSpPr>
+        <a:xfrm>
+          <a:off x="0" y="0"/>
+          <a:ext cx="0" cy="0"/>
+          <a:chOff x="0" y="0"/>
+          <a:chExt cx="0" cy="0"/>
+        </a:xfrm>
+      </p:grpSpPr>
+      <p:sp>
+        <p:nvSpPr>
+          <p:cNvPr id="10" name="Titolo 9">
+            <a:extLst>
+              <a:ext uri="{FF2B5EF4-FFF2-40B4-BE49-F238E27FC236}">
+                <a16:creationId xmlns:a16="http://schemas.microsoft.com/office/drawing/2014/main" id="{6C340061-9980-936A-65E8-860893515845}"/>
+              </a:ext>
+            </a:extLst>
+          </p:cNvPr>
+          <p:cNvSpPr>
+            <a:spLocks noGrp="1"/>
+          </p:cNvSpPr>
+          <p:nvPr>
+            <p:ph type="title"/>
+          </p:nvPr>
+        </p:nvSpPr>
+        <p:spPr>
+          <a:xfrm>
+            <a:off x="762000" y="457200"/>
+            <a:ext cx="8991600" cy="1077218"/>
+          </a:xfrm>
+        </p:spPr>
+        <p:txBody>
+          <a:bodyPr/>
+          <a:lstStyle/>
+          <a:p>
+            <a:r>
+              <a:rPr lang="en-GB" noProof="0" dirty="0">
+                <a:latin typeface="Arial Black" panose="020B0A04020102020204" pitchFamily="34" charset="0"/>
+              </a:rPr>
+              <a:t>Practical implementation –  </a:t>
+            </a:r>
+            <a:br>
+              <a:rPr lang="en-GB" noProof="0" dirty="0">
+                <a:latin typeface="Arial Black" panose="020B0A04020102020204" pitchFamily="34" charset="0"/>
+              </a:rPr>
+            </a:br>
+            <a:r>
+              <a:rPr lang="en-GB" noProof="0" dirty="0">
+                <a:latin typeface="Arial Black" panose="020B0A04020102020204" pitchFamily="34" charset="0"/>
+              </a:rPr>
+              <a:t>SSI step 1</a:t>
+            </a:r>
+          </a:p>
+        </p:txBody>
+      </p:sp>
+      <mc:AlternateContent xmlns:mc="http://schemas.openxmlformats.org/markup-compatibility/2006" xmlns:a14="http://schemas.microsoft.com/office/drawing/2010/main">
+        <mc:Choice Requires="a14">
+          <p:sp>
+            <p:nvSpPr>
+              <p:cNvPr id="4" name="CasellaDiTesto 3">
+                <a:extLst>
+                  <a:ext uri="{FF2B5EF4-FFF2-40B4-BE49-F238E27FC236}">
+                    <a16:creationId xmlns:a16="http://schemas.microsoft.com/office/drawing/2014/main" id="{3A31A6A7-836C-FA6D-75B0-A802BE6C0D8E}"/>
+                  </a:ext>
+                </a:extLst>
+              </p:cNvPr>
+              <p:cNvSpPr txBox="1"/>
+              <p:nvPr/>
+            </p:nvSpPr>
+            <p:spPr>
+              <a:xfrm>
+                <a:off x="762000" y="1676400"/>
+                <a:ext cx="10134600" cy="2706190"/>
+              </a:xfrm>
+              <a:prstGeom prst="rect">
+                <a:avLst/>
+              </a:prstGeom>
+              <a:noFill/>
+            </p:spPr>
+            <p:txBody>
+              <a:bodyPr wrap="square">
+                <a:spAutoFit/>
+              </a:bodyPr>
+              <a:lstStyle/>
+              <a:p>
+                <a:pPr algn="just"/>
+                <a:r>
+                  <a:rPr lang="en-GB" sz="2400" noProof="0" dirty="0">
+                    <a:latin typeface="Arial" panose="020B0604020202020204" pitchFamily="34" charset="0"/>
+                    <a:cs typeface="Arial" panose="020B0604020202020204" pitchFamily="34" charset="0"/>
+                  </a:rPr>
+                  <a:t>As previously illustrated, we used past Hankel matrices to build matrix </a:t>
+                </a:r>
+                <a14:m>
+                  <m:oMath xmlns:m="http://schemas.openxmlformats.org/officeDocument/2006/math">
+                    <m:sSub>
+                      <m:sSubPr>
+                        <m:ctrlPr>
+                          <a:rPr lang="en-GB" sz="2400" b="0" i="1" noProof="0" smtClean="0">
+                            <a:latin typeface="Cambria Math" panose="02040503050406030204" pitchFamily="18" charset="0"/>
+                            <a:cs typeface="Arial" panose="020B0604020202020204" pitchFamily="34" charset="0"/>
+                          </a:rPr>
+                        </m:ctrlPr>
+                      </m:sSubPr>
+                      <m:e>
+                        <m:r>
+                          <a:rPr lang="en-GB" sz="2400" b="0" i="1" noProof="0" smtClean="0">
+                            <a:latin typeface="Cambria Math" panose="02040503050406030204" pitchFamily="18" charset="0"/>
+                            <a:cs typeface="Arial" panose="020B0604020202020204" pitchFamily="34" charset="0"/>
+                          </a:rPr>
+                          <m:t>𝑊</m:t>
+                        </m:r>
+                      </m:e>
+                      <m:sub>
+                        <m:r>
+                          <a:rPr lang="en-GB" sz="2400" b="0" i="1" noProof="0" smtClean="0">
+                            <a:latin typeface="Cambria Math" panose="02040503050406030204" pitchFamily="18" charset="0"/>
+                            <a:cs typeface="Arial" panose="020B0604020202020204" pitchFamily="34" charset="0"/>
+                          </a:rPr>
+                          <m:t>𝑝</m:t>
+                        </m:r>
+                      </m:sub>
+                    </m:sSub>
+                  </m:oMath>
+                </a14:m>
+                <a:r>
+                  <a:rPr lang="en-GB" sz="2400" noProof="0" dirty="0">
+                    <a:latin typeface="Arial" panose="020B0604020202020204" pitchFamily="34" charset="0"/>
+                    <a:cs typeface="Arial" panose="020B0604020202020204" pitchFamily="34" charset="0"/>
+                  </a:rPr>
+                  <a:t> </a:t>
+                </a:r>
+              </a:p>
+              <a:p>
+                <a:pPr algn="just"/>
+                <a:r>
+                  <a:rPr lang="en-GB" sz="2400" noProof="0" dirty="0">
+                    <a:latin typeface="Arial" panose="020B0604020202020204" pitchFamily="34" charset="0"/>
+                    <a:cs typeface="Arial" panose="020B0604020202020204" pitchFamily="34" charset="0"/>
+                  </a:rPr>
+                  <a:t>And then compute QR decomposition to obtain L.</a:t>
+                </a:r>
+              </a:p>
+              <a:p>
+                <a:pPr algn="just"/>
+                <a:endParaRPr lang="en-GB" sz="2400" noProof="0" dirty="0">
+                  <a:latin typeface="Arial" panose="020B0604020202020204" pitchFamily="34" charset="0"/>
+                  <a:cs typeface="Arial" panose="020B0604020202020204" pitchFamily="34" charset="0"/>
+                </a:endParaRPr>
+              </a:p>
+              <a:p>
+                <a:pPr algn="just"/>
+                <a:endParaRPr lang="en-GB" sz="2400" noProof="0" dirty="0">
+                  <a:latin typeface="Arial" panose="020B0604020202020204" pitchFamily="34" charset="0"/>
+                  <a:cs typeface="Arial" panose="020B0604020202020204" pitchFamily="34" charset="0"/>
+                </a:endParaRPr>
+              </a:p>
+              <a:p>
+                <a:pPr algn="just"/>
+                <a:endParaRPr lang="en-GB" sz="2400" noProof="0" dirty="0">
+                  <a:latin typeface="Arial" panose="020B0604020202020204" pitchFamily="34" charset="0"/>
+                  <a:cs typeface="Arial" panose="020B0604020202020204" pitchFamily="34" charset="0"/>
+                </a:endParaRPr>
+              </a:p>
+              <a:p>
+                <a:pPr algn="just"/>
+                <a:endParaRPr lang="en-GB" sz="2400" noProof="0" dirty="0">
+                  <a:latin typeface="Arial" panose="020B0604020202020204" pitchFamily="34" charset="0"/>
+                  <a:cs typeface="Arial" panose="020B0604020202020204" pitchFamily="34" charset="0"/>
+                </a:endParaRPr>
+              </a:p>
+              <a:p>
+                <a:pPr algn="just"/>
+                <a:endParaRPr lang="en-GB" sz="2400" noProof="0" dirty="0">
+                  <a:latin typeface="Arial" panose="020B0604020202020204" pitchFamily="34" charset="0"/>
+                  <a:cs typeface="Arial" panose="020B0604020202020204" pitchFamily="34" charset="0"/>
+                </a:endParaRPr>
+              </a:p>
+            </p:txBody>
+          </p:sp>
+        </mc:Choice>
+        <mc:Fallback xmlns="">
+          <p:sp>
+            <p:nvSpPr>
+              <p:cNvPr id="4" name="CasellaDiTesto 3">
+                <a:extLst>
+                  <a:ext uri="{FF2B5EF4-FFF2-40B4-BE49-F238E27FC236}">
+                    <a16:creationId xmlns:a16="http://schemas.microsoft.com/office/drawing/2014/main" id="{3A31A6A7-836C-FA6D-75B0-A802BE6C0D8E}"/>
+                  </a:ext>
+                </a:extLst>
+              </p:cNvPr>
+              <p:cNvSpPr txBox="1">
+                <a:spLocks noRot="1" noChangeAspect="1" noMove="1" noResize="1" noEditPoints="1" noAdjustHandles="1" noChangeArrowheads="1" noChangeShapeType="1" noTextEdit="1"/>
+              </p:cNvSpPr>
+              <p:nvPr/>
+            </p:nvSpPr>
+            <p:spPr>
+              <a:xfrm>
+                <a:off x="762000" y="1676400"/>
+                <a:ext cx="10134600" cy="2706190"/>
+              </a:xfrm>
+              <a:prstGeom prst="rect">
+                <a:avLst/>
+              </a:prstGeom>
+              <a:blipFill>
+                <a:blip r:embed="rId2"/>
+                <a:stretch>
+                  <a:fillRect l="-902" t="-1802"/>
+                </a:stretch>
+              </a:blipFill>
+            </p:spPr>
+            <p:txBody>
+              <a:bodyPr/>
+              <a:lstStyle/>
+              <a:p>
+                <a:r>
+                  <a:rPr lang="it-IT">
+                    <a:noFill/>
+                  </a:rPr>
+                  <a:t> </a:t>
+                </a:r>
+              </a:p>
+            </p:txBody>
+          </p:sp>
+        </mc:Fallback>
+      </mc:AlternateContent>
+      <p:pic>
+        <p:nvPicPr>
+          <p:cNvPr id="7" name="Immagine 6" descr="Immagine che contiene testo, schermata, Carattere&#10;&#10;Il contenuto generato dall'IA potrebbe non essere corretto.">
+            <a:extLst>
+              <a:ext uri="{FF2B5EF4-FFF2-40B4-BE49-F238E27FC236}">
+                <a16:creationId xmlns:a16="http://schemas.microsoft.com/office/drawing/2014/main" id="{0D4DD9FF-BB92-1651-1C65-9887B3BE09D4}"/>
+              </a:ext>
+            </a:extLst>
+          </p:cNvPr>
+          <p:cNvPicPr>
+            <a:picLocks noChangeAspect="1"/>
+          </p:cNvPicPr>
+          <p:nvPr/>
+        </p:nvPicPr>
+        <p:blipFill>
+          <a:blip r:embed="rId3">
+            <a:extLst>
+              <a:ext uri="{28A0092B-C50C-407E-A947-70E740481C1C}">
+                <a14:useLocalDpi xmlns:a14="http://schemas.microsoft.com/office/drawing/2010/main" val="0"/>
+              </a:ext>
+            </a:extLst>
+          </a:blip>
+          <a:stretch>
+            <a:fillRect/>
+          </a:stretch>
+        </p:blipFill>
+        <p:spPr>
+          <a:xfrm>
+            <a:off x="838200" y="3598630"/>
+            <a:ext cx="7064352" cy="2192570"/>
+          </a:xfrm>
+          <a:prstGeom prst="rect">
+            <a:avLst/>
+          </a:prstGeom>
+        </p:spPr>
+      </p:pic>
+      <p:pic>
+        <p:nvPicPr>
+          <p:cNvPr id="9" name="Immagine 8">
+            <a:extLst>
+              <a:ext uri="{FF2B5EF4-FFF2-40B4-BE49-F238E27FC236}">
+                <a16:creationId xmlns:a16="http://schemas.microsoft.com/office/drawing/2014/main" id="{2417FEA0-CDB6-4D3D-D73C-1FFB76EC7919}"/>
+              </a:ext>
+            </a:extLst>
+          </p:cNvPr>
+          <p:cNvPicPr>
+            <a:picLocks noChangeAspect="1"/>
+          </p:cNvPicPr>
+          <p:nvPr/>
+        </p:nvPicPr>
+        <p:blipFill>
+          <a:blip r:embed="rId4">
+            <a:extLst>
+              <a:ext uri="{28A0092B-C50C-407E-A947-70E740481C1C}">
+                <a14:useLocalDpi xmlns:a14="http://schemas.microsoft.com/office/drawing/2010/main" val="0"/>
+              </a:ext>
+            </a:extLst>
+          </a:blip>
+          <a:stretch>
+            <a:fillRect/>
+          </a:stretch>
+        </p:blipFill>
+        <p:spPr>
+          <a:xfrm>
+            <a:off x="838200" y="2737390"/>
+            <a:ext cx="7064352" cy="861240"/>
+          </a:xfrm>
+          <a:prstGeom prst="rect">
+            <a:avLst/>
+          </a:prstGeom>
+        </p:spPr>
+      </p:pic>
+    </p:spTree>
+    <p:extLst>
+      <p:ext uri="{BB962C8B-B14F-4D97-AF65-F5344CB8AC3E}">
+        <p14:creationId xmlns:p14="http://schemas.microsoft.com/office/powerpoint/2010/main" val="3443778700"/>
+      </p:ext>
+    </p:extLst>
+  </p:cSld>
+  <p:clrMapOvr>
+    <a:masterClrMapping/>
+  </p:clrMapOvr>
+</p:sld>
+</file>
+
+<file path=ppt/slides/slide19.xml><?xml version="1.0" encoding="utf-8"?>
+<p:sld xmlns:a="http://schemas.openxmlformats.org/drawingml/2006/main" xmlns:r="http://schemas.openxmlformats.org/officeDocument/2006/relationships" xmlns:p="http://schemas.openxmlformats.org/presentationml/2006/main">
+  <p:cSld>
+    <p:spTree>
+      <p:nvGrpSpPr>
+        <p:cNvPr id="1" name="">
+          <a:extLst>
+            <a:ext uri="{FF2B5EF4-FFF2-40B4-BE49-F238E27FC236}">
+              <a16:creationId xmlns:a16="http://schemas.microsoft.com/office/drawing/2014/main" id="{FEEE1491-692F-7CC0-D705-F015AFF53216}"/>
+            </a:ext>
+          </a:extLst>
+        </p:cNvPr>
+        <p:cNvGrpSpPr/>
+        <p:nvPr/>
+      </p:nvGrpSpPr>
+      <p:grpSpPr>
+        <a:xfrm>
+          <a:off x="0" y="0"/>
+          <a:ext cx="0" cy="0"/>
+          <a:chOff x="0" y="0"/>
+          <a:chExt cx="0" cy="0"/>
+        </a:xfrm>
+      </p:grpSpPr>
+      <p:sp>
+        <p:nvSpPr>
+          <p:cNvPr id="10" name="Titolo 9">
+            <a:extLst>
+              <a:ext uri="{FF2B5EF4-FFF2-40B4-BE49-F238E27FC236}">
+                <a16:creationId xmlns:a16="http://schemas.microsoft.com/office/drawing/2014/main" id="{4D752CDB-3887-9887-AE35-DA4C5802B103}"/>
+              </a:ext>
+            </a:extLst>
+          </p:cNvPr>
+          <p:cNvSpPr>
+            <a:spLocks noGrp="1"/>
+          </p:cNvSpPr>
+          <p:nvPr>
+            <p:ph type="title"/>
+          </p:nvPr>
+        </p:nvSpPr>
+        <p:spPr>
+          <a:xfrm>
+            <a:off x="762000" y="457200"/>
+            <a:ext cx="8991600" cy="1077218"/>
+          </a:xfrm>
+        </p:spPr>
+        <p:txBody>
+          <a:bodyPr/>
+          <a:lstStyle/>
+          <a:p>
+            <a:r>
+              <a:rPr lang="en-GB" noProof="0" dirty="0">
+                <a:latin typeface="Arial Black" panose="020B0A04020102020204" pitchFamily="34" charset="0"/>
+              </a:rPr>
+              <a:t>Practical implementation –  </a:t>
+            </a:r>
+            <a:br>
+              <a:rPr lang="en-GB" noProof="0" dirty="0">
+                <a:latin typeface="Arial Black" panose="020B0A04020102020204" pitchFamily="34" charset="0"/>
+              </a:rPr>
+            </a:br>
+            <a:r>
+              <a:rPr lang="en-GB" noProof="0" dirty="0">
+                <a:latin typeface="Arial Black" panose="020B0A04020102020204" pitchFamily="34" charset="0"/>
+              </a:rPr>
+              <a:t>Estimation of system order</a:t>
+            </a:r>
+          </a:p>
+        </p:txBody>
+      </p:sp>
+      <mc:AlternateContent xmlns:mc="http://schemas.openxmlformats.org/markup-compatibility/2006" xmlns:a14="http://schemas.microsoft.com/office/drawing/2010/main">
+        <mc:Choice Requires="a14">
+          <p:sp>
+            <p:nvSpPr>
+              <p:cNvPr id="4" name="CasellaDiTesto 3">
+                <a:extLst>
+                  <a:ext uri="{FF2B5EF4-FFF2-40B4-BE49-F238E27FC236}">
+                    <a16:creationId xmlns:a16="http://schemas.microsoft.com/office/drawing/2014/main" id="{CC6AA8DD-957B-A3D1-1A30-EE9E382B19EA}"/>
+                  </a:ext>
+                </a:extLst>
+              </p:cNvPr>
+              <p:cNvSpPr txBox="1"/>
+              <p:nvPr/>
+            </p:nvSpPr>
+            <p:spPr>
+              <a:xfrm>
+                <a:off x="762000" y="1676400"/>
+                <a:ext cx="10134600" cy="4524315"/>
+              </a:xfrm>
+              <a:prstGeom prst="rect">
+                <a:avLst/>
+              </a:prstGeom>
+              <a:noFill/>
+            </p:spPr>
+            <p:txBody>
+              <a:bodyPr wrap="square">
+                <a:spAutoFit/>
+              </a:bodyPr>
+              <a:lstStyle/>
+              <a:p>
+                <a:pPr algn="just"/>
+                <a:r>
+                  <a:rPr lang="en-GB" sz="2400" noProof="0" dirty="0">
+                    <a:latin typeface="Arial" panose="020B0604020202020204" pitchFamily="34" charset="0"/>
+                    <a:cs typeface="Arial" panose="020B0604020202020204" pitchFamily="34" charset="0"/>
+                  </a:rPr>
+                  <a:t>We can estimate the system’s order </a:t>
+                </a:r>
+                <a14:m>
+                  <m:oMath xmlns:m="http://schemas.openxmlformats.org/officeDocument/2006/math">
+                    <m:acc>
+                      <m:accPr>
+                        <m:chr m:val="̂"/>
+                        <m:ctrlPr>
+                          <a:rPr lang="en-GB" sz="2400" b="0" i="1" noProof="0" smtClean="0">
+                            <a:latin typeface="Cambria Math" panose="02040503050406030204" pitchFamily="18" charset="0"/>
+                            <a:cs typeface="Arial" panose="020B0604020202020204" pitchFamily="34" charset="0"/>
+                          </a:rPr>
+                        </m:ctrlPr>
+                      </m:accPr>
+                      <m:e>
+                        <m:r>
+                          <a:rPr lang="en-GB" sz="2400" b="0" i="1" noProof="0" smtClean="0">
+                            <a:latin typeface="Cambria Math" panose="02040503050406030204" pitchFamily="18" charset="0"/>
+                            <a:cs typeface="Arial" panose="020B0604020202020204" pitchFamily="34" charset="0"/>
+                          </a:rPr>
+                          <m:t>𝑛</m:t>
+                        </m:r>
+                      </m:e>
+                    </m:acc>
+                  </m:oMath>
+                </a14:m>
+                <a:r>
+                  <a:rPr lang="en-GB" sz="2400" noProof="0" dirty="0">
+                    <a:latin typeface="Arial" panose="020B0604020202020204" pitchFamily="34" charset="0"/>
+                    <a:cs typeface="Arial" panose="020B0604020202020204" pitchFamily="34" charset="0"/>
+                  </a:rPr>
+                  <a:t> after applying SVD decomposition on matrix </a:t>
+                </a:r>
+                <a14:m>
+                  <m:oMath xmlns:m="http://schemas.openxmlformats.org/officeDocument/2006/math">
+                    <m:sSub>
+                      <m:sSubPr>
+                        <m:ctrlPr>
+                          <a:rPr lang="en-GB" sz="2400" i="1" noProof="0" smtClean="0">
+                            <a:latin typeface="Cambria Math" panose="02040503050406030204" pitchFamily="18" charset="0"/>
+                            <a:cs typeface="Arial" panose="020B0604020202020204" pitchFamily="34" charset="0"/>
+                          </a:rPr>
+                        </m:ctrlPr>
+                      </m:sSubPr>
+                      <m:e>
+                        <m:r>
+                          <a:rPr lang="en-GB" sz="2400" b="0" i="1" noProof="0" smtClean="0">
+                            <a:latin typeface="Cambria Math" panose="02040503050406030204" pitchFamily="18" charset="0"/>
+                            <a:cs typeface="Arial" panose="020B0604020202020204" pitchFamily="34" charset="0"/>
+                          </a:rPr>
+                          <m:t>𝐿</m:t>
+                        </m:r>
+                      </m:e>
+                      <m:sub>
+                        <m:r>
+                          <a:rPr lang="en-GB" sz="2400" b="0" i="1" noProof="0" smtClean="0">
+                            <a:latin typeface="Cambria Math" panose="02040503050406030204" pitchFamily="18" charset="0"/>
+                            <a:cs typeface="Arial" panose="020B0604020202020204" pitchFamily="34" charset="0"/>
+                          </a:rPr>
+                          <m:t>𝑤</m:t>
+                        </m:r>
+                      </m:sub>
+                    </m:sSub>
+                  </m:oMath>
+                </a14:m>
+                <a:r>
+                  <a:rPr lang="en-GB" sz="2400" noProof="0" dirty="0">
+                    <a:latin typeface="Arial" panose="020B0604020202020204" pitchFamily="34" charset="0"/>
+                    <a:cs typeface="Arial" panose="020B0604020202020204" pitchFamily="34" charset="0"/>
+                  </a:rPr>
+                  <a:t>, by looking at the singular values of matrix S1.</a:t>
+                </a:r>
+              </a:p>
+              <a:p>
+                <a:pPr algn="just"/>
+                <a:r>
+                  <a:rPr lang="en-GB" sz="2400" noProof="0" dirty="0">
+                    <a:latin typeface="Arial" panose="020B0604020202020204" pitchFamily="34" charset="0"/>
+                    <a:cs typeface="Arial" panose="020B0604020202020204" pitchFamily="34" charset="0"/>
+                  </a:rPr>
+                  <a:t>We decided to use a </a:t>
+                </a:r>
+                <a:r>
+                  <a:rPr lang="en-GB" sz="2400" noProof="0" dirty="0"/>
+                  <a:t>cumulative energy criterion to evaluate </a:t>
+                </a:r>
+                <a14:m>
+                  <m:oMath xmlns:m="http://schemas.openxmlformats.org/officeDocument/2006/math">
+                    <m:acc>
+                      <m:accPr>
+                        <m:chr m:val="̂"/>
+                        <m:ctrlPr>
+                          <a:rPr lang="en-GB" sz="2400" b="0" i="1" noProof="0" smtClean="0">
+                            <a:latin typeface="Cambria Math" panose="02040503050406030204" pitchFamily="18" charset="0"/>
+                            <a:cs typeface="Arial" panose="020B0604020202020204" pitchFamily="34" charset="0"/>
+                          </a:rPr>
+                        </m:ctrlPr>
+                      </m:accPr>
+                      <m:e>
+                        <m:r>
+                          <a:rPr lang="en-GB" sz="2400" b="0" i="1" noProof="0" smtClean="0">
+                            <a:latin typeface="Cambria Math" panose="02040503050406030204" pitchFamily="18" charset="0"/>
+                            <a:cs typeface="Arial" panose="020B0604020202020204" pitchFamily="34" charset="0"/>
+                          </a:rPr>
+                          <m:t>𝑛</m:t>
+                        </m:r>
+                      </m:e>
+                    </m:acc>
+                  </m:oMath>
+                </a14:m>
+                <a:r>
+                  <a:rPr lang="en-GB" sz="2400" noProof="0" dirty="0">
+                    <a:latin typeface="Arial" panose="020B0604020202020204" pitchFamily="34" charset="0"/>
+                    <a:cs typeface="Arial" panose="020B0604020202020204" pitchFamily="34" charset="0"/>
+                  </a:rPr>
+                  <a:t> automatically, by picking </a:t>
+                </a:r>
+                <a:r>
+                  <a:rPr lang="en-GB" sz="2400" noProof="0" dirty="0"/>
+                  <a:t>the smallest integer such that the cumulative sum of the squared singular values accounts for at least 95% of the total energy.</a:t>
+                </a:r>
+              </a:p>
+              <a:p>
+                <a:pPr algn="just"/>
+                <a:endParaRPr lang="en-GB" sz="2400" noProof="0" dirty="0">
+                  <a:latin typeface="Arial" panose="020B0604020202020204" pitchFamily="34" charset="0"/>
+                  <a:cs typeface="Arial" panose="020B0604020202020204" pitchFamily="34" charset="0"/>
+                </a:endParaRPr>
+              </a:p>
+              <a:p>
+                <a:pPr algn="just"/>
+                <a:endParaRPr lang="en-GB" sz="2400" noProof="0" dirty="0">
+                  <a:latin typeface="Arial" panose="020B0604020202020204" pitchFamily="34" charset="0"/>
+                  <a:cs typeface="Arial" panose="020B0604020202020204" pitchFamily="34" charset="0"/>
+                </a:endParaRPr>
+              </a:p>
+              <a:p>
+                <a:pPr algn="just"/>
+                <a:endParaRPr lang="en-GB" sz="2400" noProof="0" dirty="0">
+                  <a:latin typeface="Arial" panose="020B0604020202020204" pitchFamily="34" charset="0"/>
+                  <a:cs typeface="Arial" panose="020B0604020202020204" pitchFamily="34" charset="0"/>
+                </a:endParaRPr>
+              </a:p>
+              <a:p>
+                <a:pPr algn="just"/>
+                <a:endParaRPr lang="en-GB" sz="2400" noProof="0" dirty="0">
+                  <a:latin typeface="Arial" panose="020B0604020202020204" pitchFamily="34" charset="0"/>
+                  <a:cs typeface="Arial" panose="020B0604020202020204" pitchFamily="34" charset="0"/>
+                </a:endParaRPr>
+              </a:p>
+              <a:p>
+                <a:pPr algn="just"/>
+                <a:endParaRPr lang="en-GB" sz="2400" noProof="0" dirty="0">
+                  <a:latin typeface="Arial" panose="020B0604020202020204" pitchFamily="34" charset="0"/>
+                  <a:cs typeface="Arial" panose="020B0604020202020204" pitchFamily="34" charset="0"/>
+                </a:endParaRPr>
+              </a:p>
+              <a:p>
+                <a:pPr algn="just"/>
+                <a:endParaRPr lang="en-GB" sz="2400" noProof="0" dirty="0">
+                  <a:latin typeface="Arial" panose="020B0604020202020204" pitchFamily="34" charset="0"/>
+                  <a:cs typeface="Arial" panose="020B0604020202020204" pitchFamily="34" charset="0"/>
+                </a:endParaRPr>
+              </a:p>
+            </p:txBody>
+          </p:sp>
+        </mc:Choice>
+        <mc:Fallback xmlns="">
+          <p:sp>
+            <p:nvSpPr>
+              <p:cNvPr id="4" name="CasellaDiTesto 3">
+                <a:extLst>
+                  <a:ext uri="{FF2B5EF4-FFF2-40B4-BE49-F238E27FC236}">
+                    <a16:creationId xmlns:a16="http://schemas.microsoft.com/office/drawing/2014/main" id="{CC6AA8DD-957B-A3D1-1A30-EE9E382B19EA}"/>
+                  </a:ext>
+                </a:extLst>
+              </p:cNvPr>
+              <p:cNvSpPr txBox="1">
+                <a:spLocks noRot="1" noChangeAspect="1" noMove="1" noResize="1" noEditPoints="1" noAdjustHandles="1" noChangeArrowheads="1" noChangeShapeType="1" noTextEdit="1"/>
+              </p:cNvSpPr>
+              <p:nvPr/>
+            </p:nvSpPr>
+            <p:spPr>
+              <a:xfrm>
+                <a:off x="762000" y="1676400"/>
+                <a:ext cx="10134600" cy="4524315"/>
+              </a:xfrm>
+              <a:prstGeom prst="rect">
+                <a:avLst/>
+              </a:prstGeom>
+              <a:blipFill>
+                <a:blip r:embed="rId2"/>
+                <a:stretch>
+                  <a:fillRect l="-902" t="-943" r="-3728"/>
+                </a:stretch>
+              </a:blipFill>
+            </p:spPr>
+            <p:txBody>
+              <a:bodyPr/>
+              <a:lstStyle/>
+              <a:p>
+                <a:r>
+                  <a:rPr lang="it-IT">
+                    <a:noFill/>
+                  </a:rPr>
+                  <a:t> </a:t>
+                </a:r>
+              </a:p>
+            </p:txBody>
+          </p:sp>
+        </mc:Fallback>
+      </mc:AlternateContent>
+      <p:pic>
+        <p:nvPicPr>
+          <p:cNvPr id="1026" name="Picture 2">
+            <a:extLst>
+              <a:ext uri="{FF2B5EF4-FFF2-40B4-BE49-F238E27FC236}">
+                <a16:creationId xmlns:a16="http://schemas.microsoft.com/office/drawing/2014/main" id="{8FA0D3FF-DD37-DAFF-95E9-1631B0AB5433}"/>
+              </a:ext>
+            </a:extLst>
+          </p:cNvPr>
+          <p:cNvPicPr>
+            <a:picLocks noChangeAspect="1" noChangeArrowheads="1"/>
+          </p:cNvPicPr>
+          <p:nvPr/>
+        </p:nvPicPr>
+        <p:blipFill>
+          <a:blip r:embed="rId3">
+            <a:extLst>
+              <a:ext uri="{28A0092B-C50C-407E-A947-70E740481C1C}">
+                <a14:useLocalDpi xmlns:a14="http://schemas.microsoft.com/office/drawing/2010/main" val="0"/>
+              </a:ext>
+            </a:extLst>
+          </a:blip>
+          <a:srcRect/>
+          <a:stretch>
+            <a:fillRect/>
+          </a:stretch>
+        </p:blipFill>
+        <p:spPr bwMode="auto">
+          <a:xfrm>
+            <a:off x="914400" y="4114800"/>
+            <a:ext cx="4800600" cy="1662399"/>
+          </a:xfrm>
+          <a:prstGeom prst="rect">
+            <a:avLst/>
+          </a:prstGeom>
+          <a:noFill/>
+          <a:extLst>
+            <a:ext uri="{909E8E84-426E-40DD-AFC4-6F175D3DCCD1}">
+              <a14:hiddenFill xmlns:a14="http://schemas.microsoft.com/office/drawing/2010/main">
+                <a:solidFill>
+                  <a:srgbClr val="FFFFFF"/>
+                </a:solidFill>
+              </a14:hiddenFill>
+            </a:ext>
+          </a:extLst>
+        </p:spPr>
+      </p:pic>
+    </p:spTree>
+    <p:extLst>
+      <p:ext uri="{BB962C8B-B14F-4D97-AF65-F5344CB8AC3E}">
+        <p14:creationId xmlns:p14="http://schemas.microsoft.com/office/powerpoint/2010/main" val="2225539368"/>
       </p:ext>
     </p:extLst>
   </p:cSld>
@@ -8485,21 +8015,7 @@
                 <a:latin typeface="Arial" panose="020B0604020202020204" pitchFamily="34" charset="0"/>
                 <a:cs typeface="Arial" panose="020B0604020202020204" pitchFamily="34" charset="0"/>
               </a:rPr>
-              <a:t>“combine Subspace Identification and Model Predictive Control methods in a very elegant </a:t>
-            </a:r>
-            <a:r>
-              <a:rPr lang="en-GB" sz="2400" i="1" dirty="0">
-                <a:latin typeface="Arial" panose="020B0604020202020204" pitchFamily="34" charset="0"/>
-                <a:cs typeface="Arial" panose="020B0604020202020204" pitchFamily="34" charset="0"/>
-              </a:rPr>
-              <a:t>w</a:t>
-            </a:r>
-            <a:r>
-              <a:rPr lang="en-GB" sz="2400" i="1" noProof="0" dirty="0">
-                <a:latin typeface="Arial" panose="020B0604020202020204" pitchFamily="34" charset="0"/>
-                <a:cs typeface="Arial" panose="020B0604020202020204" pitchFamily="34" charset="0"/>
-              </a:rPr>
-              <a:t>ay to form a numerically robust and easily implementable control/identification algorithm”. </a:t>
+              <a:t>“combine Subspace Identification and Model Predictive Control methods in a very elegant way to form a numerically robust and easily implementable control/identification algorithm”. </a:t>
             </a:r>
           </a:p>
           <a:p>
@@ -8522,6 +8038,1386 @@
     <p:extLst>
       <p:ext uri="{BB962C8B-B14F-4D97-AF65-F5344CB8AC3E}">
         <p14:creationId xmlns:p14="http://schemas.microsoft.com/office/powerpoint/2010/main" val="1532105063"/>
+      </p:ext>
+    </p:extLst>
+  </p:cSld>
+  <p:clrMapOvr>
+    <a:masterClrMapping/>
+  </p:clrMapOvr>
+</p:sld>
+</file>
+
+<file path=ppt/slides/slide20.xml><?xml version="1.0" encoding="utf-8"?>
+<p:sld xmlns:a="http://schemas.openxmlformats.org/drawingml/2006/main" xmlns:r="http://schemas.openxmlformats.org/officeDocument/2006/relationships" xmlns:p="http://schemas.openxmlformats.org/presentationml/2006/main">
+  <p:cSld>
+    <p:spTree>
+      <p:nvGrpSpPr>
+        <p:cNvPr id="1" name="">
+          <a:extLst>
+            <a:ext uri="{FF2B5EF4-FFF2-40B4-BE49-F238E27FC236}">
+              <a16:creationId xmlns:a16="http://schemas.microsoft.com/office/drawing/2014/main" id="{1562E082-FFFA-7779-6229-78A6BF9D2327}"/>
+            </a:ext>
+          </a:extLst>
+        </p:cNvPr>
+        <p:cNvGrpSpPr/>
+        <p:nvPr/>
+      </p:nvGrpSpPr>
+      <p:grpSpPr>
+        <a:xfrm>
+          <a:off x="0" y="0"/>
+          <a:ext cx="0" cy="0"/>
+          <a:chOff x="0" y="0"/>
+          <a:chExt cx="0" cy="0"/>
+        </a:xfrm>
+      </p:grpSpPr>
+      <p:sp>
+        <p:nvSpPr>
+          <p:cNvPr id="10" name="Titolo 9">
+            <a:extLst>
+              <a:ext uri="{FF2B5EF4-FFF2-40B4-BE49-F238E27FC236}">
+                <a16:creationId xmlns:a16="http://schemas.microsoft.com/office/drawing/2014/main" id="{A1519D1F-263B-AF81-752D-F61F7DE0F862}"/>
+              </a:ext>
+            </a:extLst>
+          </p:cNvPr>
+          <p:cNvSpPr>
+            <a:spLocks noGrp="1"/>
+          </p:cNvSpPr>
+          <p:nvPr>
+            <p:ph type="title"/>
+          </p:nvPr>
+        </p:nvSpPr>
+        <p:spPr>
+          <a:xfrm>
+            <a:off x="762000" y="457200"/>
+            <a:ext cx="8991600" cy="1077218"/>
+          </a:xfrm>
+        </p:spPr>
+        <p:txBody>
+          <a:bodyPr/>
+          <a:lstStyle/>
+          <a:p>
+            <a:r>
+              <a:rPr lang="en-GB" noProof="0" dirty="0">
+                <a:latin typeface="Arial Black" panose="020B0A04020102020204" pitchFamily="34" charset="0"/>
+              </a:rPr>
+              <a:t>Practical implementation –  </a:t>
+            </a:r>
+            <a:br>
+              <a:rPr lang="en-GB" noProof="0" dirty="0">
+                <a:latin typeface="Arial Black" panose="020B0A04020102020204" pitchFamily="34" charset="0"/>
+              </a:rPr>
+            </a:br>
+            <a:r>
+              <a:rPr lang="en-GB" noProof="0" dirty="0">
+                <a:latin typeface="Arial Black" panose="020B0A04020102020204" pitchFamily="34" charset="0"/>
+              </a:rPr>
+              <a:t>Plotting the prediction performance</a:t>
+            </a:r>
+          </a:p>
+        </p:txBody>
+      </p:sp>
+      <p:sp>
+        <p:nvSpPr>
+          <p:cNvPr id="4" name="CasellaDiTesto 3">
+            <a:extLst>
+              <a:ext uri="{FF2B5EF4-FFF2-40B4-BE49-F238E27FC236}">
+                <a16:creationId xmlns:a16="http://schemas.microsoft.com/office/drawing/2014/main" id="{B58E9DF5-5D4E-4C05-75D5-71047A6C2AD9}"/>
+              </a:ext>
+            </a:extLst>
+          </p:cNvPr>
+          <p:cNvSpPr txBox="1"/>
+          <p:nvPr/>
+        </p:nvSpPr>
+        <p:spPr>
+          <a:xfrm>
+            <a:off x="762000" y="1676400"/>
+            <a:ext cx="10134600" cy="1569660"/>
+          </a:xfrm>
+          <a:prstGeom prst="rect">
+            <a:avLst/>
+          </a:prstGeom>
+          <a:noFill/>
+        </p:spPr>
+        <p:txBody>
+          <a:bodyPr wrap="square">
+            <a:spAutoFit/>
+          </a:bodyPr>
+          <a:lstStyle/>
+          <a:p>
+            <a:pPr algn="just"/>
+            <a:r>
+              <a:rPr lang="en-GB" sz="2400" noProof="0" dirty="0">
+                <a:latin typeface="Arial" panose="020B0604020202020204" pitchFamily="34" charset="0"/>
+                <a:cs typeface="Arial" panose="020B0604020202020204" pitchFamily="34" charset="0"/>
+              </a:rPr>
+              <a:t>The predicted output can be calculated as:</a:t>
+            </a:r>
+          </a:p>
+          <a:p>
+            <a:pPr algn="just"/>
+            <a:r>
+              <a:rPr lang="en-GB" sz="2400" noProof="0" dirty="0">
+                <a:latin typeface="Arial" panose="020B0604020202020204" pitchFamily="34" charset="0"/>
+                <a:cs typeface="Arial" panose="020B0604020202020204" pitchFamily="34" charset="0"/>
+              </a:rPr>
+              <a:t>We compared it to the output generated by the actual system.</a:t>
+            </a:r>
+          </a:p>
+          <a:p>
+            <a:pPr algn="just"/>
+            <a:endParaRPr lang="en-GB" sz="2400" noProof="0" dirty="0">
+              <a:latin typeface="Arial" panose="020B0604020202020204" pitchFamily="34" charset="0"/>
+              <a:cs typeface="Arial" panose="020B0604020202020204" pitchFamily="34" charset="0"/>
+            </a:endParaRPr>
+          </a:p>
+          <a:p>
+            <a:pPr algn="just"/>
+            <a:endParaRPr lang="en-GB" sz="2400" noProof="0" dirty="0">
+              <a:latin typeface="Arial" panose="020B0604020202020204" pitchFamily="34" charset="0"/>
+              <a:cs typeface="Arial" panose="020B0604020202020204" pitchFamily="34" charset="0"/>
+            </a:endParaRPr>
+          </a:p>
+        </p:txBody>
+      </p:sp>
+      <p:pic>
+        <p:nvPicPr>
+          <p:cNvPr id="2050" name="Picture 2">
+            <a:extLst>
+              <a:ext uri="{FF2B5EF4-FFF2-40B4-BE49-F238E27FC236}">
+                <a16:creationId xmlns:a16="http://schemas.microsoft.com/office/drawing/2014/main" id="{AEA7DC3D-1D44-2762-5C2E-62109223B427}"/>
+              </a:ext>
+            </a:extLst>
+          </p:cNvPr>
+          <p:cNvPicPr>
+            <a:picLocks noChangeAspect="1" noChangeArrowheads="1"/>
+          </p:cNvPicPr>
+          <p:nvPr/>
+        </p:nvPicPr>
+        <p:blipFill>
+          <a:blip r:embed="rId2">
+            <a:extLst>
+              <a:ext uri="{28A0092B-C50C-407E-A947-70E740481C1C}">
+                <a14:useLocalDpi xmlns:a14="http://schemas.microsoft.com/office/drawing/2010/main" val="0"/>
+              </a:ext>
+            </a:extLst>
+          </a:blip>
+          <a:srcRect/>
+          <a:stretch>
+            <a:fillRect/>
+          </a:stretch>
+        </p:blipFill>
+        <p:spPr bwMode="auto">
+          <a:xfrm>
+            <a:off x="6629400" y="1600200"/>
+            <a:ext cx="3773714" cy="508000"/>
+          </a:xfrm>
+          <a:prstGeom prst="rect">
+            <a:avLst/>
+          </a:prstGeom>
+          <a:noFill/>
+          <a:extLst>
+            <a:ext uri="{909E8E84-426E-40DD-AFC4-6F175D3DCCD1}">
+              <a14:hiddenFill xmlns:a14="http://schemas.microsoft.com/office/drawing/2010/main">
+                <a:solidFill>
+                  <a:srgbClr val="FFFFFF"/>
+                </a:solidFill>
+              </a14:hiddenFill>
+            </a:ext>
+          </a:extLst>
+        </p:spPr>
+      </p:pic>
+      <p:pic>
+        <p:nvPicPr>
+          <p:cNvPr id="3" name="Immagine 2" descr="Immagine che contiene testo, schermata, Diagramma, linea&#10;&#10;Il contenuto generato dall'IA potrebbe non essere corretto.">
+            <a:extLst>
+              <a:ext uri="{FF2B5EF4-FFF2-40B4-BE49-F238E27FC236}">
+                <a16:creationId xmlns:a16="http://schemas.microsoft.com/office/drawing/2014/main" id="{899D9F99-7920-C0E4-D436-367C351DF7AD}"/>
+              </a:ext>
+            </a:extLst>
+          </p:cNvPr>
+          <p:cNvPicPr>
+            <a:picLocks noChangeAspect="1"/>
+          </p:cNvPicPr>
+          <p:nvPr/>
+        </p:nvPicPr>
+        <p:blipFill>
+          <a:blip r:embed="rId3">
+            <a:extLst>
+              <a:ext uri="{28A0092B-C50C-407E-A947-70E740481C1C}">
+                <a14:useLocalDpi xmlns:a14="http://schemas.microsoft.com/office/drawing/2010/main" val="0"/>
+              </a:ext>
+            </a:extLst>
+          </a:blip>
+          <a:stretch>
+            <a:fillRect/>
+          </a:stretch>
+        </p:blipFill>
+        <p:spPr>
+          <a:xfrm>
+            <a:off x="457200" y="2759605"/>
+            <a:ext cx="5615762" cy="2508703"/>
+          </a:xfrm>
+          <a:prstGeom prst="rect">
+            <a:avLst/>
+          </a:prstGeom>
+        </p:spPr>
+      </p:pic>
+      <p:pic>
+        <p:nvPicPr>
+          <p:cNvPr id="6" name="Immagine 5" descr="Immagine che contiene testo, schermata, Carattere, linea&#10;&#10;Il contenuto generato dall'IA potrebbe non essere corretto.">
+            <a:extLst>
+              <a:ext uri="{FF2B5EF4-FFF2-40B4-BE49-F238E27FC236}">
+                <a16:creationId xmlns:a16="http://schemas.microsoft.com/office/drawing/2014/main" id="{621CCC16-6DC9-A299-C303-99D710CBEBF0}"/>
+              </a:ext>
+            </a:extLst>
+          </p:cNvPr>
+          <p:cNvPicPr>
+            <a:picLocks noChangeAspect="1"/>
+          </p:cNvPicPr>
+          <p:nvPr/>
+        </p:nvPicPr>
+        <p:blipFill>
+          <a:blip r:embed="rId4">
+            <a:extLst>
+              <a:ext uri="{28A0092B-C50C-407E-A947-70E740481C1C}">
+                <a14:useLocalDpi xmlns:a14="http://schemas.microsoft.com/office/drawing/2010/main" val="0"/>
+              </a:ext>
+            </a:extLst>
+          </a:blip>
+          <a:stretch>
+            <a:fillRect/>
+          </a:stretch>
+        </p:blipFill>
+        <p:spPr>
+          <a:xfrm>
+            <a:off x="5943600" y="2819400"/>
+            <a:ext cx="5589082" cy="2508704"/>
+          </a:xfrm>
+          <a:prstGeom prst="rect">
+            <a:avLst/>
+          </a:prstGeom>
+        </p:spPr>
+      </p:pic>
+    </p:spTree>
+    <p:extLst>
+      <p:ext uri="{BB962C8B-B14F-4D97-AF65-F5344CB8AC3E}">
+        <p14:creationId xmlns:p14="http://schemas.microsoft.com/office/powerpoint/2010/main" val="4239535867"/>
+      </p:ext>
+    </p:extLst>
+  </p:cSld>
+  <p:clrMapOvr>
+    <a:masterClrMapping/>
+  </p:clrMapOvr>
+</p:sld>
+</file>
+
+<file path=ppt/slides/slide21.xml><?xml version="1.0" encoding="utf-8"?>
+<p:sld xmlns:a="http://schemas.openxmlformats.org/drawingml/2006/main" xmlns:r="http://schemas.openxmlformats.org/officeDocument/2006/relationships" xmlns:p="http://schemas.openxmlformats.org/presentationml/2006/main">
+  <p:cSld>
+    <p:spTree>
+      <p:nvGrpSpPr>
+        <p:cNvPr id="1" name="">
+          <a:extLst>
+            <a:ext uri="{FF2B5EF4-FFF2-40B4-BE49-F238E27FC236}">
+              <a16:creationId xmlns:a16="http://schemas.microsoft.com/office/drawing/2014/main" id="{2BE1A642-3A1F-D288-0DA9-81F70467CD9E}"/>
+            </a:ext>
+          </a:extLst>
+        </p:cNvPr>
+        <p:cNvGrpSpPr/>
+        <p:nvPr/>
+      </p:nvGrpSpPr>
+      <p:grpSpPr>
+        <a:xfrm>
+          <a:off x="0" y="0"/>
+          <a:ext cx="0" cy="0"/>
+          <a:chOff x="0" y="0"/>
+          <a:chExt cx="0" cy="0"/>
+        </a:xfrm>
+      </p:grpSpPr>
+      <p:sp>
+        <p:nvSpPr>
+          <p:cNvPr id="10" name="Titolo 9">
+            <a:extLst>
+              <a:ext uri="{FF2B5EF4-FFF2-40B4-BE49-F238E27FC236}">
+                <a16:creationId xmlns:a16="http://schemas.microsoft.com/office/drawing/2014/main" id="{74A1493D-34D2-78D7-2A34-6B3505047174}"/>
+              </a:ext>
+            </a:extLst>
+          </p:cNvPr>
+          <p:cNvSpPr>
+            <a:spLocks noGrp="1"/>
+          </p:cNvSpPr>
+          <p:nvPr>
+            <p:ph type="title"/>
+          </p:nvPr>
+        </p:nvSpPr>
+        <p:spPr>
+          <a:xfrm>
+            <a:off x="762000" y="457200"/>
+            <a:ext cx="8991600" cy="1077218"/>
+          </a:xfrm>
+        </p:spPr>
+        <p:txBody>
+          <a:bodyPr/>
+          <a:lstStyle/>
+          <a:p>
+            <a:r>
+              <a:rPr lang="en-GB" noProof="0" dirty="0">
+                <a:latin typeface="Arial Black" panose="020B0A04020102020204" pitchFamily="34" charset="0"/>
+              </a:rPr>
+              <a:t>Practical implementation –  </a:t>
+            </a:r>
+            <a:br>
+              <a:rPr lang="en-GB" noProof="0" dirty="0">
+                <a:latin typeface="Arial Black" panose="020B0A04020102020204" pitchFamily="34" charset="0"/>
+              </a:rPr>
+            </a:br>
+            <a:r>
+              <a:rPr lang="en-GB" noProof="0" dirty="0">
+                <a:latin typeface="Arial Black" panose="020B0A04020102020204" pitchFamily="34" charset="0"/>
+              </a:rPr>
+              <a:t>MPC implementation</a:t>
+            </a:r>
+          </a:p>
+        </p:txBody>
+      </p:sp>
+      <p:sp>
+        <p:nvSpPr>
+          <p:cNvPr id="4" name="CasellaDiTesto 3">
+            <a:extLst>
+              <a:ext uri="{FF2B5EF4-FFF2-40B4-BE49-F238E27FC236}">
+                <a16:creationId xmlns:a16="http://schemas.microsoft.com/office/drawing/2014/main" id="{9B203052-5DF3-BA5B-7F15-A1788A68D432}"/>
+              </a:ext>
+            </a:extLst>
+          </p:cNvPr>
+          <p:cNvSpPr txBox="1"/>
+          <p:nvPr/>
+        </p:nvSpPr>
+        <p:spPr>
+          <a:xfrm>
+            <a:off x="762000" y="1676400"/>
+            <a:ext cx="3429000" cy="3416320"/>
+          </a:xfrm>
+          <a:prstGeom prst="rect">
+            <a:avLst/>
+          </a:prstGeom>
+          <a:noFill/>
+        </p:spPr>
+        <p:txBody>
+          <a:bodyPr wrap="square">
+            <a:spAutoFit/>
+          </a:bodyPr>
+          <a:lstStyle/>
+          <a:p>
+            <a:pPr algn="just"/>
+            <a:r>
+              <a:rPr lang="en-GB" sz="2400" dirty="0">
+                <a:latin typeface="Arial" panose="020B0604020202020204" pitchFamily="34" charset="0"/>
+                <a:cs typeface="Arial" panose="020B0604020202020204" pitchFamily="34" charset="0"/>
+              </a:rPr>
+              <a:t>The second half of the algorithm, the one executing control on the system, had to be done on a running simulation instead of “offline” like with SSI.</a:t>
+            </a:r>
+          </a:p>
+          <a:p>
+            <a:pPr algn="just"/>
+            <a:endParaRPr lang="en-GB" sz="2400" noProof="0" dirty="0">
+              <a:latin typeface="Arial" panose="020B0604020202020204" pitchFamily="34" charset="0"/>
+              <a:cs typeface="Arial" panose="020B0604020202020204" pitchFamily="34" charset="0"/>
+            </a:endParaRPr>
+          </a:p>
+          <a:p>
+            <a:pPr algn="just"/>
+            <a:endParaRPr lang="en-GB" sz="2400" noProof="0" dirty="0">
+              <a:latin typeface="Arial" panose="020B0604020202020204" pitchFamily="34" charset="0"/>
+              <a:cs typeface="Arial" panose="020B0604020202020204" pitchFamily="34" charset="0"/>
+            </a:endParaRPr>
+          </a:p>
+        </p:txBody>
+      </p:sp>
+      <p:pic>
+        <p:nvPicPr>
+          <p:cNvPr id="6" name="Immagine 5" descr="Immagine che contiene testo, schermata, Carattere&#10;&#10;Il contenuto generato dall'IA potrebbe non essere corretto.">
+            <a:extLst>
+              <a:ext uri="{FF2B5EF4-FFF2-40B4-BE49-F238E27FC236}">
+                <a16:creationId xmlns:a16="http://schemas.microsoft.com/office/drawing/2014/main" id="{0AD033A2-2807-739F-BB10-8AE63330F7AF}"/>
+              </a:ext>
+            </a:extLst>
+          </p:cNvPr>
+          <p:cNvPicPr>
+            <a:picLocks noChangeAspect="1"/>
+          </p:cNvPicPr>
+          <p:nvPr/>
+        </p:nvPicPr>
+        <p:blipFill>
+          <a:blip r:embed="rId2">
+            <a:extLst>
+              <a:ext uri="{28A0092B-C50C-407E-A947-70E740481C1C}">
+                <a14:useLocalDpi xmlns:a14="http://schemas.microsoft.com/office/drawing/2010/main" val="0"/>
+              </a:ext>
+            </a:extLst>
+          </a:blip>
+          <a:stretch>
+            <a:fillRect/>
+          </a:stretch>
+        </p:blipFill>
+        <p:spPr>
+          <a:xfrm>
+            <a:off x="4424770" y="1752600"/>
+            <a:ext cx="7005230" cy="3914867"/>
+          </a:xfrm>
+          <a:prstGeom prst="rect">
+            <a:avLst/>
+          </a:prstGeom>
+        </p:spPr>
+      </p:pic>
+    </p:spTree>
+    <p:extLst>
+      <p:ext uri="{BB962C8B-B14F-4D97-AF65-F5344CB8AC3E}">
+        <p14:creationId xmlns:p14="http://schemas.microsoft.com/office/powerpoint/2010/main" val="1018734231"/>
+      </p:ext>
+    </p:extLst>
+  </p:cSld>
+  <p:clrMapOvr>
+    <a:masterClrMapping/>
+  </p:clrMapOvr>
+</p:sld>
+</file>
+
+<file path=ppt/slides/slide22.xml><?xml version="1.0" encoding="utf-8"?>
+<p:sld xmlns:a="http://schemas.openxmlformats.org/drawingml/2006/main" xmlns:r="http://schemas.openxmlformats.org/officeDocument/2006/relationships" xmlns:p="http://schemas.openxmlformats.org/presentationml/2006/main">
+  <p:cSld>
+    <p:spTree>
+      <p:nvGrpSpPr>
+        <p:cNvPr id="1" name="">
+          <a:extLst>
+            <a:ext uri="{FF2B5EF4-FFF2-40B4-BE49-F238E27FC236}">
+              <a16:creationId xmlns:a16="http://schemas.microsoft.com/office/drawing/2014/main" id="{1B9EE3FC-9749-3422-6946-63EB535C9DC1}"/>
+            </a:ext>
+          </a:extLst>
+        </p:cNvPr>
+        <p:cNvGrpSpPr/>
+        <p:nvPr/>
+      </p:nvGrpSpPr>
+      <p:grpSpPr>
+        <a:xfrm>
+          <a:off x="0" y="0"/>
+          <a:ext cx="0" cy="0"/>
+          <a:chOff x="0" y="0"/>
+          <a:chExt cx="0" cy="0"/>
+        </a:xfrm>
+      </p:grpSpPr>
+      <p:sp>
+        <p:nvSpPr>
+          <p:cNvPr id="10" name="Titolo 9">
+            <a:extLst>
+              <a:ext uri="{FF2B5EF4-FFF2-40B4-BE49-F238E27FC236}">
+                <a16:creationId xmlns:a16="http://schemas.microsoft.com/office/drawing/2014/main" id="{019A4EA5-FC53-2DBA-69F9-463BC3EA12FA}"/>
+              </a:ext>
+            </a:extLst>
+          </p:cNvPr>
+          <p:cNvSpPr>
+            <a:spLocks noGrp="1"/>
+          </p:cNvSpPr>
+          <p:nvPr>
+            <p:ph type="title"/>
+          </p:nvPr>
+        </p:nvSpPr>
+        <p:spPr>
+          <a:xfrm>
+            <a:off x="762000" y="457200"/>
+            <a:ext cx="8991600" cy="1077218"/>
+          </a:xfrm>
+        </p:spPr>
+        <p:txBody>
+          <a:bodyPr/>
+          <a:lstStyle/>
+          <a:p>
+            <a:r>
+              <a:rPr lang="en-GB" noProof="0" dirty="0">
+                <a:latin typeface="Arial Black" panose="020B0A04020102020204" pitchFamily="34" charset="0"/>
+              </a:rPr>
+              <a:t>Practical implementation –  </a:t>
+            </a:r>
+            <a:br>
+              <a:rPr lang="en-GB" noProof="0" dirty="0">
+                <a:latin typeface="Arial Black" panose="020B0A04020102020204" pitchFamily="34" charset="0"/>
+              </a:rPr>
+            </a:br>
+            <a:r>
+              <a:rPr lang="en-GB" noProof="0" dirty="0">
+                <a:latin typeface="Arial Black" panose="020B0A04020102020204" pitchFamily="34" charset="0"/>
+              </a:rPr>
+              <a:t>Recursive step</a:t>
+            </a:r>
+          </a:p>
+        </p:txBody>
+      </p:sp>
+      <mc:AlternateContent xmlns:mc="http://schemas.openxmlformats.org/markup-compatibility/2006">
+        <mc:Choice xmlns:a14="http://schemas.microsoft.com/office/drawing/2010/main" Requires="a14">
+          <p:sp>
+            <p:nvSpPr>
+              <p:cNvPr id="4" name="CasellaDiTesto 3">
+                <a:extLst>
+                  <a:ext uri="{FF2B5EF4-FFF2-40B4-BE49-F238E27FC236}">
+                    <a16:creationId xmlns:a16="http://schemas.microsoft.com/office/drawing/2014/main" id="{D74AFCE4-258D-25C7-3445-1E0120CA47CE}"/>
+                  </a:ext>
+                </a:extLst>
+              </p:cNvPr>
+              <p:cNvSpPr txBox="1"/>
+              <p:nvPr/>
+            </p:nvSpPr>
+            <p:spPr>
+              <a:xfrm>
+                <a:off x="762000" y="1676400"/>
+                <a:ext cx="10134600" cy="4183518"/>
+              </a:xfrm>
+              <a:prstGeom prst="rect">
+                <a:avLst/>
+              </a:prstGeom>
+              <a:noFill/>
+            </p:spPr>
+            <p:txBody>
+              <a:bodyPr wrap="square">
+                <a:spAutoFit/>
+              </a:bodyPr>
+              <a:lstStyle/>
+              <a:p>
+                <a:pPr algn="just"/>
+                <a:r>
+                  <a:rPr lang="en-GB" sz="2400" noProof="0" dirty="0">
+                    <a:latin typeface="Arial" panose="020B0604020202020204" pitchFamily="34" charset="0"/>
+                    <a:cs typeface="Arial" panose="020B0604020202020204" pitchFamily="34" charset="0"/>
+                  </a:rPr>
+                  <a:t>During simulation, the operation for each timestep starting from M+1</a:t>
+                </a:r>
+                <a:r>
+                  <a:rPr lang="en-GB" sz="2400" dirty="0">
+                    <a:latin typeface="Arial" panose="020B0604020202020204" pitchFamily="34" charset="0"/>
+                    <a:cs typeface="Arial" panose="020B0604020202020204" pitchFamily="34" charset="0"/>
+                  </a:rPr>
+                  <a:t>:</a:t>
+                </a:r>
+              </a:p>
+              <a:p>
+                <a:pPr marL="342900" indent="-342900" algn="just">
+                  <a:buFont typeface="Arial" panose="020B0604020202020204" pitchFamily="34" charset="0"/>
+                  <a:buChar char="•"/>
+                </a:pPr>
+                <a:r>
+                  <a:rPr lang="en-GB" sz="2400" dirty="0">
+                    <a:latin typeface="Arial" panose="020B0604020202020204" pitchFamily="34" charset="0"/>
+                    <a:cs typeface="Arial" panose="020B0604020202020204" pitchFamily="34" charset="0"/>
+                  </a:rPr>
+                  <a:t>d</a:t>
+                </a:r>
+                <a:r>
+                  <a:rPr lang="en-GB" sz="2400" noProof="0" dirty="0" err="1">
+                    <a:latin typeface="Arial" panose="020B0604020202020204" pitchFamily="34" charset="0"/>
+                    <a:cs typeface="Arial" panose="020B0604020202020204" pitchFamily="34" charset="0"/>
+                  </a:rPr>
+                  <a:t>efine</a:t>
+                </a:r>
+                <a:r>
+                  <a:rPr lang="en-GB" sz="2400" noProof="0" dirty="0">
+                    <a:latin typeface="Arial" panose="020B0604020202020204" pitchFamily="34" charset="0"/>
+                    <a:cs typeface="Arial" panose="020B0604020202020204" pitchFamily="34" charset="0"/>
+                  </a:rPr>
+                  <a:t> the </a:t>
+                </a:r>
+                <a14:m>
+                  <m:oMath xmlns:m="http://schemas.openxmlformats.org/officeDocument/2006/math">
+                    <m:sSub>
+                      <m:sSubPr>
+                        <m:ctrlPr>
+                          <a:rPr lang="en-GB" sz="2400" i="1" noProof="0" smtClean="0">
+                            <a:latin typeface="Cambria Math" panose="02040503050406030204" pitchFamily="18" charset="0"/>
+                            <a:cs typeface="Arial" panose="020B0604020202020204" pitchFamily="34" charset="0"/>
+                          </a:rPr>
+                        </m:ctrlPr>
+                      </m:sSubPr>
+                      <m:e>
+                        <m:r>
+                          <a:rPr lang="en-GB" sz="2400" b="0" i="1" noProof="0" smtClean="0">
+                            <a:latin typeface="Cambria Math" panose="02040503050406030204" pitchFamily="18" charset="0"/>
+                            <a:cs typeface="Arial" panose="020B0604020202020204" pitchFamily="34" charset="0"/>
+                          </a:rPr>
+                          <m:t>𝑤</m:t>
+                        </m:r>
+                      </m:e>
+                      <m:sub>
+                        <m:r>
+                          <a:rPr lang="en-GB" sz="2400" b="0" i="1" noProof="0" smtClean="0">
+                            <a:latin typeface="Cambria Math" panose="02040503050406030204" pitchFamily="18" charset="0"/>
+                            <a:cs typeface="Arial" panose="020B0604020202020204" pitchFamily="34" charset="0"/>
+                          </a:rPr>
+                          <m:t>𝑝</m:t>
+                        </m:r>
+                      </m:sub>
+                    </m:sSub>
+                  </m:oMath>
+                </a14:m>
+                <a:r>
+                  <a:rPr lang="en-GB" sz="2400" noProof="0" dirty="0">
+                    <a:latin typeface="Arial" panose="020B0604020202020204" pitchFamily="34" charset="0"/>
+                    <a:cs typeface="Arial" panose="020B0604020202020204" pitchFamily="34" charset="0"/>
+                  </a:rPr>
+                  <a:t> vector using the past registered M inputs and “registered” outputs;</a:t>
+                </a:r>
+              </a:p>
+              <a:p>
+                <a:pPr marL="342900" indent="-342900" algn="just">
+                  <a:buFont typeface="Arial" panose="020B0604020202020204" pitchFamily="34" charset="0"/>
+                  <a:buChar char="•"/>
+                </a:pPr>
+                <a:r>
+                  <a:rPr lang="en-GB" sz="2400" dirty="0">
+                    <a:latin typeface="Arial" panose="020B0604020202020204" pitchFamily="34" charset="0"/>
+                    <a:cs typeface="Arial" panose="020B0604020202020204" pitchFamily="34" charset="0"/>
+                  </a:rPr>
+                  <a:t>c</a:t>
+                </a:r>
+                <a:r>
+                  <a:rPr lang="en-GB" sz="2400" noProof="0" dirty="0" err="1">
+                    <a:latin typeface="Arial" panose="020B0604020202020204" pitchFamily="34" charset="0"/>
+                    <a:cs typeface="Arial" panose="020B0604020202020204" pitchFamily="34" charset="0"/>
+                  </a:rPr>
+                  <a:t>ompute</a:t>
+                </a:r>
+                <a:r>
+                  <a:rPr lang="en-GB" sz="2400" noProof="0" dirty="0">
+                    <a:latin typeface="Arial" panose="020B0604020202020204" pitchFamily="34" charset="0"/>
+                    <a:cs typeface="Arial" panose="020B0604020202020204" pitchFamily="34" charset="0"/>
+                  </a:rPr>
+                  <a:t> the current </a:t>
+                </a:r>
+                <a14:m>
+                  <m:oMath xmlns:m="http://schemas.openxmlformats.org/officeDocument/2006/math">
+                    <m:sSub>
+                      <m:sSubPr>
+                        <m:ctrlPr>
+                          <a:rPr lang="en-GB" sz="2400" i="1" noProof="0" smtClean="0">
+                            <a:latin typeface="Cambria Math" panose="02040503050406030204" pitchFamily="18" charset="0"/>
+                            <a:cs typeface="Arial" panose="020B0604020202020204" pitchFamily="34" charset="0"/>
+                          </a:rPr>
+                        </m:ctrlPr>
+                      </m:sSubPr>
+                      <m:e>
+                        <m:r>
+                          <a:rPr lang="it-IT" sz="2400" b="0" i="1" noProof="0" smtClean="0">
+                            <a:latin typeface="Cambria Math" panose="02040503050406030204" pitchFamily="18" charset="0"/>
+                            <a:cs typeface="Arial" panose="020B0604020202020204" pitchFamily="34" charset="0"/>
+                          </a:rPr>
+                          <m:t>𝑟</m:t>
+                        </m:r>
+                      </m:e>
+                      <m:sub>
+                        <m:r>
+                          <a:rPr lang="it-IT" sz="2400" b="0" i="1" noProof="0" smtClean="0">
+                            <a:latin typeface="Cambria Math" panose="02040503050406030204" pitchFamily="18" charset="0"/>
+                            <a:cs typeface="Arial" panose="020B0604020202020204" pitchFamily="34" charset="0"/>
+                          </a:rPr>
+                          <m:t>𝑘</m:t>
+                        </m:r>
+                      </m:sub>
+                    </m:sSub>
+                  </m:oMath>
+                </a14:m>
+                <a:r>
+                  <a:rPr lang="en-GB" sz="2400" noProof="0" dirty="0">
+                    <a:latin typeface="Arial" panose="020B0604020202020204" pitchFamily="34" charset="0"/>
+                    <a:cs typeface="Arial" panose="020B0604020202020204" pitchFamily="34" charset="0"/>
+                  </a:rPr>
+                  <a:t> vector;</a:t>
+                </a:r>
+              </a:p>
+              <a:p>
+                <a:pPr marL="342900" indent="-342900" algn="just">
+                  <a:buFont typeface="Arial" panose="020B0604020202020204" pitchFamily="34" charset="0"/>
+                  <a:buChar char="•"/>
+                </a:pPr>
+                <a:r>
+                  <a:rPr lang="en-GB" sz="2400" dirty="0">
+                    <a:latin typeface="Arial" panose="020B0604020202020204" pitchFamily="34" charset="0"/>
+                    <a:cs typeface="Arial" panose="020B0604020202020204" pitchFamily="34" charset="0"/>
+                  </a:rPr>
+                  <a:t>compute the next controlled input;</a:t>
+                </a:r>
+              </a:p>
+              <a:p>
+                <a:pPr marL="342900" indent="-342900" algn="just">
+                  <a:buFont typeface="Arial" panose="020B0604020202020204" pitchFamily="34" charset="0"/>
+                  <a:buChar char="•"/>
+                </a:pPr>
+                <a:endParaRPr lang="en-GB" sz="2400" noProof="0" dirty="0">
+                  <a:latin typeface="Arial" panose="020B0604020202020204" pitchFamily="34" charset="0"/>
+                  <a:cs typeface="Arial" panose="020B0604020202020204" pitchFamily="34" charset="0"/>
+                </a:endParaRPr>
+              </a:p>
+              <a:p>
+                <a:pPr marL="342900" indent="-342900" algn="just">
+                  <a:buFont typeface="Arial" panose="020B0604020202020204" pitchFamily="34" charset="0"/>
+                  <a:buChar char="•"/>
+                </a:pPr>
+                <a:endParaRPr lang="en-GB" sz="2400" dirty="0">
+                  <a:latin typeface="Arial" panose="020B0604020202020204" pitchFamily="34" charset="0"/>
+                  <a:cs typeface="Arial" panose="020B0604020202020204" pitchFamily="34" charset="0"/>
+                </a:endParaRPr>
+              </a:p>
+              <a:p>
+                <a:pPr marL="342900" indent="-342900" algn="just">
+                  <a:buFont typeface="Arial" panose="020B0604020202020204" pitchFamily="34" charset="0"/>
+                  <a:buChar char="•"/>
+                </a:pPr>
+                <a:r>
+                  <a:rPr lang="en-GB" sz="2400" dirty="0">
+                    <a:latin typeface="Arial" panose="020B0604020202020204" pitchFamily="34" charset="0"/>
+                    <a:cs typeface="Arial" panose="020B0604020202020204" pitchFamily="34" charset="0"/>
+                  </a:rPr>
+                  <a:t>u</a:t>
+                </a:r>
+                <a:r>
+                  <a:rPr lang="en-GB" sz="2400" noProof="0" dirty="0">
+                    <a:latin typeface="Arial" panose="020B0604020202020204" pitchFamily="34" charset="0"/>
+                    <a:cs typeface="Arial" panose="020B0604020202020204" pitchFamily="34" charset="0"/>
+                  </a:rPr>
+                  <a:t>se the computed input </a:t>
+                </a:r>
+              </a:p>
+              <a:p>
+                <a:pPr marL="342900" indent="-342900" algn="just">
+                  <a:buFont typeface="Arial" panose="020B0604020202020204" pitchFamily="34" charset="0"/>
+                  <a:buChar char="•"/>
+                </a:pPr>
+                <a:endParaRPr lang="en-GB" sz="2400" noProof="0" dirty="0">
+                  <a:latin typeface="Arial" panose="020B0604020202020204" pitchFamily="34" charset="0"/>
+                  <a:cs typeface="Arial" panose="020B0604020202020204" pitchFamily="34" charset="0"/>
+                </a:endParaRPr>
+              </a:p>
+              <a:p>
+                <a:pPr algn="just"/>
+                <a:endParaRPr lang="en-GB" sz="2400" noProof="0" dirty="0">
+                  <a:latin typeface="Arial" panose="020B0604020202020204" pitchFamily="34" charset="0"/>
+                  <a:cs typeface="Arial" panose="020B0604020202020204" pitchFamily="34" charset="0"/>
+                </a:endParaRPr>
+              </a:p>
+              <a:p>
+                <a:pPr algn="just"/>
+                <a:endParaRPr lang="en-GB" sz="2400" noProof="0" dirty="0">
+                  <a:latin typeface="Arial" panose="020B0604020202020204" pitchFamily="34" charset="0"/>
+                  <a:cs typeface="Arial" panose="020B0604020202020204" pitchFamily="34" charset="0"/>
+                </a:endParaRPr>
+              </a:p>
+            </p:txBody>
+          </p:sp>
+        </mc:Choice>
+        <mc:Fallback>
+          <p:sp>
+            <p:nvSpPr>
+              <p:cNvPr id="4" name="CasellaDiTesto 3">
+                <a:extLst>
+                  <a:ext uri="{FF2B5EF4-FFF2-40B4-BE49-F238E27FC236}">
+                    <a16:creationId xmlns:a16="http://schemas.microsoft.com/office/drawing/2014/main" id="{D74AFCE4-258D-25C7-3445-1E0120CA47CE}"/>
+                  </a:ext>
+                </a:extLst>
+              </p:cNvPr>
+              <p:cNvSpPr txBox="1">
+                <a:spLocks noRot="1" noChangeAspect="1" noMove="1" noResize="1" noEditPoints="1" noAdjustHandles="1" noChangeArrowheads="1" noChangeShapeType="1" noTextEdit="1"/>
+              </p:cNvSpPr>
+              <p:nvPr/>
+            </p:nvSpPr>
+            <p:spPr>
+              <a:xfrm>
+                <a:off x="762000" y="1676400"/>
+                <a:ext cx="10134600" cy="4183518"/>
+              </a:xfrm>
+              <a:prstGeom prst="rect">
+                <a:avLst/>
+              </a:prstGeom>
+              <a:blipFill>
+                <a:blip r:embed="rId2"/>
+                <a:stretch>
+                  <a:fillRect l="-902" t="-1020" r="-842"/>
+                </a:stretch>
+              </a:blipFill>
+            </p:spPr>
+            <p:txBody>
+              <a:bodyPr/>
+              <a:lstStyle/>
+              <a:p>
+                <a:r>
+                  <a:rPr lang="it-IT">
+                    <a:noFill/>
+                  </a:rPr>
+                  <a:t> </a:t>
+                </a:r>
+              </a:p>
+            </p:txBody>
+          </p:sp>
+        </mc:Fallback>
+      </mc:AlternateContent>
+      <p:pic>
+        <p:nvPicPr>
+          <p:cNvPr id="1026" name="Picture 2">
+            <a:extLst>
+              <a:ext uri="{FF2B5EF4-FFF2-40B4-BE49-F238E27FC236}">
+                <a16:creationId xmlns:a16="http://schemas.microsoft.com/office/drawing/2014/main" id="{36363AAB-B95B-5658-560B-C0BB7F07CA5A}"/>
+              </a:ext>
+            </a:extLst>
+          </p:cNvPr>
+          <p:cNvPicPr>
+            <a:picLocks noChangeAspect="1" noChangeArrowheads="1"/>
+          </p:cNvPicPr>
+          <p:nvPr/>
+        </p:nvPicPr>
+        <p:blipFill>
+          <a:blip r:embed="rId3">
+            <a:extLst>
+              <a:ext uri="{28A0092B-C50C-407E-A947-70E740481C1C}">
+                <a14:useLocalDpi xmlns:a14="http://schemas.microsoft.com/office/drawing/2010/main" val="0"/>
+              </a:ext>
+            </a:extLst>
+          </a:blip>
+          <a:srcRect/>
+          <a:stretch>
+            <a:fillRect/>
+          </a:stretch>
+        </p:blipFill>
+        <p:spPr bwMode="auto">
+          <a:xfrm>
+            <a:off x="1261533" y="3657600"/>
+            <a:ext cx="6388677" cy="533400"/>
+          </a:xfrm>
+          <a:prstGeom prst="rect">
+            <a:avLst/>
+          </a:prstGeom>
+          <a:noFill/>
+          <a:extLst>
+            <a:ext uri="{909E8E84-426E-40DD-AFC4-6F175D3DCCD1}">
+              <a14:hiddenFill xmlns:a14="http://schemas.microsoft.com/office/drawing/2010/main">
+                <a:solidFill>
+                  <a:srgbClr val="FFFFFF"/>
+                </a:solidFill>
+              </a14:hiddenFill>
+            </a:ext>
+          </a:extLst>
+        </p:spPr>
+      </p:pic>
+    </p:spTree>
+    <p:extLst>
+      <p:ext uri="{BB962C8B-B14F-4D97-AF65-F5344CB8AC3E}">
+        <p14:creationId xmlns:p14="http://schemas.microsoft.com/office/powerpoint/2010/main" val="1862627480"/>
+      </p:ext>
+    </p:extLst>
+  </p:cSld>
+  <p:clrMapOvr>
+    <a:masterClrMapping/>
+  </p:clrMapOvr>
+</p:sld>
+</file>
+
+<file path=ppt/slides/slide23.xml><?xml version="1.0" encoding="utf-8"?>
+<p:sld xmlns:a="http://schemas.openxmlformats.org/drawingml/2006/main" xmlns:r="http://schemas.openxmlformats.org/officeDocument/2006/relationships" xmlns:p="http://schemas.openxmlformats.org/presentationml/2006/main">
+  <p:cSld>
+    <p:spTree>
+      <p:nvGrpSpPr>
+        <p:cNvPr id="1" name="">
+          <a:extLst>
+            <a:ext uri="{FF2B5EF4-FFF2-40B4-BE49-F238E27FC236}">
+              <a16:creationId xmlns:a16="http://schemas.microsoft.com/office/drawing/2014/main" id="{9DECDE78-E3DF-DC7C-2249-65329E3FC9C3}"/>
+            </a:ext>
+          </a:extLst>
+        </p:cNvPr>
+        <p:cNvGrpSpPr/>
+        <p:nvPr/>
+      </p:nvGrpSpPr>
+      <p:grpSpPr>
+        <a:xfrm>
+          <a:off x="0" y="0"/>
+          <a:ext cx="0" cy="0"/>
+          <a:chOff x="0" y="0"/>
+          <a:chExt cx="0" cy="0"/>
+        </a:xfrm>
+      </p:grpSpPr>
+      <p:sp>
+        <p:nvSpPr>
+          <p:cNvPr id="10" name="Titolo 9">
+            <a:extLst>
+              <a:ext uri="{FF2B5EF4-FFF2-40B4-BE49-F238E27FC236}">
+                <a16:creationId xmlns:a16="http://schemas.microsoft.com/office/drawing/2014/main" id="{EBF61EB8-1A21-8F5E-AC08-1C89431B5288}"/>
+              </a:ext>
+            </a:extLst>
+          </p:cNvPr>
+          <p:cNvSpPr>
+            <a:spLocks noGrp="1"/>
+          </p:cNvSpPr>
+          <p:nvPr>
+            <p:ph type="title"/>
+          </p:nvPr>
+        </p:nvSpPr>
+        <p:spPr>
+          <a:xfrm>
+            <a:off x="762000" y="457200"/>
+            <a:ext cx="8991600" cy="1077218"/>
+          </a:xfrm>
+        </p:spPr>
+        <p:txBody>
+          <a:bodyPr/>
+          <a:lstStyle/>
+          <a:p>
+            <a:r>
+              <a:rPr lang="en-GB" noProof="0" dirty="0">
+                <a:latin typeface="Arial Black" panose="020B0A04020102020204" pitchFamily="34" charset="0"/>
+              </a:rPr>
+              <a:t>Practical implementation –  </a:t>
+            </a:r>
+            <a:br>
+              <a:rPr lang="en-GB" noProof="0" dirty="0">
+                <a:latin typeface="Arial Black" panose="020B0A04020102020204" pitchFamily="34" charset="0"/>
+              </a:rPr>
+            </a:br>
+            <a:r>
+              <a:rPr lang="en-GB" noProof="0" dirty="0">
+                <a:latin typeface="Arial Black" panose="020B0A04020102020204" pitchFamily="34" charset="0"/>
+              </a:rPr>
+              <a:t>basic SPC control results</a:t>
+            </a:r>
+          </a:p>
+        </p:txBody>
+      </p:sp>
+      <p:sp>
+        <p:nvSpPr>
+          <p:cNvPr id="4" name="CasellaDiTesto 3">
+            <a:extLst>
+              <a:ext uri="{FF2B5EF4-FFF2-40B4-BE49-F238E27FC236}">
+                <a16:creationId xmlns:a16="http://schemas.microsoft.com/office/drawing/2014/main" id="{1C29A2C5-B1AA-1725-63D1-4B6C67E620B6}"/>
+              </a:ext>
+            </a:extLst>
+          </p:cNvPr>
+          <p:cNvSpPr txBox="1"/>
+          <p:nvPr/>
+        </p:nvSpPr>
+        <p:spPr>
+          <a:xfrm>
+            <a:off x="762000" y="1676400"/>
+            <a:ext cx="10134600" cy="1200329"/>
+          </a:xfrm>
+          <a:prstGeom prst="rect">
+            <a:avLst/>
+          </a:prstGeom>
+          <a:noFill/>
+        </p:spPr>
+        <p:txBody>
+          <a:bodyPr wrap="square">
+            <a:spAutoFit/>
+          </a:bodyPr>
+          <a:lstStyle/>
+          <a:p>
+            <a:pPr algn="just"/>
+            <a:r>
+              <a:rPr lang="en-GB" sz="2400" dirty="0" err="1">
+                <a:latin typeface="Arial" panose="020B0604020202020204" pitchFamily="34" charset="0"/>
+                <a:cs typeface="Arial" panose="020B0604020202020204" pitchFamily="34" charset="0"/>
+              </a:rPr>
+              <a:t>aaa</a:t>
+            </a:r>
+            <a:endParaRPr lang="en-GB" sz="2400" noProof="0" dirty="0">
+              <a:latin typeface="Arial" panose="020B0604020202020204" pitchFamily="34" charset="0"/>
+              <a:cs typeface="Arial" panose="020B0604020202020204" pitchFamily="34" charset="0"/>
+            </a:endParaRPr>
+          </a:p>
+          <a:p>
+            <a:pPr algn="just"/>
+            <a:endParaRPr lang="en-GB" sz="2400" noProof="0" dirty="0">
+              <a:latin typeface="Arial" panose="020B0604020202020204" pitchFamily="34" charset="0"/>
+              <a:cs typeface="Arial" panose="020B0604020202020204" pitchFamily="34" charset="0"/>
+            </a:endParaRPr>
+          </a:p>
+          <a:p>
+            <a:pPr algn="just"/>
+            <a:endParaRPr lang="en-GB" sz="2400" noProof="0" dirty="0">
+              <a:latin typeface="Arial" panose="020B0604020202020204" pitchFamily="34" charset="0"/>
+              <a:cs typeface="Arial" panose="020B0604020202020204" pitchFamily="34" charset="0"/>
+            </a:endParaRPr>
+          </a:p>
+        </p:txBody>
+      </p:sp>
+    </p:spTree>
+    <p:extLst>
+      <p:ext uri="{BB962C8B-B14F-4D97-AF65-F5344CB8AC3E}">
+        <p14:creationId xmlns:p14="http://schemas.microsoft.com/office/powerpoint/2010/main" val="412312073"/>
+      </p:ext>
+    </p:extLst>
+  </p:cSld>
+  <p:clrMapOvr>
+    <a:masterClrMapping/>
+  </p:clrMapOvr>
+</p:sld>
+</file>
+
+<file path=ppt/slides/slide24.xml><?xml version="1.0" encoding="utf-8"?>
+<p:sld xmlns:a="http://schemas.openxmlformats.org/drawingml/2006/main" xmlns:r="http://schemas.openxmlformats.org/officeDocument/2006/relationships" xmlns:p="http://schemas.openxmlformats.org/presentationml/2006/main">
+  <p:cSld>
+    <p:spTree>
+      <p:nvGrpSpPr>
+        <p:cNvPr id="1" name="">
+          <a:extLst>
+            <a:ext uri="{FF2B5EF4-FFF2-40B4-BE49-F238E27FC236}">
+              <a16:creationId xmlns:a16="http://schemas.microsoft.com/office/drawing/2014/main" id="{DB05258D-B0F3-7C5C-C7E8-B789F5442025}"/>
+            </a:ext>
+          </a:extLst>
+        </p:cNvPr>
+        <p:cNvGrpSpPr/>
+        <p:nvPr/>
+      </p:nvGrpSpPr>
+      <p:grpSpPr>
+        <a:xfrm>
+          <a:off x="0" y="0"/>
+          <a:ext cx="0" cy="0"/>
+          <a:chOff x="0" y="0"/>
+          <a:chExt cx="0" cy="0"/>
+        </a:xfrm>
+      </p:grpSpPr>
+      <p:sp>
+        <p:nvSpPr>
+          <p:cNvPr id="10" name="Titolo 9">
+            <a:extLst>
+              <a:ext uri="{FF2B5EF4-FFF2-40B4-BE49-F238E27FC236}">
+                <a16:creationId xmlns:a16="http://schemas.microsoft.com/office/drawing/2014/main" id="{3409A675-D430-454C-FD8B-FD5946162108}"/>
+              </a:ext>
+            </a:extLst>
+          </p:cNvPr>
+          <p:cNvSpPr>
+            <a:spLocks noGrp="1"/>
+          </p:cNvSpPr>
+          <p:nvPr>
+            <p:ph type="title"/>
+          </p:nvPr>
+        </p:nvSpPr>
+        <p:spPr>
+          <a:xfrm>
+            <a:off x="762000" y="457200"/>
+            <a:ext cx="10210800" cy="1077218"/>
+          </a:xfrm>
+        </p:spPr>
+        <p:txBody>
+          <a:bodyPr/>
+          <a:lstStyle/>
+          <a:p>
+            <a:r>
+              <a:rPr lang="en-GB" noProof="0" dirty="0">
+                <a:latin typeface="Arial Black" panose="020B0A04020102020204" pitchFamily="34" charset="0"/>
+              </a:rPr>
+              <a:t>Practical implementation –  </a:t>
+            </a:r>
+            <a:br>
+              <a:rPr lang="en-GB" noProof="0" dirty="0">
+                <a:latin typeface="Arial Black" panose="020B0A04020102020204" pitchFamily="34" charset="0"/>
+              </a:rPr>
+            </a:br>
+            <a:r>
+              <a:rPr lang="en-GB" noProof="0" dirty="0">
+                <a:latin typeface="Arial Black" panose="020B0A04020102020204" pitchFamily="34" charset="0"/>
+              </a:rPr>
+              <a:t>improvements on the proposed solution</a:t>
+            </a:r>
+          </a:p>
+        </p:txBody>
+      </p:sp>
+      <p:sp>
+        <p:nvSpPr>
+          <p:cNvPr id="4" name="CasellaDiTesto 3">
+            <a:extLst>
+              <a:ext uri="{FF2B5EF4-FFF2-40B4-BE49-F238E27FC236}">
+                <a16:creationId xmlns:a16="http://schemas.microsoft.com/office/drawing/2014/main" id="{9B2BAB95-29C6-9689-EB54-F490915BB32A}"/>
+              </a:ext>
+            </a:extLst>
+          </p:cNvPr>
+          <p:cNvSpPr txBox="1"/>
+          <p:nvPr/>
+        </p:nvSpPr>
+        <p:spPr>
+          <a:xfrm>
+            <a:off x="762000" y="1676400"/>
+            <a:ext cx="10134600" cy="830997"/>
+          </a:xfrm>
+          <a:prstGeom prst="rect">
+            <a:avLst/>
+          </a:prstGeom>
+          <a:noFill/>
+        </p:spPr>
+        <p:txBody>
+          <a:bodyPr wrap="square">
+            <a:spAutoFit/>
+          </a:bodyPr>
+          <a:lstStyle/>
+          <a:p>
+            <a:pPr algn="just"/>
+            <a:endParaRPr lang="en-GB" sz="2400" noProof="0" dirty="0">
+              <a:latin typeface="Arial" panose="020B0604020202020204" pitchFamily="34" charset="0"/>
+              <a:cs typeface="Arial" panose="020B0604020202020204" pitchFamily="34" charset="0"/>
+            </a:endParaRPr>
+          </a:p>
+          <a:p>
+            <a:pPr algn="just"/>
+            <a:endParaRPr lang="en-GB" sz="2400" noProof="0" dirty="0">
+              <a:latin typeface="Arial" panose="020B0604020202020204" pitchFamily="34" charset="0"/>
+              <a:cs typeface="Arial" panose="020B0604020202020204" pitchFamily="34" charset="0"/>
+            </a:endParaRPr>
+          </a:p>
+        </p:txBody>
+      </p:sp>
+    </p:spTree>
+    <p:extLst>
+      <p:ext uri="{BB962C8B-B14F-4D97-AF65-F5344CB8AC3E}">
+        <p14:creationId xmlns:p14="http://schemas.microsoft.com/office/powerpoint/2010/main" val="3787666212"/>
+      </p:ext>
+    </p:extLst>
+  </p:cSld>
+  <p:clrMapOvr>
+    <a:masterClrMapping/>
+  </p:clrMapOvr>
+</p:sld>
+</file>
+
+<file path=ppt/slides/slide25.xml><?xml version="1.0" encoding="utf-8"?>
+<p:sld xmlns:a="http://schemas.openxmlformats.org/drawingml/2006/main" xmlns:r="http://schemas.openxmlformats.org/officeDocument/2006/relationships" xmlns:p="http://schemas.openxmlformats.org/presentationml/2006/main">
+  <p:cSld>
+    <p:spTree>
+      <p:nvGrpSpPr>
+        <p:cNvPr id="1" name="">
+          <a:extLst>
+            <a:ext uri="{FF2B5EF4-FFF2-40B4-BE49-F238E27FC236}">
+              <a16:creationId xmlns:a16="http://schemas.microsoft.com/office/drawing/2014/main" id="{507DEC8A-4E1B-8465-8BE2-A55C0FDD0EF0}"/>
+            </a:ext>
+          </a:extLst>
+        </p:cNvPr>
+        <p:cNvGrpSpPr/>
+        <p:nvPr/>
+      </p:nvGrpSpPr>
+      <p:grpSpPr>
+        <a:xfrm>
+          <a:off x="0" y="0"/>
+          <a:ext cx="0" cy="0"/>
+          <a:chOff x="0" y="0"/>
+          <a:chExt cx="0" cy="0"/>
+        </a:xfrm>
+      </p:grpSpPr>
+      <p:sp>
+        <p:nvSpPr>
+          <p:cNvPr id="10" name="Titolo 9">
+            <a:extLst>
+              <a:ext uri="{FF2B5EF4-FFF2-40B4-BE49-F238E27FC236}">
+                <a16:creationId xmlns:a16="http://schemas.microsoft.com/office/drawing/2014/main" id="{9567439E-11BB-BB6F-FF87-4E36091268B0}"/>
+              </a:ext>
+            </a:extLst>
+          </p:cNvPr>
+          <p:cNvSpPr>
+            <a:spLocks noGrp="1"/>
+          </p:cNvSpPr>
+          <p:nvPr>
+            <p:ph type="title"/>
+          </p:nvPr>
+        </p:nvSpPr>
+        <p:spPr>
+          <a:xfrm>
+            <a:off x="762000" y="457200"/>
+            <a:ext cx="10210800" cy="1077218"/>
+          </a:xfrm>
+        </p:spPr>
+        <p:txBody>
+          <a:bodyPr/>
+          <a:lstStyle/>
+          <a:p>
+            <a:r>
+              <a:rPr lang="en-GB" noProof="0" dirty="0">
+                <a:latin typeface="Arial Black" panose="020B0A04020102020204" pitchFamily="34" charset="0"/>
+              </a:rPr>
+              <a:t>Practical implementation –  </a:t>
+            </a:r>
+            <a:br>
+              <a:rPr lang="en-GB" noProof="0" dirty="0">
+                <a:latin typeface="Arial Black" panose="020B0A04020102020204" pitchFamily="34" charset="0"/>
+              </a:rPr>
+            </a:br>
+            <a:r>
+              <a:rPr lang="en-GB" noProof="0" dirty="0">
+                <a:latin typeface="Arial Black" panose="020B0A04020102020204" pitchFamily="34" charset="0"/>
+              </a:rPr>
+              <a:t>improved SPC control results</a:t>
+            </a:r>
+          </a:p>
+        </p:txBody>
+      </p:sp>
+      <p:sp>
+        <p:nvSpPr>
+          <p:cNvPr id="4" name="CasellaDiTesto 3">
+            <a:extLst>
+              <a:ext uri="{FF2B5EF4-FFF2-40B4-BE49-F238E27FC236}">
+                <a16:creationId xmlns:a16="http://schemas.microsoft.com/office/drawing/2014/main" id="{77C86FFF-281D-7ADF-5054-D48B4D303F79}"/>
+              </a:ext>
+            </a:extLst>
+          </p:cNvPr>
+          <p:cNvSpPr txBox="1"/>
+          <p:nvPr/>
+        </p:nvSpPr>
+        <p:spPr>
+          <a:xfrm>
+            <a:off x="762000" y="1676400"/>
+            <a:ext cx="10134600" cy="830997"/>
+          </a:xfrm>
+          <a:prstGeom prst="rect">
+            <a:avLst/>
+          </a:prstGeom>
+          <a:noFill/>
+        </p:spPr>
+        <p:txBody>
+          <a:bodyPr wrap="square">
+            <a:spAutoFit/>
+          </a:bodyPr>
+          <a:lstStyle/>
+          <a:p>
+            <a:pPr algn="just"/>
+            <a:endParaRPr lang="en-GB" sz="2400" noProof="0" dirty="0">
+              <a:latin typeface="Arial" panose="020B0604020202020204" pitchFamily="34" charset="0"/>
+              <a:cs typeface="Arial" panose="020B0604020202020204" pitchFamily="34" charset="0"/>
+            </a:endParaRPr>
+          </a:p>
+          <a:p>
+            <a:pPr algn="just"/>
+            <a:endParaRPr lang="en-GB" sz="2400" noProof="0" dirty="0">
+              <a:latin typeface="Arial" panose="020B0604020202020204" pitchFamily="34" charset="0"/>
+              <a:cs typeface="Arial" panose="020B0604020202020204" pitchFamily="34" charset="0"/>
+            </a:endParaRPr>
+          </a:p>
+        </p:txBody>
+      </p:sp>
+    </p:spTree>
+    <p:extLst>
+      <p:ext uri="{BB962C8B-B14F-4D97-AF65-F5344CB8AC3E}">
+        <p14:creationId xmlns:p14="http://schemas.microsoft.com/office/powerpoint/2010/main" val="1291079770"/>
+      </p:ext>
+    </p:extLst>
+  </p:cSld>
+  <p:clrMapOvr>
+    <a:masterClrMapping/>
+  </p:clrMapOvr>
+</p:sld>
+</file>
+
+<file path=ppt/slides/slide26.xml><?xml version="1.0" encoding="utf-8"?>
+<p:sld xmlns:a="http://schemas.openxmlformats.org/drawingml/2006/main" xmlns:r="http://schemas.openxmlformats.org/officeDocument/2006/relationships" xmlns:p="http://schemas.openxmlformats.org/presentationml/2006/main">
+  <p:cSld>
+    <p:spTree>
+      <p:nvGrpSpPr>
+        <p:cNvPr id="1" name="">
+          <a:extLst>
+            <a:ext uri="{FF2B5EF4-FFF2-40B4-BE49-F238E27FC236}">
+              <a16:creationId xmlns:a16="http://schemas.microsoft.com/office/drawing/2014/main" id="{67FFD052-A6E4-4EA3-40C9-0D7F9ED82C6C}"/>
+            </a:ext>
+          </a:extLst>
+        </p:cNvPr>
+        <p:cNvGrpSpPr/>
+        <p:nvPr/>
+      </p:nvGrpSpPr>
+      <p:grpSpPr>
+        <a:xfrm>
+          <a:off x="0" y="0"/>
+          <a:ext cx="0" cy="0"/>
+          <a:chOff x="0" y="0"/>
+          <a:chExt cx="0" cy="0"/>
+        </a:xfrm>
+      </p:grpSpPr>
+      <p:sp>
+        <p:nvSpPr>
+          <p:cNvPr id="10" name="Titolo 9">
+            <a:extLst>
+              <a:ext uri="{FF2B5EF4-FFF2-40B4-BE49-F238E27FC236}">
+                <a16:creationId xmlns:a16="http://schemas.microsoft.com/office/drawing/2014/main" id="{14853C74-3D76-BB45-5EBD-2082D50CCEE3}"/>
+              </a:ext>
+            </a:extLst>
+          </p:cNvPr>
+          <p:cNvSpPr>
+            <a:spLocks noGrp="1"/>
+          </p:cNvSpPr>
+          <p:nvPr>
+            <p:ph type="title"/>
+          </p:nvPr>
+        </p:nvSpPr>
+        <p:spPr>
+          <a:xfrm>
+            <a:off x="762000" y="457200"/>
+            <a:ext cx="8991600" cy="538609"/>
+          </a:xfrm>
+        </p:spPr>
+        <p:txBody>
+          <a:bodyPr/>
+          <a:lstStyle/>
+          <a:p>
+            <a:r>
+              <a:rPr lang="en-GB" noProof="0" dirty="0">
+                <a:latin typeface="Arial Black" panose="020B0A04020102020204" pitchFamily="34" charset="0"/>
+              </a:rPr>
+              <a:t>Results</a:t>
+            </a:r>
+          </a:p>
+        </p:txBody>
+      </p:sp>
+      <p:sp>
+        <p:nvSpPr>
+          <p:cNvPr id="4" name="CasellaDiTesto 3">
+            <a:extLst>
+              <a:ext uri="{FF2B5EF4-FFF2-40B4-BE49-F238E27FC236}">
+                <a16:creationId xmlns:a16="http://schemas.microsoft.com/office/drawing/2014/main" id="{D2E4F1D8-6E3E-1635-DEBC-9C2A6FBDE9CC}"/>
+              </a:ext>
+            </a:extLst>
+          </p:cNvPr>
+          <p:cNvSpPr txBox="1"/>
+          <p:nvPr/>
+        </p:nvSpPr>
+        <p:spPr>
+          <a:xfrm>
+            <a:off x="762000" y="1676400"/>
+            <a:ext cx="9677400" cy="2308324"/>
+          </a:xfrm>
+          <a:prstGeom prst="rect">
+            <a:avLst/>
+          </a:prstGeom>
+          <a:noFill/>
+        </p:spPr>
+        <p:txBody>
+          <a:bodyPr wrap="square">
+            <a:spAutoFit/>
+          </a:bodyPr>
+          <a:lstStyle/>
+          <a:p>
+            <a:pPr algn="just"/>
+            <a:r>
+              <a:rPr lang="en-GB" sz="2400" i="1" noProof="0" dirty="0">
+                <a:latin typeface="Arial" panose="020B0604020202020204" pitchFamily="34" charset="0"/>
+                <a:cs typeface="Arial" panose="020B0604020202020204" pitchFamily="34" charset="0"/>
+              </a:rPr>
+              <a:t>Note: while the paper does not treat the identification of residuals per se, the algorithm can be used to build a controller that somewhat counteracts disturbances or faults on the system, if rt is set to the desired plant output.</a:t>
+            </a:r>
+          </a:p>
+          <a:p>
+            <a:pPr algn="just"/>
+            <a:endParaRPr lang="en-GB" sz="2400" noProof="0" dirty="0">
+              <a:latin typeface="Arial" panose="020B0604020202020204" pitchFamily="34" charset="0"/>
+              <a:cs typeface="Arial" panose="020B0604020202020204" pitchFamily="34" charset="0"/>
+            </a:endParaRPr>
+          </a:p>
+          <a:p>
+            <a:pPr algn="just"/>
+            <a:endParaRPr lang="en-GB" sz="2400" noProof="0" dirty="0">
+              <a:latin typeface="Arial" panose="020B0604020202020204" pitchFamily="34" charset="0"/>
+              <a:cs typeface="Arial" panose="020B0604020202020204" pitchFamily="34" charset="0"/>
+            </a:endParaRPr>
+          </a:p>
+        </p:txBody>
+      </p:sp>
+    </p:spTree>
+    <p:extLst>
+      <p:ext uri="{BB962C8B-B14F-4D97-AF65-F5344CB8AC3E}">
+        <p14:creationId xmlns:p14="http://schemas.microsoft.com/office/powerpoint/2010/main" val="2274619447"/>
       </p:ext>
     </p:extLst>
   </p:cSld>
@@ -8607,7 +9503,7 @@
           <a:p>
             <a:pPr algn="ctr"/>
             <a:r>
-              <a:rPr lang="it-IT" sz="2800" b="1" dirty="0">
+              <a:rPr lang="en-GB" sz="2800" b="1" noProof="0" dirty="0">
                 <a:solidFill>
                   <a:schemeClr val="tx1"/>
                 </a:solidFill>
@@ -8666,7 +9562,7 @@
           <a:p>
             <a:pPr algn="ctr"/>
             <a:r>
-              <a:rPr lang="it-IT" sz="2800" b="1" dirty="0">
+              <a:rPr lang="en-GB" sz="2800" b="1" noProof="0" dirty="0">
                 <a:solidFill>
                   <a:schemeClr val="tx1"/>
                 </a:solidFill>
@@ -8806,7 +9702,7 @@
           <a:lstStyle/>
           <a:p>
             <a:r>
-              <a:rPr lang="en-US" sz="1800" noProof="0" dirty="0">
+              <a:rPr lang="en-GB" sz="1800" noProof="0" dirty="0">
                 <a:solidFill>
                   <a:sysClr val="windowText" lastClr="000000"/>
                 </a:solidFill>
@@ -8819,7 +9715,7 @@
           </a:p>
           <a:p>
             <a:r>
-              <a:rPr lang="en-US" sz="1800" noProof="0" dirty="0">
+              <a:rPr lang="en-GB" sz="1800" noProof="0" dirty="0">
                 <a:solidFill>
                   <a:sysClr val="windowText" lastClr="000000"/>
                 </a:solidFill>
@@ -8885,7 +9781,7 @@
           <a:lstStyle/>
           <a:p>
             <a:r>
-              <a:rPr lang="en-US" sz="1800" noProof="0" dirty="0">
+              <a:rPr lang="en-GB" sz="1800" noProof="0" dirty="0">
                 <a:solidFill>
                   <a:schemeClr val="tx1"/>
                 </a:solidFill>
@@ -8896,7 +9792,7 @@
               <a:t>De Moor, B., P. Van </a:t>
             </a:r>
             <a:r>
-              <a:rPr lang="en-US" sz="1800" noProof="0" dirty="0" err="1">
+              <a:rPr lang="en-GB" sz="1800" noProof="0" dirty="0" err="1">
                 <a:solidFill>
                   <a:schemeClr val="tx1"/>
                 </a:solidFill>
@@ -8907,7 +9803,7 @@
               <a:t>Overschee</a:t>
             </a:r>
             <a:r>
-              <a:rPr lang="en-US" sz="1800" noProof="0" dirty="0">
+              <a:rPr lang="en-GB" sz="1800" noProof="0" dirty="0">
                 <a:solidFill>
                   <a:schemeClr val="tx1"/>
                 </a:solidFill>
@@ -8918,7 +9814,7 @@
               <a:t> and W. </a:t>
             </a:r>
             <a:r>
-              <a:rPr lang="en-US" sz="1800" noProof="0" dirty="0" err="1">
+              <a:rPr lang="en-GB" sz="1800" noProof="0" dirty="0" err="1">
                 <a:solidFill>
                   <a:schemeClr val="tx1"/>
                 </a:solidFill>
@@ -8929,7 +9825,7 @@
               <a:t>Favoreel</a:t>
             </a:r>
             <a:r>
-              <a:rPr lang="en-US" sz="1800" noProof="0" dirty="0">
+              <a:rPr lang="en-GB" sz="1800" noProof="0" dirty="0">
                 <a:solidFill>
                   <a:schemeClr val="tx1"/>
                 </a:solidFill>
@@ -8940,7 +9836,7 @@
               <a:t>. </a:t>
             </a:r>
             <a:r>
-              <a:rPr lang="en-US" sz="1800" i="1" noProof="0" dirty="0">
+              <a:rPr lang="en-GB" sz="1800" i="1" noProof="0" dirty="0">
                 <a:solidFill>
                   <a:schemeClr val="tx1"/>
                 </a:solidFill>
@@ -8951,7 +9847,7 @@
               <a:t>Numerical algorithms for subspace state space system</a:t>
             </a:r>
             <a:r>
-              <a:rPr lang="en-US" sz="1800" noProof="0" dirty="0">
+              <a:rPr lang="en-GB" sz="1800" noProof="0" dirty="0">
                 <a:solidFill>
                   <a:schemeClr val="tx1"/>
                 </a:solidFill>
@@ -8962,7 +9858,7 @@
               <a:t> </a:t>
             </a:r>
             <a:r>
-              <a:rPr lang="en-US" sz="1800" i="1" noProof="0" dirty="0">
+              <a:rPr lang="en-GB" sz="1800" i="1" noProof="0" dirty="0">
                 <a:solidFill>
                   <a:schemeClr val="tx1"/>
                 </a:solidFill>
@@ -8973,7 +9869,7 @@
               <a:t>identification </a:t>
             </a:r>
             <a:r>
-              <a:rPr lang="en-US" sz="1800" noProof="0" dirty="0">
+              <a:rPr lang="en-GB" sz="1800" noProof="0" dirty="0">
                 <a:solidFill>
                   <a:schemeClr val="tx1"/>
                 </a:solidFill>
@@ -8984,7 +9880,7 @@
               <a:t>– </a:t>
             </a:r>
             <a:r>
-              <a:rPr lang="en-US" sz="1800" i="1" noProof="0" dirty="0">
+              <a:rPr lang="en-GB" sz="1800" i="1" noProof="0" dirty="0">
                 <a:solidFill>
                   <a:schemeClr val="tx1"/>
                 </a:solidFill>
@@ -8994,7 +9890,7 @@
               </a:rPr>
               <a:t>An overview.</a:t>
             </a:r>
-            <a:endParaRPr lang="en-US" sz="1800" noProof="0" dirty="0">
+            <a:endParaRPr lang="en-GB" sz="1800" noProof="0" dirty="0">
               <a:solidFill>
                 <a:schemeClr val="tx1"/>
               </a:solidFill>
@@ -9058,7 +9954,7 @@
           <a:lstStyle/>
           <a:p>
             <a:r>
-              <a:rPr lang="en-US" sz="1800" noProof="0" dirty="0" err="1">
+              <a:rPr lang="en-GB" sz="1800" noProof="0" dirty="0" err="1">
                 <a:solidFill>
                   <a:schemeClr val="tx1"/>
                 </a:solidFill>
@@ -9069,7 +9965,7 @@
               <a:t>Favoreel</a:t>
             </a:r>
             <a:r>
-              <a:rPr lang="en-US" sz="1800" noProof="0" dirty="0">
+              <a:rPr lang="en-GB" sz="1800" noProof="0" dirty="0">
                 <a:solidFill>
                   <a:schemeClr val="tx1"/>
                 </a:solidFill>
@@ -9080,7 +9976,7 @@
               <a:t>, W., B. De Moor and P. Van </a:t>
             </a:r>
             <a:r>
-              <a:rPr lang="en-US" sz="1800" noProof="0" dirty="0" err="1">
+              <a:rPr lang="en-GB" sz="1800" noProof="0" dirty="0" err="1">
                 <a:solidFill>
                   <a:schemeClr val="tx1"/>
                 </a:solidFill>
@@ -9091,7 +9987,7 @@
               <a:t>Overschee</a:t>
             </a:r>
             <a:r>
-              <a:rPr lang="en-US" sz="1800" noProof="0" dirty="0">
+              <a:rPr lang="en-GB" sz="1800" noProof="0" dirty="0">
                 <a:solidFill>
                   <a:schemeClr val="tx1"/>
                 </a:solidFill>
@@ -9104,7 +10000,7 @@
           </a:p>
           <a:p>
             <a:r>
-              <a:rPr lang="en-US" sz="1800" noProof="0" dirty="0">
+              <a:rPr lang="en-GB" sz="1800" noProof="0" dirty="0">
                 <a:solidFill>
                   <a:schemeClr val="tx1"/>
                 </a:solidFill>
@@ -9170,7 +10066,7 @@
           <a:lstStyle/>
           <a:p>
             <a:r>
-              <a:rPr lang="it-IT" sz="1800" dirty="0">
+              <a:rPr lang="en-GB" sz="1800" noProof="0" dirty="0">
                 <a:solidFill>
                   <a:schemeClr val="tx1"/>
                 </a:solidFill>
@@ -9178,10 +10074,12 @@
                 <a:ea typeface="+mn-ea"/>
                 <a:cs typeface="+mn-cs"/>
               </a:rPr>
-              <a:t>Garcia, C.E., D.M. </a:t>
-            </a:r>
-            <a:r>
-              <a:rPr lang="it-IT" sz="1800" dirty="0" err="1">
+              <a:t>Garcia, C.E., D.M. Prett and M. Morari. </a:t>
+            </a:r>
+          </a:p>
+          <a:p>
+            <a:r>
+              <a:rPr lang="en-GB" sz="1800" noProof="0" dirty="0">
                 <a:solidFill>
                   <a:schemeClr val="tx1"/>
                 </a:solidFill>
@@ -9189,73 +10087,8 @@
                 <a:ea typeface="+mn-ea"/>
                 <a:cs typeface="+mn-cs"/>
               </a:rPr>
-              <a:t>Prett</a:t>
-            </a:r>
-            <a:r>
-              <a:rPr lang="it-IT" sz="1800" dirty="0">
-                <a:solidFill>
-                  <a:schemeClr val="tx1"/>
-                </a:solidFill>
-                <a:latin typeface="+mn-lt"/>
-                <a:ea typeface="+mn-ea"/>
-                <a:cs typeface="+mn-cs"/>
-              </a:rPr>
-              <a:t> and M. </a:t>
-            </a:r>
-            <a:r>
-              <a:rPr lang="it-IT" sz="1800" dirty="0" err="1">
-                <a:solidFill>
-                  <a:schemeClr val="tx1"/>
-                </a:solidFill>
-                <a:latin typeface="+mn-lt"/>
-                <a:ea typeface="+mn-ea"/>
-                <a:cs typeface="+mn-cs"/>
-              </a:rPr>
-              <a:t>Morari</a:t>
-            </a:r>
-            <a:r>
-              <a:rPr lang="it-IT" sz="1800" dirty="0">
-                <a:solidFill>
-                  <a:schemeClr val="tx1"/>
-                </a:solidFill>
-                <a:latin typeface="+mn-lt"/>
-                <a:ea typeface="+mn-ea"/>
-                <a:cs typeface="+mn-cs"/>
-              </a:rPr>
-              <a:t>. </a:t>
-            </a:r>
-          </a:p>
-          <a:p>
-            <a:r>
-              <a:rPr lang="en-US" sz="1800" dirty="0">
-                <a:solidFill>
-                  <a:schemeClr val="tx1"/>
-                </a:solidFill>
-                <a:latin typeface="+mn-lt"/>
-                <a:ea typeface="+mn-ea"/>
-                <a:cs typeface="+mn-cs"/>
-              </a:rPr>
-              <a:t>Model predictive control: Theory and practice </a:t>
-            </a:r>
-            <a:r>
-              <a:rPr lang="it-IT" sz="1800" dirty="0">
-                <a:solidFill>
-                  <a:schemeClr val="tx1"/>
-                </a:solidFill>
-                <a:latin typeface="+mn-lt"/>
-                <a:ea typeface="+mn-ea"/>
-                <a:cs typeface="+mn-cs"/>
-              </a:rPr>
-              <a:t>- a survey.</a:t>
-            </a:r>
-            <a:endParaRPr lang="en-US" sz="1800" noProof="0" dirty="0">
-              <a:solidFill>
-                <a:schemeClr val="tx1"/>
-              </a:solidFill>
-              <a:latin typeface="+mn-lt"/>
-              <a:ea typeface="+mn-ea"/>
-              <a:cs typeface="+mn-cs"/>
-            </a:endParaRPr>
+              <a:t>Model predictive control: Theory and practice - a survey.</a:t>
+            </a:r>
           </a:p>
         </p:txBody>
       </p:sp>
@@ -9312,7 +10145,7 @@
           <a:lstStyle/>
           <a:p>
             <a:r>
-              <a:rPr lang="en-US" sz="1800" dirty="0" err="1">
+              <a:rPr lang="en-GB" sz="1800" noProof="0" dirty="0" err="1">
                 <a:solidFill>
                   <a:schemeClr val="tx1"/>
                 </a:solidFill>
@@ -9323,7 +10156,7 @@
               <a:t>Richalet</a:t>
             </a:r>
             <a:r>
-              <a:rPr lang="en-US" dirty="0">
+              <a:rPr lang="en-GB" noProof="0" dirty="0">
                 <a:solidFill>
                   <a:schemeClr val="tx1"/>
                 </a:solidFill>
@@ -9331,7 +10164,7 @@
               <a:t>,</a:t>
             </a:r>
             <a:r>
-              <a:rPr lang="en-US" sz="1800" dirty="0">
+              <a:rPr lang="en-GB" sz="1800" noProof="0" dirty="0">
                 <a:solidFill>
                   <a:schemeClr val="tx1"/>
                 </a:solidFill>
@@ -9342,7 +10175,7 @@
               <a:t> J., A. </a:t>
             </a:r>
             <a:r>
-              <a:rPr lang="en-US" sz="1800" dirty="0" err="1">
+              <a:rPr lang="en-GB" sz="1800" noProof="0" dirty="0" err="1">
                 <a:solidFill>
                   <a:schemeClr val="tx1"/>
                 </a:solidFill>
@@ -9353,7 +10186,7 @@
               <a:t>R,ault</a:t>
             </a:r>
             <a:r>
-              <a:rPr lang="en-US" sz="1800" dirty="0">
+              <a:rPr lang="en-GB" sz="1800" noProof="0" dirty="0">
                 <a:solidFill>
                   <a:schemeClr val="tx1"/>
                 </a:solidFill>
@@ -9364,7 +10197,7 @@
               <a:t>, J.L·. </a:t>
             </a:r>
             <a:r>
-              <a:rPr lang="en-US" sz="1800" dirty="0" err="1">
+              <a:rPr lang="en-GB" sz="1800" noProof="0" dirty="0" err="1">
                 <a:solidFill>
                   <a:schemeClr val="tx1"/>
                 </a:solidFill>
@@ -9375,7 +10208,7 @@
               <a:t>Testud</a:t>
             </a:r>
             <a:r>
-              <a:rPr lang="en-US" sz="1800" dirty="0">
+              <a:rPr lang="en-GB" sz="1800" noProof="0" dirty="0">
                 <a:solidFill>
                   <a:schemeClr val="tx1"/>
                 </a:solidFill>
@@ -9386,7 +10219,7 @@
               <a:t> and J. Papon. </a:t>
             </a:r>
             <a:r>
-              <a:rPr lang="en-US" dirty="0">
+              <a:rPr lang="en-GB" noProof="0" dirty="0">
                 <a:solidFill>
                   <a:schemeClr val="tx1"/>
                 </a:solidFill>
@@ -9394,7 +10227,7 @@
               <a:t>M</a:t>
             </a:r>
             <a:r>
-              <a:rPr lang="en-US" sz="1800" dirty="0">
+              <a:rPr lang="en-GB" sz="1800" noProof="0" dirty="0">
                 <a:solidFill>
                   <a:schemeClr val="tx1"/>
                 </a:solidFill>
@@ -9404,14 +10237,6 @@
               </a:rPr>
               <a:t>odel predictive heuristic control: Applications to industrial processes.</a:t>
             </a:r>
-            <a:endParaRPr lang="en-US" sz="1800" noProof="0" dirty="0">
-              <a:solidFill>
-                <a:schemeClr val="tx1"/>
-              </a:solidFill>
-              <a:latin typeface="+mn-lt"/>
-              <a:ea typeface="+mn-ea"/>
-              <a:cs typeface="+mn-cs"/>
-            </a:endParaRPr>
           </a:p>
         </p:txBody>
       </p:sp>
@@ -9468,7 +10293,7 @@
           <a:lstStyle/>
           <a:p>
             <a:r>
-              <a:rPr lang="en-US" sz="1800" noProof="0" dirty="0">
+              <a:rPr lang="en-GB" sz="1800" noProof="0" dirty="0">
                 <a:solidFill>
                   <a:schemeClr val="tx1"/>
                 </a:solidFill>
@@ -9481,7 +10306,7 @@
           </a:p>
           <a:p>
             <a:r>
-              <a:rPr lang="en-US" sz="1800" noProof="0" dirty="0">
+              <a:rPr lang="en-GB" sz="1800" noProof="0" dirty="0">
                 <a:solidFill>
                   <a:schemeClr val="tx1"/>
                 </a:solidFill>
@@ -9547,7 +10372,7 @@
           <a:lstStyle/>
           <a:p>
             <a:r>
-              <a:rPr lang="en-US" sz="1800" noProof="0" dirty="0">
+              <a:rPr lang="en-GB" sz="1800" noProof="0" dirty="0">
                 <a:solidFill>
                   <a:schemeClr val="tx1"/>
                 </a:solidFill>
@@ -9558,7 +10383,7 @@
               <a:t>Viberg, M., B. Wahlberg and B. </a:t>
             </a:r>
             <a:r>
-              <a:rPr lang="en-US" sz="1800" noProof="0" dirty="0" err="1">
+              <a:rPr lang="en-GB" sz="1800" noProof="0" dirty="0" err="1">
                 <a:solidFill>
                   <a:schemeClr val="tx1"/>
                 </a:solidFill>
@@ -9569,7 +10394,7 @@
               <a:t>Ottersten</a:t>
             </a:r>
             <a:r>
-              <a:rPr lang="en-US" sz="1800" noProof="0" dirty="0">
+              <a:rPr lang="en-GB" sz="1800" noProof="0" dirty="0">
                 <a:solidFill>
                   <a:schemeClr val="tx1"/>
                 </a:solidFill>
@@ -9635,7 +10460,7 @@
           <a:lstStyle/>
           <a:p>
             <a:r>
-              <a:rPr lang="en-US" sz="1800" noProof="0" dirty="0">
+              <a:rPr lang="en-GB" sz="1800" noProof="0" dirty="0">
                 <a:solidFill>
                   <a:schemeClr val="tx1"/>
                 </a:solidFill>
@@ -9701,7 +10526,7 @@
           <a:lstStyle/>
           <a:p>
             <a:r>
-              <a:rPr lang="en-US" sz="1800" noProof="0" dirty="0">
+              <a:rPr lang="en-GB" sz="1800" noProof="0" dirty="0">
                 <a:solidFill>
                   <a:schemeClr val="tx1"/>
                 </a:solidFill>
@@ -9712,7 +10537,7 @@
               <a:t>Van </a:t>
             </a:r>
             <a:r>
-              <a:rPr lang="en-US" sz="1800" noProof="0" dirty="0" err="1">
+              <a:rPr lang="en-GB" sz="1800" noProof="0" dirty="0" err="1">
                 <a:solidFill>
                   <a:schemeClr val="tx1"/>
                 </a:solidFill>
@@ -9723,7 +10548,7 @@
               <a:t>Overschee</a:t>
             </a:r>
             <a:r>
-              <a:rPr lang="en-US" sz="1800" noProof="0" dirty="0">
+              <a:rPr lang="en-GB" sz="1800" noProof="0" dirty="0">
                 <a:solidFill>
                   <a:schemeClr val="tx1"/>
                 </a:solidFill>
@@ -9734,7 +10559,7 @@
               <a:t> P. and B. De Moor. Subspace identification for linear systems: theory, implementation</a:t>
             </a:r>
             <a:r>
-              <a:rPr lang="en-US" dirty="0">
+              <a:rPr lang="en-GB" noProof="0" dirty="0">
                 <a:solidFill>
                   <a:schemeClr val="tx1"/>
                 </a:solidFill>
@@ -9742,7 +10567,7 @@
               <a:t>,</a:t>
             </a:r>
             <a:r>
-              <a:rPr lang="en-US" sz="1800" noProof="0" dirty="0">
+              <a:rPr lang="en-GB" sz="1800" noProof="0" dirty="0">
                 <a:solidFill>
                   <a:schemeClr val="tx1"/>
                 </a:solidFill>
@@ -9791,7 +10616,7 @@
           <a:lstStyle/>
           <a:p>
             <a:r>
-              <a:rPr lang="it-IT" dirty="0"/>
+              <a:rPr lang="en-GB" noProof="0" dirty="0"/>
               <a:t>1978</a:t>
             </a:r>
           </a:p>
@@ -9833,7 +10658,7 @@
           <a:lstStyle/>
           <a:p>
             <a:r>
-              <a:rPr lang="it-IT" dirty="0"/>
+              <a:rPr lang="en-GB" noProof="0" dirty="0"/>
               <a:t>1979</a:t>
             </a:r>
           </a:p>
@@ -9875,7 +10700,7 @@
           <a:lstStyle/>
           <a:p>
             <a:r>
-              <a:rPr lang="it-IT" dirty="0"/>
+              <a:rPr lang="en-GB" noProof="0" dirty="0"/>
               <a:t>1989</a:t>
             </a:r>
           </a:p>
@@ -9917,7 +10742,7 @@
           <a:lstStyle/>
           <a:p>
             <a:r>
-              <a:rPr lang="it-IT" dirty="0"/>
+              <a:rPr lang="en-GB" noProof="0" dirty="0"/>
               <a:t>1992</a:t>
             </a:r>
           </a:p>
@@ -9959,7 +10784,7 @@
           <a:lstStyle/>
           <a:p>
             <a:r>
-              <a:rPr lang="it-IT" dirty="0"/>
+              <a:rPr lang="en-GB" noProof="0" dirty="0"/>
               <a:t>1996</a:t>
             </a:r>
           </a:p>
@@ -10001,7 +10826,7 @@
           <a:lstStyle/>
           <a:p>
             <a:r>
-              <a:rPr lang="it-IT" dirty="0"/>
+              <a:rPr lang="en-GB" noProof="0" dirty="0"/>
               <a:t>1997</a:t>
             </a:r>
           </a:p>
@@ -10043,7 +10868,7 @@
           <a:lstStyle/>
           <a:p>
             <a:r>
-              <a:rPr lang="it-IT" dirty="0"/>
+              <a:rPr lang="en-GB" noProof="0" dirty="0"/>
               <a:t>1998</a:t>
             </a:r>
           </a:p>
@@ -10085,7 +10910,7 @@
           <a:lstStyle/>
           <a:p>
             <a:r>
-              <a:rPr lang="it-IT" dirty="0">
+              <a:rPr lang="en-GB" noProof="0" dirty="0">
                 <a:solidFill>
                   <a:srgbClr val="FF0000"/>
                 </a:solidFill>
@@ -10155,19 +10980,7 @@
               <a:rPr lang="en-GB" noProof="0" dirty="0">
                 <a:latin typeface="Arial Black" panose="020B0A04020102020204" pitchFamily="34" charset="0"/>
               </a:rPr>
-              <a:t>The Idea: </a:t>
-            </a:r>
-            <a:r>
-              <a:rPr lang="en-GB" dirty="0">
-                <a:latin typeface="Arial Black" panose="020B0A04020102020204" pitchFamily="34" charset="0"/>
-              </a:rPr>
-              <a:t>from two</a:t>
-            </a:r>
-            <a:r>
-              <a:rPr lang="en-GB" noProof="0" dirty="0">
-                <a:latin typeface="Arial Black" panose="020B0A04020102020204" pitchFamily="34" charset="0"/>
-              </a:rPr>
-              <a:t> separated frameworks…</a:t>
+              <a:t>The Idea: from two separated frameworks…</a:t>
             </a:r>
           </a:p>
         </p:txBody>
@@ -10225,7 +11038,7 @@
           <a:p>
             <a:pPr algn="ctr"/>
             <a:r>
-              <a:rPr lang="it-IT" sz="2800" b="1" dirty="0">
+              <a:rPr lang="en-GB" sz="2800" b="1" noProof="0" dirty="0">
                 <a:solidFill>
                   <a:schemeClr val="tx1"/>
                 </a:solidFill>
@@ -10284,7 +11097,7 @@
           <a:p>
             <a:pPr algn="ctr"/>
             <a:r>
-              <a:rPr lang="it-IT" sz="2800" b="1" dirty="0">
+              <a:rPr lang="en-GB" sz="2800" b="1" noProof="0" dirty="0">
                 <a:solidFill>
                   <a:schemeClr val="tx1"/>
                 </a:solidFill>
@@ -10350,7 +11163,7 @@
               <a:lstStyle/>
               <a:p>
                 <a:r>
-                  <a:rPr lang="en-US" sz="2400" noProof="0" dirty="0">
+                  <a:rPr lang="en-GB" sz="2400" noProof="0" dirty="0">
                     <a:solidFill>
                       <a:sysClr val="windowText" lastClr="000000"/>
                     </a:solidFill>
@@ -10364,7 +11177,7 @@
                     <m:sSub>
                       <m:sSubPr>
                         <m:ctrlPr>
-                          <a:rPr lang="it-IT" sz="2400" b="0" i="1" noProof="0" smtClean="0">
+                          <a:rPr lang="en-GB" sz="2400" b="0" i="1" noProof="0" smtClean="0">
                             <a:solidFill>
                               <a:sysClr val="windowText" lastClr="000000"/>
                             </a:solidFill>
@@ -10376,7 +11189,7 @@
                       </m:sSubPr>
                       <m:e>
                         <m:r>
-                          <a:rPr lang="it-IT" sz="2400" b="0" i="1" noProof="0" smtClean="0">
+                          <a:rPr lang="en-GB" sz="2400" b="0" i="1" noProof="0" smtClean="0">
                             <a:solidFill>
                               <a:sysClr val="windowText" lastClr="000000"/>
                             </a:solidFill>
@@ -10389,7 +11202,7 @@
                       </m:e>
                       <m:sub>
                         <m:r>
-                          <a:rPr lang="it-IT" sz="2400" b="0" i="1" noProof="0" smtClean="0">
+                          <a:rPr lang="en-GB" sz="2400" b="0" i="1" noProof="0" smtClean="0">
                             <a:solidFill>
                               <a:sysClr val="windowText" lastClr="000000"/>
                             </a:solidFill>
@@ -10402,7 +11215,7 @@
                       </m:sub>
                     </m:sSub>
                     <m:r>
-                      <a:rPr lang="it-IT" sz="2400" b="0" i="1" noProof="0" smtClean="0">
+                      <a:rPr lang="en-GB" sz="2400" b="0" i="1" noProof="0" smtClean="0">
                         <a:solidFill>
                           <a:sysClr val="windowText" lastClr="000000"/>
                         </a:solidFill>
@@ -10415,7 +11228,7 @@
                     <m:sSub>
                       <m:sSubPr>
                         <m:ctrlPr>
-                          <a:rPr lang="it-IT" sz="2400" b="0" i="1" noProof="0" smtClean="0">
+                          <a:rPr lang="en-GB" sz="2400" b="0" i="1" noProof="0" smtClean="0">
                             <a:solidFill>
                               <a:sysClr val="windowText" lastClr="000000"/>
                             </a:solidFill>
@@ -10427,7 +11240,7 @@
                       </m:sSubPr>
                       <m:e>
                         <m:r>
-                          <a:rPr lang="it-IT" sz="2400" b="0" i="1" noProof="0" smtClean="0">
+                          <a:rPr lang="en-GB" sz="2400" b="0" i="1" noProof="0" smtClean="0">
                             <a:solidFill>
                               <a:sysClr val="windowText" lastClr="000000"/>
                             </a:solidFill>
@@ -10440,7 +11253,7 @@
                       </m:e>
                       <m:sub>
                         <m:r>
-                          <a:rPr lang="it-IT" sz="2400" b="0" i="1" noProof="0" smtClean="0">
+                          <a:rPr lang="en-GB" sz="2400" b="0" i="1" noProof="0" smtClean="0">
                             <a:solidFill>
                               <a:sysClr val="windowText" lastClr="000000"/>
                             </a:solidFill>
@@ -10453,7 +11266,7 @@
                       </m:sub>
                     </m:sSub>
                     <m:r>
-                      <a:rPr lang="it-IT" sz="2400" b="0" i="1" noProof="0" smtClean="0">
+                      <a:rPr lang="en-GB" sz="2400" b="0" i="1" noProof="0" smtClean="0">
                         <a:solidFill>
                           <a:sysClr val="windowText" lastClr="000000"/>
                         </a:solidFill>
@@ -10466,7 +11279,7 @@
                     <m:sSub>
                       <m:sSubPr>
                         <m:ctrlPr>
-                          <a:rPr lang="it-IT" sz="2400" b="0" i="1" noProof="0" smtClean="0">
+                          <a:rPr lang="en-GB" sz="2400" b="0" i="1" noProof="0" smtClean="0">
                             <a:solidFill>
                               <a:sysClr val="windowText" lastClr="000000"/>
                             </a:solidFill>
@@ -10478,7 +11291,7 @@
                       </m:sSubPr>
                       <m:e>
                         <m:r>
-                          <a:rPr lang="it-IT" sz="2400" b="0" i="1" noProof="0" smtClean="0">
+                          <a:rPr lang="en-GB" sz="2400" b="0" i="1" noProof="0" smtClean="0">
                             <a:solidFill>
                               <a:sysClr val="windowText" lastClr="000000"/>
                             </a:solidFill>
@@ -10491,7 +11304,7 @@
                       </m:e>
                       <m:sub>
                         <m:r>
-                          <a:rPr lang="it-IT" sz="2400" b="0" i="1" noProof="0" smtClean="0">
+                          <a:rPr lang="en-GB" sz="2400" b="0" i="1" noProof="0" smtClean="0">
                             <a:solidFill>
                               <a:sysClr val="windowText" lastClr="000000"/>
                             </a:solidFill>
@@ -10505,7 +11318,7 @@
                     </m:sSub>
                   </m:oMath>
                 </a14:m>
-                <a:endParaRPr lang="it-IT" sz="2400" b="0" noProof="0" dirty="0">
+                <a:endParaRPr lang="en-GB" sz="2400" b="0" noProof="0" dirty="0">
                   <a:solidFill>
                     <a:sysClr val="windowText" lastClr="000000"/>
                   </a:solidFill>
@@ -10622,7 +11435,7 @@
           <a:lstStyle/>
           <a:p>
             <a:r>
-              <a:rPr lang="en-US" sz="2400" noProof="0" dirty="0">
+              <a:rPr lang="en-GB" sz="2400" noProof="0" dirty="0">
                 <a:solidFill>
                   <a:sysClr val="windowText" lastClr="000000"/>
                 </a:solidFill>
@@ -10631,7 +11444,7 @@
               </a:rPr>
               <a:t>QR and SV decomposition</a:t>
             </a:r>
-            <a:endParaRPr lang="en-US" sz="2400" b="0" noProof="0" dirty="0">
+            <a:endParaRPr lang="en-GB" sz="2400" b="0" noProof="0" dirty="0">
               <a:solidFill>
                 <a:sysClr val="windowText" lastClr="000000"/>
               </a:solidFill>
@@ -10694,14 +11507,14 @@
           <a:lstStyle/>
           <a:p>
             <a:r>
-              <a:rPr lang="en-US" sz="2400" b="0" dirty="0">
+              <a:rPr lang="en-GB" sz="2400" b="0" noProof="0" dirty="0">
                 <a:solidFill>
                   <a:sysClr val="windowText" lastClr="000000"/>
                 </a:solidFill>
               </a:rPr>
               <a:t>State space matrices A and C calculation</a:t>
             </a:r>
-            <a:endParaRPr lang="en-US" sz="2400" b="0" noProof="0" dirty="0">
+            <a:endParaRPr lang="en-GB" sz="2400" b="0" noProof="0" dirty="0">
               <a:solidFill>
                 <a:sysClr val="windowText" lastClr="000000"/>
               </a:solidFill>
@@ -10766,7 +11579,7 @@
               <a:lstStyle/>
               <a:p>
                 <a:r>
-                  <a:rPr lang="en-US" sz="2400" b="0" dirty="0">
+                  <a:rPr lang="en-GB" sz="2400" b="0" noProof="0" dirty="0">
                     <a:solidFill>
                       <a:sysClr val="windowText" lastClr="000000"/>
                     </a:solidFill>
@@ -10774,7 +11587,7 @@
                   <a:t>State space matrices </a:t>
                 </a:r>
                 <a:r>
-                  <a:rPr lang="en-US" sz="2400" dirty="0">
+                  <a:rPr lang="en-GB" sz="2400" noProof="0" dirty="0">
                     <a:solidFill>
                       <a:sysClr val="windowText" lastClr="000000"/>
                     </a:solidFill>
@@ -10782,14 +11595,14 @@
                   <a:t>B and D, </a:t>
                 </a:r>
                 <a:br>
-                  <a:rPr lang="en-US" sz="2400" dirty="0">
+                  <a:rPr lang="en-GB" sz="2400" noProof="0" dirty="0">
                     <a:solidFill>
                       <a:sysClr val="windowText" lastClr="000000"/>
                     </a:solidFill>
                   </a:rPr>
                 </a:br>
                 <a:r>
-                  <a:rPr lang="en-US" sz="2400" dirty="0">
+                  <a:rPr lang="en-GB" sz="2400" noProof="0" dirty="0">
                     <a:solidFill>
                       <a:sysClr val="windowText" lastClr="000000"/>
                     </a:solidFill>
@@ -10799,7 +11612,7 @@
                 <a14:m>
                   <m:oMath xmlns:m="http://schemas.openxmlformats.org/officeDocument/2006/math">
                     <m:r>
-                      <a:rPr lang="it-IT" sz="2400" b="0" i="1" smtClean="0">
+                      <a:rPr lang="en-GB" sz="2400" b="0" i="1" noProof="0" smtClean="0">
                         <a:solidFill>
                           <a:sysClr val="windowText" lastClr="000000"/>
                         </a:solidFill>
@@ -10810,7 +11623,7 @@
                     <m:d>
                       <m:dPr>
                         <m:ctrlPr>
-                          <a:rPr lang="it-IT" sz="2400" b="0" i="1" smtClean="0">
+                          <a:rPr lang="en-GB" sz="2400" b="0" i="1" noProof="0" smtClean="0">
                             <a:solidFill>
                               <a:sysClr val="windowText" lastClr="000000"/>
                             </a:solidFill>
@@ -10820,7 +11633,7 @@
                       </m:dPr>
                       <m:e>
                         <m:r>
-                          <a:rPr lang="it-IT" sz="2400" b="0" i="1" smtClean="0">
+                          <a:rPr lang="en-GB" sz="2400" b="0" i="1" noProof="0" smtClean="0">
                             <a:solidFill>
                               <a:sysClr val="windowText" lastClr="000000"/>
                             </a:solidFill>
@@ -10833,7 +11646,7 @@
                   </m:oMath>
                 </a14:m>
                 <a:r>
-                  <a:rPr lang="it-IT" sz="2400" dirty="0">
+                  <a:rPr lang="en-GB" sz="2400" noProof="0" dirty="0">
                     <a:solidFill>
                       <a:sysClr val="windowText" lastClr="000000"/>
                     </a:solidFill>
@@ -10841,14 +11654,14 @@
                   <a:t> </a:t>
                 </a:r>
                 <a:r>
-                  <a:rPr lang="en-US" sz="2400" b="0" dirty="0">
+                  <a:rPr lang="en-GB" sz="2400" b="0" noProof="0" dirty="0">
                     <a:solidFill>
                       <a:sysClr val="windowText" lastClr="000000"/>
                     </a:solidFill>
                   </a:rPr>
                   <a:t>calculation</a:t>
                 </a:r>
-                <a:endParaRPr lang="en-US" sz="2400" b="0" noProof="0" dirty="0">
+                <a:endParaRPr lang="en-GB" sz="2400" b="0" noProof="0" dirty="0">
                   <a:solidFill>
                     <a:sysClr val="windowText" lastClr="000000"/>
                   </a:solidFill>
@@ -10965,7 +11778,7 @@
           <a:lstStyle/>
           <a:p>
             <a:r>
-              <a:rPr lang="en-US" sz="2400" noProof="0" dirty="0">
+              <a:rPr lang="en-GB" sz="2400" noProof="0" dirty="0">
                 <a:solidFill>
                   <a:sysClr val="windowText" lastClr="000000"/>
                 </a:solidFill>
@@ -10974,7 +11787,7 @@
               </a:rPr>
               <a:t>LS problem and Model calculation</a:t>
             </a:r>
-            <a:endParaRPr lang="en-US" sz="2400" b="0" noProof="0" dirty="0">
+            <a:endParaRPr lang="en-GB" sz="2400" b="0" noProof="0" dirty="0">
               <a:solidFill>
                 <a:sysClr val="windowText" lastClr="000000"/>
               </a:solidFill>
@@ -11037,7 +11850,7 @@
           <a:lstStyle/>
           <a:p>
             <a:r>
-              <a:rPr lang="en-US" sz="2400" noProof="0" dirty="0">
+              <a:rPr lang="en-GB" sz="2400" noProof="0" dirty="0">
                 <a:solidFill>
                   <a:sysClr val="windowText" lastClr="000000"/>
                 </a:solidFill>
@@ -11047,7 +11860,7 @@
               <a:t>Predictor from the model and online </a:t>
             </a:r>
             <a:r>
-              <a:rPr lang="en-US" sz="2400" dirty="0">
+              <a:rPr lang="en-GB" sz="2400" noProof="0" dirty="0">
                 <a:solidFill>
                   <a:sysClr val="windowText" lastClr="000000"/>
                 </a:solidFill>
@@ -11055,7 +11868,7 @@
               <a:t>preferred input</a:t>
             </a:r>
             <a:r>
-              <a:rPr lang="en-US" sz="2400" noProof="0" dirty="0">
+              <a:rPr lang="en-GB" sz="2400" noProof="0" dirty="0">
                 <a:solidFill>
                   <a:sysClr val="windowText" lastClr="000000"/>
                 </a:solidFill>
@@ -11064,7 +11877,7 @@
               </a:rPr>
               <a:t> calculation</a:t>
             </a:r>
-            <a:endParaRPr lang="en-US" sz="2400" b="0" noProof="0" dirty="0">
+            <a:endParaRPr lang="en-GB" sz="2400" b="0" noProof="0" dirty="0">
               <a:solidFill>
                 <a:sysClr val="windowText" lastClr="000000"/>
               </a:solidFill>
@@ -11127,7 +11940,7 @@
           <a:lstStyle/>
           <a:p>
             <a:r>
-              <a:rPr lang="en-US" sz="2400" noProof="0" dirty="0">
+              <a:rPr lang="en-GB" sz="2400" noProof="0" dirty="0">
                 <a:solidFill>
                   <a:sysClr val="windowText" lastClr="000000"/>
                 </a:solidFill>
@@ -11136,7 +11949,7 @@
               </a:rPr>
               <a:t>Online system control</a:t>
             </a:r>
-            <a:endParaRPr lang="en-US" sz="2400" b="0" noProof="0" dirty="0">
+            <a:endParaRPr lang="en-GB" sz="2400" b="0" noProof="0" dirty="0">
               <a:solidFill>
                 <a:sysClr val="windowText" lastClr="000000"/>
               </a:solidFill>
@@ -11235,7 +12048,7 @@
           <a:p>
             <a:pPr algn="ctr"/>
             <a:r>
-              <a:rPr lang="it-IT" sz="2800" b="1" dirty="0">
+              <a:rPr lang="en-GB" sz="2800" b="1" noProof="0" dirty="0">
                 <a:solidFill>
                   <a:schemeClr val="tx1"/>
                 </a:solidFill>
@@ -11301,7 +12114,7 @@
               <a:lstStyle/>
               <a:p>
                 <a:r>
-                  <a:rPr lang="en-US" sz="2400" noProof="0" dirty="0">
+                  <a:rPr lang="en-GB" sz="2400" noProof="0" dirty="0">
                     <a:solidFill>
                       <a:sysClr val="windowText" lastClr="000000"/>
                     </a:solidFill>
@@ -11315,7 +12128,7 @@
                     <m:sSub>
                       <m:sSubPr>
                         <m:ctrlPr>
-                          <a:rPr lang="it-IT" sz="2400" b="0" i="1" noProof="0" smtClean="0">
+                          <a:rPr lang="en-GB" sz="2400" b="0" i="1" noProof="0" smtClean="0">
                             <a:solidFill>
                               <a:sysClr val="windowText" lastClr="000000"/>
                             </a:solidFill>
@@ -11327,7 +12140,7 @@
                       </m:sSubPr>
                       <m:e>
                         <m:r>
-                          <a:rPr lang="it-IT" sz="2400" b="0" i="1" noProof="0" smtClean="0">
+                          <a:rPr lang="en-GB" sz="2400" b="0" i="1" noProof="0" smtClean="0">
                             <a:solidFill>
                               <a:sysClr val="windowText" lastClr="000000"/>
                             </a:solidFill>
@@ -11340,7 +12153,7 @@
                       </m:e>
                       <m:sub>
                         <m:r>
-                          <a:rPr lang="it-IT" sz="2400" b="0" i="1" noProof="0" smtClean="0">
+                          <a:rPr lang="en-GB" sz="2400" b="0" i="1" noProof="0" smtClean="0">
                             <a:solidFill>
                               <a:sysClr val="windowText" lastClr="000000"/>
                             </a:solidFill>
@@ -11353,7 +12166,7 @@
                       </m:sub>
                     </m:sSub>
                     <m:r>
-                      <a:rPr lang="it-IT" sz="2400" b="0" i="1" noProof="0" smtClean="0">
+                      <a:rPr lang="en-GB" sz="2400" b="0" i="1" noProof="0" smtClean="0">
                         <a:solidFill>
                           <a:sysClr val="windowText" lastClr="000000"/>
                         </a:solidFill>
@@ -11366,7 +12179,7 @@
                     <m:sSub>
                       <m:sSubPr>
                         <m:ctrlPr>
-                          <a:rPr lang="it-IT" sz="2400" b="0" i="1" noProof="0" smtClean="0">
+                          <a:rPr lang="en-GB" sz="2400" b="0" i="1" noProof="0" smtClean="0">
                             <a:solidFill>
                               <a:sysClr val="windowText" lastClr="000000"/>
                             </a:solidFill>
@@ -11378,7 +12191,7 @@
                       </m:sSubPr>
                       <m:e>
                         <m:r>
-                          <a:rPr lang="it-IT" sz="2400" b="0" i="1" noProof="0" smtClean="0">
+                          <a:rPr lang="en-GB" sz="2400" b="0" i="1" noProof="0" smtClean="0">
                             <a:solidFill>
                               <a:sysClr val="windowText" lastClr="000000"/>
                             </a:solidFill>
@@ -11391,7 +12204,7 @@
                       </m:e>
                       <m:sub>
                         <m:r>
-                          <a:rPr lang="it-IT" sz="2400" b="0" i="1" noProof="0" smtClean="0">
+                          <a:rPr lang="en-GB" sz="2400" b="0" i="1" noProof="0" smtClean="0">
                             <a:solidFill>
                               <a:sysClr val="windowText" lastClr="000000"/>
                             </a:solidFill>
@@ -11404,7 +12217,7 @@
                       </m:sub>
                     </m:sSub>
                     <m:r>
-                      <a:rPr lang="it-IT" sz="2400" b="0" i="1" noProof="0" smtClean="0">
+                      <a:rPr lang="en-GB" sz="2400" b="0" i="1" noProof="0" smtClean="0">
                         <a:solidFill>
                           <a:sysClr val="windowText" lastClr="000000"/>
                         </a:solidFill>
@@ -11417,7 +12230,7 @@
                     <m:sSub>
                       <m:sSubPr>
                         <m:ctrlPr>
-                          <a:rPr lang="it-IT" sz="2400" b="0" i="1" noProof="0" smtClean="0">
+                          <a:rPr lang="en-GB" sz="2400" b="0" i="1" noProof="0" smtClean="0">
                             <a:solidFill>
                               <a:sysClr val="windowText" lastClr="000000"/>
                             </a:solidFill>
@@ -11429,7 +12242,7 @@
                       </m:sSubPr>
                       <m:e>
                         <m:r>
-                          <a:rPr lang="it-IT" sz="2400" b="0" i="1" noProof="0" smtClean="0">
+                          <a:rPr lang="en-GB" sz="2400" b="0" i="1" noProof="0" smtClean="0">
                             <a:solidFill>
                               <a:sysClr val="windowText" lastClr="000000"/>
                             </a:solidFill>
@@ -11442,7 +12255,7 @@
                       </m:e>
                       <m:sub>
                         <m:r>
-                          <a:rPr lang="it-IT" sz="2400" b="0" i="1" noProof="0" smtClean="0">
+                          <a:rPr lang="en-GB" sz="2400" b="0" i="1" noProof="0" smtClean="0">
                             <a:solidFill>
                               <a:sysClr val="windowText" lastClr="000000"/>
                             </a:solidFill>
@@ -11456,7 +12269,7 @@
                     </m:sSub>
                   </m:oMath>
                 </a14:m>
-                <a:endParaRPr lang="it-IT" sz="2400" b="0" noProof="0" dirty="0">
+                <a:endParaRPr lang="en-GB" sz="2400" b="0" noProof="0" dirty="0">
                   <a:solidFill>
                     <a:sysClr val="windowText" lastClr="000000"/>
                   </a:solidFill>
@@ -11573,7 +12386,7 @@
           <a:lstStyle/>
           <a:p>
             <a:r>
-              <a:rPr lang="en-US" sz="2400" noProof="0" dirty="0">
+              <a:rPr lang="en-GB" sz="2400" noProof="0" dirty="0">
                 <a:solidFill>
                   <a:sysClr val="windowText" lastClr="000000"/>
                 </a:solidFill>
@@ -11582,7 +12395,7 @@
               </a:rPr>
               <a:t>QR and SV decomposition</a:t>
             </a:r>
-            <a:endParaRPr lang="en-US" sz="2400" b="0" noProof="0" dirty="0">
+            <a:endParaRPr lang="en-GB" sz="2400" b="0" noProof="0" dirty="0">
               <a:solidFill>
                 <a:sysClr val="windowText" lastClr="000000"/>
               </a:solidFill>
@@ -11645,7 +12458,7 @@
           <a:lstStyle/>
           <a:p>
             <a:r>
-              <a:rPr lang="en-US" sz="2400" noProof="0" dirty="0">
+              <a:rPr lang="en-GB" sz="2400" noProof="0" dirty="0">
                 <a:solidFill>
                   <a:sysClr val="windowText" lastClr="000000"/>
                 </a:solidFill>
@@ -11655,7 +12468,7 @@
               <a:t>Predictor from the model and online </a:t>
             </a:r>
             <a:r>
-              <a:rPr lang="en-US" sz="2400" dirty="0">
+              <a:rPr lang="en-GB" sz="2400" noProof="0" dirty="0">
                 <a:solidFill>
                   <a:sysClr val="windowText" lastClr="000000"/>
                 </a:solidFill>
@@ -11663,7 +12476,7 @@
               <a:t>preferred input</a:t>
             </a:r>
             <a:r>
-              <a:rPr lang="en-US" sz="2400" noProof="0" dirty="0">
+              <a:rPr lang="en-GB" sz="2400" noProof="0" dirty="0">
                 <a:solidFill>
                   <a:sysClr val="windowText" lastClr="000000"/>
                 </a:solidFill>
@@ -11672,7 +12485,7 @@
               </a:rPr>
               <a:t> calculation</a:t>
             </a:r>
-            <a:endParaRPr lang="en-US" sz="2400" b="0" noProof="0" dirty="0">
+            <a:endParaRPr lang="en-GB" sz="2400" b="0" noProof="0" dirty="0">
               <a:solidFill>
                 <a:sysClr val="windowText" lastClr="000000"/>
               </a:solidFill>
@@ -11735,7 +12548,7 @@
           <a:lstStyle/>
           <a:p>
             <a:r>
-              <a:rPr lang="en-US" sz="2400" noProof="0" dirty="0">
+              <a:rPr lang="en-GB" sz="2400" noProof="0" dirty="0">
                 <a:solidFill>
                   <a:sysClr val="windowText" lastClr="000000"/>
                 </a:solidFill>
@@ -11744,7 +12557,7 @@
               </a:rPr>
               <a:t>Online system control</a:t>
             </a:r>
-            <a:endParaRPr lang="en-US" sz="2400" b="0" noProof="0" dirty="0">
+            <a:endParaRPr lang="en-GB" sz="2400" b="0" noProof="0" dirty="0">
               <a:solidFill>
                 <a:sysClr val="windowText" lastClr="000000"/>
               </a:solidFill>
@@ -11809,7 +12622,7 @@
               <a:lstStyle/>
               <a:p>
                 <a:r>
-                  <a:rPr lang="en-US" sz="2400" noProof="0" dirty="0">
+                  <a:rPr lang="en-GB" sz="2400" noProof="0" dirty="0">
                     <a:solidFill>
                       <a:sysClr val="windowText" lastClr="000000"/>
                     </a:solidFill>
@@ -11823,7 +12636,7 @@
                     <m:sSub>
                       <m:sSubPr>
                         <m:ctrlPr>
-                          <a:rPr lang="it-IT" sz="2400" b="0" i="1" noProof="0" smtClean="0">
+                          <a:rPr lang="en-GB" sz="2400" b="0" i="1" noProof="0" smtClean="0">
                             <a:solidFill>
                               <a:sysClr val="windowText" lastClr="000000"/>
                             </a:solidFill>
@@ -11835,7 +12648,7 @@
                       </m:sSubPr>
                       <m:e>
                         <m:r>
-                          <a:rPr lang="it-IT" sz="2400" b="0" i="1" noProof="0" smtClean="0">
+                          <a:rPr lang="en-GB" sz="2400" b="0" i="1" noProof="0" smtClean="0">
                             <a:solidFill>
                               <a:sysClr val="windowText" lastClr="000000"/>
                             </a:solidFill>
@@ -11848,7 +12661,7 @@
                       </m:e>
                       <m:sub>
                         <m:r>
-                          <a:rPr lang="it-IT" sz="2400" b="0" i="1" noProof="0" smtClean="0">
+                          <a:rPr lang="en-GB" sz="2400" b="0" i="1" noProof="0" smtClean="0">
                             <a:solidFill>
                               <a:sysClr val="windowText" lastClr="000000"/>
                             </a:solidFill>
@@ -11861,7 +12674,7 @@
                       </m:sub>
                     </m:sSub>
                     <m:r>
-                      <a:rPr lang="it-IT" sz="2400" b="0" i="1" noProof="0" smtClean="0">
+                      <a:rPr lang="en-GB" sz="2400" b="0" i="1" noProof="0" smtClean="0">
                         <a:solidFill>
                           <a:sysClr val="windowText" lastClr="000000"/>
                         </a:solidFill>
@@ -11874,7 +12687,7 @@
                     <m:sSub>
                       <m:sSubPr>
                         <m:ctrlPr>
-                          <a:rPr lang="it-IT" sz="2400" b="0" i="1" noProof="0" smtClean="0">
+                          <a:rPr lang="en-GB" sz="2400" b="0" i="1" noProof="0" smtClean="0">
                             <a:solidFill>
                               <a:sysClr val="windowText" lastClr="000000"/>
                             </a:solidFill>
@@ -11886,7 +12699,7 @@
                       </m:sSubPr>
                       <m:e>
                         <m:r>
-                          <a:rPr lang="it-IT" sz="2400" b="0" i="1" noProof="0" smtClean="0">
+                          <a:rPr lang="en-GB" sz="2400" b="0" i="1" noProof="0" smtClean="0">
                             <a:solidFill>
                               <a:sysClr val="windowText" lastClr="000000"/>
                             </a:solidFill>
@@ -11899,7 +12712,7 @@
                       </m:e>
                       <m:sub>
                         <m:r>
-                          <a:rPr lang="it-IT" sz="2400" b="0" i="1" noProof="0" smtClean="0">
+                          <a:rPr lang="en-GB" sz="2400" b="0" i="1" noProof="0" smtClean="0">
                             <a:solidFill>
                               <a:sysClr val="windowText" lastClr="000000"/>
                             </a:solidFill>
@@ -11913,7 +12726,7 @@
                     </m:sSub>
                   </m:oMath>
                 </a14:m>
-                <a:endParaRPr lang="it-IT" sz="2400" b="0" noProof="0" dirty="0">
+                <a:endParaRPr lang="en-GB" sz="2400" b="0" noProof="0" dirty="0">
                   <a:solidFill>
                     <a:sysClr val="windowText" lastClr="000000"/>
                   </a:solidFill>
@@ -12007,17 +12820,8 @@
               <a:rPr lang="en-GB" noProof="0" dirty="0">
                 <a:latin typeface="Arial Black" panose="020B0A04020102020204" pitchFamily="34" charset="0"/>
               </a:rPr>
-              <a:t>The Idea: </a:t>
-            </a:r>
-            <a:r>
-              <a:rPr lang="en-GB" dirty="0">
-                <a:latin typeface="Arial Black" panose="020B0A04020102020204" pitchFamily="34" charset="0"/>
-              </a:rPr>
-              <a:t>… to a unified framework</a:t>
-            </a:r>
-            <a:endParaRPr lang="en-GB" noProof="0" dirty="0">
-              <a:latin typeface="Arial Black" panose="020B0A04020102020204" pitchFamily="34" charset="0"/>
-            </a:endParaRPr>
+              <a:t>The Idea: … to a unified framework</a:t>
+            </a:r>
           </a:p>
         </p:txBody>
       </p:sp>
@@ -12133,7 +12937,7 @@
           <a:p>
             <a:pPr algn="just"/>
             <a:r>
-              <a:rPr lang="en-GB" sz="2400" dirty="0">
+              <a:rPr lang="en-GB" sz="2400" noProof="0" dirty="0">
                 <a:latin typeface="Arial" panose="020B0604020202020204" pitchFamily="34" charset="0"/>
                 <a:cs typeface="Arial" panose="020B0604020202020204" pitchFamily="34" charset="0"/>
               </a:rPr>
@@ -12142,7 +12946,7 @@
           </a:p>
           <a:p>
             <a:pPr algn="just"/>
-            <a:endParaRPr lang="en-GB" sz="2400" dirty="0">
+            <a:endParaRPr lang="en-GB" sz="2400" noProof="0" dirty="0">
               <a:latin typeface="Arial" panose="020B0604020202020204" pitchFamily="34" charset="0"/>
               <a:cs typeface="Arial" panose="020B0604020202020204" pitchFamily="34" charset="0"/>
             </a:endParaRPr>
@@ -12150,7 +12954,7 @@
           <a:p>
             <a:pPr algn="just"/>
             <a:r>
-              <a:rPr lang="en-GB" sz="2400" dirty="0">
+              <a:rPr lang="en-GB" sz="2400" noProof="0" dirty="0">
                 <a:latin typeface="Arial" panose="020B0604020202020204" pitchFamily="34" charset="0"/>
                 <a:cs typeface="Arial" panose="020B0604020202020204" pitchFamily="34" charset="0"/>
               </a:rPr>
@@ -12287,7 +13091,7 @@
           </a:p>
           <a:p>
             <a:pPr algn="just"/>
-            <a:endParaRPr lang="en-GB" sz="2400" dirty="0">
+            <a:endParaRPr lang="en-GB" sz="2400" noProof="0" dirty="0">
               <a:latin typeface="Arial" panose="020B0604020202020204" pitchFamily="34" charset="0"/>
               <a:cs typeface="Arial" panose="020B0604020202020204" pitchFamily="34" charset="0"/>
             </a:endParaRPr>
@@ -12301,7 +13105,7 @@
           </a:p>
           <a:p>
             <a:pPr algn="just"/>
-            <a:endParaRPr lang="en-GB" sz="2400" dirty="0">
+            <a:endParaRPr lang="en-GB" sz="2400" noProof="0" dirty="0">
               <a:latin typeface="Arial" panose="020B0604020202020204" pitchFamily="34" charset="0"/>
               <a:cs typeface="Arial" panose="020B0604020202020204" pitchFamily="34" charset="0"/>
             </a:endParaRPr>
@@ -12315,7 +13119,7 @@
           </a:p>
           <a:p>
             <a:pPr algn="just"/>
-            <a:endParaRPr lang="en-GB" sz="2400" dirty="0">
+            <a:endParaRPr lang="en-GB" sz="2400" noProof="0" dirty="0">
               <a:latin typeface="Arial" panose="020B0604020202020204" pitchFamily="34" charset="0"/>
               <a:cs typeface="Arial" panose="020B0604020202020204" pitchFamily="34" charset="0"/>
             </a:endParaRPr>
@@ -12333,41 +13137,27 @@
           <a:p>
             <a:pPr algn="just"/>
             <a:r>
-              <a:rPr lang="en-GB" sz="2400" dirty="0">
-                <a:latin typeface="Arial" panose="020B0604020202020204" pitchFamily="34" charset="0"/>
-                <a:cs typeface="Arial" panose="020B0604020202020204" pitchFamily="34" charset="0"/>
-              </a:rPr>
-              <a:t>	  are the </a:t>
-            </a:r>
-            <a:r>
               <a:rPr lang="en-GB" sz="2400" noProof="0" dirty="0">
                 <a:latin typeface="Arial" panose="020B0604020202020204" pitchFamily="34" charset="0"/>
                 <a:cs typeface="Arial" panose="020B0604020202020204" pitchFamily="34" charset="0"/>
               </a:rPr>
-              <a:t>system inputs			is the noise sequence</a:t>
+              <a:t>	  are the system inputs			is the noise sequence</a:t>
             </a:r>
           </a:p>
           <a:p>
             <a:pPr algn="just"/>
-            <a:r>
-              <a:rPr lang="en-GB" sz="2400" dirty="0">
-                <a:latin typeface="Arial" panose="020B0604020202020204" pitchFamily="34" charset="0"/>
-                <a:cs typeface="Arial" panose="020B0604020202020204" pitchFamily="34" charset="0"/>
-              </a:rPr>
-              <a:t>	  are the </a:t>
-            </a:r>
             <a:r>
               <a:rPr lang="en-GB" sz="2400" noProof="0" dirty="0">
                 <a:latin typeface="Arial" panose="020B0604020202020204" pitchFamily="34" charset="0"/>
                 <a:cs typeface="Arial" panose="020B0604020202020204" pitchFamily="34" charset="0"/>
               </a:rPr>
-              <a:t>system outputs		</a:t>
+              <a:t>	  are the system outputs		</a:t>
             </a:r>
           </a:p>
           <a:p>
             <a:pPr algn="just"/>
             <a:r>
-              <a:rPr lang="en-GB" sz="2400" i="1" dirty="0">
+              <a:rPr lang="en-GB" sz="2400" i="1" noProof="0" dirty="0">
                 <a:latin typeface="Arial" panose="020B0604020202020204" pitchFamily="34" charset="0"/>
                 <a:cs typeface="Arial" panose="020B0604020202020204" pitchFamily="34" charset="0"/>
               </a:rPr>
@@ -12423,7 +13213,7 @@
               <a:t> are </a:t>
             </a:r>
             <a:r>
-              <a:rPr lang="en-GB" sz="2400" i="1" dirty="0">
+              <a:rPr lang="en-GB" sz="2400" i="1" noProof="0" dirty="0">
                 <a:latin typeface="Arial" panose="020B0604020202020204" pitchFamily="34" charset="0"/>
                 <a:cs typeface="Arial" panose="020B0604020202020204" pitchFamily="34" charset="0"/>
               </a:rPr>
@@ -12830,21 +13620,21 @@
           <a:p>
             <a:pPr algn="just"/>
             <a:r>
-              <a:rPr lang="en-GB" sz="2400" dirty="0">
+              <a:rPr lang="en-GB" sz="2400" noProof="0" dirty="0">
                 <a:latin typeface="Arial" panose="020B0604020202020204" pitchFamily="34" charset="0"/>
                 <a:cs typeface="Arial" panose="020B0604020202020204" pitchFamily="34" charset="0"/>
               </a:rPr>
               <a:t>The SPC algorithm starts by defining the block Hankel matrices for inputs, outputs and noise, assuming k= </a:t>
             </a:r>
             <a:r>
-              <a:rPr lang="en-GB" sz="2400" dirty="0" err="1">
+              <a:rPr lang="en-GB" sz="2400" noProof="0" dirty="0" err="1">
                 <a:latin typeface="Arial" panose="020B0604020202020204" pitchFamily="34" charset="0"/>
                 <a:cs typeface="Arial" panose="020B0604020202020204" pitchFamily="34" charset="0"/>
               </a:rPr>
               <a:t>N+M+j</a:t>
             </a:r>
             <a:r>
-              <a:rPr lang="en-GB" sz="2400" dirty="0">
+              <a:rPr lang="en-GB" sz="2400" noProof="0" dirty="0">
                 <a:latin typeface="Arial" panose="020B0604020202020204" pitchFamily="34" charset="0"/>
                 <a:cs typeface="Arial" panose="020B0604020202020204" pitchFamily="34" charset="0"/>
               </a:rPr>
@@ -12853,100 +13643,96 @@
           </a:p>
           <a:p>
             <a:pPr algn="just"/>
-            <a:endParaRPr lang="en-GB" sz="2400" dirty="0">
-              <a:latin typeface="Arial" panose="020B0604020202020204" pitchFamily="34" charset="0"/>
-              <a:cs typeface="Arial" panose="020B0604020202020204" pitchFamily="34" charset="0"/>
-            </a:endParaRPr>
-          </a:p>
-          <a:p>
-            <a:pPr algn="just"/>
-            <a:endParaRPr lang="en-GB" sz="2400" dirty="0">
-              <a:latin typeface="Arial" panose="020B0604020202020204" pitchFamily="34" charset="0"/>
-              <a:cs typeface="Arial" panose="020B0604020202020204" pitchFamily="34" charset="0"/>
-            </a:endParaRPr>
-          </a:p>
-          <a:p>
-            <a:pPr algn="just"/>
-            <a:endParaRPr lang="en-GB" sz="2400" dirty="0">
-              <a:latin typeface="Arial" panose="020B0604020202020204" pitchFamily="34" charset="0"/>
-              <a:cs typeface="Arial" panose="020B0604020202020204" pitchFamily="34" charset="0"/>
-            </a:endParaRPr>
-          </a:p>
-          <a:p>
-            <a:pPr algn="just"/>
-            <a:endParaRPr lang="en-GB" sz="2400" dirty="0">
-              <a:latin typeface="Arial" panose="020B0604020202020204" pitchFamily="34" charset="0"/>
-              <a:cs typeface="Arial" panose="020B0604020202020204" pitchFamily="34" charset="0"/>
-            </a:endParaRPr>
-          </a:p>
-          <a:p>
-            <a:pPr algn="just"/>
-            <a:endParaRPr lang="en-GB" sz="2400" dirty="0">
-              <a:latin typeface="Arial" panose="020B0604020202020204" pitchFamily="34" charset="0"/>
-              <a:cs typeface="Arial" panose="020B0604020202020204" pitchFamily="34" charset="0"/>
-            </a:endParaRPr>
-          </a:p>
-          <a:p>
-            <a:pPr algn="just"/>
-            <a:endParaRPr lang="en-GB" sz="2400" dirty="0">
-              <a:latin typeface="Arial" panose="020B0604020202020204" pitchFamily="34" charset="0"/>
-              <a:cs typeface="Arial" panose="020B0604020202020204" pitchFamily="34" charset="0"/>
-            </a:endParaRPr>
-          </a:p>
-          <a:p>
-            <a:pPr algn="just"/>
-            <a:r>
-              <a:rPr lang="en-GB" sz="2400" dirty="0">
-                <a:latin typeface="Arial" panose="020B0604020202020204" pitchFamily="34" charset="0"/>
-                <a:cs typeface="Arial" panose="020B0604020202020204" pitchFamily="34" charset="0"/>
-              </a:rPr>
-              <a:t>We define the matrices			     in the same way.</a:t>
-            </a:r>
-          </a:p>
-          <a:p>
-            <a:pPr algn="just"/>
-            <a:endParaRPr lang="en-GB" dirty="0">
-              <a:latin typeface="Arial" panose="020B0604020202020204" pitchFamily="34" charset="0"/>
-              <a:cs typeface="Arial" panose="020B0604020202020204" pitchFamily="34" charset="0"/>
-            </a:endParaRPr>
-          </a:p>
-          <a:p>
-            <a:pPr algn="just"/>
-            <a:r>
-              <a:rPr lang="en-GB" sz="2400" i="1" dirty="0">
-                <a:latin typeface="Arial" panose="020B0604020202020204" pitchFamily="34" charset="0"/>
-                <a:cs typeface="Arial" panose="020B0604020202020204" pitchFamily="34" charset="0"/>
-              </a:rPr>
-              <a:t>p </a:t>
-            </a:r>
-            <a:r>
-              <a:rPr lang="en-GB" sz="2400" dirty="0">
-                <a:latin typeface="Arial" panose="020B0604020202020204" pitchFamily="34" charset="0"/>
-                <a:cs typeface="Arial" panose="020B0604020202020204" pitchFamily="34" charset="0"/>
-              </a:rPr>
-              <a:t>represents “past” matrices, with M being the number of “past” data points</a:t>
-            </a:r>
-          </a:p>
-          <a:p>
-            <a:pPr algn="just"/>
-            <a:r>
-              <a:rPr lang="en-GB" sz="2400" i="1" dirty="0">
-                <a:latin typeface="Arial" panose="020B0604020202020204" pitchFamily="34" charset="0"/>
-                <a:cs typeface="Arial" panose="020B0604020202020204" pitchFamily="34" charset="0"/>
-              </a:rPr>
-              <a:t>f </a:t>
-            </a:r>
-            <a:r>
-              <a:rPr lang="en-GB" sz="2400" dirty="0">
-                <a:latin typeface="Arial" panose="020B0604020202020204" pitchFamily="34" charset="0"/>
-                <a:cs typeface="Arial" panose="020B0604020202020204" pitchFamily="34" charset="0"/>
-              </a:rPr>
-              <a:t>represents “future”	matrices, with N being the number of “future” data points</a:t>
-            </a:r>
             <a:endParaRPr lang="en-GB" sz="2400" noProof="0" dirty="0">
               <a:latin typeface="Arial" panose="020B0604020202020204" pitchFamily="34" charset="0"/>
               <a:cs typeface="Arial" panose="020B0604020202020204" pitchFamily="34" charset="0"/>
             </a:endParaRPr>
+          </a:p>
+          <a:p>
+            <a:pPr algn="just"/>
+            <a:endParaRPr lang="en-GB" sz="2400" noProof="0" dirty="0">
+              <a:latin typeface="Arial" panose="020B0604020202020204" pitchFamily="34" charset="0"/>
+              <a:cs typeface="Arial" panose="020B0604020202020204" pitchFamily="34" charset="0"/>
+            </a:endParaRPr>
+          </a:p>
+          <a:p>
+            <a:pPr algn="just"/>
+            <a:endParaRPr lang="en-GB" sz="2400" noProof="0" dirty="0">
+              <a:latin typeface="Arial" panose="020B0604020202020204" pitchFamily="34" charset="0"/>
+              <a:cs typeface="Arial" panose="020B0604020202020204" pitchFamily="34" charset="0"/>
+            </a:endParaRPr>
+          </a:p>
+          <a:p>
+            <a:pPr algn="just"/>
+            <a:endParaRPr lang="en-GB" sz="2400" noProof="0" dirty="0">
+              <a:latin typeface="Arial" panose="020B0604020202020204" pitchFamily="34" charset="0"/>
+              <a:cs typeface="Arial" panose="020B0604020202020204" pitchFamily="34" charset="0"/>
+            </a:endParaRPr>
+          </a:p>
+          <a:p>
+            <a:pPr algn="just"/>
+            <a:endParaRPr lang="en-GB" sz="2400" noProof="0" dirty="0">
+              <a:latin typeface="Arial" panose="020B0604020202020204" pitchFamily="34" charset="0"/>
+              <a:cs typeface="Arial" panose="020B0604020202020204" pitchFamily="34" charset="0"/>
+            </a:endParaRPr>
+          </a:p>
+          <a:p>
+            <a:pPr algn="just"/>
+            <a:endParaRPr lang="en-GB" sz="2400" noProof="0" dirty="0">
+              <a:latin typeface="Arial" panose="020B0604020202020204" pitchFamily="34" charset="0"/>
+              <a:cs typeface="Arial" panose="020B0604020202020204" pitchFamily="34" charset="0"/>
+            </a:endParaRPr>
+          </a:p>
+          <a:p>
+            <a:pPr algn="just"/>
+            <a:r>
+              <a:rPr lang="en-GB" sz="2400" noProof="0" dirty="0">
+                <a:latin typeface="Arial" panose="020B0604020202020204" pitchFamily="34" charset="0"/>
+                <a:cs typeface="Arial" panose="020B0604020202020204" pitchFamily="34" charset="0"/>
+              </a:rPr>
+              <a:t>We define the matrices			     in the same way.</a:t>
+            </a:r>
+          </a:p>
+          <a:p>
+            <a:pPr algn="just"/>
+            <a:endParaRPr lang="en-GB" noProof="0" dirty="0">
+              <a:latin typeface="Arial" panose="020B0604020202020204" pitchFamily="34" charset="0"/>
+              <a:cs typeface="Arial" panose="020B0604020202020204" pitchFamily="34" charset="0"/>
+            </a:endParaRPr>
+          </a:p>
+          <a:p>
+            <a:pPr algn="just"/>
+            <a:r>
+              <a:rPr lang="en-GB" sz="2400" i="1" noProof="0" dirty="0">
+                <a:latin typeface="Arial" panose="020B0604020202020204" pitchFamily="34" charset="0"/>
+                <a:cs typeface="Arial" panose="020B0604020202020204" pitchFamily="34" charset="0"/>
+              </a:rPr>
+              <a:t>p </a:t>
+            </a:r>
+            <a:r>
+              <a:rPr lang="en-GB" sz="2400" noProof="0" dirty="0">
+                <a:latin typeface="Arial" panose="020B0604020202020204" pitchFamily="34" charset="0"/>
+                <a:cs typeface="Arial" panose="020B0604020202020204" pitchFamily="34" charset="0"/>
+              </a:rPr>
+              <a:t>represents “past” matrices, with M being the number of “past” data points</a:t>
+            </a:r>
+          </a:p>
+          <a:p>
+            <a:pPr algn="just"/>
+            <a:r>
+              <a:rPr lang="en-GB" sz="2400" i="1" noProof="0" dirty="0">
+                <a:latin typeface="Arial" panose="020B0604020202020204" pitchFamily="34" charset="0"/>
+                <a:cs typeface="Arial" panose="020B0604020202020204" pitchFamily="34" charset="0"/>
+              </a:rPr>
+              <a:t>f </a:t>
+            </a:r>
+            <a:r>
+              <a:rPr lang="en-GB" sz="2400" noProof="0" dirty="0">
+                <a:latin typeface="Arial" panose="020B0604020202020204" pitchFamily="34" charset="0"/>
+                <a:cs typeface="Arial" panose="020B0604020202020204" pitchFamily="34" charset="0"/>
+              </a:rPr>
+              <a:t>represents “future”	matrices, with N being the number of “future” data points</a:t>
+            </a:r>
           </a:p>
           <a:p>
             <a:pPr algn="just"/>
@@ -13172,14 +13958,11 @@
               </a:rPr>
             </a:br>
             <a:r>
-              <a:rPr lang="en-GB" dirty="0">
+              <a:rPr lang="en-GB" noProof="0" dirty="0">
                 <a:latin typeface="Arial Black" panose="020B0A04020102020204" pitchFamily="34" charset="0"/>
               </a:rPr>
               <a:t>Defining the predictor and LS problem</a:t>
             </a:r>
-            <a:endParaRPr lang="en-GB" noProof="0" dirty="0">
-              <a:latin typeface="Arial Black" panose="020B0A04020102020204" pitchFamily="34" charset="0"/>
-            </a:endParaRPr>
           </a:p>
         </p:txBody>
       </p:sp>
@@ -13219,14 +14002,7 @@
                     <a:latin typeface="Arial" panose="020B0604020202020204" pitchFamily="34" charset="0"/>
                     <a:cs typeface="Arial" panose="020B0604020202020204" pitchFamily="34" charset="0"/>
                   </a:rPr>
-                  <a:t>Using past </a:t>
-                </a:r>
-                <a:r>
-                  <a:rPr lang="en-GB" sz="2400" dirty="0">
-                    <a:latin typeface="Arial" panose="020B0604020202020204" pitchFamily="34" charset="0"/>
-                    <a:cs typeface="Arial" panose="020B0604020202020204" pitchFamily="34" charset="0"/>
-                  </a:rPr>
-                  <a:t>matrices we can build matrix</a:t>
+                  <a:t>Using past matrices we can build matrix</a:t>
                 </a:r>
               </a:p>
               <a:p>
@@ -13246,7 +14022,7 @@
               <a:p>
                 <a:pPr algn="just"/>
                 <a:r>
-                  <a:rPr lang="en-GB" sz="2400" dirty="0">
+                  <a:rPr lang="en-GB" sz="2400" noProof="0" dirty="0">
                     <a:latin typeface="Arial" panose="020B0604020202020204" pitchFamily="34" charset="0"/>
                     <a:cs typeface="Arial" panose="020B0604020202020204" pitchFamily="34" charset="0"/>
                   </a:rPr>
@@ -13255,7 +14031,7 @@
               </a:p>
               <a:p>
                 <a:pPr algn="just"/>
-                <a:endParaRPr lang="en-GB" sz="2400" dirty="0">
+                <a:endParaRPr lang="en-GB" sz="2400" noProof="0" dirty="0">
                   <a:latin typeface="Arial" panose="020B0604020202020204" pitchFamily="34" charset="0"/>
                   <a:cs typeface="Arial" panose="020B0604020202020204" pitchFamily="34" charset="0"/>
                 </a:endParaRPr>
@@ -13282,7 +14058,7 @@
                             <m:accPr>
                               <m:chr m:val="̂"/>
                               <m:ctrlPr>
-                                <a:rPr lang="it-IT" sz="2400" b="0" i="1" noProof="0" smtClean="0">
+                                <a:rPr lang="en-GB" sz="2400" b="0" i="1" noProof="0" smtClean="0">
                                   <a:latin typeface="Cambria Math" panose="02040503050406030204" pitchFamily="18" charset="0"/>
                                   <a:cs typeface="Arial" panose="020B0604020202020204" pitchFamily="34" charset="0"/>
                                 </a:rPr>
@@ -13290,7 +14066,7 @@
                             </m:accPr>
                             <m:e>
                               <m:r>
-                                <a:rPr lang="it-IT" sz="2400" b="0" i="1" noProof="0" smtClean="0">
+                                <a:rPr lang="en-GB" sz="2400" b="0" i="1" noProof="0" smtClean="0">
                                   <a:latin typeface="Cambria Math" panose="02040503050406030204" pitchFamily="18" charset="0"/>
                                   <a:cs typeface="Arial" panose="020B0604020202020204" pitchFamily="34" charset="0"/>
                                 </a:rPr>
@@ -13301,7 +14077,7 @@
                         </m:e>
                         <m:sub>
                           <m:r>
-                            <a:rPr lang="it-IT" sz="2400" b="0" i="1" noProof="0" smtClean="0">
+                            <a:rPr lang="en-GB" sz="2400" b="0" i="1" noProof="0" smtClean="0">
                               <a:latin typeface="Cambria Math" panose="02040503050406030204" pitchFamily="18" charset="0"/>
                               <a:cs typeface="Arial" panose="020B0604020202020204" pitchFamily="34" charset="0"/>
                             </a:rPr>
@@ -13310,7 +14086,7 @@
                         </m:sub>
                       </m:sSub>
                       <m:r>
-                        <a:rPr lang="it-IT" sz="2400" b="0" i="1" noProof="0" smtClean="0">
+                        <a:rPr lang="en-GB" sz="2400" b="0" i="1" noProof="0" smtClean="0">
                           <a:latin typeface="Cambria Math" panose="02040503050406030204" pitchFamily="18" charset="0"/>
                           <a:cs typeface="Arial" panose="020B0604020202020204" pitchFamily="34" charset="0"/>
                         </a:rPr>
@@ -13319,7 +14095,7 @@
                       <m:sSub>
                         <m:sSubPr>
                           <m:ctrlPr>
-                            <a:rPr lang="it-IT" sz="2400" b="0" i="1" noProof="0" smtClean="0">
+                            <a:rPr lang="en-GB" sz="2400" b="0" i="1" noProof="0" smtClean="0">
                               <a:latin typeface="Cambria Math" panose="02040503050406030204" pitchFamily="18" charset="0"/>
                               <a:cs typeface="Arial" panose="020B0604020202020204" pitchFamily="34" charset="0"/>
                             </a:rPr>
@@ -13327,7 +14103,7 @@
                         </m:sSubPr>
                         <m:e>
                           <m:r>
-                            <a:rPr lang="it-IT" sz="2400" b="0" i="1" noProof="0" smtClean="0">
+                            <a:rPr lang="en-GB" sz="2400" b="0" i="1" noProof="0" smtClean="0">
                               <a:latin typeface="Cambria Math" panose="02040503050406030204" pitchFamily="18" charset="0"/>
                               <a:cs typeface="Arial" panose="020B0604020202020204" pitchFamily="34" charset="0"/>
                             </a:rPr>
@@ -13336,7 +14112,7 @@
                         </m:e>
                         <m:sub>
                           <m:r>
-                            <a:rPr lang="it-IT" sz="2400" b="0" i="1" noProof="0" smtClean="0">
+                            <a:rPr lang="en-GB" sz="2400" b="0" i="1" noProof="0" smtClean="0">
                               <a:latin typeface="Cambria Math" panose="02040503050406030204" pitchFamily="18" charset="0"/>
                               <a:cs typeface="Arial" panose="020B0604020202020204" pitchFamily="34" charset="0"/>
                             </a:rPr>
@@ -13347,7 +14123,7 @@
                       <m:sSub>
                         <m:sSubPr>
                           <m:ctrlPr>
-                            <a:rPr lang="it-IT" sz="2400" b="0" i="1" noProof="0" smtClean="0">
+                            <a:rPr lang="en-GB" sz="2400" b="0" i="1" noProof="0" smtClean="0">
                               <a:latin typeface="Cambria Math" panose="02040503050406030204" pitchFamily="18" charset="0"/>
                               <a:cs typeface="Arial" panose="020B0604020202020204" pitchFamily="34" charset="0"/>
                             </a:rPr>
@@ -13355,7 +14131,7 @@
                         </m:sSubPr>
                         <m:e>
                           <m:r>
-                            <a:rPr lang="it-IT" sz="2400" b="0" i="1" noProof="0" smtClean="0">
+                            <a:rPr lang="en-GB" sz="2400" b="0" i="1" noProof="0" smtClean="0">
                               <a:latin typeface="Cambria Math" panose="02040503050406030204" pitchFamily="18" charset="0"/>
                               <a:cs typeface="Arial" panose="020B0604020202020204" pitchFamily="34" charset="0"/>
                             </a:rPr>
@@ -13364,7 +14140,7 @@
                         </m:e>
                         <m:sub>
                           <m:r>
-                            <a:rPr lang="it-IT" sz="2400" b="0" i="1" noProof="0" smtClean="0">
+                            <a:rPr lang="en-GB" sz="2400" b="0" i="1" noProof="0" smtClean="0">
                               <a:latin typeface="Cambria Math" panose="02040503050406030204" pitchFamily="18" charset="0"/>
                               <a:cs typeface="Arial" panose="020B0604020202020204" pitchFamily="34" charset="0"/>
                             </a:rPr>
@@ -13373,7 +14149,7 @@
                         </m:sub>
                       </m:sSub>
                       <m:r>
-                        <a:rPr lang="it-IT" sz="2400" b="0" i="1" noProof="0" smtClean="0">
+                        <a:rPr lang="en-GB" sz="2400" b="0" i="1" noProof="0" smtClean="0">
                           <a:latin typeface="Cambria Math" panose="02040503050406030204" pitchFamily="18" charset="0"/>
                           <a:cs typeface="Arial" panose="020B0604020202020204" pitchFamily="34" charset="0"/>
                         </a:rPr>
@@ -13382,7 +14158,7 @@
                       <m:sSub>
                         <m:sSubPr>
                           <m:ctrlPr>
-                            <a:rPr lang="it-IT" sz="2400" b="0" i="1" noProof="0" smtClean="0">
+                            <a:rPr lang="en-GB" sz="2400" b="0" i="1" noProof="0" smtClean="0">
                               <a:latin typeface="Cambria Math" panose="02040503050406030204" pitchFamily="18" charset="0"/>
                               <a:cs typeface="Arial" panose="020B0604020202020204" pitchFamily="34" charset="0"/>
                             </a:rPr>
@@ -13390,7 +14166,7 @@
                         </m:sSubPr>
                         <m:e>
                           <m:r>
-                            <a:rPr lang="it-IT" sz="2400" b="0" i="1" noProof="0" smtClean="0">
+                            <a:rPr lang="en-GB" sz="2400" b="0" i="1" noProof="0" smtClean="0">
                               <a:latin typeface="Cambria Math" panose="02040503050406030204" pitchFamily="18" charset="0"/>
                               <a:cs typeface="Arial" panose="020B0604020202020204" pitchFamily="34" charset="0"/>
                             </a:rPr>
@@ -13399,7 +14175,7 @@
                         </m:e>
                         <m:sub>
                           <m:r>
-                            <a:rPr lang="it-IT" sz="2400" b="0" i="1" noProof="0" smtClean="0">
+                            <a:rPr lang="en-GB" sz="2400" b="0" i="1" noProof="0" smtClean="0">
                               <a:latin typeface="Cambria Math" panose="02040503050406030204" pitchFamily="18" charset="0"/>
                               <a:cs typeface="Arial" panose="020B0604020202020204" pitchFamily="34" charset="0"/>
                             </a:rPr>
@@ -13410,7 +14186,7 @@
                       <m:sSub>
                         <m:sSubPr>
                           <m:ctrlPr>
-                            <a:rPr lang="it-IT" sz="2400" b="0" i="1" noProof="0" smtClean="0">
+                            <a:rPr lang="en-GB" sz="2400" b="0" i="1" noProof="0" smtClean="0">
                               <a:latin typeface="Cambria Math" panose="02040503050406030204" pitchFamily="18" charset="0"/>
                               <a:cs typeface="Arial" panose="020B0604020202020204" pitchFamily="34" charset="0"/>
                             </a:rPr>
@@ -13418,7 +14194,7 @@
                         </m:sSubPr>
                         <m:e>
                           <m:r>
-                            <a:rPr lang="it-IT" sz="2400" b="0" i="1" noProof="0" smtClean="0">
+                            <a:rPr lang="en-GB" sz="2400" b="0" i="1" noProof="0" smtClean="0">
                               <a:latin typeface="Cambria Math" panose="02040503050406030204" pitchFamily="18" charset="0"/>
                               <a:cs typeface="Arial" panose="020B0604020202020204" pitchFamily="34" charset="0"/>
                             </a:rPr>
@@ -13427,7 +14203,7 @@
                         </m:e>
                         <m:sub>
                           <m:r>
-                            <a:rPr lang="it-IT" sz="2400" b="0" i="1" noProof="0" smtClean="0">
+                            <a:rPr lang="en-GB" sz="2400" b="0" i="1" noProof="0" smtClean="0">
                               <a:latin typeface="Cambria Math" panose="02040503050406030204" pitchFamily="18" charset="0"/>
                               <a:cs typeface="Arial" panose="020B0604020202020204" pitchFamily="34" charset="0"/>
                             </a:rPr>
@@ -13445,7 +14221,7 @@
               </a:p>
               <a:p>
                 <a:pPr algn="just"/>
-                <a:endParaRPr lang="en-GB" sz="2400" dirty="0">
+                <a:endParaRPr lang="en-GB" sz="2400" noProof="0" dirty="0">
                   <a:latin typeface="Arial" panose="020B0604020202020204" pitchFamily="34" charset="0"/>
                   <a:cs typeface="Arial" panose="020B0604020202020204" pitchFamily="34" charset="0"/>
                 </a:endParaRPr>
@@ -13464,7 +14240,7 @@
                     <m:sSub>
                       <m:sSubPr>
                         <m:ctrlPr>
-                          <a:rPr lang="it-IT" sz="2400" b="0" i="1" noProof="0" smtClean="0">
+                          <a:rPr lang="en-GB" sz="2400" b="0" i="1" noProof="0" smtClean="0">
                             <a:latin typeface="Cambria Math" panose="02040503050406030204" pitchFamily="18" charset="0"/>
                             <a:cs typeface="Arial" panose="020B0604020202020204" pitchFamily="34" charset="0"/>
                           </a:rPr>
@@ -13472,7 +14248,7 @@
                       </m:sSubPr>
                       <m:e>
                         <m:r>
-                          <a:rPr lang="it-IT" sz="2400" b="0" i="1" noProof="0" smtClean="0">
+                          <a:rPr lang="en-GB" sz="2400" b="0" i="1" noProof="0" smtClean="0">
                             <a:latin typeface="Cambria Math" panose="02040503050406030204" pitchFamily="18" charset="0"/>
                             <a:cs typeface="Arial" panose="020B0604020202020204" pitchFamily="34" charset="0"/>
                           </a:rPr>
@@ -13481,7 +14257,7 @@
                       </m:e>
                       <m:sub>
                         <m:r>
-                          <a:rPr lang="it-IT" sz="2400" b="0" i="1" noProof="0" smtClean="0">
+                          <a:rPr lang="en-GB" sz="2400" b="0" i="1" noProof="0" smtClean="0">
                             <a:latin typeface="Cambria Math" panose="02040503050406030204" pitchFamily="18" charset="0"/>
                             <a:cs typeface="Arial" panose="020B0604020202020204" pitchFamily="34" charset="0"/>
                           </a:rPr>
@@ -13503,7 +14279,7 @@
                     <m:sSub>
                       <m:sSubPr>
                         <m:ctrlPr>
-                          <a:rPr lang="it-IT" sz="2400" b="0" i="1" noProof="0" smtClean="0">
+                          <a:rPr lang="en-GB" sz="2400" b="0" i="1" noProof="0" smtClean="0">
                             <a:latin typeface="Cambria Math" panose="02040503050406030204" pitchFamily="18" charset="0"/>
                             <a:cs typeface="Arial" panose="020B0604020202020204" pitchFamily="34" charset="0"/>
                           </a:rPr>
@@ -13511,7 +14287,7 @@
                       </m:sSubPr>
                       <m:e>
                         <m:r>
-                          <a:rPr lang="it-IT" sz="2400" b="0" i="1" noProof="0" smtClean="0">
+                          <a:rPr lang="en-GB" sz="2400" b="0" i="1" noProof="0" smtClean="0">
                             <a:latin typeface="Cambria Math" panose="02040503050406030204" pitchFamily="18" charset="0"/>
                             <a:cs typeface="Arial" panose="020B0604020202020204" pitchFamily="34" charset="0"/>
                           </a:rPr>
@@ -13520,7 +14296,7 @@
                       </m:e>
                       <m:sub>
                         <m:r>
-                          <a:rPr lang="it-IT" sz="2400" b="0" i="1" noProof="0" smtClean="0">
+                          <a:rPr lang="en-GB" sz="2400" b="0" i="1" noProof="0" smtClean="0">
                             <a:latin typeface="Cambria Math" panose="02040503050406030204" pitchFamily="18" charset="0"/>
                             <a:cs typeface="Arial" panose="020B0604020202020204" pitchFamily="34" charset="0"/>
                           </a:rPr>
@@ -13535,19 +14311,8 @@
                     <a:latin typeface="Arial" panose="020B0604020202020204" pitchFamily="34" charset="0"/>
                     <a:cs typeface="Arial" panose="020B0604020202020204" pitchFamily="34" charset="0"/>
                   </a:rPr>
-                  <a:t> that solve the </a:t>
+                  <a:t> that solve the least squares problem:</a:t>
                 </a:r>
-                <a:r>
-                  <a:rPr lang="en-GB" sz="2400" dirty="0">
-                    <a:latin typeface="Arial" panose="020B0604020202020204" pitchFamily="34" charset="0"/>
-                    <a:cs typeface="Arial" panose="020B0604020202020204" pitchFamily="34" charset="0"/>
-                  </a:rPr>
-                  <a:t>least squares problem:</a:t>
-                </a:r>
-                <a:endParaRPr lang="en-GB" sz="2400" noProof="0" dirty="0">
-                  <a:latin typeface="Arial" panose="020B0604020202020204" pitchFamily="34" charset="0"/>
-                  <a:cs typeface="Arial" panose="020B0604020202020204" pitchFamily="34" charset="0"/>
-                </a:endParaRPr>
               </a:p>
             </p:txBody>
           </p:sp>

--- a/SPC_Presentation.pptx
+++ b/SPC_Presentation.pptx
@@ -5,7 +5,7 @@
     <p:sldMasterId id="2147483648" r:id="rId1"/>
   </p:sldMasterIdLst>
   <p:notesMasterIdLst>
-    <p:notesMasterId r:id="rId28"/>
+    <p:notesMasterId r:id="rId29"/>
   </p:notesMasterIdLst>
   <p:sldIdLst>
     <p:sldId id="256" r:id="rId2"/>
@@ -31,9 +31,10 @@
     <p:sldId id="358" r:id="rId22"/>
     <p:sldId id="361" r:id="rId23"/>
     <p:sldId id="359" r:id="rId24"/>
-    <p:sldId id="360" r:id="rId25"/>
-    <p:sldId id="362" r:id="rId26"/>
-    <p:sldId id="340" r:id="rId27"/>
+    <p:sldId id="363" r:id="rId25"/>
+    <p:sldId id="360" r:id="rId26"/>
+    <p:sldId id="362" r:id="rId27"/>
+    <p:sldId id="340" r:id="rId28"/>
   </p:sldIdLst>
   <p:sldSz cx="12192000" cy="6858000"/>
   <p:notesSz cx="12192000" cy="6858000"/>
@@ -143,7 +144,7 @@
           <a:p>
             <a:fld id="{52CF3C78-BFF9-4137-8833-13E3D0B09D8B}" type="datetimeFigureOut">
               <a:rPr lang="it-IT" smtClean="0"/>
-              <a:t>02/01/2026</a:t>
+              <a:t>03/01/2026</a:t>
             </a:fld>
             <a:endParaRPr lang="it-IT" dirty="0"/>
           </a:p>
@@ -837,7 +838,7 @@
           <a:p>
             <a:fld id="{1D8BD707-D9CF-40AE-B4C6-C98DA3205C09}" type="datetimeFigureOut">
               <a:rPr lang="en-US"/>
-              <a:t>1/2/2026</a:t>
+              <a:t>1/3/2026</a:t>
             </a:fld>
             <a:endParaRPr lang="en-US" dirty="0"/>
           </a:p>
@@ -1014,7 +1015,7 @@
           <a:p>
             <a:fld id="{1D8BD707-D9CF-40AE-B4C6-C98DA3205C09}" type="datetimeFigureOut">
               <a:rPr lang="en-US"/>
-              <a:t>1/2/2026</a:t>
+              <a:t>1/3/2026</a:t>
             </a:fld>
             <a:endParaRPr lang="en-US" dirty="0"/>
           </a:p>
@@ -1228,7 +1229,7 @@
           <a:p>
             <a:fld id="{1D8BD707-D9CF-40AE-B4C6-C98DA3205C09}" type="datetimeFigureOut">
               <a:rPr lang="en-US"/>
-              <a:t>1/2/2026</a:t>
+              <a:t>1/3/2026</a:t>
             </a:fld>
             <a:endParaRPr lang="en-US" dirty="0"/>
           </a:p>
@@ -1376,7 +1377,7 @@
           <a:p>
             <a:fld id="{1D8BD707-D9CF-40AE-B4C6-C98DA3205C09}" type="datetimeFigureOut">
               <a:rPr lang="en-US"/>
-              <a:t>1/2/2026</a:t>
+              <a:t>1/3/2026</a:t>
             </a:fld>
             <a:endParaRPr lang="en-US" dirty="0"/>
           </a:p>
@@ -1495,7 +1496,7 @@
           <a:p>
             <a:fld id="{1D8BD707-D9CF-40AE-B4C6-C98DA3205C09}" type="datetimeFigureOut">
               <a:rPr lang="en-US"/>
-              <a:t>1/2/2026</a:t>
+              <a:t>1/3/2026</a:t>
             </a:fld>
             <a:endParaRPr lang="en-US" dirty="0"/>
           </a:p>
@@ -1792,7 +1793,7 @@
           <a:p>
             <a:fld id="{1D8BD707-D9CF-40AE-B4C6-C98DA3205C09}" type="datetimeFigureOut">
               <a:rPr lang="en-US"/>
-              <a:t>1/2/2026</a:t>
+              <a:t>1/3/2026</a:t>
             </a:fld>
             <a:endParaRPr lang="en-US" dirty="0"/>
           </a:p>
@@ -8568,7 +8569,7 @@
             <p:spPr>
               <a:xfrm>
                 <a:off x="762000" y="1676400"/>
-                <a:ext cx="10134600" cy="4183518"/>
+                <a:ext cx="10134600" cy="4552849"/>
               </a:xfrm>
               <a:prstGeom prst="rect">
                 <a:avLst/>
@@ -8587,7 +8588,7 @@
                     <a:latin typeface="Arial" panose="020B0604020202020204" pitchFamily="34" charset="0"/>
                     <a:cs typeface="Arial" panose="020B0604020202020204" pitchFamily="34" charset="0"/>
                   </a:rPr>
-                  <a:t>During simulation, the operation for each timestep starting from M+1</a:t>
+                  <a:t>During simulation, the operation for each timestep starting from k=M+1</a:t>
                 </a:r>
                 <a:r>
                   <a:rPr lang="en-GB" sz="2400" dirty="0">
@@ -8598,9 +8599,9 @@
                 </a:r>
               </a:p>
               <a:p>
-                <a:pPr marL="342900" indent="-342900" algn="just">
-                  <a:buFont typeface="Arial" panose="020B0604020202020204" pitchFamily="34" charset="0"/>
-                  <a:buChar char="•"/>
+                <a:pPr marL="457200" indent="-457200" algn="just">
+                  <a:buFont typeface="+mj-lt"/>
+                  <a:buAutoNum type="arabicPeriod"/>
                 </a:pPr>
                 <a:r>
                   <a:rPr lang="en-GB" sz="2400" dirty="0">
@@ -8664,9 +8665,9 @@
                 </a:r>
               </a:p>
               <a:p>
-                <a:pPr marL="342900" indent="-342900" algn="just">
-                  <a:buFont typeface="Arial" panose="020B0604020202020204" pitchFamily="34" charset="0"/>
-                  <a:buChar char="•"/>
+                <a:pPr marL="457200" indent="-457200" algn="just">
+                  <a:buFont typeface="+mj-lt"/>
+                  <a:buAutoNum type="arabicPeriod"/>
                 </a:pPr>
                 <a:r>
                   <a:rPr lang="en-GB" sz="2400" dirty="0">
@@ -8730,9 +8731,9 @@
                 </a:r>
               </a:p>
               <a:p>
-                <a:pPr marL="342900" indent="-342900" algn="just">
-                  <a:buFont typeface="Arial" panose="020B0604020202020204" pitchFamily="34" charset="0"/>
-                  <a:buChar char="•"/>
+                <a:pPr marL="457200" indent="-457200" algn="just">
+                  <a:buFont typeface="+mj-lt"/>
+                  <a:buAutoNum type="arabicPeriod"/>
                 </a:pPr>
                 <a:r>
                   <a:rPr lang="en-GB" sz="2400" dirty="0">
@@ -8743,9 +8744,9 @@
                 </a:r>
               </a:p>
               <a:p>
-                <a:pPr marL="342900" indent="-342900" algn="just">
-                  <a:buFont typeface="Arial" panose="020B0604020202020204" pitchFamily="34" charset="0"/>
-                  <a:buChar char="•"/>
+                <a:pPr marL="457200" indent="-457200" algn="just">
+                  <a:buFont typeface="+mj-lt"/>
+                  <a:buAutoNum type="arabicPeriod"/>
                 </a:pPr>
                 <a:endParaRPr lang="en-GB" sz="2400" noProof="0" dirty="0">
                   <a:latin typeface="Arial" panose="020B0604020202020204" pitchFamily="34" charset="0"/>
@@ -8753,9 +8754,9 @@
                 </a:endParaRPr>
               </a:p>
               <a:p>
-                <a:pPr marL="342900" indent="-342900" algn="just">
-                  <a:buFont typeface="Arial" panose="020B0604020202020204" pitchFamily="34" charset="0"/>
-                  <a:buChar char="•"/>
+                <a:pPr marL="457200" indent="-457200" algn="just">
+                  <a:buFont typeface="+mj-lt"/>
+                  <a:buAutoNum type="arabicPeriod"/>
                 </a:pPr>
                 <a:endParaRPr lang="en-GB" sz="2400" dirty="0">
                   <a:latin typeface="Arial" panose="020B0604020202020204" pitchFamily="34" charset="0"/>
@@ -8763,9 +8764,9 @@
                 </a:endParaRPr>
               </a:p>
               <a:p>
-                <a:pPr marL="342900" indent="-342900" algn="just">
-                  <a:buFont typeface="Arial" panose="020B0604020202020204" pitchFamily="34" charset="0"/>
-                  <a:buChar char="•"/>
+                <a:pPr marL="457200" indent="-457200" algn="just">
+                  <a:buFont typeface="+mj-lt"/>
+                  <a:buAutoNum type="arabicPeriod"/>
                 </a:pPr>
                 <a:r>
                   <a:rPr lang="en-GB" sz="2400" dirty="0">
@@ -8779,7 +8780,7 @@
                     <a:latin typeface="Arial" panose="020B0604020202020204" pitchFamily="34" charset="0"/>
                     <a:cs typeface="Arial" panose="020B0604020202020204" pitchFamily="34" charset="0"/>
                   </a:rPr>
-                  <a:t>se the computed input </a:t>
+                  <a:t>se this input to compute the next output and state, using the system’s equations</a:t>
                 </a:r>
               </a:p>
               <a:p>
@@ -8827,7 +8828,7 @@
             <p:spPr>
               <a:xfrm>
                 <a:off x="762000" y="1676400"/>
-                <a:ext cx="10134600" cy="4183518"/>
+                <a:ext cx="10134600" cy="4552849"/>
               </a:xfrm>
               <a:prstGeom prst="rect">
                 <a:avLst/>
@@ -8835,7 +8836,7 @@
               <a:blipFill>
                 <a:blip r:embed="rId2"/>
                 <a:stretch>
-                  <a:fillRect l="-902" t="-1020" r="-842"/>
+                  <a:fillRect l="-902" t="-937" r="-842"/>
                 </a:stretch>
               </a:blipFill>
             </p:spPr>
@@ -8997,8 +8998,8 @@
         </p:nvSpPr>
         <p:spPr>
           <a:xfrm>
-            <a:off x="762000" y="1676400"/>
-            <a:ext cx="10134600" cy="1200329"/>
+            <a:off x="762000" y="1752600"/>
+            <a:ext cx="10134600" cy="4154984"/>
           </a:xfrm>
           <a:prstGeom prst="rect">
             <a:avLst/>
@@ -9013,33 +9014,164 @@
           <a:p>
             <a:pPr algn="just"/>
             <a:r>
-              <a:rPr lang="en-GB" sz="2400" dirty="0" err="1">
+              <a:rPr lang="en-GB" sz="2400" dirty="0">
                 <a:latin typeface="Arial" panose="020B0604020202020204" pitchFamily="34" charset="0"/>
                 <a:cs typeface="Arial" panose="020B0604020202020204" pitchFamily="34" charset="0"/>
               </a:rPr>
-              <a:t>aaa</a:t>
+              <a:t>Using a step reference signal:</a:t>
+            </a:r>
+          </a:p>
+          <a:p>
+            <a:pPr algn="just"/>
+            <a:endParaRPr lang="en-GB" sz="2400" dirty="0">
+              <a:latin typeface="Arial" panose="020B0604020202020204" pitchFamily="34" charset="0"/>
+              <a:cs typeface="Arial" panose="020B0604020202020204" pitchFamily="34" charset="0"/>
+            </a:endParaRPr>
+          </a:p>
+          <a:p>
+            <a:pPr algn="just"/>
+            <a:endParaRPr lang="en-GB" sz="2400" dirty="0">
+              <a:latin typeface="Arial" panose="020B0604020202020204" pitchFamily="34" charset="0"/>
+              <a:cs typeface="Arial" panose="020B0604020202020204" pitchFamily="34" charset="0"/>
+            </a:endParaRPr>
+          </a:p>
+          <a:p>
+            <a:pPr algn="just"/>
+            <a:endParaRPr lang="en-GB" sz="2400" dirty="0">
+              <a:latin typeface="Arial" panose="020B0604020202020204" pitchFamily="34" charset="0"/>
+              <a:cs typeface="Arial" panose="020B0604020202020204" pitchFamily="34" charset="0"/>
+            </a:endParaRPr>
+          </a:p>
+          <a:p>
+            <a:pPr algn="just"/>
+            <a:endParaRPr lang="en-GB" sz="2400" dirty="0">
+              <a:latin typeface="Arial" panose="020B0604020202020204" pitchFamily="34" charset="0"/>
+              <a:cs typeface="Arial" panose="020B0604020202020204" pitchFamily="34" charset="0"/>
+            </a:endParaRPr>
+          </a:p>
+          <a:p>
+            <a:pPr algn="just"/>
+            <a:endParaRPr lang="en-GB" sz="2400" dirty="0">
+              <a:latin typeface="Arial" panose="020B0604020202020204" pitchFamily="34" charset="0"/>
+              <a:cs typeface="Arial" panose="020B0604020202020204" pitchFamily="34" charset="0"/>
+            </a:endParaRPr>
+          </a:p>
+          <a:p>
+            <a:pPr algn="just"/>
+            <a:endParaRPr lang="en-GB" sz="2400" dirty="0">
+              <a:latin typeface="Arial" panose="020B0604020202020204" pitchFamily="34" charset="0"/>
+              <a:cs typeface="Arial" panose="020B0604020202020204" pitchFamily="34" charset="0"/>
+            </a:endParaRPr>
+          </a:p>
+          <a:p>
+            <a:pPr algn="just"/>
+            <a:endParaRPr lang="en-GB" sz="2400" dirty="0">
+              <a:latin typeface="Arial" panose="020B0604020202020204" pitchFamily="34" charset="0"/>
+              <a:cs typeface="Arial" panose="020B0604020202020204" pitchFamily="34" charset="0"/>
+            </a:endParaRPr>
+          </a:p>
+          <a:p>
+            <a:pPr algn="just"/>
+            <a:endParaRPr lang="en-GB" sz="2400" dirty="0">
+              <a:latin typeface="Arial" panose="020B0604020202020204" pitchFamily="34" charset="0"/>
+              <a:cs typeface="Arial" panose="020B0604020202020204" pitchFamily="34" charset="0"/>
+            </a:endParaRPr>
+          </a:p>
+          <a:p>
+            <a:pPr algn="just"/>
+            <a:endParaRPr lang="en-GB" sz="2400" dirty="0">
+              <a:latin typeface="Arial" panose="020B0604020202020204" pitchFamily="34" charset="0"/>
+              <a:cs typeface="Arial" panose="020B0604020202020204" pitchFamily="34" charset="0"/>
+            </a:endParaRPr>
+          </a:p>
+          <a:p>
+            <a:pPr algn="just"/>
+            <a:r>
+              <a:rPr lang="en-GB" sz="2400" dirty="0">
+                <a:latin typeface="Arial" panose="020B0604020202020204" pitchFamily="34" charset="0"/>
+                <a:cs typeface="Arial" panose="020B0604020202020204" pitchFamily="34" charset="0"/>
+              </a:rPr>
+              <a:t>We can see that the tracking is not very accurate</a:t>
             </a:r>
             <a:endParaRPr lang="en-GB" sz="2400" noProof="0" dirty="0">
               <a:latin typeface="Arial" panose="020B0604020202020204" pitchFamily="34" charset="0"/>
               <a:cs typeface="Arial" panose="020B0604020202020204" pitchFamily="34" charset="0"/>
             </a:endParaRPr>
           </a:p>
-          <a:p>
-            <a:pPr algn="just"/>
-            <a:endParaRPr lang="en-GB" sz="2400" noProof="0" dirty="0">
-              <a:latin typeface="Arial" panose="020B0604020202020204" pitchFamily="34" charset="0"/>
-              <a:cs typeface="Arial" panose="020B0604020202020204" pitchFamily="34" charset="0"/>
-            </a:endParaRPr>
-          </a:p>
-          <a:p>
-            <a:pPr algn="just"/>
-            <a:endParaRPr lang="en-GB" sz="2400" noProof="0" dirty="0">
-              <a:latin typeface="Arial" panose="020B0604020202020204" pitchFamily="34" charset="0"/>
-              <a:cs typeface="Arial" panose="020B0604020202020204" pitchFamily="34" charset="0"/>
-            </a:endParaRPr>
-          </a:p>
         </p:txBody>
       </p:sp>
+      <p:pic>
+        <p:nvPicPr>
+          <p:cNvPr id="6" name="Immagine 5" descr="Immagine che contiene testo, linea, diagramma, schermata&#10;&#10;Il contenuto generato dall'IA potrebbe non essere corretto.">
+            <a:extLst>
+              <a:ext uri="{FF2B5EF4-FFF2-40B4-BE49-F238E27FC236}">
+                <a16:creationId xmlns:a16="http://schemas.microsoft.com/office/drawing/2014/main" id="{3DEEBD34-F20D-8AB0-EFF8-78A715645FE5}"/>
+              </a:ext>
+            </a:extLst>
+          </p:cNvPr>
+          <p:cNvPicPr>
+            <a:picLocks noChangeAspect="1"/>
+          </p:cNvPicPr>
+          <p:nvPr/>
+        </p:nvPicPr>
+        <p:blipFill>
+          <a:blip r:embed="rId2">
+            <a:extLst>
+              <a:ext uri="{28A0092B-C50C-407E-A947-70E740481C1C}">
+                <a14:useLocalDpi xmlns:a14="http://schemas.microsoft.com/office/drawing/2010/main" val="0"/>
+              </a:ext>
+            </a:extLst>
+          </a:blip>
+          <a:stretch>
+            <a:fillRect/>
+          </a:stretch>
+        </p:blipFill>
+        <p:spPr>
+          <a:xfrm>
+            <a:off x="6112933" y="2547196"/>
+            <a:ext cx="5471806" cy="2405804"/>
+          </a:xfrm>
+          <a:prstGeom prst="rect">
+            <a:avLst/>
+          </a:prstGeom>
+        </p:spPr>
+      </p:pic>
+      <p:pic>
+        <p:nvPicPr>
+          <p:cNvPr id="8" name="Immagine 7" descr="Immagine che contiene linea, testo, diagramma, Diagramma&#10;&#10;Il contenuto generato dall'IA potrebbe non essere corretto.">
+            <a:extLst>
+              <a:ext uri="{FF2B5EF4-FFF2-40B4-BE49-F238E27FC236}">
+                <a16:creationId xmlns:a16="http://schemas.microsoft.com/office/drawing/2014/main" id="{544354DD-F953-E77D-19D6-8135CE89BBDE}"/>
+              </a:ext>
+            </a:extLst>
+          </p:cNvPr>
+          <p:cNvPicPr>
+            <a:picLocks noChangeAspect="1"/>
+          </p:cNvPicPr>
+          <p:nvPr/>
+        </p:nvPicPr>
+        <p:blipFill>
+          <a:blip r:embed="rId3">
+            <a:extLst>
+              <a:ext uri="{28A0092B-C50C-407E-A947-70E740481C1C}">
+                <a14:useLocalDpi xmlns:a14="http://schemas.microsoft.com/office/drawing/2010/main" val="0"/>
+              </a:ext>
+            </a:extLst>
+          </a:blip>
+          <a:stretch>
+            <a:fillRect/>
+          </a:stretch>
+        </p:blipFill>
+        <p:spPr>
+          <a:xfrm>
+            <a:off x="607261" y="2552558"/>
+            <a:ext cx="5234687" cy="2324242"/>
+          </a:xfrm>
+          <a:prstGeom prst="rect">
+            <a:avLst/>
+          </a:prstGeom>
+        </p:spPr>
+      </p:pic>
     </p:spTree>
     <p:extLst>
       <p:ext uri="{BB962C8B-B14F-4D97-AF65-F5344CB8AC3E}">
@@ -9054,6 +9186,277 @@
 </file>
 
 <file path=ppt/slides/slide24.xml><?xml version="1.0" encoding="utf-8"?>
+<p:sld xmlns:a="http://schemas.openxmlformats.org/drawingml/2006/main" xmlns:r="http://schemas.openxmlformats.org/officeDocument/2006/relationships" xmlns:p="http://schemas.openxmlformats.org/presentationml/2006/main">
+  <p:cSld>
+    <p:spTree>
+      <p:nvGrpSpPr>
+        <p:cNvPr id="1" name="">
+          <a:extLst>
+            <a:ext uri="{FF2B5EF4-FFF2-40B4-BE49-F238E27FC236}">
+              <a16:creationId xmlns:a16="http://schemas.microsoft.com/office/drawing/2014/main" id="{E46DC1CE-AB02-1785-3132-DFC367BD9563}"/>
+            </a:ext>
+          </a:extLst>
+        </p:cNvPr>
+        <p:cNvGrpSpPr/>
+        <p:nvPr/>
+      </p:nvGrpSpPr>
+      <p:grpSpPr>
+        <a:xfrm>
+          <a:off x="0" y="0"/>
+          <a:ext cx="0" cy="0"/>
+          <a:chOff x="0" y="0"/>
+          <a:chExt cx="0" cy="0"/>
+        </a:xfrm>
+      </p:grpSpPr>
+      <p:sp>
+        <p:nvSpPr>
+          <p:cNvPr id="10" name="Titolo 9">
+            <a:extLst>
+              <a:ext uri="{FF2B5EF4-FFF2-40B4-BE49-F238E27FC236}">
+                <a16:creationId xmlns:a16="http://schemas.microsoft.com/office/drawing/2014/main" id="{F60A5AAE-3A1C-3791-18BF-495AB1F826BE}"/>
+              </a:ext>
+            </a:extLst>
+          </p:cNvPr>
+          <p:cNvSpPr>
+            <a:spLocks noGrp="1"/>
+          </p:cNvSpPr>
+          <p:nvPr>
+            <p:ph type="title"/>
+          </p:nvPr>
+        </p:nvSpPr>
+        <p:spPr>
+          <a:xfrm>
+            <a:off x="762000" y="457200"/>
+            <a:ext cx="8991600" cy="1077218"/>
+          </a:xfrm>
+        </p:spPr>
+        <p:txBody>
+          <a:bodyPr/>
+          <a:lstStyle/>
+          <a:p>
+            <a:r>
+              <a:rPr lang="en-GB" noProof="0" dirty="0">
+                <a:latin typeface="Arial Black" panose="020B0A04020102020204" pitchFamily="34" charset="0"/>
+              </a:rPr>
+              <a:t>Practical implementation –  </a:t>
+            </a:r>
+            <a:br>
+              <a:rPr lang="en-GB" noProof="0" dirty="0">
+                <a:latin typeface="Arial Black" panose="020B0A04020102020204" pitchFamily="34" charset="0"/>
+              </a:rPr>
+            </a:br>
+            <a:r>
+              <a:rPr lang="en-GB" noProof="0" dirty="0">
+                <a:latin typeface="Arial Black" panose="020B0A04020102020204" pitchFamily="34" charset="0"/>
+              </a:rPr>
+              <a:t>basic SPC control results</a:t>
+            </a:r>
+          </a:p>
+        </p:txBody>
+      </p:sp>
+      <p:sp>
+        <p:nvSpPr>
+          <p:cNvPr id="4" name="CasellaDiTesto 3">
+            <a:extLst>
+              <a:ext uri="{FF2B5EF4-FFF2-40B4-BE49-F238E27FC236}">
+                <a16:creationId xmlns:a16="http://schemas.microsoft.com/office/drawing/2014/main" id="{A3AC2B4C-E108-6A4E-98AC-ECA774B3A84F}"/>
+              </a:ext>
+            </a:extLst>
+          </p:cNvPr>
+          <p:cNvSpPr txBox="1"/>
+          <p:nvPr/>
+        </p:nvSpPr>
+        <p:spPr>
+          <a:xfrm>
+            <a:off x="762000" y="1752600"/>
+            <a:ext cx="10134600" cy="4154984"/>
+          </a:xfrm>
+          <a:prstGeom prst="rect">
+            <a:avLst/>
+          </a:prstGeom>
+          <a:noFill/>
+        </p:spPr>
+        <p:txBody>
+          <a:bodyPr wrap="square">
+            <a:spAutoFit/>
+          </a:bodyPr>
+          <a:lstStyle/>
+          <a:p>
+            <a:pPr algn="just"/>
+            <a:r>
+              <a:rPr lang="en-GB" sz="2400" dirty="0">
+                <a:latin typeface="Arial" panose="020B0604020202020204" pitchFamily="34" charset="0"/>
+                <a:cs typeface="Arial" panose="020B0604020202020204" pitchFamily="34" charset="0"/>
+              </a:rPr>
+              <a:t>Using a sine reference signal:</a:t>
+            </a:r>
+          </a:p>
+          <a:p>
+            <a:pPr algn="just"/>
+            <a:endParaRPr lang="en-GB" sz="2400" dirty="0">
+              <a:latin typeface="Arial" panose="020B0604020202020204" pitchFamily="34" charset="0"/>
+              <a:cs typeface="Arial" panose="020B0604020202020204" pitchFamily="34" charset="0"/>
+            </a:endParaRPr>
+          </a:p>
+          <a:p>
+            <a:pPr algn="just"/>
+            <a:endParaRPr lang="en-GB" sz="2400" dirty="0">
+              <a:latin typeface="Arial" panose="020B0604020202020204" pitchFamily="34" charset="0"/>
+              <a:cs typeface="Arial" panose="020B0604020202020204" pitchFamily="34" charset="0"/>
+            </a:endParaRPr>
+          </a:p>
+          <a:p>
+            <a:pPr algn="just"/>
+            <a:endParaRPr lang="en-GB" sz="2400" dirty="0">
+              <a:latin typeface="Arial" panose="020B0604020202020204" pitchFamily="34" charset="0"/>
+              <a:cs typeface="Arial" panose="020B0604020202020204" pitchFamily="34" charset="0"/>
+            </a:endParaRPr>
+          </a:p>
+          <a:p>
+            <a:pPr algn="just"/>
+            <a:endParaRPr lang="en-GB" sz="2400" dirty="0">
+              <a:latin typeface="Arial" panose="020B0604020202020204" pitchFamily="34" charset="0"/>
+              <a:cs typeface="Arial" panose="020B0604020202020204" pitchFamily="34" charset="0"/>
+            </a:endParaRPr>
+          </a:p>
+          <a:p>
+            <a:pPr algn="just"/>
+            <a:endParaRPr lang="en-GB" sz="2400" dirty="0">
+              <a:latin typeface="Arial" panose="020B0604020202020204" pitchFamily="34" charset="0"/>
+              <a:cs typeface="Arial" panose="020B0604020202020204" pitchFamily="34" charset="0"/>
+            </a:endParaRPr>
+          </a:p>
+          <a:p>
+            <a:pPr algn="just"/>
+            <a:endParaRPr lang="en-GB" sz="2400" dirty="0">
+              <a:latin typeface="Arial" panose="020B0604020202020204" pitchFamily="34" charset="0"/>
+              <a:cs typeface="Arial" panose="020B0604020202020204" pitchFamily="34" charset="0"/>
+            </a:endParaRPr>
+          </a:p>
+          <a:p>
+            <a:pPr algn="just"/>
+            <a:endParaRPr lang="en-GB" sz="2400" dirty="0">
+              <a:latin typeface="Arial" panose="020B0604020202020204" pitchFamily="34" charset="0"/>
+              <a:cs typeface="Arial" panose="020B0604020202020204" pitchFamily="34" charset="0"/>
+            </a:endParaRPr>
+          </a:p>
+          <a:p>
+            <a:pPr algn="just"/>
+            <a:endParaRPr lang="en-GB" sz="2400" dirty="0">
+              <a:latin typeface="Arial" panose="020B0604020202020204" pitchFamily="34" charset="0"/>
+              <a:cs typeface="Arial" panose="020B0604020202020204" pitchFamily="34" charset="0"/>
+            </a:endParaRPr>
+          </a:p>
+          <a:p>
+            <a:pPr algn="just"/>
+            <a:endParaRPr lang="en-GB" sz="2400" dirty="0">
+              <a:latin typeface="Arial" panose="020B0604020202020204" pitchFamily="34" charset="0"/>
+              <a:cs typeface="Arial" panose="020B0604020202020204" pitchFamily="34" charset="0"/>
+            </a:endParaRPr>
+          </a:p>
+          <a:p>
+            <a:pPr algn="just"/>
+            <a:r>
+              <a:rPr lang="en-GB" sz="2400" dirty="0">
+                <a:latin typeface="Arial" panose="020B0604020202020204" pitchFamily="34" charset="0"/>
+                <a:cs typeface="Arial" panose="020B0604020202020204" pitchFamily="34" charset="0"/>
+              </a:rPr>
+              <a:t>We can see that the tracking is not very accurate</a:t>
+            </a:r>
+            <a:endParaRPr lang="en-GB" sz="2400" noProof="0" dirty="0">
+              <a:latin typeface="Arial" panose="020B0604020202020204" pitchFamily="34" charset="0"/>
+              <a:cs typeface="Arial" panose="020B0604020202020204" pitchFamily="34" charset="0"/>
+            </a:endParaRPr>
+          </a:p>
+        </p:txBody>
+      </p:sp>
+      <p:pic>
+        <p:nvPicPr>
+          <p:cNvPr id="3" name="Immagine 2" descr="Immagine che contiene linea, Diagramma, diagramma, Carattere&#10;&#10;Il contenuto generato dall'IA potrebbe non essere corretto.">
+            <a:extLst>
+              <a:ext uri="{FF2B5EF4-FFF2-40B4-BE49-F238E27FC236}">
+                <a16:creationId xmlns:a16="http://schemas.microsoft.com/office/drawing/2014/main" id="{CECA2D05-8EA9-1C84-37E0-A671AC0CA069}"/>
+              </a:ext>
+            </a:extLst>
+          </p:cNvPr>
+          <p:cNvPicPr>
+            <a:picLocks noChangeAspect="1"/>
+          </p:cNvPicPr>
+          <p:nvPr/>
+        </p:nvPicPr>
+        <p:blipFill>
+          <a:blip r:embed="rId2">
+            <a:extLst>
+              <a:ext uri="{28A0092B-C50C-407E-A947-70E740481C1C}">
+                <a14:useLocalDpi xmlns:a14="http://schemas.microsoft.com/office/drawing/2010/main" val="0"/>
+              </a:ext>
+            </a:extLst>
+          </a:blip>
+          <a:stretch>
+            <a:fillRect/>
+          </a:stretch>
+        </p:blipFill>
+        <p:spPr>
+          <a:xfrm>
+            <a:off x="762001" y="2448339"/>
+            <a:ext cx="5334000" cy="2276965"/>
+          </a:xfrm>
+          <a:prstGeom prst="rect">
+            <a:avLst/>
+          </a:prstGeom>
+        </p:spPr>
+      </p:pic>
+      <p:pic>
+        <p:nvPicPr>
+          <p:cNvPr id="7" name="Immagine 6" descr="Immagine che contiene linea, Diagramma, diagramma, schermata&#10;&#10;Il contenuto generato dall'IA potrebbe non essere corretto.">
+            <a:extLst>
+              <a:ext uri="{FF2B5EF4-FFF2-40B4-BE49-F238E27FC236}">
+                <a16:creationId xmlns:a16="http://schemas.microsoft.com/office/drawing/2014/main" id="{EBADEB84-039C-B405-AE7C-6B98BB0F8355}"/>
+              </a:ext>
+            </a:extLst>
+          </p:cNvPr>
+          <p:cNvPicPr>
+            <a:picLocks noChangeAspect="1"/>
+          </p:cNvPicPr>
+          <p:nvPr/>
+        </p:nvPicPr>
+        <p:blipFill>
+          <a:blip r:embed="rId3">
+            <a:extLst>
+              <a:ext uri="{28A0092B-C50C-407E-A947-70E740481C1C}">
+                <a14:useLocalDpi xmlns:a14="http://schemas.microsoft.com/office/drawing/2010/main" val="0"/>
+              </a:ext>
+            </a:extLst>
+          </a:blip>
+          <a:srcRect r="1382"/>
+          <a:stretch>
+            <a:fillRect/>
+          </a:stretch>
+        </p:blipFill>
+        <p:spPr>
+          <a:xfrm>
+            <a:off x="6248400" y="2418622"/>
+            <a:ext cx="5334000" cy="2381978"/>
+          </a:xfrm>
+          <a:prstGeom prst="rect">
+            <a:avLst/>
+          </a:prstGeom>
+        </p:spPr>
+      </p:pic>
+    </p:spTree>
+    <p:extLst>
+      <p:ext uri="{BB962C8B-B14F-4D97-AF65-F5344CB8AC3E}">
+        <p14:creationId xmlns:p14="http://schemas.microsoft.com/office/powerpoint/2010/main" val="3066744100"/>
+      </p:ext>
+    </p:extLst>
+  </p:cSld>
+  <p:clrMapOvr>
+    <a:masterClrMapping/>
+  </p:clrMapOvr>
+</p:sld>
+</file>
+
+<file path=ppt/slides/slide25.xml><?xml version="1.0" encoding="utf-8"?>
 <p:sld xmlns:a="http://schemas.openxmlformats.org/drawingml/2006/main" xmlns:r="http://schemas.openxmlformats.org/officeDocument/2006/relationships" xmlns:p="http://schemas.openxmlformats.org/presentationml/2006/main">
   <p:cSld>
     <p:spTree>
@@ -9137,7 +9540,7 @@
         <p:spPr>
           <a:xfrm>
             <a:off x="762000" y="1676400"/>
-            <a:ext cx="10134600" cy="830997"/>
+            <a:ext cx="10134600" cy="3785652"/>
           </a:xfrm>
           <a:prstGeom prst="rect">
             <a:avLst/>
@@ -9151,17 +9554,226 @@
           <a:lstStyle/>
           <a:p>
             <a:pPr algn="just"/>
-            <a:endParaRPr lang="en-GB" sz="2400" noProof="0" dirty="0">
+            <a:r>
+              <a:rPr lang="en-GB" sz="2400" dirty="0" err="1">
+                <a:latin typeface="Arial" panose="020B0604020202020204" pitchFamily="34" charset="0"/>
+                <a:cs typeface="Arial" panose="020B0604020202020204" pitchFamily="34" charset="0"/>
+              </a:rPr>
+              <a:t>Appartently</a:t>
+            </a:r>
+            <a:r>
+              <a:rPr lang="en-GB" sz="2400" dirty="0">
+                <a:latin typeface="Arial" panose="020B0604020202020204" pitchFamily="34" charset="0"/>
+                <a:cs typeface="Arial" panose="020B0604020202020204" pitchFamily="34" charset="0"/>
+              </a:rPr>
+              <a:t>, the SPC algorithm as presented in the paper does not result in a precise tracking of the selected reference signal.</a:t>
+            </a:r>
+          </a:p>
+          <a:p>
+            <a:pPr algn="just"/>
+            <a:endParaRPr lang="en-GB" sz="2400" dirty="0">
               <a:latin typeface="Arial" panose="020B0604020202020204" pitchFamily="34" charset="0"/>
               <a:cs typeface="Arial" panose="020B0604020202020204" pitchFamily="34" charset="0"/>
             </a:endParaRPr>
           </a:p>
           <a:p>
             <a:pPr algn="just"/>
-            <a:endParaRPr lang="en-GB" sz="2400" noProof="0" dirty="0">
+            <a:r>
+              <a:rPr lang="en-GB" sz="2400" dirty="0">
+                <a:latin typeface="Arial" panose="020B0604020202020204" pitchFamily="34" charset="0"/>
+                <a:cs typeface="Arial" panose="020B0604020202020204" pitchFamily="34" charset="0"/>
+              </a:rPr>
+              <a:t>We set out to solve this issue and found a more recent paper, </a:t>
+            </a:r>
+            <a:r>
+              <a:rPr lang="en-GB" sz="2400" i="1" dirty="0">
+                <a:latin typeface="Arial" panose="020B0604020202020204" pitchFamily="34" charset="0"/>
+                <a:cs typeface="Arial" panose="020B0604020202020204" pitchFamily="34" charset="0"/>
+              </a:rPr>
+              <a:t>“Offset-Free MPC explained:  </a:t>
+            </a:r>
+            <a:r>
+              <a:rPr lang="en-GB" sz="2400" i="1" dirty="0" err="1">
+                <a:latin typeface="Arial" panose="020B0604020202020204" pitchFamily="34" charset="0"/>
+                <a:cs typeface="Arial" panose="020B0604020202020204" pitchFamily="34" charset="0"/>
+              </a:rPr>
+              <a:t>nove</a:t>
+            </a:r>
+            <a:r>
+              <a:rPr lang="it-IT" sz="2400" i="1" dirty="0" err="1">
+                <a:latin typeface="Arial" panose="020B0604020202020204" pitchFamily="34" charset="0"/>
+                <a:cs typeface="Arial" panose="020B0604020202020204" pitchFamily="34" charset="0"/>
+              </a:rPr>
+              <a:t>lties,subtleties,and</a:t>
+            </a:r>
+            <a:r>
+              <a:rPr lang="it-IT" sz="2400" i="1" dirty="0">
+                <a:latin typeface="Arial" panose="020B0604020202020204" pitchFamily="34" charset="0"/>
+                <a:cs typeface="Arial" panose="020B0604020202020204" pitchFamily="34" charset="0"/>
+              </a:rPr>
+              <a:t> </a:t>
+            </a:r>
+            <a:r>
+              <a:rPr lang="it-IT" sz="2400" i="1" dirty="0" err="1">
+                <a:latin typeface="Arial" panose="020B0604020202020204" pitchFamily="34" charset="0"/>
+                <a:cs typeface="Arial" panose="020B0604020202020204" pitchFamily="34" charset="0"/>
+              </a:rPr>
+              <a:t>applications</a:t>
+            </a:r>
+            <a:r>
+              <a:rPr lang="en-GB" sz="2400" i="1" dirty="0">
+                <a:latin typeface="Arial" panose="020B0604020202020204" pitchFamily="34" charset="0"/>
+                <a:cs typeface="Arial" panose="020B0604020202020204" pitchFamily="34" charset="0"/>
+              </a:rPr>
+              <a:t>” </a:t>
+            </a:r>
+            <a:r>
+              <a:rPr lang="en-GB" sz="2400" dirty="0">
+                <a:latin typeface="Arial" panose="020B0604020202020204" pitchFamily="34" charset="0"/>
+                <a:cs typeface="Arial" panose="020B0604020202020204" pitchFamily="34" charset="0"/>
+              </a:rPr>
+              <a:t>by </a:t>
+            </a:r>
+            <a:r>
+              <a:rPr lang="it-IT" sz="2400" dirty="0" err="1">
+                <a:latin typeface="Arial" panose="020B0604020202020204" pitchFamily="34" charset="0"/>
+                <a:cs typeface="Arial" panose="020B0604020202020204" pitchFamily="34" charset="0"/>
+              </a:rPr>
+              <a:t>Pannocchia,Gabiccini</a:t>
+            </a:r>
+            <a:r>
+              <a:rPr lang="it-IT" sz="2400" dirty="0">
+                <a:latin typeface="Arial" panose="020B0604020202020204" pitchFamily="34" charset="0"/>
+                <a:cs typeface="Arial" panose="020B0604020202020204" pitchFamily="34" charset="0"/>
+              </a:rPr>
+              <a:t> and Artoni (2015) </a:t>
+            </a:r>
+            <a:r>
+              <a:rPr lang="it-IT" sz="2400" dirty="0" err="1">
+                <a:latin typeface="Arial" panose="020B0604020202020204" pitchFamily="34" charset="0"/>
+                <a:cs typeface="Arial" panose="020B0604020202020204" pitchFamily="34" charset="0"/>
+              </a:rPr>
+              <a:t>that</a:t>
+            </a:r>
+            <a:r>
+              <a:rPr lang="it-IT" sz="2400" dirty="0">
+                <a:latin typeface="Arial" panose="020B0604020202020204" pitchFamily="34" charset="0"/>
+                <a:cs typeface="Arial" panose="020B0604020202020204" pitchFamily="34" charset="0"/>
+              </a:rPr>
+              <a:t> </a:t>
+            </a:r>
+            <a:r>
+              <a:rPr lang="it-IT" sz="2400" dirty="0" err="1">
+                <a:latin typeface="Arial" panose="020B0604020202020204" pitchFamily="34" charset="0"/>
+                <a:cs typeface="Arial" panose="020B0604020202020204" pitchFamily="34" charset="0"/>
+              </a:rPr>
+              <a:t>proposes</a:t>
+            </a:r>
+            <a:r>
+              <a:rPr lang="it-IT" sz="2400" dirty="0">
+                <a:latin typeface="Arial" panose="020B0604020202020204" pitchFamily="34" charset="0"/>
+                <a:cs typeface="Arial" panose="020B0604020202020204" pitchFamily="34" charset="0"/>
+              </a:rPr>
+              <a:t> an </a:t>
+            </a:r>
+            <a:r>
+              <a:rPr lang="it-IT" sz="2400" dirty="0" err="1">
+                <a:latin typeface="Arial" panose="020B0604020202020204" pitchFamily="34" charset="0"/>
+                <a:cs typeface="Arial" panose="020B0604020202020204" pitchFamily="34" charset="0"/>
+              </a:rPr>
+              <a:t>approach</a:t>
+            </a:r>
+            <a:r>
+              <a:rPr lang="it-IT" sz="2400" dirty="0">
+                <a:latin typeface="Arial" panose="020B0604020202020204" pitchFamily="34" charset="0"/>
+                <a:cs typeface="Arial" panose="020B0604020202020204" pitchFamily="34" charset="0"/>
+              </a:rPr>
+              <a:t> for MPC </a:t>
+            </a:r>
+            <a:r>
+              <a:rPr lang="it-IT" sz="2400" dirty="0" err="1">
+                <a:latin typeface="Arial" panose="020B0604020202020204" pitchFamily="34" charset="0"/>
+                <a:cs typeface="Arial" panose="020B0604020202020204" pitchFamily="34" charset="0"/>
+              </a:rPr>
+              <a:t>that</a:t>
+            </a:r>
+            <a:r>
+              <a:rPr lang="it-IT" sz="2400" dirty="0">
+                <a:latin typeface="Arial" panose="020B0604020202020204" pitchFamily="34" charset="0"/>
+                <a:cs typeface="Arial" panose="020B0604020202020204" pitchFamily="34" charset="0"/>
+              </a:rPr>
+              <a:t> </a:t>
+            </a:r>
+            <a:r>
+              <a:rPr lang="it-IT" sz="2400" dirty="0" err="1">
+                <a:latin typeface="Arial" panose="020B0604020202020204" pitchFamily="34" charset="0"/>
+                <a:cs typeface="Arial" panose="020B0604020202020204" pitchFamily="34" charset="0"/>
+              </a:rPr>
+              <a:t>removes</a:t>
+            </a:r>
+            <a:r>
+              <a:rPr lang="it-IT" sz="2400" dirty="0">
+                <a:latin typeface="Arial" panose="020B0604020202020204" pitchFamily="34" charset="0"/>
+                <a:cs typeface="Arial" panose="020B0604020202020204" pitchFamily="34" charset="0"/>
+              </a:rPr>
+              <a:t> offset;</a:t>
+            </a:r>
+          </a:p>
+          <a:p>
+            <a:pPr algn="just"/>
+            <a:endParaRPr lang="it-IT" sz="2400" dirty="0">
               <a:latin typeface="Arial" panose="020B0604020202020204" pitchFamily="34" charset="0"/>
               <a:cs typeface="Arial" panose="020B0604020202020204" pitchFamily="34" charset="0"/>
             </a:endParaRPr>
+          </a:p>
+          <a:p>
+            <a:pPr algn="just"/>
+            <a:r>
+              <a:rPr lang="it-IT" sz="2400" dirty="0" err="1">
+                <a:latin typeface="Arial" panose="020B0604020202020204" pitchFamily="34" charset="0"/>
+                <a:cs typeface="Arial" panose="020B0604020202020204" pitchFamily="34" charset="0"/>
+              </a:rPr>
+              <a:t>It</a:t>
+            </a:r>
+            <a:r>
+              <a:rPr lang="it-IT" sz="2400" dirty="0">
+                <a:latin typeface="Arial" panose="020B0604020202020204" pitchFamily="34" charset="0"/>
+                <a:cs typeface="Arial" panose="020B0604020202020204" pitchFamily="34" charset="0"/>
+              </a:rPr>
+              <a:t> </a:t>
+            </a:r>
+            <a:r>
+              <a:rPr lang="it-IT" sz="2400" dirty="0" err="1">
+                <a:latin typeface="Arial" panose="020B0604020202020204" pitchFamily="34" charset="0"/>
+                <a:cs typeface="Arial" panose="020B0604020202020204" pitchFamily="34" charset="0"/>
+              </a:rPr>
+              <a:t>does</a:t>
+            </a:r>
+            <a:r>
+              <a:rPr lang="it-IT" sz="2400" dirty="0">
+                <a:latin typeface="Arial" panose="020B0604020202020204" pitchFamily="34" charset="0"/>
+                <a:cs typeface="Arial" panose="020B0604020202020204" pitchFamily="34" charset="0"/>
+              </a:rPr>
+              <a:t> so by </a:t>
+            </a:r>
+            <a:r>
+              <a:rPr lang="it-IT" sz="2400" dirty="0" err="1">
+                <a:latin typeface="Arial" panose="020B0604020202020204" pitchFamily="34" charset="0"/>
+                <a:cs typeface="Arial" panose="020B0604020202020204" pitchFamily="34" charset="0"/>
+              </a:rPr>
+              <a:t>introducing</a:t>
+            </a:r>
+            <a:r>
+              <a:rPr lang="it-IT" sz="2400" dirty="0">
+                <a:latin typeface="Arial" panose="020B0604020202020204" pitchFamily="34" charset="0"/>
+                <a:cs typeface="Arial" panose="020B0604020202020204" pitchFamily="34" charset="0"/>
+              </a:rPr>
+              <a:t> </a:t>
+            </a:r>
+            <a:r>
+              <a:rPr lang="en-US" sz="2400" dirty="0"/>
+              <a:t>a feedforward term, allowing exact reference tracking without altering the underlying predictive structure.</a:t>
+            </a:r>
           </a:p>
         </p:txBody>
       </p:sp>
@@ -9178,7 +9790,7 @@
 </p:sld>
 </file>
 
-<file path=ppt/slides/slide25.xml><?xml version="1.0" encoding="utf-8"?>
+<file path=ppt/slides/slide26.xml><?xml version="1.0" encoding="utf-8"?>
 <p:sld xmlns:a="http://schemas.openxmlformats.org/drawingml/2006/main" xmlns:r="http://schemas.openxmlformats.org/officeDocument/2006/relationships" xmlns:p="http://schemas.openxmlformats.org/presentationml/2006/main">
   <p:cSld>
     <p:spTree>
@@ -9303,7 +9915,7 @@
 </p:sld>
 </file>
 
-<file path=ppt/slides/slide26.xml><?xml version="1.0" encoding="utf-8"?>
+<file path=ppt/slides/slide27.xml><?xml version="1.0" encoding="utf-8"?>
 <p:sld xmlns:a="http://schemas.openxmlformats.org/drawingml/2006/main" xmlns:r="http://schemas.openxmlformats.org/officeDocument/2006/relationships" xmlns:p="http://schemas.openxmlformats.org/presentationml/2006/main">
   <p:cSld>
     <p:spTree>

--- a/SPC_Presentation.pptx
+++ b/SPC_Presentation.pptx
@@ -5,7 +5,7 @@
     <p:sldMasterId id="2147483648" r:id="rId1"/>
   </p:sldMasterIdLst>
   <p:notesMasterIdLst>
-    <p:notesMasterId r:id="rId29"/>
+    <p:notesMasterId r:id="rId32"/>
   </p:notesMasterIdLst>
   <p:sldIdLst>
     <p:sldId id="256" r:id="rId2"/>
@@ -33,8 +33,11 @@
     <p:sldId id="359" r:id="rId24"/>
     <p:sldId id="363" r:id="rId25"/>
     <p:sldId id="360" r:id="rId26"/>
-    <p:sldId id="362" r:id="rId27"/>
-    <p:sldId id="340" r:id="rId28"/>
+    <p:sldId id="364" r:id="rId27"/>
+    <p:sldId id="366" r:id="rId28"/>
+    <p:sldId id="362" r:id="rId29"/>
+    <p:sldId id="365" r:id="rId30"/>
+    <p:sldId id="340" r:id="rId31"/>
   </p:sldIdLst>
   <p:sldSz cx="12192000" cy="6858000"/>
   <p:notesSz cx="12192000" cy="6858000"/>
@@ -8780,7 +8783,7 @@
                     <a:latin typeface="Arial" panose="020B0604020202020204" pitchFamily="34" charset="0"/>
                     <a:cs typeface="Arial" panose="020B0604020202020204" pitchFamily="34" charset="0"/>
                   </a:rPr>
-                  <a:t>se this input to compute the next output and state, using the system’s equations</a:t>
+                  <a:t>se this input to compute the next output and state, using the system’s equations.</a:t>
                 </a:r>
               </a:p>
               <a:p>
@@ -9091,7 +9094,7 @@
                 <a:latin typeface="Arial" panose="020B0604020202020204" pitchFamily="34" charset="0"/>
                 <a:cs typeface="Arial" panose="020B0604020202020204" pitchFamily="34" charset="0"/>
               </a:rPr>
-              <a:t>We can see that the tracking is not very accurate</a:t>
+              <a:t>We can see that the tracking is not very accurate…</a:t>
             </a:r>
             <a:endParaRPr lang="en-GB" sz="2400" noProof="0" dirty="0">
               <a:latin typeface="Arial" panose="020B0604020202020204" pitchFamily="34" charset="0"/>
@@ -9361,7 +9364,7 @@
                 <a:latin typeface="Arial" panose="020B0604020202020204" pitchFamily="34" charset="0"/>
                 <a:cs typeface="Arial" panose="020B0604020202020204" pitchFamily="34" charset="0"/>
               </a:rPr>
-              <a:t>We can see that the tracking is not very accurate</a:t>
+              <a:t>We can see that the tracking is not very accurate…</a:t>
             </a:r>
             <a:endParaRPr lang="en-GB" sz="2400" noProof="0" dirty="0">
               <a:latin typeface="Arial" panose="020B0604020202020204" pitchFamily="34" charset="0"/>
@@ -9520,7 +9523,7 @@
               <a:rPr lang="en-GB" noProof="0" dirty="0">
                 <a:latin typeface="Arial Black" panose="020B0A04020102020204" pitchFamily="34" charset="0"/>
               </a:rPr>
-              <a:t>improvements on the proposed solution</a:t>
+              <a:t>improving on the proposed solution</a:t>
             </a:r>
           </a:p>
         </p:txBody>
@@ -9646,21 +9649,21 @@
                 <a:latin typeface="Arial" panose="020B0604020202020204" pitchFamily="34" charset="0"/>
                 <a:cs typeface="Arial" panose="020B0604020202020204" pitchFamily="34" charset="0"/>
               </a:rPr>
-              <a:t> and Artoni (2015) </a:t>
+              <a:t> and Artoni (2015); </a:t>
             </a:r>
             <a:r>
               <a:rPr lang="it-IT" sz="2400" dirty="0" err="1">
                 <a:latin typeface="Arial" panose="020B0604020202020204" pitchFamily="34" charset="0"/>
                 <a:cs typeface="Arial" panose="020B0604020202020204" pitchFamily="34" charset="0"/>
               </a:rPr>
-              <a:t>that</a:t>
+              <a:t>this</a:t>
             </a:r>
             <a:r>
               <a:rPr lang="it-IT" sz="2400" dirty="0">
                 <a:latin typeface="Arial" panose="020B0604020202020204" pitchFamily="34" charset="0"/>
                 <a:cs typeface="Arial" panose="020B0604020202020204" pitchFamily="34" charset="0"/>
               </a:rPr>
-              <a:t> </a:t>
+              <a:t> paper </a:t>
             </a:r>
             <a:r>
               <a:rPr lang="it-IT" sz="2400" dirty="0" err="1">
@@ -9716,7 +9719,7 @@
                 <a:latin typeface="Arial" panose="020B0604020202020204" pitchFamily="34" charset="0"/>
                 <a:cs typeface="Arial" panose="020B0604020202020204" pitchFamily="34" charset="0"/>
               </a:rPr>
-              <a:t> offset;</a:t>
+              <a:t> offset.</a:t>
             </a:r>
           </a:p>
           <a:p>
@@ -9791,6 +9794,744 @@
 </file>
 
 <file path=ppt/slides/slide26.xml><?xml version="1.0" encoding="utf-8"?>
+<p:sld xmlns:a="http://schemas.openxmlformats.org/drawingml/2006/main" xmlns:r="http://schemas.openxmlformats.org/officeDocument/2006/relationships" xmlns:p="http://schemas.openxmlformats.org/presentationml/2006/main">
+  <p:cSld>
+    <p:spTree>
+      <p:nvGrpSpPr>
+        <p:cNvPr id="1" name="">
+          <a:extLst>
+            <a:ext uri="{FF2B5EF4-FFF2-40B4-BE49-F238E27FC236}">
+              <a16:creationId xmlns:a16="http://schemas.microsoft.com/office/drawing/2014/main" id="{4DB59997-2181-1C00-1946-ED8C84AA34CB}"/>
+            </a:ext>
+          </a:extLst>
+        </p:cNvPr>
+        <p:cNvGrpSpPr/>
+        <p:nvPr/>
+      </p:nvGrpSpPr>
+      <p:grpSpPr>
+        <a:xfrm>
+          <a:off x="0" y="0"/>
+          <a:ext cx="0" cy="0"/>
+          <a:chOff x="0" y="0"/>
+          <a:chExt cx="0" cy="0"/>
+        </a:xfrm>
+      </p:grpSpPr>
+      <p:sp>
+        <p:nvSpPr>
+          <p:cNvPr id="10" name="Titolo 9">
+            <a:extLst>
+              <a:ext uri="{FF2B5EF4-FFF2-40B4-BE49-F238E27FC236}">
+                <a16:creationId xmlns:a16="http://schemas.microsoft.com/office/drawing/2014/main" id="{A52807AF-176C-AD2A-D665-93D4038E1C7E}"/>
+              </a:ext>
+            </a:extLst>
+          </p:cNvPr>
+          <p:cNvSpPr>
+            <a:spLocks noGrp="1"/>
+          </p:cNvSpPr>
+          <p:nvPr>
+            <p:ph type="title"/>
+          </p:nvPr>
+        </p:nvSpPr>
+        <p:spPr>
+          <a:xfrm>
+            <a:off x="762000" y="457200"/>
+            <a:ext cx="10210800" cy="1077218"/>
+          </a:xfrm>
+        </p:spPr>
+        <p:txBody>
+          <a:bodyPr/>
+          <a:lstStyle/>
+          <a:p>
+            <a:r>
+              <a:rPr lang="en-GB" noProof="0" dirty="0">
+                <a:latin typeface="Arial Black" panose="020B0A04020102020204" pitchFamily="34" charset="0"/>
+              </a:rPr>
+              <a:t>Practical implementation –  </a:t>
+            </a:r>
+            <a:br>
+              <a:rPr lang="en-GB" noProof="0" dirty="0">
+                <a:latin typeface="Arial Black" panose="020B0A04020102020204" pitchFamily="34" charset="0"/>
+              </a:rPr>
+            </a:br>
+            <a:r>
+              <a:rPr lang="en-GB" noProof="0" dirty="0">
+                <a:latin typeface="Arial Black" panose="020B0A04020102020204" pitchFamily="34" charset="0"/>
+              </a:rPr>
+              <a:t>implementation of offset- free MPC</a:t>
+            </a:r>
+          </a:p>
+        </p:txBody>
+      </p:sp>
+      <mc:AlternateContent xmlns:mc="http://schemas.openxmlformats.org/markup-compatibility/2006">
+        <mc:Choice xmlns:a14="http://schemas.microsoft.com/office/drawing/2010/main" Requires="a14">
+          <p:sp>
+            <p:nvSpPr>
+              <p:cNvPr id="2" name="CasellaDiTesto 1">
+                <a:extLst>
+                  <a:ext uri="{FF2B5EF4-FFF2-40B4-BE49-F238E27FC236}">
+                    <a16:creationId xmlns:a16="http://schemas.microsoft.com/office/drawing/2014/main" id="{C995C1C6-DE83-831F-34A2-13988A896646}"/>
+                  </a:ext>
+                </a:extLst>
+              </p:cNvPr>
+              <p:cNvSpPr txBox="1"/>
+              <p:nvPr/>
+            </p:nvSpPr>
+            <p:spPr>
+              <a:xfrm>
+                <a:off x="762000" y="1676400"/>
+                <a:ext cx="10399210" cy="4524315"/>
+              </a:xfrm>
+              <a:prstGeom prst="rect">
+                <a:avLst/>
+              </a:prstGeom>
+              <a:noFill/>
+            </p:spPr>
+            <p:txBody>
+              <a:bodyPr wrap="square">
+                <a:spAutoFit/>
+              </a:bodyPr>
+              <a:lstStyle/>
+              <a:p>
+                <a:pPr algn="just"/>
+                <a:r>
+                  <a:rPr lang="it-IT" sz="2400" dirty="0">
+                    <a:latin typeface="Arial" panose="020B0604020202020204" pitchFamily="34" charset="0"/>
+                    <a:cs typeface="Arial" panose="020B0604020202020204" pitchFamily="34" charset="0"/>
+                  </a:rPr>
+                  <a:t>We can </a:t>
+                </a:r>
+                <a:r>
+                  <a:rPr lang="it-IT" sz="2400" dirty="0" err="1">
+                    <a:latin typeface="Arial" panose="020B0604020202020204" pitchFamily="34" charset="0"/>
+                    <a:cs typeface="Arial" panose="020B0604020202020204" pitchFamily="34" charset="0"/>
+                  </a:rPr>
+                  <a:t>rewrite</a:t>
+                </a:r>
+                <a:r>
+                  <a:rPr lang="it-IT" sz="2400" dirty="0">
+                    <a:latin typeface="Arial" panose="020B0604020202020204" pitchFamily="34" charset="0"/>
+                    <a:cs typeface="Arial" panose="020B0604020202020204" pitchFamily="34" charset="0"/>
+                  </a:rPr>
+                  <a:t> the steady-state </a:t>
+                </a:r>
+                <a:r>
+                  <a:rPr lang="it-IT" sz="2400" dirty="0" err="1">
+                    <a:latin typeface="Arial" panose="020B0604020202020204" pitchFamily="34" charset="0"/>
+                    <a:cs typeface="Arial" panose="020B0604020202020204" pitchFamily="34" charset="0"/>
+                  </a:rPr>
+                  <a:t>equations</a:t>
+                </a:r>
+                <a:r>
+                  <a:rPr lang="it-IT" sz="2400" dirty="0">
+                    <a:latin typeface="Arial" panose="020B0604020202020204" pitchFamily="34" charset="0"/>
+                    <a:cs typeface="Arial" panose="020B0604020202020204" pitchFamily="34" charset="0"/>
+                  </a:rPr>
+                  <a:t> (</a:t>
+                </a:r>
+                <a:r>
+                  <a:rPr lang="it-IT" sz="2400" dirty="0" err="1">
+                    <a:latin typeface="Arial" panose="020B0604020202020204" pitchFamily="34" charset="0"/>
+                    <a:cs typeface="Arial" panose="020B0604020202020204" pitchFamily="34" charset="0"/>
+                  </a:rPr>
+                  <a:t>where</a:t>
+                </a:r>
+                <a:r>
+                  <a:rPr lang="it-IT" sz="2400" dirty="0">
+                    <a:latin typeface="Arial" panose="020B0604020202020204" pitchFamily="34" charset="0"/>
+                    <a:cs typeface="Arial" panose="020B0604020202020204" pitchFamily="34" charset="0"/>
+                  </a:rPr>
+                  <a:t> x(t+1)=x(t)) </a:t>
+                </a:r>
+                <a:r>
+                  <a:rPr lang="it-IT" sz="2400" dirty="0" err="1">
+                    <a:latin typeface="Arial" panose="020B0604020202020204" pitchFamily="34" charset="0"/>
+                    <a:cs typeface="Arial" panose="020B0604020202020204" pitchFamily="34" charset="0"/>
+                  </a:rPr>
+                  <a:t>as</a:t>
+                </a:r>
+                <a:r>
+                  <a:rPr lang="it-IT" sz="2400" dirty="0">
+                    <a:latin typeface="Arial" panose="020B0604020202020204" pitchFamily="34" charset="0"/>
+                    <a:cs typeface="Arial" panose="020B0604020202020204" pitchFamily="34" charset="0"/>
+                  </a:rPr>
+                  <a:t>:</a:t>
+                </a:r>
+              </a:p>
+              <a:p>
+                <a:pPr algn="just"/>
+                <a:endParaRPr lang="it-IT" sz="2400" dirty="0">
+                  <a:latin typeface="Arial" panose="020B0604020202020204" pitchFamily="34" charset="0"/>
+                  <a:cs typeface="Arial" panose="020B0604020202020204" pitchFamily="34" charset="0"/>
+                </a:endParaRPr>
+              </a:p>
+              <a:p>
+                <a:pPr algn="just"/>
+                <a:endParaRPr lang="it-IT" sz="2400" dirty="0">
+                  <a:latin typeface="Arial" panose="020B0604020202020204" pitchFamily="34" charset="0"/>
+                  <a:cs typeface="Arial" panose="020B0604020202020204" pitchFamily="34" charset="0"/>
+                </a:endParaRPr>
+              </a:p>
+              <a:p>
+                <a:pPr algn="just"/>
+                <a:endParaRPr lang="it-IT" sz="2400" dirty="0">
+                  <a:latin typeface="Arial" panose="020B0604020202020204" pitchFamily="34" charset="0"/>
+                  <a:cs typeface="Arial" panose="020B0604020202020204" pitchFamily="34" charset="0"/>
+                </a:endParaRPr>
+              </a:p>
+              <a:p>
+                <a:pPr algn="just"/>
+                <a:endParaRPr lang="it-IT" sz="2400" dirty="0">
+                  <a:latin typeface="Arial" panose="020B0604020202020204" pitchFamily="34" charset="0"/>
+                  <a:cs typeface="Arial" panose="020B0604020202020204" pitchFamily="34" charset="0"/>
+                </a:endParaRPr>
+              </a:p>
+              <a:p>
+                <a:pPr algn="just"/>
+                <a:r>
+                  <a:rPr lang="it-IT" sz="2400" dirty="0" err="1">
+                    <a:latin typeface="Arial" panose="020B0604020202020204" pitchFamily="34" charset="0"/>
+                    <a:cs typeface="Arial" panose="020B0604020202020204" pitchFamily="34" charset="0"/>
+                  </a:rPr>
+                  <a:t>Where</a:t>
+                </a:r>
+                <a:endParaRPr lang="it-IT" sz="2400" dirty="0">
+                  <a:latin typeface="Arial" panose="020B0604020202020204" pitchFamily="34" charset="0"/>
+                  <a:cs typeface="Arial" panose="020B0604020202020204" pitchFamily="34" charset="0"/>
+                </a:endParaRPr>
+              </a:p>
+              <a:p>
+                <a:pPr algn="just"/>
+                <a:endParaRPr lang="it-IT" sz="2400" dirty="0">
+                  <a:latin typeface="Arial" panose="020B0604020202020204" pitchFamily="34" charset="0"/>
+                  <a:cs typeface="Arial" panose="020B0604020202020204" pitchFamily="34" charset="0"/>
+                </a:endParaRPr>
+              </a:p>
+              <a:p>
+                <a:pPr algn="just"/>
+                <a:endParaRPr lang="it-IT" sz="2400" dirty="0">
+                  <a:latin typeface="Arial" panose="020B0604020202020204" pitchFamily="34" charset="0"/>
+                  <a:cs typeface="Arial" panose="020B0604020202020204" pitchFamily="34" charset="0"/>
+                </a:endParaRPr>
+              </a:p>
+              <a:p>
+                <a:pPr algn="just"/>
+                <a:endParaRPr lang="it-IT" sz="2400" dirty="0">
+                  <a:latin typeface="Arial" panose="020B0604020202020204" pitchFamily="34" charset="0"/>
+                  <a:cs typeface="Arial" panose="020B0604020202020204" pitchFamily="34" charset="0"/>
+                </a:endParaRPr>
+              </a:p>
+              <a:p>
+                <a:pPr algn="just"/>
+                <a:endParaRPr lang="it-IT" sz="2400" dirty="0">
+                  <a:latin typeface="Arial" panose="020B0604020202020204" pitchFamily="34" charset="0"/>
+                  <a:cs typeface="Arial" panose="020B0604020202020204" pitchFamily="34" charset="0"/>
+                </a:endParaRPr>
+              </a:p>
+              <a:p>
+                <a:pPr algn="just"/>
+                <a14:m>
+                  <m:oMath xmlns:m="http://schemas.openxmlformats.org/officeDocument/2006/math">
+                    <m:sSub>
+                      <m:sSubPr>
+                        <m:ctrlPr>
+                          <a:rPr lang="it-IT" sz="2400" i="1" smtClean="0">
+                            <a:latin typeface="Cambria Math" panose="02040503050406030204" pitchFamily="18" charset="0"/>
+                            <a:cs typeface="Arial" panose="020B0604020202020204" pitchFamily="34" charset="0"/>
+                          </a:rPr>
+                        </m:ctrlPr>
+                      </m:sSubPr>
+                      <m:e>
+                        <m:r>
+                          <a:rPr lang="it-IT" sz="2400" b="0" i="1" smtClean="0">
+                            <a:latin typeface="Cambria Math" panose="02040503050406030204" pitchFamily="18" charset="0"/>
+                            <a:cs typeface="Arial" panose="020B0604020202020204" pitchFamily="34" charset="0"/>
+                          </a:rPr>
+                          <m:t>𝑁</m:t>
+                        </m:r>
+                      </m:e>
+                      <m:sub>
+                        <m:r>
+                          <a:rPr lang="it-IT" sz="2400" b="0" i="1" smtClean="0">
+                            <a:latin typeface="Cambria Math" panose="02040503050406030204" pitchFamily="18" charset="0"/>
+                            <a:cs typeface="Arial" panose="020B0604020202020204" pitchFamily="34" charset="0"/>
+                          </a:rPr>
+                          <m:t>𝑢</m:t>
+                        </m:r>
+                      </m:sub>
+                    </m:sSub>
+                  </m:oMath>
+                </a14:m>
+                <a:r>
+                  <a:rPr lang="it-IT" sz="2400" dirty="0">
+                    <a:latin typeface="Arial" panose="020B0604020202020204" pitchFamily="34" charset="0"/>
+                    <a:cs typeface="Arial" panose="020B0604020202020204" pitchFamily="34" charset="0"/>
+                  </a:rPr>
+                  <a:t> and </a:t>
+                </a:r>
+                <a14:m>
+                  <m:oMath xmlns:m="http://schemas.openxmlformats.org/officeDocument/2006/math">
+                    <m:sSub>
+                      <m:sSubPr>
+                        <m:ctrlPr>
+                          <a:rPr lang="it-IT" sz="2400" i="1" smtClean="0">
+                            <a:latin typeface="Cambria Math" panose="02040503050406030204" pitchFamily="18" charset="0"/>
+                            <a:cs typeface="Arial" panose="020B0604020202020204" pitchFamily="34" charset="0"/>
+                          </a:rPr>
+                        </m:ctrlPr>
+                      </m:sSubPr>
+                      <m:e>
+                        <m:r>
+                          <a:rPr lang="it-IT" sz="2400" b="0" i="1" smtClean="0">
+                            <a:latin typeface="Cambria Math" panose="02040503050406030204" pitchFamily="18" charset="0"/>
+                            <a:cs typeface="Arial" panose="020B0604020202020204" pitchFamily="34" charset="0"/>
+                          </a:rPr>
+                          <m:t>𝑁</m:t>
+                        </m:r>
+                      </m:e>
+                      <m:sub>
+                        <m:r>
+                          <a:rPr lang="it-IT" sz="2400" b="0" i="1" smtClean="0">
+                            <a:latin typeface="Cambria Math" panose="02040503050406030204" pitchFamily="18" charset="0"/>
+                            <a:cs typeface="Arial" panose="020B0604020202020204" pitchFamily="34" charset="0"/>
+                          </a:rPr>
+                          <m:t>𝑟</m:t>
+                        </m:r>
+                      </m:sub>
+                    </m:sSub>
+                  </m:oMath>
+                </a14:m>
+                <a:r>
+                  <a:rPr lang="it-IT" sz="2400" dirty="0">
+                    <a:latin typeface="Arial" panose="020B0604020202020204" pitchFamily="34" charset="0"/>
+                    <a:cs typeface="Arial" panose="020B0604020202020204" pitchFamily="34" charset="0"/>
+                  </a:rPr>
+                  <a:t> are </a:t>
+                </a:r>
+                <a:r>
+                  <a:rPr lang="it-IT" sz="2400" dirty="0"/>
+                  <a:t>steady-state </a:t>
+                </a:r>
+                <a:r>
+                  <a:rPr lang="it-IT" sz="2400" dirty="0" err="1"/>
+                  <a:t>mappings</a:t>
+                </a:r>
+                <a:r>
+                  <a:rPr lang="it-IT" sz="2400" dirty="0"/>
+                  <a:t>.</a:t>
+                </a:r>
+                <a:endParaRPr lang="it-IT" sz="2400" dirty="0">
+                  <a:latin typeface="Arial" panose="020B0604020202020204" pitchFamily="34" charset="0"/>
+                  <a:cs typeface="Arial" panose="020B0604020202020204" pitchFamily="34" charset="0"/>
+                </a:endParaRPr>
+              </a:p>
+              <a:p>
+                <a:pPr algn="just"/>
+                <a:endParaRPr lang="en-US" sz="2400" dirty="0"/>
+              </a:p>
+            </p:txBody>
+          </p:sp>
+        </mc:Choice>
+        <mc:Fallback>
+          <p:sp>
+            <p:nvSpPr>
+              <p:cNvPr id="2" name="CasellaDiTesto 1">
+                <a:extLst>
+                  <a:ext uri="{FF2B5EF4-FFF2-40B4-BE49-F238E27FC236}">
+                    <a16:creationId xmlns:a16="http://schemas.microsoft.com/office/drawing/2014/main" id="{C995C1C6-DE83-831F-34A2-13988A896646}"/>
+                  </a:ext>
+                </a:extLst>
+              </p:cNvPr>
+              <p:cNvSpPr txBox="1">
+                <a:spLocks noRot="1" noChangeAspect="1" noMove="1" noResize="1" noEditPoints="1" noAdjustHandles="1" noChangeArrowheads="1" noChangeShapeType="1" noTextEdit="1"/>
+              </p:cNvSpPr>
+              <p:nvPr/>
+            </p:nvSpPr>
+            <p:spPr>
+              <a:xfrm>
+                <a:off x="762000" y="1676400"/>
+                <a:ext cx="10399210" cy="4524315"/>
+              </a:xfrm>
+              <a:prstGeom prst="rect">
+                <a:avLst/>
+              </a:prstGeom>
+              <a:blipFill>
+                <a:blip r:embed="rId2"/>
+                <a:stretch>
+                  <a:fillRect l="-879" t="-943"/>
+                </a:stretch>
+              </a:blipFill>
+            </p:spPr>
+            <p:txBody>
+              <a:bodyPr/>
+              <a:lstStyle/>
+              <a:p>
+                <a:r>
+                  <a:rPr lang="it-IT">
+                    <a:noFill/>
+                  </a:rPr>
+                  <a:t> </a:t>
+                </a:r>
+              </a:p>
+            </p:txBody>
+          </p:sp>
+        </mc:Fallback>
+      </mc:AlternateContent>
+      <p:pic>
+        <p:nvPicPr>
+          <p:cNvPr id="1026" name="Picture 2">
+            <a:extLst>
+              <a:ext uri="{FF2B5EF4-FFF2-40B4-BE49-F238E27FC236}">
+                <a16:creationId xmlns:a16="http://schemas.microsoft.com/office/drawing/2014/main" id="{8DFA0665-31B3-1F15-90E8-6739F5D23F06}"/>
+              </a:ext>
+            </a:extLst>
+          </p:cNvPr>
+          <p:cNvPicPr>
+            <a:picLocks noChangeAspect="1" noChangeArrowheads="1"/>
+          </p:cNvPicPr>
+          <p:nvPr/>
+        </p:nvPicPr>
+        <p:blipFill>
+          <a:blip r:embed="rId3">
+            <a:extLst>
+              <a:ext uri="{28A0092B-C50C-407E-A947-70E740481C1C}">
+                <a14:useLocalDpi xmlns:a14="http://schemas.microsoft.com/office/drawing/2010/main" val="0"/>
+              </a:ext>
+            </a:extLst>
+          </a:blip>
+          <a:srcRect/>
+          <a:stretch>
+            <a:fillRect/>
+          </a:stretch>
+        </p:blipFill>
+        <p:spPr bwMode="auto">
+          <a:xfrm>
+            <a:off x="933450" y="2458508"/>
+            <a:ext cx="1777999" cy="635000"/>
+          </a:xfrm>
+          <a:prstGeom prst="rect">
+            <a:avLst/>
+          </a:prstGeom>
+          <a:noFill/>
+          <a:extLst>
+            <a:ext uri="{909E8E84-426E-40DD-AFC4-6F175D3DCCD1}">
+              <a14:hiddenFill xmlns:a14="http://schemas.microsoft.com/office/drawing/2010/main">
+                <a:solidFill>
+                  <a:srgbClr val="FFFFFF"/>
+                </a:solidFill>
+              </a14:hiddenFill>
+            </a:ext>
+          </a:extLst>
+        </p:spPr>
+      </p:pic>
+      <p:pic>
+        <p:nvPicPr>
+          <p:cNvPr id="1027" name="Picture 3">
+            <a:extLst>
+              <a:ext uri="{FF2B5EF4-FFF2-40B4-BE49-F238E27FC236}">
+                <a16:creationId xmlns:a16="http://schemas.microsoft.com/office/drawing/2014/main" id="{1E0B00A1-3CF3-6422-D992-4620240D5D39}"/>
+              </a:ext>
+            </a:extLst>
+          </p:cNvPr>
+          <p:cNvPicPr>
+            <a:picLocks noChangeAspect="1" noChangeArrowheads="1"/>
+          </p:cNvPicPr>
+          <p:nvPr/>
+        </p:nvPicPr>
+        <p:blipFill>
+          <a:blip r:embed="rId4">
+            <a:extLst>
+              <a:ext uri="{28A0092B-C50C-407E-A947-70E740481C1C}">
+                <a14:useLocalDpi xmlns:a14="http://schemas.microsoft.com/office/drawing/2010/main" val="0"/>
+              </a:ext>
+            </a:extLst>
+          </a:blip>
+          <a:srcRect/>
+          <a:stretch>
+            <a:fillRect/>
+          </a:stretch>
+        </p:blipFill>
+        <p:spPr bwMode="auto">
+          <a:xfrm>
+            <a:off x="3024197" y="2431299"/>
+            <a:ext cx="8137013" cy="779884"/>
+          </a:xfrm>
+          <a:prstGeom prst="rect">
+            <a:avLst/>
+          </a:prstGeom>
+          <a:noFill/>
+          <a:extLst>
+            <a:ext uri="{909E8E84-426E-40DD-AFC4-6F175D3DCCD1}">
+              <a14:hiddenFill xmlns:a14="http://schemas.microsoft.com/office/drawing/2010/main">
+                <a:solidFill>
+                  <a:srgbClr val="FFFFFF"/>
+                </a:solidFill>
+              </a14:hiddenFill>
+            </a:ext>
+          </a:extLst>
+        </p:spPr>
+      </p:pic>
+      <p:pic>
+        <p:nvPicPr>
+          <p:cNvPr id="1028" name="Picture 4">
+            <a:extLst>
+              <a:ext uri="{FF2B5EF4-FFF2-40B4-BE49-F238E27FC236}">
+                <a16:creationId xmlns:a16="http://schemas.microsoft.com/office/drawing/2014/main" id="{9E8BE22A-CA1C-A8AA-4175-CBC9FD6C3EAD}"/>
+              </a:ext>
+            </a:extLst>
+          </p:cNvPr>
+          <p:cNvPicPr>
+            <a:picLocks noChangeAspect="1" noChangeArrowheads="1"/>
+          </p:cNvPicPr>
+          <p:nvPr/>
+        </p:nvPicPr>
+        <p:blipFill>
+          <a:blip r:embed="rId5">
+            <a:extLst>
+              <a:ext uri="{28A0092B-C50C-407E-A947-70E740481C1C}">
+                <a14:useLocalDpi xmlns:a14="http://schemas.microsoft.com/office/drawing/2010/main" val="0"/>
+              </a:ext>
+            </a:extLst>
+          </a:blip>
+          <a:srcRect/>
+          <a:stretch>
+            <a:fillRect/>
+          </a:stretch>
+        </p:blipFill>
+        <p:spPr bwMode="auto">
+          <a:xfrm>
+            <a:off x="1905000" y="3611728"/>
+            <a:ext cx="1542194" cy="305529"/>
+          </a:xfrm>
+          <a:prstGeom prst="rect">
+            <a:avLst/>
+          </a:prstGeom>
+          <a:noFill/>
+          <a:extLst>
+            <a:ext uri="{909E8E84-426E-40DD-AFC4-6F175D3DCCD1}">
+              <a14:hiddenFill xmlns:a14="http://schemas.microsoft.com/office/drawing/2010/main">
+                <a:solidFill>
+                  <a:srgbClr val="FFFFFF"/>
+                </a:solidFill>
+              </a14:hiddenFill>
+            </a:ext>
+          </a:extLst>
+        </p:spPr>
+      </p:pic>
+      <p:pic>
+        <p:nvPicPr>
+          <p:cNvPr id="1029" name="Picture 5">
+            <a:extLst>
+              <a:ext uri="{FF2B5EF4-FFF2-40B4-BE49-F238E27FC236}">
+                <a16:creationId xmlns:a16="http://schemas.microsoft.com/office/drawing/2014/main" id="{24BBC78B-5F5A-AC9E-6DD8-9F3FFD1F1895}"/>
+              </a:ext>
+            </a:extLst>
+          </p:cNvPr>
+          <p:cNvPicPr>
+            <a:picLocks noChangeAspect="1" noChangeArrowheads="1"/>
+          </p:cNvPicPr>
+          <p:nvPr/>
+        </p:nvPicPr>
+        <p:blipFill>
+          <a:blip r:embed="rId6">
+            <a:extLst>
+              <a:ext uri="{28A0092B-C50C-407E-A947-70E740481C1C}">
+                <a14:useLocalDpi xmlns:a14="http://schemas.microsoft.com/office/drawing/2010/main" val="0"/>
+              </a:ext>
+            </a:extLst>
+          </a:blip>
+          <a:srcRect/>
+          <a:stretch>
+            <a:fillRect/>
+          </a:stretch>
+        </p:blipFill>
+        <p:spPr bwMode="auto">
+          <a:xfrm>
+            <a:off x="931273" y="4215887"/>
+            <a:ext cx="5317569" cy="1035050"/>
+          </a:xfrm>
+          <a:prstGeom prst="rect">
+            <a:avLst/>
+          </a:prstGeom>
+          <a:noFill/>
+          <a:extLst>
+            <a:ext uri="{909E8E84-426E-40DD-AFC4-6F175D3DCCD1}">
+              <a14:hiddenFill xmlns:a14="http://schemas.microsoft.com/office/drawing/2010/main">
+                <a:solidFill>
+                  <a:srgbClr val="FFFFFF"/>
+                </a:solidFill>
+              </a14:hiddenFill>
+            </a:ext>
+          </a:extLst>
+        </p:spPr>
+      </p:pic>
+    </p:spTree>
+    <p:extLst>
+      <p:ext uri="{BB962C8B-B14F-4D97-AF65-F5344CB8AC3E}">
+        <p14:creationId xmlns:p14="http://schemas.microsoft.com/office/powerpoint/2010/main" val="3361127032"/>
+      </p:ext>
+    </p:extLst>
+  </p:cSld>
+  <p:clrMapOvr>
+    <a:masterClrMapping/>
+  </p:clrMapOvr>
+</p:sld>
+</file>
+
+<file path=ppt/slides/slide27.xml><?xml version="1.0" encoding="utf-8"?>
+<p:sld xmlns:a="http://schemas.openxmlformats.org/drawingml/2006/main" xmlns:r="http://schemas.openxmlformats.org/officeDocument/2006/relationships" xmlns:p="http://schemas.openxmlformats.org/presentationml/2006/main">
+  <p:cSld>
+    <p:spTree>
+      <p:nvGrpSpPr>
+        <p:cNvPr id="1" name="">
+          <a:extLst>
+            <a:ext uri="{FF2B5EF4-FFF2-40B4-BE49-F238E27FC236}">
+              <a16:creationId xmlns:a16="http://schemas.microsoft.com/office/drawing/2014/main" id="{45A4AD16-8A15-8A22-B11C-F4E2A32316B8}"/>
+            </a:ext>
+          </a:extLst>
+        </p:cNvPr>
+        <p:cNvGrpSpPr/>
+        <p:nvPr/>
+      </p:nvGrpSpPr>
+      <p:grpSpPr>
+        <a:xfrm>
+          <a:off x="0" y="0"/>
+          <a:ext cx="0" cy="0"/>
+          <a:chOff x="0" y="0"/>
+          <a:chExt cx="0" cy="0"/>
+        </a:xfrm>
+      </p:grpSpPr>
+      <p:sp>
+        <p:nvSpPr>
+          <p:cNvPr id="10" name="Titolo 9">
+            <a:extLst>
+              <a:ext uri="{FF2B5EF4-FFF2-40B4-BE49-F238E27FC236}">
+                <a16:creationId xmlns:a16="http://schemas.microsoft.com/office/drawing/2014/main" id="{7FF42376-D3E7-3274-A1F2-0D3F470D7AE5}"/>
+              </a:ext>
+            </a:extLst>
+          </p:cNvPr>
+          <p:cNvSpPr>
+            <a:spLocks noGrp="1"/>
+          </p:cNvSpPr>
+          <p:nvPr>
+            <p:ph type="title"/>
+          </p:nvPr>
+        </p:nvSpPr>
+        <p:spPr>
+          <a:xfrm>
+            <a:off x="762000" y="457200"/>
+            <a:ext cx="10210800" cy="1077218"/>
+          </a:xfrm>
+        </p:spPr>
+        <p:txBody>
+          <a:bodyPr/>
+          <a:lstStyle/>
+          <a:p>
+            <a:r>
+              <a:rPr lang="en-GB" noProof="0" dirty="0">
+                <a:latin typeface="Arial Black" panose="020B0A04020102020204" pitchFamily="34" charset="0"/>
+              </a:rPr>
+              <a:t>Practical implementation –  </a:t>
+            </a:r>
+            <a:br>
+              <a:rPr lang="en-GB" noProof="0" dirty="0">
+                <a:latin typeface="Arial Black" panose="020B0A04020102020204" pitchFamily="34" charset="0"/>
+              </a:rPr>
+            </a:br>
+            <a:r>
+              <a:rPr lang="en-GB" dirty="0">
+                <a:latin typeface="Arial Black" panose="020B0A04020102020204" pitchFamily="34" charset="0"/>
+              </a:rPr>
+              <a:t>implementation of offset- free MPC</a:t>
+            </a:r>
+            <a:endParaRPr lang="en-GB" noProof="0" dirty="0">
+              <a:latin typeface="Arial Black" panose="020B0A04020102020204" pitchFamily="34" charset="0"/>
+            </a:endParaRPr>
+          </a:p>
+        </p:txBody>
+      </p:sp>
+      <p:sp>
+        <p:nvSpPr>
+          <p:cNvPr id="2" name="CasellaDiTesto 1">
+            <a:extLst>
+              <a:ext uri="{FF2B5EF4-FFF2-40B4-BE49-F238E27FC236}">
+                <a16:creationId xmlns:a16="http://schemas.microsoft.com/office/drawing/2014/main" id="{AA5965C0-627E-5C63-B066-405971830B85}"/>
+              </a:ext>
+            </a:extLst>
+          </p:cNvPr>
+          <p:cNvSpPr txBox="1"/>
+          <p:nvPr/>
+        </p:nvSpPr>
+        <p:spPr>
+          <a:xfrm>
+            <a:off x="762000" y="1676400"/>
+            <a:ext cx="10399210" cy="4154984"/>
+          </a:xfrm>
+          <a:prstGeom prst="rect">
+            <a:avLst/>
+          </a:prstGeom>
+          <a:noFill/>
+        </p:spPr>
+        <p:txBody>
+          <a:bodyPr wrap="square">
+            <a:spAutoFit/>
+          </a:bodyPr>
+          <a:lstStyle/>
+          <a:p>
+            <a:pPr algn="just"/>
+            <a:r>
+              <a:rPr lang="en-US" sz="2400" dirty="0"/>
+              <a:t>In addition to the steady-state feedforward correction, our implementation also includes an optional integral correction of the tracking error. </a:t>
+            </a:r>
+          </a:p>
+          <a:p>
+            <a:pPr algn="just"/>
+            <a:r>
+              <a:rPr lang="en-US" sz="2400" dirty="0"/>
+              <a:t>This mechanism accumulates the output–reference mismatch over time and injects the resulting integral term into the predictive error vector.</a:t>
+            </a:r>
+          </a:p>
+          <a:p>
+            <a:pPr algn="just"/>
+            <a:endParaRPr lang="en-US" sz="2400" dirty="0"/>
+          </a:p>
+          <a:p>
+            <a:pPr algn="just"/>
+            <a:r>
+              <a:rPr lang="en-US" sz="2400" dirty="0"/>
+              <a:t>The integral correction can be enabled or disabled without modifying the core SPC structure, allowing a direct comparison between purely predictive and enhanced tracking configurations.</a:t>
+            </a:r>
+          </a:p>
+          <a:p>
+            <a:pPr algn="just"/>
+            <a:endParaRPr lang="en-US" sz="2400" dirty="0"/>
+          </a:p>
+          <a:p>
+            <a:pPr algn="just"/>
+            <a:endParaRPr lang="it-IT" sz="2400" dirty="0">
+              <a:latin typeface="Arial" panose="020B0604020202020204" pitchFamily="34" charset="0"/>
+              <a:cs typeface="Arial" panose="020B0604020202020204" pitchFamily="34" charset="0"/>
+            </a:endParaRPr>
+          </a:p>
+          <a:p>
+            <a:pPr algn="just"/>
+            <a:endParaRPr lang="en-US" sz="2400" dirty="0"/>
+          </a:p>
+        </p:txBody>
+      </p:sp>
+    </p:spTree>
+    <p:extLst>
+      <p:ext uri="{BB962C8B-B14F-4D97-AF65-F5344CB8AC3E}">
+        <p14:creationId xmlns:p14="http://schemas.microsoft.com/office/powerpoint/2010/main" val="2367912519"/>
+      </p:ext>
+    </p:extLst>
+  </p:cSld>
+  <p:clrMapOvr>
+    <a:masterClrMapping/>
+  </p:clrMapOvr>
+</p:sld>
+</file>
+
+<file path=ppt/slides/slide28.xml><?xml version="1.0" encoding="utf-8"?>
 <p:sld xmlns:a="http://schemas.openxmlformats.org/drawingml/2006/main" xmlns:r="http://schemas.openxmlformats.org/officeDocument/2006/relationships" xmlns:p="http://schemas.openxmlformats.org/presentationml/2006/main">
   <p:cSld>
     <p:spTree>
@@ -9873,8 +10614,8 @@
         </p:nvSpPr>
         <p:spPr>
           <a:xfrm>
-            <a:off x="762000" y="1676400"/>
-            <a:ext cx="10134600" cy="830997"/>
+            <a:off x="762000" y="1683603"/>
+            <a:ext cx="10134600" cy="4154984"/>
           </a:xfrm>
           <a:prstGeom prst="rect">
             <a:avLst/>
@@ -9888,7 +10629,17 @@
           <a:lstStyle/>
           <a:p>
             <a:pPr algn="just"/>
-            <a:endParaRPr lang="en-GB" sz="2400" noProof="0" dirty="0">
+            <a:r>
+              <a:rPr lang="en-GB" sz="2400" noProof="0" dirty="0">
+                <a:latin typeface="Arial" panose="020B0604020202020204" pitchFamily="34" charset="0"/>
+                <a:cs typeface="Arial" panose="020B0604020202020204" pitchFamily="34" charset="0"/>
+              </a:rPr>
+              <a:t>Using a step reference signal:</a:t>
+            </a:r>
+          </a:p>
+          <a:p>
+            <a:pPr algn="just"/>
+            <a:endParaRPr lang="en-GB" sz="2400" dirty="0">
               <a:latin typeface="Arial" panose="020B0604020202020204" pitchFamily="34" charset="0"/>
               <a:cs typeface="Arial" panose="020B0604020202020204" pitchFamily="34" charset="0"/>
             </a:endParaRPr>
@@ -9900,8 +10651,139 @@
               <a:cs typeface="Arial" panose="020B0604020202020204" pitchFamily="34" charset="0"/>
             </a:endParaRPr>
           </a:p>
+          <a:p>
+            <a:pPr algn="just"/>
+            <a:endParaRPr lang="en-GB" sz="2400" dirty="0">
+              <a:latin typeface="Arial" panose="020B0604020202020204" pitchFamily="34" charset="0"/>
+              <a:cs typeface="Arial" panose="020B0604020202020204" pitchFamily="34" charset="0"/>
+            </a:endParaRPr>
+          </a:p>
+          <a:p>
+            <a:pPr algn="just"/>
+            <a:endParaRPr lang="en-GB" sz="2400" noProof="0" dirty="0">
+              <a:latin typeface="Arial" panose="020B0604020202020204" pitchFamily="34" charset="0"/>
+              <a:cs typeface="Arial" panose="020B0604020202020204" pitchFamily="34" charset="0"/>
+            </a:endParaRPr>
+          </a:p>
+          <a:p>
+            <a:pPr algn="just"/>
+            <a:endParaRPr lang="en-GB" sz="2400" dirty="0">
+              <a:latin typeface="Arial" panose="020B0604020202020204" pitchFamily="34" charset="0"/>
+              <a:cs typeface="Arial" panose="020B0604020202020204" pitchFamily="34" charset="0"/>
+            </a:endParaRPr>
+          </a:p>
+          <a:p>
+            <a:pPr algn="just"/>
+            <a:endParaRPr lang="en-GB" sz="2400" noProof="0" dirty="0">
+              <a:latin typeface="Arial" panose="020B0604020202020204" pitchFamily="34" charset="0"/>
+              <a:cs typeface="Arial" panose="020B0604020202020204" pitchFamily="34" charset="0"/>
+            </a:endParaRPr>
+          </a:p>
+          <a:p>
+            <a:pPr algn="just"/>
+            <a:endParaRPr lang="en-GB" sz="2400" dirty="0">
+              <a:latin typeface="Arial" panose="020B0604020202020204" pitchFamily="34" charset="0"/>
+              <a:cs typeface="Arial" panose="020B0604020202020204" pitchFamily="34" charset="0"/>
+            </a:endParaRPr>
+          </a:p>
+          <a:p>
+            <a:pPr algn="just"/>
+            <a:endParaRPr lang="en-GB" sz="2400" dirty="0">
+              <a:latin typeface="Arial" panose="020B0604020202020204" pitchFamily="34" charset="0"/>
+              <a:cs typeface="Arial" panose="020B0604020202020204" pitchFamily="34" charset="0"/>
+            </a:endParaRPr>
+          </a:p>
+          <a:p>
+            <a:pPr algn="just"/>
+            <a:endParaRPr lang="en-GB" sz="2400" dirty="0">
+              <a:latin typeface="Arial" panose="020B0604020202020204" pitchFamily="34" charset="0"/>
+              <a:cs typeface="Arial" panose="020B0604020202020204" pitchFamily="34" charset="0"/>
+            </a:endParaRPr>
+          </a:p>
+          <a:p>
+            <a:pPr algn="just"/>
+            <a:r>
+              <a:rPr lang="en-GB" sz="2400" noProof="0" dirty="0">
+                <a:latin typeface="Arial" panose="020B0604020202020204" pitchFamily="34" charset="0"/>
+                <a:cs typeface="Arial" panose="020B0604020202020204" pitchFamily="34" charset="0"/>
+              </a:rPr>
+              <a:t>The tracking is almost perfect, only disturbed by stochastic noise.</a:t>
+            </a:r>
+          </a:p>
         </p:txBody>
       </p:sp>
+      <p:pic>
+        <p:nvPicPr>
+          <p:cNvPr id="3" name="Immagine 2" descr="Immagine che contiene linea, Diagramma, testo, diagramma&#10;&#10;Il contenuto generato dall'IA potrebbe non essere corretto.">
+            <a:extLst>
+              <a:ext uri="{FF2B5EF4-FFF2-40B4-BE49-F238E27FC236}">
+                <a16:creationId xmlns:a16="http://schemas.microsoft.com/office/drawing/2014/main" id="{2D3BDCFF-D4BD-141E-F866-A92DB4476798}"/>
+              </a:ext>
+            </a:extLst>
+          </p:cNvPr>
+          <p:cNvPicPr>
+            <a:picLocks noChangeAspect="1"/>
+          </p:cNvPicPr>
+          <p:nvPr/>
+        </p:nvPicPr>
+        <p:blipFill>
+          <a:blip r:embed="rId2">
+            <a:extLst>
+              <a:ext uri="{28A0092B-C50C-407E-A947-70E740481C1C}">
+                <a14:useLocalDpi xmlns:a14="http://schemas.microsoft.com/office/drawing/2010/main" val="0"/>
+              </a:ext>
+            </a:extLst>
+          </a:blip>
+          <a:stretch>
+            <a:fillRect/>
+          </a:stretch>
+        </p:blipFill>
+        <p:spPr>
+          <a:xfrm>
+            <a:off x="5867400" y="2289210"/>
+            <a:ext cx="5562600" cy="2493953"/>
+          </a:xfrm>
+          <a:prstGeom prst="rect">
+            <a:avLst/>
+          </a:prstGeom>
+        </p:spPr>
+      </p:pic>
+      <p:pic>
+        <p:nvPicPr>
+          <p:cNvPr id="6" name="Immagine 5" descr="Immagine che contiene linea, testo, Diagramma, schermata&#10;&#10;Il contenuto generato dall'IA potrebbe non essere corretto.">
+            <a:extLst>
+              <a:ext uri="{FF2B5EF4-FFF2-40B4-BE49-F238E27FC236}">
+                <a16:creationId xmlns:a16="http://schemas.microsoft.com/office/drawing/2014/main" id="{B1463022-4DBB-6D95-40A7-33491BED0AEE}"/>
+              </a:ext>
+            </a:extLst>
+          </p:cNvPr>
+          <p:cNvPicPr>
+            <a:picLocks noChangeAspect="1"/>
+          </p:cNvPicPr>
+          <p:nvPr/>
+        </p:nvPicPr>
+        <p:blipFill>
+          <a:blip r:embed="rId3">
+            <a:extLst>
+              <a:ext uri="{28A0092B-C50C-407E-A947-70E740481C1C}">
+                <a14:useLocalDpi xmlns:a14="http://schemas.microsoft.com/office/drawing/2010/main" val="0"/>
+              </a:ext>
+            </a:extLst>
+          </a:blip>
+          <a:stretch>
+            <a:fillRect/>
+          </a:stretch>
+        </p:blipFill>
+        <p:spPr>
+          <a:xfrm>
+            <a:off x="762000" y="2438400"/>
+            <a:ext cx="5334000" cy="2245629"/>
+          </a:xfrm>
+          <a:prstGeom prst="rect">
+            <a:avLst/>
+          </a:prstGeom>
+        </p:spPr>
+      </p:pic>
     </p:spTree>
     <p:extLst>
       <p:ext uri="{BB962C8B-B14F-4D97-AF65-F5344CB8AC3E}">
@@ -9915,7 +10797,7 @@
 </p:sld>
 </file>
 
-<file path=ppt/slides/slide27.xml><?xml version="1.0" encoding="utf-8"?>
+<file path=ppt/slides/slide29.xml><?xml version="1.0" encoding="utf-8"?>
 <p:sld xmlns:a="http://schemas.openxmlformats.org/drawingml/2006/main" xmlns:r="http://schemas.openxmlformats.org/officeDocument/2006/relationships" xmlns:p="http://schemas.openxmlformats.org/presentationml/2006/main">
   <p:cSld>
     <p:spTree>
@@ -9923,7 +10805,7 @@
         <p:cNvPr id="1" name="">
           <a:extLst>
             <a:ext uri="{FF2B5EF4-FFF2-40B4-BE49-F238E27FC236}">
-              <a16:creationId xmlns:a16="http://schemas.microsoft.com/office/drawing/2014/main" id="{67FFD052-A6E4-4EA3-40C9-0D7F9ED82C6C}"/>
+              <a16:creationId xmlns:a16="http://schemas.microsoft.com/office/drawing/2014/main" id="{615B17CF-CDD7-81A6-5C0C-43E43637BFB5}"/>
             </a:ext>
           </a:extLst>
         </p:cNvPr>
@@ -9943,7 +10825,7 @@
           <p:cNvPr id="10" name="Titolo 9">
             <a:extLst>
               <a:ext uri="{FF2B5EF4-FFF2-40B4-BE49-F238E27FC236}">
-                <a16:creationId xmlns:a16="http://schemas.microsoft.com/office/drawing/2014/main" id="{14853C74-3D76-BB45-5EBD-2082D50CCEE3}"/>
+                <a16:creationId xmlns:a16="http://schemas.microsoft.com/office/drawing/2014/main" id="{34C69089-9E32-82AC-0B96-B3B0EF281400}"/>
               </a:ext>
             </a:extLst>
           </p:cNvPr>
@@ -9957,7 +10839,7 @@
         <p:spPr>
           <a:xfrm>
             <a:off x="762000" y="457200"/>
-            <a:ext cx="8991600" cy="538609"/>
+            <a:ext cx="10210800" cy="1077218"/>
           </a:xfrm>
         </p:spPr>
         <p:txBody>
@@ -9968,7 +10850,18 @@
               <a:rPr lang="en-GB" noProof="0" dirty="0">
                 <a:latin typeface="Arial Black" panose="020B0A04020102020204" pitchFamily="34" charset="0"/>
               </a:rPr>
-              <a:t>Results</a:t>
+              <a:t>Practical implementation –  </a:t>
+            </a:r>
+            <a:br>
+              <a:rPr lang="en-GB" noProof="0" dirty="0">
+                <a:latin typeface="Arial Black" panose="020B0A04020102020204" pitchFamily="34" charset="0"/>
+              </a:rPr>
+            </a:br>
+            <a:r>
+              <a:rPr lang="en-GB" noProof="0" dirty="0">
+                <a:latin typeface="Arial Black" panose="020B0A04020102020204" pitchFamily="34" charset="0"/>
+              </a:rPr>
+              <a:t>improved SPC control results</a:t>
             </a:r>
           </a:p>
         </p:txBody>
@@ -9978,7 +10871,7 @@
           <p:cNvPr id="4" name="CasellaDiTesto 3">
             <a:extLst>
               <a:ext uri="{FF2B5EF4-FFF2-40B4-BE49-F238E27FC236}">
-                <a16:creationId xmlns:a16="http://schemas.microsoft.com/office/drawing/2014/main" id="{D2E4F1D8-6E3E-1635-DEBC-9C2A6FBDE9CC}"/>
+                <a16:creationId xmlns:a16="http://schemas.microsoft.com/office/drawing/2014/main" id="{0C0132A7-3185-3878-7CA4-EA9F8126596B}"/>
               </a:ext>
             </a:extLst>
           </p:cNvPr>
@@ -9988,7 +10881,7 @@
         <p:spPr>
           <a:xfrm>
             <a:off x="762000" y="1676400"/>
-            <a:ext cx="9677400" cy="2308324"/>
+            <a:ext cx="10134600" cy="4154984"/>
           </a:xfrm>
           <a:prstGeom prst="rect">
             <a:avLst/>
@@ -10003,12 +10896,19 @@
           <a:p>
             <a:pPr algn="just"/>
             <a:r>
-              <a:rPr lang="en-GB" sz="2400" i="1" noProof="0" dirty="0">
+              <a:rPr lang="en-GB" sz="2400" noProof="0" dirty="0">
                 <a:latin typeface="Arial" panose="020B0604020202020204" pitchFamily="34" charset="0"/>
                 <a:cs typeface="Arial" panose="020B0604020202020204" pitchFamily="34" charset="0"/>
               </a:rPr>
-              <a:t>Note: while the paper does not treat the identification of residuals per se, the algorithm can be used to build a controller that somewhat counteracts disturbances or faults on the system, if rt is set to the desired plant output.</a:t>
-            </a:r>
+              <a:t>Using a sine reference signal:</a:t>
+            </a:r>
+          </a:p>
+          <a:p>
+            <a:pPr algn="just"/>
+            <a:endParaRPr lang="en-GB" sz="2400" dirty="0">
+              <a:latin typeface="Arial" panose="020B0604020202020204" pitchFamily="34" charset="0"/>
+              <a:cs typeface="Arial" panose="020B0604020202020204" pitchFamily="34" charset="0"/>
+            </a:endParaRPr>
           </a:p>
           <a:p>
             <a:pPr algn="just"/>
@@ -10019,17 +10919,141 @@
           </a:p>
           <a:p>
             <a:pPr algn="just"/>
+            <a:endParaRPr lang="en-GB" sz="2400" dirty="0">
+              <a:latin typeface="Arial" panose="020B0604020202020204" pitchFamily="34" charset="0"/>
+              <a:cs typeface="Arial" panose="020B0604020202020204" pitchFamily="34" charset="0"/>
+            </a:endParaRPr>
+          </a:p>
+          <a:p>
+            <a:pPr algn="just"/>
             <a:endParaRPr lang="en-GB" sz="2400" noProof="0" dirty="0">
               <a:latin typeface="Arial" panose="020B0604020202020204" pitchFamily="34" charset="0"/>
               <a:cs typeface="Arial" panose="020B0604020202020204" pitchFamily="34" charset="0"/>
             </a:endParaRPr>
           </a:p>
+          <a:p>
+            <a:pPr algn="just"/>
+            <a:endParaRPr lang="en-GB" sz="2400" dirty="0">
+              <a:latin typeface="Arial" panose="020B0604020202020204" pitchFamily="34" charset="0"/>
+              <a:cs typeface="Arial" panose="020B0604020202020204" pitchFamily="34" charset="0"/>
+            </a:endParaRPr>
+          </a:p>
+          <a:p>
+            <a:pPr algn="just"/>
+            <a:endParaRPr lang="en-GB" sz="2400" noProof="0" dirty="0">
+              <a:latin typeface="Arial" panose="020B0604020202020204" pitchFamily="34" charset="0"/>
+              <a:cs typeface="Arial" panose="020B0604020202020204" pitchFamily="34" charset="0"/>
+            </a:endParaRPr>
+          </a:p>
+          <a:p>
+            <a:pPr algn="just"/>
+            <a:endParaRPr lang="en-GB" sz="2400" dirty="0">
+              <a:latin typeface="Arial" panose="020B0604020202020204" pitchFamily="34" charset="0"/>
+              <a:cs typeface="Arial" panose="020B0604020202020204" pitchFamily="34" charset="0"/>
+            </a:endParaRPr>
+          </a:p>
+          <a:p>
+            <a:pPr algn="just"/>
+            <a:endParaRPr lang="en-GB" sz="2400" noProof="0" dirty="0">
+              <a:latin typeface="Arial" panose="020B0604020202020204" pitchFamily="34" charset="0"/>
+              <a:cs typeface="Arial" panose="020B0604020202020204" pitchFamily="34" charset="0"/>
+            </a:endParaRPr>
+          </a:p>
+          <a:p>
+            <a:pPr algn="just"/>
+            <a:endParaRPr lang="en-GB" sz="2400" dirty="0">
+              <a:latin typeface="Arial" panose="020B0604020202020204" pitchFamily="34" charset="0"/>
+              <a:cs typeface="Arial" panose="020B0604020202020204" pitchFamily="34" charset="0"/>
+            </a:endParaRPr>
+          </a:p>
+          <a:p>
+            <a:pPr algn="just"/>
+            <a:r>
+              <a:rPr lang="en-GB" sz="2400" noProof="0" dirty="0">
+                <a:latin typeface="Arial" panose="020B0604020202020204" pitchFamily="34" charset="0"/>
+                <a:cs typeface="Arial" panose="020B0604020202020204" pitchFamily="34" charset="0"/>
+              </a:rPr>
+              <a:t>The tracking is almost perfect, only disturbed by stochastic noise.</a:t>
+            </a:r>
+          </a:p>
         </p:txBody>
       </p:sp>
+      <p:pic>
+        <p:nvPicPr>
+          <p:cNvPr id="3" name="Immagine 2" descr="Immagine che contiene linea, Diagramma, diagramma, testo&#10;&#10;Il contenuto generato dall'IA potrebbe non essere corretto.">
+            <a:extLst>
+              <a:ext uri="{FF2B5EF4-FFF2-40B4-BE49-F238E27FC236}">
+                <a16:creationId xmlns:a16="http://schemas.microsoft.com/office/drawing/2014/main" id="{2346FF6E-621D-0A0D-E9E1-2EB62F332A35}"/>
+              </a:ext>
+            </a:extLst>
+          </p:cNvPr>
+          <p:cNvPicPr>
+            <a:picLocks noChangeAspect="1"/>
+          </p:cNvPicPr>
+          <p:nvPr/>
+        </p:nvPicPr>
+        <p:blipFill>
+          <a:blip r:embed="rId2">
+            <a:extLst>
+              <a:ext uri="{28A0092B-C50C-407E-A947-70E740481C1C}">
+                <a14:useLocalDpi xmlns:a14="http://schemas.microsoft.com/office/drawing/2010/main" val="0"/>
+              </a:ext>
+            </a:extLst>
+          </a:blip>
+          <a:stretch>
+            <a:fillRect/>
+          </a:stretch>
+        </p:blipFill>
+        <p:spPr>
+          <a:xfrm>
+            <a:off x="5867401" y="2362201"/>
+            <a:ext cx="5205129" cy="2373908"/>
+          </a:xfrm>
+          <a:prstGeom prst="rect">
+            <a:avLst/>
+          </a:prstGeom>
+        </p:spPr>
+      </p:pic>
+      <p:pic>
+        <p:nvPicPr>
+          <p:cNvPr id="6" name="Immagine 5" descr="Immagine che contiene testo, linea, diagramma, Diagramma&#10;&#10;Il contenuto generato dall'IA potrebbe non essere corretto.">
+            <a:extLst>
+              <a:ext uri="{FF2B5EF4-FFF2-40B4-BE49-F238E27FC236}">
+                <a16:creationId xmlns:a16="http://schemas.microsoft.com/office/drawing/2014/main" id="{148E3EBB-CAD0-1CB1-0513-CB5D2BDCD11E}"/>
+              </a:ext>
+            </a:extLst>
+          </p:cNvPr>
+          <p:cNvPicPr>
+            <a:picLocks noChangeAspect="1"/>
+          </p:cNvPicPr>
+          <p:nvPr/>
+        </p:nvPicPr>
+        <p:blipFill>
+          <a:blip r:embed="rId3">
+            <a:extLst>
+              <a:ext uri="{28A0092B-C50C-407E-A947-70E740481C1C}">
+                <a14:useLocalDpi xmlns:a14="http://schemas.microsoft.com/office/drawing/2010/main" val="0"/>
+              </a:ext>
+            </a:extLst>
+          </a:blip>
+          <a:stretch>
+            <a:fillRect/>
+          </a:stretch>
+        </p:blipFill>
+        <p:spPr>
+          <a:xfrm>
+            <a:off x="762001" y="2362201"/>
+            <a:ext cx="5105400" cy="2222588"/>
+          </a:xfrm>
+          <a:prstGeom prst="rect">
+            <a:avLst/>
+          </a:prstGeom>
+        </p:spPr>
+      </p:pic>
     </p:spTree>
     <p:extLst>
       <p:ext uri="{BB962C8B-B14F-4D97-AF65-F5344CB8AC3E}">
-        <p14:creationId xmlns:p14="http://schemas.microsoft.com/office/powerpoint/2010/main" val="2274619447"/>
+        <p14:creationId xmlns:p14="http://schemas.microsoft.com/office/powerpoint/2010/main" val="1412729682"/>
       </p:ext>
     </p:extLst>
   </p:cSld>
@@ -11536,6 +12560,237 @@
     <p:extLst>
       <p:ext uri="{BB962C8B-B14F-4D97-AF65-F5344CB8AC3E}">
         <p14:creationId xmlns:p14="http://schemas.microsoft.com/office/powerpoint/2010/main" val="948229098"/>
+      </p:ext>
+    </p:extLst>
+  </p:cSld>
+  <p:clrMapOvr>
+    <a:masterClrMapping/>
+  </p:clrMapOvr>
+</p:sld>
+</file>
+
+<file path=ppt/slides/slide30.xml><?xml version="1.0" encoding="utf-8"?>
+<p:sld xmlns:a="http://schemas.openxmlformats.org/drawingml/2006/main" xmlns:r="http://schemas.openxmlformats.org/officeDocument/2006/relationships" xmlns:p="http://schemas.openxmlformats.org/presentationml/2006/main">
+  <p:cSld>
+    <p:spTree>
+      <p:nvGrpSpPr>
+        <p:cNvPr id="1" name="">
+          <a:extLst>
+            <a:ext uri="{FF2B5EF4-FFF2-40B4-BE49-F238E27FC236}">
+              <a16:creationId xmlns:a16="http://schemas.microsoft.com/office/drawing/2014/main" id="{67FFD052-A6E4-4EA3-40C9-0D7F9ED82C6C}"/>
+            </a:ext>
+          </a:extLst>
+        </p:cNvPr>
+        <p:cNvGrpSpPr/>
+        <p:nvPr/>
+      </p:nvGrpSpPr>
+      <p:grpSpPr>
+        <a:xfrm>
+          <a:off x="0" y="0"/>
+          <a:ext cx="0" cy="0"/>
+          <a:chOff x="0" y="0"/>
+          <a:chExt cx="0" cy="0"/>
+        </a:xfrm>
+      </p:grpSpPr>
+      <p:sp>
+        <p:nvSpPr>
+          <p:cNvPr id="10" name="Titolo 9">
+            <a:extLst>
+              <a:ext uri="{FF2B5EF4-FFF2-40B4-BE49-F238E27FC236}">
+                <a16:creationId xmlns:a16="http://schemas.microsoft.com/office/drawing/2014/main" id="{14853C74-3D76-BB45-5EBD-2082D50CCEE3}"/>
+              </a:ext>
+            </a:extLst>
+          </p:cNvPr>
+          <p:cNvSpPr>
+            <a:spLocks noGrp="1"/>
+          </p:cNvSpPr>
+          <p:nvPr>
+            <p:ph type="title"/>
+          </p:nvPr>
+        </p:nvSpPr>
+        <p:spPr>
+          <a:xfrm>
+            <a:off x="762000" y="457200"/>
+            <a:ext cx="8991600" cy="538609"/>
+          </a:xfrm>
+        </p:spPr>
+        <p:txBody>
+          <a:bodyPr/>
+          <a:lstStyle/>
+          <a:p>
+            <a:r>
+              <a:rPr lang="en-GB" noProof="0" dirty="0">
+                <a:latin typeface="Arial Black" panose="020B0A04020102020204" pitchFamily="34" charset="0"/>
+              </a:rPr>
+              <a:t>Final considerations</a:t>
+            </a:r>
+          </a:p>
+        </p:txBody>
+      </p:sp>
+      <mc:AlternateContent xmlns:mc="http://schemas.openxmlformats.org/markup-compatibility/2006">
+        <mc:Choice xmlns:a14="http://schemas.microsoft.com/office/drawing/2010/main" Requires="a14">
+          <p:sp>
+            <p:nvSpPr>
+              <p:cNvPr id="4" name="CasellaDiTesto 3">
+                <a:extLst>
+                  <a:ext uri="{FF2B5EF4-FFF2-40B4-BE49-F238E27FC236}">
+                    <a16:creationId xmlns:a16="http://schemas.microsoft.com/office/drawing/2014/main" id="{D2E4F1D8-6E3E-1635-DEBC-9C2A6FBDE9CC}"/>
+                  </a:ext>
+                </a:extLst>
+              </p:cNvPr>
+              <p:cNvSpPr txBox="1"/>
+              <p:nvPr/>
+            </p:nvSpPr>
+            <p:spPr>
+              <a:xfrm>
+                <a:off x="762000" y="1676400"/>
+                <a:ext cx="9677400" cy="4154984"/>
+              </a:xfrm>
+              <a:prstGeom prst="rect">
+                <a:avLst/>
+              </a:prstGeom>
+              <a:noFill/>
+            </p:spPr>
+            <p:txBody>
+              <a:bodyPr wrap="square">
+                <a:spAutoFit/>
+              </a:bodyPr>
+              <a:lstStyle/>
+              <a:p>
+                <a:pPr algn="just"/>
+                <a:r>
+                  <a:rPr lang="en-GB" sz="2400" dirty="0">
+                    <a:latin typeface="Arial" panose="020B0604020202020204" pitchFamily="34" charset="0"/>
+                    <a:cs typeface="Arial" panose="020B0604020202020204" pitchFamily="34" charset="0"/>
+                  </a:rPr>
+                  <a:t>The SPC method manages to blend two very useful algorithms into one without resulting too complex; as presented in the original paper, this algorithm is able to estimate the system parameters very precisely, but struggles in the tracking phase.</a:t>
+                </a:r>
+              </a:p>
+              <a:p>
+                <a:pPr algn="just"/>
+                <a:r>
+                  <a:rPr lang="en-GB" sz="2400" dirty="0">
+                    <a:latin typeface="Arial" panose="020B0604020202020204" pitchFamily="34" charset="0"/>
+                    <a:cs typeface="Arial" panose="020B0604020202020204" pitchFamily="34" charset="0"/>
+                  </a:rPr>
+                  <a:t>Fortunately, subsequent research has found ways to improve this aspect, resulting in a robust and straightforward approach.</a:t>
+                </a:r>
+              </a:p>
+              <a:p>
+                <a:pPr algn="just"/>
+                <a:endParaRPr lang="en-GB" sz="2400" noProof="0" dirty="0">
+                  <a:latin typeface="Arial" panose="020B0604020202020204" pitchFamily="34" charset="0"/>
+                  <a:cs typeface="Arial" panose="020B0604020202020204" pitchFamily="34" charset="0"/>
+                </a:endParaRPr>
+              </a:p>
+              <a:p>
+                <a:pPr algn="just"/>
+                <a:r>
+                  <a:rPr lang="en-GB" sz="2400" i="1" dirty="0">
+                    <a:latin typeface="Arial" panose="020B0604020202020204" pitchFamily="34" charset="0"/>
+                    <a:cs typeface="Arial" panose="020B0604020202020204" pitchFamily="34" charset="0"/>
+                  </a:rPr>
+                  <a:t>Also,</a:t>
+                </a:r>
+                <a:r>
+                  <a:rPr lang="en-GB" sz="2400" i="1" noProof="0" dirty="0">
+                    <a:latin typeface="Arial" panose="020B0604020202020204" pitchFamily="34" charset="0"/>
+                    <a:cs typeface="Arial" panose="020B0604020202020204" pitchFamily="34" charset="0"/>
+                  </a:rPr>
+                  <a:t> while the paper does not treat the identification of residuals per se, the algorithm can be used to build a controller that somewhat counteracts disturbances or faults on the system, if </a:t>
+                </a:r>
+                <a14:m>
+                  <m:oMath xmlns:m="http://schemas.openxmlformats.org/officeDocument/2006/math">
+                    <m:sSub>
+                      <m:sSubPr>
+                        <m:ctrlPr>
+                          <a:rPr lang="en-GB" sz="2400" i="1" noProof="0" smtClean="0">
+                            <a:latin typeface="Cambria Math" panose="02040503050406030204" pitchFamily="18" charset="0"/>
+                            <a:cs typeface="Arial" panose="020B0604020202020204" pitchFamily="34" charset="0"/>
+                          </a:rPr>
+                        </m:ctrlPr>
+                      </m:sSubPr>
+                      <m:e>
+                        <m:r>
+                          <a:rPr lang="it-IT" sz="2400" b="0" i="1" noProof="0" smtClean="0">
+                            <a:latin typeface="Cambria Math" panose="02040503050406030204" pitchFamily="18" charset="0"/>
+                            <a:cs typeface="Arial" panose="020B0604020202020204" pitchFamily="34" charset="0"/>
+                          </a:rPr>
+                          <m:t>𝑟</m:t>
+                        </m:r>
+                      </m:e>
+                      <m:sub>
+                        <m:r>
+                          <a:rPr lang="it-IT" sz="2400" b="0" i="1" noProof="0" smtClean="0">
+                            <a:latin typeface="Cambria Math" panose="02040503050406030204" pitchFamily="18" charset="0"/>
+                            <a:cs typeface="Arial" panose="020B0604020202020204" pitchFamily="34" charset="0"/>
+                          </a:rPr>
+                          <m:t>𝑡</m:t>
+                        </m:r>
+                      </m:sub>
+                    </m:sSub>
+                  </m:oMath>
+                </a14:m>
+                <a:r>
+                  <a:rPr lang="en-GB" sz="2400" i="1" noProof="0" dirty="0">
+                    <a:latin typeface="Arial" panose="020B0604020202020204" pitchFamily="34" charset="0"/>
+                    <a:cs typeface="Arial" panose="020B0604020202020204" pitchFamily="34" charset="0"/>
+                  </a:rPr>
+                  <a:t> is set to the desired plant output.</a:t>
+                </a:r>
+              </a:p>
+            </p:txBody>
+          </p:sp>
+        </mc:Choice>
+        <mc:Fallback>
+          <p:sp>
+            <p:nvSpPr>
+              <p:cNvPr id="4" name="CasellaDiTesto 3">
+                <a:extLst>
+                  <a:ext uri="{FF2B5EF4-FFF2-40B4-BE49-F238E27FC236}">
+                    <a16:creationId xmlns:a16="http://schemas.microsoft.com/office/drawing/2014/main" id="{D2E4F1D8-6E3E-1635-DEBC-9C2A6FBDE9CC}"/>
+                  </a:ext>
+                </a:extLst>
+              </p:cNvPr>
+              <p:cNvSpPr txBox="1">
+                <a:spLocks noRot="1" noChangeAspect="1" noMove="1" noResize="1" noEditPoints="1" noAdjustHandles="1" noChangeArrowheads="1" noChangeShapeType="1" noTextEdit="1"/>
+              </p:cNvSpPr>
+              <p:nvPr/>
+            </p:nvSpPr>
+            <p:spPr>
+              <a:xfrm>
+                <a:off x="762000" y="1676400"/>
+                <a:ext cx="9677400" cy="4154984"/>
+              </a:xfrm>
+              <a:prstGeom prst="rect">
+                <a:avLst/>
+              </a:prstGeom>
+              <a:blipFill>
+                <a:blip r:embed="rId2"/>
+                <a:stretch>
+                  <a:fillRect l="-945" t="-1026" r="-882" b="-2493"/>
+                </a:stretch>
+              </a:blipFill>
+            </p:spPr>
+            <p:txBody>
+              <a:bodyPr/>
+              <a:lstStyle/>
+              <a:p>
+                <a:r>
+                  <a:rPr lang="it-IT">
+                    <a:noFill/>
+                  </a:rPr>
+                  <a:t> </a:t>
+                </a:r>
+              </a:p>
+            </p:txBody>
+          </p:sp>
+        </mc:Fallback>
+      </mc:AlternateContent>
+    </p:spTree>
+    <p:extLst>
+      <p:ext uri="{BB962C8B-B14F-4D97-AF65-F5344CB8AC3E}">
+        <p14:creationId xmlns:p14="http://schemas.microsoft.com/office/powerpoint/2010/main" val="2274619447"/>
       </p:ext>
     </p:extLst>
   </p:cSld>

--- a/SPC_Presentation.pptx
+++ b/SPC_Presentation.pptx
@@ -5,7 +5,7 @@
     <p:sldMasterId id="2147483648" r:id="rId1"/>
   </p:sldMasterIdLst>
   <p:notesMasterIdLst>
-    <p:notesMasterId r:id="rId32"/>
+    <p:notesMasterId r:id="rId34"/>
   </p:notesMasterIdLst>
   <p:sldIdLst>
     <p:sldId id="256" r:id="rId2"/>
@@ -14,9 +14,9 @@
     <p:sldId id="352" r:id="rId5"/>
     <p:sldId id="353" r:id="rId6"/>
     <p:sldId id="337" r:id="rId7"/>
-    <p:sldId id="338" r:id="rId8"/>
+    <p:sldId id="367" r:id="rId8"/>
     <p:sldId id="341" r:id="rId9"/>
-    <p:sldId id="342" r:id="rId10"/>
+    <p:sldId id="368" r:id="rId10"/>
     <p:sldId id="343" r:id="rId11"/>
     <p:sldId id="344" r:id="rId12"/>
     <p:sldId id="345" r:id="rId13"/>
@@ -38,6 +38,8 @@
     <p:sldId id="362" r:id="rId29"/>
     <p:sldId id="365" r:id="rId30"/>
     <p:sldId id="340" r:id="rId31"/>
+    <p:sldId id="369" r:id="rId32"/>
+    <p:sldId id="370" r:id="rId33"/>
   </p:sldIdLst>
   <p:sldSz cx="12192000" cy="6858000"/>
   <p:notesSz cx="12192000" cy="6858000"/>
@@ -147,7 +149,7 @@
           <a:p>
             <a:fld id="{52CF3C78-BFF9-4137-8833-13E3D0B09D8B}" type="datetimeFigureOut">
               <a:rPr lang="it-IT" smtClean="0"/>
-              <a:t>03/01/2026</a:t>
+              <a:t>04/01/2026</a:t>
             </a:fld>
             <a:endParaRPr lang="it-IT" dirty="0"/>
           </a:p>
@@ -841,7 +843,7 @@
           <a:p>
             <a:fld id="{1D8BD707-D9CF-40AE-B4C6-C98DA3205C09}" type="datetimeFigureOut">
               <a:rPr lang="en-US"/>
-              <a:t>1/3/2026</a:t>
+              <a:t>1/4/2026</a:t>
             </a:fld>
             <a:endParaRPr lang="en-US" dirty="0"/>
           </a:p>
@@ -1018,7 +1020,7 @@
           <a:p>
             <a:fld id="{1D8BD707-D9CF-40AE-B4C6-C98DA3205C09}" type="datetimeFigureOut">
               <a:rPr lang="en-US"/>
-              <a:t>1/3/2026</a:t>
+              <a:t>1/4/2026</a:t>
             </a:fld>
             <a:endParaRPr lang="en-US" dirty="0"/>
           </a:p>
@@ -1232,7 +1234,7 @@
           <a:p>
             <a:fld id="{1D8BD707-D9CF-40AE-B4C6-C98DA3205C09}" type="datetimeFigureOut">
               <a:rPr lang="en-US"/>
-              <a:t>1/3/2026</a:t>
+              <a:t>1/4/2026</a:t>
             </a:fld>
             <a:endParaRPr lang="en-US" dirty="0"/>
           </a:p>
@@ -1380,7 +1382,7 @@
           <a:p>
             <a:fld id="{1D8BD707-D9CF-40AE-B4C6-C98DA3205C09}" type="datetimeFigureOut">
               <a:rPr lang="en-US"/>
-              <a:t>1/3/2026</a:t>
+              <a:t>1/4/2026</a:t>
             </a:fld>
             <a:endParaRPr lang="en-US" dirty="0"/>
           </a:p>
@@ -1499,7 +1501,7 @@
           <a:p>
             <a:fld id="{1D8BD707-D9CF-40AE-B4C6-C98DA3205C09}" type="datetimeFigureOut">
               <a:rPr lang="en-US"/>
-              <a:t>1/3/2026</a:t>
+              <a:t>1/4/2026</a:t>
             </a:fld>
             <a:endParaRPr lang="en-US" dirty="0"/>
           </a:p>
@@ -1796,7 +1798,7 @@
           <a:p>
             <a:fld id="{1D8BD707-D9CF-40AE-B4C6-C98DA3205C09}" type="datetimeFigureOut">
               <a:rPr lang="en-US"/>
-              <a:t>1/3/2026</a:t>
+              <a:t>1/4/2026</a:t>
             </a:fld>
             <a:endParaRPr lang="en-US" dirty="0"/>
           </a:p>
@@ -2748,8 +2750,8 @@
             </p:nvSpPr>
             <p:spPr>
               <a:xfrm>
-                <a:off x="723900" y="1191645"/>
-                <a:ext cx="10744200" cy="3815275"/>
+                <a:off x="533400" y="1191645"/>
+                <a:ext cx="11201400" cy="3106235"/>
               </a:xfrm>
               <a:prstGeom prst="rect">
                 <a:avLst/>
@@ -2768,21 +2770,7 @@
                     <a:latin typeface="Arial" panose="020B0604020202020204" pitchFamily="34" charset="0"/>
                     <a:cs typeface="Arial" panose="020B0604020202020204" pitchFamily="34" charset="0"/>
                   </a:rPr>
-                  <a:t>The next step of the </a:t>
-                </a:r>
-                <a:r>
-                  <a:rPr lang="en-GB" sz="2400" noProof="0" dirty="0" err="1">
-                    <a:latin typeface="Arial" panose="020B0604020202020204" pitchFamily="34" charset="0"/>
-                    <a:cs typeface="Arial" panose="020B0604020202020204" pitchFamily="34" charset="0"/>
-                  </a:rPr>
-                  <a:t>algotithm</a:t>
-                </a:r>
-                <a:r>
-                  <a:rPr lang="en-GB" sz="2400" noProof="0" dirty="0">
-                    <a:latin typeface="Arial" panose="020B0604020202020204" pitchFamily="34" charset="0"/>
-                    <a:cs typeface="Arial" panose="020B0604020202020204" pitchFamily="34" charset="0"/>
-                  </a:rPr>
-                  <a:t> is to execute a rank-n approximation of </a:t>
+                  <a:t>The next step of the algorithm is to execute a rank-n approximation of </a:t>
                 </a:r>
                 <a14:m>
                   <m:oMath xmlns:m="http://schemas.openxmlformats.org/officeDocument/2006/math">
@@ -2821,15 +2809,39 @@
                     <a:latin typeface="Arial" panose="020B0604020202020204" pitchFamily="34" charset="0"/>
                     <a:cs typeface="Arial" panose="020B0604020202020204" pitchFamily="34" charset="0"/>
                   </a:rPr>
-                  <a:t>using SVD decomposition (n is chosen by inspecting the number of singular values of S):</a:t>
+                  <a:t> using SV decomposition (</a:t>
                 </a:r>
-              </a:p>
-              <a:p>
-                <a:pPr algn="just"/>
-                <a:endParaRPr lang="en-GB" sz="2400" noProof="0" dirty="0">
-                  <a:latin typeface="Arial" panose="020B0604020202020204" pitchFamily="34" charset="0"/>
-                  <a:cs typeface="Arial" panose="020B0604020202020204" pitchFamily="34" charset="0"/>
-                </a:endParaRPr>
+                <a14:m>
+                  <m:oMath xmlns:m="http://schemas.openxmlformats.org/officeDocument/2006/math">
+                    <m:acc>
+                      <m:accPr>
+                        <m:chr m:val="̂"/>
+                        <m:ctrlPr>
+                          <a:rPr lang="en-GB" sz="2400" i="1" noProof="0" dirty="0" smtClean="0">
+                            <a:latin typeface="Cambria Math" panose="02040503050406030204" pitchFamily="18" charset="0"/>
+                            <a:cs typeface="Arial" panose="020B0604020202020204" pitchFamily="34" charset="0"/>
+                          </a:rPr>
+                        </m:ctrlPr>
+                      </m:accPr>
+                      <m:e>
+                        <m:r>
+                          <a:rPr lang="en-GB" sz="2400" i="1" noProof="0" dirty="0" smtClean="0">
+                            <a:latin typeface="Cambria Math" panose="02040503050406030204" pitchFamily="18" charset="0"/>
+                            <a:cs typeface="Arial" panose="020B0604020202020204" pitchFamily="34" charset="0"/>
+                          </a:rPr>
+                          <m:t>𝑛</m:t>
+                        </m:r>
+                      </m:e>
+                    </m:acc>
+                  </m:oMath>
+                </a14:m>
+                <a:r>
+                  <a:rPr lang="en-GB" sz="2400" noProof="0" dirty="0">
+                    <a:latin typeface="Arial" panose="020B0604020202020204" pitchFamily="34" charset="0"/>
+                    <a:cs typeface="Arial" panose="020B0604020202020204" pitchFamily="34" charset="0"/>
+                  </a:rPr>
+                  <a:t> is chosen by inspecting the number of singular values of S):</a:t>
+                </a:r>
               </a:p>
               <a:p>
                 <a:pPr algn="just"/>
@@ -2859,7 +2871,153 @@
                     <a:latin typeface="Arial" panose="020B0604020202020204" pitchFamily="34" charset="0"/>
                     <a:cs typeface="Arial" panose="020B0604020202020204" pitchFamily="34" charset="0"/>
                   </a:rPr>
-                  <a:t>Note: under the assumption that the number of columns of		      is infinite		, there is a direct link between </a:t>
+                  <a:t>Note: under the assumption that the number of columns of	</a:t>
+                </a:r>
+                <a14:m>
+                  <m:oMath xmlns:m="http://schemas.openxmlformats.org/officeDocument/2006/math">
+                    <m:sSub>
+                      <m:sSubPr>
+                        <m:ctrlPr>
+                          <a:rPr lang="it-IT" sz="2400" b="0" i="1" noProof="0" smtClean="0">
+                            <a:latin typeface="Cambria Math" panose="02040503050406030204" pitchFamily="18" charset="0"/>
+                            <a:cs typeface="Arial" panose="020B0604020202020204" pitchFamily="34" charset="0"/>
+                          </a:rPr>
+                        </m:ctrlPr>
+                      </m:sSubPr>
+                      <m:e>
+                        <m:r>
+                          <a:rPr lang="it-IT" sz="2400" b="0" i="1" noProof="0" smtClean="0">
+                            <a:latin typeface="Cambria Math" panose="02040503050406030204" pitchFamily="18" charset="0"/>
+                            <a:cs typeface="Arial" panose="020B0604020202020204" pitchFamily="34" charset="0"/>
+                          </a:rPr>
+                          <m:t>𝑌</m:t>
+                        </m:r>
+                      </m:e>
+                      <m:sub>
+                        <m:r>
+                          <a:rPr lang="it-IT" sz="2400" b="0" i="1" noProof="0" smtClean="0">
+                            <a:latin typeface="Cambria Math" panose="02040503050406030204" pitchFamily="18" charset="0"/>
+                            <a:cs typeface="Arial" panose="020B0604020202020204" pitchFamily="34" charset="0"/>
+                          </a:rPr>
+                          <m:t>𝑓</m:t>
+                        </m:r>
+                      </m:sub>
+                    </m:sSub>
+                    <m:r>
+                      <a:rPr lang="it-IT" sz="2400" b="0" i="1" noProof="0" smtClean="0">
+                        <a:latin typeface="Cambria Math" panose="02040503050406030204" pitchFamily="18" charset="0"/>
+                        <a:cs typeface="Arial" panose="020B0604020202020204" pitchFamily="34" charset="0"/>
+                      </a:rPr>
+                      <m:t>, </m:t>
+                    </m:r>
+                    <m:sSub>
+                      <m:sSubPr>
+                        <m:ctrlPr>
+                          <a:rPr lang="it-IT" sz="2400" b="0" i="1" noProof="0" smtClean="0">
+                            <a:latin typeface="Cambria Math" panose="02040503050406030204" pitchFamily="18" charset="0"/>
+                            <a:cs typeface="Arial" panose="020B0604020202020204" pitchFamily="34" charset="0"/>
+                          </a:rPr>
+                        </m:ctrlPr>
+                      </m:sSubPr>
+                      <m:e>
+                        <m:r>
+                          <a:rPr lang="it-IT" sz="2400" b="0" i="1" noProof="0" smtClean="0">
+                            <a:latin typeface="Cambria Math" panose="02040503050406030204" pitchFamily="18" charset="0"/>
+                            <a:cs typeface="Arial" panose="020B0604020202020204" pitchFamily="34" charset="0"/>
+                          </a:rPr>
+                          <m:t>𝑈</m:t>
+                        </m:r>
+                      </m:e>
+                      <m:sub>
+                        <m:r>
+                          <a:rPr lang="it-IT" sz="2400" b="0" i="1" noProof="0" smtClean="0">
+                            <a:latin typeface="Cambria Math" panose="02040503050406030204" pitchFamily="18" charset="0"/>
+                            <a:cs typeface="Arial" panose="020B0604020202020204" pitchFamily="34" charset="0"/>
+                          </a:rPr>
+                          <m:t>𝑓</m:t>
+                        </m:r>
+                      </m:sub>
+                    </m:sSub>
+                    <m:r>
+                      <a:rPr lang="it-IT" sz="2400" b="0" i="1" noProof="0" smtClean="0">
+                        <a:latin typeface="Cambria Math" panose="02040503050406030204" pitchFamily="18" charset="0"/>
+                        <a:cs typeface="Arial" panose="020B0604020202020204" pitchFamily="34" charset="0"/>
+                      </a:rPr>
+                      <m:t>, </m:t>
+                    </m:r>
+                    <m:sSub>
+                      <m:sSubPr>
+                        <m:ctrlPr>
+                          <a:rPr lang="it-IT" sz="2400" b="0" i="1" noProof="0" smtClean="0">
+                            <a:latin typeface="Cambria Math" panose="02040503050406030204" pitchFamily="18" charset="0"/>
+                            <a:cs typeface="Arial" panose="020B0604020202020204" pitchFamily="34" charset="0"/>
+                          </a:rPr>
+                        </m:ctrlPr>
+                      </m:sSubPr>
+                      <m:e>
+                        <m:r>
+                          <a:rPr lang="it-IT" sz="2400" b="0" i="1" noProof="0" smtClean="0">
+                            <a:latin typeface="Cambria Math" panose="02040503050406030204" pitchFamily="18" charset="0"/>
+                            <a:cs typeface="Arial" panose="020B0604020202020204" pitchFamily="34" charset="0"/>
+                          </a:rPr>
+                          <m:t>𝑊</m:t>
+                        </m:r>
+                      </m:e>
+                      <m:sub>
+                        <m:r>
+                          <a:rPr lang="it-IT" sz="2400" b="0" i="1" noProof="0" smtClean="0">
+                            <a:latin typeface="Cambria Math" panose="02040503050406030204" pitchFamily="18" charset="0"/>
+                            <a:cs typeface="Arial" panose="020B0604020202020204" pitchFamily="34" charset="0"/>
+                          </a:rPr>
+                          <m:t>𝑝</m:t>
+                        </m:r>
+                      </m:sub>
+                    </m:sSub>
+                  </m:oMath>
+                </a14:m>
+                <a:r>
+                  <a:rPr lang="en-GB" sz="2400" noProof="0" dirty="0">
+                    <a:latin typeface="Arial" panose="020B0604020202020204" pitchFamily="34" charset="0"/>
+                    <a:cs typeface="Arial" panose="020B0604020202020204" pitchFamily="34" charset="0"/>
+                  </a:rPr>
+                  <a:t> is infinite </a:t>
+                </a:r>
+                <a14:m>
+                  <m:oMath xmlns:m="http://schemas.openxmlformats.org/officeDocument/2006/math">
+                    <m:d>
+                      <m:dPr>
+                        <m:ctrlPr>
+                          <a:rPr lang="it-IT" sz="2400" b="0" i="1" noProof="0" smtClean="0">
+                            <a:latin typeface="Cambria Math" panose="02040503050406030204" pitchFamily="18" charset="0"/>
+                            <a:cs typeface="Arial" panose="020B0604020202020204" pitchFamily="34" charset="0"/>
+                          </a:rPr>
+                        </m:ctrlPr>
+                      </m:dPr>
+                      <m:e>
+                        <m:r>
+                          <a:rPr lang="it-IT" sz="2400" b="0" i="1" noProof="0" smtClean="0">
+                            <a:latin typeface="Cambria Math" panose="02040503050406030204" pitchFamily="18" charset="0"/>
+                            <a:cs typeface="Arial" panose="020B0604020202020204" pitchFamily="34" charset="0"/>
+                          </a:rPr>
+                          <m:t>𝑗</m:t>
+                        </m:r>
+                        <m:r>
+                          <a:rPr lang="it-IT" sz="2400" b="0" i="1" noProof="0" smtClean="0">
+                            <a:latin typeface="Cambria Math" panose="02040503050406030204" pitchFamily="18" charset="0"/>
+                            <a:cs typeface="Arial" panose="020B0604020202020204" pitchFamily="34" charset="0"/>
+                          </a:rPr>
+                          <m:t>=∞</m:t>
+                        </m:r>
+                      </m:e>
+                    </m:d>
+                  </m:oMath>
+                </a14:m>
+                <a:r>
+                  <a:rPr lang="en-GB" sz="2400" noProof="0" dirty="0">
+                    <a:latin typeface="Arial" panose="020B0604020202020204" pitchFamily="34" charset="0"/>
+                    <a:cs typeface="Arial" panose="020B0604020202020204" pitchFamily="34" charset="0"/>
+                  </a:rPr>
+                  <a:t>, there is a direct link between </a:t>
                 </a:r>
                 <a14:m>
                   <m:oMath xmlns:m="http://schemas.openxmlformats.org/officeDocument/2006/math">
@@ -3003,8 +3161,8 @@
             </p:nvSpPr>
             <p:spPr>
               <a:xfrm>
-                <a:off x="723900" y="1191645"/>
-                <a:ext cx="10744200" cy="3815275"/>
+                <a:off x="533400" y="1191645"/>
+                <a:ext cx="11201400" cy="3106235"/>
               </a:xfrm>
               <a:prstGeom prst="rect">
                 <a:avLst/>
@@ -3012,7 +3170,7 @@
               <a:blipFill>
                 <a:blip r:embed="rId2"/>
                 <a:stretch>
-                  <a:fillRect l="-908" t="-1118" r="-851" b="-1917"/>
+                  <a:fillRect l="-871" t="-1373" r="-817" b="-2549"/>
                 </a:stretch>
               </a:blipFill>
             </p:spPr>
@@ -3060,102 +3218,8 @@
         </p:blipFill>
         <p:spPr bwMode="auto">
           <a:xfrm>
-            <a:off x="711842" y="2385641"/>
+            <a:off x="2344263" y="2057400"/>
             <a:ext cx="6527158" cy="1271959"/>
-          </a:xfrm>
-          <a:prstGeom prst="rect">
-            <a:avLst/>
-          </a:prstGeom>
-          <a:noFill/>
-          <a:extLst>
-            <a:ext uri="{909E8E84-426E-40DD-AFC4-6F175D3DCCD1}">
-              <a14:hiddenFill xmlns:a14="http://schemas.microsoft.com/office/drawing/2010/main">
-                <a:solidFill>
-                  <a:srgbClr val="FFFFFF"/>
-                </a:solidFill>
-              </a14:hiddenFill>
-            </a:ext>
-          </a:extLst>
-        </p:spPr>
-      </p:pic>
-      <p:pic>
-        <p:nvPicPr>
-          <p:cNvPr id="5127" name="Picture 7">
-            <a:extLst>
-              <a:ext uri="{FF2B5EF4-FFF2-40B4-BE49-F238E27FC236}">
-                <a16:creationId xmlns:a16="http://schemas.microsoft.com/office/drawing/2014/main" id="{D68969F2-E63F-B955-2D4F-6532313FE1F8}"/>
-              </a:ext>
-            </a:extLst>
-          </p:cNvPr>
-          <p:cNvPicPr>
-            <a:picLocks noChangeAspect="1" noChangeArrowheads="1"/>
-          </p:cNvPicPr>
-          <p:nvPr/>
-        </p:nvPicPr>
-        <p:blipFill>
-          <a:blip r:embed="rId4">
-            <a:extLst>
-              <a:ext uri="{28A0092B-C50C-407E-A947-70E740481C1C}">
-                <a14:useLocalDpi xmlns:a14="http://schemas.microsoft.com/office/drawing/2010/main" val="0"/>
-              </a:ext>
-            </a:extLst>
-          </a:blip>
-          <a:srcRect/>
-          <a:stretch>
-            <a:fillRect/>
-          </a:stretch>
-        </p:blipFill>
-        <p:spPr bwMode="auto">
-          <a:xfrm>
-            <a:off x="8839200" y="3810000"/>
-            <a:ext cx="1259253" cy="351852"/>
-          </a:xfrm>
-          <a:prstGeom prst="rect">
-            <a:avLst/>
-          </a:prstGeom>
-          <a:noFill/>
-          <a:extLst>
-            <a:ext uri="{909E8E84-426E-40DD-AFC4-6F175D3DCCD1}">
-              <a14:hiddenFill xmlns:a14="http://schemas.microsoft.com/office/drawing/2010/main">
-                <a:solidFill>
-                  <a:srgbClr val="FFFFFF"/>
-                </a:solidFill>
-              </a14:hiddenFill>
-            </a:ext>
-          </a:extLst>
-        </p:spPr>
-      </p:pic>
-      <p:pic>
-        <p:nvPicPr>
-          <p:cNvPr id="5128" name="Picture 8">
-            <a:extLst>
-              <a:ext uri="{FF2B5EF4-FFF2-40B4-BE49-F238E27FC236}">
-                <a16:creationId xmlns:a16="http://schemas.microsoft.com/office/drawing/2014/main" id="{F8870000-4025-7FA0-A09D-3F6C8DDFDAEF}"/>
-              </a:ext>
-            </a:extLst>
-          </p:cNvPr>
-          <p:cNvPicPr>
-            <a:picLocks noChangeAspect="1" noChangeArrowheads="1"/>
-          </p:cNvPicPr>
-          <p:nvPr/>
-        </p:nvPicPr>
-        <p:blipFill>
-          <a:blip r:embed="rId5">
-            <a:extLst>
-              <a:ext uri="{28A0092B-C50C-407E-A947-70E740481C1C}">
-                <a14:useLocalDpi xmlns:a14="http://schemas.microsoft.com/office/drawing/2010/main" val="0"/>
-              </a:ext>
-            </a:extLst>
-          </a:blip>
-          <a:srcRect/>
-          <a:stretch>
-            <a:fillRect/>
-          </a:stretch>
-        </p:blipFill>
-        <p:spPr bwMode="auto">
-          <a:xfrm>
-            <a:off x="1828800" y="4234149"/>
-            <a:ext cx="770412" cy="261651"/>
           </a:xfrm>
           <a:prstGeom prst="rect">
             <a:avLst/>
@@ -3187,7 +3251,7 @@
           <p:nvPr/>
         </p:nvPicPr>
         <p:blipFill>
-          <a:blip r:embed="rId6">
+          <a:blip r:embed="rId4">
             <a:extLst>
               <a:ext uri="{28A0092B-C50C-407E-A947-70E740481C1C}">
                 <a14:useLocalDpi xmlns:a14="http://schemas.microsoft.com/office/drawing/2010/main" val="0"/>
@@ -3201,7 +3265,7 @@
         </p:blipFill>
         <p:spPr bwMode="auto">
           <a:xfrm>
-            <a:off x="723900" y="5029200"/>
+            <a:off x="723900" y="4572000"/>
             <a:ext cx="1964724" cy="685800"/>
           </a:xfrm>
           <a:prstGeom prst="rect">
@@ -3234,7 +3298,7 @@
           <p:nvPr/>
         </p:nvPicPr>
         <p:blipFill>
-          <a:blip r:embed="rId7">
+          <a:blip r:embed="rId5">
             <a:extLst>
               <a:ext uri="{28A0092B-C50C-407E-A947-70E740481C1C}">
                 <a14:useLocalDpi xmlns:a14="http://schemas.microsoft.com/office/drawing/2010/main" val="0"/>
@@ -3248,7 +3312,7 @@
         </p:blipFill>
         <p:spPr bwMode="auto">
           <a:xfrm>
-            <a:off x="3352800" y="5029200"/>
+            <a:off x="3352800" y="4572000"/>
             <a:ext cx="3393822" cy="685800"/>
           </a:xfrm>
           <a:prstGeom prst="rect">
@@ -3282,7 +3346,7 @@
             </p:nvSpPr>
             <p:spPr>
               <a:xfrm>
-                <a:off x="7239000" y="5105400"/>
+                <a:off x="7239000" y="4648200"/>
                 <a:ext cx="4229100" cy="682366"/>
               </a:xfrm>
               <a:prstGeom prst="rect">
@@ -3420,14 +3484,14 @@
             </p:nvSpPr>
             <p:spPr>
               <a:xfrm>
-                <a:off x="7239000" y="5105400"/>
+                <a:off x="7239000" y="4648200"/>
                 <a:ext cx="4229100" cy="682366"/>
               </a:xfrm>
               <a:prstGeom prst="rect">
                 <a:avLst/>
               </a:prstGeom>
               <a:blipFill>
-                <a:blip r:embed="rId8"/>
+                <a:blip r:embed="rId6"/>
                 <a:stretch>
                   <a:fillRect t="-3604"/>
                 </a:stretch>
@@ -3697,6 +3761,13 @@
                         <m:t>𝑄</m:t>
                       </m:r>
                       <m:r>
+                        <a:rPr lang="it-IT" sz="3200" b="0" i="1" noProof="0" smtClean="0">
+                          <a:latin typeface="Cambria Math" panose="02040503050406030204" pitchFamily="18" charset="0"/>
+                          <a:cs typeface="Arial" panose="020B0604020202020204" pitchFamily="34" charset="0"/>
+                        </a:rPr>
+                        <m:t>∗</m:t>
+                      </m:r>
+                      <m:r>
                         <a:rPr lang="en-GB" sz="3200" b="0" i="1" noProof="0" smtClean="0">
                           <a:latin typeface="Cambria Math" panose="02040503050406030204" pitchFamily="18" charset="0"/>
                           <a:cs typeface="Arial" panose="020B0604020202020204" pitchFamily="34" charset="0"/>
@@ -3829,6 +3900,13 @@
                           <a:cs typeface="Arial" panose="020B0604020202020204" pitchFamily="34" charset="0"/>
                         </a:rPr>
                         <m:t>𝑅</m:t>
+                      </m:r>
+                      <m:r>
+                        <a:rPr lang="it-IT" sz="3200" b="0" i="1" noProof="0" smtClean="0">
+                          <a:latin typeface="Cambria Math" panose="02040503050406030204" pitchFamily="18" charset="0"/>
+                          <a:cs typeface="Arial" panose="020B0604020202020204" pitchFamily="34" charset="0"/>
+                        </a:rPr>
+                        <m:t>∗</m:t>
                       </m:r>
                       <m:sSub>
                         <m:sSubPr>
@@ -4023,7 +4101,7 @@
                     <a:latin typeface="Arial" panose="020B0604020202020204" pitchFamily="34" charset="0"/>
                     <a:cs typeface="Arial" panose="020B0604020202020204" pitchFamily="34" charset="0"/>
                   </a:rPr>
-                  <a:t> is the future input sequence, and Q and R are user- defined diagonal weight matrices.</a:t>
+                  <a:t> is the future input sequence, and Q* and R* are user- defined diagonal weight matrices.</a:t>
                 </a:r>
               </a:p>
               <a:p>
@@ -4733,7 +4811,7 @@
             <p:spPr>
               <a:xfrm>
                 <a:off x="723900" y="1185270"/>
-                <a:ext cx="10744200" cy="1599284"/>
+                <a:ext cx="10744200" cy="1229952"/>
               </a:xfrm>
               <a:prstGeom prst="rect">
                 <a:avLst/>
@@ -4798,13 +4876,6 @@
                   <a:cs typeface="Arial" panose="020B0604020202020204" pitchFamily="34" charset="0"/>
                 </a:endParaRPr>
               </a:p>
-              <a:p>
-                <a:pPr algn="just"/>
-                <a:endParaRPr lang="en-GB" sz="2400" noProof="0" dirty="0">
-                  <a:latin typeface="Arial" panose="020B0604020202020204" pitchFamily="34" charset="0"/>
-                  <a:cs typeface="Arial" panose="020B0604020202020204" pitchFamily="34" charset="0"/>
-                </a:endParaRPr>
-              </a:p>
             </p:txBody>
           </p:sp>
         </mc:Choice>
@@ -4826,7 +4897,7 @@
             <p:spPr>
               <a:xfrm>
                 <a:off x="723900" y="1185270"/>
-                <a:ext cx="10744200" cy="1599284"/>
+                <a:ext cx="10744200" cy="1229952"/>
               </a:xfrm>
               <a:prstGeom prst="rect">
                 <a:avLst/>
@@ -4834,7 +4905,7 @@
               <a:blipFill>
                 <a:blip r:embed="rId3"/>
                 <a:stretch>
-                  <a:fillRect l="-908" t="-3042" r="-851"/>
+                  <a:fillRect l="-908" t="-3960" r="-851" b="-10396"/>
                 </a:stretch>
               </a:blipFill>
             </p:spPr>
@@ -4881,7 +4952,7 @@
         </p:blipFill>
         <p:spPr>
           <a:xfrm>
-            <a:off x="761999" y="2624730"/>
+            <a:off x="3657600" y="2438400"/>
             <a:ext cx="6381193" cy="3048000"/>
           </a:xfrm>
           <a:prstGeom prst="rect">
@@ -4977,7 +5048,7 @@
             <p:spPr>
               <a:xfrm>
                 <a:off x="723900" y="1191645"/>
-                <a:ext cx="10744200" cy="4873001"/>
+                <a:ext cx="10744200" cy="5062861"/>
               </a:xfrm>
               <a:prstGeom prst="rect">
                 <a:avLst/>
@@ -5047,486 +5118,27 @@
               </a:p>
               <a:p>
                 <a:pPr algn="just"/>
-                <a14:m>
-                  <m:oMath xmlns:m="http://schemas.openxmlformats.org/officeDocument/2006/math">
-                    <m:sSub>
-                      <m:sSubPr>
-                        <m:ctrlPr>
-                          <a:rPr lang="en-GB" sz="2400" i="1" noProof="0" smtClean="0">
-                            <a:latin typeface="Cambria Math" panose="02040503050406030204" pitchFamily="18" charset="0"/>
-                            <a:cs typeface="Arial" panose="020B0604020202020204" pitchFamily="34" charset="0"/>
-                          </a:rPr>
-                        </m:ctrlPr>
-                      </m:sSubPr>
-                      <m:e>
-                        <m:r>
-                          <a:rPr lang="en-GB" sz="2400" b="0" i="1" noProof="0" smtClean="0">
-                            <a:latin typeface="Cambria Math" panose="02040503050406030204" pitchFamily="18" charset="0"/>
-                            <a:cs typeface="Arial" panose="020B0604020202020204" pitchFamily="34" charset="0"/>
-                          </a:rPr>
-                          <m:t>𝑦</m:t>
-                        </m:r>
-                      </m:e>
-                      <m:sub>
-                        <m:r>
-                          <a:rPr lang="en-GB" sz="2400" b="0" i="1" noProof="0" smtClean="0">
-                            <a:latin typeface="Cambria Math" panose="02040503050406030204" pitchFamily="18" charset="0"/>
-                            <a:cs typeface="Arial" panose="020B0604020202020204" pitchFamily="34" charset="0"/>
-                          </a:rPr>
-                          <m:t>𝑝</m:t>
-                        </m:r>
-                      </m:sub>
-                    </m:sSub>
-                    <m:r>
-                      <a:rPr lang="en-GB" sz="2400" b="0" i="1" noProof="0" smtClean="0">
-                        <a:latin typeface="Cambria Math" panose="02040503050406030204" pitchFamily="18" charset="0"/>
-                        <a:cs typeface="Arial" panose="020B0604020202020204" pitchFamily="34" charset="0"/>
-                      </a:rPr>
-                      <m:t>=</m:t>
-                    </m:r>
-                    <m:d>
-                      <m:dPr>
-                        <m:ctrlPr>
-                          <a:rPr lang="en-GB" sz="2400" b="0" i="1" noProof="0" smtClean="0">
-                            <a:latin typeface="Cambria Math" panose="02040503050406030204" pitchFamily="18" charset="0"/>
-                            <a:cs typeface="Arial" panose="020B0604020202020204" pitchFamily="34" charset="0"/>
-                          </a:rPr>
-                        </m:ctrlPr>
-                      </m:dPr>
-                      <m:e>
-                        <m:eqArr>
-                          <m:eqArrPr>
-                            <m:ctrlPr>
-                              <a:rPr lang="en-GB" sz="2400" b="0" i="1" noProof="0" smtClean="0">
-                                <a:latin typeface="Cambria Math" panose="02040503050406030204" pitchFamily="18" charset="0"/>
-                                <a:cs typeface="Arial" panose="020B0604020202020204" pitchFamily="34" charset="0"/>
-                              </a:rPr>
-                            </m:ctrlPr>
-                          </m:eqArrPr>
-                          <m:e>
-                            <m:sSub>
-                              <m:sSubPr>
-                                <m:ctrlPr>
-                                  <a:rPr lang="en-GB" sz="2400" b="0" i="1" noProof="0" smtClean="0">
-                                    <a:latin typeface="Cambria Math" panose="02040503050406030204" pitchFamily="18" charset="0"/>
-                                    <a:cs typeface="Arial" panose="020B0604020202020204" pitchFamily="34" charset="0"/>
-                                  </a:rPr>
-                                </m:ctrlPr>
-                              </m:sSubPr>
-                              <m:e>
-                                <m:r>
-                                  <a:rPr lang="en-GB" sz="2400" b="0" i="1" noProof="0" smtClean="0">
-                                    <a:latin typeface="Cambria Math" panose="02040503050406030204" pitchFamily="18" charset="0"/>
-                                    <a:cs typeface="Arial" panose="020B0604020202020204" pitchFamily="34" charset="0"/>
-                                  </a:rPr>
-                                  <m:t>𝑦</m:t>
-                                </m:r>
-                              </m:e>
-                              <m:sub>
-                                <m:r>
-                                  <a:rPr lang="en-GB" sz="2400" b="0" i="1" noProof="0" smtClean="0">
-                                    <a:latin typeface="Cambria Math" panose="02040503050406030204" pitchFamily="18" charset="0"/>
-                                    <a:cs typeface="Arial" panose="020B0604020202020204" pitchFamily="34" charset="0"/>
-                                  </a:rPr>
-                                  <m:t>−</m:t>
-                                </m:r>
-                                <m:r>
-                                  <a:rPr lang="en-GB" sz="2400" b="0" i="1" noProof="0" smtClean="0">
-                                    <a:latin typeface="Cambria Math" panose="02040503050406030204" pitchFamily="18" charset="0"/>
-                                    <a:cs typeface="Arial" panose="020B0604020202020204" pitchFamily="34" charset="0"/>
-                                  </a:rPr>
-                                  <m:t>𝑀</m:t>
-                                </m:r>
-                                <m:r>
-                                  <a:rPr lang="en-GB" sz="2400" b="0" i="1" noProof="0" smtClean="0">
-                                    <a:latin typeface="Cambria Math" panose="02040503050406030204" pitchFamily="18" charset="0"/>
-                                    <a:cs typeface="Arial" panose="020B0604020202020204" pitchFamily="34" charset="0"/>
-                                  </a:rPr>
-                                  <m:t>+1</m:t>
-                                </m:r>
-                              </m:sub>
-                            </m:sSub>
-                          </m:e>
-                          <m:e>
-                            <m:r>
-                              <a:rPr lang="en-GB" b="0" i="1" noProof="0" smtClean="0">
-                                <a:latin typeface="Cambria Math" panose="02040503050406030204" pitchFamily="18" charset="0"/>
-                              </a:rPr>
-                              <m:t>…</m:t>
-                            </m:r>
-                          </m:e>
-                          <m:e>
-                            <m:sSub>
-                              <m:sSubPr>
-                                <m:ctrlPr>
-                                  <a:rPr lang="en-GB" i="1" noProof="0" smtClean="0">
-                                    <a:latin typeface="Cambria Math" panose="02040503050406030204" pitchFamily="18" charset="0"/>
-                                  </a:rPr>
-                                </m:ctrlPr>
-                              </m:sSubPr>
-                              <m:e>
-                                <m:r>
-                                  <a:rPr lang="en-GB" b="0" i="1" noProof="0" smtClean="0">
-                                    <a:latin typeface="Cambria Math" panose="02040503050406030204" pitchFamily="18" charset="0"/>
-                                  </a:rPr>
-                                  <m:t>𝑦</m:t>
-                                </m:r>
-                              </m:e>
-                              <m:sub>
-                                <m:r>
-                                  <a:rPr lang="en-GB" b="0" i="1" noProof="0" smtClean="0">
-                                    <a:latin typeface="Cambria Math" panose="02040503050406030204" pitchFamily="18" charset="0"/>
-                                  </a:rPr>
-                                  <m:t>−1</m:t>
-                                </m:r>
-                              </m:sub>
-                            </m:sSub>
-                          </m:e>
-                          <m:e>
-                            <m:sSub>
-                              <m:sSubPr>
-                                <m:ctrlPr>
-                                  <a:rPr lang="en-GB" i="1" noProof="0" smtClean="0">
-                                    <a:latin typeface="Cambria Math" panose="02040503050406030204" pitchFamily="18" charset="0"/>
-                                  </a:rPr>
-                                </m:ctrlPr>
-                              </m:sSubPr>
-                              <m:e>
-                                <m:r>
-                                  <a:rPr lang="en-GB" b="0" i="1" noProof="0" smtClean="0">
-                                    <a:latin typeface="Cambria Math" panose="02040503050406030204" pitchFamily="18" charset="0"/>
-                                  </a:rPr>
-                                  <m:t>𝑦</m:t>
-                                </m:r>
-                              </m:e>
-                              <m:sub>
-                                <m:r>
-                                  <a:rPr lang="en-GB" b="0" i="1" noProof="0" smtClean="0">
-                                    <a:latin typeface="Cambria Math" panose="02040503050406030204" pitchFamily="18" charset="0"/>
-                                  </a:rPr>
-                                  <m:t>0</m:t>
-                                </m:r>
-                              </m:sub>
-                            </m:sSub>
-                          </m:e>
-                        </m:eqArr>
-                      </m:e>
-                    </m:d>
-                  </m:oMath>
-                </a14:m>
-                <a:r>
-                  <a:rPr lang="en-GB" sz="2400" noProof="0" dirty="0">
-                    <a:latin typeface="Arial" panose="020B0604020202020204" pitchFamily="34" charset="0"/>
-                    <a:cs typeface="Arial" panose="020B0604020202020204" pitchFamily="34" charset="0"/>
-                  </a:rPr>
-                  <a:t>	</a:t>
-                </a:r>
-                <a:r>
-                  <a:rPr lang="en-GB" sz="2400" noProof="0" dirty="0">
-                    <a:cs typeface="Arial" panose="020B0604020202020204" pitchFamily="34" charset="0"/>
-                  </a:rPr>
-                  <a:t> </a:t>
-                </a:r>
-                <a14:m>
-                  <m:oMath xmlns:m="http://schemas.openxmlformats.org/officeDocument/2006/math">
-                    <m:sSub>
-                      <m:sSubPr>
-                        <m:ctrlPr>
-                          <a:rPr lang="en-GB" sz="2400" i="1" noProof="0" smtClean="0">
-                            <a:latin typeface="Cambria Math" panose="02040503050406030204" pitchFamily="18" charset="0"/>
-                            <a:cs typeface="Arial" panose="020B0604020202020204" pitchFamily="34" charset="0"/>
-                          </a:rPr>
-                        </m:ctrlPr>
-                      </m:sSubPr>
-                      <m:e>
-                        <m:r>
-                          <a:rPr lang="en-GB" sz="2400" b="0" i="1" noProof="0" smtClean="0">
-                            <a:latin typeface="Cambria Math" panose="02040503050406030204" pitchFamily="18" charset="0"/>
-                            <a:cs typeface="Arial" panose="020B0604020202020204" pitchFamily="34" charset="0"/>
-                          </a:rPr>
-                          <m:t>𝑢</m:t>
-                        </m:r>
-                      </m:e>
-                      <m:sub>
-                        <m:r>
-                          <a:rPr lang="en-GB" sz="2400" b="0" i="1" noProof="0" smtClean="0">
-                            <a:latin typeface="Cambria Math" panose="02040503050406030204" pitchFamily="18" charset="0"/>
-                            <a:cs typeface="Arial" panose="020B0604020202020204" pitchFamily="34" charset="0"/>
-                          </a:rPr>
-                          <m:t>𝑝</m:t>
-                        </m:r>
-                      </m:sub>
-                    </m:sSub>
-                    <m:r>
-                      <a:rPr lang="en-GB" sz="2400" b="0" i="1" noProof="0" smtClean="0">
-                        <a:latin typeface="Cambria Math" panose="02040503050406030204" pitchFamily="18" charset="0"/>
-                        <a:cs typeface="Arial" panose="020B0604020202020204" pitchFamily="34" charset="0"/>
-                      </a:rPr>
-                      <m:t>=</m:t>
-                    </m:r>
-                    <m:d>
-                      <m:dPr>
-                        <m:ctrlPr>
-                          <a:rPr lang="en-GB" sz="2400" b="0" i="1" noProof="0" smtClean="0">
-                            <a:latin typeface="Cambria Math" panose="02040503050406030204" pitchFamily="18" charset="0"/>
-                            <a:cs typeface="Arial" panose="020B0604020202020204" pitchFamily="34" charset="0"/>
-                          </a:rPr>
-                        </m:ctrlPr>
-                      </m:dPr>
-                      <m:e>
-                        <m:eqArr>
-                          <m:eqArrPr>
-                            <m:ctrlPr>
-                              <a:rPr lang="en-GB" sz="2400" b="0" i="1" noProof="0" smtClean="0">
-                                <a:latin typeface="Cambria Math" panose="02040503050406030204" pitchFamily="18" charset="0"/>
-                                <a:cs typeface="Arial" panose="020B0604020202020204" pitchFamily="34" charset="0"/>
-                              </a:rPr>
-                            </m:ctrlPr>
-                          </m:eqArrPr>
-                          <m:e>
-                            <m:sSub>
-                              <m:sSubPr>
-                                <m:ctrlPr>
-                                  <a:rPr lang="en-GB" sz="2400" b="0" i="1" noProof="0" smtClean="0">
-                                    <a:latin typeface="Cambria Math" panose="02040503050406030204" pitchFamily="18" charset="0"/>
-                                    <a:cs typeface="Arial" panose="020B0604020202020204" pitchFamily="34" charset="0"/>
-                                  </a:rPr>
-                                </m:ctrlPr>
-                              </m:sSubPr>
-                              <m:e>
-                                <m:r>
-                                  <a:rPr lang="en-GB" sz="2400" b="0" i="1" noProof="0" smtClean="0">
-                                    <a:latin typeface="Cambria Math" panose="02040503050406030204" pitchFamily="18" charset="0"/>
-                                    <a:cs typeface="Arial" panose="020B0604020202020204" pitchFamily="34" charset="0"/>
-                                  </a:rPr>
-                                  <m:t>𝑢</m:t>
-                                </m:r>
-                              </m:e>
-                              <m:sub>
-                                <m:r>
-                                  <a:rPr lang="en-GB" sz="2400" b="0" i="1" noProof="0" smtClean="0">
-                                    <a:latin typeface="Cambria Math" panose="02040503050406030204" pitchFamily="18" charset="0"/>
-                                    <a:cs typeface="Arial" panose="020B0604020202020204" pitchFamily="34" charset="0"/>
-                                  </a:rPr>
-                                  <m:t>−</m:t>
-                                </m:r>
-                                <m:r>
-                                  <a:rPr lang="en-GB" sz="2400" b="0" i="1" noProof="0" smtClean="0">
-                                    <a:latin typeface="Cambria Math" panose="02040503050406030204" pitchFamily="18" charset="0"/>
-                                    <a:cs typeface="Arial" panose="020B0604020202020204" pitchFamily="34" charset="0"/>
-                                  </a:rPr>
-                                  <m:t>𝑀</m:t>
-                                </m:r>
-                                <m:r>
-                                  <a:rPr lang="en-GB" sz="2400" b="0" i="1" noProof="0" smtClean="0">
-                                    <a:latin typeface="Cambria Math" panose="02040503050406030204" pitchFamily="18" charset="0"/>
-                                    <a:cs typeface="Arial" panose="020B0604020202020204" pitchFamily="34" charset="0"/>
-                                  </a:rPr>
-                                  <m:t>+1</m:t>
-                                </m:r>
-                              </m:sub>
-                            </m:sSub>
-                          </m:e>
-                          <m:e>
-                            <m:r>
-                              <a:rPr lang="en-GB" sz="2400" b="0" i="1" noProof="0" smtClean="0">
-                                <a:latin typeface="Cambria Math" panose="02040503050406030204" pitchFamily="18" charset="0"/>
-                              </a:rPr>
-                              <m:t>…</m:t>
-                            </m:r>
-                          </m:e>
-                          <m:e>
-                            <m:sSub>
-                              <m:sSubPr>
-                                <m:ctrlPr>
-                                  <a:rPr lang="en-GB" sz="2400" i="1" noProof="0" smtClean="0">
-                                    <a:latin typeface="Cambria Math" panose="02040503050406030204" pitchFamily="18" charset="0"/>
-                                  </a:rPr>
-                                </m:ctrlPr>
-                              </m:sSubPr>
-                              <m:e>
-                                <m:r>
-                                  <a:rPr lang="en-GB" sz="2400" b="0" i="1" noProof="0" smtClean="0">
-                                    <a:latin typeface="Cambria Math" panose="02040503050406030204" pitchFamily="18" charset="0"/>
-                                  </a:rPr>
-                                  <m:t>𝑢</m:t>
-                                </m:r>
-                              </m:e>
-                              <m:sub>
-                                <m:r>
-                                  <a:rPr lang="en-GB" sz="2400" b="0" i="1" noProof="0" smtClean="0">
-                                    <a:latin typeface="Cambria Math" panose="02040503050406030204" pitchFamily="18" charset="0"/>
-                                  </a:rPr>
-                                  <m:t>−1</m:t>
-                                </m:r>
-                              </m:sub>
-                            </m:sSub>
-                          </m:e>
-                          <m:e>
-                            <m:sSub>
-                              <m:sSubPr>
-                                <m:ctrlPr>
-                                  <a:rPr lang="en-GB" sz="2400" i="1" noProof="0" smtClean="0">
-                                    <a:latin typeface="Cambria Math" panose="02040503050406030204" pitchFamily="18" charset="0"/>
-                                  </a:rPr>
-                                </m:ctrlPr>
-                              </m:sSubPr>
-                              <m:e>
-                                <m:r>
-                                  <a:rPr lang="en-GB" sz="2400" b="0" i="1" noProof="0" smtClean="0">
-                                    <a:latin typeface="Cambria Math" panose="02040503050406030204" pitchFamily="18" charset="0"/>
-                                  </a:rPr>
-                                  <m:t>𝑢</m:t>
-                                </m:r>
-                              </m:e>
-                              <m:sub>
-                                <m:r>
-                                  <a:rPr lang="en-GB" sz="2400" b="0" i="1" noProof="0" smtClean="0">
-                                    <a:latin typeface="Cambria Math" panose="02040503050406030204" pitchFamily="18" charset="0"/>
-                                  </a:rPr>
-                                  <m:t>0</m:t>
-                                </m:r>
-                              </m:sub>
-                            </m:sSub>
-                          </m:e>
-                        </m:eqArr>
-                      </m:e>
-                    </m:d>
-                  </m:oMath>
-                </a14:m>
-                <a:r>
-                  <a:rPr lang="en-GB" sz="2400" noProof="0" dirty="0">
-                    <a:latin typeface="Arial" panose="020B0604020202020204" pitchFamily="34" charset="0"/>
-                    <a:cs typeface="Arial" panose="020B0604020202020204" pitchFamily="34" charset="0"/>
-                  </a:rPr>
-                  <a:t>	</a:t>
-                </a:r>
-                <a:r>
-                  <a:rPr lang="en-GB" sz="2400" noProof="0" dirty="0">
-                    <a:cs typeface="Arial" panose="020B0604020202020204" pitchFamily="34" charset="0"/>
-                  </a:rPr>
-                  <a:t> </a:t>
-                </a:r>
-                <a14:m>
-                  <m:oMath xmlns:m="http://schemas.openxmlformats.org/officeDocument/2006/math">
-                    <m:sSub>
-                      <m:sSubPr>
-                        <m:ctrlPr>
-                          <a:rPr lang="en-GB" sz="2400" i="1" noProof="0" smtClean="0">
-                            <a:latin typeface="Cambria Math" panose="02040503050406030204" pitchFamily="18" charset="0"/>
-                            <a:cs typeface="Arial" panose="020B0604020202020204" pitchFamily="34" charset="0"/>
-                          </a:rPr>
-                        </m:ctrlPr>
-                      </m:sSubPr>
-                      <m:e>
-                        <m:r>
-                          <a:rPr lang="en-GB" sz="2400" b="0" i="1" noProof="0" smtClean="0">
-                            <a:latin typeface="Cambria Math" panose="02040503050406030204" pitchFamily="18" charset="0"/>
-                            <a:cs typeface="Arial" panose="020B0604020202020204" pitchFamily="34" charset="0"/>
-                          </a:rPr>
-                          <m:t>𝑤</m:t>
-                        </m:r>
-                      </m:e>
-                      <m:sub>
-                        <m:r>
-                          <a:rPr lang="en-GB" sz="2400" b="0" i="1" noProof="0" smtClean="0">
-                            <a:latin typeface="Cambria Math" panose="02040503050406030204" pitchFamily="18" charset="0"/>
-                            <a:cs typeface="Arial" panose="020B0604020202020204" pitchFamily="34" charset="0"/>
-                          </a:rPr>
-                          <m:t>𝑝</m:t>
-                        </m:r>
-                      </m:sub>
-                    </m:sSub>
-                    <m:r>
-                      <a:rPr lang="en-GB" sz="2400" b="0" i="1" noProof="0" smtClean="0">
-                        <a:latin typeface="Cambria Math" panose="02040503050406030204" pitchFamily="18" charset="0"/>
-                        <a:cs typeface="Arial" panose="020B0604020202020204" pitchFamily="34" charset="0"/>
-                      </a:rPr>
-                      <m:t>=</m:t>
-                    </m:r>
-                    <m:d>
-                      <m:dPr>
-                        <m:ctrlPr>
-                          <a:rPr lang="en-GB" sz="2400" b="0" i="1" noProof="0" smtClean="0">
-                            <a:latin typeface="Cambria Math" panose="02040503050406030204" pitchFamily="18" charset="0"/>
-                            <a:cs typeface="Arial" panose="020B0604020202020204" pitchFamily="34" charset="0"/>
-                          </a:rPr>
-                        </m:ctrlPr>
-                      </m:dPr>
-                      <m:e>
-                        <m:eqArr>
-                          <m:eqArrPr>
-                            <m:ctrlPr>
-                              <a:rPr lang="en-GB" sz="2400" b="0" i="1" noProof="0" smtClean="0">
-                                <a:latin typeface="Cambria Math" panose="02040503050406030204" pitchFamily="18" charset="0"/>
-                              </a:rPr>
-                            </m:ctrlPr>
-                          </m:eqArrPr>
-                          <m:e>
-                            <m:sSub>
-                              <m:sSubPr>
-                                <m:ctrlPr>
-                                  <a:rPr lang="en-GB" sz="1800" i="1" noProof="0" smtClean="0">
-                                    <a:latin typeface="Cambria Math" panose="02040503050406030204" pitchFamily="18" charset="0"/>
-                                    <a:cs typeface="Arial" panose="020B0604020202020204" pitchFamily="34" charset="0"/>
-                                  </a:rPr>
-                                </m:ctrlPr>
-                              </m:sSubPr>
-                              <m:e>
-                                <m:r>
-                                  <a:rPr lang="en-GB" sz="1800" b="0" i="1" noProof="0" smtClean="0">
-                                    <a:latin typeface="Cambria Math" panose="02040503050406030204" pitchFamily="18" charset="0"/>
-                                    <a:cs typeface="Arial" panose="020B0604020202020204" pitchFamily="34" charset="0"/>
-                                  </a:rPr>
-                                  <m:t>𝑦</m:t>
-                                </m:r>
-                              </m:e>
-                              <m:sub>
-                                <m:r>
-                                  <a:rPr lang="en-GB" sz="1800" b="0" i="1" noProof="0" smtClean="0">
-                                    <a:latin typeface="Cambria Math" panose="02040503050406030204" pitchFamily="18" charset="0"/>
-                                    <a:cs typeface="Arial" panose="020B0604020202020204" pitchFamily="34" charset="0"/>
-                                  </a:rPr>
-                                  <m:t>𝑝</m:t>
-                                </m:r>
-                              </m:sub>
-                            </m:sSub>
-                          </m:e>
-                          <m:e>
-                            <m:sSub>
-                              <m:sSubPr>
-                                <m:ctrlPr>
-                                  <a:rPr lang="en-GB" sz="1800" i="1" noProof="0" smtClean="0">
-                                    <a:latin typeface="Cambria Math" panose="02040503050406030204" pitchFamily="18" charset="0"/>
-                                    <a:cs typeface="Arial" panose="020B0604020202020204" pitchFamily="34" charset="0"/>
-                                  </a:rPr>
-                                </m:ctrlPr>
-                              </m:sSubPr>
-                              <m:e>
-                                <m:r>
-                                  <a:rPr lang="en-GB" sz="1800" b="0" i="1" noProof="0" smtClean="0">
-                                    <a:latin typeface="Cambria Math" panose="02040503050406030204" pitchFamily="18" charset="0"/>
-                                    <a:cs typeface="Arial" panose="020B0604020202020204" pitchFamily="34" charset="0"/>
-                                  </a:rPr>
-                                  <m:t>𝑢</m:t>
-                                </m:r>
-                              </m:e>
-                              <m:sub>
-                                <m:r>
-                                  <a:rPr lang="en-GB" sz="1800" b="0" i="1" noProof="0" smtClean="0">
-                                    <a:latin typeface="Cambria Math" panose="02040503050406030204" pitchFamily="18" charset="0"/>
-                                    <a:cs typeface="Arial" panose="020B0604020202020204" pitchFamily="34" charset="0"/>
-                                  </a:rPr>
-                                  <m:t>𝑝</m:t>
-                                </m:r>
-                              </m:sub>
-                            </m:sSub>
-                          </m:e>
-                        </m:eqArr>
-                      </m:e>
-                    </m:d>
-                  </m:oMath>
-                </a14:m>
+                <a:endParaRPr lang="en-GB" sz="2400" noProof="0" dirty="0">
+                  <a:latin typeface="Arial" panose="020B0604020202020204" pitchFamily="34" charset="0"/>
+                  <a:cs typeface="Arial" panose="020B0604020202020204" pitchFamily="34" charset="0"/>
+                </a:endParaRPr>
+              </a:p>
+              <a:p>
+                <a:pPr algn="just"/>
+                <a:endParaRPr lang="en-GB" sz="2400" dirty="0">
+                  <a:latin typeface="Arial" panose="020B0604020202020204" pitchFamily="34" charset="0"/>
+                  <a:cs typeface="Arial" panose="020B0604020202020204" pitchFamily="34" charset="0"/>
+                </a:endParaRPr>
+              </a:p>
+              <a:p>
+                <a:pPr algn="just"/>
+                <a:endParaRPr lang="en-GB" sz="2400" noProof="0" dirty="0">
+                  <a:latin typeface="Arial" panose="020B0604020202020204" pitchFamily="34" charset="0"/>
+                  <a:cs typeface="Arial" panose="020B0604020202020204" pitchFamily="34" charset="0"/>
+                </a:endParaRPr>
+              </a:p>
+              <a:p>
+                <a:pPr algn="just"/>
                 <a:endParaRPr lang="en-GB" sz="2400" noProof="0" dirty="0">
                   <a:latin typeface="Arial" panose="020B0604020202020204" pitchFamily="34" charset="0"/>
                   <a:cs typeface="Arial" panose="020B0604020202020204" pitchFamily="34" charset="0"/>
@@ -5575,14 +5187,14 @@
                     </m:oMathParaPr>
                     <m:oMath xmlns:m="http://schemas.openxmlformats.org/officeDocument/2006/math">
                       <m:r>
-                        <a:rPr lang="en-GB" sz="2000" b="0" i="1" noProof="0" smtClean="0">
+                        <a:rPr lang="it-IT" sz="2400" b="0" i="1" noProof="0" smtClean="0">
                           <a:latin typeface="Cambria Math" panose="02040503050406030204" pitchFamily="18" charset="0"/>
                           <a:cs typeface="Arial" panose="020B0604020202020204" pitchFamily="34" charset="0"/>
                         </a:rPr>
                         <m:t>𝐽</m:t>
                       </m:r>
                       <m:r>
-                        <a:rPr lang="en-GB" sz="2000" b="0" i="1" noProof="0" smtClean="0">
+                        <a:rPr lang="it-IT" sz="2400" b="0" i="1" noProof="0" smtClean="0">
                           <a:latin typeface="Cambria Math" panose="02040503050406030204" pitchFamily="18" charset="0"/>
                           <a:cs typeface="Arial" panose="020B0604020202020204" pitchFamily="34" charset="0"/>
                         </a:rPr>
@@ -5591,7 +5203,221 @@
                       <m:sSup>
                         <m:sSupPr>
                           <m:ctrlPr>
-                            <a:rPr lang="en-GB" sz="2000" b="0" i="1" noProof="0" smtClean="0">
+                            <a:rPr lang="it-IT" sz="2400" b="0" i="1" noProof="0" smtClean="0">
+                              <a:latin typeface="Cambria Math" panose="02040503050406030204" pitchFamily="18" charset="0"/>
+                              <a:cs typeface="Arial" panose="020B0604020202020204" pitchFamily="34" charset="0"/>
+                            </a:rPr>
+                          </m:ctrlPr>
+                        </m:sSupPr>
+                        <m:e>
+                          <m:d>
+                            <m:dPr>
+                              <m:ctrlPr>
+                                <a:rPr lang="it-IT" sz="2400" b="0" i="1" noProof="0" smtClean="0">
+                                  <a:latin typeface="Cambria Math" panose="02040503050406030204" pitchFamily="18" charset="0"/>
+                                  <a:cs typeface="Arial" panose="020B0604020202020204" pitchFamily="34" charset="0"/>
+                                </a:rPr>
+                              </m:ctrlPr>
+                            </m:dPr>
+                            <m:e>
+                              <m:sSub>
+                                <m:sSubPr>
+                                  <m:ctrlPr>
+                                    <a:rPr lang="it-IT" sz="2400" b="0" i="1" noProof="0" smtClean="0">
+                                      <a:latin typeface="Cambria Math" panose="02040503050406030204" pitchFamily="18" charset="0"/>
+                                      <a:cs typeface="Arial" panose="020B0604020202020204" pitchFamily="34" charset="0"/>
+                                    </a:rPr>
+                                  </m:ctrlPr>
+                                </m:sSubPr>
+                                <m:e>
+                                  <m:r>
+                                    <a:rPr lang="it-IT" sz="2400" b="0" i="1" noProof="0" smtClean="0">
+                                      <a:latin typeface="Cambria Math" panose="02040503050406030204" pitchFamily="18" charset="0"/>
+                                      <a:cs typeface="Arial" panose="020B0604020202020204" pitchFamily="34" charset="0"/>
+                                    </a:rPr>
+                                    <m:t>𝐿</m:t>
+                                  </m:r>
+                                </m:e>
+                                <m:sub>
+                                  <m:r>
+                                    <a:rPr lang="it-IT" sz="2400" b="0" i="1" noProof="0" smtClean="0">
+                                      <a:latin typeface="Cambria Math" panose="02040503050406030204" pitchFamily="18" charset="0"/>
+                                      <a:cs typeface="Arial" panose="020B0604020202020204" pitchFamily="34" charset="0"/>
+                                    </a:rPr>
+                                    <m:t>𝑤</m:t>
+                                  </m:r>
+                                </m:sub>
+                              </m:sSub>
+                              <m:sSubSup>
+                                <m:sSubSupPr>
+                                  <m:ctrlPr>
+                                    <a:rPr lang="it-IT" sz="2400" b="0" i="1" noProof="0" smtClean="0">
+                                      <a:latin typeface="Cambria Math" panose="02040503050406030204" pitchFamily="18" charset="0"/>
+                                      <a:cs typeface="Arial" panose="020B0604020202020204" pitchFamily="34" charset="0"/>
+                                    </a:rPr>
+                                  </m:ctrlPr>
+                                </m:sSubSupPr>
+                                <m:e>
+                                  <m:r>
+                                    <a:rPr lang="it-IT" sz="2400" b="0" i="1" noProof="0" smtClean="0">
+                                      <a:latin typeface="Cambria Math" panose="02040503050406030204" pitchFamily="18" charset="0"/>
+                                      <a:cs typeface="Arial" panose="020B0604020202020204" pitchFamily="34" charset="0"/>
+                                    </a:rPr>
+                                    <m:t>𝑤</m:t>
+                                  </m:r>
+                                </m:e>
+                                <m:sub>
+                                  <m:r>
+                                    <a:rPr lang="it-IT" sz="2400" b="0" i="1" noProof="0" smtClean="0">
+                                      <a:latin typeface="Cambria Math" panose="02040503050406030204" pitchFamily="18" charset="0"/>
+                                      <a:cs typeface="Arial" panose="020B0604020202020204" pitchFamily="34" charset="0"/>
+                                    </a:rPr>
+                                    <m:t>𝑝</m:t>
+                                  </m:r>
+                                </m:sub>
+                                <m:sup>
+                                  <m:r>
+                                    <a:rPr lang="it-IT" sz="2400" b="0" i="1" noProof="0" smtClean="0">
+                                      <a:latin typeface="Cambria Math" panose="02040503050406030204" pitchFamily="18" charset="0"/>
+                                      <a:cs typeface="Arial" panose="020B0604020202020204" pitchFamily="34" charset="0"/>
+                                    </a:rPr>
+                                    <m:t>∗</m:t>
+                                  </m:r>
+                                </m:sup>
+                              </m:sSubSup>
+                              <m:r>
+                                <a:rPr lang="it-IT" sz="2400" b="0" i="1" noProof="0" smtClean="0">
+                                  <a:latin typeface="Cambria Math" panose="02040503050406030204" pitchFamily="18" charset="0"/>
+                                  <a:cs typeface="Arial" panose="020B0604020202020204" pitchFamily="34" charset="0"/>
+                                </a:rPr>
+                                <m:t>+</m:t>
+                              </m:r>
+                              <m:sSub>
+                                <m:sSubPr>
+                                  <m:ctrlPr>
+                                    <a:rPr lang="it-IT" sz="2400" b="0" i="1" noProof="0" smtClean="0">
+                                      <a:latin typeface="Cambria Math" panose="02040503050406030204" pitchFamily="18" charset="0"/>
+                                      <a:cs typeface="Arial" panose="020B0604020202020204" pitchFamily="34" charset="0"/>
+                                    </a:rPr>
+                                  </m:ctrlPr>
+                                </m:sSubPr>
+                                <m:e>
+                                  <m:r>
+                                    <a:rPr lang="it-IT" sz="2400" b="0" i="1" noProof="0" smtClean="0">
+                                      <a:latin typeface="Cambria Math" panose="02040503050406030204" pitchFamily="18" charset="0"/>
+                                      <a:cs typeface="Arial" panose="020B0604020202020204" pitchFamily="34" charset="0"/>
+                                    </a:rPr>
+                                    <m:t>𝐿</m:t>
+                                  </m:r>
+                                </m:e>
+                                <m:sub>
+                                  <m:r>
+                                    <a:rPr lang="it-IT" sz="2400" b="0" i="1" noProof="0" smtClean="0">
+                                      <a:latin typeface="Cambria Math" panose="02040503050406030204" pitchFamily="18" charset="0"/>
+                                      <a:cs typeface="Arial" panose="020B0604020202020204" pitchFamily="34" charset="0"/>
+                                    </a:rPr>
+                                    <m:t>𝑢</m:t>
+                                  </m:r>
+                                </m:sub>
+                              </m:sSub>
+                              <m:sSubSup>
+                                <m:sSubSupPr>
+                                  <m:ctrlPr>
+                                    <a:rPr lang="it-IT" sz="2400" b="0" i="1" noProof="0" smtClean="0">
+                                      <a:latin typeface="Cambria Math" panose="02040503050406030204" pitchFamily="18" charset="0"/>
+                                      <a:cs typeface="Arial" panose="020B0604020202020204" pitchFamily="34" charset="0"/>
+                                    </a:rPr>
+                                  </m:ctrlPr>
+                                </m:sSubSupPr>
+                                <m:e>
+                                  <m:r>
+                                    <a:rPr lang="it-IT" sz="2400" b="0" i="1" noProof="0" smtClean="0">
+                                      <a:latin typeface="Cambria Math" panose="02040503050406030204" pitchFamily="18" charset="0"/>
+                                      <a:cs typeface="Arial" panose="020B0604020202020204" pitchFamily="34" charset="0"/>
+                                    </a:rPr>
+                                    <m:t>𝑢</m:t>
+                                  </m:r>
+                                </m:e>
+                                <m:sub>
+                                  <m:r>
+                                    <a:rPr lang="it-IT" sz="2400" b="0" i="1" noProof="0" smtClean="0">
+                                      <a:latin typeface="Cambria Math" panose="02040503050406030204" pitchFamily="18" charset="0"/>
+                                      <a:cs typeface="Arial" panose="020B0604020202020204" pitchFamily="34" charset="0"/>
+                                    </a:rPr>
+                                    <m:t>𝑓</m:t>
+                                  </m:r>
+                                </m:sub>
+                                <m:sup>
+                                  <m:r>
+                                    <a:rPr lang="it-IT" sz="2400" b="0" i="1" noProof="0" smtClean="0">
+                                      <a:latin typeface="Cambria Math" panose="02040503050406030204" pitchFamily="18" charset="0"/>
+                                      <a:cs typeface="Arial" panose="020B0604020202020204" pitchFamily="34" charset="0"/>
+                                    </a:rPr>
+                                    <m:t>∗</m:t>
+                                  </m:r>
+                                </m:sup>
+                              </m:sSubSup>
+                              <m:r>
+                                <a:rPr lang="it-IT" sz="2400" b="0" i="1" noProof="0" smtClean="0">
+                                  <a:latin typeface="Cambria Math" panose="02040503050406030204" pitchFamily="18" charset="0"/>
+                                  <a:cs typeface="Arial" panose="020B0604020202020204" pitchFamily="34" charset="0"/>
+                                </a:rPr>
+                                <m:t>−</m:t>
+                              </m:r>
+                              <m:sSubSup>
+                                <m:sSubSupPr>
+                                  <m:ctrlPr>
+                                    <a:rPr lang="it-IT" sz="2400" b="0" i="1" noProof="0" smtClean="0">
+                                      <a:latin typeface="Cambria Math" panose="02040503050406030204" pitchFamily="18" charset="0"/>
+                                      <a:cs typeface="Arial" panose="020B0604020202020204" pitchFamily="34" charset="0"/>
+                                    </a:rPr>
+                                  </m:ctrlPr>
+                                </m:sSubSupPr>
+                                <m:e>
+                                  <m:r>
+                                    <a:rPr lang="it-IT" sz="2400" b="0" i="1" noProof="0" smtClean="0">
+                                      <a:latin typeface="Cambria Math" panose="02040503050406030204" pitchFamily="18" charset="0"/>
+                                      <a:cs typeface="Arial" panose="020B0604020202020204" pitchFamily="34" charset="0"/>
+                                    </a:rPr>
+                                    <m:t>𝑟</m:t>
+                                  </m:r>
+                                </m:e>
+                                <m:sub>
+                                  <m:r>
+                                    <a:rPr lang="it-IT" sz="2400" b="0" i="1" noProof="0" smtClean="0">
+                                      <a:latin typeface="Cambria Math" panose="02040503050406030204" pitchFamily="18" charset="0"/>
+                                      <a:cs typeface="Arial" panose="020B0604020202020204" pitchFamily="34" charset="0"/>
+                                    </a:rPr>
+                                    <m:t>𝑓</m:t>
+                                  </m:r>
+                                </m:sub>
+                                <m:sup>
+                                  <m:r>
+                                    <a:rPr lang="it-IT" sz="2400" b="0" i="1" noProof="0" smtClean="0">
+                                      <a:latin typeface="Cambria Math" panose="02040503050406030204" pitchFamily="18" charset="0"/>
+                                      <a:cs typeface="Arial" panose="020B0604020202020204" pitchFamily="34" charset="0"/>
+                                    </a:rPr>
+                                    <m:t>∗</m:t>
+                                  </m:r>
+                                </m:sup>
+                              </m:sSubSup>
+                            </m:e>
+                          </m:d>
+                        </m:e>
+                        <m:sup>
+                          <m:r>
+                            <a:rPr lang="it-IT" sz="2400" b="0" i="1" noProof="0" smtClean="0">
+                              <a:latin typeface="Cambria Math" panose="02040503050406030204" pitchFamily="18" charset="0"/>
+                              <a:cs typeface="Arial" panose="020B0604020202020204" pitchFamily="34" charset="0"/>
+                            </a:rPr>
+                            <m:t>𝑇</m:t>
+                          </m:r>
+                        </m:sup>
+                      </m:sSup>
+                      <m:sSup>
+                        <m:sSupPr>
+                          <m:ctrlPr>
+                            <a:rPr lang="it-IT" sz="2400" b="0" i="1" noProof="0" smtClean="0">
                               <a:latin typeface="Cambria Math" panose="02040503050406030204" pitchFamily="18" charset="0"/>
                               <a:cs typeface="Arial" panose="020B0604020202020204" pitchFamily="34" charset="0"/>
                             </a:rPr>
@@ -5599,24 +5425,45 @@
                         </m:sSupPr>
                         <m:e>
                           <m:r>
-                            <a:rPr lang="en-GB" sz="2000" b="0" i="1" noProof="0" smtClean="0">
+                            <a:rPr lang="it-IT" sz="2400" b="0" i="1" noProof="0" smtClean="0">
                               <a:latin typeface="Cambria Math" panose="02040503050406030204" pitchFamily="18" charset="0"/>
                               <a:cs typeface="Arial" panose="020B0604020202020204" pitchFamily="34" charset="0"/>
                             </a:rPr>
-                            <m:t>(</m:t>
+                            <m:t>𝑄</m:t>
                           </m:r>
-                          <m:sSubSup>
-                            <m:sSubSupPr>
+                        </m:e>
+                        <m:sup>
+                          <m:r>
+                            <a:rPr lang="it-IT" sz="2400" b="0" i="1" noProof="0" smtClean="0">
+                              <a:latin typeface="Cambria Math" panose="02040503050406030204" pitchFamily="18" charset="0"/>
+                              <a:cs typeface="Arial" panose="020B0604020202020204" pitchFamily="34" charset="0"/>
+                            </a:rPr>
+                            <m:t>∗</m:t>
+                          </m:r>
+                        </m:sup>
+                      </m:sSup>
+                      <m:d>
+                        <m:dPr>
+                          <m:ctrlPr>
+                            <a:rPr lang="it-IT" sz="2400" b="0" i="1" noProof="0" smtClean="0">
+                              <a:latin typeface="Cambria Math" panose="02040503050406030204" pitchFamily="18" charset="0"/>
+                              <a:cs typeface="Arial" panose="020B0604020202020204" pitchFamily="34" charset="0"/>
+                            </a:rPr>
+                          </m:ctrlPr>
+                        </m:dPr>
+                        <m:e>
+                          <m:sSub>
+                            <m:sSubPr>
                               <m:ctrlPr>
-                                <a:rPr lang="en-GB" sz="2000" b="0" i="1" noProof="0" smtClean="0">
+                                <a:rPr lang="it-IT" sz="2400" b="0" i="1" noProof="0" smtClean="0">
                                   <a:latin typeface="Cambria Math" panose="02040503050406030204" pitchFamily="18" charset="0"/>
                                   <a:cs typeface="Arial" panose="020B0604020202020204" pitchFamily="34" charset="0"/>
                                 </a:rPr>
                               </m:ctrlPr>
-                            </m:sSubSupPr>
+                            </m:sSubPr>
                             <m:e>
                               <m:r>
-                                <a:rPr lang="en-GB" sz="2000" b="0" i="1" noProof="0" smtClean="0">
+                                <a:rPr lang="it-IT" sz="2400" b="0" i="1" noProof="0" smtClean="0">
                                   <a:latin typeface="Cambria Math" panose="02040503050406030204" pitchFamily="18" charset="0"/>
                                   <a:cs typeface="Arial" panose="020B0604020202020204" pitchFamily="34" charset="0"/>
                                 </a:rPr>
@@ -5625,166 +5472,171 @@
                             </m:e>
                             <m:sub>
                               <m:r>
-                                <a:rPr lang="en-GB" sz="1600" b="0" i="1" noProof="0" smtClean="0">
+                                <a:rPr lang="it-IT" sz="2400" b="0" i="1" noProof="0" smtClean="0">
                                   <a:latin typeface="Cambria Math" panose="02040503050406030204" pitchFamily="18" charset="0"/>
+                                  <a:cs typeface="Arial" panose="020B0604020202020204" pitchFamily="34" charset="0"/>
                                 </a:rPr>
                                 <m:t>𝑤</m:t>
                               </m:r>
                             </m:sub>
-                            <m:sup/>
-                          </m:sSubSup>
+                          </m:sSub>
                           <m:sSubSup>
                             <m:sSubSupPr>
                               <m:ctrlPr>
-                                <a:rPr lang="en-GB" sz="1600" i="1" noProof="0" smtClean="0">
+                                <a:rPr lang="it-IT" sz="2400" b="0" i="1" noProof="0" smtClean="0">
                                   <a:latin typeface="Cambria Math" panose="02040503050406030204" pitchFamily="18" charset="0"/>
+                                  <a:cs typeface="Arial" panose="020B0604020202020204" pitchFamily="34" charset="0"/>
                                 </a:rPr>
                               </m:ctrlPr>
                             </m:sSubSupPr>
                             <m:e>
                               <m:r>
-                                <a:rPr lang="en-GB" sz="1600" b="0" i="1" noProof="0" smtClean="0">
+                                <a:rPr lang="it-IT" sz="2400" b="0" i="1" noProof="0" smtClean="0">
                                   <a:latin typeface="Cambria Math" panose="02040503050406030204" pitchFamily="18" charset="0"/>
+                                  <a:cs typeface="Arial" panose="020B0604020202020204" pitchFamily="34" charset="0"/>
                                 </a:rPr>
                                 <m:t>𝑤</m:t>
                               </m:r>
                             </m:e>
                             <m:sub>
                               <m:r>
-                                <a:rPr lang="en-GB" sz="1600" b="0" i="1" noProof="0" smtClean="0">
+                                <a:rPr lang="it-IT" sz="2400" b="0" i="1" noProof="0" smtClean="0">
                                   <a:latin typeface="Cambria Math" panose="02040503050406030204" pitchFamily="18" charset="0"/>
+                                  <a:cs typeface="Arial" panose="020B0604020202020204" pitchFamily="34" charset="0"/>
                                 </a:rPr>
                                 <m:t>𝑝</m:t>
                               </m:r>
                             </m:sub>
-                            <m:sup/>
+                            <m:sup>
+                              <m:r>
+                                <a:rPr lang="it-IT" sz="2400" b="0" i="1" noProof="0" smtClean="0">
+                                  <a:latin typeface="Cambria Math" panose="02040503050406030204" pitchFamily="18" charset="0"/>
+                                  <a:cs typeface="Arial" panose="020B0604020202020204" pitchFamily="34" charset="0"/>
+                                </a:rPr>
+                                <m:t>∗</m:t>
+                              </m:r>
+                            </m:sup>
                           </m:sSubSup>
                           <m:r>
-                            <a:rPr lang="en-GB" sz="1600" b="0" i="1" noProof="0" smtClean="0">
+                            <a:rPr lang="it-IT" sz="2400" b="0" i="1" noProof="0" smtClean="0">
                               <a:latin typeface="Cambria Math" panose="02040503050406030204" pitchFamily="18" charset="0"/>
+                              <a:cs typeface="Arial" panose="020B0604020202020204" pitchFamily="34" charset="0"/>
                             </a:rPr>
                             <m:t>+</m:t>
                           </m:r>
-                          <m:sSubSup>
-                            <m:sSubSupPr>
+                          <m:sSub>
+                            <m:sSubPr>
                               <m:ctrlPr>
-                                <a:rPr lang="en-GB" sz="1600" b="0" i="1" noProof="0" smtClean="0">
+                                <a:rPr lang="it-IT" sz="2400" b="0" i="1" noProof="0" smtClean="0">
                                   <a:latin typeface="Cambria Math" panose="02040503050406030204" pitchFamily="18" charset="0"/>
+                                  <a:cs typeface="Arial" panose="020B0604020202020204" pitchFamily="34" charset="0"/>
                                 </a:rPr>
                               </m:ctrlPr>
-                            </m:sSubSupPr>
+                            </m:sSubPr>
                             <m:e>
                               <m:r>
-                                <a:rPr lang="en-GB" sz="1600" b="0" i="1" noProof="0" smtClean="0">
+                                <a:rPr lang="it-IT" sz="2400" b="0" i="1" noProof="0" smtClean="0">
                                   <a:latin typeface="Cambria Math" panose="02040503050406030204" pitchFamily="18" charset="0"/>
+                                  <a:cs typeface="Arial" panose="020B0604020202020204" pitchFamily="34" charset="0"/>
                                 </a:rPr>
                                 <m:t>𝐿</m:t>
                               </m:r>
                             </m:e>
                             <m:sub>
                               <m:r>
-                                <a:rPr lang="en-GB" sz="1600" b="0" i="1" noProof="0" smtClean="0">
+                                <a:rPr lang="it-IT" sz="2400" b="0" i="1" noProof="0" smtClean="0">
                                   <a:latin typeface="Cambria Math" panose="02040503050406030204" pitchFamily="18" charset="0"/>
+                                  <a:cs typeface="Arial" panose="020B0604020202020204" pitchFamily="34" charset="0"/>
                                 </a:rPr>
                                 <m:t>𝑢</m:t>
                               </m:r>
                             </m:sub>
-                            <m:sup/>
-                          </m:sSubSup>
+                          </m:sSub>
                           <m:sSubSup>
                             <m:sSubSupPr>
                               <m:ctrlPr>
-                                <a:rPr lang="en-GB" sz="1600" i="1" noProof="0" smtClean="0">
+                                <a:rPr lang="it-IT" sz="2400" b="0" i="1" noProof="0" smtClean="0">
                                   <a:latin typeface="Cambria Math" panose="02040503050406030204" pitchFamily="18" charset="0"/>
+                                  <a:cs typeface="Arial" panose="020B0604020202020204" pitchFamily="34" charset="0"/>
                                 </a:rPr>
                               </m:ctrlPr>
                             </m:sSubSupPr>
                             <m:e>
                               <m:r>
-                                <a:rPr lang="en-GB" sz="1600" b="0" i="1" noProof="0" smtClean="0">
+                                <a:rPr lang="it-IT" sz="2400" b="0" i="1" noProof="0" smtClean="0">
                                   <a:latin typeface="Cambria Math" panose="02040503050406030204" pitchFamily="18" charset="0"/>
+                                  <a:cs typeface="Arial" panose="020B0604020202020204" pitchFamily="34" charset="0"/>
                                 </a:rPr>
                                 <m:t>𝑢</m:t>
                               </m:r>
                             </m:e>
                             <m:sub>
                               <m:r>
-                                <a:rPr lang="en-GB" sz="1600" b="0" i="1" noProof="0" smtClean="0">
+                                <a:rPr lang="it-IT" sz="2400" b="0" i="1" noProof="0" smtClean="0">
                                   <a:latin typeface="Cambria Math" panose="02040503050406030204" pitchFamily="18" charset="0"/>
+                                  <a:cs typeface="Arial" panose="020B0604020202020204" pitchFamily="34" charset="0"/>
                                 </a:rPr>
                                 <m:t>𝑓</m:t>
                               </m:r>
                             </m:sub>
-                            <m:sup/>
+                            <m:sup>
+                              <m:r>
+                                <a:rPr lang="it-IT" sz="2400" b="0" i="1" noProof="0" smtClean="0">
+                                  <a:latin typeface="Cambria Math" panose="02040503050406030204" pitchFamily="18" charset="0"/>
+                                  <a:cs typeface="Arial" panose="020B0604020202020204" pitchFamily="34" charset="0"/>
+                                </a:rPr>
+                                <m:t>∗</m:t>
+                              </m:r>
+                            </m:sup>
                           </m:sSubSup>
                           <m:r>
-                            <a:rPr lang="en-GB" sz="1600" b="0" i="1" noProof="0" smtClean="0">
+                            <a:rPr lang="it-IT" sz="2400" b="0" i="1" noProof="0" smtClean="0">
                               <a:latin typeface="Cambria Math" panose="02040503050406030204" pitchFamily="18" charset="0"/>
+                              <a:cs typeface="Arial" panose="020B0604020202020204" pitchFamily="34" charset="0"/>
                             </a:rPr>
                             <m:t>−</m:t>
                           </m:r>
-                          <m:sSubSup>
-                            <m:sSubSupPr>
+                          <m:sSub>
+                            <m:sSubPr>
                               <m:ctrlPr>
-                                <a:rPr lang="en-GB" sz="1600" b="0" i="1" noProof="0" smtClean="0">
+                                <a:rPr lang="it-IT" sz="2400" b="0" i="1" noProof="0" smtClean="0">
                                   <a:latin typeface="Cambria Math" panose="02040503050406030204" pitchFamily="18" charset="0"/>
+                                  <a:cs typeface="Arial" panose="020B0604020202020204" pitchFamily="34" charset="0"/>
                                 </a:rPr>
                               </m:ctrlPr>
-                            </m:sSubSupPr>
+                            </m:sSubPr>
                             <m:e>
                               <m:r>
-                                <a:rPr lang="en-GB" sz="1600" b="0" i="1" noProof="0" smtClean="0">
+                                <a:rPr lang="it-IT" sz="2400" b="0" i="1" noProof="0" smtClean="0">
                                   <a:latin typeface="Cambria Math" panose="02040503050406030204" pitchFamily="18" charset="0"/>
+                                  <a:cs typeface="Arial" panose="020B0604020202020204" pitchFamily="34" charset="0"/>
                                 </a:rPr>
                                 <m:t>𝑟</m:t>
                               </m:r>
                             </m:e>
                             <m:sub>
                               <m:r>
-                                <a:rPr lang="en-GB" sz="1600" b="0" i="1" noProof="0" smtClean="0">
+                                <a:rPr lang="it-IT" sz="2400" b="0" i="1" noProof="0" smtClean="0">
                                   <a:latin typeface="Cambria Math" panose="02040503050406030204" pitchFamily="18" charset="0"/>
+                                  <a:cs typeface="Arial" panose="020B0604020202020204" pitchFamily="34" charset="0"/>
                                 </a:rPr>
                                 <m:t>𝑓</m:t>
                               </m:r>
                             </m:sub>
-                            <m:sup/>
-                          </m:sSubSup>
-                          <m:r>
-                            <a:rPr lang="en-GB" sz="2000" b="0" i="1" noProof="0" smtClean="0">
-                              <a:latin typeface="Cambria Math" panose="02040503050406030204" pitchFamily="18" charset="0"/>
-                              <a:cs typeface="Arial" panose="020B0604020202020204" pitchFamily="34" charset="0"/>
-                            </a:rPr>
-                            <m:t>)</m:t>
-                          </m:r>
+                          </m:sSub>
                         </m:e>
-                        <m:sup>
-                          <m:r>
-                            <a:rPr lang="en-GB" sz="2000" b="0" i="1" noProof="0" smtClean="0">
-                              <a:latin typeface="Cambria Math" panose="02040503050406030204" pitchFamily="18" charset="0"/>
-                              <a:cs typeface="Arial" panose="020B0604020202020204" pitchFamily="34" charset="0"/>
-                            </a:rPr>
-                            <m:t>𝑇</m:t>
-                          </m:r>
-                        </m:sup>
-                      </m:sSup>
+                      </m:d>
                       <m:r>
-                        <a:rPr lang="en-GB" sz="2000" b="0" i="1" noProof="0" smtClean="0">
+                        <a:rPr lang="it-IT" sz="2400" b="0" i="1" noProof="0" smtClean="0">
                           <a:latin typeface="Cambria Math" panose="02040503050406030204" pitchFamily="18" charset="0"/>
                           <a:cs typeface="Arial" panose="020B0604020202020204" pitchFamily="34" charset="0"/>
                         </a:rPr>
-                        <m:t>𝑄</m:t>
-                      </m:r>
-                      <m:r>
-                        <a:rPr lang="en-GB" sz="2000" b="0" i="1" noProof="0" smtClean="0">
-                          <a:latin typeface="Cambria Math" panose="02040503050406030204" pitchFamily="18" charset="0"/>
-                          <a:cs typeface="Arial" panose="020B0604020202020204" pitchFamily="34" charset="0"/>
-                        </a:rPr>
-                        <m:t>(</m:t>
+                        <m:t>+</m:t>
                       </m:r>
                       <m:sSubSup>
                         <m:sSubSupPr>
                           <m:ctrlPr>
-                            <a:rPr lang="en-GB" sz="2800" b="0" i="1" noProof="0" smtClean="0">
+                            <a:rPr lang="it-IT" sz="2400" b="0" i="1" noProof="0" smtClean="0">
                               <a:latin typeface="Cambria Math" panose="02040503050406030204" pitchFamily="18" charset="0"/>
                               <a:cs typeface="Arial" panose="020B0604020202020204" pitchFamily="34" charset="0"/>
                             </a:rPr>
@@ -5792,158 +5644,7 @@
                         </m:sSubSupPr>
                         <m:e>
                           <m:r>
-                            <a:rPr lang="en-GB" sz="2800" b="0" i="1" noProof="0" smtClean="0">
-                              <a:latin typeface="Cambria Math" panose="02040503050406030204" pitchFamily="18" charset="0"/>
-                              <a:cs typeface="Arial" panose="020B0604020202020204" pitchFamily="34" charset="0"/>
-                            </a:rPr>
-                            <m:t>𝐿</m:t>
-                          </m:r>
-                        </m:e>
-                        <m:sub>
-                          <m:r>
-                            <a:rPr lang="en-GB" sz="2000" b="0" i="1" noProof="0" smtClean="0">
-                              <a:latin typeface="Cambria Math" panose="02040503050406030204" pitchFamily="18" charset="0"/>
-                            </a:rPr>
-                            <m:t>𝑤</m:t>
-                          </m:r>
-                        </m:sub>
-                        <m:sup/>
-                      </m:sSubSup>
-                      <m:sSubSup>
-                        <m:sSubSupPr>
-                          <m:ctrlPr>
-                            <a:rPr lang="en-GB" sz="2000" i="1" noProof="0" smtClean="0">
-                              <a:latin typeface="Cambria Math" panose="02040503050406030204" pitchFamily="18" charset="0"/>
-                            </a:rPr>
-                          </m:ctrlPr>
-                        </m:sSubSupPr>
-                        <m:e>
-                          <m:r>
-                            <a:rPr lang="en-GB" sz="2000" b="0" i="1" noProof="0" smtClean="0">
-                              <a:latin typeface="Cambria Math" panose="02040503050406030204" pitchFamily="18" charset="0"/>
-                            </a:rPr>
-                            <m:t>𝑤</m:t>
-                          </m:r>
-                        </m:e>
-                        <m:sub>
-                          <m:r>
-                            <a:rPr lang="en-GB" sz="2000" b="0" i="1" noProof="0" smtClean="0">
-                              <a:latin typeface="Cambria Math" panose="02040503050406030204" pitchFamily="18" charset="0"/>
-                            </a:rPr>
-                            <m:t>𝑝</m:t>
-                          </m:r>
-                        </m:sub>
-                        <m:sup/>
-                      </m:sSubSup>
-                      <m:r>
-                        <a:rPr lang="en-GB" sz="2000" b="0" i="1" noProof="0" smtClean="0">
-                          <a:latin typeface="Cambria Math" panose="02040503050406030204" pitchFamily="18" charset="0"/>
-                        </a:rPr>
-                        <m:t>+</m:t>
-                      </m:r>
-                      <m:sSubSup>
-                        <m:sSubSupPr>
-                          <m:ctrlPr>
-                            <a:rPr lang="en-GB" sz="2000" b="0" i="1" noProof="0" smtClean="0">
-                              <a:latin typeface="Cambria Math" panose="02040503050406030204" pitchFamily="18" charset="0"/>
-                            </a:rPr>
-                          </m:ctrlPr>
-                        </m:sSubSupPr>
-                        <m:e>
-                          <m:r>
-                            <a:rPr lang="en-GB" sz="2000" b="0" i="1" noProof="0" smtClean="0">
-                              <a:latin typeface="Cambria Math" panose="02040503050406030204" pitchFamily="18" charset="0"/>
-                            </a:rPr>
-                            <m:t>𝐿</m:t>
-                          </m:r>
-                        </m:e>
-                        <m:sub>
-                          <m:r>
-                            <a:rPr lang="en-GB" sz="2000" b="0" i="1" noProof="0" smtClean="0">
-                              <a:latin typeface="Cambria Math" panose="02040503050406030204" pitchFamily="18" charset="0"/>
-                            </a:rPr>
-                            <m:t>𝑢</m:t>
-                          </m:r>
-                        </m:sub>
-                        <m:sup/>
-                      </m:sSubSup>
-                      <m:sSubSup>
-                        <m:sSubSupPr>
-                          <m:ctrlPr>
-                            <a:rPr lang="en-GB" sz="2000" i="1" noProof="0" smtClean="0">
-                              <a:latin typeface="Cambria Math" panose="02040503050406030204" pitchFamily="18" charset="0"/>
-                            </a:rPr>
-                          </m:ctrlPr>
-                        </m:sSubSupPr>
-                        <m:e>
-                          <m:r>
-                            <a:rPr lang="en-GB" sz="2000" b="0" i="1" noProof="0" smtClean="0">
-                              <a:latin typeface="Cambria Math" panose="02040503050406030204" pitchFamily="18" charset="0"/>
-                            </a:rPr>
-                            <m:t>𝑢</m:t>
-                          </m:r>
-                        </m:e>
-                        <m:sub>
-                          <m:r>
-                            <a:rPr lang="en-GB" sz="2000" b="0" i="1" noProof="0" smtClean="0">
-                              <a:latin typeface="Cambria Math" panose="02040503050406030204" pitchFamily="18" charset="0"/>
-                            </a:rPr>
-                            <m:t>𝑓</m:t>
-                          </m:r>
-                        </m:sub>
-                        <m:sup/>
-                      </m:sSubSup>
-                      <m:r>
-                        <a:rPr lang="en-GB" sz="2000" b="0" i="1" noProof="0" smtClean="0">
-                          <a:latin typeface="Cambria Math" panose="02040503050406030204" pitchFamily="18" charset="0"/>
-                        </a:rPr>
-                        <m:t>−</m:t>
-                      </m:r>
-                      <m:sSubSup>
-                        <m:sSubSupPr>
-                          <m:ctrlPr>
-                            <a:rPr lang="en-GB" sz="2000" b="0" i="1" noProof="0" smtClean="0">
-                              <a:latin typeface="Cambria Math" panose="02040503050406030204" pitchFamily="18" charset="0"/>
-                            </a:rPr>
-                          </m:ctrlPr>
-                        </m:sSubSupPr>
-                        <m:e>
-                          <m:r>
-                            <a:rPr lang="en-GB" sz="2000" b="0" i="1" noProof="0" smtClean="0">
-                              <a:latin typeface="Cambria Math" panose="02040503050406030204" pitchFamily="18" charset="0"/>
-                            </a:rPr>
-                            <m:t>𝑟</m:t>
-                          </m:r>
-                        </m:e>
-                        <m:sub>
-                          <m:r>
-                            <a:rPr lang="en-GB" sz="2000" b="0" i="1" noProof="0" smtClean="0">
-                              <a:latin typeface="Cambria Math" panose="02040503050406030204" pitchFamily="18" charset="0"/>
-                            </a:rPr>
-                            <m:t>𝑓</m:t>
-                          </m:r>
-                        </m:sub>
-                        <m:sup/>
-                      </m:sSubSup>
-                      <m:r>
-                        <a:rPr lang="en-GB" sz="2000" b="0" i="1" noProof="0" smtClean="0">
-                          <a:latin typeface="Cambria Math" panose="02040503050406030204" pitchFamily="18" charset="0"/>
-                          <a:cs typeface="Arial" panose="020B0604020202020204" pitchFamily="34" charset="0"/>
-                        </a:rPr>
-                        <m:t>)+</m:t>
-                      </m:r>
-                      <m:sSubSup>
-                        <m:sSubSupPr>
-                          <m:ctrlPr>
-                            <a:rPr lang="en-GB" sz="2000" b="0" i="1" noProof="0" smtClean="0">
-                              <a:latin typeface="Cambria Math" panose="02040503050406030204" pitchFamily="18" charset="0"/>
-                              <a:cs typeface="Arial" panose="020B0604020202020204" pitchFamily="34" charset="0"/>
-                            </a:rPr>
-                          </m:ctrlPr>
-                        </m:sSubSupPr>
-                        <m:e>
-                          <m:r>
-                            <a:rPr lang="en-GB" sz="2000" b="0" i="1" noProof="0" smtClean="0">
+                            <a:rPr lang="it-IT" sz="2400" b="0" i="1" noProof="0" smtClean="0">
                               <a:latin typeface="Cambria Math" panose="02040503050406030204" pitchFamily="18" charset="0"/>
                               <a:cs typeface="Arial" panose="020B0604020202020204" pitchFamily="34" charset="0"/>
                             </a:rPr>
@@ -5952,7 +5653,7 @@
                         </m:e>
                         <m:sub>
                           <m:r>
-                            <a:rPr lang="en-GB" sz="2000" b="0" i="1" noProof="0" smtClean="0">
+                            <a:rPr lang="it-IT" sz="2400" b="0" i="1" noProof="0" smtClean="0">
                               <a:latin typeface="Cambria Math" panose="02040503050406030204" pitchFamily="18" charset="0"/>
                               <a:cs typeface="Arial" panose="020B0604020202020204" pitchFamily="34" charset="0"/>
                             </a:rPr>
@@ -5961,7 +5662,14 @@
                         </m:sub>
                         <m:sup>
                           <m:r>
-                            <a:rPr lang="en-GB" sz="2000" b="0" i="1" noProof="0" smtClean="0">
+                            <a:rPr lang="it-IT" sz="2400" b="0" i="1" noProof="0" smtClean="0">
+                              <a:latin typeface="Cambria Math" panose="02040503050406030204" pitchFamily="18" charset="0"/>
+                              <a:cs typeface="Arial" panose="020B0604020202020204" pitchFamily="34" charset="0"/>
+                            </a:rPr>
+                            <m:t>∗</m:t>
+                          </m:r>
+                          <m:r>
+                            <a:rPr lang="it-IT" sz="2400" b="0" i="1" noProof="0" smtClean="0">
                               <a:latin typeface="Cambria Math" panose="02040503050406030204" pitchFamily="18" charset="0"/>
                               <a:cs typeface="Arial" panose="020B0604020202020204" pitchFamily="34" charset="0"/>
                             </a:rPr>
@@ -5969,25 +5677,46 @@
                           </m:r>
                         </m:sup>
                       </m:sSubSup>
-                      <m:r>
-                        <a:rPr lang="en-GB" sz="2000" b="0" i="1" noProof="0" smtClean="0">
-                          <a:latin typeface="Cambria Math" panose="02040503050406030204" pitchFamily="18" charset="0"/>
-                          <a:cs typeface="Arial" panose="020B0604020202020204" pitchFamily="34" charset="0"/>
-                        </a:rPr>
-                        <m:t>𝑅</m:t>
-                      </m:r>
-                      <m:sSub>
-                        <m:sSubPr>
+                      <m:sSup>
+                        <m:sSupPr>
                           <m:ctrlPr>
-                            <a:rPr lang="en-GB" sz="2000" b="0" i="1" noProof="0" smtClean="0">
+                            <a:rPr lang="it-IT" sz="2400" b="0" i="1" noProof="0" smtClean="0">
                               <a:latin typeface="Cambria Math" panose="02040503050406030204" pitchFamily="18" charset="0"/>
                               <a:cs typeface="Arial" panose="020B0604020202020204" pitchFamily="34" charset="0"/>
                             </a:rPr>
                           </m:ctrlPr>
-                        </m:sSubPr>
+                        </m:sSupPr>
                         <m:e>
                           <m:r>
-                            <a:rPr lang="en-GB" sz="2000" b="0" i="1" noProof="0" smtClean="0">
+                            <a:rPr lang="it-IT" sz="2400" b="0" i="1" noProof="0" smtClean="0">
+                              <a:latin typeface="Cambria Math" panose="02040503050406030204" pitchFamily="18" charset="0"/>
+                              <a:cs typeface="Arial" panose="020B0604020202020204" pitchFamily="34" charset="0"/>
+                            </a:rPr>
+                            <m:t>𝑅</m:t>
+                          </m:r>
+                        </m:e>
+                        <m:sup>
+                          <m:r>
+                            <a:rPr lang="it-IT" sz="2400" b="0" i="1" noProof="0" smtClean="0">
+                              <a:latin typeface="Cambria Math" panose="02040503050406030204" pitchFamily="18" charset="0"/>
+                              <a:cs typeface="Arial" panose="020B0604020202020204" pitchFamily="34" charset="0"/>
+                            </a:rPr>
+                            <m:t>∗</m:t>
+                          </m:r>
+                        </m:sup>
+                      </m:sSup>
+                      <m:sSubSup>
+                        <m:sSubSupPr>
+                          <m:ctrlPr>
+                            <a:rPr lang="it-IT" sz="2400" b="0" i="1" noProof="0" smtClean="0">
+                              <a:latin typeface="Cambria Math" panose="02040503050406030204" pitchFamily="18" charset="0"/>
+                              <a:cs typeface="Arial" panose="020B0604020202020204" pitchFamily="34" charset="0"/>
+                            </a:rPr>
+                          </m:ctrlPr>
+                        </m:sSubSupPr>
+                        <m:e>
+                          <m:r>
+                            <a:rPr lang="it-IT" sz="2400" b="0" i="1" noProof="0" smtClean="0">
                               <a:latin typeface="Cambria Math" panose="02040503050406030204" pitchFamily="18" charset="0"/>
                               <a:cs typeface="Arial" panose="020B0604020202020204" pitchFamily="34" charset="0"/>
                             </a:rPr>
@@ -5996,14 +5725,23 @@
                         </m:e>
                         <m:sub>
                           <m:r>
-                            <a:rPr lang="en-GB" sz="2000" b="0" i="1" noProof="0" smtClean="0">
+                            <a:rPr lang="it-IT" sz="2400" b="0" i="1" noProof="0" smtClean="0">
                               <a:latin typeface="Cambria Math" panose="02040503050406030204" pitchFamily="18" charset="0"/>
                               <a:cs typeface="Arial" panose="020B0604020202020204" pitchFamily="34" charset="0"/>
                             </a:rPr>
                             <m:t>𝑓</m:t>
                           </m:r>
                         </m:sub>
-                      </m:sSub>
+                        <m:sup>
+                          <m:r>
+                            <a:rPr lang="it-IT" sz="2400" b="0" i="1" noProof="0" smtClean="0">
+                              <a:latin typeface="Cambria Math" panose="02040503050406030204" pitchFamily="18" charset="0"/>
+                              <a:cs typeface="Arial" panose="020B0604020202020204" pitchFamily="34" charset="0"/>
+                            </a:rPr>
+                            <m:t>∗</m:t>
+                          </m:r>
+                        </m:sup>
+                      </m:sSubSup>
                     </m:oMath>
                   </m:oMathPara>
                 </a14:m>
@@ -6040,7 +5778,7 @@
             <p:spPr>
               <a:xfrm>
                 <a:off x="723900" y="1191645"/>
-                <a:ext cx="10744200" cy="4873001"/>
+                <a:ext cx="10744200" cy="5062861"/>
               </a:xfrm>
               <a:prstGeom prst="rect">
                 <a:avLst/>
@@ -6048,7 +5786,7 @@
               <a:blipFill>
                 <a:blip r:embed="rId3"/>
                 <a:stretch>
-                  <a:fillRect l="-908" t="-1000" r="-851"/>
+                  <a:fillRect l="-908" t="-963" r="-851"/>
                 </a:stretch>
               </a:blipFill>
             </p:spPr>
@@ -6067,6 +5805,36 @@
           </p:sp>
         </mc:Fallback>
       </mc:AlternateContent>
+      <p:pic>
+        <p:nvPicPr>
+          <p:cNvPr id="4" name="Immagine 3" descr="Immagine che contiene testo, diagramma, Carattere, calligrafia&#10;&#10;Il contenuto generato dall'IA potrebbe non essere corretto.">
+            <a:extLst>
+              <a:ext uri="{FF2B5EF4-FFF2-40B4-BE49-F238E27FC236}">
+                <a16:creationId xmlns:a16="http://schemas.microsoft.com/office/drawing/2014/main" id="{9C5B678B-7C69-BB7D-7529-AFB3639DEC10}"/>
+              </a:ext>
+            </a:extLst>
+          </p:cNvPr>
+          <p:cNvPicPr>
+            <a:picLocks noChangeAspect="1"/>
+          </p:cNvPicPr>
+          <p:nvPr/>
+        </p:nvPicPr>
+        <p:blipFill>
+          <a:blip r:embed="rId4"/>
+          <a:stretch>
+            <a:fillRect/>
+          </a:stretch>
+        </p:blipFill>
+        <p:spPr>
+          <a:xfrm>
+            <a:off x="2438400" y="1828800"/>
+            <a:ext cx="7634010" cy="2136814"/>
+          </a:xfrm>
+          <a:prstGeom prst="rect">
+            <a:avLst/>
+          </a:prstGeom>
+        </p:spPr>
+      </p:pic>
     </p:spTree>
     <p:extLst>
       <p:ext uri="{BB962C8B-B14F-4D97-AF65-F5344CB8AC3E}">
@@ -6155,7 +5923,7 @@
             <p:spPr>
               <a:xfrm>
                 <a:off x="723900" y="1191645"/>
-                <a:ext cx="10744200" cy="3113866"/>
+                <a:ext cx="10744200" cy="3088089"/>
               </a:xfrm>
               <a:prstGeom prst="rect">
                 <a:avLst/>
@@ -6174,21 +5942,7 @@
                     <a:latin typeface="Arial" panose="020B0604020202020204" pitchFamily="34" charset="0"/>
                     <a:cs typeface="Arial" panose="020B0604020202020204" pitchFamily="34" charset="0"/>
                   </a:rPr>
-                  <a:t>Now, we can implement the first </a:t>
-                </a:r>
-                <a:r>
-                  <a:rPr lang="en-GB" sz="2400" noProof="0" dirty="0" err="1">
-                    <a:latin typeface="Arial" panose="020B0604020202020204" pitchFamily="34" charset="0"/>
-                    <a:cs typeface="Arial" panose="020B0604020202020204" pitchFamily="34" charset="0"/>
-                  </a:rPr>
-                  <a:t>imput</a:t>
-                </a:r>
-                <a:r>
-                  <a:rPr lang="en-GB" sz="2400" noProof="0" dirty="0">
-                    <a:latin typeface="Arial" panose="020B0604020202020204" pitchFamily="34" charset="0"/>
-                    <a:cs typeface="Arial" panose="020B0604020202020204" pitchFamily="34" charset="0"/>
-                  </a:rPr>
-                  <a:t>, </a:t>
+                  <a:t>Now, we can implement the first input, </a:t>
                 </a:r>
                 <a14:m>
                   <m:oMath xmlns:m="http://schemas.openxmlformats.org/officeDocument/2006/math">
@@ -6231,18 +5985,18 @@
                 </a:r>
                 <a14:m>
                   <m:oMath xmlns:m="http://schemas.openxmlformats.org/officeDocument/2006/math">
-                    <m:sSub>
-                      <m:sSubPr>
+                    <m:sSubSup>
+                      <m:sSubSupPr>
                         <m:ctrlPr>
-                          <a:rPr lang="en-GB" sz="2400" i="1" noProof="0" smtClean="0">
+                          <a:rPr lang="it-IT" sz="2400" b="0" i="1" noProof="0" smtClean="0">
                             <a:latin typeface="Cambria Math" panose="02040503050406030204" pitchFamily="18" charset="0"/>
                             <a:cs typeface="Arial" panose="020B0604020202020204" pitchFamily="34" charset="0"/>
                           </a:rPr>
                         </m:ctrlPr>
-                      </m:sSubPr>
+                      </m:sSubSupPr>
                       <m:e>
                         <m:r>
-                          <a:rPr lang="en-GB" sz="2400" b="0" i="1" noProof="0" smtClean="0">
+                          <a:rPr lang="it-IT" sz="2400" i="1" noProof="0" smtClean="0">
                             <a:latin typeface="Cambria Math" panose="02040503050406030204" pitchFamily="18" charset="0"/>
                             <a:cs typeface="Arial" panose="020B0604020202020204" pitchFamily="34" charset="0"/>
                           </a:rPr>
@@ -6251,14 +6005,23 @@
                       </m:e>
                       <m:sub>
                         <m:r>
-                          <a:rPr lang="en-GB" sz="2400" b="0" i="1" noProof="0" smtClean="0">
+                          <a:rPr lang="it-IT" sz="2400" b="0" i="1" noProof="0" smtClean="0">
                             <a:latin typeface="Cambria Math" panose="02040503050406030204" pitchFamily="18" charset="0"/>
                             <a:cs typeface="Arial" panose="020B0604020202020204" pitchFamily="34" charset="0"/>
                           </a:rPr>
                           <m:t>𝑓</m:t>
                         </m:r>
                       </m:sub>
-                    </m:sSub>
+                      <m:sup>
+                        <m:r>
+                          <a:rPr lang="it-IT" sz="2400" b="0" i="1" noProof="0" smtClean="0">
+                            <a:latin typeface="Cambria Math" panose="02040503050406030204" pitchFamily="18" charset="0"/>
+                            <a:cs typeface="Arial" panose="020B0604020202020204" pitchFamily="34" charset="0"/>
+                          </a:rPr>
+                          <m:t>∗</m:t>
+                        </m:r>
+                      </m:sup>
+                    </m:sSubSup>
                   </m:oMath>
                 </a14:m>
                 <a:r>
@@ -6278,318 +6041,6 @@
               </a:p>
               <a:p>
                 <a:pPr algn="just"/>
-                <a14:m>
-                  <m:oMathPara xmlns:m="http://schemas.openxmlformats.org/officeDocument/2006/math">
-                    <m:oMathParaPr>
-                      <m:jc m:val="centerGroup"/>
-                    </m:oMathParaPr>
-                    <m:oMath xmlns:m="http://schemas.openxmlformats.org/officeDocument/2006/math">
-                      <m:sSub>
-                        <m:sSubPr>
-                          <m:ctrlPr>
-                            <a:rPr lang="en-GB" sz="2400" i="1" noProof="0" smtClean="0">
-                              <a:latin typeface="Cambria Math" panose="02040503050406030204" pitchFamily="18" charset="0"/>
-                              <a:cs typeface="Arial" panose="020B0604020202020204" pitchFamily="34" charset="0"/>
-                            </a:rPr>
-                          </m:ctrlPr>
-                        </m:sSubPr>
-                        <m:e>
-                          <m:r>
-                            <a:rPr lang="en-GB" sz="2400" b="0" i="1" noProof="0" smtClean="0">
-                              <a:latin typeface="Cambria Math" panose="02040503050406030204" pitchFamily="18" charset="0"/>
-                              <a:cs typeface="Arial" panose="020B0604020202020204" pitchFamily="34" charset="0"/>
-                            </a:rPr>
-                            <m:t>𝑢</m:t>
-                          </m:r>
-                        </m:e>
-                        <m:sub>
-                          <m:r>
-                            <a:rPr lang="en-GB" sz="2400" b="0" i="1" noProof="0" smtClean="0">
-                              <a:latin typeface="Cambria Math" panose="02040503050406030204" pitchFamily="18" charset="0"/>
-                              <a:cs typeface="Arial" panose="020B0604020202020204" pitchFamily="34" charset="0"/>
-                            </a:rPr>
-                            <m:t>𝑓</m:t>
-                          </m:r>
-                        </m:sub>
-                      </m:sSub>
-                      <m:r>
-                        <a:rPr lang="en-GB" sz="2400" b="0" i="1" noProof="0" smtClean="0">
-                          <a:latin typeface="Cambria Math" panose="02040503050406030204" pitchFamily="18" charset="0"/>
-                          <a:cs typeface="Arial" panose="020B0604020202020204" pitchFamily="34" charset="0"/>
-                        </a:rPr>
-                        <m:t>=</m:t>
-                      </m:r>
-                      <m:sSup>
-                        <m:sSupPr>
-                          <m:ctrlPr>
-                            <a:rPr lang="en-GB" sz="2400" b="0" i="1" noProof="0" smtClean="0">
-                              <a:latin typeface="Cambria Math" panose="02040503050406030204" pitchFamily="18" charset="0"/>
-                              <a:cs typeface="Arial" panose="020B0604020202020204" pitchFamily="34" charset="0"/>
-                            </a:rPr>
-                          </m:ctrlPr>
-                        </m:sSupPr>
-                        <m:e>
-                          <m:d>
-                            <m:dPr>
-                              <m:ctrlPr>
-                                <a:rPr lang="en-GB" sz="2400" b="0" i="1" noProof="0" smtClean="0">
-                                  <a:latin typeface="Cambria Math" panose="02040503050406030204" pitchFamily="18" charset="0"/>
-                                  <a:cs typeface="Arial" panose="020B0604020202020204" pitchFamily="34" charset="0"/>
-                                </a:rPr>
-                              </m:ctrlPr>
-                            </m:dPr>
-                            <m:e>
-                              <m:r>
-                                <a:rPr lang="en-GB" sz="2400" b="0" i="1" noProof="0" smtClean="0">
-                                  <a:latin typeface="Cambria Math" panose="02040503050406030204" pitchFamily="18" charset="0"/>
-                                  <a:cs typeface="Arial" panose="020B0604020202020204" pitchFamily="34" charset="0"/>
-                                </a:rPr>
-                                <m:t>𝑅</m:t>
-                              </m:r>
-                              <m:r>
-                                <a:rPr lang="en-GB" sz="2400" b="0" i="1" noProof="0" smtClean="0">
-                                  <a:latin typeface="Cambria Math" panose="02040503050406030204" pitchFamily="18" charset="0"/>
-                                  <a:cs typeface="Arial" panose="020B0604020202020204" pitchFamily="34" charset="0"/>
-                                </a:rPr>
-                                <m:t>+</m:t>
-                              </m:r>
-                              <m:sSubSup>
-                                <m:sSubSupPr>
-                                  <m:ctrlPr>
-                                    <a:rPr lang="en-GB" sz="2400" b="0" i="1" noProof="0" smtClean="0">
-                                      <a:latin typeface="Cambria Math" panose="02040503050406030204" pitchFamily="18" charset="0"/>
-                                      <a:cs typeface="Arial" panose="020B0604020202020204" pitchFamily="34" charset="0"/>
-                                    </a:rPr>
-                                  </m:ctrlPr>
-                                </m:sSubSupPr>
-                                <m:e>
-                                  <m:r>
-                                    <a:rPr lang="en-GB" sz="2400" b="0" i="1" noProof="0" smtClean="0">
-                                      <a:latin typeface="Cambria Math" panose="02040503050406030204" pitchFamily="18" charset="0"/>
-                                      <a:cs typeface="Arial" panose="020B0604020202020204" pitchFamily="34" charset="0"/>
-                                    </a:rPr>
-                                    <m:t>𝐿</m:t>
-                                  </m:r>
-                                </m:e>
-                                <m:sub>
-                                  <m:r>
-                                    <a:rPr lang="en-GB" sz="2400" b="0" i="1" noProof="0" smtClean="0">
-                                      <a:latin typeface="Cambria Math" panose="02040503050406030204" pitchFamily="18" charset="0"/>
-                                      <a:cs typeface="Arial" panose="020B0604020202020204" pitchFamily="34" charset="0"/>
-                                    </a:rPr>
-                                    <m:t>𝑢</m:t>
-                                  </m:r>
-                                </m:sub>
-                                <m:sup>
-                                  <m:r>
-                                    <a:rPr lang="en-GB" sz="2400" b="0" i="1" noProof="0" smtClean="0">
-                                      <a:latin typeface="Cambria Math" panose="02040503050406030204" pitchFamily="18" charset="0"/>
-                                      <a:cs typeface="Arial" panose="020B0604020202020204" pitchFamily="34" charset="0"/>
-                                    </a:rPr>
-                                    <m:t>𝑇</m:t>
-                                  </m:r>
-                                </m:sup>
-                              </m:sSubSup>
-                              <m:r>
-                                <a:rPr lang="en-GB" sz="2400" b="0" i="1" noProof="0" smtClean="0">
-                                  <a:latin typeface="Cambria Math" panose="02040503050406030204" pitchFamily="18" charset="0"/>
-                                  <a:cs typeface="Arial" panose="020B0604020202020204" pitchFamily="34" charset="0"/>
-                                </a:rPr>
-                                <m:t>𝑄</m:t>
-                              </m:r>
-                              <m:sSub>
-                                <m:sSubPr>
-                                  <m:ctrlPr>
-                                    <a:rPr lang="en-GB" sz="2400" b="0" i="1" noProof="0" smtClean="0">
-                                      <a:latin typeface="Cambria Math" panose="02040503050406030204" pitchFamily="18" charset="0"/>
-                                      <a:cs typeface="Arial" panose="020B0604020202020204" pitchFamily="34" charset="0"/>
-                                    </a:rPr>
-                                  </m:ctrlPr>
-                                </m:sSubPr>
-                                <m:e>
-                                  <m:r>
-                                    <a:rPr lang="en-GB" sz="2400" b="0" i="1" noProof="0" smtClean="0">
-                                      <a:latin typeface="Cambria Math" panose="02040503050406030204" pitchFamily="18" charset="0"/>
-                                      <a:cs typeface="Arial" panose="020B0604020202020204" pitchFamily="34" charset="0"/>
-                                    </a:rPr>
-                                    <m:t>𝐿</m:t>
-                                  </m:r>
-                                </m:e>
-                                <m:sub>
-                                  <m:r>
-                                    <a:rPr lang="en-GB" sz="2400" b="0" i="1" noProof="0" smtClean="0">
-                                      <a:latin typeface="Cambria Math" panose="02040503050406030204" pitchFamily="18" charset="0"/>
-                                      <a:cs typeface="Arial" panose="020B0604020202020204" pitchFamily="34" charset="0"/>
-                                    </a:rPr>
-                                    <m:t>𝑢</m:t>
-                                  </m:r>
-                                </m:sub>
-                              </m:sSub>
-                            </m:e>
-                          </m:d>
-                        </m:e>
-                        <m:sup>
-                          <m:r>
-                            <a:rPr lang="en-GB" sz="2400" b="0" i="1" noProof="0" smtClean="0">
-                              <a:latin typeface="Cambria Math" panose="02040503050406030204" pitchFamily="18" charset="0"/>
-                              <a:cs typeface="Arial" panose="020B0604020202020204" pitchFamily="34" charset="0"/>
-                            </a:rPr>
-                            <m:t>−1</m:t>
-                          </m:r>
-                        </m:sup>
-                      </m:sSup>
-                      <m:sSubSup>
-                        <m:sSubSupPr>
-                          <m:ctrlPr>
-                            <a:rPr lang="en-GB" sz="2400" b="0" i="1" noProof="0" smtClean="0">
-                              <a:latin typeface="Cambria Math" panose="02040503050406030204" pitchFamily="18" charset="0"/>
-                              <a:cs typeface="Arial" panose="020B0604020202020204" pitchFamily="34" charset="0"/>
-                            </a:rPr>
-                          </m:ctrlPr>
-                        </m:sSubSupPr>
-                        <m:e>
-                          <m:r>
-                            <a:rPr lang="en-GB" sz="2400" b="0" i="1" noProof="0" smtClean="0">
-                              <a:latin typeface="Cambria Math" panose="02040503050406030204" pitchFamily="18" charset="0"/>
-                              <a:cs typeface="Arial" panose="020B0604020202020204" pitchFamily="34" charset="0"/>
-                            </a:rPr>
-                            <m:t>𝐿</m:t>
-                          </m:r>
-                        </m:e>
-                        <m:sub>
-                          <m:r>
-                            <a:rPr lang="en-GB" sz="2400" b="0" i="1" noProof="0" smtClean="0">
-                              <a:latin typeface="Cambria Math" panose="02040503050406030204" pitchFamily="18" charset="0"/>
-                              <a:cs typeface="Arial" panose="020B0604020202020204" pitchFamily="34" charset="0"/>
-                            </a:rPr>
-                            <m:t>𝑢</m:t>
-                          </m:r>
-                        </m:sub>
-                        <m:sup>
-                          <m:r>
-                            <a:rPr lang="en-GB" sz="2400" b="0" i="1" noProof="0" smtClean="0">
-                              <a:latin typeface="Cambria Math" panose="02040503050406030204" pitchFamily="18" charset="0"/>
-                              <a:cs typeface="Arial" panose="020B0604020202020204" pitchFamily="34" charset="0"/>
-                            </a:rPr>
-                            <m:t>𝑇</m:t>
-                          </m:r>
-                        </m:sup>
-                      </m:sSubSup>
-                      <m:r>
-                        <a:rPr lang="en-GB" sz="2400" b="0" i="1" noProof="0" smtClean="0">
-                          <a:latin typeface="Cambria Math" panose="02040503050406030204" pitchFamily="18" charset="0"/>
-                          <a:cs typeface="Arial" panose="020B0604020202020204" pitchFamily="34" charset="0"/>
-                        </a:rPr>
-                        <m:t>𝑄</m:t>
-                      </m:r>
-                      <m:r>
-                        <a:rPr lang="en-GB" sz="2400" b="0" i="1" noProof="0" smtClean="0">
-                          <a:latin typeface="Cambria Math" panose="02040503050406030204" pitchFamily="18" charset="0"/>
-                          <a:cs typeface="Arial" panose="020B0604020202020204" pitchFamily="34" charset="0"/>
-                        </a:rPr>
-                        <m:t>(</m:t>
-                      </m:r>
-                      <m:sSub>
-                        <m:sSubPr>
-                          <m:ctrlPr>
-                            <a:rPr lang="en-GB" sz="2400" b="0" i="1" noProof="0" smtClean="0">
-                              <a:latin typeface="Cambria Math" panose="02040503050406030204" pitchFamily="18" charset="0"/>
-                              <a:cs typeface="Arial" panose="020B0604020202020204" pitchFamily="34" charset="0"/>
-                            </a:rPr>
-                          </m:ctrlPr>
-                        </m:sSubPr>
-                        <m:e>
-                          <m:r>
-                            <a:rPr lang="en-GB" sz="2400" b="0" i="1" noProof="0" smtClean="0">
-                              <a:latin typeface="Cambria Math" panose="02040503050406030204" pitchFamily="18" charset="0"/>
-                              <a:cs typeface="Arial" panose="020B0604020202020204" pitchFamily="34" charset="0"/>
-                            </a:rPr>
-                            <m:t>𝑟</m:t>
-                          </m:r>
-                        </m:e>
-                        <m:sub>
-                          <m:r>
-                            <a:rPr lang="en-GB" sz="2400" b="0" i="1" noProof="0" smtClean="0">
-                              <a:latin typeface="Cambria Math" panose="02040503050406030204" pitchFamily="18" charset="0"/>
-                              <a:cs typeface="Arial" panose="020B0604020202020204" pitchFamily="34" charset="0"/>
-                            </a:rPr>
-                            <m:t>𝑓</m:t>
-                          </m:r>
-                        </m:sub>
-                      </m:sSub>
-                      <m:r>
-                        <a:rPr lang="en-GB" sz="2400" b="0" i="1" noProof="0" smtClean="0">
-                          <a:latin typeface="Cambria Math" panose="02040503050406030204" pitchFamily="18" charset="0"/>
-                          <a:cs typeface="Arial" panose="020B0604020202020204" pitchFamily="34" charset="0"/>
-                        </a:rPr>
-                        <m:t>−</m:t>
-                      </m:r>
-                      <m:sSub>
-                        <m:sSubPr>
-                          <m:ctrlPr>
-                            <a:rPr lang="en-GB" sz="2400" b="0" i="1" noProof="0" smtClean="0">
-                              <a:latin typeface="Cambria Math" panose="02040503050406030204" pitchFamily="18" charset="0"/>
-                              <a:cs typeface="Arial" panose="020B0604020202020204" pitchFamily="34" charset="0"/>
-                            </a:rPr>
-                          </m:ctrlPr>
-                        </m:sSubPr>
-                        <m:e>
-                          <m:r>
-                            <a:rPr lang="en-GB" sz="2400" b="0" i="1" noProof="0" smtClean="0">
-                              <a:latin typeface="Cambria Math" panose="02040503050406030204" pitchFamily="18" charset="0"/>
-                              <a:cs typeface="Arial" panose="020B0604020202020204" pitchFamily="34" charset="0"/>
-                            </a:rPr>
-                            <m:t>𝐿</m:t>
-                          </m:r>
-                        </m:e>
-                        <m:sub>
-                          <m:r>
-                            <a:rPr lang="en-GB" sz="2400" b="0" i="1" noProof="0" smtClean="0">
-                              <a:latin typeface="Cambria Math" panose="02040503050406030204" pitchFamily="18" charset="0"/>
-                              <a:cs typeface="Arial" panose="020B0604020202020204" pitchFamily="34" charset="0"/>
-                            </a:rPr>
-                            <m:t>𝑤</m:t>
-                          </m:r>
-                        </m:sub>
-                      </m:sSub>
-                      <m:sSub>
-                        <m:sSubPr>
-                          <m:ctrlPr>
-                            <a:rPr lang="en-GB" sz="2400" b="0" i="1" noProof="0" smtClean="0">
-                              <a:latin typeface="Cambria Math" panose="02040503050406030204" pitchFamily="18" charset="0"/>
-                              <a:cs typeface="Arial" panose="020B0604020202020204" pitchFamily="34" charset="0"/>
-                            </a:rPr>
-                          </m:ctrlPr>
-                        </m:sSubPr>
-                        <m:e>
-                          <m:r>
-                            <a:rPr lang="en-GB" sz="2400" b="0" i="1" noProof="0" smtClean="0">
-                              <a:latin typeface="Cambria Math" panose="02040503050406030204" pitchFamily="18" charset="0"/>
-                              <a:cs typeface="Arial" panose="020B0604020202020204" pitchFamily="34" charset="0"/>
-                            </a:rPr>
-                            <m:t>𝑤</m:t>
-                          </m:r>
-                        </m:e>
-                        <m:sub>
-                          <m:r>
-                            <a:rPr lang="en-GB" sz="2400" b="0" i="1" noProof="0" smtClean="0">
-                              <a:latin typeface="Cambria Math" panose="02040503050406030204" pitchFamily="18" charset="0"/>
-                              <a:cs typeface="Arial" panose="020B0604020202020204" pitchFamily="34" charset="0"/>
-                            </a:rPr>
-                            <m:t>𝑝</m:t>
-                          </m:r>
-                        </m:sub>
-                      </m:sSub>
-                      <m:r>
-                        <a:rPr lang="en-GB" sz="2400" b="0" i="1" noProof="0" smtClean="0">
-                          <a:latin typeface="Cambria Math" panose="02040503050406030204" pitchFamily="18" charset="0"/>
-                          <a:cs typeface="Arial" panose="020B0604020202020204" pitchFamily="34" charset="0"/>
-                        </a:rPr>
-                        <m:t>)</m:t>
-                      </m:r>
-                    </m:oMath>
-                  </m:oMathPara>
-                </a14:m>
                 <a:endParaRPr lang="en-GB" sz="2400" noProof="0" dirty="0">
                   <a:latin typeface="Arial" panose="020B0604020202020204" pitchFamily="34" charset="0"/>
                   <a:cs typeface="Arial" panose="020B0604020202020204" pitchFamily="34" charset="0"/>
@@ -6679,7 +6130,7 @@
             <p:spPr>
               <a:xfrm>
                 <a:off x="723900" y="1191645"/>
-                <a:ext cx="10744200" cy="3113866"/>
+                <a:ext cx="10744200" cy="3088089"/>
               </a:xfrm>
               <a:prstGeom prst="rect">
                 <a:avLst/>
@@ -6687,7 +6138,7 @@
               <a:blipFill>
                 <a:blip r:embed="rId2"/>
                 <a:stretch>
-                  <a:fillRect l="-908" t="-1370" r="-851" b="-3523"/>
+                  <a:fillRect l="-908" t="-1578" r="-851" b="-3550"/>
                 </a:stretch>
               </a:blipFill>
             </p:spPr>
@@ -6706,6 +6157,36 @@
           </p:sp>
         </mc:Fallback>
       </mc:AlternateContent>
+      <p:pic>
+        <p:nvPicPr>
+          <p:cNvPr id="4" name="Immagine 3">
+            <a:extLst>
+              <a:ext uri="{FF2B5EF4-FFF2-40B4-BE49-F238E27FC236}">
+                <a16:creationId xmlns:a16="http://schemas.microsoft.com/office/drawing/2014/main" id="{14604139-090A-839C-2EB5-D50708A52308}"/>
+              </a:ext>
+            </a:extLst>
+          </p:cNvPr>
+          <p:cNvPicPr>
+            <a:picLocks noChangeAspect="1"/>
+          </p:cNvPicPr>
+          <p:nvPr/>
+        </p:nvPicPr>
+        <p:blipFill>
+          <a:blip r:embed="rId3"/>
+          <a:stretch>
+            <a:fillRect/>
+          </a:stretch>
+        </p:blipFill>
+        <p:spPr>
+          <a:xfrm>
+            <a:off x="1291941" y="2133600"/>
+            <a:ext cx="10176159" cy="1019196"/>
+          </a:xfrm>
+          <a:prstGeom prst="rect">
+            <a:avLst/>
+          </a:prstGeom>
+        </p:spPr>
+      </p:pic>
     </p:spTree>
     <p:extLst>
       <p:ext uri="{BB962C8B-B14F-4D97-AF65-F5344CB8AC3E}">
@@ -7215,7 +6696,7 @@
         <p:spPr>
           <a:xfrm>
             <a:off x="762000" y="457200"/>
-            <a:ext cx="8991600" cy="1077218"/>
+            <a:ext cx="9601200" cy="609600"/>
           </a:xfrm>
         </p:spPr>
         <p:txBody>
@@ -7226,18 +6707,7 @@
               <a:rPr lang="en-GB" noProof="0" dirty="0">
                 <a:latin typeface="Arial Black" panose="020B0A04020102020204" pitchFamily="34" charset="0"/>
               </a:rPr>
-              <a:t>Practical implementation –  </a:t>
-            </a:r>
-            <a:br>
-              <a:rPr lang="en-GB" noProof="0" dirty="0">
-                <a:latin typeface="Arial Black" panose="020B0A04020102020204" pitchFamily="34" charset="0"/>
-              </a:rPr>
-            </a:br>
-            <a:r>
-              <a:rPr lang="en-GB" noProof="0" dirty="0">
-                <a:latin typeface="Arial Black" panose="020B0A04020102020204" pitchFamily="34" charset="0"/>
-              </a:rPr>
-              <a:t>SSI step 1</a:t>
+              <a:t>Practical implementation – SSI step 1</a:t>
             </a:r>
           </a:p>
         </p:txBody>
@@ -7258,8 +6728,8 @@
             </p:nvSpPr>
             <p:spPr>
               <a:xfrm>
-                <a:off x="762000" y="1676400"/>
-                <a:ext cx="10134600" cy="2706190"/>
+                <a:off x="685800" y="1092202"/>
+                <a:ext cx="10134600" cy="859531"/>
               </a:xfrm>
               <a:prstGeom prst="rect">
                 <a:avLst/>
@@ -7330,41 +6800,6 @@
                   <a:t>And then compute QR decomposition to obtain L.</a:t>
                 </a:r>
               </a:p>
-              <a:p>
-                <a:pPr algn="just"/>
-                <a:endParaRPr lang="en-GB" sz="2400" noProof="0" dirty="0">
-                  <a:latin typeface="Arial" panose="020B0604020202020204" pitchFamily="34" charset="0"/>
-                  <a:cs typeface="Arial" panose="020B0604020202020204" pitchFamily="34" charset="0"/>
-                </a:endParaRPr>
-              </a:p>
-              <a:p>
-                <a:pPr algn="just"/>
-                <a:endParaRPr lang="en-GB" sz="2400" noProof="0" dirty="0">
-                  <a:latin typeface="Arial" panose="020B0604020202020204" pitchFamily="34" charset="0"/>
-                  <a:cs typeface="Arial" panose="020B0604020202020204" pitchFamily="34" charset="0"/>
-                </a:endParaRPr>
-              </a:p>
-              <a:p>
-                <a:pPr algn="just"/>
-                <a:endParaRPr lang="en-GB" sz="2400" noProof="0" dirty="0">
-                  <a:latin typeface="Arial" panose="020B0604020202020204" pitchFamily="34" charset="0"/>
-                  <a:cs typeface="Arial" panose="020B0604020202020204" pitchFamily="34" charset="0"/>
-                </a:endParaRPr>
-              </a:p>
-              <a:p>
-                <a:pPr algn="just"/>
-                <a:endParaRPr lang="en-GB" sz="2400" noProof="0" dirty="0">
-                  <a:latin typeface="Arial" panose="020B0604020202020204" pitchFamily="34" charset="0"/>
-                  <a:cs typeface="Arial" panose="020B0604020202020204" pitchFamily="34" charset="0"/>
-                </a:endParaRPr>
-              </a:p>
-              <a:p>
-                <a:pPr algn="just"/>
-                <a:endParaRPr lang="en-GB" sz="2400" noProof="0" dirty="0">
-                  <a:latin typeface="Arial" panose="020B0604020202020204" pitchFamily="34" charset="0"/>
-                  <a:cs typeface="Arial" panose="020B0604020202020204" pitchFamily="34" charset="0"/>
-                </a:endParaRPr>
-              </a:p>
             </p:txBody>
           </p:sp>
         </mc:Choice>
@@ -7385,8 +6820,8 @@
             </p:nvSpPr>
             <p:spPr>
               <a:xfrm>
-                <a:off x="762000" y="1676400"/>
-                <a:ext cx="10134600" cy="2706190"/>
+                <a:off x="685800" y="1092202"/>
+                <a:ext cx="10134600" cy="859531"/>
               </a:xfrm>
               <a:prstGeom prst="rect">
                 <a:avLst/>
@@ -7394,7 +6829,7 @@
               <a:blipFill>
                 <a:blip r:embed="rId2"/>
                 <a:stretch>
-                  <a:fillRect l="-902" t="-1802"/>
+                  <a:fillRect l="-963" t="-5674" b="-15603"/>
                 </a:stretch>
               </a:blipFill>
             </p:spPr>
@@ -7413,78 +6848,99 @@
           </p:sp>
         </mc:Fallback>
       </mc:AlternateContent>
-      <p:pic>
-        <p:nvPicPr>
-          <p:cNvPr id="7" name="Immagine 6" descr="Immagine che contiene testo, schermata, Carattere&#10;&#10;Il contenuto generato dall'IA potrebbe non essere corretto.">
+      <p:grpSp>
+        <p:nvGrpSpPr>
+          <p:cNvPr id="2" name="Gruppo 1">
             <a:extLst>
               <a:ext uri="{FF2B5EF4-FFF2-40B4-BE49-F238E27FC236}">
-                <a16:creationId xmlns:a16="http://schemas.microsoft.com/office/drawing/2014/main" id="{0D4DD9FF-BB92-1651-1C65-9887B3BE09D4}"/>
+                <a16:creationId xmlns:a16="http://schemas.microsoft.com/office/drawing/2014/main" id="{94BB8531-B680-3AA0-CADA-62B36B8E55D0}"/>
               </a:ext>
             </a:extLst>
           </p:cNvPr>
-          <p:cNvPicPr>
-            <a:picLocks noChangeAspect="1"/>
-          </p:cNvPicPr>
+          <p:cNvGrpSpPr/>
           <p:nvPr/>
-        </p:nvPicPr>
-        <p:blipFill>
-          <a:blip r:embed="rId3">
-            <a:extLst>
-              <a:ext uri="{28A0092B-C50C-407E-A947-70E740481C1C}">
-                <a14:useLocalDpi xmlns:a14="http://schemas.microsoft.com/office/drawing/2010/main" val="0"/>
-              </a:ext>
-            </a:extLst>
-          </a:blip>
-          <a:stretch>
-            <a:fillRect/>
-          </a:stretch>
-        </p:blipFill>
-        <p:spPr>
+        </p:nvGrpSpPr>
+        <p:grpSpPr>
           <a:xfrm>
-            <a:off x="838200" y="3598630"/>
-            <a:ext cx="7064352" cy="2192570"/>
+            <a:off x="838200" y="2057400"/>
+            <a:ext cx="8077200" cy="3733800"/>
+            <a:chOff x="838200" y="2737390"/>
+            <a:chExt cx="7064352" cy="3053810"/>
           </a:xfrm>
-          <a:prstGeom prst="rect">
-            <a:avLst/>
-          </a:prstGeom>
-        </p:spPr>
-      </p:pic>
-      <p:pic>
-        <p:nvPicPr>
-          <p:cNvPr id="9" name="Immagine 8">
-            <a:extLst>
-              <a:ext uri="{FF2B5EF4-FFF2-40B4-BE49-F238E27FC236}">
-                <a16:creationId xmlns:a16="http://schemas.microsoft.com/office/drawing/2014/main" id="{2417FEA0-CDB6-4D3D-D73C-1FFB76EC7919}"/>
-              </a:ext>
-            </a:extLst>
-          </p:cNvPr>
-          <p:cNvPicPr>
-            <a:picLocks noChangeAspect="1"/>
-          </p:cNvPicPr>
-          <p:nvPr/>
-        </p:nvPicPr>
-        <p:blipFill>
-          <a:blip r:embed="rId4">
-            <a:extLst>
-              <a:ext uri="{28A0092B-C50C-407E-A947-70E740481C1C}">
-                <a14:useLocalDpi xmlns:a14="http://schemas.microsoft.com/office/drawing/2010/main" val="0"/>
-              </a:ext>
-            </a:extLst>
-          </a:blip>
-          <a:stretch>
-            <a:fillRect/>
-          </a:stretch>
-        </p:blipFill>
-        <p:spPr>
-          <a:xfrm>
-            <a:off x="838200" y="2737390"/>
-            <a:ext cx="7064352" cy="861240"/>
-          </a:xfrm>
-          <a:prstGeom prst="rect">
-            <a:avLst/>
-          </a:prstGeom>
-        </p:spPr>
-      </p:pic>
+        </p:grpSpPr>
+        <p:pic>
+          <p:nvPicPr>
+            <p:cNvPr id="7" name="Immagine 6" descr="Immagine che contiene testo, schermata, Carattere&#10;&#10;Il contenuto generato dall'IA potrebbe non essere corretto.">
+              <a:extLst>
+                <a:ext uri="{FF2B5EF4-FFF2-40B4-BE49-F238E27FC236}">
+                  <a16:creationId xmlns:a16="http://schemas.microsoft.com/office/drawing/2014/main" id="{0D4DD9FF-BB92-1651-1C65-9887B3BE09D4}"/>
+                </a:ext>
+              </a:extLst>
+            </p:cNvPr>
+            <p:cNvPicPr>
+              <a:picLocks noChangeAspect="1"/>
+            </p:cNvPicPr>
+            <p:nvPr/>
+          </p:nvPicPr>
+          <p:blipFill>
+            <a:blip r:embed="rId3">
+              <a:extLst>
+                <a:ext uri="{28A0092B-C50C-407E-A947-70E740481C1C}">
+                  <a14:useLocalDpi xmlns:a14="http://schemas.microsoft.com/office/drawing/2010/main" val="0"/>
+                </a:ext>
+              </a:extLst>
+            </a:blip>
+            <a:stretch>
+              <a:fillRect/>
+            </a:stretch>
+          </p:blipFill>
+          <p:spPr>
+            <a:xfrm>
+              <a:off x="838200" y="3598630"/>
+              <a:ext cx="7064352" cy="2192570"/>
+            </a:xfrm>
+            <a:prstGeom prst="rect">
+              <a:avLst/>
+            </a:prstGeom>
+          </p:spPr>
+        </p:pic>
+        <p:pic>
+          <p:nvPicPr>
+            <p:cNvPr id="9" name="Immagine 8">
+              <a:extLst>
+                <a:ext uri="{FF2B5EF4-FFF2-40B4-BE49-F238E27FC236}">
+                  <a16:creationId xmlns:a16="http://schemas.microsoft.com/office/drawing/2014/main" id="{2417FEA0-CDB6-4D3D-D73C-1FFB76EC7919}"/>
+                </a:ext>
+              </a:extLst>
+            </p:cNvPr>
+            <p:cNvPicPr>
+              <a:picLocks noChangeAspect="1"/>
+            </p:cNvPicPr>
+            <p:nvPr/>
+          </p:nvPicPr>
+          <p:blipFill>
+            <a:blip r:embed="rId4">
+              <a:extLst>
+                <a:ext uri="{28A0092B-C50C-407E-A947-70E740481C1C}">
+                  <a14:useLocalDpi xmlns:a14="http://schemas.microsoft.com/office/drawing/2010/main" val="0"/>
+                </a:ext>
+              </a:extLst>
+            </a:blip>
+            <a:stretch>
+              <a:fillRect/>
+            </a:stretch>
+          </p:blipFill>
+          <p:spPr>
+            <a:xfrm>
+              <a:off x="838200" y="2737390"/>
+              <a:ext cx="7064352" cy="861240"/>
+            </a:xfrm>
+            <a:prstGeom prst="rect">
+              <a:avLst/>
+            </a:prstGeom>
+          </p:spPr>
+        </p:pic>
+      </p:grpSp>
     </p:spTree>
     <p:extLst>
       <p:ext uri="{BB962C8B-B14F-4D97-AF65-F5344CB8AC3E}">
@@ -7634,7 +7090,7 @@
                     <a:latin typeface="Arial" panose="020B0604020202020204" pitchFamily="34" charset="0"/>
                     <a:cs typeface="Arial" panose="020B0604020202020204" pitchFamily="34" charset="0"/>
                   </a:rPr>
-                  <a:t> after applying SVD decomposition on matrix </a:t>
+                  <a:t> after applying SV decomposition on matrix </a:t>
                 </a:r>
                 <a14:m>
                   <m:oMath xmlns:m="http://schemas.openxmlformats.org/officeDocument/2006/math">
@@ -7673,7 +7129,21 @@
                     <a:latin typeface="Arial" panose="020B0604020202020204" pitchFamily="34" charset="0"/>
                     <a:cs typeface="Arial" panose="020B0604020202020204" pitchFamily="34" charset="0"/>
                   </a:rPr>
-                  <a:t>, by looking at the singular values of matrix S1.</a:t>
+                  <a:t>, by looking at the singular values of matrix S</a:t>
+                </a:r>
+                <a:r>
+                  <a:rPr lang="en-GB" sz="2400" baseline="-25000" noProof="0" dirty="0">
+                    <a:latin typeface="Arial" panose="020B0604020202020204" pitchFamily="34" charset="0"/>
+                    <a:cs typeface="Arial" panose="020B0604020202020204" pitchFamily="34" charset="0"/>
+                  </a:rPr>
+                  <a:t>1</a:t>
+                </a:r>
+                <a:r>
+                  <a:rPr lang="en-GB" sz="2400" noProof="0" dirty="0">
+                    <a:latin typeface="Arial" panose="020B0604020202020204" pitchFamily="34" charset="0"/>
+                    <a:cs typeface="Arial" panose="020B0604020202020204" pitchFamily="34" charset="0"/>
+                  </a:rPr>
+                  <a:t>.</a:t>
                 </a:r>
               </a:p>
               <a:p>
@@ -7796,7 +7266,7 @@
               <a:blipFill>
                 <a:blip r:embed="rId2"/>
                 <a:stretch>
-                  <a:fillRect l="-902" t="-943" r="-3728"/>
+                  <a:fillRect l="-902" t="-943" r="-3488"/>
                 </a:stretch>
               </a:blipFill>
             </p:spPr>
@@ -7844,7 +7314,7 @@
         </p:blipFill>
         <p:spPr bwMode="auto">
           <a:xfrm>
-            <a:off x="914400" y="4114800"/>
+            <a:off x="2590800" y="3810000"/>
             <a:ext cx="4800600" cy="1662399"/>
           </a:xfrm>
           <a:prstGeom prst="rect">
@@ -8134,8 +7604,8 @@
         </p:nvSpPr>
         <p:spPr>
           <a:xfrm>
-            <a:off x="762000" y="1676400"/>
-            <a:ext cx="10134600" cy="1569660"/>
+            <a:off x="735496" y="1380838"/>
+            <a:ext cx="10134600" cy="1938992"/>
           </a:xfrm>
           <a:prstGeom prst="rect">
             <a:avLst/>
@@ -8148,7 +7618,11 @@
           </a:bodyPr>
           <a:lstStyle/>
           <a:p>
-            <a:pPr algn="just"/>
+            <a:pPr algn="just">
+              <a:lnSpc>
+                <a:spcPct val="200000"/>
+              </a:lnSpc>
+            </a:pPr>
             <a:r>
               <a:rPr lang="en-GB" sz="2400" noProof="0" dirty="0">
                 <a:latin typeface="Arial" panose="020B0604020202020204" pitchFamily="34" charset="0"/>
@@ -8555,8 +8029,8 @@
           </a:p>
         </p:txBody>
       </p:sp>
-      <mc:AlternateContent xmlns:mc="http://schemas.openxmlformats.org/markup-compatibility/2006">
-        <mc:Choice xmlns:a14="http://schemas.microsoft.com/office/drawing/2010/main" Requires="a14">
+      <mc:AlternateContent xmlns:mc="http://schemas.openxmlformats.org/markup-compatibility/2006" xmlns:a14="http://schemas.microsoft.com/office/drawing/2010/main">
+        <mc:Choice Requires="a14">
           <p:sp>
             <p:nvSpPr>
               <p:cNvPr id="4" name="CasellaDiTesto 3">
@@ -8572,7 +8046,7 @@
             <p:spPr>
               <a:xfrm>
                 <a:off x="762000" y="1676400"/>
-                <a:ext cx="10134600" cy="4552849"/>
+                <a:ext cx="10134600" cy="3444854"/>
               </a:xfrm>
               <a:prstGeom prst="rect">
                 <a:avLst/>
@@ -8587,14 +8061,14 @@
               <a:p>
                 <a:pPr algn="just"/>
                 <a:r>
-                  <a:rPr lang="en-GB" sz="2400" noProof="0" dirty="0">
+                  <a:rPr lang="en-US" sz="2400" noProof="0" dirty="0">
                     <a:latin typeface="Arial" panose="020B0604020202020204" pitchFamily="34" charset="0"/>
                     <a:cs typeface="Arial" panose="020B0604020202020204" pitchFamily="34" charset="0"/>
                   </a:rPr>
                   <a:t>During simulation, the operation for each timestep starting from k=M+1</a:t>
                 </a:r>
                 <a:r>
-                  <a:rPr lang="en-GB" sz="2400" dirty="0">
+                  <a:rPr lang="en-US" sz="2400" dirty="0">
                     <a:latin typeface="Arial" panose="020B0604020202020204" pitchFamily="34" charset="0"/>
                     <a:cs typeface="Arial" panose="020B0604020202020204" pitchFamily="34" charset="0"/>
                   </a:rPr>
@@ -8607,32 +8081,18 @@
                   <a:buAutoNum type="arabicPeriod"/>
                 </a:pPr>
                 <a:r>
-                  <a:rPr lang="en-GB" sz="2400" dirty="0">
+                  <a:rPr lang="en-US" sz="2400" noProof="0" dirty="0">
                     <a:latin typeface="Arial" panose="020B0604020202020204" pitchFamily="34" charset="0"/>
                     <a:cs typeface="Arial" panose="020B0604020202020204" pitchFamily="34" charset="0"/>
                   </a:rPr>
-                  <a:t>d</a:t>
-                </a:r>
-                <a:r>
-                  <a:rPr lang="en-GB" sz="2400" noProof="0" dirty="0" err="1">
-                    <a:latin typeface="Arial" panose="020B0604020202020204" pitchFamily="34" charset="0"/>
-                    <a:cs typeface="Arial" panose="020B0604020202020204" pitchFamily="34" charset="0"/>
-                  </a:rPr>
-                  <a:t>efine</a:t>
-                </a:r>
-                <a:r>
-                  <a:rPr lang="en-GB" sz="2400" noProof="0" dirty="0">
-                    <a:latin typeface="Arial" panose="020B0604020202020204" pitchFamily="34" charset="0"/>
-                    <a:cs typeface="Arial" panose="020B0604020202020204" pitchFamily="34" charset="0"/>
-                  </a:rPr>
-                  <a:t> the </a:t>
+                  <a:t>define the </a:t>
                 </a:r>
                 <a14:m>
                   <m:oMath xmlns:m="http://schemas.openxmlformats.org/officeDocument/2006/math">
                     <m:sSub>
                       <m:sSubPr>
                         <m:ctrlPr>
-                          <a:rPr lang="en-GB" sz="2400" i="1" noProof="0" smtClean="0">
+                          <a:rPr lang="en-US" sz="2400" i="1" noProof="0" smtClean="0">
                             <a:latin typeface="Cambria Math" panose="02040503050406030204" pitchFamily="18" charset="0"/>
                             <a:cs typeface="Arial" panose="020B0604020202020204" pitchFamily="34" charset="0"/>
                           </a:rPr>
@@ -8640,7 +8100,7 @@
                       </m:sSubPr>
                       <m:e>
                         <m:r>
-                          <a:rPr lang="en-GB" sz="2400" b="0" i="1" noProof="0" smtClean="0">
+                          <a:rPr lang="en-US" sz="2400" b="0" i="1" noProof="0" smtClean="0">
                             <a:latin typeface="Cambria Math" panose="02040503050406030204" pitchFamily="18" charset="0"/>
                             <a:cs typeface="Arial" panose="020B0604020202020204" pitchFamily="34" charset="0"/>
                           </a:rPr>
@@ -8649,7 +8109,7 @@
                       </m:e>
                       <m:sub>
                         <m:r>
-                          <a:rPr lang="en-GB" sz="2400" b="0" i="1" noProof="0" smtClean="0">
+                          <a:rPr lang="en-US" sz="2400" b="0" i="1" noProof="0" smtClean="0">
                             <a:latin typeface="Cambria Math" panose="02040503050406030204" pitchFamily="18" charset="0"/>
                             <a:cs typeface="Arial" panose="020B0604020202020204" pitchFamily="34" charset="0"/>
                           </a:rPr>
@@ -8660,7 +8120,7 @@
                   </m:oMath>
                 </a14:m>
                 <a:r>
-                  <a:rPr lang="en-GB" sz="2400" noProof="0" dirty="0">
+                  <a:rPr lang="en-US" sz="2400" noProof="0" dirty="0">
                     <a:latin typeface="Arial" panose="020B0604020202020204" pitchFamily="34" charset="0"/>
                     <a:cs typeface="Arial" panose="020B0604020202020204" pitchFamily="34" charset="0"/>
                   </a:rPr>
@@ -8673,21 +8133,14 @@
                   <a:buAutoNum type="arabicPeriod"/>
                 </a:pPr>
                 <a:r>
-                  <a:rPr lang="en-GB" sz="2400" dirty="0">
+                  <a:rPr lang="en-US" sz="2400" dirty="0">
                     <a:latin typeface="Arial" panose="020B0604020202020204" pitchFamily="34" charset="0"/>
                     <a:cs typeface="Arial" panose="020B0604020202020204" pitchFamily="34" charset="0"/>
                   </a:rPr>
-                  <a:t>c</a:t>
+                  <a:t>compute</a:t>
                 </a:r>
                 <a:r>
-                  <a:rPr lang="en-GB" sz="2400" noProof="0" dirty="0" err="1">
-                    <a:latin typeface="Arial" panose="020B0604020202020204" pitchFamily="34" charset="0"/>
-                    <a:cs typeface="Arial" panose="020B0604020202020204" pitchFamily="34" charset="0"/>
-                  </a:rPr>
-                  <a:t>ompute</a:t>
-                </a:r>
-                <a:r>
-                  <a:rPr lang="en-GB" sz="2400" noProof="0" dirty="0">
+                  <a:rPr lang="en-US" sz="2400" noProof="0" dirty="0">
                     <a:latin typeface="Arial" panose="020B0604020202020204" pitchFamily="34" charset="0"/>
                     <a:cs typeface="Arial" panose="020B0604020202020204" pitchFamily="34" charset="0"/>
                   </a:rPr>
@@ -8698,7 +8151,7 @@
                     <m:sSub>
                       <m:sSubPr>
                         <m:ctrlPr>
-                          <a:rPr lang="en-GB" sz="2400" i="1" noProof="0" smtClean="0">
+                          <a:rPr lang="en-US" sz="2400" i="1" noProof="0" smtClean="0">
                             <a:latin typeface="Cambria Math" panose="02040503050406030204" pitchFamily="18" charset="0"/>
                             <a:cs typeface="Arial" panose="020B0604020202020204" pitchFamily="34" charset="0"/>
                           </a:rPr>
@@ -8706,7 +8159,7 @@
                       </m:sSubPr>
                       <m:e>
                         <m:r>
-                          <a:rPr lang="it-IT" sz="2400" b="0" i="1" noProof="0" smtClean="0">
+                          <a:rPr lang="en-US" sz="2400" b="0" i="1" noProof="0" smtClean="0">
                             <a:latin typeface="Cambria Math" panose="02040503050406030204" pitchFamily="18" charset="0"/>
                             <a:cs typeface="Arial" panose="020B0604020202020204" pitchFamily="34" charset="0"/>
                           </a:rPr>
@@ -8715,7 +8168,7 @@
                       </m:e>
                       <m:sub>
                         <m:r>
-                          <a:rPr lang="it-IT" sz="2400" b="0" i="1" noProof="0" smtClean="0">
+                          <a:rPr lang="en-US" sz="2400" b="0" i="1" noProof="0" smtClean="0">
                             <a:latin typeface="Cambria Math" panose="02040503050406030204" pitchFamily="18" charset="0"/>
                             <a:cs typeface="Arial" panose="020B0604020202020204" pitchFamily="34" charset="0"/>
                           </a:rPr>
@@ -8726,7 +8179,7 @@
                   </m:oMath>
                 </a14:m>
                 <a:r>
-                  <a:rPr lang="en-GB" sz="2400" noProof="0" dirty="0">
+                  <a:rPr lang="en-US" sz="2400" noProof="0" dirty="0">
                     <a:latin typeface="Arial" panose="020B0604020202020204" pitchFamily="34" charset="0"/>
                     <a:cs typeface="Arial" panose="020B0604020202020204" pitchFamily="34" charset="0"/>
                   </a:rPr>
@@ -8739,7 +8192,7 @@
                   <a:buAutoNum type="arabicPeriod"/>
                 </a:pPr>
                 <a:r>
-                  <a:rPr lang="en-GB" sz="2400" dirty="0">
+                  <a:rPr lang="en-US" sz="2400" dirty="0">
                     <a:latin typeface="Arial" panose="020B0604020202020204" pitchFamily="34" charset="0"/>
                     <a:cs typeface="Arial" panose="020B0604020202020204" pitchFamily="34" charset="0"/>
                   </a:rPr>
@@ -8786,34 +8239,10 @@
                   <a:t>se this input to compute the next output and state, using the system’s equations.</a:t>
                 </a:r>
               </a:p>
-              <a:p>
-                <a:pPr marL="342900" indent="-342900" algn="just">
-                  <a:buFont typeface="Arial" panose="020B0604020202020204" pitchFamily="34" charset="0"/>
-                  <a:buChar char="•"/>
-                </a:pPr>
-                <a:endParaRPr lang="en-GB" sz="2400" noProof="0" dirty="0">
-                  <a:latin typeface="Arial" panose="020B0604020202020204" pitchFamily="34" charset="0"/>
-                  <a:cs typeface="Arial" panose="020B0604020202020204" pitchFamily="34" charset="0"/>
-                </a:endParaRPr>
-              </a:p>
-              <a:p>
-                <a:pPr algn="just"/>
-                <a:endParaRPr lang="en-GB" sz="2400" noProof="0" dirty="0">
-                  <a:latin typeface="Arial" panose="020B0604020202020204" pitchFamily="34" charset="0"/>
-                  <a:cs typeface="Arial" panose="020B0604020202020204" pitchFamily="34" charset="0"/>
-                </a:endParaRPr>
-              </a:p>
-              <a:p>
-                <a:pPr algn="just"/>
-                <a:endParaRPr lang="en-GB" sz="2400" noProof="0" dirty="0">
-                  <a:latin typeface="Arial" panose="020B0604020202020204" pitchFamily="34" charset="0"/>
-                  <a:cs typeface="Arial" panose="020B0604020202020204" pitchFamily="34" charset="0"/>
-                </a:endParaRPr>
-              </a:p>
             </p:txBody>
           </p:sp>
         </mc:Choice>
-        <mc:Fallback>
+        <mc:Fallback xmlns="">
           <p:sp>
             <p:nvSpPr>
               <p:cNvPr id="4" name="CasellaDiTesto 3">
@@ -8831,7 +8260,7 @@
             <p:spPr>
               <a:xfrm>
                 <a:off x="762000" y="1676400"/>
-                <a:ext cx="10134600" cy="4552849"/>
+                <a:ext cx="10134600" cy="3444854"/>
               </a:xfrm>
               <a:prstGeom prst="rect">
                 <a:avLst/>
@@ -8839,7 +8268,7 @@
               <a:blipFill>
                 <a:blip r:embed="rId2"/>
                 <a:stretch>
-                  <a:fillRect l="-902" t="-937" r="-842"/>
+                  <a:fillRect l="-902" t="-1239" r="-842" b="-3186"/>
                 </a:stretch>
               </a:blipFill>
             </p:spPr>
@@ -9002,7 +8431,7 @@
         <p:spPr>
           <a:xfrm>
             <a:off x="762000" y="1752600"/>
-            <a:ext cx="10134600" cy="4154984"/>
+            <a:ext cx="10134600" cy="3785652"/>
           </a:xfrm>
           <a:prstGeom prst="rect">
             <a:avLst/>
@@ -9082,19 +8511,12 @@
           </a:p>
           <a:p>
             <a:pPr algn="just"/>
-            <a:endParaRPr lang="en-GB" sz="2400" dirty="0">
-              <a:latin typeface="Arial" panose="020B0604020202020204" pitchFamily="34" charset="0"/>
-              <a:cs typeface="Arial" panose="020B0604020202020204" pitchFamily="34" charset="0"/>
-            </a:endParaRPr>
-          </a:p>
-          <a:p>
-            <a:pPr algn="just"/>
             <a:r>
               <a:rPr lang="en-GB" sz="2400" dirty="0">
                 <a:latin typeface="Arial" panose="020B0604020202020204" pitchFamily="34" charset="0"/>
                 <a:cs typeface="Arial" panose="020B0604020202020204" pitchFamily="34" charset="0"/>
               </a:rPr>
-              <a:t>We can see that the tracking is not very accurate…</a:t>
+              <a:t>We can see that the tracking is not very accurate because is biased</a:t>
             </a:r>
             <a:endParaRPr lang="en-GB" sz="2400" noProof="0" dirty="0">
               <a:latin typeface="Arial" panose="020B0604020202020204" pitchFamily="34" charset="0"/>
@@ -9271,8 +8693,8 @@
         </p:nvSpPr>
         <p:spPr>
           <a:xfrm>
-            <a:off x="762000" y="1752600"/>
-            <a:ext cx="10134600" cy="4154984"/>
+            <a:off x="761999" y="1534417"/>
+            <a:ext cx="10667999" cy="3785652"/>
           </a:xfrm>
           <a:prstGeom prst="rect">
             <a:avLst/>
@@ -9291,7 +8713,35 @@
                 <a:latin typeface="Arial" panose="020B0604020202020204" pitchFamily="34" charset="0"/>
                 <a:cs typeface="Arial" panose="020B0604020202020204" pitchFamily="34" charset="0"/>
               </a:rPr>
-              <a:t>Using a sine reference signal:</a:t>
+              <a:t>Using a sine reference signal (r</a:t>
+            </a:r>
+            <a:r>
+              <a:rPr lang="en-GB" sz="2400" baseline="-25000" dirty="0">
+                <a:latin typeface="Arial" panose="020B0604020202020204" pitchFamily="34" charset="0"/>
+                <a:cs typeface="Arial" panose="020B0604020202020204" pitchFamily="34" charset="0"/>
+              </a:rPr>
+              <a:t>1</a:t>
+            </a:r>
+            <a:r>
+              <a:rPr lang="en-GB" sz="2400" dirty="0">
+                <a:latin typeface="Arial" panose="020B0604020202020204" pitchFamily="34" charset="0"/>
+                <a:cs typeface="Arial" panose="020B0604020202020204" pitchFamily="34" charset="0"/>
+              </a:rPr>
+              <a:t> has a frequence double of r</a:t>
+            </a:r>
+            <a:r>
+              <a:rPr lang="en-GB" sz="2400" baseline="-25000" dirty="0">
+                <a:latin typeface="Arial" panose="020B0604020202020204" pitchFamily="34" charset="0"/>
+                <a:cs typeface="Arial" panose="020B0604020202020204" pitchFamily="34" charset="0"/>
+              </a:rPr>
+              <a:t>2</a:t>
+            </a:r>
+            <a:r>
+              <a:rPr lang="en-GB" sz="2400" dirty="0">
+                <a:latin typeface="Arial" panose="020B0604020202020204" pitchFamily="34" charset="0"/>
+                <a:cs typeface="Arial" panose="020B0604020202020204" pitchFamily="34" charset="0"/>
+              </a:rPr>
+              <a:t>):</a:t>
             </a:r>
           </a:p>
           <a:p>
@@ -9345,26 +8795,12 @@
           </a:p>
           <a:p>
             <a:pPr algn="just"/>
-            <a:endParaRPr lang="en-GB" sz="2400" dirty="0">
-              <a:latin typeface="Arial" panose="020B0604020202020204" pitchFamily="34" charset="0"/>
-              <a:cs typeface="Arial" panose="020B0604020202020204" pitchFamily="34" charset="0"/>
-            </a:endParaRPr>
-          </a:p>
-          <a:p>
-            <a:pPr algn="just"/>
-            <a:endParaRPr lang="en-GB" sz="2400" dirty="0">
-              <a:latin typeface="Arial" panose="020B0604020202020204" pitchFamily="34" charset="0"/>
-              <a:cs typeface="Arial" panose="020B0604020202020204" pitchFamily="34" charset="0"/>
-            </a:endParaRPr>
-          </a:p>
-          <a:p>
-            <a:pPr algn="just"/>
             <a:r>
               <a:rPr lang="en-GB" sz="2400" dirty="0">
                 <a:latin typeface="Arial" panose="020B0604020202020204" pitchFamily="34" charset="0"/>
                 <a:cs typeface="Arial" panose="020B0604020202020204" pitchFamily="34" charset="0"/>
               </a:rPr>
-              <a:t>We can see that the tracking is not very accurate…</a:t>
+              <a:t>We can see that the tracking is not very accurate, it’s still biased, one input doesn’t participate to the output control, inputs and output are correlated.</a:t>
             </a:r>
             <a:endParaRPr lang="en-GB" sz="2400" noProof="0" dirty="0">
               <a:latin typeface="Arial" panose="020B0604020202020204" pitchFamily="34" charset="0"/>
@@ -9401,7 +8837,7 @@
         </p:blipFill>
         <p:spPr>
           <a:xfrm>
-            <a:off x="762001" y="2448339"/>
+            <a:off x="762001" y="2067339"/>
             <a:ext cx="5334000" cy="2276965"/>
           </a:xfrm>
           <a:prstGeom prst="rect">
@@ -9438,7 +8874,7 @@
         </p:blipFill>
         <p:spPr>
           <a:xfrm>
-            <a:off x="6248400" y="2418622"/>
+            <a:off x="6248400" y="2037622"/>
             <a:ext cx="5334000" cy="2381978"/>
           </a:xfrm>
           <a:prstGeom prst="rect">
@@ -9543,7 +8979,7 @@
         <p:spPr>
           <a:xfrm>
             <a:off x="762000" y="1676400"/>
-            <a:ext cx="10134600" cy="3785652"/>
+            <a:ext cx="10820400" cy="4524315"/>
           </a:xfrm>
           <a:prstGeom prst="rect">
             <a:avLst/>
@@ -9558,23 +8994,16 @@
           <a:p>
             <a:pPr algn="just"/>
             <a:r>
-              <a:rPr lang="en-GB" sz="2400" dirty="0" err="1">
+              <a:rPr lang="en-US" sz="2400" noProof="0" dirty="0">
                 <a:latin typeface="Arial" panose="020B0604020202020204" pitchFamily="34" charset="0"/>
                 <a:cs typeface="Arial" panose="020B0604020202020204" pitchFamily="34" charset="0"/>
               </a:rPr>
-              <a:t>Appartently</a:t>
-            </a:r>
-            <a:r>
-              <a:rPr lang="en-GB" sz="2400" dirty="0">
-                <a:latin typeface="Arial" panose="020B0604020202020204" pitchFamily="34" charset="0"/>
-                <a:cs typeface="Arial" panose="020B0604020202020204" pitchFamily="34" charset="0"/>
-              </a:rPr>
-              <a:t>, the SPC algorithm as presented in the paper does not result in a precise tracking of the selected reference signal.</a:t>
+              <a:t>Apparently, the SPC algorithm as presented in the paper does not result in a precise tracking of the selected reference signal.</a:t>
             </a:r>
           </a:p>
           <a:p>
             <a:pPr algn="just"/>
-            <a:endParaRPr lang="en-GB" sz="2400" dirty="0">
+            <a:endParaRPr lang="en-US" sz="2400" noProof="0" dirty="0">
               <a:latin typeface="Arial" panose="020B0604020202020204" pitchFamily="34" charset="0"/>
               <a:cs typeface="Arial" panose="020B0604020202020204" pitchFamily="34" charset="0"/>
             </a:endParaRPr>
@@ -9582,149 +9011,61 @@
           <a:p>
             <a:pPr algn="just"/>
             <a:r>
-              <a:rPr lang="en-GB" sz="2400" dirty="0">
-                <a:latin typeface="Arial" panose="020B0604020202020204" pitchFamily="34" charset="0"/>
-                <a:cs typeface="Arial" panose="020B0604020202020204" pitchFamily="34" charset="0"/>
-              </a:rPr>
-              <a:t>We set out to solve this issue and found a more recent paper, </a:t>
-            </a:r>
-            <a:r>
-              <a:rPr lang="en-GB" sz="2400" i="1" dirty="0">
-                <a:latin typeface="Arial" panose="020B0604020202020204" pitchFamily="34" charset="0"/>
-                <a:cs typeface="Arial" panose="020B0604020202020204" pitchFamily="34" charset="0"/>
-              </a:rPr>
-              <a:t>“Offset-Free MPC explained:  </a:t>
-            </a:r>
-            <a:r>
-              <a:rPr lang="en-GB" sz="2400" i="1" dirty="0" err="1">
-                <a:latin typeface="Arial" panose="020B0604020202020204" pitchFamily="34" charset="0"/>
-                <a:cs typeface="Arial" panose="020B0604020202020204" pitchFamily="34" charset="0"/>
-              </a:rPr>
-              <a:t>nove</a:t>
-            </a:r>
-            <a:r>
-              <a:rPr lang="it-IT" sz="2400" i="1" dirty="0" err="1">
-                <a:latin typeface="Arial" panose="020B0604020202020204" pitchFamily="34" charset="0"/>
-                <a:cs typeface="Arial" panose="020B0604020202020204" pitchFamily="34" charset="0"/>
-              </a:rPr>
-              <a:t>lties,subtleties,and</a:t>
-            </a:r>
-            <a:r>
-              <a:rPr lang="it-IT" sz="2400" i="1" dirty="0">
-                <a:latin typeface="Arial" panose="020B0604020202020204" pitchFamily="34" charset="0"/>
-                <a:cs typeface="Arial" panose="020B0604020202020204" pitchFamily="34" charset="0"/>
-              </a:rPr>
-              <a:t> </a:t>
-            </a:r>
-            <a:r>
-              <a:rPr lang="it-IT" sz="2400" i="1" dirty="0" err="1">
-                <a:latin typeface="Arial" panose="020B0604020202020204" pitchFamily="34" charset="0"/>
-                <a:cs typeface="Arial" panose="020B0604020202020204" pitchFamily="34" charset="0"/>
-              </a:rPr>
-              <a:t>applications</a:t>
-            </a:r>
-            <a:r>
-              <a:rPr lang="en-GB" sz="2400" i="1" dirty="0">
-                <a:latin typeface="Arial" panose="020B0604020202020204" pitchFamily="34" charset="0"/>
-                <a:cs typeface="Arial" panose="020B0604020202020204" pitchFamily="34" charset="0"/>
-              </a:rPr>
-              <a:t>” </a:t>
-            </a:r>
-            <a:r>
-              <a:rPr lang="en-GB" sz="2400" dirty="0">
-                <a:latin typeface="Arial" panose="020B0604020202020204" pitchFamily="34" charset="0"/>
-                <a:cs typeface="Arial" panose="020B0604020202020204" pitchFamily="34" charset="0"/>
-              </a:rPr>
-              <a:t>by </a:t>
-            </a:r>
-            <a:r>
-              <a:rPr lang="it-IT" sz="2400" dirty="0" err="1">
-                <a:latin typeface="Arial" panose="020B0604020202020204" pitchFamily="34" charset="0"/>
-                <a:cs typeface="Arial" panose="020B0604020202020204" pitchFamily="34" charset="0"/>
-              </a:rPr>
-              <a:t>Pannocchia,Gabiccini</a:t>
-            </a:r>
-            <a:r>
-              <a:rPr lang="it-IT" sz="2400" dirty="0">
-                <a:latin typeface="Arial" panose="020B0604020202020204" pitchFamily="34" charset="0"/>
-                <a:cs typeface="Arial" panose="020B0604020202020204" pitchFamily="34" charset="0"/>
-              </a:rPr>
-              <a:t> and Artoni (2015); </a:t>
-            </a:r>
-            <a:r>
-              <a:rPr lang="it-IT" sz="2400" dirty="0" err="1">
-                <a:latin typeface="Arial" panose="020B0604020202020204" pitchFamily="34" charset="0"/>
-                <a:cs typeface="Arial" panose="020B0604020202020204" pitchFamily="34" charset="0"/>
-              </a:rPr>
-              <a:t>this</a:t>
-            </a:r>
-            <a:r>
-              <a:rPr lang="it-IT" sz="2400" dirty="0">
-                <a:latin typeface="Arial" panose="020B0604020202020204" pitchFamily="34" charset="0"/>
-                <a:cs typeface="Arial" panose="020B0604020202020204" pitchFamily="34" charset="0"/>
-              </a:rPr>
-              <a:t> paper </a:t>
-            </a:r>
-            <a:r>
-              <a:rPr lang="it-IT" sz="2400" dirty="0" err="1">
-                <a:latin typeface="Arial" panose="020B0604020202020204" pitchFamily="34" charset="0"/>
-                <a:cs typeface="Arial" panose="020B0604020202020204" pitchFamily="34" charset="0"/>
-              </a:rPr>
-              <a:t>proposes</a:t>
-            </a:r>
-            <a:r>
-              <a:rPr lang="it-IT" sz="2400" dirty="0">
-                <a:latin typeface="Arial" panose="020B0604020202020204" pitchFamily="34" charset="0"/>
-                <a:cs typeface="Arial" panose="020B0604020202020204" pitchFamily="34" charset="0"/>
-              </a:rPr>
-              <a:t> an </a:t>
-            </a:r>
-            <a:r>
-              <a:rPr lang="it-IT" sz="2400" dirty="0" err="1">
-                <a:latin typeface="Arial" panose="020B0604020202020204" pitchFamily="34" charset="0"/>
-                <a:cs typeface="Arial" panose="020B0604020202020204" pitchFamily="34" charset="0"/>
-              </a:rPr>
-              <a:t>approach</a:t>
-            </a:r>
-            <a:r>
-              <a:rPr lang="it-IT" sz="2400" dirty="0">
-                <a:latin typeface="Arial" panose="020B0604020202020204" pitchFamily="34" charset="0"/>
-                <a:cs typeface="Arial" panose="020B0604020202020204" pitchFamily="34" charset="0"/>
-              </a:rPr>
-              <a:t> for MPC </a:t>
-            </a:r>
-            <a:r>
-              <a:rPr lang="it-IT" sz="2400" dirty="0" err="1">
-                <a:latin typeface="Arial" panose="020B0604020202020204" pitchFamily="34" charset="0"/>
-                <a:cs typeface="Arial" panose="020B0604020202020204" pitchFamily="34" charset="0"/>
-              </a:rPr>
-              <a:t>that</a:t>
-            </a:r>
-            <a:r>
-              <a:rPr lang="it-IT" sz="2400" dirty="0">
-                <a:latin typeface="Arial" panose="020B0604020202020204" pitchFamily="34" charset="0"/>
-                <a:cs typeface="Arial" panose="020B0604020202020204" pitchFamily="34" charset="0"/>
-              </a:rPr>
-              <a:t> </a:t>
-            </a:r>
-            <a:r>
-              <a:rPr lang="it-IT" sz="2400" dirty="0" err="1">
-                <a:latin typeface="Arial" panose="020B0604020202020204" pitchFamily="34" charset="0"/>
-                <a:cs typeface="Arial" panose="020B0604020202020204" pitchFamily="34" charset="0"/>
-              </a:rPr>
-              <a:t>removes</a:t>
-            </a:r>
-            <a:r>
-              <a:rPr lang="it-IT" sz="2400" dirty="0">
-                <a:latin typeface="Arial" panose="020B0604020202020204" pitchFamily="34" charset="0"/>
-                <a:cs typeface="Arial" panose="020B0604020202020204" pitchFamily="34" charset="0"/>
-              </a:rPr>
-              <a:t> offset.</a:t>
+              <a:rPr lang="en-US" sz="2400" dirty="0"/>
+              <a:t>We set out to address this issue and identified a more recent paper by </a:t>
+            </a:r>
+            <a:r>
+              <a:rPr lang="en-US" sz="2400" dirty="0" err="1"/>
+              <a:t>Pannocchia</a:t>
+            </a:r>
+            <a:r>
+              <a:rPr lang="en-US" sz="2400" dirty="0"/>
+              <a:t> and Rawlings, </a:t>
+            </a:r>
+            <a:r>
+              <a:rPr lang="en-US" sz="2400" i="1" dirty="0"/>
+              <a:t>“Disturbance models for offset-free model predictive control”</a:t>
+            </a:r>
+            <a:r>
+              <a:rPr lang="en-US" sz="2400" dirty="0"/>
+              <a:t> (AIChE Journal, 2003), as well as its update, </a:t>
+            </a:r>
+            <a:r>
+              <a:rPr lang="en-US" sz="2400" i="1" dirty="0"/>
+              <a:t>“Offset-Free MPC Explained: Novelties, Subtleties, and Applications”</a:t>
+            </a:r>
+            <a:r>
+              <a:rPr lang="en-US" sz="2400" dirty="0"/>
+              <a:t> by </a:t>
+            </a:r>
+            <a:r>
+              <a:rPr lang="en-US" sz="2400" dirty="0" err="1"/>
+              <a:t>Pannocchia</a:t>
+            </a:r>
+            <a:r>
+              <a:rPr lang="en-US" sz="2400" dirty="0"/>
+              <a:t>, </a:t>
+            </a:r>
+            <a:r>
+              <a:rPr lang="en-US" sz="2400" dirty="0" err="1"/>
+              <a:t>Gabiccini</a:t>
+            </a:r>
+            <a:r>
+              <a:rPr lang="en-US" sz="2400" dirty="0"/>
+              <a:t>, and </a:t>
+            </a:r>
+            <a:r>
+              <a:rPr lang="en-US" sz="2400" dirty="0" err="1"/>
+              <a:t>Artoni</a:t>
+            </a:r>
+            <a:r>
+              <a:rPr lang="en-US" sz="2400" dirty="0"/>
+              <a:t> (2015). These works propose an MPC approach that achieves offset-free performance.</a:t>
             </a:r>
           </a:p>
           <a:p>
             <a:pPr algn="just"/>
-            <a:endParaRPr lang="it-IT" sz="2400" dirty="0">
+            <a:endParaRPr lang="en-US" sz="2400" noProof="0" dirty="0">
               <a:latin typeface="Arial" panose="020B0604020202020204" pitchFamily="34" charset="0"/>
               <a:cs typeface="Arial" panose="020B0604020202020204" pitchFamily="34" charset="0"/>
             </a:endParaRPr>
@@ -9732,49 +9073,14 @@
           <a:p>
             <a:pPr algn="just"/>
             <a:r>
-              <a:rPr lang="it-IT" sz="2400" dirty="0" err="1">
+              <a:rPr lang="en-US" sz="2400" noProof="0" dirty="0">
                 <a:latin typeface="Arial" panose="020B0604020202020204" pitchFamily="34" charset="0"/>
                 <a:cs typeface="Arial" panose="020B0604020202020204" pitchFamily="34" charset="0"/>
               </a:rPr>
-              <a:t>It</a:t>
-            </a:r>
-            <a:r>
-              <a:rPr lang="it-IT" sz="2400" dirty="0">
-                <a:latin typeface="Arial" panose="020B0604020202020204" pitchFamily="34" charset="0"/>
-                <a:cs typeface="Arial" panose="020B0604020202020204" pitchFamily="34" charset="0"/>
-              </a:rPr>
-              <a:t> </a:t>
-            </a:r>
-            <a:r>
-              <a:rPr lang="it-IT" sz="2400" dirty="0" err="1">
-                <a:latin typeface="Arial" panose="020B0604020202020204" pitchFamily="34" charset="0"/>
-                <a:cs typeface="Arial" panose="020B0604020202020204" pitchFamily="34" charset="0"/>
-              </a:rPr>
-              <a:t>does</a:t>
-            </a:r>
-            <a:r>
-              <a:rPr lang="it-IT" sz="2400" dirty="0">
-                <a:latin typeface="Arial" panose="020B0604020202020204" pitchFamily="34" charset="0"/>
-                <a:cs typeface="Arial" panose="020B0604020202020204" pitchFamily="34" charset="0"/>
-              </a:rPr>
-              <a:t> so by </a:t>
-            </a:r>
-            <a:r>
-              <a:rPr lang="it-IT" sz="2400" dirty="0" err="1">
-                <a:latin typeface="Arial" panose="020B0604020202020204" pitchFamily="34" charset="0"/>
-                <a:cs typeface="Arial" panose="020B0604020202020204" pitchFamily="34" charset="0"/>
-              </a:rPr>
-              <a:t>introducing</a:t>
-            </a:r>
-            <a:r>
-              <a:rPr lang="it-IT" sz="2400" dirty="0">
-                <a:latin typeface="Arial" panose="020B0604020202020204" pitchFamily="34" charset="0"/>
-                <a:cs typeface="Arial" panose="020B0604020202020204" pitchFamily="34" charset="0"/>
-              </a:rPr>
-              <a:t> </a:t>
-            </a:r>
-            <a:r>
-              <a:rPr lang="en-US" sz="2400" dirty="0"/>
+              <a:t>It does so by introducing </a:t>
+            </a:r>
+            <a:r>
+              <a:rPr lang="en-US" sz="2400" noProof="0" dirty="0"/>
               <a:t>a feedforward term, allowing exact reference tracking without altering the underlying predictive structure.</a:t>
             </a:r>
           </a:p>
@@ -9862,8 +9168,8 @@
           </a:p>
         </p:txBody>
       </p:sp>
-      <mc:AlternateContent xmlns:mc="http://schemas.openxmlformats.org/markup-compatibility/2006">
-        <mc:Choice xmlns:a14="http://schemas.microsoft.com/office/drawing/2010/main" Requires="a14">
+      <mc:AlternateContent xmlns:mc="http://schemas.openxmlformats.org/markup-compatibility/2006" xmlns:a14="http://schemas.microsoft.com/office/drawing/2010/main">
+        <mc:Choice Requires="a14">
           <p:sp>
             <p:nvSpPr>
               <p:cNvPr id="2" name="CasellaDiTesto 1">
@@ -9894,60 +9200,11 @@
               <a:p>
                 <a:pPr algn="just"/>
                 <a:r>
-                  <a:rPr lang="it-IT" sz="2400" dirty="0">
+                  <a:rPr lang="en-US" sz="2400" noProof="0" dirty="0">
                     <a:latin typeface="Arial" panose="020B0604020202020204" pitchFamily="34" charset="0"/>
                     <a:cs typeface="Arial" panose="020B0604020202020204" pitchFamily="34" charset="0"/>
                   </a:rPr>
-                  <a:t>We can </a:t>
-                </a:r>
-                <a:r>
-                  <a:rPr lang="it-IT" sz="2400" dirty="0" err="1">
-                    <a:latin typeface="Arial" panose="020B0604020202020204" pitchFamily="34" charset="0"/>
-                    <a:cs typeface="Arial" panose="020B0604020202020204" pitchFamily="34" charset="0"/>
-                  </a:rPr>
-                  <a:t>rewrite</a:t>
-                </a:r>
-                <a:r>
-                  <a:rPr lang="it-IT" sz="2400" dirty="0">
-                    <a:latin typeface="Arial" panose="020B0604020202020204" pitchFamily="34" charset="0"/>
-                    <a:cs typeface="Arial" panose="020B0604020202020204" pitchFamily="34" charset="0"/>
-                  </a:rPr>
-                  <a:t> the steady-state </a:t>
-                </a:r>
-                <a:r>
-                  <a:rPr lang="it-IT" sz="2400" dirty="0" err="1">
-                    <a:latin typeface="Arial" panose="020B0604020202020204" pitchFamily="34" charset="0"/>
-                    <a:cs typeface="Arial" panose="020B0604020202020204" pitchFamily="34" charset="0"/>
-                  </a:rPr>
-                  <a:t>equations</a:t>
-                </a:r>
-                <a:r>
-                  <a:rPr lang="it-IT" sz="2400" dirty="0">
-                    <a:latin typeface="Arial" panose="020B0604020202020204" pitchFamily="34" charset="0"/>
-                    <a:cs typeface="Arial" panose="020B0604020202020204" pitchFamily="34" charset="0"/>
-                  </a:rPr>
-                  <a:t> (</a:t>
-                </a:r>
-                <a:r>
-                  <a:rPr lang="it-IT" sz="2400" dirty="0" err="1">
-                    <a:latin typeface="Arial" panose="020B0604020202020204" pitchFamily="34" charset="0"/>
-                    <a:cs typeface="Arial" panose="020B0604020202020204" pitchFamily="34" charset="0"/>
-                  </a:rPr>
-                  <a:t>where</a:t>
-                </a:r>
-                <a:r>
-                  <a:rPr lang="it-IT" sz="2400" dirty="0">
-                    <a:latin typeface="Arial" panose="020B0604020202020204" pitchFamily="34" charset="0"/>
-                    <a:cs typeface="Arial" panose="020B0604020202020204" pitchFamily="34" charset="0"/>
-                  </a:rPr>
-                  <a:t> x(t+1)=x(t)) </a:t>
-                </a:r>
-                <a:r>
-                  <a:rPr lang="it-IT" sz="2400" dirty="0" err="1">
-                    <a:latin typeface="Arial" panose="020B0604020202020204" pitchFamily="34" charset="0"/>
-                    <a:cs typeface="Arial" panose="020B0604020202020204" pitchFamily="34" charset="0"/>
-                  </a:rPr>
-                  <a:t>as</a:t>
+                  <a:t>We can rewrite the steady-state equations (where x(t+1)=x(t)) as</a:t>
                 </a:r>
                 <a:r>
                   <a:rPr lang="it-IT" sz="2400" dirty="0">
@@ -9980,7 +9237,7 @@
               </a:p>
               <a:p>
                 <a:pPr algn="just"/>
-                <a:endParaRPr lang="it-IT" sz="2400" dirty="0">
+                <a:endParaRPr lang="en-US" sz="2400" noProof="0" dirty="0">
                   <a:latin typeface="Arial" panose="020B0604020202020204" pitchFamily="34" charset="0"/>
                   <a:cs typeface="Arial" panose="020B0604020202020204" pitchFamily="34" charset="0"/>
                 </a:endParaRPr>
@@ -9988,16 +9245,12 @@
               <a:p>
                 <a:pPr algn="just"/>
                 <a:r>
-                  <a:rPr lang="it-IT" sz="2400" dirty="0" err="1">
+                  <a:rPr lang="en-US" sz="2400" noProof="0" dirty="0">
                     <a:latin typeface="Arial" panose="020B0604020202020204" pitchFamily="34" charset="0"/>
                     <a:cs typeface="Arial" panose="020B0604020202020204" pitchFamily="34" charset="0"/>
                   </a:rPr>
                   <a:t>Where</a:t>
                 </a:r>
-                <a:endParaRPr lang="it-IT" sz="2400" dirty="0">
-                  <a:latin typeface="Arial" panose="020B0604020202020204" pitchFamily="34" charset="0"/>
-                  <a:cs typeface="Arial" panose="020B0604020202020204" pitchFamily="34" charset="0"/>
-                </a:endParaRPr>
               </a:p>
               <a:p>
                 <a:pPr algn="just"/>
@@ -10034,7 +9287,7 @@
                     <m:sSub>
                       <m:sSubPr>
                         <m:ctrlPr>
-                          <a:rPr lang="it-IT" sz="2400" i="1" smtClean="0">
+                          <a:rPr lang="en-US" sz="2400" i="1" noProof="0" smtClean="0">
                             <a:latin typeface="Cambria Math" panose="02040503050406030204" pitchFamily="18" charset="0"/>
                             <a:cs typeface="Arial" panose="020B0604020202020204" pitchFamily="34" charset="0"/>
                           </a:rPr>
@@ -10042,7 +9295,7 @@
                       </m:sSubPr>
                       <m:e>
                         <m:r>
-                          <a:rPr lang="it-IT" sz="2400" b="0" i="1" smtClean="0">
+                          <a:rPr lang="en-US" sz="2400" b="0" i="1" noProof="0" smtClean="0">
                             <a:latin typeface="Cambria Math" panose="02040503050406030204" pitchFamily="18" charset="0"/>
                             <a:cs typeface="Arial" panose="020B0604020202020204" pitchFamily="34" charset="0"/>
                           </a:rPr>
@@ -10051,7 +9304,7 @@
                       </m:e>
                       <m:sub>
                         <m:r>
-                          <a:rPr lang="it-IT" sz="2400" b="0" i="1" smtClean="0">
+                          <a:rPr lang="en-US" sz="2400" b="0" i="1" noProof="0" smtClean="0">
                             <a:latin typeface="Cambria Math" panose="02040503050406030204" pitchFamily="18" charset="0"/>
                             <a:cs typeface="Arial" panose="020B0604020202020204" pitchFamily="34" charset="0"/>
                           </a:rPr>
@@ -10062,7 +9315,7 @@
                   </m:oMath>
                 </a14:m>
                 <a:r>
-                  <a:rPr lang="it-IT" sz="2400" dirty="0">
+                  <a:rPr lang="en-US" sz="2400" noProof="0" dirty="0">
                     <a:latin typeface="Arial" panose="020B0604020202020204" pitchFamily="34" charset="0"/>
                     <a:cs typeface="Arial" panose="020B0604020202020204" pitchFamily="34" charset="0"/>
                   </a:rPr>
@@ -10073,7 +9326,7 @@
                     <m:sSub>
                       <m:sSubPr>
                         <m:ctrlPr>
-                          <a:rPr lang="it-IT" sz="2400" i="1" smtClean="0">
+                          <a:rPr lang="en-US" sz="2400" i="1" noProof="0" smtClean="0">
                             <a:latin typeface="Cambria Math" panose="02040503050406030204" pitchFamily="18" charset="0"/>
                             <a:cs typeface="Arial" panose="020B0604020202020204" pitchFamily="34" charset="0"/>
                           </a:rPr>
@@ -10081,7 +9334,7 @@
                       </m:sSubPr>
                       <m:e>
                         <m:r>
-                          <a:rPr lang="it-IT" sz="2400" b="0" i="1" smtClean="0">
+                          <a:rPr lang="en-US" sz="2400" b="0" i="1" noProof="0" smtClean="0">
                             <a:latin typeface="Cambria Math" panose="02040503050406030204" pitchFamily="18" charset="0"/>
                             <a:cs typeface="Arial" panose="020B0604020202020204" pitchFamily="34" charset="0"/>
                           </a:rPr>
@@ -10090,7 +9343,7 @@
                       </m:e>
                       <m:sub>
                         <m:r>
-                          <a:rPr lang="it-IT" sz="2400" b="0" i="1" smtClean="0">
+                          <a:rPr lang="en-US" sz="2400" b="0" i="1" noProof="0" smtClean="0">
                             <a:latin typeface="Cambria Math" panose="02040503050406030204" pitchFamily="18" charset="0"/>
                             <a:cs typeface="Arial" panose="020B0604020202020204" pitchFamily="34" charset="0"/>
                           </a:rPr>
@@ -10101,25 +9354,17 @@
                   </m:oMath>
                 </a14:m>
                 <a:r>
-                  <a:rPr lang="it-IT" sz="2400" dirty="0">
+                  <a:rPr lang="en-US" sz="2400" noProof="0" dirty="0">
                     <a:latin typeface="Arial" panose="020B0604020202020204" pitchFamily="34" charset="0"/>
                     <a:cs typeface="Arial" panose="020B0604020202020204" pitchFamily="34" charset="0"/>
                   </a:rPr>
                   <a:t> are </a:t>
                 </a:r>
                 <a:r>
-                  <a:rPr lang="it-IT" sz="2400" dirty="0"/>
-                  <a:t>steady-state </a:t>
+                  <a:rPr lang="en-US" sz="2400" noProof="0" dirty="0"/>
+                  <a:t>steady-state mappings.</a:t>
                 </a:r>
-                <a:r>
-                  <a:rPr lang="it-IT" sz="2400" dirty="0" err="1"/>
-                  <a:t>mappings</a:t>
-                </a:r>
-                <a:r>
-                  <a:rPr lang="it-IT" sz="2400" dirty="0"/>
-                  <a:t>.</a:t>
-                </a:r>
-                <a:endParaRPr lang="it-IT" sz="2400" dirty="0">
+                <a:endParaRPr lang="en-US" sz="2400" noProof="0" dirty="0">
                   <a:latin typeface="Arial" panose="020B0604020202020204" pitchFamily="34" charset="0"/>
                   <a:cs typeface="Arial" panose="020B0604020202020204" pitchFamily="34" charset="0"/>
                 </a:endParaRPr>
@@ -10131,7 +9376,7 @@
             </p:txBody>
           </p:sp>
         </mc:Choice>
-        <mc:Fallback>
+        <mc:Fallback xmlns="">
           <p:sp>
             <p:nvSpPr>
               <p:cNvPr id="2" name="CasellaDiTesto 1">
@@ -10252,8 +9497,8 @@
         </p:blipFill>
         <p:spPr bwMode="auto">
           <a:xfrm>
-            <a:off x="3024197" y="2431299"/>
-            <a:ext cx="8137013" cy="779884"/>
+            <a:off x="3024197" y="2399291"/>
+            <a:ext cx="8640000" cy="828092"/>
           </a:xfrm>
           <a:prstGeom prst="rect">
             <a:avLst/>
@@ -10299,8 +9544,8 @@
         </p:blipFill>
         <p:spPr bwMode="auto">
           <a:xfrm>
-            <a:off x="1905000" y="3611728"/>
-            <a:ext cx="1542194" cy="305529"/>
+            <a:off x="1940351" y="3505201"/>
+            <a:ext cx="2006641" cy="397542"/>
           </a:xfrm>
           <a:prstGeom prst="rect">
             <a:avLst/>
@@ -10346,8 +9591,8 @@
         </p:blipFill>
         <p:spPr bwMode="auto">
           <a:xfrm>
-            <a:off x="931273" y="4215887"/>
-            <a:ext cx="5317569" cy="1035050"/>
+            <a:off x="940076" y="4044725"/>
+            <a:ext cx="6480000" cy="1261314"/>
           </a:xfrm>
           <a:prstGeom prst="rect">
             <a:avLst/>
@@ -10418,7 +9663,7 @@
         </p:nvSpPr>
         <p:spPr>
           <a:xfrm>
-            <a:off x="762000" y="457200"/>
+            <a:off x="763325" y="304800"/>
             <a:ext cx="10210800" cy="1077218"/>
           </a:xfrm>
         </p:spPr>
@@ -10463,8 +9708,8 @@
         </p:nvSpPr>
         <p:spPr>
           <a:xfrm>
-            <a:off x="762000" y="1676400"/>
-            <a:ext cx="10399210" cy="4154984"/>
+            <a:off x="685800" y="1524000"/>
+            <a:ext cx="10820400" cy="4524315"/>
           </a:xfrm>
           <a:prstGeom prst="rect">
             <a:avLst/>
@@ -10498,7 +9743,7 @@
             <a:pPr algn="just"/>
             <a:r>
               <a:rPr lang="en-US" sz="2400" dirty="0"/>
-              <a:t>The integral correction can be enabled or disabled without modifying the core SPC structure, allowing a direct comparison between purely predictive and enhanced tracking configurations.</a:t>
+              <a:t>Both corrections can be enabled or disabled without modifying the core SPC structure, allowing a direct comparison between purely predictive and enhanced tracking configurations.</a:t>
             </a:r>
           </a:p>
           <a:p>
@@ -10507,14 +9752,34 @@
           </a:p>
           <a:p>
             <a:pPr algn="just"/>
-            <a:endParaRPr lang="it-IT" sz="2400" dirty="0">
-              <a:latin typeface="Arial" panose="020B0604020202020204" pitchFamily="34" charset="0"/>
-              <a:cs typeface="Arial" panose="020B0604020202020204" pitchFamily="34" charset="0"/>
-            </a:endParaRPr>
-          </a:p>
-          <a:p>
-            <a:pPr algn="just"/>
-            <a:endParaRPr lang="en-US" sz="2400" dirty="0"/>
+            <a:r>
+              <a:rPr lang="en-US" sz="2400" dirty="0"/>
+              <a:t>During the SSI procedure, the code verifies the triangularity of </a:t>
+            </a:r>
+            <a:r>
+              <a:rPr lang="en-US" sz="2400" b="1" dirty="0"/>
+              <a:t>R</a:t>
+            </a:r>
+            <a:r>
+              <a:rPr lang="en-US" sz="2400" dirty="0"/>
+              <a:t>, the orthogonality of </a:t>
+            </a:r>
+            <a:r>
+              <a:rPr lang="en-US" sz="2400" b="1" dirty="0"/>
+              <a:t>Q</a:t>
+            </a:r>
+            <a:r>
+              <a:rPr lang="en-US" sz="2400" dirty="0"/>
+              <a:t>, and the consistency of </a:t>
+            </a:r>
+            <a:r>
+              <a:rPr lang="en-US" sz="2400" b="1" dirty="0"/>
+              <a:t>L</a:t>
+            </a:r>
+            <a:r>
+              <a:rPr lang="en-US" sz="2400" dirty="0"/>
+              <a:t> computed by SSI by checking its agreement with the solution of the least-squares (LS) problem.</a:t>
+            </a:r>
           </a:p>
         </p:txBody>
       </p:sp>
@@ -10634,7 +9899,7 @@
                 <a:latin typeface="Arial" panose="020B0604020202020204" pitchFamily="34" charset="0"/>
                 <a:cs typeface="Arial" panose="020B0604020202020204" pitchFamily="34" charset="0"/>
               </a:rPr>
-              <a:t>Using a step reference signal:</a:t>
+              <a:t>Using a step reference signals:</a:t>
             </a:r>
           </a:p>
           <a:p>
@@ -10900,7 +10165,7 @@
                 <a:latin typeface="Arial" panose="020B0604020202020204" pitchFamily="34" charset="0"/>
                 <a:cs typeface="Arial" panose="020B0604020202020204" pitchFamily="34" charset="0"/>
               </a:rPr>
-              <a:t>Using a sine reference signal:</a:t>
+              <a:t>Using a sine reference signals:</a:t>
             </a:r>
           </a:p>
           <a:p>
@@ -12627,150 +11892,439 @@
           </a:p>
         </p:txBody>
       </p:sp>
-      <mc:AlternateContent xmlns:mc="http://schemas.openxmlformats.org/markup-compatibility/2006">
-        <mc:Choice xmlns:a14="http://schemas.microsoft.com/office/drawing/2010/main" Requires="a14">
+      <p:sp>
+        <p:nvSpPr>
+          <p:cNvPr id="4" name="CasellaDiTesto 3">
+            <a:extLst>
+              <a:ext uri="{FF2B5EF4-FFF2-40B4-BE49-F238E27FC236}">
+                <a16:creationId xmlns:a16="http://schemas.microsoft.com/office/drawing/2014/main" id="{D2E4F1D8-6E3E-1635-DEBC-9C2A6FBDE9CC}"/>
+              </a:ext>
+            </a:extLst>
+          </p:cNvPr>
+          <p:cNvSpPr txBox="1"/>
+          <p:nvPr/>
+        </p:nvSpPr>
+        <p:spPr>
+          <a:xfrm>
+            <a:off x="756698" y="1219200"/>
+            <a:ext cx="10368501" cy="4524315"/>
+          </a:xfrm>
+          <a:prstGeom prst="rect">
+            <a:avLst/>
+          </a:prstGeom>
+          <a:noFill/>
+        </p:spPr>
+        <p:txBody>
+          <a:bodyPr wrap="square">
+            <a:spAutoFit/>
+          </a:bodyPr>
+          <a:lstStyle/>
+          <a:p>
+            <a:pPr algn="just"/>
+            <a:r>
+              <a:rPr lang="en-GB" sz="2400" dirty="0">
+                <a:latin typeface="Arial" panose="020B0604020202020204" pitchFamily="34" charset="0"/>
+                <a:cs typeface="Arial" panose="020B0604020202020204" pitchFamily="34" charset="0"/>
+              </a:rPr>
+              <a:t>The SPC method manages to blend two very useful algorithms into one without resulting too complex; as presented in the original paper, this algorithm is able to estimate the system parameters very precisely, but struggles in the tracking phase.</a:t>
+            </a:r>
+          </a:p>
+          <a:p>
+            <a:pPr algn="just"/>
+            <a:endParaRPr lang="en-GB" sz="2400" dirty="0">
+              <a:latin typeface="Arial" panose="020B0604020202020204" pitchFamily="34" charset="0"/>
+              <a:cs typeface="Arial" panose="020B0604020202020204" pitchFamily="34" charset="0"/>
+            </a:endParaRPr>
+          </a:p>
+          <a:p>
+            <a:pPr algn="just"/>
+            <a:r>
+              <a:rPr lang="en-GB" sz="2400" dirty="0">
+                <a:latin typeface="Arial" panose="020B0604020202020204" pitchFamily="34" charset="0"/>
+                <a:cs typeface="Arial" panose="020B0604020202020204" pitchFamily="34" charset="0"/>
+              </a:rPr>
+              <a:t>Fortunately, subsequent research has found ways to improve this aspect, resulting in a robust and straightforward approach.</a:t>
+            </a:r>
+          </a:p>
+          <a:p>
+            <a:pPr algn="just"/>
+            <a:endParaRPr lang="en-GB" sz="2400" noProof="0" dirty="0">
+              <a:latin typeface="Arial" panose="020B0604020202020204" pitchFamily="34" charset="0"/>
+              <a:cs typeface="Arial" panose="020B0604020202020204" pitchFamily="34" charset="0"/>
+            </a:endParaRPr>
+          </a:p>
+          <a:p>
+            <a:pPr algn="just"/>
+            <a:r>
+              <a:rPr lang="en-US" sz="2400" i="1" dirty="0"/>
+              <a:t>Moreover, although the original paper does not explicitly address residual generation, the same underlying idea could be exploited to develop a model-based fault detection scheme, where deviations between predicted and measured outputs are used as indicators of disturbances or faults.</a:t>
+            </a:r>
+            <a:endParaRPr lang="en-GB" sz="2400" i="1" noProof="0" dirty="0">
+              <a:latin typeface="Arial" panose="020B0604020202020204" pitchFamily="34" charset="0"/>
+              <a:cs typeface="Arial" panose="020B0604020202020204" pitchFamily="34" charset="0"/>
+            </a:endParaRPr>
+          </a:p>
+        </p:txBody>
+      </p:sp>
+    </p:spTree>
+    <p:extLst>
+      <p:ext uri="{BB962C8B-B14F-4D97-AF65-F5344CB8AC3E}">
+        <p14:creationId xmlns:p14="http://schemas.microsoft.com/office/powerpoint/2010/main" val="2274619447"/>
+      </p:ext>
+    </p:extLst>
+  </p:cSld>
+  <p:clrMapOvr>
+    <a:masterClrMapping/>
+  </p:clrMapOvr>
+</p:sld>
+</file>
+
+<file path=ppt/slides/slide31.xml><?xml version="1.0" encoding="utf-8"?>
+<p:sld xmlns:a="http://schemas.openxmlformats.org/drawingml/2006/main" xmlns:r="http://schemas.openxmlformats.org/officeDocument/2006/relationships" xmlns:p="http://schemas.openxmlformats.org/presentationml/2006/main">
+  <p:cSld>
+    <p:spTree>
+      <p:nvGrpSpPr>
+        <p:cNvPr id="1" name="">
+          <a:extLst>
+            <a:ext uri="{FF2B5EF4-FFF2-40B4-BE49-F238E27FC236}">
+              <a16:creationId xmlns:a16="http://schemas.microsoft.com/office/drawing/2014/main" id="{4EAD7F3E-7380-580D-AD82-0B6E44EB4D58}"/>
+            </a:ext>
+          </a:extLst>
+        </p:cNvPr>
+        <p:cNvGrpSpPr/>
+        <p:nvPr/>
+      </p:nvGrpSpPr>
+      <p:grpSpPr>
+        <a:xfrm>
+          <a:off x="0" y="0"/>
+          <a:ext cx="0" cy="0"/>
+          <a:chOff x="0" y="0"/>
+          <a:chExt cx="0" cy="0"/>
+        </a:xfrm>
+      </p:grpSpPr>
+      <p:sp>
+        <p:nvSpPr>
+          <p:cNvPr id="5" name="Rettangolo 4">
+            <a:extLst>
+              <a:ext uri="{FF2B5EF4-FFF2-40B4-BE49-F238E27FC236}">
+                <a16:creationId xmlns:a16="http://schemas.microsoft.com/office/drawing/2014/main" id="{C8AA33EA-454C-BD75-0992-D6F9E663A242}"/>
+              </a:ext>
+            </a:extLst>
+          </p:cNvPr>
+          <p:cNvSpPr/>
+          <p:nvPr/>
+        </p:nvSpPr>
+        <p:spPr>
+          <a:xfrm>
+            <a:off x="176792" y="1063580"/>
+            <a:ext cx="11786607" cy="4651420"/>
+          </a:xfrm>
+          <a:prstGeom prst="rect">
+            <a:avLst/>
+          </a:prstGeom>
+          <a:solidFill>
+            <a:schemeClr val="bg1">
+              <a:lumMod val="65000"/>
+              <a:alpha val="50196"/>
+            </a:schemeClr>
+          </a:solidFill>
+          <a:ln>
+            <a:solidFill>
+              <a:srgbClr val="00B050"/>
+            </a:solidFill>
+          </a:ln>
+        </p:spPr>
+        <p:style>
+          <a:lnRef idx="2">
+            <a:schemeClr val="accent1">
+              <a:shade val="15000"/>
+            </a:schemeClr>
+          </a:lnRef>
+          <a:fillRef idx="1">
+            <a:schemeClr val="accent1"/>
+          </a:fillRef>
+          <a:effectRef idx="0">
+            <a:schemeClr val="accent1"/>
+          </a:effectRef>
+          <a:fontRef idx="minor">
+            <a:schemeClr val="lt1"/>
+          </a:fontRef>
+        </p:style>
+        <p:txBody>
+          <a:bodyPr rtlCol="0" anchor="t" anchorCtr="0"/>
+          <a:lstStyle/>
+          <a:p>
+            <a:pPr algn="ctr"/>
+            <a:r>
+              <a:rPr lang="en-GB" sz="2800" b="1" noProof="0" dirty="0">
+                <a:solidFill>
+                  <a:schemeClr val="tx1"/>
+                </a:solidFill>
+                <a:latin typeface="Arial Black" panose="020B0A04020102020204" pitchFamily="34" charset="0"/>
+              </a:rPr>
+              <a:t>SSI + Fault Detection Model Based</a:t>
+            </a:r>
+          </a:p>
+        </p:txBody>
+      </p:sp>
+      <mc:AlternateContent xmlns:mc="http://schemas.openxmlformats.org/markup-compatibility/2006" xmlns:a14="http://schemas.microsoft.com/office/drawing/2010/main">
+        <mc:Choice Requires="a14">
           <p:sp>
             <p:nvSpPr>
-              <p:cNvPr id="4" name="CasellaDiTesto 3">
+              <p:cNvPr id="11" name="Fumetto: rettangolo 10">
                 <a:extLst>
                   <a:ext uri="{FF2B5EF4-FFF2-40B4-BE49-F238E27FC236}">
-                    <a16:creationId xmlns:a16="http://schemas.microsoft.com/office/drawing/2014/main" id="{D2E4F1D8-6E3E-1635-DEBC-9C2A6FBDE9CC}"/>
+                    <a16:creationId xmlns:a16="http://schemas.microsoft.com/office/drawing/2014/main" id="{E12DD689-FDD9-3C9D-7A04-1E2866E24D25}"/>
                   </a:ext>
                 </a:extLst>
               </p:cNvPr>
-              <p:cNvSpPr txBox="1"/>
+              <p:cNvSpPr/>
               <p:nvPr/>
             </p:nvSpPr>
             <p:spPr>
               <a:xfrm>
-                <a:off x="762000" y="1676400"/>
-                <a:ext cx="9677400" cy="4154984"/>
+                <a:off x="515813" y="1600200"/>
+                <a:ext cx="5185573" cy="538609"/>
               </a:xfrm>
-              <a:prstGeom prst="rect">
-                <a:avLst/>
+              <a:prstGeom prst="wedgeRectCallout">
+                <a:avLst>
+                  <a:gd name="adj1" fmla="val -17801"/>
+                  <a:gd name="adj2" fmla="val 127366"/>
+                </a:avLst>
               </a:prstGeom>
-              <a:noFill/>
+              <a:solidFill>
+                <a:schemeClr val="bg1"/>
+              </a:solidFill>
+              <a:ln>
+                <a:solidFill>
+                  <a:srgbClr val="00B050"/>
+                </a:solidFill>
+              </a:ln>
             </p:spPr>
+            <p:style>
+              <a:lnRef idx="2">
+                <a:schemeClr val="accent1">
+                  <a:shade val="15000"/>
+                </a:schemeClr>
+              </a:lnRef>
+              <a:fillRef idx="1">
+                <a:schemeClr val="accent1"/>
+              </a:fillRef>
+              <a:effectRef idx="0">
+                <a:schemeClr val="accent1"/>
+              </a:effectRef>
+              <a:fontRef idx="minor">
+                <a:schemeClr val="lt1"/>
+              </a:fontRef>
+            </p:style>
             <p:txBody>
-              <a:bodyPr wrap="square">
-                <a:spAutoFit/>
-              </a:bodyPr>
+              <a:bodyPr rtlCol="0" anchor="ctr"/>
               <a:lstStyle/>
               <a:p>
-                <a:pPr algn="just"/>
                 <a:r>
-                  <a:rPr lang="en-GB" sz="2400" dirty="0">
-                    <a:latin typeface="Arial" panose="020B0604020202020204" pitchFamily="34" charset="0"/>
-                    <a:cs typeface="Arial" panose="020B0604020202020204" pitchFamily="34" charset="0"/>
+                  <a:rPr lang="en-GB" sz="2400" noProof="0" dirty="0">
+                    <a:solidFill>
+                      <a:sysClr val="windowText" lastClr="000000"/>
+                    </a:solidFill>
+                    <a:ea typeface="+mn-ea"/>
+                    <a:cs typeface="+mn-cs"/>
                   </a:rPr>
-                  <a:t>The SPC method manages to blend two very useful algorithms into one without resulting too complex; as presented in the original paper, this algorithm is able to estimate the system parameters very precisely, but struggles in the tracking phase.</a:t>
-                </a:r>
-              </a:p>
-              <a:p>
-                <a:pPr algn="just"/>
-                <a:r>
-                  <a:rPr lang="en-GB" sz="2400" dirty="0">
-                    <a:latin typeface="Arial" panose="020B0604020202020204" pitchFamily="34" charset="0"/>
-                    <a:cs typeface="Arial" panose="020B0604020202020204" pitchFamily="34" charset="0"/>
-                  </a:rPr>
-                  <a:t>Fortunately, subsequent research has found ways to improve this aspect, resulting in a robust and straightforward approach.</a:t>
-                </a:r>
-              </a:p>
-              <a:p>
-                <a:pPr algn="just"/>
-                <a:endParaRPr lang="en-GB" sz="2400" noProof="0" dirty="0">
-                  <a:latin typeface="Arial" panose="020B0604020202020204" pitchFamily="34" charset="0"/>
-                  <a:cs typeface="Arial" panose="020B0604020202020204" pitchFamily="34" charset="0"/>
-                </a:endParaRPr>
-              </a:p>
-              <a:p>
-                <a:pPr algn="just"/>
-                <a:r>
-                  <a:rPr lang="en-GB" sz="2400" i="1" dirty="0">
-                    <a:latin typeface="Arial" panose="020B0604020202020204" pitchFamily="34" charset="0"/>
-                    <a:cs typeface="Arial" panose="020B0604020202020204" pitchFamily="34" charset="0"/>
-                  </a:rPr>
-                  <a:t>Also,</a:t>
-                </a:r>
-                <a:r>
-                  <a:rPr lang="en-GB" sz="2400" i="1" noProof="0" dirty="0">
-                    <a:latin typeface="Arial" panose="020B0604020202020204" pitchFamily="34" charset="0"/>
-                    <a:cs typeface="Arial" panose="020B0604020202020204" pitchFamily="34" charset="0"/>
-                  </a:rPr>
-                  <a:t> while the paper does not treat the identification of residuals per se, the algorithm can be used to build a controller that somewhat counteracts disturbances or faults on the system, if </a:t>
+                  <a:t>Data Block Hankel Matrices </a:t>
                 </a:r>
                 <a14:m>
                   <m:oMath xmlns:m="http://schemas.openxmlformats.org/officeDocument/2006/math">
                     <m:sSub>
                       <m:sSubPr>
                         <m:ctrlPr>
-                          <a:rPr lang="en-GB" sz="2400" i="1" noProof="0" smtClean="0">
+                          <a:rPr lang="en-GB" sz="2400" b="0" i="1" noProof="0" smtClean="0">
+                            <a:solidFill>
+                              <a:sysClr val="windowText" lastClr="000000"/>
+                            </a:solidFill>
                             <a:latin typeface="Cambria Math" panose="02040503050406030204" pitchFamily="18" charset="0"/>
-                            <a:cs typeface="Arial" panose="020B0604020202020204" pitchFamily="34" charset="0"/>
+                            <a:ea typeface="+mn-ea"/>
+                            <a:cs typeface="+mn-cs"/>
                           </a:rPr>
                         </m:ctrlPr>
                       </m:sSubPr>
                       <m:e>
                         <m:r>
-                          <a:rPr lang="it-IT" sz="2400" b="0" i="1" noProof="0" smtClean="0">
+                          <a:rPr lang="en-GB" sz="2400" b="0" i="1" noProof="0" smtClean="0">
+                            <a:solidFill>
+                              <a:sysClr val="windowText" lastClr="000000"/>
+                            </a:solidFill>
                             <a:latin typeface="Cambria Math" panose="02040503050406030204" pitchFamily="18" charset="0"/>
-                            <a:cs typeface="Arial" panose="020B0604020202020204" pitchFamily="34" charset="0"/>
+                            <a:ea typeface="+mn-ea"/>
+                            <a:cs typeface="+mn-cs"/>
                           </a:rPr>
-                          <m:t>𝑟</m:t>
+                          <m:t>𝑌</m:t>
                         </m:r>
                       </m:e>
                       <m:sub>
                         <m:r>
-                          <a:rPr lang="it-IT" sz="2400" b="0" i="1" noProof="0" smtClean="0">
+                          <a:rPr lang="en-GB" sz="2400" b="0" i="1" noProof="0" smtClean="0">
+                            <a:solidFill>
+                              <a:sysClr val="windowText" lastClr="000000"/>
+                            </a:solidFill>
                             <a:latin typeface="Cambria Math" panose="02040503050406030204" pitchFamily="18" charset="0"/>
-                            <a:cs typeface="Arial" panose="020B0604020202020204" pitchFamily="34" charset="0"/>
+                            <a:ea typeface="+mn-ea"/>
+                            <a:cs typeface="+mn-cs"/>
                           </a:rPr>
-                          <m:t>𝑡</m:t>
+                          <m:t>𝑓</m:t>
+                        </m:r>
+                      </m:sub>
+                    </m:sSub>
+                    <m:r>
+                      <a:rPr lang="en-GB" sz="2400" b="0" i="1" noProof="0" smtClean="0">
+                        <a:solidFill>
+                          <a:sysClr val="windowText" lastClr="000000"/>
+                        </a:solidFill>
+                        <a:latin typeface="Cambria Math" panose="02040503050406030204" pitchFamily="18" charset="0"/>
+                        <a:ea typeface="+mn-ea"/>
+                        <a:cs typeface="+mn-cs"/>
+                      </a:rPr>
+                      <m:t>, </m:t>
+                    </m:r>
+                    <m:sSub>
+                      <m:sSubPr>
+                        <m:ctrlPr>
+                          <a:rPr lang="en-GB" sz="2400" b="0" i="1" noProof="0" smtClean="0">
+                            <a:solidFill>
+                              <a:sysClr val="windowText" lastClr="000000"/>
+                            </a:solidFill>
+                            <a:latin typeface="Cambria Math" panose="02040503050406030204" pitchFamily="18" charset="0"/>
+                            <a:ea typeface="+mn-ea"/>
+                            <a:cs typeface="+mn-cs"/>
+                          </a:rPr>
+                        </m:ctrlPr>
+                      </m:sSubPr>
+                      <m:e>
+                        <m:r>
+                          <a:rPr lang="en-GB" sz="2400" b="0" i="1" noProof="0" smtClean="0">
+                            <a:solidFill>
+                              <a:sysClr val="windowText" lastClr="000000"/>
+                            </a:solidFill>
+                            <a:latin typeface="Cambria Math" panose="02040503050406030204" pitchFamily="18" charset="0"/>
+                            <a:ea typeface="+mn-ea"/>
+                            <a:cs typeface="+mn-cs"/>
+                          </a:rPr>
+                          <m:t>𝑈</m:t>
+                        </m:r>
+                      </m:e>
+                      <m:sub>
+                        <m:r>
+                          <a:rPr lang="en-GB" sz="2400" b="0" i="1" noProof="0" smtClean="0">
+                            <a:solidFill>
+                              <a:sysClr val="windowText" lastClr="000000"/>
+                            </a:solidFill>
+                            <a:latin typeface="Cambria Math" panose="02040503050406030204" pitchFamily="18" charset="0"/>
+                            <a:ea typeface="+mn-ea"/>
+                            <a:cs typeface="+mn-cs"/>
+                          </a:rPr>
+                          <m:t>𝑓</m:t>
+                        </m:r>
+                      </m:sub>
+                    </m:sSub>
+                    <m:r>
+                      <a:rPr lang="en-GB" sz="2400" b="0" i="1" noProof="0" smtClean="0">
+                        <a:solidFill>
+                          <a:sysClr val="windowText" lastClr="000000"/>
+                        </a:solidFill>
+                        <a:latin typeface="Cambria Math" panose="02040503050406030204" pitchFamily="18" charset="0"/>
+                        <a:ea typeface="+mn-ea"/>
+                        <a:cs typeface="+mn-cs"/>
+                      </a:rPr>
+                      <m:t>, </m:t>
+                    </m:r>
+                    <m:sSub>
+                      <m:sSubPr>
+                        <m:ctrlPr>
+                          <a:rPr lang="en-GB" sz="2400" b="0" i="1" noProof="0" smtClean="0">
+                            <a:solidFill>
+                              <a:sysClr val="windowText" lastClr="000000"/>
+                            </a:solidFill>
+                            <a:latin typeface="Cambria Math" panose="02040503050406030204" pitchFamily="18" charset="0"/>
+                            <a:ea typeface="+mn-ea"/>
+                            <a:cs typeface="+mn-cs"/>
+                          </a:rPr>
+                        </m:ctrlPr>
+                      </m:sSubPr>
+                      <m:e>
+                        <m:r>
+                          <a:rPr lang="en-GB" sz="2400" b="0" i="1" noProof="0" smtClean="0">
+                            <a:solidFill>
+                              <a:sysClr val="windowText" lastClr="000000"/>
+                            </a:solidFill>
+                            <a:latin typeface="Cambria Math" panose="02040503050406030204" pitchFamily="18" charset="0"/>
+                            <a:ea typeface="+mn-ea"/>
+                            <a:cs typeface="+mn-cs"/>
+                          </a:rPr>
+                          <m:t>𝑊</m:t>
+                        </m:r>
+                      </m:e>
+                      <m:sub>
+                        <m:r>
+                          <a:rPr lang="en-GB" sz="2400" b="0" i="1" noProof="0" smtClean="0">
+                            <a:solidFill>
+                              <a:sysClr val="windowText" lastClr="000000"/>
+                            </a:solidFill>
+                            <a:latin typeface="Cambria Math" panose="02040503050406030204" pitchFamily="18" charset="0"/>
+                            <a:ea typeface="+mn-ea"/>
+                            <a:cs typeface="+mn-cs"/>
+                          </a:rPr>
+                          <m:t>𝑝</m:t>
                         </m:r>
                       </m:sub>
                     </m:sSub>
                   </m:oMath>
                 </a14:m>
-                <a:r>
-                  <a:rPr lang="en-GB" sz="2400" i="1" noProof="0" dirty="0">
-                    <a:latin typeface="Arial" panose="020B0604020202020204" pitchFamily="34" charset="0"/>
-                    <a:cs typeface="Arial" panose="020B0604020202020204" pitchFamily="34" charset="0"/>
-                  </a:rPr>
-                  <a:t> is set to the desired plant output.</a:t>
-                </a:r>
+                <a:endParaRPr lang="en-GB" sz="2400" b="0" noProof="0" dirty="0">
+                  <a:solidFill>
+                    <a:sysClr val="windowText" lastClr="000000"/>
+                  </a:solidFill>
+                  <a:ea typeface="+mn-ea"/>
+                  <a:cs typeface="+mn-cs"/>
+                </a:endParaRPr>
               </a:p>
             </p:txBody>
           </p:sp>
         </mc:Choice>
-        <mc:Fallback>
+        <mc:Fallback xmlns="">
           <p:sp>
             <p:nvSpPr>
-              <p:cNvPr id="4" name="CasellaDiTesto 3">
+              <p:cNvPr id="11" name="Fumetto: rettangolo 10">
                 <a:extLst>
                   <a:ext uri="{FF2B5EF4-FFF2-40B4-BE49-F238E27FC236}">
-                    <a16:creationId xmlns:a16="http://schemas.microsoft.com/office/drawing/2014/main" id="{D2E4F1D8-6E3E-1635-DEBC-9C2A6FBDE9CC}"/>
+                    <a16:creationId xmlns:a16="http://schemas.microsoft.com/office/drawing/2014/main" id="{2191F0F2-1292-4F6F-2296-37613DBAEDED}"/>
                   </a:ext>
                 </a:extLst>
               </p:cNvPr>
-              <p:cNvSpPr txBox="1">
+              <p:cNvSpPr>
                 <a:spLocks noRot="1" noChangeAspect="1" noMove="1" noResize="1" noEditPoints="1" noAdjustHandles="1" noChangeArrowheads="1" noChangeShapeType="1" noTextEdit="1"/>
               </p:cNvSpPr>
               <p:nvPr/>
             </p:nvSpPr>
             <p:spPr>
               <a:xfrm>
-                <a:off x="762000" y="1676400"/>
-                <a:ext cx="9677400" cy="4154984"/>
+                <a:off x="515813" y="1600200"/>
+                <a:ext cx="5185573" cy="538609"/>
               </a:xfrm>
-              <a:prstGeom prst="rect">
-                <a:avLst/>
+              <a:prstGeom prst="wedgeRectCallout">
+                <a:avLst>
+                  <a:gd name="adj1" fmla="val -17801"/>
+                  <a:gd name="adj2" fmla="val 127366"/>
+                </a:avLst>
               </a:prstGeom>
               <a:blipFill>
                 <a:blip r:embed="rId2"/>
                 <a:stretch>
-                  <a:fillRect l="-945" t="-1026" r="-882" b="-2493"/>
+                  <a:fillRect l="-1639" t="-621"/>
                 </a:stretch>
               </a:blipFill>
+              <a:ln>
+                <a:solidFill>
+                  <a:srgbClr val="00B050"/>
+                </a:solidFill>
+              </a:ln>
             </p:spPr>
             <p:txBody>
               <a:bodyPr/>
@@ -12787,10 +12341,641 @@
           </p:sp>
         </mc:Fallback>
       </mc:AlternateContent>
+      <p:sp>
+        <p:nvSpPr>
+          <p:cNvPr id="13" name="Fumetto: rettangolo 12">
+            <a:extLst>
+              <a:ext uri="{FF2B5EF4-FFF2-40B4-BE49-F238E27FC236}">
+                <a16:creationId xmlns:a16="http://schemas.microsoft.com/office/drawing/2014/main" id="{B55528F7-217B-39A2-BCCF-C1D2A61AFD2E}"/>
+              </a:ext>
+            </a:extLst>
+          </p:cNvPr>
+          <p:cNvSpPr/>
+          <p:nvPr/>
+        </p:nvSpPr>
+        <p:spPr>
+          <a:xfrm>
+            <a:off x="515812" y="2590800"/>
+            <a:ext cx="5185573" cy="538609"/>
+          </a:xfrm>
+          <a:prstGeom prst="wedgeRectCallout">
+            <a:avLst>
+              <a:gd name="adj1" fmla="val -17801"/>
+              <a:gd name="adj2" fmla="val 127366"/>
+            </a:avLst>
+          </a:prstGeom>
+          <a:solidFill>
+            <a:schemeClr val="bg1"/>
+          </a:solidFill>
+          <a:ln>
+            <a:solidFill>
+              <a:srgbClr val="00B050"/>
+            </a:solidFill>
+          </a:ln>
+        </p:spPr>
+        <p:style>
+          <a:lnRef idx="2">
+            <a:schemeClr val="accent1">
+              <a:shade val="15000"/>
+            </a:schemeClr>
+          </a:lnRef>
+          <a:fillRef idx="1">
+            <a:schemeClr val="accent1"/>
+          </a:fillRef>
+          <a:effectRef idx="0">
+            <a:schemeClr val="accent1"/>
+          </a:effectRef>
+          <a:fontRef idx="minor">
+            <a:schemeClr val="lt1"/>
+          </a:fontRef>
+        </p:style>
+        <p:txBody>
+          <a:bodyPr rtlCol="0" anchor="ctr"/>
+          <a:lstStyle/>
+          <a:p>
+            <a:r>
+              <a:rPr lang="en-GB" sz="2400" noProof="0" dirty="0">
+                <a:solidFill>
+                  <a:sysClr val="windowText" lastClr="000000"/>
+                </a:solidFill>
+                <a:ea typeface="+mn-ea"/>
+                <a:cs typeface="+mn-cs"/>
+              </a:rPr>
+              <a:t>QR and SV decomposition</a:t>
+            </a:r>
+            <a:endParaRPr lang="en-GB" sz="2400" b="0" noProof="0" dirty="0">
+              <a:solidFill>
+                <a:sysClr val="windowText" lastClr="000000"/>
+              </a:solidFill>
+              <a:ea typeface="+mn-ea"/>
+              <a:cs typeface="+mn-cs"/>
+            </a:endParaRPr>
+          </a:p>
+        </p:txBody>
+      </p:sp>
+      <p:sp>
+        <p:nvSpPr>
+          <p:cNvPr id="17" name="Fumetto: rettangolo 16">
+            <a:extLst>
+              <a:ext uri="{FF2B5EF4-FFF2-40B4-BE49-F238E27FC236}">
+                <a16:creationId xmlns:a16="http://schemas.microsoft.com/office/drawing/2014/main" id="{60F6FE1D-CBE4-637B-EA1D-BAE7A04C1F69}"/>
+              </a:ext>
+            </a:extLst>
+          </p:cNvPr>
+          <p:cNvSpPr/>
+          <p:nvPr/>
+        </p:nvSpPr>
+        <p:spPr>
+          <a:xfrm>
+            <a:off x="6459412" y="3505200"/>
+            <a:ext cx="5185573" cy="685801"/>
+          </a:xfrm>
+          <a:prstGeom prst="wedgeRectCallout">
+            <a:avLst>
+              <a:gd name="adj1" fmla="val -17801"/>
+              <a:gd name="adj2" fmla="val 127366"/>
+            </a:avLst>
+          </a:prstGeom>
+          <a:solidFill>
+            <a:schemeClr val="bg1"/>
+          </a:solidFill>
+          <a:ln>
+            <a:solidFill>
+              <a:srgbClr val="00B050"/>
+            </a:solidFill>
+          </a:ln>
+        </p:spPr>
+        <p:style>
+          <a:lnRef idx="2">
+            <a:schemeClr val="accent1">
+              <a:shade val="15000"/>
+            </a:schemeClr>
+          </a:lnRef>
+          <a:fillRef idx="1">
+            <a:schemeClr val="accent1"/>
+          </a:fillRef>
+          <a:effectRef idx="0">
+            <a:schemeClr val="accent1"/>
+          </a:effectRef>
+          <a:fontRef idx="minor">
+            <a:schemeClr val="lt1"/>
+          </a:fontRef>
+        </p:style>
+        <p:txBody>
+          <a:bodyPr rtlCol="0" anchor="ctr"/>
+          <a:lstStyle/>
+          <a:p>
+            <a:r>
+              <a:rPr lang="en-US" sz="2400" dirty="0">
+                <a:solidFill>
+                  <a:schemeClr val="tx1"/>
+                </a:solidFill>
+              </a:rPr>
+              <a:t>Model-based predictor and online </a:t>
+            </a:r>
+            <a:br>
+              <a:rPr lang="en-US" sz="2400" dirty="0">
+                <a:solidFill>
+                  <a:schemeClr val="tx1"/>
+                </a:solidFill>
+              </a:rPr>
+            </a:br>
+            <a:r>
+              <a:rPr lang="en-US" sz="2400" dirty="0">
+                <a:solidFill>
+                  <a:schemeClr val="tx1"/>
+                </a:solidFill>
+              </a:rPr>
+              <a:t>fault-free output estimation</a:t>
+            </a:r>
+            <a:endParaRPr lang="en-GB" sz="2400" b="0" noProof="0" dirty="0">
+              <a:solidFill>
+                <a:schemeClr val="tx1"/>
+              </a:solidFill>
+              <a:ea typeface="+mn-ea"/>
+              <a:cs typeface="+mn-cs"/>
+            </a:endParaRPr>
+          </a:p>
+        </p:txBody>
+      </p:sp>
+      <p:sp>
+        <p:nvSpPr>
+          <p:cNvPr id="18" name="Fumetto: rettangolo 17">
+            <a:extLst>
+              <a:ext uri="{FF2B5EF4-FFF2-40B4-BE49-F238E27FC236}">
+                <a16:creationId xmlns:a16="http://schemas.microsoft.com/office/drawing/2014/main" id="{439F24DF-CC54-A760-5279-DB4F083FB355}"/>
+              </a:ext>
+            </a:extLst>
+          </p:cNvPr>
+          <p:cNvSpPr/>
+          <p:nvPr/>
+        </p:nvSpPr>
+        <p:spPr>
+          <a:xfrm>
+            <a:off x="5943601" y="4747687"/>
+            <a:ext cx="5701384" cy="510114"/>
+          </a:xfrm>
+          <a:prstGeom prst="wedgeRectCallout">
+            <a:avLst>
+              <a:gd name="adj1" fmla="val -19446"/>
+              <a:gd name="adj2" fmla="val 134708"/>
+            </a:avLst>
+          </a:prstGeom>
+          <a:solidFill>
+            <a:schemeClr val="bg1"/>
+          </a:solidFill>
+          <a:ln>
+            <a:solidFill>
+              <a:srgbClr val="00B050"/>
+            </a:solidFill>
+          </a:ln>
+        </p:spPr>
+        <p:style>
+          <a:lnRef idx="2">
+            <a:schemeClr val="accent1">
+              <a:shade val="15000"/>
+            </a:schemeClr>
+          </a:lnRef>
+          <a:fillRef idx="1">
+            <a:schemeClr val="accent1"/>
+          </a:fillRef>
+          <a:effectRef idx="0">
+            <a:schemeClr val="accent1"/>
+          </a:effectRef>
+          <a:fontRef idx="minor">
+            <a:schemeClr val="lt1"/>
+          </a:fontRef>
+        </p:style>
+        <p:txBody>
+          <a:bodyPr rtlCol="0" anchor="ctr"/>
+          <a:lstStyle/>
+          <a:p>
+            <a:r>
+              <a:rPr lang="en-GB" sz="2400" noProof="0" dirty="0">
+                <a:solidFill>
+                  <a:sysClr val="windowText" lastClr="000000"/>
+                </a:solidFill>
+                <a:ea typeface="+mn-ea"/>
+                <a:cs typeface="+mn-cs"/>
+              </a:rPr>
+              <a:t>Residual Calculation and fault-identification</a:t>
+            </a:r>
+            <a:endParaRPr lang="en-GB" sz="2400" b="0" noProof="0" dirty="0">
+              <a:solidFill>
+                <a:sysClr val="windowText" lastClr="000000"/>
+              </a:solidFill>
+              <a:ea typeface="+mn-ea"/>
+              <a:cs typeface="+mn-cs"/>
+            </a:endParaRPr>
+          </a:p>
+        </p:txBody>
+      </p:sp>
+      <mc:AlternateContent xmlns:mc="http://schemas.openxmlformats.org/markup-compatibility/2006" xmlns:a14="http://schemas.microsoft.com/office/drawing/2010/main">
+        <mc:Choice Requires="a14">
+          <p:sp>
+            <p:nvSpPr>
+              <p:cNvPr id="2" name="Fumetto: rettangolo 1">
+                <a:extLst>
+                  <a:ext uri="{FF2B5EF4-FFF2-40B4-BE49-F238E27FC236}">
+                    <a16:creationId xmlns:a16="http://schemas.microsoft.com/office/drawing/2014/main" id="{824DA96A-3F13-3C84-8A1F-52A84CF4B0DE}"/>
+                  </a:ext>
+                </a:extLst>
+              </p:cNvPr>
+              <p:cNvSpPr/>
+              <p:nvPr/>
+            </p:nvSpPr>
+            <p:spPr>
+              <a:xfrm>
+                <a:off x="515812" y="3582486"/>
+                <a:ext cx="5185573" cy="538609"/>
+              </a:xfrm>
+              <a:prstGeom prst="wedgeRectCallout">
+                <a:avLst>
+                  <a:gd name="adj1" fmla="val 64540"/>
+                  <a:gd name="adj2" fmla="val 4836"/>
+                </a:avLst>
+              </a:prstGeom>
+              <a:solidFill>
+                <a:schemeClr val="bg1"/>
+              </a:solidFill>
+              <a:ln>
+                <a:solidFill>
+                  <a:srgbClr val="00B050"/>
+                </a:solidFill>
+              </a:ln>
+            </p:spPr>
+            <p:style>
+              <a:lnRef idx="2">
+                <a:schemeClr val="accent1">
+                  <a:shade val="15000"/>
+                </a:schemeClr>
+              </a:lnRef>
+              <a:fillRef idx="1">
+                <a:schemeClr val="accent1"/>
+              </a:fillRef>
+              <a:effectRef idx="0">
+                <a:schemeClr val="accent1"/>
+              </a:effectRef>
+              <a:fontRef idx="minor">
+                <a:schemeClr val="lt1"/>
+              </a:fontRef>
+            </p:style>
+            <p:txBody>
+              <a:bodyPr rtlCol="0" anchor="ctr"/>
+              <a:lstStyle/>
+              <a:p>
+                <a:r>
+                  <a:rPr lang="en-GB" sz="2400" noProof="0" dirty="0">
+                    <a:solidFill>
+                      <a:sysClr val="windowText" lastClr="000000"/>
+                    </a:solidFill>
+                    <a:ea typeface="+mn-ea"/>
+                    <a:cs typeface="+mn-cs"/>
+                  </a:rPr>
+                  <a:t>Matrices </a:t>
+                </a:r>
+                <a14:m>
+                  <m:oMath xmlns:m="http://schemas.openxmlformats.org/officeDocument/2006/math">
+                    <m:sSub>
+                      <m:sSubPr>
+                        <m:ctrlPr>
+                          <a:rPr lang="en-GB" sz="2400" b="0" i="1" noProof="0" smtClean="0">
+                            <a:solidFill>
+                              <a:sysClr val="windowText" lastClr="000000"/>
+                            </a:solidFill>
+                            <a:latin typeface="Cambria Math" panose="02040503050406030204" pitchFamily="18" charset="0"/>
+                            <a:ea typeface="+mn-ea"/>
+                            <a:cs typeface="+mn-cs"/>
+                          </a:rPr>
+                        </m:ctrlPr>
+                      </m:sSubPr>
+                      <m:e>
+                        <m:r>
+                          <a:rPr lang="en-GB" sz="2400" b="0" i="1" noProof="0" smtClean="0">
+                            <a:solidFill>
+                              <a:sysClr val="windowText" lastClr="000000"/>
+                            </a:solidFill>
+                            <a:latin typeface="Cambria Math" panose="02040503050406030204" pitchFamily="18" charset="0"/>
+                            <a:ea typeface="+mn-ea"/>
+                            <a:cs typeface="+mn-cs"/>
+                          </a:rPr>
+                          <m:t>𝐿</m:t>
+                        </m:r>
+                      </m:e>
+                      <m:sub>
+                        <m:r>
+                          <a:rPr lang="en-GB" sz="2400" b="0" i="1" noProof="0" smtClean="0">
+                            <a:solidFill>
+                              <a:sysClr val="windowText" lastClr="000000"/>
+                            </a:solidFill>
+                            <a:latin typeface="Cambria Math" panose="02040503050406030204" pitchFamily="18" charset="0"/>
+                            <a:ea typeface="+mn-ea"/>
+                            <a:cs typeface="+mn-cs"/>
+                          </a:rPr>
+                          <m:t>𝑤</m:t>
+                        </m:r>
+                      </m:sub>
+                    </m:sSub>
+                    <m:r>
+                      <a:rPr lang="en-GB" sz="2400" b="0" i="1" noProof="0" smtClean="0">
+                        <a:solidFill>
+                          <a:sysClr val="windowText" lastClr="000000"/>
+                        </a:solidFill>
+                        <a:latin typeface="Cambria Math" panose="02040503050406030204" pitchFamily="18" charset="0"/>
+                        <a:ea typeface="+mn-ea"/>
+                        <a:cs typeface="+mn-cs"/>
+                      </a:rPr>
+                      <m:t>, </m:t>
+                    </m:r>
+                    <m:sSub>
+                      <m:sSubPr>
+                        <m:ctrlPr>
+                          <a:rPr lang="en-GB" sz="2400" b="0" i="1" noProof="0" smtClean="0">
+                            <a:solidFill>
+                              <a:sysClr val="windowText" lastClr="000000"/>
+                            </a:solidFill>
+                            <a:latin typeface="Cambria Math" panose="02040503050406030204" pitchFamily="18" charset="0"/>
+                            <a:ea typeface="+mn-ea"/>
+                            <a:cs typeface="+mn-cs"/>
+                          </a:rPr>
+                        </m:ctrlPr>
+                      </m:sSubPr>
+                      <m:e>
+                        <m:r>
+                          <a:rPr lang="en-GB" sz="2400" b="0" i="1" noProof="0" smtClean="0">
+                            <a:solidFill>
+                              <a:sysClr val="windowText" lastClr="000000"/>
+                            </a:solidFill>
+                            <a:latin typeface="Cambria Math" panose="02040503050406030204" pitchFamily="18" charset="0"/>
+                            <a:ea typeface="+mn-ea"/>
+                            <a:cs typeface="+mn-cs"/>
+                          </a:rPr>
+                          <m:t>𝐿</m:t>
+                        </m:r>
+                      </m:e>
+                      <m:sub>
+                        <m:r>
+                          <a:rPr lang="en-GB" sz="2400" b="0" i="1" noProof="0" smtClean="0">
+                            <a:solidFill>
+                              <a:sysClr val="windowText" lastClr="000000"/>
+                            </a:solidFill>
+                            <a:latin typeface="Cambria Math" panose="02040503050406030204" pitchFamily="18" charset="0"/>
+                            <a:ea typeface="+mn-ea"/>
+                            <a:cs typeface="+mn-cs"/>
+                          </a:rPr>
+                          <m:t>𝑢</m:t>
+                        </m:r>
+                      </m:sub>
+                    </m:sSub>
+                  </m:oMath>
+                </a14:m>
+                <a:endParaRPr lang="en-GB" sz="2400" b="0" noProof="0" dirty="0">
+                  <a:solidFill>
+                    <a:sysClr val="windowText" lastClr="000000"/>
+                  </a:solidFill>
+                  <a:ea typeface="+mn-ea"/>
+                  <a:cs typeface="+mn-cs"/>
+                </a:endParaRPr>
+              </a:p>
+            </p:txBody>
+          </p:sp>
+        </mc:Choice>
+        <mc:Fallback xmlns="">
+          <p:sp>
+            <p:nvSpPr>
+              <p:cNvPr id="2" name="Fumetto: rettangolo 1">
+                <a:extLst>
+                  <a:ext uri="{FF2B5EF4-FFF2-40B4-BE49-F238E27FC236}">
+                    <a16:creationId xmlns:a16="http://schemas.microsoft.com/office/drawing/2014/main" id="{D189872F-CEB3-8E6B-A8A6-A8B8BC70004B}"/>
+                  </a:ext>
+                </a:extLst>
+              </p:cNvPr>
+              <p:cNvSpPr>
+                <a:spLocks noRot="1" noChangeAspect="1" noMove="1" noResize="1" noEditPoints="1" noAdjustHandles="1" noChangeArrowheads="1" noChangeShapeType="1" noTextEdit="1"/>
+              </p:cNvSpPr>
+              <p:nvPr/>
+            </p:nvSpPr>
+            <p:spPr>
+              <a:xfrm>
+                <a:off x="515812" y="3582486"/>
+                <a:ext cx="5185573" cy="538609"/>
+              </a:xfrm>
+              <a:prstGeom prst="wedgeRectCallout">
+                <a:avLst>
+                  <a:gd name="adj1" fmla="val 64540"/>
+                  <a:gd name="adj2" fmla="val 4836"/>
+                </a:avLst>
+              </a:prstGeom>
+              <a:blipFill>
+                <a:blip r:embed="rId3"/>
+                <a:stretch>
+                  <a:fillRect l="-1431" b="-15217"/>
+                </a:stretch>
+              </a:blipFill>
+              <a:ln>
+                <a:solidFill>
+                  <a:srgbClr val="00B050"/>
+                </a:solidFill>
+              </a:ln>
+            </p:spPr>
+            <p:txBody>
+              <a:bodyPr/>
+              <a:lstStyle/>
+              <a:p>
+                <a:r>
+                  <a:rPr lang="it-IT">
+                    <a:noFill/>
+                  </a:rPr>
+                  <a:t> </a:t>
+                </a:r>
+              </a:p>
+            </p:txBody>
+          </p:sp>
+        </mc:Fallback>
+      </mc:AlternateContent>
+      <p:sp>
+        <p:nvSpPr>
+          <p:cNvPr id="8" name="Titolo 9">
+            <a:extLst>
+              <a:ext uri="{FF2B5EF4-FFF2-40B4-BE49-F238E27FC236}">
+                <a16:creationId xmlns:a16="http://schemas.microsoft.com/office/drawing/2014/main" id="{2906983F-C231-CBE2-21A9-50BB7D5B47DE}"/>
+              </a:ext>
+            </a:extLst>
+          </p:cNvPr>
+          <p:cNvSpPr>
+            <a:spLocks noGrp="1"/>
+          </p:cNvSpPr>
+          <p:nvPr>
+            <p:ph type="title"/>
+          </p:nvPr>
+        </p:nvSpPr>
+        <p:spPr>
+          <a:xfrm>
+            <a:off x="762000" y="457200"/>
+            <a:ext cx="10439400" cy="533401"/>
+          </a:xfrm>
+        </p:spPr>
+        <p:txBody>
+          <a:bodyPr/>
+          <a:lstStyle/>
+          <a:p>
+            <a:r>
+              <a:rPr lang="en-GB" noProof="0" dirty="0">
+                <a:latin typeface="Arial Black" panose="020B0A04020102020204" pitchFamily="34" charset="0"/>
+              </a:rPr>
+              <a:t>The same idea…</a:t>
+            </a:r>
+          </a:p>
+        </p:txBody>
+      </p:sp>
     </p:spTree>
     <p:extLst>
       <p:ext uri="{BB962C8B-B14F-4D97-AF65-F5344CB8AC3E}">
-        <p14:creationId xmlns:p14="http://schemas.microsoft.com/office/powerpoint/2010/main" val="2274619447"/>
+        <p14:creationId xmlns:p14="http://schemas.microsoft.com/office/powerpoint/2010/main" val="1547557669"/>
+      </p:ext>
+    </p:extLst>
+  </p:cSld>
+  <p:clrMapOvr>
+    <a:masterClrMapping/>
+  </p:clrMapOvr>
+</p:sld>
+</file>
+
+<file path=ppt/slides/slide32.xml><?xml version="1.0" encoding="utf-8"?>
+<p:sld xmlns:a="http://schemas.openxmlformats.org/drawingml/2006/main" xmlns:r="http://schemas.openxmlformats.org/officeDocument/2006/relationships" xmlns:p="http://schemas.openxmlformats.org/presentationml/2006/main">
+  <p:cSld>
+    <p:spTree>
+      <p:nvGrpSpPr>
+        <p:cNvPr id="1" name="">
+          <a:extLst>
+            <a:ext uri="{FF2B5EF4-FFF2-40B4-BE49-F238E27FC236}">
+              <a16:creationId xmlns:a16="http://schemas.microsoft.com/office/drawing/2014/main" id="{CA6245ED-1D40-F496-C51B-2D39011A2E3B}"/>
+            </a:ext>
+          </a:extLst>
+        </p:cNvPr>
+        <p:cNvGrpSpPr/>
+        <p:nvPr/>
+      </p:nvGrpSpPr>
+      <p:grpSpPr>
+        <a:xfrm>
+          <a:off x="0" y="0"/>
+          <a:ext cx="0" cy="0"/>
+          <a:chOff x="0" y="0"/>
+          <a:chExt cx="0" cy="0"/>
+        </a:xfrm>
+      </p:grpSpPr>
+      <p:sp>
+        <p:nvSpPr>
+          <p:cNvPr id="10" name="Titolo 9">
+            <a:extLst>
+              <a:ext uri="{FF2B5EF4-FFF2-40B4-BE49-F238E27FC236}">
+                <a16:creationId xmlns:a16="http://schemas.microsoft.com/office/drawing/2014/main" id="{3C75EE8E-1294-A10A-20B6-2D0A4BE2C986}"/>
+              </a:ext>
+            </a:extLst>
+          </p:cNvPr>
+          <p:cNvSpPr>
+            <a:spLocks noGrp="1"/>
+          </p:cNvSpPr>
+          <p:nvPr>
+            <p:ph type="title"/>
+          </p:nvPr>
+        </p:nvSpPr>
+        <p:spPr>
+          <a:xfrm>
+            <a:off x="762000" y="457200"/>
+            <a:ext cx="8991600" cy="538609"/>
+          </a:xfrm>
+        </p:spPr>
+        <p:txBody>
+          <a:bodyPr/>
+          <a:lstStyle/>
+          <a:p>
+            <a:r>
+              <a:rPr lang="en-US" dirty="0"/>
+              <a:t>We are not reinventing the wheel</a:t>
+            </a:r>
+            <a:endParaRPr lang="en-GB" noProof="0" dirty="0">
+              <a:latin typeface="Arial Black" panose="020B0A04020102020204" pitchFamily="34" charset="0"/>
+            </a:endParaRPr>
+          </a:p>
+        </p:txBody>
+      </p:sp>
+      <p:sp>
+        <p:nvSpPr>
+          <p:cNvPr id="4" name="CasellaDiTesto 3">
+            <a:extLst>
+              <a:ext uri="{FF2B5EF4-FFF2-40B4-BE49-F238E27FC236}">
+                <a16:creationId xmlns:a16="http://schemas.microsoft.com/office/drawing/2014/main" id="{83A80C3D-C954-1B2E-1016-17F5C47F85DD}"/>
+              </a:ext>
+            </a:extLst>
+          </p:cNvPr>
+          <p:cNvSpPr txBox="1"/>
+          <p:nvPr/>
+        </p:nvSpPr>
+        <p:spPr>
+          <a:xfrm>
+            <a:off x="756698" y="1219200"/>
+            <a:ext cx="10368501" cy="1569660"/>
+          </a:xfrm>
+          <a:prstGeom prst="rect">
+            <a:avLst/>
+          </a:prstGeom>
+          <a:noFill/>
+        </p:spPr>
+        <p:txBody>
+          <a:bodyPr wrap="square">
+            <a:spAutoFit/>
+          </a:bodyPr>
+          <a:lstStyle/>
+          <a:p>
+            <a:pPr algn="just"/>
+            <a:r>
+              <a:rPr lang="en-US" sz="2400" dirty="0"/>
+              <a:t>The 2004 paper </a:t>
+            </a:r>
+            <a:r>
+              <a:rPr lang="en-US" sz="2400" i="1" dirty="0"/>
+              <a:t>“Subspace Method for Sensor Fault Detection and Isolation – Application to Grinding Circuit Monitoring”</a:t>
+            </a:r>
+            <a:r>
+              <a:rPr lang="en-US" sz="2400" dirty="0"/>
+              <a:t> by Komi </a:t>
+            </a:r>
+            <a:r>
+              <a:rPr lang="en-US" sz="2400" dirty="0" err="1"/>
+              <a:t>Midzodzi</a:t>
+            </a:r>
+            <a:r>
+              <a:rPr lang="en-US" sz="2400" dirty="0"/>
+              <a:t> </a:t>
+            </a:r>
+            <a:r>
+              <a:rPr lang="en-US" sz="2400" dirty="0" err="1"/>
+              <a:t>Pekpe</a:t>
+            </a:r>
+            <a:r>
+              <a:rPr lang="en-US" sz="2400" dirty="0"/>
+              <a:t>, Gilles </a:t>
+            </a:r>
+            <a:r>
+              <a:rPr lang="en-US" sz="2400" dirty="0" err="1"/>
+              <a:t>Mourot</a:t>
+            </a:r>
+            <a:r>
+              <a:rPr lang="en-US" sz="2400" dirty="0"/>
+              <a:t>, and José Ragot is the first article we found in our literature search that investigates this idea.</a:t>
+            </a:r>
+            <a:endParaRPr lang="en-GB" sz="2400" i="1" noProof="0" dirty="0">
+              <a:latin typeface="Arial" panose="020B0604020202020204" pitchFamily="34" charset="0"/>
+              <a:cs typeface="Arial" panose="020B0604020202020204" pitchFamily="34" charset="0"/>
+            </a:endParaRPr>
+          </a:p>
+        </p:txBody>
+      </p:sp>
+    </p:spTree>
+    <p:extLst>
+      <p:ext uri="{BB962C8B-B14F-4D97-AF65-F5344CB8AC3E}">
+        <p14:creationId xmlns:p14="http://schemas.microsoft.com/office/powerpoint/2010/main" val="2301035537"/>
       </p:ext>
     </p:extLst>
   </p:cSld>
@@ -14892,7 +15077,7 @@
         <p:spPr>
           <a:xfrm>
             <a:off x="762000" y="457200"/>
-            <a:ext cx="8991600" cy="1077218"/>
+            <a:ext cx="10515598" cy="538609"/>
           </a:xfrm>
         </p:spPr>
         <p:txBody>
@@ -14903,18 +15088,7 @@
               <a:rPr lang="en-GB" noProof="0" dirty="0">
                 <a:latin typeface="Arial Black" panose="020B0A04020102020204" pitchFamily="34" charset="0"/>
               </a:rPr>
-              <a:t>Proposed solution –  </a:t>
-            </a:r>
-            <a:br>
-              <a:rPr lang="en-GB" noProof="0" dirty="0">
-                <a:latin typeface="Arial Black" panose="020B0A04020102020204" pitchFamily="34" charset="0"/>
-              </a:rPr>
-            </a:br>
-            <a:r>
-              <a:rPr lang="en-GB" noProof="0" dirty="0">
-                <a:latin typeface="Arial Black" panose="020B0A04020102020204" pitchFamily="34" charset="0"/>
-              </a:rPr>
-              <a:t>System setting</a:t>
+              <a:t>System model</a:t>
             </a:r>
           </a:p>
         </p:txBody>
@@ -14933,8 +15107,8 @@
         </p:nvSpPr>
         <p:spPr>
           <a:xfrm>
-            <a:off x="762000" y="1676400"/>
-            <a:ext cx="9753600" cy="3785652"/>
+            <a:off x="761999" y="1219200"/>
+            <a:ext cx="10515599" cy="4524315"/>
           </a:xfrm>
           <a:prstGeom prst="rect">
             <a:avLst/>
@@ -14958,7 +15132,7 @@
           </a:p>
           <a:p>
             <a:pPr algn="just"/>
-            <a:endParaRPr lang="en-GB" sz="2400" noProof="0" dirty="0">
+            <a:endParaRPr lang="en-GB" sz="2400" dirty="0">
               <a:latin typeface="Arial" panose="020B0604020202020204" pitchFamily="34" charset="0"/>
               <a:cs typeface="Arial" panose="020B0604020202020204" pitchFamily="34" charset="0"/>
             </a:endParaRPr>
@@ -14972,7 +15146,7 @@
           </a:p>
           <a:p>
             <a:pPr algn="just"/>
-            <a:endParaRPr lang="en-GB" sz="2400" noProof="0" dirty="0">
+            <a:endParaRPr lang="en-GB" sz="2400" dirty="0">
               <a:latin typeface="Arial" panose="020B0604020202020204" pitchFamily="34" charset="0"/>
               <a:cs typeface="Arial" panose="020B0604020202020204" pitchFamily="34" charset="0"/>
             </a:endParaRPr>
@@ -14986,160 +15160,158 @@
           </a:p>
           <a:p>
             <a:pPr algn="just"/>
+            <a:endParaRPr lang="en-GB" sz="2400" dirty="0">
+              <a:latin typeface="Arial" panose="020B0604020202020204" pitchFamily="34" charset="0"/>
+              <a:cs typeface="Arial" panose="020B0604020202020204" pitchFamily="34" charset="0"/>
+            </a:endParaRPr>
+          </a:p>
+          <a:p>
+            <a:pPr algn="just"/>
+            <a:r>
+              <a:rPr lang="en-GB" sz="2400" noProof="0" dirty="0">
+                <a:latin typeface="Arial" panose="020B0604020202020204" pitchFamily="34" charset="0"/>
+                <a:cs typeface="Arial" panose="020B0604020202020204" pitchFamily="34" charset="0"/>
+              </a:rPr>
+              <a:t>Where: 	</a:t>
+            </a:r>
+          </a:p>
+          <a:p>
+            <a:pPr algn="just"/>
+            <a:r>
+              <a:rPr lang="en-GB" sz="2400" dirty="0">
+                <a:latin typeface="Arial" panose="020B0604020202020204" pitchFamily="34" charset="0"/>
+                <a:cs typeface="Arial" panose="020B0604020202020204" pitchFamily="34" charset="0"/>
+              </a:rPr>
+              <a:t>	  are the </a:t>
+            </a:r>
+            <a:r>
+              <a:rPr lang="en-GB" sz="2400" noProof="0" dirty="0">
+                <a:latin typeface="Arial" panose="020B0604020202020204" pitchFamily="34" charset="0"/>
+                <a:cs typeface="Arial" panose="020B0604020202020204" pitchFamily="34" charset="0"/>
+              </a:rPr>
+              <a:t>system inputs		</a:t>
+            </a:r>
+          </a:p>
+          <a:p>
+            <a:pPr algn="just"/>
+            <a:r>
+              <a:rPr lang="en-GB" sz="2400" dirty="0">
+                <a:latin typeface="Arial" panose="020B0604020202020204" pitchFamily="34" charset="0"/>
+                <a:cs typeface="Arial" panose="020B0604020202020204" pitchFamily="34" charset="0"/>
+              </a:rPr>
+              <a:t>	  are the </a:t>
+            </a:r>
+            <a:r>
+              <a:rPr lang="en-GB" sz="2400" noProof="0" dirty="0">
+                <a:latin typeface="Arial" panose="020B0604020202020204" pitchFamily="34" charset="0"/>
+                <a:cs typeface="Arial" panose="020B0604020202020204" pitchFamily="34" charset="0"/>
+              </a:rPr>
+              <a:t>system outputs		</a:t>
+            </a:r>
+          </a:p>
+          <a:p>
+            <a:pPr algn="just"/>
+            <a:r>
+              <a:rPr lang="en-GB" sz="2400" i="1" dirty="0">
+                <a:latin typeface="Arial" panose="020B0604020202020204" pitchFamily="34" charset="0"/>
+                <a:cs typeface="Arial" panose="020B0604020202020204" pitchFamily="34" charset="0"/>
+              </a:rPr>
+              <a:t>	  are the system states</a:t>
+            </a:r>
+          </a:p>
+          <a:p>
+            <a:pPr algn="just"/>
+            <a:r>
+              <a:rPr lang="en-GB" sz="2400" i="1" dirty="0">
+                <a:latin typeface="Arial" panose="020B0604020202020204" pitchFamily="34" charset="0"/>
+                <a:cs typeface="Arial" panose="020B0604020202020204" pitchFamily="34" charset="0"/>
+              </a:rPr>
+              <a:t>					             </a:t>
+            </a:r>
+            <a:r>
+              <a:rPr lang="en-GB" sz="2400" noProof="0" dirty="0">
+                <a:latin typeface="Arial" panose="020B0604020202020204" pitchFamily="34" charset="0"/>
+                <a:cs typeface="Arial" panose="020B0604020202020204" pitchFamily="34" charset="0"/>
+              </a:rPr>
+              <a:t>is the noise sequence </a:t>
+            </a:r>
+            <a:r>
+              <a:rPr lang="en-GB" sz="2400" i="1" dirty="0">
+                <a:latin typeface="Arial" panose="020B0604020202020204" pitchFamily="34" charset="0"/>
+                <a:cs typeface="Arial" panose="020B0604020202020204" pitchFamily="34" charset="0"/>
+              </a:rPr>
+              <a:t>	</a:t>
+            </a:r>
+            <a:endParaRPr lang="en-GB" sz="2400" i="1" noProof="0" dirty="0">
+              <a:latin typeface="Arial" panose="020B0604020202020204" pitchFamily="34" charset="0"/>
+              <a:cs typeface="Arial" panose="020B0604020202020204" pitchFamily="34" charset="0"/>
+            </a:endParaRPr>
+          </a:p>
+          <a:p>
+            <a:pPr algn="just"/>
+            <a:r>
+              <a:rPr lang="en-GB" sz="2400" noProof="0" dirty="0">
+                <a:latin typeface="Arial" panose="020B0604020202020204" pitchFamily="34" charset="0"/>
+                <a:cs typeface="Arial" panose="020B0604020202020204" pitchFamily="34" charset="0"/>
+              </a:rPr>
+              <a:t> only </a:t>
+            </a:r>
+            <a:r>
+              <a:rPr lang="en-GB" sz="2400" noProof="0" dirty="0" err="1">
+                <a:latin typeface="Arial" panose="020B0604020202020204" pitchFamily="34" charset="0"/>
+                <a:cs typeface="Arial" panose="020B0604020202020204" pitchFamily="34" charset="0"/>
+              </a:rPr>
+              <a:t>y</a:t>
+            </a:r>
+            <a:r>
+              <a:rPr lang="en-GB" sz="1200" noProof="0" dirty="0" err="1">
+                <a:latin typeface="Arial" panose="020B0604020202020204" pitchFamily="34" charset="0"/>
+                <a:cs typeface="Arial" panose="020B0604020202020204" pitchFamily="34" charset="0"/>
+              </a:rPr>
+              <a:t>t</a:t>
+            </a:r>
+            <a:r>
+              <a:rPr lang="en-GB" sz="2400" noProof="0" dirty="0">
+                <a:latin typeface="Arial" panose="020B0604020202020204" pitchFamily="34" charset="0"/>
+                <a:cs typeface="Arial" panose="020B0604020202020204" pitchFamily="34" charset="0"/>
+              </a:rPr>
+              <a:t> and </a:t>
+            </a:r>
+            <a:r>
+              <a:rPr lang="en-GB" sz="2400" noProof="0" dirty="0" err="1">
+                <a:latin typeface="Arial" panose="020B0604020202020204" pitchFamily="34" charset="0"/>
+                <a:cs typeface="Arial" panose="020B0604020202020204" pitchFamily="34" charset="0"/>
+              </a:rPr>
+              <a:t>u</a:t>
+            </a:r>
+            <a:r>
+              <a:rPr lang="en-GB" sz="1200" noProof="0" dirty="0" err="1">
+                <a:latin typeface="Arial" panose="020B0604020202020204" pitchFamily="34" charset="0"/>
+                <a:cs typeface="Arial" panose="020B0604020202020204" pitchFamily="34" charset="0"/>
+              </a:rPr>
+              <a:t>t</a:t>
+            </a:r>
+            <a:r>
+              <a:rPr lang="en-GB" sz="2400" noProof="0" dirty="0">
+                <a:latin typeface="Arial" panose="020B0604020202020204" pitchFamily="34" charset="0"/>
+                <a:cs typeface="Arial" panose="020B0604020202020204" pitchFamily="34" charset="0"/>
+              </a:rPr>
+              <a:t> are </a:t>
+            </a:r>
+            <a:r>
+              <a:rPr lang="en-GB" sz="2400" i="1" dirty="0">
+                <a:latin typeface="Arial" panose="020B0604020202020204" pitchFamily="34" charset="0"/>
+                <a:cs typeface="Arial" panose="020B0604020202020204" pitchFamily="34" charset="0"/>
+              </a:rPr>
+              <a:t>known 	</a:t>
+            </a:r>
             <a:endParaRPr lang="en-GB" sz="2400" noProof="0" dirty="0">
               <a:latin typeface="Arial" panose="020B0604020202020204" pitchFamily="34" charset="0"/>
               <a:cs typeface="Arial" panose="020B0604020202020204" pitchFamily="34" charset="0"/>
             </a:endParaRPr>
           </a:p>
-          <a:p>
-            <a:pPr algn="just"/>
-            <a:r>
-              <a:rPr lang="en-GB" sz="2400" noProof="0" dirty="0">
-                <a:latin typeface="Arial" panose="020B0604020202020204" pitchFamily="34" charset="0"/>
-                <a:cs typeface="Arial" panose="020B0604020202020204" pitchFamily="34" charset="0"/>
-              </a:rPr>
-              <a:t>Where: 	</a:t>
-            </a:r>
-          </a:p>
-          <a:p>
-            <a:pPr algn="just"/>
-            <a:r>
-              <a:rPr lang="en-GB" sz="2400" noProof="0" dirty="0">
-                <a:latin typeface="Arial" panose="020B0604020202020204" pitchFamily="34" charset="0"/>
-                <a:cs typeface="Arial" panose="020B0604020202020204" pitchFamily="34" charset="0"/>
-              </a:rPr>
-              <a:t>	  are the system inputs			is the noise sequence</a:t>
-            </a:r>
-          </a:p>
-          <a:p>
-            <a:pPr algn="just"/>
-            <a:r>
-              <a:rPr lang="en-GB" sz="2400" noProof="0" dirty="0">
-                <a:latin typeface="Arial" panose="020B0604020202020204" pitchFamily="34" charset="0"/>
-                <a:cs typeface="Arial" panose="020B0604020202020204" pitchFamily="34" charset="0"/>
-              </a:rPr>
-              <a:t>	  are the system outputs		</a:t>
-            </a:r>
-          </a:p>
-          <a:p>
-            <a:pPr algn="just"/>
-            <a:r>
-              <a:rPr lang="en-GB" sz="2400" i="1" noProof="0" dirty="0">
-                <a:latin typeface="Arial" panose="020B0604020202020204" pitchFamily="34" charset="0"/>
-                <a:cs typeface="Arial" panose="020B0604020202020204" pitchFamily="34" charset="0"/>
-              </a:rPr>
-              <a:t>	  are the system states		</a:t>
-            </a:r>
-            <a:r>
-              <a:rPr lang="en-GB" sz="2400" noProof="0" dirty="0">
-                <a:latin typeface="Arial" panose="020B0604020202020204" pitchFamily="34" charset="0"/>
-                <a:cs typeface="Arial" panose="020B0604020202020204" pitchFamily="34" charset="0"/>
-              </a:rPr>
-              <a:t> only </a:t>
-            </a:r>
-            <a:r>
-              <a:rPr lang="en-GB" sz="2400" noProof="0" dirty="0" err="1">
-                <a:latin typeface="Arial" panose="020B0604020202020204" pitchFamily="34" charset="0"/>
-                <a:cs typeface="Arial" panose="020B0604020202020204" pitchFamily="34" charset="0"/>
-              </a:rPr>
-              <a:t>y</a:t>
-            </a:r>
-            <a:r>
-              <a:rPr lang="en-GB" sz="1200" noProof="0" dirty="0" err="1">
-                <a:latin typeface="Arial" panose="020B0604020202020204" pitchFamily="34" charset="0"/>
-                <a:cs typeface="Arial" panose="020B0604020202020204" pitchFamily="34" charset="0"/>
-              </a:rPr>
-              <a:t>t</a:t>
-            </a:r>
-            <a:r>
-              <a:rPr lang="en-GB" sz="2400" noProof="0" dirty="0">
-                <a:latin typeface="Arial" panose="020B0604020202020204" pitchFamily="34" charset="0"/>
-                <a:cs typeface="Arial" panose="020B0604020202020204" pitchFamily="34" charset="0"/>
-              </a:rPr>
-              <a:t> and </a:t>
-            </a:r>
-            <a:r>
-              <a:rPr lang="en-GB" sz="2400" noProof="0" dirty="0" err="1">
-                <a:latin typeface="Arial" panose="020B0604020202020204" pitchFamily="34" charset="0"/>
-                <a:cs typeface="Arial" panose="020B0604020202020204" pitchFamily="34" charset="0"/>
-              </a:rPr>
-              <a:t>u</a:t>
-            </a:r>
-            <a:r>
-              <a:rPr lang="en-GB" sz="1200" noProof="0" dirty="0" err="1">
-                <a:latin typeface="Arial" panose="020B0604020202020204" pitchFamily="34" charset="0"/>
-                <a:cs typeface="Arial" panose="020B0604020202020204" pitchFamily="34" charset="0"/>
-              </a:rPr>
-              <a:t>t</a:t>
-            </a:r>
-            <a:r>
-              <a:rPr lang="en-GB" sz="2400" noProof="0" dirty="0">
-                <a:latin typeface="Arial" panose="020B0604020202020204" pitchFamily="34" charset="0"/>
-                <a:cs typeface="Arial" panose="020B0604020202020204" pitchFamily="34" charset="0"/>
-              </a:rPr>
-              <a:t> are </a:t>
-            </a:r>
-            <a:r>
-              <a:rPr lang="en-GB" sz="2400" i="1" noProof="0" dirty="0">
-                <a:latin typeface="Arial" panose="020B0604020202020204" pitchFamily="34" charset="0"/>
-                <a:cs typeface="Arial" panose="020B0604020202020204" pitchFamily="34" charset="0"/>
-              </a:rPr>
-              <a:t>known 	</a:t>
-            </a:r>
-            <a:endParaRPr lang="en-GB" sz="2400" noProof="0" dirty="0">
-              <a:latin typeface="Arial" panose="020B0604020202020204" pitchFamily="34" charset="0"/>
-              <a:cs typeface="Arial" panose="020B0604020202020204" pitchFamily="34" charset="0"/>
-            </a:endParaRPr>
-          </a:p>
         </p:txBody>
       </p:sp>
-      <p:pic>
-        <p:nvPicPr>
-          <p:cNvPr id="1026" name="Picture 2">
-            <a:extLst>
-              <a:ext uri="{FF2B5EF4-FFF2-40B4-BE49-F238E27FC236}">
-                <a16:creationId xmlns:a16="http://schemas.microsoft.com/office/drawing/2014/main" id="{67F5D2AB-A58A-DBB5-8FD6-A0048A0AADF3}"/>
-              </a:ext>
-            </a:extLst>
-          </p:cNvPr>
-          <p:cNvPicPr>
-            <a:picLocks noChangeAspect="1" noChangeArrowheads="1"/>
-          </p:cNvPicPr>
-          <p:nvPr/>
-        </p:nvPicPr>
-        <p:blipFill>
-          <a:blip r:embed="rId2">
-            <a:extLst>
-              <a:ext uri="{28A0092B-C50C-407E-A947-70E740481C1C}">
-                <a14:useLocalDpi xmlns:a14="http://schemas.microsoft.com/office/drawing/2010/main" val="0"/>
-              </a:ext>
-            </a:extLst>
-          </a:blip>
-          <a:srcRect/>
-          <a:stretch>
-            <a:fillRect/>
-          </a:stretch>
-        </p:blipFill>
-        <p:spPr bwMode="auto">
-          <a:xfrm>
-            <a:off x="914400" y="2409673"/>
-            <a:ext cx="4535515" cy="1036260"/>
-          </a:xfrm>
-          <a:prstGeom prst="rect">
-            <a:avLst/>
-          </a:prstGeom>
-          <a:noFill/>
-          <a:extLst>
-            <a:ext uri="{909E8E84-426E-40DD-AFC4-6F175D3DCCD1}">
-              <a14:hiddenFill xmlns:a14="http://schemas.microsoft.com/office/drawing/2010/main">
-                <a:solidFill>
-                  <a:srgbClr val="FFFFFF"/>
-                </a:solidFill>
-              </a14:hiddenFill>
-            </a:ext>
-          </a:extLst>
-        </p:spPr>
-      </p:pic>
       <p:pic>
         <p:nvPicPr>
           <p:cNvPr id="1037" name="Picture 13">
@@ -15155,7 +15327,7 @@
           <p:nvPr/>
         </p:nvPicPr>
         <p:blipFill rotWithShape="1">
-          <a:blip r:embed="rId3">
+          <a:blip r:embed="rId2">
             <a:extLst>
               <a:ext uri="{28A0092B-C50C-407E-A947-70E740481C1C}">
                 <a14:useLocalDpi xmlns:a14="http://schemas.microsoft.com/office/drawing/2010/main" val="0"/>
@@ -15169,7 +15341,7 @@
         </p:blipFill>
         <p:spPr bwMode="auto">
           <a:xfrm>
-            <a:off x="931333" y="4274956"/>
+            <a:off x="931333" y="3817756"/>
             <a:ext cx="1042987" cy="363702"/>
           </a:xfrm>
           <a:prstGeom prst="rect">
@@ -15202,7 +15374,7 @@
           <p:nvPr/>
         </p:nvPicPr>
         <p:blipFill rotWithShape="1">
-          <a:blip r:embed="rId4">
+          <a:blip r:embed="rId3">
             <a:extLst>
               <a:ext uri="{28A0092B-C50C-407E-A947-70E740481C1C}">
                 <a14:useLocalDpi xmlns:a14="http://schemas.microsoft.com/office/drawing/2010/main" val="0"/>
@@ -15216,7 +15388,7 @@
         </p:blipFill>
         <p:spPr bwMode="auto">
           <a:xfrm>
-            <a:off x="914401" y="4680626"/>
+            <a:off x="914401" y="4223426"/>
             <a:ext cx="1042988" cy="424774"/>
           </a:xfrm>
           <a:prstGeom prst="rect">
@@ -15249,7 +15421,7 @@
           <p:nvPr/>
         </p:nvPicPr>
         <p:blipFill rotWithShape="1">
-          <a:blip r:embed="rId5">
+          <a:blip r:embed="rId4">
             <a:extLst>
               <a:ext uri="{28A0092B-C50C-407E-A947-70E740481C1C}">
                 <a14:useLocalDpi xmlns:a14="http://schemas.microsoft.com/office/drawing/2010/main" val="0"/>
@@ -15263,7 +15435,7 @@
         </p:blipFill>
         <p:spPr bwMode="auto">
           <a:xfrm>
-            <a:off x="914401" y="5018928"/>
+            <a:off x="914401" y="4561728"/>
             <a:ext cx="1059920" cy="424774"/>
           </a:xfrm>
           <a:prstGeom prst="rect">
@@ -15296,7 +15468,7 @@
           <p:nvPr/>
         </p:nvPicPr>
         <p:blipFill>
-          <a:blip r:embed="rId6">
+          <a:blip r:embed="rId5">
             <a:extLst>
               <a:ext uri="{28A0092B-C50C-407E-A947-70E740481C1C}">
                 <a14:useLocalDpi xmlns:a14="http://schemas.microsoft.com/office/drawing/2010/main" val="0"/>
@@ -15310,7 +15482,7 @@
         </p:blipFill>
         <p:spPr bwMode="auto">
           <a:xfrm>
-            <a:off x="5867400" y="4313058"/>
+            <a:off x="910424" y="4953000"/>
             <a:ext cx="222779" cy="325600"/>
           </a:xfrm>
           <a:prstGeom prst="rect">
@@ -15330,10 +15502,40 @@
       </p:pic>
       <p:pic>
         <p:nvPicPr>
-          <p:cNvPr id="1028" name="Picture 4">
+          <p:cNvPr id="17" name="Immagine 16" descr="Immagine che contiene testo, Carattere, bianco, linea&#10;&#10;Il contenuto generato dall'IA potrebbe non essere corretto.">
             <a:extLst>
               <a:ext uri="{FF2B5EF4-FFF2-40B4-BE49-F238E27FC236}">
-                <a16:creationId xmlns:a16="http://schemas.microsoft.com/office/drawing/2014/main" id="{664E0D3B-0AF6-84B0-7A69-CCAC1BA764C9}"/>
+                <a16:creationId xmlns:a16="http://schemas.microsoft.com/office/drawing/2014/main" id="{45778853-4A7D-D6C6-3591-D8D2A8832E0F}"/>
+              </a:ext>
+            </a:extLst>
+          </p:cNvPr>
+          <p:cNvPicPr>
+            <a:picLocks noChangeAspect="1"/>
+          </p:cNvPicPr>
+          <p:nvPr/>
+        </p:nvPicPr>
+        <p:blipFill>
+          <a:blip r:embed="rId6"/>
+          <a:stretch>
+            <a:fillRect/>
+          </a:stretch>
+        </p:blipFill>
+        <p:spPr>
+          <a:xfrm>
+            <a:off x="1281628" y="4909227"/>
+            <a:ext cx="5146288" cy="424773"/>
+          </a:xfrm>
+          <a:prstGeom prst="rect">
+            <a:avLst/>
+          </a:prstGeom>
+        </p:spPr>
+      </p:pic>
+      <p:pic>
+        <p:nvPicPr>
+          <p:cNvPr id="3" name="Picture 2">
+            <a:extLst>
+              <a:ext uri="{FF2B5EF4-FFF2-40B4-BE49-F238E27FC236}">
+                <a16:creationId xmlns:a16="http://schemas.microsoft.com/office/drawing/2014/main" id="{6A098EEB-0979-B007-23A3-DFA18A005DCB}"/>
               </a:ext>
             </a:extLst>
           </p:cNvPr>
@@ -15357,8 +15559,8 @@
         </p:blipFill>
         <p:spPr bwMode="auto">
           <a:xfrm>
-            <a:off x="6172200" y="4343400"/>
-            <a:ext cx="1039810" cy="253287"/>
+            <a:off x="914400" y="1952473"/>
+            <a:ext cx="4535515" cy="1036260"/>
           </a:xfrm>
           <a:prstGeom prst="rect">
             <a:avLst/>
@@ -15378,7 +15580,7 @@
     </p:spTree>
     <p:extLst>
       <p:ext uri="{BB962C8B-B14F-4D97-AF65-F5344CB8AC3E}">
-        <p14:creationId xmlns:p14="http://schemas.microsoft.com/office/powerpoint/2010/main" val="3830664678"/>
+        <p14:creationId xmlns:p14="http://schemas.microsoft.com/office/powerpoint/2010/main" val="1850016800"/>
       </p:ext>
     </p:extLst>
   </p:cSld>
@@ -15772,7 +15974,7 @@
         <p:cNvPr id="1" name="">
           <a:extLst>
             <a:ext uri="{FF2B5EF4-FFF2-40B4-BE49-F238E27FC236}">
-              <a16:creationId xmlns:a16="http://schemas.microsoft.com/office/drawing/2014/main" id="{83053F32-E3E6-C505-8515-922310E3DD88}"/>
+              <a16:creationId xmlns:a16="http://schemas.microsoft.com/office/drawing/2014/main" id="{D926F93E-BDE8-743C-18D0-EE4524F568FF}"/>
             </a:ext>
           </a:extLst>
         </p:cNvPr>
@@ -15792,7 +15994,7 @@
           <p:cNvPr id="10" name="Titolo 9">
             <a:extLst>
               <a:ext uri="{FF2B5EF4-FFF2-40B4-BE49-F238E27FC236}">
-                <a16:creationId xmlns:a16="http://schemas.microsoft.com/office/drawing/2014/main" id="{6953E27C-10B1-A2E6-6AC4-7B493C8B4777}"/>
+                <a16:creationId xmlns:a16="http://schemas.microsoft.com/office/drawing/2014/main" id="{E17F0281-5AB2-0FC7-45E2-BFCD6639F285}"/>
               </a:ext>
             </a:extLst>
           </p:cNvPr>
@@ -15833,408 +16035,127 @@
           </a:p>
         </p:txBody>
       </p:sp>
-      <mc:AlternateContent xmlns:mc="http://schemas.openxmlformats.org/markup-compatibility/2006" xmlns:a14="http://schemas.microsoft.com/office/drawing/2010/main">
-        <mc:Choice Requires="a14">
-          <p:sp>
-            <p:nvSpPr>
-              <p:cNvPr id="4" name="CasellaDiTesto 3">
-                <a:extLst>
-                  <a:ext uri="{FF2B5EF4-FFF2-40B4-BE49-F238E27FC236}">
-                    <a16:creationId xmlns:a16="http://schemas.microsoft.com/office/drawing/2014/main" id="{A9F1D71B-7C26-282E-A5F7-6C13EFA9D5D8}"/>
-                  </a:ext>
-                </a:extLst>
-              </p:cNvPr>
-              <p:cNvSpPr txBox="1"/>
-              <p:nvPr/>
-            </p:nvSpPr>
-            <p:spPr>
-              <a:xfrm>
-                <a:off x="762000" y="1676400"/>
-                <a:ext cx="10744200" cy="3498650"/>
-              </a:xfrm>
-              <a:prstGeom prst="rect">
-                <a:avLst/>
-              </a:prstGeom>
-              <a:noFill/>
-            </p:spPr>
-            <p:txBody>
-              <a:bodyPr wrap="square">
-                <a:spAutoFit/>
-              </a:bodyPr>
-              <a:lstStyle/>
-              <a:p>
-                <a:pPr algn="just"/>
-                <a:r>
-                  <a:rPr lang="en-GB" sz="2400" noProof="0" dirty="0">
-                    <a:latin typeface="Arial" panose="020B0604020202020204" pitchFamily="34" charset="0"/>
-                    <a:cs typeface="Arial" panose="020B0604020202020204" pitchFamily="34" charset="0"/>
-                  </a:rPr>
-                  <a:t>Using past matrices we can build matrix</a:t>
-                </a:r>
-              </a:p>
-              <a:p>
-                <a:pPr algn="just"/>
-                <a:endParaRPr lang="en-GB" sz="2400" noProof="0" dirty="0">
-                  <a:latin typeface="Arial" panose="020B0604020202020204" pitchFamily="34" charset="0"/>
-                  <a:cs typeface="Arial" panose="020B0604020202020204" pitchFamily="34" charset="0"/>
-                </a:endParaRPr>
-              </a:p>
-              <a:p>
-                <a:pPr algn="just"/>
-                <a:endParaRPr lang="en-GB" sz="2400" noProof="0" dirty="0">
-                  <a:latin typeface="Arial" panose="020B0604020202020204" pitchFamily="34" charset="0"/>
-                  <a:cs typeface="Arial" panose="020B0604020202020204" pitchFamily="34" charset="0"/>
-                </a:endParaRPr>
-              </a:p>
-              <a:p>
-                <a:pPr algn="just"/>
-                <a:r>
-                  <a:rPr lang="en-GB" sz="2400" noProof="0" dirty="0">
-                    <a:latin typeface="Arial" panose="020B0604020202020204" pitchFamily="34" charset="0"/>
-                    <a:cs typeface="Arial" panose="020B0604020202020204" pitchFamily="34" charset="0"/>
-                  </a:rPr>
-                  <a:t>And then try to find a linear predictor of the outputs:</a:t>
-                </a:r>
-              </a:p>
-              <a:p>
-                <a:pPr algn="just"/>
-                <a:endParaRPr lang="en-GB" sz="2400" noProof="0" dirty="0">
-                  <a:latin typeface="Arial" panose="020B0604020202020204" pitchFamily="34" charset="0"/>
-                  <a:cs typeface="Arial" panose="020B0604020202020204" pitchFamily="34" charset="0"/>
-                </a:endParaRPr>
-              </a:p>
-              <a:p>
-                <a:pPr algn="just"/>
-                <a14:m>
-                  <m:oMathPara xmlns:m="http://schemas.openxmlformats.org/officeDocument/2006/math">
-                    <m:oMathParaPr>
-                      <m:jc m:val="centerGroup"/>
-                    </m:oMathParaPr>
-                    <m:oMath xmlns:m="http://schemas.openxmlformats.org/officeDocument/2006/math">
-                      <m:sSub>
-                        <m:sSubPr>
-                          <m:ctrlPr>
-                            <a:rPr lang="en-GB" sz="2400" i="1" noProof="0" smtClean="0">
-                              <a:latin typeface="Cambria Math" panose="02040503050406030204" pitchFamily="18" charset="0"/>
-                              <a:cs typeface="Arial" panose="020B0604020202020204" pitchFamily="34" charset="0"/>
-                            </a:rPr>
-                          </m:ctrlPr>
-                        </m:sSubPr>
-                        <m:e>
-                          <m:acc>
-                            <m:accPr>
-                              <m:chr m:val="̂"/>
-                              <m:ctrlPr>
-                                <a:rPr lang="en-GB" sz="2400" b="0" i="1" noProof="0" smtClean="0">
-                                  <a:latin typeface="Cambria Math" panose="02040503050406030204" pitchFamily="18" charset="0"/>
-                                  <a:cs typeface="Arial" panose="020B0604020202020204" pitchFamily="34" charset="0"/>
-                                </a:rPr>
-                              </m:ctrlPr>
-                            </m:accPr>
-                            <m:e>
-                              <m:r>
-                                <a:rPr lang="en-GB" sz="2400" b="0" i="1" noProof="0" smtClean="0">
-                                  <a:latin typeface="Cambria Math" panose="02040503050406030204" pitchFamily="18" charset="0"/>
-                                  <a:cs typeface="Arial" panose="020B0604020202020204" pitchFamily="34" charset="0"/>
-                                </a:rPr>
-                                <m:t>𝑌</m:t>
-                              </m:r>
-                            </m:e>
-                          </m:acc>
-                        </m:e>
-                        <m:sub>
-                          <m:r>
-                            <a:rPr lang="en-GB" sz="2400" b="0" i="1" noProof="0" smtClean="0">
-                              <a:latin typeface="Cambria Math" panose="02040503050406030204" pitchFamily="18" charset="0"/>
-                              <a:cs typeface="Arial" panose="020B0604020202020204" pitchFamily="34" charset="0"/>
-                            </a:rPr>
-                            <m:t>𝑓</m:t>
-                          </m:r>
-                        </m:sub>
-                      </m:sSub>
-                      <m:r>
-                        <a:rPr lang="en-GB" sz="2400" b="0" i="1" noProof="0" smtClean="0">
-                          <a:latin typeface="Cambria Math" panose="02040503050406030204" pitchFamily="18" charset="0"/>
-                          <a:cs typeface="Arial" panose="020B0604020202020204" pitchFamily="34" charset="0"/>
-                        </a:rPr>
-                        <m:t>=</m:t>
-                      </m:r>
-                      <m:sSub>
-                        <m:sSubPr>
-                          <m:ctrlPr>
-                            <a:rPr lang="en-GB" sz="2400" b="0" i="1" noProof="0" smtClean="0">
-                              <a:latin typeface="Cambria Math" panose="02040503050406030204" pitchFamily="18" charset="0"/>
-                              <a:cs typeface="Arial" panose="020B0604020202020204" pitchFamily="34" charset="0"/>
-                            </a:rPr>
-                          </m:ctrlPr>
-                        </m:sSubPr>
-                        <m:e>
-                          <m:r>
-                            <a:rPr lang="en-GB" sz="2400" b="0" i="1" noProof="0" smtClean="0">
-                              <a:latin typeface="Cambria Math" panose="02040503050406030204" pitchFamily="18" charset="0"/>
-                              <a:cs typeface="Arial" panose="020B0604020202020204" pitchFamily="34" charset="0"/>
-                            </a:rPr>
-                            <m:t>𝐿</m:t>
-                          </m:r>
-                        </m:e>
-                        <m:sub>
-                          <m:r>
-                            <a:rPr lang="en-GB" sz="2400" b="0" i="1" noProof="0" smtClean="0">
-                              <a:latin typeface="Cambria Math" panose="02040503050406030204" pitchFamily="18" charset="0"/>
-                              <a:cs typeface="Arial" panose="020B0604020202020204" pitchFamily="34" charset="0"/>
-                            </a:rPr>
-                            <m:t>𝑤</m:t>
-                          </m:r>
-                        </m:sub>
-                      </m:sSub>
-                      <m:sSub>
-                        <m:sSubPr>
-                          <m:ctrlPr>
-                            <a:rPr lang="en-GB" sz="2400" b="0" i="1" noProof="0" smtClean="0">
-                              <a:latin typeface="Cambria Math" panose="02040503050406030204" pitchFamily="18" charset="0"/>
-                              <a:cs typeface="Arial" panose="020B0604020202020204" pitchFamily="34" charset="0"/>
-                            </a:rPr>
-                          </m:ctrlPr>
-                        </m:sSubPr>
-                        <m:e>
-                          <m:r>
-                            <a:rPr lang="en-GB" sz="2400" b="0" i="1" noProof="0" smtClean="0">
-                              <a:latin typeface="Cambria Math" panose="02040503050406030204" pitchFamily="18" charset="0"/>
-                              <a:cs typeface="Arial" panose="020B0604020202020204" pitchFamily="34" charset="0"/>
-                            </a:rPr>
-                            <m:t>𝑊</m:t>
-                          </m:r>
-                        </m:e>
-                        <m:sub>
-                          <m:r>
-                            <a:rPr lang="en-GB" sz="2400" b="0" i="1" noProof="0" smtClean="0">
-                              <a:latin typeface="Cambria Math" panose="02040503050406030204" pitchFamily="18" charset="0"/>
-                              <a:cs typeface="Arial" panose="020B0604020202020204" pitchFamily="34" charset="0"/>
-                            </a:rPr>
-                            <m:t>𝑝</m:t>
-                          </m:r>
-                        </m:sub>
-                      </m:sSub>
-                      <m:r>
-                        <a:rPr lang="en-GB" sz="2400" b="0" i="1" noProof="0" smtClean="0">
-                          <a:latin typeface="Cambria Math" panose="02040503050406030204" pitchFamily="18" charset="0"/>
-                          <a:cs typeface="Arial" panose="020B0604020202020204" pitchFamily="34" charset="0"/>
-                        </a:rPr>
-                        <m:t>+</m:t>
-                      </m:r>
-                      <m:sSub>
-                        <m:sSubPr>
-                          <m:ctrlPr>
-                            <a:rPr lang="en-GB" sz="2400" b="0" i="1" noProof="0" smtClean="0">
-                              <a:latin typeface="Cambria Math" panose="02040503050406030204" pitchFamily="18" charset="0"/>
-                              <a:cs typeface="Arial" panose="020B0604020202020204" pitchFamily="34" charset="0"/>
-                            </a:rPr>
-                          </m:ctrlPr>
-                        </m:sSubPr>
-                        <m:e>
-                          <m:r>
-                            <a:rPr lang="en-GB" sz="2400" b="0" i="1" noProof="0" smtClean="0">
-                              <a:latin typeface="Cambria Math" panose="02040503050406030204" pitchFamily="18" charset="0"/>
-                              <a:cs typeface="Arial" panose="020B0604020202020204" pitchFamily="34" charset="0"/>
-                            </a:rPr>
-                            <m:t>𝐿</m:t>
-                          </m:r>
-                        </m:e>
-                        <m:sub>
-                          <m:r>
-                            <a:rPr lang="en-GB" sz="2400" b="0" i="1" noProof="0" smtClean="0">
-                              <a:latin typeface="Cambria Math" panose="02040503050406030204" pitchFamily="18" charset="0"/>
-                              <a:cs typeface="Arial" panose="020B0604020202020204" pitchFamily="34" charset="0"/>
-                            </a:rPr>
-                            <m:t>𝑢</m:t>
-                          </m:r>
-                        </m:sub>
-                      </m:sSub>
-                      <m:sSub>
-                        <m:sSubPr>
-                          <m:ctrlPr>
-                            <a:rPr lang="en-GB" sz="2400" b="0" i="1" noProof="0" smtClean="0">
-                              <a:latin typeface="Cambria Math" panose="02040503050406030204" pitchFamily="18" charset="0"/>
-                              <a:cs typeface="Arial" panose="020B0604020202020204" pitchFamily="34" charset="0"/>
-                            </a:rPr>
-                          </m:ctrlPr>
-                        </m:sSubPr>
-                        <m:e>
-                          <m:r>
-                            <a:rPr lang="en-GB" sz="2400" b="0" i="1" noProof="0" smtClean="0">
-                              <a:latin typeface="Cambria Math" panose="02040503050406030204" pitchFamily="18" charset="0"/>
-                              <a:cs typeface="Arial" panose="020B0604020202020204" pitchFamily="34" charset="0"/>
-                            </a:rPr>
-                            <m:t>𝑈</m:t>
-                          </m:r>
-                        </m:e>
-                        <m:sub>
-                          <m:r>
-                            <a:rPr lang="en-GB" sz="2400" b="0" i="1" noProof="0" smtClean="0">
-                              <a:latin typeface="Cambria Math" panose="02040503050406030204" pitchFamily="18" charset="0"/>
-                              <a:cs typeface="Arial" panose="020B0604020202020204" pitchFamily="34" charset="0"/>
-                            </a:rPr>
-                            <m:t>𝑓</m:t>
-                          </m:r>
-                        </m:sub>
-                      </m:sSub>
-                    </m:oMath>
-                  </m:oMathPara>
-                </a14:m>
-                <a:endParaRPr lang="en-GB" sz="2400" noProof="0" dirty="0">
-                  <a:latin typeface="Arial" panose="020B0604020202020204" pitchFamily="34" charset="0"/>
-                  <a:cs typeface="Arial" panose="020B0604020202020204" pitchFamily="34" charset="0"/>
-                </a:endParaRPr>
-              </a:p>
-              <a:p>
-                <a:pPr algn="just"/>
-                <a:endParaRPr lang="en-GB" sz="2400" noProof="0" dirty="0">
-                  <a:latin typeface="Arial" panose="020B0604020202020204" pitchFamily="34" charset="0"/>
-                  <a:cs typeface="Arial" panose="020B0604020202020204" pitchFamily="34" charset="0"/>
-                </a:endParaRPr>
-              </a:p>
-              <a:p>
-                <a:pPr algn="just"/>
-                <a:r>
-                  <a:rPr lang="en-GB" sz="2400" noProof="0" dirty="0">
-                    <a:latin typeface="Arial" panose="020B0604020202020204" pitchFamily="34" charset="0"/>
-                    <a:cs typeface="Arial" panose="020B0604020202020204" pitchFamily="34" charset="0"/>
-                  </a:rPr>
-                  <a:t>To find this predictor we need to find </a:t>
-                </a:r>
-                <a14:m>
-                  <m:oMath xmlns:m="http://schemas.openxmlformats.org/officeDocument/2006/math">
-                    <m:sSub>
-                      <m:sSubPr>
-                        <m:ctrlPr>
-                          <a:rPr lang="en-GB" sz="2400" b="0" i="1" noProof="0" smtClean="0">
-                            <a:latin typeface="Cambria Math" panose="02040503050406030204" pitchFamily="18" charset="0"/>
-                            <a:cs typeface="Arial" panose="020B0604020202020204" pitchFamily="34" charset="0"/>
-                          </a:rPr>
-                        </m:ctrlPr>
-                      </m:sSubPr>
-                      <m:e>
-                        <m:r>
-                          <a:rPr lang="en-GB" sz="2400" b="0" i="1" noProof="0" smtClean="0">
-                            <a:latin typeface="Cambria Math" panose="02040503050406030204" pitchFamily="18" charset="0"/>
-                            <a:cs typeface="Arial" panose="020B0604020202020204" pitchFamily="34" charset="0"/>
-                          </a:rPr>
-                          <m:t>𝐿</m:t>
-                        </m:r>
-                      </m:e>
-                      <m:sub>
-                        <m:r>
-                          <a:rPr lang="en-GB" sz="2400" b="0" i="1" noProof="0" smtClean="0">
-                            <a:latin typeface="Cambria Math" panose="02040503050406030204" pitchFamily="18" charset="0"/>
-                            <a:cs typeface="Arial" panose="020B0604020202020204" pitchFamily="34" charset="0"/>
-                          </a:rPr>
-                          <m:t>𝑤</m:t>
-                        </m:r>
-                      </m:sub>
-                    </m:sSub>
-                  </m:oMath>
-                </a14:m>
-                <a:r>
-                  <a:rPr lang="en-GB" sz="2400" noProof="0" dirty="0">
-                    <a:latin typeface="Arial" panose="020B0604020202020204" pitchFamily="34" charset="0"/>
-                    <a:cs typeface="Arial" panose="020B0604020202020204" pitchFamily="34" charset="0"/>
-                  </a:rPr>
-                  <a:t> and </a:t>
-                </a:r>
-                <a14:m>
-                  <m:oMath xmlns:m="http://schemas.openxmlformats.org/officeDocument/2006/math">
-                    <m:sSub>
-                      <m:sSubPr>
-                        <m:ctrlPr>
-                          <a:rPr lang="en-GB" sz="2400" b="0" i="1" noProof="0" smtClean="0">
-                            <a:latin typeface="Cambria Math" panose="02040503050406030204" pitchFamily="18" charset="0"/>
-                            <a:cs typeface="Arial" panose="020B0604020202020204" pitchFamily="34" charset="0"/>
-                          </a:rPr>
-                        </m:ctrlPr>
-                      </m:sSubPr>
-                      <m:e>
-                        <m:r>
-                          <a:rPr lang="en-GB" sz="2400" b="0" i="1" noProof="0" smtClean="0">
-                            <a:latin typeface="Cambria Math" panose="02040503050406030204" pitchFamily="18" charset="0"/>
-                            <a:cs typeface="Arial" panose="020B0604020202020204" pitchFamily="34" charset="0"/>
-                          </a:rPr>
-                          <m:t>𝐿</m:t>
-                        </m:r>
-                      </m:e>
-                      <m:sub>
-                        <m:r>
-                          <a:rPr lang="en-GB" sz="2400" b="0" i="1" noProof="0" smtClean="0">
-                            <a:latin typeface="Cambria Math" panose="02040503050406030204" pitchFamily="18" charset="0"/>
-                            <a:cs typeface="Arial" panose="020B0604020202020204" pitchFamily="34" charset="0"/>
-                          </a:rPr>
-                          <m:t>𝑢</m:t>
-                        </m:r>
-                      </m:sub>
-                    </m:sSub>
-                  </m:oMath>
-                </a14:m>
-                <a:r>
-                  <a:rPr lang="en-GB" sz="2400" noProof="0" dirty="0">
-                    <a:latin typeface="Arial" panose="020B0604020202020204" pitchFamily="34" charset="0"/>
-                    <a:cs typeface="Arial" panose="020B0604020202020204" pitchFamily="34" charset="0"/>
-                  </a:rPr>
-                  <a:t> that solve the least squares problem:</a:t>
-                </a:r>
-              </a:p>
-            </p:txBody>
-          </p:sp>
-        </mc:Choice>
-        <mc:Fallback xmlns="">
-          <p:sp>
-            <p:nvSpPr>
-              <p:cNvPr id="4" name="CasellaDiTesto 3">
-                <a:extLst>
-                  <a:ext uri="{FF2B5EF4-FFF2-40B4-BE49-F238E27FC236}">
-                    <a16:creationId xmlns:a16="http://schemas.microsoft.com/office/drawing/2014/main" id="{A9F1D71B-7C26-282E-A5F7-6C13EFA9D5D8}"/>
-                  </a:ext>
-                </a:extLst>
-              </p:cNvPr>
-              <p:cNvSpPr txBox="1">
-                <a:spLocks noRot="1" noChangeAspect="1" noMove="1" noResize="1" noEditPoints="1" noAdjustHandles="1" noChangeArrowheads="1" noChangeShapeType="1" noTextEdit="1"/>
-              </p:cNvSpPr>
-              <p:nvPr/>
-            </p:nvSpPr>
-            <p:spPr>
-              <a:xfrm>
-                <a:off x="762000" y="1676400"/>
-                <a:ext cx="10744200" cy="3498650"/>
-              </a:xfrm>
-              <a:prstGeom prst="rect">
-                <a:avLst/>
-              </a:prstGeom>
-              <a:blipFill>
-                <a:blip r:embed="rId2"/>
-                <a:stretch>
-                  <a:fillRect l="-851" t="-1220" r="-794" b="-2091"/>
-                </a:stretch>
-              </a:blipFill>
-            </p:spPr>
-            <p:txBody>
-              <a:bodyPr/>
-              <a:lstStyle/>
-              <a:p>
-                <a:r>
-                  <a:rPr lang="it-IT">
-                    <a:noFill/>
-                  </a:rPr>
-                  <a:t> </a:t>
-                </a:r>
-              </a:p>
-            </p:txBody>
-          </p:sp>
-        </mc:Fallback>
-      </mc:AlternateContent>
+      <p:sp>
+        <p:nvSpPr>
+          <p:cNvPr id="4" name="CasellaDiTesto 3">
+            <a:extLst>
+              <a:ext uri="{FF2B5EF4-FFF2-40B4-BE49-F238E27FC236}">
+                <a16:creationId xmlns:a16="http://schemas.microsoft.com/office/drawing/2014/main" id="{6507F1CA-760D-7610-6074-9D33BF23D5C8}"/>
+              </a:ext>
+            </a:extLst>
+          </p:cNvPr>
+          <p:cNvSpPr txBox="1"/>
+          <p:nvPr/>
+        </p:nvSpPr>
+        <p:spPr>
+          <a:xfrm>
+            <a:off x="762000" y="1676400"/>
+            <a:ext cx="10744200" cy="4203010"/>
+          </a:xfrm>
+          <a:prstGeom prst="rect">
+            <a:avLst/>
+          </a:prstGeom>
+          <a:noFill/>
+        </p:spPr>
+        <p:txBody>
+          <a:bodyPr wrap="square">
+            <a:spAutoFit/>
+          </a:bodyPr>
+          <a:lstStyle/>
+          <a:p>
+            <a:pPr algn="just"/>
+            <a:r>
+              <a:rPr lang="en-GB" sz="2400" noProof="0" dirty="0">
+                <a:latin typeface="Arial" panose="020B0604020202020204" pitchFamily="34" charset="0"/>
+                <a:cs typeface="Arial" panose="020B0604020202020204" pitchFamily="34" charset="0"/>
+              </a:rPr>
+              <a:t>Using past matrices we can build matrix</a:t>
+            </a:r>
+          </a:p>
+          <a:p>
+            <a:pPr algn="just"/>
+            <a:endParaRPr lang="en-GB" sz="2400" noProof="0" dirty="0">
+              <a:latin typeface="Arial" panose="020B0604020202020204" pitchFamily="34" charset="0"/>
+              <a:cs typeface="Arial" panose="020B0604020202020204" pitchFamily="34" charset="0"/>
+            </a:endParaRPr>
+          </a:p>
+          <a:p>
+            <a:pPr algn="just"/>
+            <a:r>
+              <a:rPr lang="en-GB" sz="2400" noProof="0" dirty="0">
+                <a:latin typeface="Arial" panose="020B0604020202020204" pitchFamily="34" charset="0"/>
+                <a:cs typeface="Arial" panose="020B0604020202020204" pitchFamily="34" charset="0"/>
+              </a:rPr>
+              <a:t>We can find a linear predictor of the outputs solving the last squares problem</a:t>
+            </a:r>
+          </a:p>
+          <a:p>
+            <a:pPr algn="just"/>
+            <a:endParaRPr lang="en-GB" sz="2400" dirty="0">
+              <a:latin typeface="Arial" panose="020B0604020202020204" pitchFamily="34" charset="0"/>
+              <a:cs typeface="Arial" panose="020B0604020202020204" pitchFamily="34" charset="0"/>
+            </a:endParaRPr>
+          </a:p>
+          <a:p>
+            <a:pPr algn="just"/>
+            <a:endParaRPr lang="en-GB" sz="2400" noProof="0" dirty="0">
+              <a:latin typeface="Arial" panose="020B0604020202020204" pitchFamily="34" charset="0"/>
+              <a:cs typeface="Arial" panose="020B0604020202020204" pitchFamily="34" charset="0"/>
+            </a:endParaRPr>
+          </a:p>
+          <a:p>
+            <a:pPr algn="just"/>
+            <a:endParaRPr lang="en-GB" sz="2400" noProof="0" dirty="0">
+              <a:latin typeface="Arial" panose="020B0604020202020204" pitchFamily="34" charset="0"/>
+              <a:cs typeface="Arial" panose="020B0604020202020204" pitchFamily="34" charset="0"/>
+            </a:endParaRPr>
+          </a:p>
+          <a:p>
+            <a:pPr algn="just"/>
+            <a:endParaRPr lang="en-GB" sz="2400" noProof="0" dirty="0">
+              <a:latin typeface="Arial" panose="020B0604020202020204" pitchFamily="34" charset="0"/>
+              <a:cs typeface="Arial" panose="020B0604020202020204" pitchFamily="34" charset="0"/>
+            </a:endParaRPr>
+          </a:p>
+          <a:p>
+            <a:pPr algn="just"/>
+            <a:r>
+              <a:rPr lang="en-GB" sz="2400" dirty="0">
+                <a:latin typeface="Arial" panose="020B0604020202020204" pitchFamily="34" charset="0"/>
+                <a:cs typeface="Arial" panose="020B0604020202020204" pitchFamily="34" charset="0"/>
+              </a:rPr>
+              <a:t>And then predict the outputs as:</a:t>
+            </a:r>
+          </a:p>
+          <a:p>
+            <a:pPr algn="just"/>
+            <a:endParaRPr lang="en-GB" sz="2400" noProof="0" dirty="0">
+              <a:latin typeface="Arial" panose="020B0604020202020204" pitchFamily="34" charset="0"/>
+              <a:cs typeface="Arial" panose="020B0604020202020204" pitchFamily="34" charset="0"/>
+            </a:endParaRPr>
+          </a:p>
+          <a:p>
+            <a:pPr algn="just"/>
+            <a:endParaRPr lang="en-GB" sz="2400" noProof="0" dirty="0">
+              <a:latin typeface="Arial" panose="020B0604020202020204" pitchFamily="34" charset="0"/>
+              <a:cs typeface="Arial" panose="020B0604020202020204" pitchFamily="34" charset="0"/>
+            </a:endParaRPr>
+          </a:p>
+          <a:p>
+            <a:pPr algn="just"/>
+            <a:endParaRPr lang="en-GB" sz="2400" noProof="0" dirty="0">
+              <a:latin typeface="Arial" panose="020B0604020202020204" pitchFamily="34" charset="0"/>
+              <a:cs typeface="Arial" panose="020B0604020202020204" pitchFamily="34" charset="0"/>
+            </a:endParaRPr>
+          </a:p>
+        </p:txBody>
+      </p:sp>
       <p:pic>
         <p:nvPicPr>
           <p:cNvPr id="3074" name="Picture 2">
             <a:extLst>
               <a:ext uri="{FF2B5EF4-FFF2-40B4-BE49-F238E27FC236}">
-                <a16:creationId xmlns:a16="http://schemas.microsoft.com/office/drawing/2014/main" id="{888B6C39-EA51-2423-9BBE-9407BF786949}"/>
+                <a16:creationId xmlns:a16="http://schemas.microsoft.com/office/drawing/2014/main" id="{2EA5F3F5-C136-FDAA-A0E5-9B30AAD6EA27}"/>
               </a:ext>
             </a:extLst>
           </p:cNvPr>
@@ -16244,7 +16165,7 @@
           <p:nvPr/>
         </p:nvPicPr>
         <p:blipFill>
-          <a:blip r:embed="rId3">
+          <a:blip r:embed="rId2">
             <a:extLst>
               <a:ext uri="{28A0092B-C50C-407E-A947-70E740481C1C}">
                 <a14:useLocalDpi xmlns:a14="http://schemas.microsoft.com/office/drawing/2010/main" val="0"/>
@@ -16281,7 +16202,7 @@
           <p:cNvPr id="3076" name="Picture 4">
             <a:extLst>
               <a:ext uri="{FF2B5EF4-FFF2-40B4-BE49-F238E27FC236}">
-                <a16:creationId xmlns:a16="http://schemas.microsoft.com/office/drawing/2014/main" id="{49EE8198-8CC9-6E6C-4F5A-4252BDD11CC5}"/>
+                <a16:creationId xmlns:a16="http://schemas.microsoft.com/office/drawing/2014/main" id="{58D14BED-06E0-AF68-FCC9-319D3D26B45A}"/>
               </a:ext>
             </a:extLst>
           </p:cNvPr>
@@ -16291,7 +16212,7 @@
           <p:nvPr/>
         </p:nvPicPr>
         <p:blipFill>
-          <a:blip r:embed="rId4">
+          <a:blip r:embed="rId3">
             <a:extLst>
               <a:ext uri="{28A0092B-C50C-407E-A947-70E740481C1C}">
                 <a14:useLocalDpi xmlns:a14="http://schemas.microsoft.com/office/drawing/2010/main" val="0"/>
@@ -16305,7 +16226,7 @@
         </p:blipFill>
         <p:spPr bwMode="auto">
           <a:xfrm>
-            <a:off x="2652712" y="4779069"/>
+            <a:off x="2195512" y="3026962"/>
             <a:ext cx="7800975" cy="1038225"/>
           </a:xfrm>
           <a:prstGeom prst="rect">
@@ -16323,10 +16244,40 @@
           </a:extLst>
         </p:spPr>
       </p:pic>
+      <p:pic>
+        <p:nvPicPr>
+          <p:cNvPr id="3" name="Immagine 2" descr="Immagine che contiene testo, Carattere, bianco, linea&#10;&#10;Il contenuto generato dall'IA potrebbe non essere corretto.">
+            <a:extLst>
+              <a:ext uri="{FF2B5EF4-FFF2-40B4-BE49-F238E27FC236}">
+                <a16:creationId xmlns:a16="http://schemas.microsoft.com/office/drawing/2014/main" id="{EE82EBC4-754D-4D75-3AC9-794E03EE78AA}"/>
+              </a:ext>
+            </a:extLst>
+          </p:cNvPr>
+          <p:cNvPicPr>
+            <a:picLocks noChangeAspect="1"/>
+          </p:cNvPicPr>
+          <p:nvPr/>
+        </p:nvPicPr>
+        <p:blipFill>
+          <a:blip r:embed="rId4"/>
+          <a:stretch>
+            <a:fillRect/>
+          </a:stretch>
+        </p:blipFill>
+        <p:spPr>
+          <a:xfrm>
+            <a:off x="3276600" y="4747810"/>
+            <a:ext cx="5410200" cy="814790"/>
+          </a:xfrm>
+          <a:prstGeom prst="rect">
+            <a:avLst/>
+          </a:prstGeom>
+        </p:spPr>
+      </p:pic>
     </p:spTree>
     <p:extLst>
       <p:ext uri="{BB962C8B-B14F-4D97-AF65-F5344CB8AC3E}">
-        <p14:creationId xmlns:p14="http://schemas.microsoft.com/office/powerpoint/2010/main" val="2307728230"/>
+        <p14:creationId xmlns:p14="http://schemas.microsoft.com/office/powerpoint/2010/main" val="839906566"/>
       </p:ext>
     </p:extLst>
   </p:cSld>

--- a/SPC_Presentation.pptx
+++ b/SPC_Presentation.pptx
@@ -12891,7 +12891,9 @@
           <a:lstStyle/>
           <a:p>
             <a:r>
-              <a:rPr lang="en-US" dirty="0"/>
+              <a:rPr lang="en-US" dirty="0">
+                <a:latin typeface="Arial Black" panose="020B0A04020102020204" pitchFamily="34" charset="0"/>
+              </a:rPr>
               <a:t>We are not reinventing the wheel</a:t>
             </a:r>
             <a:endParaRPr lang="en-GB" noProof="0" dirty="0">
